--- a/output/generated_presentation.pptx
+++ b/output/generated_presentation.pptx
@@ -2,7 +2,7 @@
 <file path=ppt/presentation.xml><?xml version="1.0" encoding="utf-8"?>
 <p:presentation xmlns:a="http://schemas.openxmlformats.org/drawingml/2006/main" xmlns:r="http://schemas.openxmlformats.org/officeDocument/2006/relationships" xmlns:p="http://schemas.openxmlformats.org/presentationml/2006/main" saveSubsetFonts="1">
   <p:sldMasterIdLst>
-    <p:sldMasterId id="2147483660" r:id="rId1"/>
+    <p:sldMasterId id="2147483756" r:id="rId1"/>
   </p:sldMasterIdLst>
   <p:sldIdLst>
     <p:sldId id="256" r:id="rId2"/>
@@ -16,10 +16,6 @@
     <p:sldId id="264" r:id="rId14"/>
     <p:sldId id="265" r:id="rId15"/>
     <p:sldId id="266" r:id="rId16"/>
-    <p:sldId id="267" r:id="rId17"/>
-    <p:sldId id="268" r:id="rId18"/>
-    <p:sldId id="269" r:id="rId19"/>
-    <p:sldId id="270" r:id="rId20"/>
   </p:sldIdLst>
   <p:sldSz cx="12192000" cy="6858000"/>
   <p:notesSz cx="6858000" cy="9144000"/>
@@ -155,17 +151,32 @@
         </p:nvSpPr>
         <p:spPr>
           <a:xfrm>
-            <a:off x="2417779" y="802298"/>
-            <a:ext cx="8637073" cy="2541431"/>
+            <a:off x="1751012" y="609601"/>
+            <a:ext cx="8676222" cy="3200400"/>
           </a:xfrm>
         </p:spPr>
         <p:txBody>
-          <a:bodyPr bIns="0" anchor="b">
+          <a:bodyPr anchor="b">
             <a:normAutofit/>
           </a:bodyPr>
           <a:lstStyle>
-            <a:lvl1pPr algn="l">
-              <a:defRPr sz="6600"/>
+            <a:lvl1pPr algn="ctr">
+              <a:defRPr sz="4800">
+                <a:effectLst>
+                  <a:glow rad="38100">
+                    <a:schemeClr val="bg1">
+                      <a:lumMod val="65000"/>
+                      <a:lumOff val="35000"/>
+                      <a:alpha val="50000"/>
+                    </a:schemeClr>
+                  </a:glow>
+                  <a:outerShdw blurRad="28575" dist="31750" dir="13200000" algn="tl" rotWithShape="0">
+                    <a:srgbClr val="000000">
+                      <a:alpha val="25000"/>
+                    </a:srgbClr>
+                  </a:outerShdw>
+                </a:effectLst>
+              </a:defRPr>
             </a:lvl1pPr>
           </a:lstStyle>
           <a:p>
@@ -189,54 +200,113 @@
         </p:nvSpPr>
         <p:spPr>
           <a:xfrm>
-            <a:off x="2417780" y="3531204"/>
-            <a:ext cx="8637072" cy="977621"/>
+            <a:off x="1751012" y="3886200"/>
+            <a:ext cx="8676222" cy="1905000"/>
           </a:xfrm>
         </p:spPr>
         <p:txBody>
-          <a:bodyPr tIns="91440" bIns="91440">
+          <a:bodyPr anchor="t">
             <a:normAutofit/>
           </a:bodyPr>
           <a:lstStyle>
-            <a:lvl1pPr marL="0" indent="0" algn="l">
-              <a:buNone/>
-              <a:defRPr sz="1800" b="0" cap="all" baseline="0">
-                <a:solidFill>
-                  <a:schemeClr val="tx1"/>
-                </a:solidFill>
+            <a:lvl1pPr marL="0" indent="0" algn="ctr">
+              <a:buNone/>
+              <a:defRPr sz="2100">
+                <a:gradFill flip="none" rotWithShape="1">
+                  <a:gsLst>
+                    <a:gs pos="0">
+                      <a:schemeClr val="tx1"/>
+                    </a:gs>
+                    <a:gs pos="100000">
+                      <a:schemeClr val="tx1">
+                        <a:lumMod val="75000"/>
+                      </a:schemeClr>
+                    </a:gs>
+                  </a:gsLst>
+                  <a:lin ang="5400000" scaled="0"/>
+                  <a:tileRect/>
+                </a:gradFill>
               </a:defRPr>
             </a:lvl1pPr>
             <a:lvl2pPr marL="457200" indent="0" algn="ctr">
               <a:buNone/>
-              <a:defRPr sz="1800"/>
+              <a:defRPr>
+                <a:solidFill>
+                  <a:schemeClr val="tx1">
+                    <a:tint val="75000"/>
+                  </a:schemeClr>
+                </a:solidFill>
+              </a:defRPr>
             </a:lvl2pPr>
             <a:lvl3pPr marL="914400" indent="0" algn="ctr">
               <a:buNone/>
-              <a:defRPr sz="1800"/>
+              <a:defRPr>
+                <a:solidFill>
+                  <a:schemeClr val="tx1">
+                    <a:tint val="75000"/>
+                  </a:schemeClr>
+                </a:solidFill>
+              </a:defRPr>
             </a:lvl3pPr>
             <a:lvl4pPr marL="1371600" indent="0" algn="ctr">
               <a:buNone/>
-              <a:defRPr sz="1600"/>
+              <a:defRPr>
+                <a:solidFill>
+                  <a:schemeClr val="tx1">
+                    <a:tint val="75000"/>
+                  </a:schemeClr>
+                </a:solidFill>
+              </a:defRPr>
             </a:lvl4pPr>
             <a:lvl5pPr marL="1828800" indent="0" algn="ctr">
               <a:buNone/>
-              <a:defRPr sz="1600"/>
+              <a:defRPr>
+                <a:solidFill>
+                  <a:schemeClr val="tx1">
+                    <a:tint val="75000"/>
+                  </a:schemeClr>
+                </a:solidFill>
+              </a:defRPr>
             </a:lvl5pPr>
             <a:lvl6pPr marL="2286000" indent="0" algn="ctr">
               <a:buNone/>
-              <a:defRPr sz="1600"/>
+              <a:defRPr>
+                <a:solidFill>
+                  <a:schemeClr val="tx1">
+                    <a:tint val="75000"/>
+                  </a:schemeClr>
+                </a:solidFill>
+              </a:defRPr>
             </a:lvl6pPr>
             <a:lvl7pPr marL="2743200" indent="0" algn="ctr">
               <a:buNone/>
-              <a:defRPr sz="1600"/>
+              <a:defRPr>
+                <a:solidFill>
+                  <a:schemeClr val="tx1">
+                    <a:tint val="75000"/>
+                  </a:schemeClr>
+                </a:solidFill>
+              </a:defRPr>
             </a:lvl7pPr>
             <a:lvl8pPr marL="3200400" indent="0" algn="ctr">
               <a:buNone/>
-              <a:defRPr sz="1600"/>
+              <a:defRPr>
+                <a:solidFill>
+                  <a:schemeClr val="tx1">
+                    <a:tint val="75000"/>
+                  </a:schemeClr>
+                </a:solidFill>
+              </a:defRPr>
             </a:lvl8pPr>
             <a:lvl9pPr marL="3657600" indent="0" algn="ctr">
               <a:buNone/>
-              <a:defRPr sz="1600"/>
+              <a:defRPr>
+                <a:solidFill>
+                  <a:schemeClr val="tx1">
+                    <a:tint val="75000"/>
+                  </a:schemeClr>
+                </a:solidFill>
+              </a:defRPr>
             </a:lvl9pPr>
           </a:lstStyle>
           <a:p>
@@ -265,7 +335,7 @@
           <a:p>
             <a:fld id="{874FFE33-465F-4E9E-89CE-5F79E84B8B4B}" type="datetimeFigureOut">
               <a:rPr lang="en-IN" smtClean="0"/>
-              <a:t>07-10-2024</a:t>
+              <a:t>28-02-2025</a:t>
             </a:fld>
             <a:endParaRPr lang="en-IN"/>
           </a:p>
@@ -281,12 +351,7 @@
             <p:ph type="ftr" sz="quarter" idx="11"/>
           </p:nvPr>
         </p:nvSpPr>
-        <p:spPr>
-          <a:xfrm>
-            <a:off x="2416500" y="329307"/>
-            <a:ext cx="4973915" cy="309201"/>
-          </a:xfrm>
-        </p:spPr>
+        <p:spPr/>
         <p:txBody>
           <a:bodyPr/>
           <a:lstStyle/>
@@ -305,12 +370,7 @@
             <p:ph type="sldNum" sz="quarter" idx="12"/>
           </p:nvPr>
         </p:nvSpPr>
-        <p:spPr>
-          <a:xfrm>
-            <a:off x="1437664" y="798973"/>
-            <a:ext cx="811019" cy="503578"/>
-          </a:xfrm>
-        </p:spPr>
+        <p:spPr/>
         <p:txBody>
           <a:bodyPr/>
           <a:lstStyle/>
@@ -323,41 +383,10 @@
           </a:p>
         </p:txBody>
       </p:sp>
-      <p:cxnSp>
-        <p:nvCxnSpPr>
-          <p:cNvPr id="15" name="Straight Connector 14"/>
-          <p:cNvCxnSpPr/>
-          <p:nvPr/>
-        </p:nvCxnSpPr>
-        <p:spPr>
-          <a:xfrm>
-            <a:off x="2417780" y="3528542"/>
-            <a:ext cx="8637072" cy="0"/>
-          </a:xfrm>
-          <a:prstGeom prst="line">
-            <a:avLst/>
-          </a:prstGeom>
-          <a:ln w="31750"/>
-        </p:spPr>
-        <p:style>
-          <a:lnRef idx="3">
-            <a:schemeClr val="accent1"/>
-          </a:lnRef>
-          <a:fillRef idx="0">
-            <a:schemeClr val="accent1"/>
-          </a:fillRef>
-          <a:effectRef idx="2">
-            <a:schemeClr val="accent1"/>
-          </a:effectRef>
-          <a:fontRef idx="minor">
-            <a:schemeClr val="tx1"/>
-          </a:fontRef>
-        </p:style>
-      </p:cxnSp>
     </p:spTree>
     <p:extLst>
       <p:ext uri="{BB962C8B-B14F-4D97-AF65-F5344CB8AC3E}">
-        <p14:creationId xmlns:p14="http://schemas.microsoft.com/office/powerpoint/2010/main" val="3360900819"/>
+        <p14:creationId xmlns:p14="http://schemas.microsoft.com/office/powerpoint/2010/main" val="1355845252"/>
       </p:ext>
     </p:extLst>
   </p:cSld>
@@ -368,6 +397,2113 @@
 </file>
 
 <file path=ppt/slideLayouts/slideLayout10.xml><?xml version="1.0" encoding="utf-8"?>
+<p:sldLayout xmlns:a="http://schemas.openxmlformats.org/drawingml/2006/main" xmlns:r="http://schemas.openxmlformats.org/officeDocument/2006/relationships" xmlns:p="http://schemas.openxmlformats.org/presentationml/2006/main" preserve="1">
+  <p:cSld name="Panoramic Picture with Caption">
+    <p:spTree>
+      <p:nvGrpSpPr>
+        <p:cNvPr id="1" name=""/>
+        <p:cNvGrpSpPr/>
+        <p:nvPr/>
+      </p:nvGrpSpPr>
+      <p:grpSpPr>
+        <a:xfrm>
+          <a:off x="0" y="0"/>
+          <a:ext cx="0" cy="0"/>
+          <a:chOff x="0" y="0"/>
+          <a:chExt cx="0" cy="0"/>
+        </a:xfrm>
+      </p:grpSpPr>
+      <p:sp>
+        <p:nvSpPr>
+          <p:cNvPr id="2" name="Title 1"/>
+          <p:cNvSpPr>
+            <a:spLocks noGrp="1"/>
+          </p:cNvSpPr>
+          <p:nvPr>
+            <p:ph type="title"/>
+          </p:nvPr>
+        </p:nvSpPr>
+        <p:spPr>
+          <a:xfrm>
+            <a:off x="1141413" y="4732865"/>
+            <a:ext cx="9906000" cy="566738"/>
+          </a:xfrm>
+        </p:spPr>
+        <p:txBody>
+          <a:bodyPr anchor="b">
+            <a:normAutofit/>
+          </a:bodyPr>
+          <a:lstStyle>
+            <a:lvl1pPr algn="l">
+              <a:defRPr sz="2400" b="0"/>
+            </a:lvl1pPr>
+          </a:lstStyle>
+          <a:p>
+            <a:r>
+              <a:rPr lang="en-US"/>
+              <a:t>Click to edit Master title style</a:t>
+            </a:r>
+            <a:endParaRPr lang="en-US" dirty="0"/>
+          </a:p>
+        </p:txBody>
+      </p:sp>
+      <p:sp>
+        <p:nvSpPr>
+          <p:cNvPr id="3" name="Picture Placeholder 2"/>
+          <p:cNvSpPr>
+            <a:spLocks noGrp="1" noChangeAspect="1"/>
+          </p:cNvSpPr>
+          <p:nvPr>
+            <p:ph type="pic" idx="1"/>
+          </p:nvPr>
+        </p:nvSpPr>
+        <p:spPr>
+          <a:xfrm>
+            <a:off x="1979612" y="932112"/>
+            <a:ext cx="8225944" cy="3164976"/>
+          </a:xfrm>
+          <a:prstGeom prst="roundRect">
+            <a:avLst>
+              <a:gd name="adj" fmla="val 4380"/>
+            </a:avLst>
+          </a:prstGeom>
+          <a:ln w="38100">
+            <a:gradFill flip="none" rotWithShape="1">
+              <a:gsLst>
+                <a:gs pos="0">
+                  <a:schemeClr val="bg2"/>
+                </a:gs>
+                <a:gs pos="100000">
+                  <a:schemeClr val="bg2">
+                    <a:lumMod val="75000"/>
+                  </a:schemeClr>
+                </a:gs>
+              </a:gsLst>
+              <a:lin ang="5400000" scaled="0"/>
+              <a:tileRect/>
+            </a:gradFill>
+          </a:ln>
+          <a:effectLst>
+            <a:innerShdw blurRad="57150" dist="38100" dir="14460000">
+              <a:srgbClr val="000000">
+                <a:alpha val="70000"/>
+              </a:srgbClr>
+            </a:innerShdw>
+          </a:effectLst>
+        </p:spPr>
+        <p:txBody>
+          <a:bodyPr anchor="t">
+            <a:normAutofit/>
+          </a:bodyPr>
+          <a:lstStyle>
+            <a:lvl1pPr marL="0" indent="0" algn="ctr">
+              <a:buNone/>
+              <a:defRPr sz="1600"/>
+            </a:lvl1pPr>
+            <a:lvl2pPr marL="457200" indent="0">
+              <a:buNone/>
+              <a:defRPr sz="1600"/>
+            </a:lvl2pPr>
+            <a:lvl3pPr marL="914400" indent="0">
+              <a:buNone/>
+              <a:defRPr sz="1600"/>
+            </a:lvl3pPr>
+            <a:lvl4pPr marL="1371600" indent="0">
+              <a:buNone/>
+              <a:defRPr sz="1600"/>
+            </a:lvl4pPr>
+            <a:lvl5pPr marL="1828800" indent="0">
+              <a:buNone/>
+              <a:defRPr sz="1600"/>
+            </a:lvl5pPr>
+            <a:lvl6pPr marL="2286000" indent="0">
+              <a:buNone/>
+              <a:defRPr sz="1600"/>
+            </a:lvl6pPr>
+            <a:lvl7pPr marL="2743200" indent="0">
+              <a:buNone/>
+              <a:defRPr sz="1600"/>
+            </a:lvl7pPr>
+            <a:lvl8pPr marL="3200400" indent="0">
+              <a:buNone/>
+              <a:defRPr sz="1600"/>
+            </a:lvl8pPr>
+            <a:lvl9pPr marL="3657600" indent="0">
+              <a:buNone/>
+              <a:defRPr sz="1600"/>
+            </a:lvl9pPr>
+          </a:lstStyle>
+          <a:p>
+            <a:r>
+              <a:rPr lang="en-US"/>
+              <a:t>Click icon to add picture</a:t>
+            </a:r>
+            <a:endParaRPr lang="en-US" dirty="0"/>
+          </a:p>
+        </p:txBody>
+      </p:sp>
+      <p:sp>
+        <p:nvSpPr>
+          <p:cNvPr id="4" name="Text Placeholder 3"/>
+          <p:cNvSpPr>
+            <a:spLocks noGrp="1"/>
+          </p:cNvSpPr>
+          <p:nvPr>
+            <p:ph type="body" sz="half" idx="2"/>
+          </p:nvPr>
+        </p:nvSpPr>
+        <p:spPr>
+          <a:xfrm>
+            <a:off x="1141413" y="5299603"/>
+            <a:ext cx="9906000" cy="493712"/>
+          </a:xfrm>
+        </p:spPr>
+        <p:txBody>
+          <a:bodyPr>
+            <a:normAutofit/>
+          </a:bodyPr>
+          <a:lstStyle>
+            <a:lvl1pPr marL="0" indent="0">
+              <a:buNone/>
+              <a:defRPr sz="1400"/>
+            </a:lvl1pPr>
+            <a:lvl2pPr marL="457200" indent="0">
+              <a:buNone/>
+              <a:defRPr sz="1200"/>
+            </a:lvl2pPr>
+            <a:lvl3pPr marL="914400" indent="0">
+              <a:buNone/>
+              <a:defRPr sz="1000"/>
+            </a:lvl3pPr>
+            <a:lvl4pPr marL="1371600" indent="0">
+              <a:buNone/>
+              <a:defRPr sz="900"/>
+            </a:lvl4pPr>
+            <a:lvl5pPr marL="1828800" indent="0">
+              <a:buNone/>
+              <a:defRPr sz="900"/>
+            </a:lvl5pPr>
+            <a:lvl6pPr marL="2286000" indent="0">
+              <a:buNone/>
+              <a:defRPr sz="900"/>
+            </a:lvl6pPr>
+            <a:lvl7pPr marL="2743200" indent="0">
+              <a:buNone/>
+              <a:defRPr sz="900"/>
+            </a:lvl7pPr>
+            <a:lvl8pPr marL="3200400" indent="0">
+              <a:buNone/>
+              <a:defRPr sz="900"/>
+            </a:lvl8pPr>
+            <a:lvl9pPr marL="3657600" indent="0">
+              <a:buNone/>
+              <a:defRPr sz="900"/>
+            </a:lvl9pPr>
+          </a:lstStyle>
+          <a:p>
+            <a:pPr lvl="0"/>
+            <a:r>
+              <a:rPr lang="en-US"/>
+              <a:t>Click to edit Master text styles</a:t>
+            </a:r>
+          </a:p>
+        </p:txBody>
+      </p:sp>
+      <p:sp>
+        <p:nvSpPr>
+          <p:cNvPr id="5" name="Date Placeholder 4"/>
+          <p:cNvSpPr>
+            <a:spLocks noGrp="1"/>
+          </p:cNvSpPr>
+          <p:nvPr>
+            <p:ph type="dt" sz="half" idx="10"/>
+          </p:nvPr>
+        </p:nvSpPr>
+        <p:spPr/>
+        <p:txBody>
+          <a:bodyPr/>
+          <a:lstStyle/>
+          <a:p>
+            <a:fld id="{874FFE33-465F-4E9E-89CE-5F79E84B8B4B}" type="datetimeFigureOut">
+              <a:rPr lang="en-IN" smtClean="0"/>
+              <a:t>28-02-2025</a:t>
+            </a:fld>
+            <a:endParaRPr lang="en-IN"/>
+          </a:p>
+        </p:txBody>
+      </p:sp>
+      <p:sp>
+        <p:nvSpPr>
+          <p:cNvPr id="6" name="Footer Placeholder 5"/>
+          <p:cNvSpPr>
+            <a:spLocks noGrp="1"/>
+          </p:cNvSpPr>
+          <p:nvPr>
+            <p:ph type="ftr" sz="quarter" idx="11"/>
+          </p:nvPr>
+        </p:nvSpPr>
+        <p:spPr/>
+        <p:txBody>
+          <a:bodyPr/>
+          <a:lstStyle/>
+          <a:p>
+            <a:endParaRPr lang="en-IN"/>
+          </a:p>
+        </p:txBody>
+      </p:sp>
+      <p:sp>
+        <p:nvSpPr>
+          <p:cNvPr id="7" name="Slide Number Placeholder 6"/>
+          <p:cNvSpPr>
+            <a:spLocks noGrp="1"/>
+          </p:cNvSpPr>
+          <p:nvPr>
+            <p:ph type="sldNum" sz="quarter" idx="12"/>
+          </p:nvPr>
+        </p:nvSpPr>
+        <p:spPr/>
+        <p:txBody>
+          <a:bodyPr/>
+          <a:lstStyle/>
+          <a:p>
+            <a:fld id="{54BE194E-5C1C-4569-9491-10264D79D787}" type="slidenum">
+              <a:rPr lang="en-IN" smtClean="0"/>
+              <a:t>‹#›</a:t>
+            </a:fld>
+            <a:endParaRPr lang="en-IN"/>
+          </a:p>
+        </p:txBody>
+      </p:sp>
+    </p:spTree>
+    <p:extLst>
+      <p:ext uri="{BB962C8B-B14F-4D97-AF65-F5344CB8AC3E}">
+        <p14:creationId xmlns:p14="http://schemas.microsoft.com/office/powerpoint/2010/main" val="2693340215"/>
+      </p:ext>
+    </p:extLst>
+  </p:cSld>
+  <p:clrMapOvr>
+    <a:masterClrMapping/>
+  </p:clrMapOvr>
+</p:sldLayout>
+</file>
+
+<file path=ppt/slideLayouts/slideLayout11.xml><?xml version="1.0" encoding="utf-8"?>
+<p:sldLayout xmlns:a="http://schemas.openxmlformats.org/drawingml/2006/main" xmlns:r="http://schemas.openxmlformats.org/officeDocument/2006/relationships" xmlns:p="http://schemas.openxmlformats.org/presentationml/2006/main" preserve="1">
+  <p:cSld name="Title and Caption">
+    <p:spTree>
+      <p:nvGrpSpPr>
+        <p:cNvPr id="1" name=""/>
+        <p:cNvGrpSpPr/>
+        <p:nvPr/>
+      </p:nvGrpSpPr>
+      <p:grpSpPr>
+        <a:xfrm>
+          <a:off x="0" y="0"/>
+          <a:ext cx="0" cy="0"/>
+          <a:chOff x="0" y="0"/>
+          <a:chExt cx="0" cy="0"/>
+        </a:xfrm>
+      </p:grpSpPr>
+      <p:sp>
+        <p:nvSpPr>
+          <p:cNvPr id="2" name="Title 1"/>
+          <p:cNvSpPr>
+            <a:spLocks noGrp="1"/>
+          </p:cNvSpPr>
+          <p:nvPr>
+            <p:ph type="title"/>
+          </p:nvPr>
+        </p:nvSpPr>
+        <p:spPr>
+          <a:xfrm>
+            <a:off x="1141412" y="609601"/>
+            <a:ext cx="9905999" cy="3124199"/>
+          </a:xfrm>
+        </p:spPr>
+        <p:txBody>
+          <a:bodyPr anchor="ctr">
+            <a:normAutofit/>
+          </a:bodyPr>
+          <a:lstStyle>
+            <a:lvl1pPr algn="l">
+              <a:defRPr sz="3200" b="0" cap="all"/>
+            </a:lvl1pPr>
+          </a:lstStyle>
+          <a:p>
+            <a:r>
+              <a:rPr lang="en-US"/>
+              <a:t>Click to edit Master title style</a:t>
+            </a:r>
+            <a:endParaRPr lang="en-US" dirty="0"/>
+          </a:p>
+        </p:txBody>
+      </p:sp>
+      <p:sp>
+        <p:nvSpPr>
+          <p:cNvPr id="3" name="Text Placeholder 2"/>
+          <p:cNvSpPr>
+            <a:spLocks noGrp="1"/>
+          </p:cNvSpPr>
+          <p:nvPr>
+            <p:ph type="body" idx="1"/>
+          </p:nvPr>
+        </p:nvSpPr>
+        <p:spPr>
+          <a:xfrm>
+            <a:off x="1141411" y="4343400"/>
+            <a:ext cx="9906000" cy="1447800"/>
+          </a:xfrm>
+        </p:spPr>
+        <p:txBody>
+          <a:bodyPr anchor="ctr">
+            <a:normAutofit/>
+          </a:bodyPr>
+          <a:lstStyle>
+            <a:lvl1pPr marL="0" indent="0" algn="l">
+              <a:buNone/>
+              <a:defRPr sz="2000">
+                <a:gradFill flip="none" rotWithShape="1">
+                  <a:gsLst>
+                    <a:gs pos="0">
+                      <a:schemeClr val="tx1"/>
+                    </a:gs>
+                    <a:gs pos="100000">
+                      <a:schemeClr val="tx1">
+                        <a:lumMod val="75000"/>
+                      </a:schemeClr>
+                    </a:gs>
+                  </a:gsLst>
+                  <a:lin ang="5400000" scaled="0"/>
+                  <a:tileRect/>
+                </a:gradFill>
+              </a:defRPr>
+            </a:lvl1pPr>
+            <a:lvl2pPr marL="457200" indent="0">
+              <a:buNone/>
+              <a:defRPr sz="1800">
+                <a:solidFill>
+                  <a:schemeClr val="tx1">
+                    <a:tint val="75000"/>
+                  </a:schemeClr>
+                </a:solidFill>
+              </a:defRPr>
+            </a:lvl2pPr>
+            <a:lvl3pPr marL="914400" indent="0">
+              <a:buNone/>
+              <a:defRPr sz="1600">
+                <a:solidFill>
+                  <a:schemeClr val="tx1">
+                    <a:tint val="75000"/>
+                  </a:schemeClr>
+                </a:solidFill>
+              </a:defRPr>
+            </a:lvl3pPr>
+            <a:lvl4pPr marL="1371600" indent="0">
+              <a:buNone/>
+              <a:defRPr sz="1400">
+                <a:solidFill>
+                  <a:schemeClr val="tx1">
+                    <a:tint val="75000"/>
+                  </a:schemeClr>
+                </a:solidFill>
+              </a:defRPr>
+            </a:lvl4pPr>
+            <a:lvl5pPr marL="1828800" indent="0">
+              <a:buNone/>
+              <a:defRPr sz="1400">
+                <a:solidFill>
+                  <a:schemeClr val="tx1">
+                    <a:tint val="75000"/>
+                  </a:schemeClr>
+                </a:solidFill>
+              </a:defRPr>
+            </a:lvl5pPr>
+            <a:lvl6pPr marL="2286000" indent="0">
+              <a:buNone/>
+              <a:defRPr sz="1400">
+                <a:solidFill>
+                  <a:schemeClr val="tx1">
+                    <a:tint val="75000"/>
+                  </a:schemeClr>
+                </a:solidFill>
+              </a:defRPr>
+            </a:lvl6pPr>
+            <a:lvl7pPr marL="2743200" indent="0">
+              <a:buNone/>
+              <a:defRPr sz="1400">
+                <a:solidFill>
+                  <a:schemeClr val="tx1">
+                    <a:tint val="75000"/>
+                  </a:schemeClr>
+                </a:solidFill>
+              </a:defRPr>
+            </a:lvl7pPr>
+            <a:lvl8pPr marL="3200400" indent="0">
+              <a:buNone/>
+              <a:defRPr sz="1400">
+                <a:solidFill>
+                  <a:schemeClr val="tx1">
+                    <a:tint val="75000"/>
+                  </a:schemeClr>
+                </a:solidFill>
+              </a:defRPr>
+            </a:lvl8pPr>
+            <a:lvl9pPr marL="3657600" indent="0">
+              <a:buNone/>
+              <a:defRPr sz="1400">
+                <a:solidFill>
+                  <a:schemeClr val="tx1">
+                    <a:tint val="75000"/>
+                  </a:schemeClr>
+                </a:solidFill>
+              </a:defRPr>
+            </a:lvl9pPr>
+          </a:lstStyle>
+          <a:p>
+            <a:pPr lvl="0"/>
+            <a:r>
+              <a:rPr lang="en-US"/>
+              <a:t>Click to edit Master text styles</a:t>
+            </a:r>
+          </a:p>
+        </p:txBody>
+      </p:sp>
+      <p:sp>
+        <p:nvSpPr>
+          <p:cNvPr id="4" name="Date Placeholder 3"/>
+          <p:cNvSpPr>
+            <a:spLocks noGrp="1"/>
+          </p:cNvSpPr>
+          <p:nvPr>
+            <p:ph type="dt" sz="half" idx="10"/>
+          </p:nvPr>
+        </p:nvSpPr>
+        <p:spPr/>
+        <p:txBody>
+          <a:bodyPr/>
+          <a:lstStyle/>
+          <a:p>
+            <a:fld id="{874FFE33-465F-4E9E-89CE-5F79E84B8B4B}" type="datetimeFigureOut">
+              <a:rPr lang="en-IN" smtClean="0"/>
+              <a:t>28-02-2025</a:t>
+            </a:fld>
+            <a:endParaRPr lang="en-IN"/>
+          </a:p>
+        </p:txBody>
+      </p:sp>
+      <p:sp>
+        <p:nvSpPr>
+          <p:cNvPr id="5" name="Footer Placeholder 4"/>
+          <p:cNvSpPr>
+            <a:spLocks noGrp="1"/>
+          </p:cNvSpPr>
+          <p:nvPr>
+            <p:ph type="ftr" sz="quarter" idx="11"/>
+          </p:nvPr>
+        </p:nvSpPr>
+        <p:spPr/>
+        <p:txBody>
+          <a:bodyPr/>
+          <a:lstStyle/>
+          <a:p>
+            <a:endParaRPr lang="en-IN"/>
+          </a:p>
+        </p:txBody>
+      </p:sp>
+      <p:sp>
+        <p:nvSpPr>
+          <p:cNvPr id="6" name="Slide Number Placeholder 5"/>
+          <p:cNvSpPr>
+            <a:spLocks noGrp="1"/>
+          </p:cNvSpPr>
+          <p:nvPr>
+            <p:ph type="sldNum" sz="quarter" idx="12"/>
+          </p:nvPr>
+        </p:nvSpPr>
+        <p:spPr/>
+        <p:txBody>
+          <a:bodyPr/>
+          <a:lstStyle/>
+          <a:p>
+            <a:fld id="{54BE194E-5C1C-4569-9491-10264D79D787}" type="slidenum">
+              <a:rPr lang="en-IN" smtClean="0"/>
+              <a:t>‹#›</a:t>
+            </a:fld>
+            <a:endParaRPr lang="en-IN"/>
+          </a:p>
+        </p:txBody>
+      </p:sp>
+    </p:spTree>
+    <p:extLst>
+      <p:ext uri="{BB962C8B-B14F-4D97-AF65-F5344CB8AC3E}">
+        <p14:creationId xmlns:p14="http://schemas.microsoft.com/office/powerpoint/2010/main" val="1343636869"/>
+      </p:ext>
+    </p:extLst>
+  </p:cSld>
+  <p:clrMapOvr>
+    <a:masterClrMapping/>
+  </p:clrMapOvr>
+</p:sldLayout>
+</file>
+
+<file path=ppt/slideLayouts/slideLayout12.xml><?xml version="1.0" encoding="utf-8"?>
+<p:sldLayout xmlns:a="http://schemas.openxmlformats.org/drawingml/2006/main" xmlns:r="http://schemas.openxmlformats.org/officeDocument/2006/relationships" xmlns:p="http://schemas.openxmlformats.org/presentationml/2006/main" preserve="1">
+  <p:cSld name="Quote with Caption">
+    <p:spTree>
+      <p:nvGrpSpPr>
+        <p:cNvPr id="1" name=""/>
+        <p:cNvGrpSpPr/>
+        <p:nvPr/>
+      </p:nvGrpSpPr>
+      <p:grpSpPr>
+        <a:xfrm>
+          <a:off x="0" y="0"/>
+          <a:ext cx="0" cy="0"/>
+          <a:chOff x="0" y="0"/>
+          <a:chExt cx="0" cy="0"/>
+        </a:xfrm>
+      </p:grpSpPr>
+      <p:sp>
+        <p:nvSpPr>
+          <p:cNvPr id="14" name="TextBox 13"/>
+          <p:cNvSpPr txBox="1"/>
+          <p:nvPr/>
+        </p:nvSpPr>
+        <p:spPr>
+          <a:xfrm>
+            <a:off x="836612" y="786824"/>
+            <a:ext cx="609600" cy="584776"/>
+          </a:xfrm>
+          <a:prstGeom prst="rect">
+            <a:avLst/>
+          </a:prstGeom>
+        </p:spPr>
+        <p:txBody>
+          <a:bodyPr vert="horz" lIns="91440" tIns="45720" rIns="91440" bIns="45720" rtlCol="0" anchor="ctr">
+            <a:noAutofit/>
+          </a:bodyPr>
+          <a:lstStyle>
+            <a:lvl1pPr>
+              <a:spcBef>
+                <a:spcPct val="0"/>
+              </a:spcBef>
+              <a:buNone/>
+              <a:defRPr sz="3200" b="0" cap="all">
+                <a:ln w="3175" cmpd="sng">
+                  <a:noFill/>
+                </a:ln>
+                <a:effectLst>
+                  <a:glow rad="38100">
+                    <a:schemeClr val="bg1">
+                      <a:lumMod val="65000"/>
+                      <a:lumOff val="35000"/>
+                      <a:alpha val="40000"/>
+                    </a:schemeClr>
+                  </a:glow>
+                  <a:outerShdw blurRad="28575" dist="38100" dir="14040000" algn="tl" rotWithShape="0">
+                    <a:srgbClr val="000000">
+                      <a:alpha val="25000"/>
+                    </a:srgbClr>
+                  </a:outerShdw>
+                </a:effectLst>
+              </a:defRPr>
+            </a:lvl1pPr>
+            <a:lvl2pPr>
+              <a:defRPr>
+                <a:solidFill>
+                  <a:schemeClr val="tx2"/>
+                </a:solidFill>
+              </a:defRPr>
+            </a:lvl2pPr>
+            <a:lvl3pPr>
+              <a:defRPr>
+                <a:solidFill>
+                  <a:schemeClr val="tx2"/>
+                </a:solidFill>
+              </a:defRPr>
+            </a:lvl3pPr>
+            <a:lvl4pPr>
+              <a:defRPr>
+                <a:solidFill>
+                  <a:schemeClr val="tx2"/>
+                </a:solidFill>
+              </a:defRPr>
+            </a:lvl4pPr>
+            <a:lvl5pPr>
+              <a:defRPr>
+                <a:solidFill>
+                  <a:schemeClr val="tx2"/>
+                </a:solidFill>
+              </a:defRPr>
+            </a:lvl5pPr>
+            <a:lvl6pPr>
+              <a:defRPr>
+                <a:solidFill>
+                  <a:schemeClr val="tx2"/>
+                </a:solidFill>
+              </a:defRPr>
+            </a:lvl6pPr>
+            <a:lvl7pPr>
+              <a:defRPr>
+                <a:solidFill>
+                  <a:schemeClr val="tx2"/>
+                </a:solidFill>
+              </a:defRPr>
+            </a:lvl7pPr>
+            <a:lvl8pPr>
+              <a:defRPr>
+                <a:solidFill>
+                  <a:schemeClr val="tx2"/>
+                </a:solidFill>
+              </a:defRPr>
+            </a:lvl8pPr>
+            <a:lvl9pPr>
+              <a:defRPr>
+                <a:solidFill>
+                  <a:schemeClr val="tx2"/>
+                </a:solidFill>
+              </a:defRPr>
+            </a:lvl9pPr>
+          </a:lstStyle>
+          <a:p>
+            <a:pPr lvl="0"/>
+            <a:r>
+              <a:rPr lang="en-US" sz="8000" dirty="0">
+                <a:solidFill>
+                  <a:schemeClr val="accent1"/>
+                </a:solidFill>
+              </a:rPr>
+              <a:t>“</a:t>
+            </a:r>
+          </a:p>
+        </p:txBody>
+      </p:sp>
+      <p:sp>
+        <p:nvSpPr>
+          <p:cNvPr id="15" name="TextBox 14"/>
+          <p:cNvSpPr txBox="1"/>
+          <p:nvPr/>
+        </p:nvSpPr>
+        <p:spPr>
+          <a:xfrm>
+            <a:off x="10437812" y="2743200"/>
+            <a:ext cx="609600" cy="584776"/>
+          </a:xfrm>
+          <a:prstGeom prst="rect">
+            <a:avLst/>
+          </a:prstGeom>
+        </p:spPr>
+        <p:txBody>
+          <a:bodyPr vert="horz" lIns="91440" tIns="45720" rIns="91440" bIns="45720" rtlCol="0" anchor="ctr">
+            <a:noAutofit/>
+          </a:bodyPr>
+          <a:lstStyle>
+            <a:lvl1pPr>
+              <a:spcBef>
+                <a:spcPct val="0"/>
+              </a:spcBef>
+              <a:buNone/>
+              <a:defRPr sz="3200" b="0" cap="all">
+                <a:ln w="3175" cmpd="sng">
+                  <a:noFill/>
+                </a:ln>
+                <a:effectLst>
+                  <a:glow rad="38100">
+                    <a:schemeClr val="bg1">
+                      <a:lumMod val="65000"/>
+                      <a:lumOff val="35000"/>
+                      <a:alpha val="40000"/>
+                    </a:schemeClr>
+                  </a:glow>
+                  <a:outerShdw blurRad="28575" dist="38100" dir="14040000" algn="tl" rotWithShape="0">
+                    <a:srgbClr val="000000">
+                      <a:alpha val="25000"/>
+                    </a:srgbClr>
+                  </a:outerShdw>
+                </a:effectLst>
+              </a:defRPr>
+            </a:lvl1pPr>
+            <a:lvl2pPr>
+              <a:defRPr>
+                <a:solidFill>
+                  <a:schemeClr val="tx2"/>
+                </a:solidFill>
+              </a:defRPr>
+            </a:lvl2pPr>
+            <a:lvl3pPr>
+              <a:defRPr>
+                <a:solidFill>
+                  <a:schemeClr val="tx2"/>
+                </a:solidFill>
+              </a:defRPr>
+            </a:lvl3pPr>
+            <a:lvl4pPr>
+              <a:defRPr>
+                <a:solidFill>
+                  <a:schemeClr val="tx2"/>
+                </a:solidFill>
+              </a:defRPr>
+            </a:lvl4pPr>
+            <a:lvl5pPr>
+              <a:defRPr>
+                <a:solidFill>
+                  <a:schemeClr val="tx2"/>
+                </a:solidFill>
+              </a:defRPr>
+            </a:lvl5pPr>
+            <a:lvl6pPr>
+              <a:defRPr>
+                <a:solidFill>
+                  <a:schemeClr val="tx2"/>
+                </a:solidFill>
+              </a:defRPr>
+            </a:lvl6pPr>
+            <a:lvl7pPr>
+              <a:defRPr>
+                <a:solidFill>
+                  <a:schemeClr val="tx2"/>
+                </a:solidFill>
+              </a:defRPr>
+            </a:lvl7pPr>
+            <a:lvl8pPr>
+              <a:defRPr>
+                <a:solidFill>
+                  <a:schemeClr val="tx2"/>
+                </a:solidFill>
+              </a:defRPr>
+            </a:lvl8pPr>
+            <a:lvl9pPr>
+              <a:defRPr>
+                <a:solidFill>
+                  <a:schemeClr val="tx2"/>
+                </a:solidFill>
+              </a:defRPr>
+            </a:lvl9pPr>
+          </a:lstStyle>
+          <a:p>
+            <a:pPr lvl="0" algn="r"/>
+            <a:r>
+              <a:rPr lang="en-US" sz="8000" dirty="0">
+                <a:solidFill>
+                  <a:schemeClr val="accent1"/>
+                </a:solidFill>
+              </a:rPr>
+              <a:t>”</a:t>
+            </a:r>
+          </a:p>
+        </p:txBody>
+      </p:sp>
+      <p:sp>
+        <p:nvSpPr>
+          <p:cNvPr id="2" name="Title 1"/>
+          <p:cNvSpPr>
+            <a:spLocks noGrp="1"/>
+          </p:cNvSpPr>
+          <p:nvPr>
+            <p:ph type="title"/>
+          </p:nvPr>
+        </p:nvSpPr>
+        <p:spPr>
+          <a:xfrm>
+            <a:off x="1446213" y="609601"/>
+            <a:ext cx="9296398" cy="2743199"/>
+          </a:xfrm>
+        </p:spPr>
+        <p:txBody>
+          <a:bodyPr anchor="ctr">
+            <a:normAutofit/>
+          </a:bodyPr>
+          <a:lstStyle>
+            <a:lvl1pPr algn="l">
+              <a:defRPr sz="3200" b="0" cap="all">
+                <a:solidFill>
+                  <a:schemeClr val="tx1"/>
+                </a:solidFill>
+              </a:defRPr>
+            </a:lvl1pPr>
+          </a:lstStyle>
+          <a:p>
+            <a:r>
+              <a:rPr lang="en-US"/>
+              <a:t>Click to edit Master title style</a:t>
+            </a:r>
+            <a:endParaRPr lang="en-US" dirty="0"/>
+          </a:p>
+        </p:txBody>
+      </p:sp>
+      <p:sp>
+        <p:nvSpPr>
+          <p:cNvPr id="10" name="Text Placeholder 9"/>
+          <p:cNvSpPr>
+            <a:spLocks noGrp="1"/>
+          </p:cNvSpPr>
+          <p:nvPr>
+            <p:ph type="body" sz="quarter" idx="13"/>
+          </p:nvPr>
+        </p:nvSpPr>
+        <p:spPr>
+          <a:xfrm>
+            <a:off x="1674812" y="3352800"/>
+            <a:ext cx="8839202" cy="381000"/>
+          </a:xfrm>
+        </p:spPr>
+        <p:txBody>
+          <a:bodyPr anchor="ctr"/>
+          <a:lstStyle>
+            <a:lvl1pPr marL="0" indent="0">
+              <a:buFontTx/>
+              <a:buNone/>
+              <a:defRPr/>
+            </a:lvl1pPr>
+            <a:lvl2pPr marL="457200" indent="0">
+              <a:buFontTx/>
+              <a:buNone/>
+              <a:defRPr/>
+            </a:lvl2pPr>
+            <a:lvl3pPr marL="914400" indent="0">
+              <a:buFontTx/>
+              <a:buNone/>
+              <a:defRPr/>
+            </a:lvl3pPr>
+            <a:lvl4pPr marL="1371600" indent="0">
+              <a:buFontTx/>
+              <a:buNone/>
+              <a:defRPr/>
+            </a:lvl4pPr>
+            <a:lvl5pPr marL="1828800" indent="0">
+              <a:buFontTx/>
+              <a:buNone/>
+              <a:defRPr/>
+            </a:lvl5pPr>
+          </a:lstStyle>
+          <a:p>
+            <a:pPr lvl="0"/>
+            <a:r>
+              <a:rPr lang="en-US"/>
+              <a:t>Click to edit Master text styles</a:t>
+            </a:r>
+          </a:p>
+        </p:txBody>
+      </p:sp>
+      <p:sp>
+        <p:nvSpPr>
+          <p:cNvPr id="3" name="Text Placeholder 2"/>
+          <p:cNvSpPr>
+            <a:spLocks noGrp="1"/>
+          </p:cNvSpPr>
+          <p:nvPr>
+            <p:ph type="body" idx="1"/>
+          </p:nvPr>
+        </p:nvSpPr>
+        <p:spPr>
+          <a:xfrm>
+            <a:off x="1141411" y="4343400"/>
+            <a:ext cx="9906000" cy="1447800"/>
+          </a:xfrm>
+        </p:spPr>
+        <p:txBody>
+          <a:bodyPr vert="horz" lIns="91440" tIns="45720" rIns="91440" bIns="45720" rtlCol="0" anchor="ctr">
+            <a:normAutofit/>
+          </a:bodyPr>
+          <a:lstStyle>
+            <a:lvl1pPr>
+              <a:buNone/>
+              <a:defRPr lang="en-US" sz="2000">
+                <a:gradFill flip="none" rotWithShape="1">
+                  <a:gsLst>
+                    <a:gs pos="0">
+                      <a:schemeClr val="tx1"/>
+                    </a:gs>
+                    <a:gs pos="100000">
+                      <a:schemeClr val="tx1">
+                        <a:lumMod val="75000"/>
+                      </a:schemeClr>
+                    </a:gs>
+                  </a:gsLst>
+                  <a:lin ang="5400000" scaled="0"/>
+                  <a:tileRect/>
+                </a:gradFill>
+              </a:defRPr>
+            </a:lvl1pPr>
+          </a:lstStyle>
+          <a:p>
+            <a:pPr marL="0" lvl="0" indent="0">
+              <a:buNone/>
+            </a:pPr>
+            <a:r>
+              <a:rPr lang="en-US"/>
+              <a:t>Click to edit Master text styles</a:t>
+            </a:r>
+          </a:p>
+        </p:txBody>
+      </p:sp>
+      <p:sp>
+        <p:nvSpPr>
+          <p:cNvPr id="4" name="Date Placeholder 3"/>
+          <p:cNvSpPr>
+            <a:spLocks noGrp="1"/>
+          </p:cNvSpPr>
+          <p:nvPr>
+            <p:ph type="dt" sz="half" idx="10"/>
+          </p:nvPr>
+        </p:nvSpPr>
+        <p:spPr/>
+        <p:txBody>
+          <a:bodyPr/>
+          <a:lstStyle/>
+          <a:p>
+            <a:fld id="{874FFE33-465F-4E9E-89CE-5F79E84B8B4B}" type="datetimeFigureOut">
+              <a:rPr lang="en-IN" smtClean="0"/>
+              <a:t>28-02-2025</a:t>
+            </a:fld>
+            <a:endParaRPr lang="en-IN"/>
+          </a:p>
+        </p:txBody>
+      </p:sp>
+      <p:sp>
+        <p:nvSpPr>
+          <p:cNvPr id="5" name="Footer Placeholder 4"/>
+          <p:cNvSpPr>
+            <a:spLocks noGrp="1"/>
+          </p:cNvSpPr>
+          <p:nvPr>
+            <p:ph type="ftr" sz="quarter" idx="11"/>
+          </p:nvPr>
+        </p:nvSpPr>
+        <p:spPr/>
+        <p:txBody>
+          <a:bodyPr/>
+          <a:lstStyle/>
+          <a:p>
+            <a:endParaRPr lang="en-IN"/>
+          </a:p>
+        </p:txBody>
+      </p:sp>
+      <p:sp>
+        <p:nvSpPr>
+          <p:cNvPr id="6" name="Slide Number Placeholder 5"/>
+          <p:cNvSpPr>
+            <a:spLocks noGrp="1"/>
+          </p:cNvSpPr>
+          <p:nvPr>
+            <p:ph type="sldNum" sz="quarter" idx="12"/>
+          </p:nvPr>
+        </p:nvSpPr>
+        <p:spPr/>
+        <p:txBody>
+          <a:bodyPr/>
+          <a:lstStyle/>
+          <a:p>
+            <a:fld id="{54BE194E-5C1C-4569-9491-10264D79D787}" type="slidenum">
+              <a:rPr lang="en-IN" smtClean="0"/>
+              <a:t>‹#›</a:t>
+            </a:fld>
+            <a:endParaRPr lang="en-IN"/>
+          </a:p>
+        </p:txBody>
+      </p:sp>
+    </p:spTree>
+    <p:extLst>
+      <p:ext uri="{BB962C8B-B14F-4D97-AF65-F5344CB8AC3E}">
+        <p14:creationId xmlns:p14="http://schemas.microsoft.com/office/powerpoint/2010/main" val="3631337419"/>
+      </p:ext>
+    </p:extLst>
+  </p:cSld>
+  <p:clrMapOvr>
+    <a:masterClrMapping/>
+  </p:clrMapOvr>
+</p:sldLayout>
+</file>
+
+<file path=ppt/slideLayouts/slideLayout13.xml><?xml version="1.0" encoding="utf-8"?>
+<p:sldLayout xmlns:a="http://schemas.openxmlformats.org/drawingml/2006/main" xmlns:r="http://schemas.openxmlformats.org/officeDocument/2006/relationships" xmlns:p="http://schemas.openxmlformats.org/presentationml/2006/main" preserve="1">
+  <p:cSld name="Name Card">
+    <p:spTree>
+      <p:nvGrpSpPr>
+        <p:cNvPr id="1" name=""/>
+        <p:cNvGrpSpPr/>
+        <p:nvPr/>
+      </p:nvGrpSpPr>
+      <p:grpSpPr>
+        <a:xfrm>
+          <a:off x="0" y="0"/>
+          <a:ext cx="0" cy="0"/>
+          <a:chOff x="0" y="0"/>
+          <a:chExt cx="0" cy="0"/>
+        </a:xfrm>
+      </p:grpSpPr>
+      <p:sp>
+        <p:nvSpPr>
+          <p:cNvPr id="2" name="Title 1"/>
+          <p:cNvSpPr>
+            <a:spLocks noGrp="1"/>
+          </p:cNvSpPr>
+          <p:nvPr>
+            <p:ph type="title"/>
+          </p:nvPr>
+        </p:nvSpPr>
+        <p:spPr>
+          <a:xfrm>
+            <a:off x="1141412" y="3308581"/>
+            <a:ext cx="9906000" cy="1468800"/>
+          </a:xfrm>
+        </p:spPr>
+        <p:txBody>
+          <a:bodyPr anchor="b">
+            <a:normAutofit/>
+          </a:bodyPr>
+          <a:lstStyle>
+            <a:lvl1pPr algn="l">
+              <a:defRPr sz="3200" b="0" cap="all"/>
+            </a:lvl1pPr>
+          </a:lstStyle>
+          <a:p>
+            <a:r>
+              <a:rPr lang="en-US"/>
+              <a:t>Click to edit Master title style</a:t>
+            </a:r>
+            <a:endParaRPr lang="en-US" dirty="0"/>
+          </a:p>
+        </p:txBody>
+      </p:sp>
+      <p:sp>
+        <p:nvSpPr>
+          <p:cNvPr id="3" name="Text Placeholder 2"/>
+          <p:cNvSpPr>
+            <a:spLocks noGrp="1"/>
+          </p:cNvSpPr>
+          <p:nvPr>
+            <p:ph type="body" idx="1"/>
+          </p:nvPr>
+        </p:nvSpPr>
+        <p:spPr>
+          <a:xfrm>
+            <a:off x="1141410" y="4777381"/>
+            <a:ext cx="9906001" cy="860400"/>
+          </a:xfrm>
+        </p:spPr>
+        <p:txBody>
+          <a:bodyPr vert="horz" lIns="91440" tIns="45720" rIns="91440" bIns="45720" rtlCol="0" anchor="t">
+            <a:normAutofit/>
+          </a:bodyPr>
+          <a:lstStyle>
+            <a:lvl1pPr>
+              <a:defRPr lang="en-US" sz="2000">
+                <a:gradFill flip="none" rotWithShape="1">
+                  <a:gsLst>
+                    <a:gs pos="0">
+                      <a:schemeClr val="tx1"/>
+                    </a:gs>
+                    <a:gs pos="100000">
+                      <a:schemeClr val="tx1">
+                        <a:lumMod val="75000"/>
+                      </a:schemeClr>
+                    </a:gs>
+                  </a:gsLst>
+                  <a:lin ang="5400000" scaled="0"/>
+                  <a:tileRect/>
+                </a:gradFill>
+              </a:defRPr>
+            </a:lvl1pPr>
+          </a:lstStyle>
+          <a:p>
+            <a:pPr marL="0" lvl="0" indent="0">
+              <a:buNone/>
+            </a:pPr>
+            <a:r>
+              <a:rPr lang="en-US"/>
+              <a:t>Click to edit Master text styles</a:t>
+            </a:r>
+          </a:p>
+        </p:txBody>
+      </p:sp>
+      <p:sp>
+        <p:nvSpPr>
+          <p:cNvPr id="4" name="Date Placeholder 3"/>
+          <p:cNvSpPr>
+            <a:spLocks noGrp="1"/>
+          </p:cNvSpPr>
+          <p:nvPr>
+            <p:ph type="dt" sz="half" idx="10"/>
+          </p:nvPr>
+        </p:nvSpPr>
+        <p:spPr/>
+        <p:txBody>
+          <a:bodyPr/>
+          <a:lstStyle/>
+          <a:p>
+            <a:fld id="{874FFE33-465F-4E9E-89CE-5F79E84B8B4B}" type="datetimeFigureOut">
+              <a:rPr lang="en-IN" smtClean="0"/>
+              <a:t>28-02-2025</a:t>
+            </a:fld>
+            <a:endParaRPr lang="en-IN"/>
+          </a:p>
+        </p:txBody>
+      </p:sp>
+      <p:sp>
+        <p:nvSpPr>
+          <p:cNvPr id="5" name="Footer Placeholder 4"/>
+          <p:cNvSpPr>
+            <a:spLocks noGrp="1"/>
+          </p:cNvSpPr>
+          <p:nvPr>
+            <p:ph type="ftr" sz="quarter" idx="11"/>
+          </p:nvPr>
+        </p:nvSpPr>
+        <p:spPr/>
+        <p:txBody>
+          <a:bodyPr/>
+          <a:lstStyle/>
+          <a:p>
+            <a:endParaRPr lang="en-IN"/>
+          </a:p>
+        </p:txBody>
+      </p:sp>
+      <p:sp>
+        <p:nvSpPr>
+          <p:cNvPr id="6" name="Slide Number Placeholder 5"/>
+          <p:cNvSpPr>
+            <a:spLocks noGrp="1"/>
+          </p:cNvSpPr>
+          <p:nvPr>
+            <p:ph type="sldNum" sz="quarter" idx="12"/>
+          </p:nvPr>
+        </p:nvSpPr>
+        <p:spPr/>
+        <p:txBody>
+          <a:bodyPr/>
+          <a:lstStyle/>
+          <a:p>
+            <a:fld id="{54BE194E-5C1C-4569-9491-10264D79D787}" type="slidenum">
+              <a:rPr lang="en-IN" smtClean="0"/>
+              <a:t>‹#›</a:t>
+            </a:fld>
+            <a:endParaRPr lang="en-IN"/>
+          </a:p>
+        </p:txBody>
+      </p:sp>
+    </p:spTree>
+    <p:extLst>
+      <p:ext uri="{BB962C8B-B14F-4D97-AF65-F5344CB8AC3E}">
+        <p14:creationId xmlns:p14="http://schemas.microsoft.com/office/powerpoint/2010/main" val="2387322931"/>
+      </p:ext>
+    </p:extLst>
+  </p:cSld>
+  <p:clrMapOvr>
+    <a:masterClrMapping/>
+  </p:clrMapOvr>
+</p:sldLayout>
+</file>
+
+<file path=ppt/slideLayouts/slideLayout14.xml><?xml version="1.0" encoding="utf-8"?>
+<p:sldLayout xmlns:a="http://schemas.openxmlformats.org/drawingml/2006/main" xmlns:r="http://schemas.openxmlformats.org/officeDocument/2006/relationships" xmlns:p="http://schemas.openxmlformats.org/presentationml/2006/main" preserve="1">
+  <p:cSld name="Quote Name Card">
+    <p:spTree>
+      <p:nvGrpSpPr>
+        <p:cNvPr id="1" name=""/>
+        <p:cNvGrpSpPr/>
+        <p:nvPr/>
+      </p:nvGrpSpPr>
+      <p:grpSpPr>
+        <a:xfrm>
+          <a:off x="0" y="0"/>
+          <a:ext cx="0" cy="0"/>
+          <a:chOff x="0" y="0"/>
+          <a:chExt cx="0" cy="0"/>
+        </a:xfrm>
+      </p:grpSpPr>
+      <p:sp>
+        <p:nvSpPr>
+          <p:cNvPr id="14" name="TextBox 13"/>
+          <p:cNvSpPr txBox="1"/>
+          <p:nvPr/>
+        </p:nvSpPr>
+        <p:spPr>
+          <a:xfrm>
+            <a:off x="836612" y="786824"/>
+            <a:ext cx="609600" cy="584776"/>
+          </a:xfrm>
+          <a:prstGeom prst="rect">
+            <a:avLst/>
+          </a:prstGeom>
+        </p:spPr>
+        <p:txBody>
+          <a:bodyPr vert="horz" lIns="91440" tIns="45720" rIns="91440" bIns="45720" rtlCol="0" anchor="ctr">
+            <a:noAutofit/>
+          </a:bodyPr>
+          <a:lstStyle>
+            <a:lvl1pPr>
+              <a:spcBef>
+                <a:spcPct val="0"/>
+              </a:spcBef>
+              <a:buNone/>
+              <a:defRPr sz="3200" b="0" cap="all">
+                <a:ln w="3175" cmpd="sng">
+                  <a:noFill/>
+                </a:ln>
+                <a:effectLst>
+                  <a:glow rad="38100">
+                    <a:schemeClr val="bg1">
+                      <a:lumMod val="65000"/>
+                      <a:lumOff val="35000"/>
+                      <a:alpha val="40000"/>
+                    </a:schemeClr>
+                  </a:glow>
+                  <a:outerShdw blurRad="28575" dist="38100" dir="14040000" algn="tl" rotWithShape="0">
+                    <a:srgbClr val="000000">
+                      <a:alpha val="25000"/>
+                    </a:srgbClr>
+                  </a:outerShdw>
+                </a:effectLst>
+              </a:defRPr>
+            </a:lvl1pPr>
+            <a:lvl2pPr>
+              <a:defRPr>
+                <a:solidFill>
+                  <a:schemeClr val="tx2"/>
+                </a:solidFill>
+              </a:defRPr>
+            </a:lvl2pPr>
+            <a:lvl3pPr>
+              <a:defRPr>
+                <a:solidFill>
+                  <a:schemeClr val="tx2"/>
+                </a:solidFill>
+              </a:defRPr>
+            </a:lvl3pPr>
+            <a:lvl4pPr>
+              <a:defRPr>
+                <a:solidFill>
+                  <a:schemeClr val="tx2"/>
+                </a:solidFill>
+              </a:defRPr>
+            </a:lvl4pPr>
+            <a:lvl5pPr>
+              <a:defRPr>
+                <a:solidFill>
+                  <a:schemeClr val="tx2"/>
+                </a:solidFill>
+              </a:defRPr>
+            </a:lvl5pPr>
+            <a:lvl6pPr>
+              <a:defRPr>
+                <a:solidFill>
+                  <a:schemeClr val="tx2"/>
+                </a:solidFill>
+              </a:defRPr>
+            </a:lvl6pPr>
+            <a:lvl7pPr>
+              <a:defRPr>
+                <a:solidFill>
+                  <a:schemeClr val="tx2"/>
+                </a:solidFill>
+              </a:defRPr>
+            </a:lvl7pPr>
+            <a:lvl8pPr>
+              <a:defRPr>
+                <a:solidFill>
+                  <a:schemeClr val="tx2"/>
+                </a:solidFill>
+              </a:defRPr>
+            </a:lvl8pPr>
+            <a:lvl9pPr>
+              <a:defRPr>
+                <a:solidFill>
+                  <a:schemeClr val="tx2"/>
+                </a:solidFill>
+              </a:defRPr>
+            </a:lvl9pPr>
+          </a:lstStyle>
+          <a:p>
+            <a:pPr lvl="0"/>
+            <a:r>
+              <a:rPr lang="en-US" sz="8000" dirty="0">
+                <a:solidFill>
+                  <a:schemeClr val="accent1"/>
+                </a:solidFill>
+              </a:rPr>
+              <a:t>“</a:t>
+            </a:r>
+          </a:p>
+        </p:txBody>
+      </p:sp>
+      <p:sp>
+        <p:nvSpPr>
+          <p:cNvPr id="15" name="TextBox 14"/>
+          <p:cNvSpPr txBox="1"/>
+          <p:nvPr/>
+        </p:nvSpPr>
+        <p:spPr>
+          <a:xfrm>
+            <a:off x="10437812" y="2743200"/>
+            <a:ext cx="609600" cy="584776"/>
+          </a:xfrm>
+          <a:prstGeom prst="rect">
+            <a:avLst/>
+          </a:prstGeom>
+        </p:spPr>
+        <p:txBody>
+          <a:bodyPr vert="horz" lIns="91440" tIns="45720" rIns="91440" bIns="45720" rtlCol="0" anchor="ctr">
+            <a:noAutofit/>
+          </a:bodyPr>
+          <a:lstStyle>
+            <a:lvl1pPr>
+              <a:spcBef>
+                <a:spcPct val="0"/>
+              </a:spcBef>
+              <a:buNone/>
+              <a:defRPr sz="3200" b="0" cap="all">
+                <a:ln w="3175" cmpd="sng">
+                  <a:noFill/>
+                </a:ln>
+                <a:effectLst>
+                  <a:glow rad="38100">
+                    <a:schemeClr val="bg1">
+                      <a:lumMod val="65000"/>
+                      <a:lumOff val="35000"/>
+                      <a:alpha val="40000"/>
+                    </a:schemeClr>
+                  </a:glow>
+                  <a:outerShdw blurRad="28575" dist="38100" dir="14040000" algn="tl" rotWithShape="0">
+                    <a:srgbClr val="000000">
+                      <a:alpha val="25000"/>
+                    </a:srgbClr>
+                  </a:outerShdw>
+                </a:effectLst>
+              </a:defRPr>
+            </a:lvl1pPr>
+            <a:lvl2pPr>
+              <a:defRPr>
+                <a:solidFill>
+                  <a:schemeClr val="tx2"/>
+                </a:solidFill>
+              </a:defRPr>
+            </a:lvl2pPr>
+            <a:lvl3pPr>
+              <a:defRPr>
+                <a:solidFill>
+                  <a:schemeClr val="tx2"/>
+                </a:solidFill>
+              </a:defRPr>
+            </a:lvl3pPr>
+            <a:lvl4pPr>
+              <a:defRPr>
+                <a:solidFill>
+                  <a:schemeClr val="tx2"/>
+                </a:solidFill>
+              </a:defRPr>
+            </a:lvl4pPr>
+            <a:lvl5pPr>
+              <a:defRPr>
+                <a:solidFill>
+                  <a:schemeClr val="tx2"/>
+                </a:solidFill>
+              </a:defRPr>
+            </a:lvl5pPr>
+            <a:lvl6pPr>
+              <a:defRPr>
+                <a:solidFill>
+                  <a:schemeClr val="tx2"/>
+                </a:solidFill>
+              </a:defRPr>
+            </a:lvl6pPr>
+            <a:lvl7pPr>
+              <a:defRPr>
+                <a:solidFill>
+                  <a:schemeClr val="tx2"/>
+                </a:solidFill>
+              </a:defRPr>
+            </a:lvl7pPr>
+            <a:lvl8pPr>
+              <a:defRPr>
+                <a:solidFill>
+                  <a:schemeClr val="tx2"/>
+                </a:solidFill>
+              </a:defRPr>
+            </a:lvl8pPr>
+            <a:lvl9pPr>
+              <a:defRPr>
+                <a:solidFill>
+                  <a:schemeClr val="tx2"/>
+                </a:solidFill>
+              </a:defRPr>
+            </a:lvl9pPr>
+          </a:lstStyle>
+          <a:p>
+            <a:pPr lvl="0" algn="r"/>
+            <a:r>
+              <a:rPr lang="en-US" sz="8000" dirty="0">
+                <a:solidFill>
+                  <a:schemeClr val="accent1"/>
+                </a:solidFill>
+              </a:rPr>
+              <a:t>”</a:t>
+            </a:r>
+          </a:p>
+        </p:txBody>
+      </p:sp>
+      <p:sp>
+        <p:nvSpPr>
+          <p:cNvPr id="2" name="Title 1"/>
+          <p:cNvSpPr>
+            <a:spLocks noGrp="1"/>
+          </p:cNvSpPr>
+          <p:nvPr>
+            <p:ph type="title"/>
+          </p:nvPr>
+        </p:nvSpPr>
+        <p:spPr>
+          <a:xfrm>
+            <a:off x="1446213" y="609601"/>
+            <a:ext cx="9296398" cy="2743199"/>
+          </a:xfrm>
+        </p:spPr>
+        <p:txBody>
+          <a:bodyPr anchor="ctr">
+            <a:normAutofit/>
+          </a:bodyPr>
+          <a:lstStyle>
+            <a:lvl1pPr algn="l">
+              <a:defRPr sz="3200" b="0" cap="all">
+                <a:gradFill flip="none" rotWithShape="1">
+                  <a:gsLst>
+                    <a:gs pos="0">
+                      <a:schemeClr val="tx1"/>
+                    </a:gs>
+                    <a:gs pos="100000">
+                      <a:schemeClr val="tx1">
+                        <a:lumMod val="75000"/>
+                      </a:schemeClr>
+                    </a:gs>
+                  </a:gsLst>
+                  <a:lin ang="5400000" scaled="0"/>
+                  <a:tileRect/>
+                </a:gradFill>
+              </a:defRPr>
+            </a:lvl1pPr>
+          </a:lstStyle>
+          <a:p>
+            <a:r>
+              <a:rPr lang="en-US"/>
+              <a:t>Click to edit Master title style</a:t>
+            </a:r>
+            <a:endParaRPr lang="en-US" dirty="0"/>
+          </a:p>
+        </p:txBody>
+      </p:sp>
+      <p:sp>
+        <p:nvSpPr>
+          <p:cNvPr id="10" name="Text Placeholder 9"/>
+          <p:cNvSpPr>
+            <a:spLocks noGrp="1"/>
+          </p:cNvSpPr>
+          <p:nvPr>
+            <p:ph type="body" sz="quarter" idx="13"/>
+          </p:nvPr>
+        </p:nvSpPr>
+        <p:spPr>
+          <a:xfrm>
+            <a:off x="1141412" y="3886200"/>
+            <a:ext cx="9906000" cy="889000"/>
+          </a:xfrm>
+        </p:spPr>
+        <p:txBody>
+          <a:bodyPr vert="horz" lIns="91440" tIns="45720" rIns="91440" bIns="45720" rtlCol="0" anchor="b">
+            <a:normAutofit/>
+          </a:bodyPr>
+          <a:lstStyle>
+            <a:lvl1pPr>
+              <a:buNone/>
+              <a:defRPr lang="en-US" sz="2400" b="0" cap="all" dirty="0">
+                <a:ln w="3175" cmpd="sng">
+                  <a:noFill/>
+                </a:ln>
+                <a:gradFill flip="none" rotWithShape="1">
+                  <a:gsLst>
+                    <a:gs pos="0">
+                      <a:schemeClr val="tx1"/>
+                    </a:gs>
+                    <a:gs pos="100000">
+                      <a:schemeClr val="tx1">
+                        <a:lumMod val="75000"/>
+                      </a:schemeClr>
+                    </a:gs>
+                  </a:gsLst>
+                  <a:lin ang="5400000" scaled="0"/>
+                  <a:tileRect/>
+                </a:gradFill>
+                <a:effectLst>
+                  <a:glow rad="38100">
+                    <a:schemeClr val="bg1">
+                      <a:lumMod val="65000"/>
+                      <a:lumOff val="35000"/>
+                      <a:alpha val="40000"/>
+                    </a:schemeClr>
+                  </a:glow>
+                  <a:outerShdw blurRad="28575" dist="38100" dir="14040000" algn="tl" rotWithShape="0">
+                    <a:srgbClr val="000000">
+                      <a:alpha val="25000"/>
+                    </a:srgbClr>
+                  </a:outerShdw>
+                </a:effectLst>
+              </a:defRPr>
+            </a:lvl1pPr>
+          </a:lstStyle>
+          <a:p>
+            <a:pPr marL="0" lvl="0">
+              <a:spcBef>
+                <a:spcPct val="0"/>
+              </a:spcBef>
+              <a:buNone/>
+            </a:pPr>
+            <a:r>
+              <a:rPr lang="en-US"/>
+              <a:t>Click to edit Master text styles</a:t>
+            </a:r>
+          </a:p>
+        </p:txBody>
+      </p:sp>
+      <p:sp>
+        <p:nvSpPr>
+          <p:cNvPr id="3" name="Text Placeholder 2"/>
+          <p:cNvSpPr>
+            <a:spLocks noGrp="1"/>
+          </p:cNvSpPr>
+          <p:nvPr>
+            <p:ph type="body" idx="1"/>
+          </p:nvPr>
+        </p:nvSpPr>
+        <p:spPr>
+          <a:xfrm>
+            <a:off x="1141411" y="4775200"/>
+            <a:ext cx="9906000" cy="1016000"/>
+          </a:xfrm>
+        </p:spPr>
+        <p:txBody>
+          <a:bodyPr anchor="t">
+            <a:normAutofit/>
+          </a:bodyPr>
+          <a:lstStyle>
+            <a:lvl1pPr marL="0" indent="0" algn="l">
+              <a:buNone/>
+              <a:defRPr sz="1800">
+                <a:gradFill flip="none" rotWithShape="1">
+                  <a:gsLst>
+                    <a:gs pos="0">
+                      <a:schemeClr val="tx1"/>
+                    </a:gs>
+                    <a:gs pos="100000">
+                      <a:schemeClr val="tx1">
+                        <a:lumMod val="75000"/>
+                      </a:schemeClr>
+                    </a:gs>
+                  </a:gsLst>
+                  <a:lin ang="5400000" scaled="0"/>
+                  <a:tileRect/>
+                </a:gradFill>
+              </a:defRPr>
+            </a:lvl1pPr>
+            <a:lvl2pPr marL="457200" indent="0">
+              <a:buNone/>
+              <a:defRPr sz="1800">
+                <a:solidFill>
+                  <a:schemeClr val="tx1">
+                    <a:tint val="75000"/>
+                  </a:schemeClr>
+                </a:solidFill>
+              </a:defRPr>
+            </a:lvl2pPr>
+            <a:lvl3pPr marL="914400" indent="0">
+              <a:buNone/>
+              <a:defRPr sz="1600">
+                <a:solidFill>
+                  <a:schemeClr val="tx1">
+                    <a:tint val="75000"/>
+                  </a:schemeClr>
+                </a:solidFill>
+              </a:defRPr>
+            </a:lvl3pPr>
+            <a:lvl4pPr marL="1371600" indent="0">
+              <a:buNone/>
+              <a:defRPr sz="1400">
+                <a:solidFill>
+                  <a:schemeClr val="tx1">
+                    <a:tint val="75000"/>
+                  </a:schemeClr>
+                </a:solidFill>
+              </a:defRPr>
+            </a:lvl4pPr>
+            <a:lvl5pPr marL="1828800" indent="0">
+              <a:buNone/>
+              <a:defRPr sz="1400">
+                <a:solidFill>
+                  <a:schemeClr val="tx1">
+                    <a:tint val="75000"/>
+                  </a:schemeClr>
+                </a:solidFill>
+              </a:defRPr>
+            </a:lvl5pPr>
+            <a:lvl6pPr marL="2286000" indent="0">
+              <a:buNone/>
+              <a:defRPr sz="1400">
+                <a:solidFill>
+                  <a:schemeClr val="tx1">
+                    <a:tint val="75000"/>
+                  </a:schemeClr>
+                </a:solidFill>
+              </a:defRPr>
+            </a:lvl6pPr>
+            <a:lvl7pPr marL="2743200" indent="0">
+              <a:buNone/>
+              <a:defRPr sz="1400">
+                <a:solidFill>
+                  <a:schemeClr val="tx1">
+                    <a:tint val="75000"/>
+                  </a:schemeClr>
+                </a:solidFill>
+              </a:defRPr>
+            </a:lvl7pPr>
+            <a:lvl8pPr marL="3200400" indent="0">
+              <a:buNone/>
+              <a:defRPr sz="1400">
+                <a:solidFill>
+                  <a:schemeClr val="tx1">
+                    <a:tint val="75000"/>
+                  </a:schemeClr>
+                </a:solidFill>
+              </a:defRPr>
+            </a:lvl8pPr>
+            <a:lvl9pPr marL="3657600" indent="0">
+              <a:buNone/>
+              <a:defRPr sz="1400">
+                <a:solidFill>
+                  <a:schemeClr val="tx1">
+                    <a:tint val="75000"/>
+                  </a:schemeClr>
+                </a:solidFill>
+              </a:defRPr>
+            </a:lvl9pPr>
+          </a:lstStyle>
+          <a:p>
+            <a:pPr lvl="0"/>
+            <a:r>
+              <a:rPr lang="en-US"/>
+              <a:t>Click to edit Master text styles</a:t>
+            </a:r>
+          </a:p>
+        </p:txBody>
+      </p:sp>
+      <p:sp>
+        <p:nvSpPr>
+          <p:cNvPr id="4" name="Date Placeholder 3"/>
+          <p:cNvSpPr>
+            <a:spLocks noGrp="1"/>
+          </p:cNvSpPr>
+          <p:nvPr>
+            <p:ph type="dt" sz="half" idx="10"/>
+          </p:nvPr>
+        </p:nvSpPr>
+        <p:spPr/>
+        <p:txBody>
+          <a:bodyPr/>
+          <a:lstStyle/>
+          <a:p>
+            <a:fld id="{874FFE33-465F-4E9E-89CE-5F79E84B8B4B}" type="datetimeFigureOut">
+              <a:rPr lang="en-IN" smtClean="0"/>
+              <a:t>28-02-2025</a:t>
+            </a:fld>
+            <a:endParaRPr lang="en-IN"/>
+          </a:p>
+        </p:txBody>
+      </p:sp>
+      <p:sp>
+        <p:nvSpPr>
+          <p:cNvPr id="5" name="Footer Placeholder 4"/>
+          <p:cNvSpPr>
+            <a:spLocks noGrp="1"/>
+          </p:cNvSpPr>
+          <p:nvPr>
+            <p:ph type="ftr" sz="quarter" idx="11"/>
+          </p:nvPr>
+        </p:nvSpPr>
+        <p:spPr/>
+        <p:txBody>
+          <a:bodyPr/>
+          <a:lstStyle/>
+          <a:p>
+            <a:endParaRPr lang="en-IN"/>
+          </a:p>
+        </p:txBody>
+      </p:sp>
+      <p:sp>
+        <p:nvSpPr>
+          <p:cNvPr id="6" name="Slide Number Placeholder 5"/>
+          <p:cNvSpPr>
+            <a:spLocks noGrp="1"/>
+          </p:cNvSpPr>
+          <p:nvPr>
+            <p:ph type="sldNum" sz="quarter" idx="12"/>
+          </p:nvPr>
+        </p:nvSpPr>
+        <p:spPr/>
+        <p:txBody>
+          <a:bodyPr/>
+          <a:lstStyle/>
+          <a:p>
+            <a:fld id="{54BE194E-5C1C-4569-9491-10264D79D787}" type="slidenum">
+              <a:rPr lang="en-IN" smtClean="0"/>
+              <a:t>‹#›</a:t>
+            </a:fld>
+            <a:endParaRPr lang="en-IN"/>
+          </a:p>
+        </p:txBody>
+      </p:sp>
+    </p:spTree>
+    <p:extLst>
+      <p:ext uri="{BB962C8B-B14F-4D97-AF65-F5344CB8AC3E}">
+        <p14:creationId xmlns:p14="http://schemas.microsoft.com/office/powerpoint/2010/main" val="1930468055"/>
+      </p:ext>
+    </p:extLst>
+  </p:cSld>
+  <p:clrMapOvr>
+    <a:masterClrMapping/>
+  </p:clrMapOvr>
+</p:sldLayout>
+</file>
+
+<file path=ppt/slideLayouts/slideLayout15.xml><?xml version="1.0" encoding="utf-8"?>
+<p:sldLayout xmlns:a="http://schemas.openxmlformats.org/drawingml/2006/main" xmlns:r="http://schemas.openxmlformats.org/officeDocument/2006/relationships" xmlns:p="http://schemas.openxmlformats.org/presentationml/2006/main" preserve="1">
+  <p:cSld name="True or False">
+    <p:spTree>
+      <p:nvGrpSpPr>
+        <p:cNvPr id="1" name=""/>
+        <p:cNvGrpSpPr/>
+        <p:nvPr/>
+      </p:nvGrpSpPr>
+      <p:grpSpPr>
+        <a:xfrm>
+          <a:off x="0" y="0"/>
+          <a:ext cx="0" cy="0"/>
+          <a:chOff x="0" y="0"/>
+          <a:chExt cx="0" cy="0"/>
+        </a:xfrm>
+      </p:grpSpPr>
+      <p:sp>
+        <p:nvSpPr>
+          <p:cNvPr id="2" name="Title 1"/>
+          <p:cNvSpPr>
+            <a:spLocks noGrp="1"/>
+          </p:cNvSpPr>
+          <p:nvPr>
+            <p:ph type="title"/>
+          </p:nvPr>
+        </p:nvSpPr>
+        <p:spPr>
+          <a:xfrm>
+            <a:off x="1141412" y="609601"/>
+            <a:ext cx="9905999" cy="2743199"/>
+          </a:xfrm>
+        </p:spPr>
+        <p:txBody>
+          <a:bodyPr vert="horz" lIns="91440" tIns="45720" rIns="91440" bIns="45720" rtlCol="0" anchor="ctr">
+            <a:normAutofit/>
+          </a:bodyPr>
+          <a:lstStyle>
+            <a:lvl1pPr>
+              <a:defRPr lang="en-US" b="0" dirty="0"/>
+            </a:lvl1pPr>
+          </a:lstStyle>
+          <a:p>
+            <a:pPr marL="0" lvl="0"/>
+            <a:r>
+              <a:rPr lang="en-US"/>
+              <a:t>Click to edit Master title style</a:t>
+            </a:r>
+            <a:endParaRPr lang="en-US" dirty="0"/>
+          </a:p>
+        </p:txBody>
+      </p:sp>
+      <p:sp>
+        <p:nvSpPr>
+          <p:cNvPr id="10" name="Text Placeholder 9"/>
+          <p:cNvSpPr>
+            <a:spLocks noGrp="1"/>
+          </p:cNvSpPr>
+          <p:nvPr>
+            <p:ph type="body" sz="quarter" idx="13"/>
+          </p:nvPr>
+        </p:nvSpPr>
+        <p:spPr>
+          <a:xfrm>
+            <a:off x="1141412" y="3505200"/>
+            <a:ext cx="9906000" cy="838200"/>
+          </a:xfrm>
+        </p:spPr>
+        <p:txBody>
+          <a:bodyPr vert="horz" lIns="91440" tIns="45720" rIns="91440" bIns="45720" rtlCol="0" anchor="b">
+            <a:normAutofit/>
+          </a:bodyPr>
+          <a:lstStyle>
+            <a:lvl1pPr>
+              <a:buNone/>
+              <a:defRPr lang="en-US" sz="2800" b="0" cap="all" dirty="0">
+                <a:ln w="3175" cmpd="sng">
+                  <a:noFill/>
+                </a:ln>
+                <a:gradFill flip="none" rotWithShape="1">
+                  <a:gsLst>
+                    <a:gs pos="0">
+                      <a:schemeClr val="tx1"/>
+                    </a:gs>
+                    <a:gs pos="100000">
+                      <a:schemeClr val="tx1">
+                        <a:lumMod val="75000"/>
+                      </a:schemeClr>
+                    </a:gs>
+                  </a:gsLst>
+                  <a:lin ang="5400000" scaled="0"/>
+                  <a:tileRect/>
+                </a:gradFill>
+                <a:effectLst>
+                  <a:glow rad="38100">
+                    <a:schemeClr val="bg1">
+                      <a:lumMod val="65000"/>
+                      <a:lumOff val="35000"/>
+                      <a:alpha val="40000"/>
+                    </a:schemeClr>
+                  </a:glow>
+                  <a:outerShdw blurRad="28575" dist="38100" dir="14040000" algn="tl" rotWithShape="0">
+                    <a:srgbClr val="000000">
+                      <a:alpha val="25000"/>
+                    </a:srgbClr>
+                  </a:outerShdw>
+                </a:effectLst>
+              </a:defRPr>
+            </a:lvl1pPr>
+          </a:lstStyle>
+          <a:p>
+            <a:pPr marL="0" lvl="0">
+              <a:spcBef>
+                <a:spcPct val="0"/>
+              </a:spcBef>
+              <a:buNone/>
+            </a:pPr>
+            <a:r>
+              <a:rPr lang="en-US"/>
+              <a:t>Click to edit Master text styles</a:t>
+            </a:r>
+          </a:p>
+        </p:txBody>
+      </p:sp>
+      <p:sp>
+        <p:nvSpPr>
+          <p:cNvPr id="3" name="Text Placeholder 2"/>
+          <p:cNvSpPr>
+            <a:spLocks noGrp="1"/>
+          </p:cNvSpPr>
+          <p:nvPr>
+            <p:ph type="body" idx="1"/>
+          </p:nvPr>
+        </p:nvSpPr>
+        <p:spPr>
+          <a:xfrm>
+            <a:off x="1141411" y="4343400"/>
+            <a:ext cx="9906000" cy="1447800"/>
+          </a:xfrm>
+        </p:spPr>
+        <p:txBody>
+          <a:bodyPr anchor="t">
+            <a:normAutofit/>
+          </a:bodyPr>
+          <a:lstStyle>
+            <a:lvl1pPr marL="0" indent="0" algn="l">
+              <a:buNone/>
+              <a:defRPr sz="1800">
+                <a:gradFill flip="none" rotWithShape="1">
+                  <a:gsLst>
+                    <a:gs pos="0">
+                      <a:schemeClr val="tx1"/>
+                    </a:gs>
+                    <a:gs pos="100000">
+                      <a:schemeClr val="tx1">
+                        <a:lumMod val="75000"/>
+                      </a:schemeClr>
+                    </a:gs>
+                  </a:gsLst>
+                  <a:lin ang="5400000" scaled="0"/>
+                  <a:tileRect/>
+                </a:gradFill>
+              </a:defRPr>
+            </a:lvl1pPr>
+            <a:lvl2pPr marL="457200" indent="0">
+              <a:buNone/>
+              <a:defRPr sz="1800">
+                <a:solidFill>
+                  <a:schemeClr val="tx1">
+                    <a:tint val="75000"/>
+                  </a:schemeClr>
+                </a:solidFill>
+              </a:defRPr>
+            </a:lvl2pPr>
+            <a:lvl3pPr marL="914400" indent="0">
+              <a:buNone/>
+              <a:defRPr sz="1600">
+                <a:solidFill>
+                  <a:schemeClr val="tx1">
+                    <a:tint val="75000"/>
+                  </a:schemeClr>
+                </a:solidFill>
+              </a:defRPr>
+            </a:lvl3pPr>
+            <a:lvl4pPr marL="1371600" indent="0">
+              <a:buNone/>
+              <a:defRPr sz="1400">
+                <a:solidFill>
+                  <a:schemeClr val="tx1">
+                    <a:tint val="75000"/>
+                  </a:schemeClr>
+                </a:solidFill>
+              </a:defRPr>
+            </a:lvl4pPr>
+            <a:lvl5pPr marL="1828800" indent="0">
+              <a:buNone/>
+              <a:defRPr sz="1400">
+                <a:solidFill>
+                  <a:schemeClr val="tx1">
+                    <a:tint val="75000"/>
+                  </a:schemeClr>
+                </a:solidFill>
+              </a:defRPr>
+            </a:lvl5pPr>
+            <a:lvl6pPr marL="2286000" indent="0">
+              <a:buNone/>
+              <a:defRPr sz="1400">
+                <a:solidFill>
+                  <a:schemeClr val="tx1">
+                    <a:tint val="75000"/>
+                  </a:schemeClr>
+                </a:solidFill>
+              </a:defRPr>
+            </a:lvl6pPr>
+            <a:lvl7pPr marL="2743200" indent="0">
+              <a:buNone/>
+              <a:defRPr sz="1400">
+                <a:solidFill>
+                  <a:schemeClr val="tx1">
+                    <a:tint val="75000"/>
+                  </a:schemeClr>
+                </a:solidFill>
+              </a:defRPr>
+            </a:lvl7pPr>
+            <a:lvl8pPr marL="3200400" indent="0">
+              <a:buNone/>
+              <a:defRPr sz="1400">
+                <a:solidFill>
+                  <a:schemeClr val="tx1">
+                    <a:tint val="75000"/>
+                  </a:schemeClr>
+                </a:solidFill>
+              </a:defRPr>
+            </a:lvl8pPr>
+            <a:lvl9pPr marL="3657600" indent="0">
+              <a:buNone/>
+              <a:defRPr sz="1400">
+                <a:solidFill>
+                  <a:schemeClr val="tx1">
+                    <a:tint val="75000"/>
+                  </a:schemeClr>
+                </a:solidFill>
+              </a:defRPr>
+            </a:lvl9pPr>
+          </a:lstStyle>
+          <a:p>
+            <a:pPr lvl="0"/>
+            <a:r>
+              <a:rPr lang="en-US"/>
+              <a:t>Click to edit Master text styles</a:t>
+            </a:r>
+          </a:p>
+        </p:txBody>
+      </p:sp>
+      <p:sp>
+        <p:nvSpPr>
+          <p:cNvPr id="4" name="Date Placeholder 3"/>
+          <p:cNvSpPr>
+            <a:spLocks noGrp="1"/>
+          </p:cNvSpPr>
+          <p:nvPr>
+            <p:ph type="dt" sz="half" idx="10"/>
+          </p:nvPr>
+        </p:nvSpPr>
+        <p:spPr/>
+        <p:txBody>
+          <a:bodyPr/>
+          <a:lstStyle/>
+          <a:p>
+            <a:fld id="{874FFE33-465F-4E9E-89CE-5F79E84B8B4B}" type="datetimeFigureOut">
+              <a:rPr lang="en-IN" smtClean="0"/>
+              <a:t>28-02-2025</a:t>
+            </a:fld>
+            <a:endParaRPr lang="en-IN"/>
+          </a:p>
+        </p:txBody>
+      </p:sp>
+      <p:sp>
+        <p:nvSpPr>
+          <p:cNvPr id="5" name="Footer Placeholder 4"/>
+          <p:cNvSpPr>
+            <a:spLocks noGrp="1"/>
+          </p:cNvSpPr>
+          <p:nvPr>
+            <p:ph type="ftr" sz="quarter" idx="11"/>
+          </p:nvPr>
+        </p:nvSpPr>
+        <p:spPr/>
+        <p:txBody>
+          <a:bodyPr/>
+          <a:lstStyle/>
+          <a:p>
+            <a:endParaRPr lang="en-IN"/>
+          </a:p>
+        </p:txBody>
+      </p:sp>
+      <p:sp>
+        <p:nvSpPr>
+          <p:cNvPr id="6" name="Slide Number Placeholder 5"/>
+          <p:cNvSpPr>
+            <a:spLocks noGrp="1"/>
+          </p:cNvSpPr>
+          <p:nvPr>
+            <p:ph type="sldNum" sz="quarter" idx="12"/>
+          </p:nvPr>
+        </p:nvSpPr>
+        <p:spPr/>
+        <p:txBody>
+          <a:bodyPr/>
+          <a:lstStyle/>
+          <a:p>
+            <a:fld id="{54BE194E-5C1C-4569-9491-10264D79D787}" type="slidenum">
+              <a:rPr lang="en-IN" smtClean="0"/>
+              <a:t>‹#›</a:t>
+            </a:fld>
+            <a:endParaRPr lang="en-IN"/>
+          </a:p>
+        </p:txBody>
+      </p:sp>
+    </p:spTree>
+    <p:extLst>
+      <p:ext uri="{BB962C8B-B14F-4D97-AF65-F5344CB8AC3E}">
+        <p14:creationId xmlns:p14="http://schemas.microsoft.com/office/powerpoint/2010/main" val="596278978"/>
+      </p:ext>
+    </p:extLst>
+  </p:cSld>
+  <p:clrMapOvr>
+    <a:masterClrMapping/>
+  </p:clrMapOvr>
+</p:sldLayout>
+</file>
+
+<file path=ppt/slideLayouts/slideLayout16.xml><?xml version="1.0" encoding="utf-8"?>
 <p:sldLayout xmlns:a="http://schemas.openxmlformats.org/drawingml/2006/main" xmlns:r="http://schemas.openxmlformats.org/officeDocument/2006/relationships" xmlns:p="http://schemas.openxmlformats.org/presentationml/2006/main" type="vertTx" preserve="1">
   <p:cSld name="Title and Vertical Text">
     <p:spTree>
@@ -386,7 +2522,7 @@
       </p:grpSpPr>
       <p:sp>
         <p:nvSpPr>
-          <p:cNvPr id="2" name="Title 1"/>
+          <p:cNvPr id="7" name="Title 1"/>
           <p:cNvSpPr>
             <a:spLocks noGrp="1"/>
           </p:cNvSpPr>
@@ -394,7 +2530,12 @@
             <p:ph type="title"/>
           </p:nvPr>
         </p:nvSpPr>
-        <p:spPr/>
+        <p:spPr>
+          <a:xfrm>
+            <a:off x="1141413" y="609600"/>
+            <a:ext cx="9905998" cy="1905000"/>
+          </a:xfrm>
+        </p:spPr>
         <p:txBody>
           <a:bodyPr/>
           <a:lstStyle/>
@@ -419,7 +2560,7 @@
         </p:nvSpPr>
         <p:spPr/>
         <p:txBody>
-          <a:bodyPr vert="eaVert"/>
+          <a:bodyPr vert="eaVert" anchor="t"/>
           <a:lstStyle/>
           <a:p>
             <a:pPr lvl="0"/>
@@ -476,7 +2617,7 @@
           <a:p>
             <a:fld id="{874FFE33-465F-4E9E-89CE-5F79E84B8B4B}" type="datetimeFigureOut">
               <a:rPr lang="en-IN" smtClean="0"/>
-              <a:t>07-10-2024</a:t>
+              <a:t>28-02-2025</a:t>
             </a:fld>
             <a:endParaRPr lang="en-IN"/>
           </a:p>
@@ -524,41 +2665,10 @@
           </a:p>
         </p:txBody>
       </p:sp>
-      <p:cxnSp>
-        <p:nvCxnSpPr>
-          <p:cNvPr id="26" name="Straight Connector 25"/>
-          <p:cNvCxnSpPr/>
-          <p:nvPr/>
-        </p:nvCxnSpPr>
-        <p:spPr>
-          <a:xfrm>
-            <a:off x="1453896" y="1847088"/>
-            <a:ext cx="9607522" cy="0"/>
-          </a:xfrm>
-          <a:prstGeom prst="line">
-            <a:avLst/>
-          </a:prstGeom>
-          <a:ln w="31750"/>
-        </p:spPr>
-        <p:style>
-          <a:lnRef idx="3">
-            <a:schemeClr val="accent1"/>
-          </a:lnRef>
-          <a:fillRef idx="0">
-            <a:schemeClr val="accent1"/>
-          </a:fillRef>
-          <a:effectRef idx="2">
-            <a:schemeClr val="accent1"/>
-          </a:effectRef>
-          <a:fontRef idx="minor">
-            <a:schemeClr val="tx1"/>
-          </a:fontRef>
-        </p:style>
-      </p:cxnSp>
     </p:spTree>
     <p:extLst>
       <p:ext uri="{BB962C8B-B14F-4D97-AF65-F5344CB8AC3E}">
-        <p14:creationId xmlns:p14="http://schemas.microsoft.com/office/powerpoint/2010/main" val="1491039736"/>
+        <p14:creationId xmlns:p14="http://schemas.microsoft.com/office/powerpoint/2010/main" val="3254488477"/>
       </p:ext>
     </p:extLst>
   </p:cSld>
@@ -568,7 +2678,7 @@
 </p:sldLayout>
 </file>
 
-<file path=ppt/slideLayouts/slideLayout11.xml><?xml version="1.0" encoding="utf-8"?>
+<file path=ppt/slideLayouts/slideLayout17.xml><?xml version="1.0" encoding="utf-8"?>
 <p:sldLayout xmlns:a="http://schemas.openxmlformats.org/drawingml/2006/main" xmlns:r="http://schemas.openxmlformats.org/officeDocument/2006/relationships" xmlns:p="http://schemas.openxmlformats.org/presentationml/2006/main" type="vertTitleAndTx" preserve="1">
   <p:cSld name="Vertical Title and Text">
     <p:spTree>
@@ -597,17 +2707,13 @@
         </p:nvSpPr>
         <p:spPr>
           <a:xfrm>
-            <a:off x="9439111" y="798973"/>
-            <a:ext cx="1615742" cy="4659889"/>
+            <a:off x="8836898" y="609599"/>
+            <a:ext cx="2210514" cy="5181601"/>
           </a:xfrm>
         </p:spPr>
         <p:txBody>
           <a:bodyPr vert="eaVert"/>
-          <a:lstStyle>
-            <a:lvl1pPr algn="l">
-              <a:defRPr/>
-            </a:lvl1pPr>
-          </a:lstStyle>
+          <a:lstStyle/>
           <a:p>
             <a:r>
               <a:rPr lang="en-US"/>
@@ -629,12 +2735,12 @@
         </p:nvSpPr>
         <p:spPr>
           <a:xfrm>
-            <a:off x="1444672" y="798973"/>
-            <a:ext cx="7828830" cy="4659889"/>
+            <a:off x="1141412" y="609600"/>
+            <a:ext cx="7543800" cy="5181600"/>
           </a:xfrm>
         </p:spPr>
         <p:txBody>
-          <a:bodyPr vert="eaVert"/>
+          <a:bodyPr vert="eaVert" anchor="t"/>
           <a:lstStyle/>
           <a:p>
             <a:pPr lvl="0"/>
@@ -691,7 +2797,7 @@
           <a:p>
             <a:fld id="{874FFE33-465F-4E9E-89CE-5F79E84B8B4B}" type="datetimeFigureOut">
               <a:rPr lang="en-IN" smtClean="0"/>
-              <a:t>07-10-2024</a:t>
+              <a:t>28-02-2025</a:t>
             </a:fld>
             <a:endParaRPr lang="en-IN"/>
           </a:p>
@@ -739,41 +2845,10 @@
           </a:p>
         </p:txBody>
       </p:sp>
-      <p:cxnSp>
-        <p:nvCxnSpPr>
-          <p:cNvPr id="15" name="Straight Connector 14"/>
-          <p:cNvCxnSpPr/>
-          <p:nvPr/>
-        </p:nvCxnSpPr>
-        <p:spPr>
-          <a:xfrm>
-            <a:off x="9439111" y="798973"/>
-            <a:ext cx="0" cy="4659889"/>
-          </a:xfrm>
-          <a:prstGeom prst="line">
-            <a:avLst/>
-          </a:prstGeom>
-          <a:ln w="31750"/>
-        </p:spPr>
-        <p:style>
-          <a:lnRef idx="3">
-            <a:schemeClr val="accent1"/>
-          </a:lnRef>
-          <a:fillRef idx="0">
-            <a:schemeClr val="accent1"/>
-          </a:fillRef>
-          <a:effectRef idx="2">
-            <a:schemeClr val="accent1"/>
-          </a:effectRef>
-          <a:fontRef idx="minor">
-            <a:schemeClr val="tx1"/>
-          </a:fontRef>
-        </p:style>
-      </p:cxnSp>
     </p:spTree>
     <p:extLst>
       <p:ext uri="{BB962C8B-B14F-4D97-AF65-F5344CB8AC3E}">
-        <p14:creationId xmlns:p14="http://schemas.microsoft.com/office/powerpoint/2010/main" val="2566828166"/>
+        <p14:creationId xmlns:p14="http://schemas.microsoft.com/office/powerpoint/2010/main" val="2721936227"/>
       </p:ext>
     </p:extLst>
   </p:cSld>
@@ -835,7 +2910,7 @@
         </p:nvSpPr>
         <p:spPr/>
         <p:txBody>
-          <a:bodyPr anchor="t"/>
+          <a:bodyPr anchor="ctr"/>
           <a:lstStyle/>
           <a:p>
             <a:pPr lvl="0"/>
@@ -892,7 +2967,7 @@
           <a:p>
             <a:fld id="{874FFE33-465F-4E9E-89CE-5F79E84B8B4B}" type="datetimeFigureOut">
               <a:rPr lang="en-IN" smtClean="0"/>
-              <a:t>07-10-2024</a:t>
+              <a:t>28-02-2025</a:t>
             </a:fld>
             <a:endParaRPr lang="en-IN"/>
           </a:p>
@@ -940,41 +3015,10 @@
           </a:p>
         </p:txBody>
       </p:sp>
-      <p:cxnSp>
-        <p:nvCxnSpPr>
-          <p:cNvPr id="33" name="Straight Connector 32"/>
-          <p:cNvCxnSpPr/>
-          <p:nvPr/>
-        </p:nvCxnSpPr>
-        <p:spPr>
-          <a:xfrm>
-            <a:off x="1453896" y="1847088"/>
-            <a:ext cx="9607522" cy="0"/>
-          </a:xfrm>
-          <a:prstGeom prst="line">
-            <a:avLst/>
-          </a:prstGeom>
-          <a:ln w="31750"/>
-        </p:spPr>
-        <p:style>
-          <a:lnRef idx="3">
-            <a:schemeClr val="accent1"/>
-          </a:lnRef>
-          <a:fillRef idx="0">
-            <a:schemeClr val="accent1"/>
-          </a:fillRef>
-          <a:effectRef idx="2">
-            <a:schemeClr val="accent1"/>
-          </a:effectRef>
-          <a:fontRef idx="minor">
-            <a:schemeClr val="tx1"/>
-          </a:fontRef>
-        </p:style>
-      </p:cxnSp>
     </p:spTree>
     <p:extLst>
       <p:ext uri="{BB962C8B-B14F-4D97-AF65-F5344CB8AC3E}">
-        <p14:creationId xmlns:p14="http://schemas.microsoft.com/office/powerpoint/2010/main" val="2786547379"/>
+        <p14:creationId xmlns:p14="http://schemas.microsoft.com/office/powerpoint/2010/main" val="3129472531"/>
       </p:ext>
     </p:extLst>
   </p:cSld>
@@ -1013,55 +3057,64 @@
         </p:nvSpPr>
         <p:spPr>
           <a:xfrm>
-            <a:off x="1454239" y="1756130"/>
-            <a:ext cx="8643154" cy="1887950"/>
+            <a:off x="1751013" y="3308581"/>
+            <a:ext cx="8686800" cy="1468800"/>
           </a:xfrm>
         </p:spPr>
         <p:txBody>
-          <a:bodyPr anchor="b">
+          <a:bodyPr anchor="b"/>
+          <a:lstStyle>
+            <a:lvl1pPr algn="r">
+              <a:defRPr sz="4000" b="0" cap="all"/>
+            </a:lvl1pPr>
+          </a:lstStyle>
+          <a:p>
+            <a:r>
+              <a:rPr lang="en-US"/>
+              <a:t>Click to edit Master title style</a:t>
+            </a:r>
+            <a:endParaRPr lang="en-US" dirty="0"/>
+          </a:p>
+        </p:txBody>
+      </p:sp>
+      <p:sp>
+        <p:nvSpPr>
+          <p:cNvPr id="3" name="Text Placeholder 2"/>
+          <p:cNvSpPr>
+            <a:spLocks noGrp="1"/>
+          </p:cNvSpPr>
+          <p:nvPr>
+            <p:ph type="body" idx="1"/>
+          </p:nvPr>
+        </p:nvSpPr>
+        <p:spPr>
+          <a:xfrm>
+            <a:off x="1751011" y="4777381"/>
+            <a:ext cx="8686801" cy="860400"/>
+          </a:xfrm>
+        </p:spPr>
+        <p:txBody>
+          <a:bodyPr anchor="t">
             <a:normAutofit/>
           </a:bodyPr>
           <a:lstStyle>
-            <a:lvl1pPr algn="l">
-              <a:defRPr sz="3600"/>
-            </a:lvl1pPr>
-          </a:lstStyle>
-          <a:p>
-            <a:r>
-              <a:rPr lang="en-US"/>
-              <a:t>Click to edit Master title style</a:t>
-            </a:r>
-            <a:endParaRPr lang="en-US" dirty="0"/>
-          </a:p>
-        </p:txBody>
-      </p:sp>
-      <p:sp>
-        <p:nvSpPr>
-          <p:cNvPr id="3" name="Text Placeholder 2"/>
-          <p:cNvSpPr>
-            <a:spLocks noGrp="1"/>
-          </p:cNvSpPr>
-          <p:nvPr>
-            <p:ph type="body" idx="1"/>
-          </p:nvPr>
-        </p:nvSpPr>
-        <p:spPr>
-          <a:xfrm>
-            <a:off x="1454239" y="3806195"/>
-            <a:ext cx="8630446" cy="1012929"/>
-          </a:xfrm>
-        </p:spPr>
-        <p:txBody>
-          <a:bodyPr tIns="91440">
-            <a:normAutofit/>
-          </a:bodyPr>
-          <a:lstStyle>
-            <a:lvl1pPr marL="0" indent="0" algn="l">
-              <a:buNone/>
-              <a:defRPr sz="1800">
-                <a:solidFill>
-                  <a:schemeClr val="tx1"/>
-                </a:solidFill>
+            <a:lvl1pPr marL="0" indent="0" algn="r">
+              <a:buNone/>
+              <a:defRPr sz="2000">
+                <a:gradFill flip="none" rotWithShape="1">
+                  <a:gsLst>
+                    <a:gs pos="0">
+                      <a:schemeClr val="tx1"/>
+                    </a:gs>
+                    <a:gs pos="100000">
+                      <a:schemeClr val="tx1">
+                        <a:lumMod val="75000"/>
+                      </a:schemeClr>
+                    </a:gs>
+                  </a:gsLst>
+                  <a:lin ang="5400000" scaled="0"/>
+                  <a:tileRect/>
+                </a:gradFill>
               </a:defRPr>
             </a:lvl1pPr>
             <a:lvl2pPr marL="457200" indent="0">
@@ -1076,7 +3129,7 @@
             </a:lvl2pPr>
             <a:lvl3pPr marL="914400" indent="0">
               <a:buNone/>
-              <a:defRPr sz="1800">
+              <a:defRPr sz="1600">
                 <a:solidFill>
                   <a:schemeClr val="tx1">
                     <a:tint val="75000"/>
@@ -1086,7 +3139,7 @@
             </a:lvl3pPr>
             <a:lvl4pPr marL="1371600" indent="0">
               <a:buNone/>
-              <a:defRPr sz="1600">
+              <a:defRPr sz="1400">
                 <a:solidFill>
                   <a:schemeClr val="tx1">
                     <a:tint val="75000"/>
@@ -1096,7 +3149,7 @@
             </a:lvl4pPr>
             <a:lvl5pPr marL="1828800" indent="0">
               <a:buNone/>
-              <a:defRPr sz="1600">
+              <a:defRPr sz="1400">
                 <a:solidFill>
                   <a:schemeClr val="tx1">
                     <a:tint val="75000"/>
@@ -1106,7 +3159,7 @@
             </a:lvl5pPr>
             <a:lvl6pPr marL="2286000" indent="0">
               <a:buNone/>
-              <a:defRPr sz="1600">
+              <a:defRPr sz="1400">
                 <a:solidFill>
                   <a:schemeClr val="tx1">
                     <a:tint val="75000"/>
@@ -1116,7 +3169,7 @@
             </a:lvl6pPr>
             <a:lvl7pPr marL="2743200" indent="0">
               <a:buNone/>
-              <a:defRPr sz="1600">
+              <a:defRPr sz="1400">
                 <a:solidFill>
                   <a:schemeClr val="tx1">
                     <a:tint val="75000"/>
@@ -1126,7 +3179,7 @@
             </a:lvl7pPr>
             <a:lvl8pPr marL="3200400" indent="0">
               <a:buNone/>
-              <a:defRPr sz="1600">
+              <a:defRPr sz="1400">
                 <a:solidFill>
                   <a:schemeClr val="tx1">
                     <a:tint val="75000"/>
@@ -1136,7 +3189,7 @@
             </a:lvl8pPr>
             <a:lvl9pPr marL="3657600" indent="0">
               <a:buNone/>
-              <a:defRPr sz="1600">
+              <a:defRPr sz="1400">
                 <a:solidFill>
                   <a:schemeClr val="tx1">
                     <a:tint val="75000"/>
@@ -1171,7 +3224,7 @@
           <a:p>
             <a:fld id="{874FFE33-465F-4E9E-89CE-5F79E84B8B4B}" type="datetimeFigureOut">
               <a:rPr lang="en-IN" smtClean="0"/>
-              <a:t>07-10-2024</a:t>
+              <a:t>28-02-2025</a:t>
             </a:fld>
             <a:endParaRPr lang="en-IN"/>
           </a:p>
@@ -1219,41 +3272,10 @@
           </a:p>
         </p:txBody>
       </p:sp>
-      <p:cxnSp>
-        <p:nvCxnSpPr>
-          <p:cNvPr id="15" name="Straight Connector 14"/>
-          <p:cNvCxnSpPr/>
-          <p:nvPr/>
-        </p:nvCxnSpPr>
-        <p:spPr>
-          <a:xfrm>
-            <a:off x="1454239" y="3804985"/>
-            <a:ext cx="8630446" cy="0"/>
-          </a:xfrm>
-          <a:prstGeom prst="line">
-            <a:avLst/>
-          </a:prstGeom>
-          <a:ln w="31750"/>
-        </p:spPr>
-        <p:style>
-          <a:lnRef idx="3">
-            <a:schemeClr val="accent1"/>
-          </a:lnRef>
-          <a:fillRef idx="0">
-            <a:schemeClr val="accent1"/>
-          </a:fillRef>
-          <a:effectRef idx="2">
-            <a:schemeClr val="accent1"/>
-          </a:effectRef>
-          <a:fontRef idx="minor">
-            <a:schemeClr val="tx1"/>
-          </a:fontRef>
-        </p:style>
-      </p:cxnSp>
     </p:spTree>
     <p:extLst>
       <p:ext uri="{BB962C8B-B14F-4D97-AF65-F5344CB8AC3E}">
-        <p14:creationId xmlns:p14="http://schemas.microsoft.com/office/powerpoint/2010/main" val="3414962619"/>
+        <p14:creationId xmlns:p14="http://schemas.microsoft.com/office/powerpoint/2010/main" val="3761329430"/>
       </p:ext>
     </p:extLst>
   </p:cSld>
@@ -1290,19 +3312,101 @@
             <p:ph type="title"/>
           </p:nvPr>
         </p:nvSpPr>
+        <p:spPr/>
+        <p:txBody>
+          <a:bodyPr/>
+          <a:lstStyle/>
+          <a:p>
+            <a:r>
+              <a:rPr lang="en-US"/>
+              <a:t>Click to edit Master title style</a:t>
+            </a:r>
+            <a:endParaRPr lang="en-US" dirty="0"/>
+          </a:p>
+        </p:txBody>
+      </p:sp>
+      <p:sp>
+        <p:nvSpPr>
+          <p:cNvPr id="3" name="Content Placeholder 2"/>
+          <p:cNvSpPr>
+            <a:spLocks noGrp="1"/>
+          </p:cNvSpPr>
+          <p:nvPr>
+            <p:ph sz="half" idx="1"/>
+          </p:nvPr>
+        </p:nvSpPr>
         <p:spPr>
           <a:xfrm>
-            <a:off x="1449217" y="804889"/>
-            <a:ext cx="9605635" cy="1059305"/>
+            <a:off x="1141412" y="2666999"/>
+            <a:ext cx="4876800" cy="3124201"/>
           </a:xfrm>
         </p:spPr>
         <p:txBody>
-          <a:bodyPr/>
-          <a:lstStyle/>
-          <a:p>
-            <a:r>
-              <a:rPr lang="en-US"/>
-              <a:t>Click to edit Master title style</a:t>
+          <a:bodyPr>
+            <a:normAutofit/>
+          </a:bodyPr>
+          <a:lstStyle>
+            <a:lvl1pPr>
+              <a:defRPr sz="1800"/>
+            </a:lvl1pPr>
+            <a:lvl2pPr>
+              <a:defRPr sz="1600"/>
+            </a:lvl2pPr>
+            <a:lvl3pPr>
+              <a:defRPr sz="1400"/>
+            </a:lvl3pPr>
+            <a:lvl4pPr>
+              <a:defRPr sz="1200"/>
+            </a:lvl4pPr>
+            <a:lvl5pPr>
+              <a:defRPr sz="1200"/>
+            </a:lvl5pPr>
+            <a:lvl6pPr>
+              <a:defRPr sz="1200"/>
+            </a:lvl6pPr>
+            <a:lvl7pPr>
+              <a:defRPr sz="1200"/>
+            </a:lvl7pPr>
+            <a:lvl8pPr>
+              <a:defRPr sz="1200"/>
+            </a:lvl8pPr>
+            <a:lvl9pPr>
+              <a:defRPr sz="1200"/>
+            </a:lvl9pPr>
+          </a:lstStyle>
+          <a:p>
+            <a:pPr lvl="0"/>
+            <a:r>
+              <a:rPr lang="en-US"/>
+              <a:t>Click to edit Master text styles</a:t>
+            </a:r>
+          </a:p>
+          <a:p>
+            <a:pPr lvl="1"/>
+            <a:r>
+              <a:rPr lang="en-US"/>
+              <a:t>Second level</a:t>
+            </a:r>
+          </a:p>
+          <a:p>
+            <a:pPr lvl="2"/>
+            <a:r>
+              <a:rPr lang="en-US"/>
+              <a:t>Third level</a:t>
+            </a:r>
+          </a:p>
+          <a:p>
+            <a:pPr lvl="3"/>
+            <a:r>
+              <a:rPr lang="en-US"/>
+              <a:t>Fourth level</a:t>
+            </a:r>
+          </a:p>
+          <a:p>
+            <a:pPr lvl="4"/>
+            <a:r>
+              <a:rPr lang="en-US"/>
+              <a:t>Fifth level</a:t>
             </a:r>
             <a:endParaRPr lang="en-US" dirty="0"/>
           </a:p>
@@ -1310,80 +3414,53 @@
       </p:sp>
       <p:sp>
         <p:nvSpPr>
-          <p:cNvPr id="3" name="Content Placeholder 2"/>
-          <p:cNvSpPr>
-            <a:spLocks noGrp="1"/>
-          </p:cNvSpPr>
-          <p:nvPr>
-            <p:ph sz="half" idx="1"/>
+          <p:cNvPr id="4" name="Content Placeholder 3"/>
+          <p:cNvSpPr>
+            <a:spLocks noGrp="1"/>
+          </p:cNvSpPr>
+          <p:nvPr>
+            <p:ph sz="half" idx="2"/>
           </p:nvPr>
         </p:nvSpPr>
         <p:spPr>
           <a:xfrm>
-            <a:off x="1447331" y="2010878"/>
-            <a:ext cx="4645152" cy="3448595"/>
+            <a:off x="6170612" y="2667000"/>
+            <a:ext cx="4876800" cy="3124200"/>
           </a:xfrm>
         </p:spPr>
         <p:txBody>
-          <a:bodyPr/>
-          <a:lstStyle/>
-          <a:p>
-            <a:pPr lvl="0"/>
-            <a:r>
-              <a:rPr lang="en-US"/>
-              <a:t>Click to edit Master text styles</a:t>
-            </a:r>
-          </a:p>
-          <a:p>
-            <a:pPr lvl="1"/>
-            <a:r>
-              <a:rPr lang="en-US"/>
-              <a:t>Second level</a:t>
-            </a:r>
-          </a:p>
-          <a:p>
-            <a:pPr lvl="2"/>
-            <a:r>
-              <a:rPr lang="en-US"/>
-              <a:t>Third level</a:t>
-            </a:r>
-          </a:p>
-          <a:p>
-            <a:pPr lvl="3"/>
-            <a:r>
-              <a:rPr lang="en-US"/>
-              <a:t>Fourth level</a:t>
-            </a:r>
-          </a:p>
-          <a:p>
-            <a:pPr lvl="4"/>
-            <a:r>
-              <a:rPr lang="en-US"/>
-              <a:t>Fifth level</a:t>
-            </a:r>
-            <a:endParaRPr lang="en-US" dirty="0"/>
-          </a:p>
-        </p:txBody>
-      </p:sp>
-      <p:sp>
-        <p:nvSpPr>
-          <p:cNvPr id="4" name="Content Placeholder 3"/>
-          <p:cNvSpPr>
-            <a:spLocks noGrp="1"/>
-          </p:cNvSpPr>
-          <p:nvPr>
-            <p:ph sz="half" idx="2"/>
-          </p:nvPr>
-        </p:nvSpPr>
-        <p:spPr>
-          <a:xfrm>
-            <a:off x="6413771" y="2017343"/>
-            <a:ext cx="4645152" cy="3441520"/>
-          </a:xfrm>
-        </p:spPr>
-        <p:txBody>
-          <a:bodyPr/>
-          <a:lstStyle/>
+          <a:bodyPr>
+            <a:normAutofit/>
+          </a:bodyPr>
+          <a:lstStyle>
+            <a:lvl1pPr>
+              <a:defRPr sz="1800"/>
+            </a:lvl1pPr>
+            <a:lvl2pPr>
+              <a:defRPr sz="1600"/>
+            </a:lvl2pPr>
+            <a:lvl3pPr>
+              <a:defRPr sz="1400"/>
+            </a:lvl3pPr>
+            <a:lvl4pPr>
+              <a:defRPr sz="1200"/>
+            </a:lvl4pPr>
+            <a:lvl5pPr>
+              <a:defRPr sz="1200"/>
+            </a:lvl5pPr>
+            <a:lvl6pPr>
+              <a:defRPr sz="1200"/>
+            </a:lvl6pPr>
+            <a:lvl7pPr>
+              <a:defRPr sz="1200"/>
+            </a:lvl7pPr>
+            <a:lvl8pPr>
+              <a:defRPr sz="1200"/>
+            </a:lvl8pPr>
+            <a:lvl9pPr>
+              <a:defRPr sz="1200"/>
+            </a:lvl9pPr>
+          </a:lstStyle>
           <a:p>
             <a:pPr lvl="0"/>
             <a:r>
@@ -1439,7 +3516,7 @@
           <a:p>
             <a:fld id="{874FFE33-465F-4E9E-89CE-5F79E84B8B4B}" type="datetimeFigureOut">
               <a:rPr lang="en-IN" smtClean="0"/>
-              <a:t>07-10-2024</a:t>
+              <a:t>28-02-2025</a:t>
             </a:fld>
             <a:endParaRPr lang="en-IN"/>
           </a:p>
@@ -1487,41 +3564,10 @@
           </a:p>
         </p:txBody>
       </p:sp>
-      <p:cxnSp>
-        <p:nvCxnSpPr>
-          <p:cNvPr id="35" name="Straight Connector 34"/>
-          <p:cNvCxnSpPr/>
-          <p:nvPr/>
-        </p:nvCxnSpPr>
-        <p:spPr>
-          <a:xfrm>
-            <a:off x="1453896" y="1847088"/>
-            <a:ext cx="9607522" cy="0"/>
-          </a:xfrm>
-          <a:prstGeom prst="line">
-            <a:avLst/>
-          </a:prstGeom>
-          <a:ln w="31750"/>
-        </p:spPr>
-        <p:style>
-          <a:lnRef idx="3">
-            <a:schemeClr val="accent1"/>
-          </a:lnRef>
-          <a:fillRef idx="0">
-            <a:schemeClr val="accent1"/>
-          </a:fillRef>
-          <a:effectRef idx="2">
-            <a:schemeClr val="accent1"/>
-          </a:effectRef>
-          <a:fontRef idx="minor">
-            <a:schemeClr val="tx1"/>
-          </a:fontRef>
-        </p:style>
-      </p:cxnSp>
     </p:spTree>
     <p:extLst>
       <p:ext uri="{BB962C8B-B14F-4D97-AF65-F5344CB8AC3E}">
-        <p14:creationId xmlns:p14="http://schemas.microsoft.com/office/powerpoint/2010/main" val="207171611"/>
+        <p14:creationId xmlns:p14="http://schemas.microsoft.com/office/powerpoint/2010/main" val="3944286307"/>
       </p:ext>
     </p:extLst>
   </p:cSld>
@@ -1558,55 +3604,201 @@
             <p:ph type="title"/>
           </p:nvPr>
         </p:nvSpPr>
+        <p:spPr/>
+        <p:txBody>
+          <a:bodyPr/>
+          <a:lstStyle>
+            <a:lvl1pPr>
+              <a:defRPr/>
+            </a:lvl1pPr>
+          </a:lstStyle>
+          <a:p>
+            <a:r>
+              <a:rPr lang="en-US"/>
+              <a:t>Click to edit Master title style</a:t>
+            </a:r>
+            <a:endParaRPr lang="en-US" dirty="0"/>
+          </a:p>
+        </p:txBody>
+      </p:sp>
+      <p:sp>
+        <p:nvSpPr>
+          <p:cNvPr id="3" name="Text Placeholder 2"/>
+          <p:cNvSpPr>
+            <a:spLocks noGrp="1"/>
+          </p:cNvSpPr>
+          <p:nvPr>
+            <p:ph type="body" idx="1"/>
+          </p:nvPr>
+        </p:nvSpPr>
         <p:spPr>
           <a:xfrm>
-            <a:off x="1447191" y="804163"/>
-            <a:ext cx="9607661" cy="1056319"/>
+            <a:off x="1429280" y="2658533"/>
+            <a:ext cx="4588931" cy="576262"/>
           </a:xfrm>
         </p:spPr>
         <p:txBody>
-          <a:bodyPr/>
-          <a:lstStyle/>
-          <a:p>
-            <a:r>
-              <a:rPr lang="en-US"/>
-              <a:t>Click to edit Master title style</a:t>
-            </a:r>
-            <a:endParaRPr lang="en-US" dirty="0"/>
-          </a:p>
-        </p:txBody>
-      </p:sp>
-      <p:sp>
-        <p:nvSpPr>
-          <p:cNvPr id="3" name="Text Placeholder 2"/>
-          <p:cNvSpPr>
-            <a:spLocks noGrp="1"/>
-          </p:cNvSpPr>
-          <p:nvPr>
-            <p:ph type="body" idx="1"/>
+          <a:bodyPr anchor="b">
+            <a:noAutofit/>
+          </a:bodyPr>
+          <a:lstStyle>
+            <a:lvl1pPr marL="0" indent="0">
+              <a:buNone/>
+              <a:defRPr sz="2800" b="0"/>
+            </a:lvl1pPr>
+            <a:lvl2pPr marL="457200" indent="0">
+              <a:buNone/>
+              <a:defRPr sz="2000" b="1"/>
+            </a:lvl2pPr>
+            <a:lvl3pPr marL="914400" indent="0">
+              <a:buNone/>
+              <a:defRPr sz="1800" b="1"/>
+            </a:lvl3pPr>
+            <a:lvl4pPr marL="1371600" indent="0">
+              <a:buNone/>
+              <a:defRPr sz="1600" b="1"/>
+            </a:lvl4pPr>
+            <a:lvl5pPr marL="1828800" indent="0">
+              <a:buNone/>
+              <a:defRPr sz="1600" b="1"/>
+            </a:lvl5pPr>
+            <a:lvl6pPr marL="2286000" indent="0">
+              <a:buNone/>
+              <a:defRPr sz="1600" b="1"/>
+            </a:lvl6pPr>
+            <a:lvl7pPr marL="2743200" indent="0">
+              <a:buNone/>
+              <a:defRPr sz="1600" b="1"/>
+            </a:lvl7pPr>
+            <a:lvl8pPr marL="3200400" indent="0">
+              <a:buNone/>
+              <a:defRPr sz="1600" b="1"/>
+            </a:lvl8pPr>
+            <a:lvl9pPr marL="3657600" indent="0">
+              <a:buNone/>
+              <a:defRPr sz="1600" b="1"/>
+            </a:lvl9pPr>
+          </a:lstStyle>
+          <a:p>
+            <a:pPr lvl="0"/>
+            <a:r>
+              <a:rPr lang="en-US"/>
+              <a:t>Click to edit Master text styles</a:t>
+            </a:r>
+          </a:p>
+        </p:txBody>
+      </p:sp>
+      <p:sp>
+        <p:nvSpPr>
+          <p:cNvPr id="4" name="Content Placeholder 3"/>
+          <p:cNvSpPr>
+            <a:spLocks noGrp="1"/>
+          </p:cNvSpPr>
+          <p:nvPr>
+            <p:ph sz="half" idx="2"/>
           </p:nvPr>
         </p:nvSpPr>
         <p:spPr>
           <a:xfrm>
-            <a:off x="1447191" y="2019549"/>
-            <a:ext cx="4645152" cy="801943"/>
+            <a:off x="1141412" y="3243262"/>
+            <a:ext cx="4876800" cy="2547937"/>
           </a:xfrm>
         </p:spPr>
         <p:txBody>
-          <a:bodyPr anchor="b">
+          <a:bodyPr anchor="t">
             <a:normAutofit/>
           </a:bodyPr>
           <a:lstStyle>
+            <a:lvl1pPr>
+              <a:defRPr sz="1800"/>
+            </a:lvl1pPr>
+            <a:lvl2pPr>
+              <a:defRPr sz="1600"/>
+            </a:lvl2pPr>
+            <a:lvl3pPr>
+              <a:defRPr sz="1400"/>
+            </a:lvl3pPr>
+            <a:lvl4pPr>
+              <a:defRPr sz="1200"/>
+            </a:lvl4pPr>
+            <a:lvl5pPr>
+              <a:defRPr sz="1200"/>
+            </a:lvl5pPr>
+            <a:lvl6pPr>
+              <a:defRPr sz="1200"/>
+            </a:lvl6pPr>
+            <a:lvl7pPr>
+              <a:defRPr sz="1200"/>
+            </a:lvl7pPr>
+            <a:lvl8pPr>
+              <a:defRPr sz="1200"/>
+            </a:lvl8pPr>
+            <a:lvl9pPr>
+              <a:defRPr sz="1200"/>
+            </a:lvl9pPr>
+          </a:lstStyle>
+          <a:p>
+            <a:pPr lvl="0"/>
+            <a:r>
+              <a:rPr lang="en-US"/>
+              <a:t>Click to edit Master text styles</a:t>
+            </a:r>
+          </a:p>
+          <a:p>
+            <a:pPr lvl="1"/>
+            <a:r>
+              <a:rPr lang="en-US"/>
+              <a:t>Second level</a:t>
+            </a:r>
+          </a:p>
+          <a:p>
+            <a:pPr lvl="2"/>
+            <a:r>
+              <a:rPr lang="en-US"/>
+              <a:t>Third level</a:t>
+            </a:r>
+          </a:p>
+          <a:p>
+            <a:pPr lvl="3"/>
+            <a:r>
+              <a:rPr lang="en-US"/>
+              <a:t>Fourth level</a:t>
+            </a:r>
+          </a:p>
+          <a:p>
+            <a:pPr lvl="4"/>
+            <a:r>
+              <a:rPr lang="en-US"/>
+              <a:t>Fifth level</a:t>
+            </a:r>
+            <a:endParaRPr lang="en-US" dirty="0"/>
+          </a:p>
+        </p:txBody>
+      </p:sp>
+      <p:sp>
+        <p:nvSpPr>
+          <p:cNvPr id="5" name="Text Placeholder 4"/>
+          <p:cNvSpPr>
+            <a:spLocks noGrp="1"/>
+          </p:cNvSpPr>
+          <p:nvPr>
+            <p:ph type="body" sz="quarter" idx="3"/>
+          </p:nvPr>
+        </p:nvSpPr>
+        <p:spPr>
+          <a:xfrm>
+            <a:off x="6443133" y="2667000"/>
+            <a:ext cx="4604280" cy="576262"/>
+          </a:xfrm>
+        </p:spPr>
+        <p:txBody>
+          <a:bodyPr anchor="b">
+            <a:noAutofit/>
+          </a:bodyPr>
+          <a:lstStyle>
             <a:lvl1pPr marL="0" indent="0">
-              <a:lnSpc>
-                <a:spcPct val="100000"/>
-              </a:lnSpc>
-              <a:buNone/>
-              <a:defRPr sz="2200" b="0" cap="all" baseline="0">
-                <a:solidFill>
-                  <a:schemeClr val="accent1"/>
-                </a:solidFill>
-              </a:defRPr>
+              <a:buNone/>
+              <a:defRPr sz="2800" b="0"/>
             </a:lvl1pPr>
             <a:lvl2pPr marL="457200" indent="0">
               <a:buNone/>
@@ -1652,124 +3844,51 @@
       </p:sp>
       <p:sp>
         <p:nvSpPr>
-          <p:cNvPr id="4" name="Content Placeholder 3"/>
-          <p:cNvSpPr>
-            <a:spLocks noGrp="1"/>
-          </p:cNvSpPr>
-          <p:nvPr>
-            <p:ph sz="half" idx="2"/>
+          <p:cNvPr id="6" name="Content Placeholder 5"/>
+          <p:cNvSpPr>
+            <a:spLocks noGrp="1"/>
+          </p:cNvSpPr>
+          <p:nvPr>
+            <p:ph sz="quarter" idx="4"/>
           </p:nvPr>
         </p:nvSpPr>
         <p:spPr>
           <a:xfrm>
-            <a:off x="1447191" y="2824269"/>
-            <a:ext cx="4645152" cy="2644457"/>
+            <a:off x="6170612" y="3243262"/>
+            <a:ext cx="4876801" cy="2547937"/>
           </a:xfrm>
         </p:spPr>
         <p:txBody>
-          <a:bodyPr/>
-          <a:lstStyle/>
-          <a:p>
-            <a:pPr lvl="0"/>
-            <a:r>
-              <a:rPr lang="en-US"/>
-              <a:t>Click to edit Master text styles</a:t>
-            </a:r>
-          </a:p>
-          <a:p>
-            <a:pPr lvl="1"/>
-            <a:r>
-              <a:rPr lang="en-US"/>
-              <a:t>Second level</a:t>
-            </a:r>
-          </a:p>
-          <a:p>
-            <a:pPr lvl="2"/>
-            <a:r>
-              <a:rPr lang="en-US"/>
-              <a:t>Third level</a:t>
-            </a:r>
-          </a:p>
-          <a:p>
-            <a:pPr lvl="3"/>
-            <a:r>
-              <a:rPr lang="en-US"/>
-              <a:t>Fourth level</a:t>
-            </a:r>
-          </a:p>
-          <a:p>
-            <a:pPr lvl="4"/>
-            <a:r>
-              <a:rPr lang="en-US"/>
-              <a:t>Fifth level</a:t>
-            </a:r>
-            <a:endParaRPr lang="en-US" dirty="0"/>
-          </a:p>
-        </p:txBody>
-      </p:sp>
-      <p:sp>
-        <p:nvSpPr>
-          <p:cNvPr id="5" name="Text Placeholder 4"/>
-          <p:cNvSpPr>
-            <a:spLocks noGrp="1"/>
-          </p:cNvSpPr>
-          <p:nvPr>
-            <p:ph type="body" sz="quarter" idx="3"/>
-          </p:nvPr>
-        </p:nvSpPr>
-        <p:spPr>
-          <a:xfrm>
-            <a:off x="6412362" y="2023003"/>
-            <a:ext cx="4645152" cy="802237"/>
-          </a:xfrm>
-        </p:spPr>
-        <p:txBody>
-          <a:bodyPr anchor="b">
+          <a:bodyPr anchor="t">
             <a:normAutofit/>
           </a:bodyPr>
           <a:lstStyle>
-            <a:lvl1pPr marL="0" indent="0">
-              <a:lnSpc>
-                <a:spcPct val="100000"/>
-              </a:lnSpc>
-              <a:buNone/>
-              <a:defRPr sz="2200" b="0" cap="all" baseline="0">
-                <a:solidFill>
-                  <a:schemeClr val="accent1"/>
-                </a:solidFill>
-              </a:defRPr>
+            <a:lvl1pPr>
+              <a:defRPr sz="1800"/>
             </a:lvl1pPr>
-            <a:lvl2pPr marL="457200" indent="0">
-              <a:buNone/>
-              <a:defRPr sz="2000" b="1"/>
+            <a:lvl2pPr>
+              <a:defRPr sz="1600"/>
             </a:lvl2pPr>
-            <a:lvl3pPr marL="914400" indent="0">
-              <a:buNone/>
-              <a:defRPr sz="1800" b="1"/>
+            <a:lvl3pPr>
+              <a:defRPr sz="1400"/>
             </a:lvl3pPr>
-            <a:lvl4pPr marL="1371600" indent="0">
-              <a:buNone/>
-              <a:defRPr sz="1600" b="1"/>
+            <a:lvl4pPr>
+              <a:defRPr sz="1200"/>
             </a:lvl4pPr>
-            <a:lvl5pPr marL="1828800" indent="0">
-              <a:buNone/>
-              <a:defRPr sz="1600" b="1"/>
+            <a:lvl5pPr>
+              <a:defRPr sz="1200"/>
             </a:lvl5pPr>
-            <a:lvl6pPr marL="2286000" indent="0">
-              <a:buNone/>
-              <a:defRPr sz="1600" b="1"/>
+            <a:lvl6pPr>
+              <a:defRPr sz="1200"/>
             </a:lvl6pPr>
-            <a:lvl7pPr marL="2743200" indent="0">
-              <a:buNone/>
-              <a:defRPr sz="1600" b="1"/>
+            <a:lvl7pPr>
+              <a:defRPr sz="1200"/>
             </a:lvl7pPr>
-            <a:lvl8pPr marL="3200400" indent="0">
-              <a:buNone/>
-              <a:defRPr sz="1600" b="1"/>
+            <a:lvl8pPr>
+              <a:defRPr sz="1200"/>
             </a:lvl8pPr>
-            <a:lvl9pPr marL="3657600" indent="0">
-              <a:buNone/>
-              <a:defRPr sz="1600" b="1"/>
+            <a:lvl9pPr>
+              <a:defRPr sz="1200"/>
             </a:lvl9pPr>
           </a:lstStyle>
           <a:p>
@@ -1779,34 +3898,6 @@
               <a:t>Click to edit Master text styles</a:t>
             </a:r>
           </a:p>
-        </p:txBody>
-      </p:sp>
-      <p:sp>
-        <p:nvSpPr>
-          <p:cNvPr id="6" name="Content Placeholder 5"/>
-          <p:cNvSpPr>
-            <a:spLocks noGrp="1"/>
-          </p:cNvSpPr>
-          <p:nvPr>
-            <p:ph sz="quarter" idx="4"/>
-          </p:nvPr>
-        </p:nvSpPr>
-        <p:spPr>
-          <a:xfrm>
-            <a:off x="6412362" y="2821491"/>
-            <a:ext cx="4645152" cy="2637371"/>
-          </a:xfrm>
-        </p:spPr>
-        <p:txBody>
-          <a:bodyPr/>
-          <a:lstStyle/>
-          <a:p>
-            <a:pPr lvl="0"/>
-            <a:r>
-              <a:rPr lang="en-US"/>
-              <a:t>Click to edit Master text styles</a:t>
-            </a:r>
-          </a:p>
           <a:p>
             <a:pPr lvl="1"/>
             <a:r>
@@ -1855,7 +3946,7 @@
           <a:p>
             <a:fld id="{874FFE33-465F-4E9E-89CE-5F79E84B8B4B}" type="datetimeFigureOut">
               <a:rPr lang="en-IN" smtClean="0"/>
-              <a:t>07-10-2024</a:t>
+              <a:t>28-02-2025</a:t>
             </a:fld>
             <a:endParaRPr lang="en-IN"/>
           </a:p>
@@ -1903,41 +3994,10 @@
           </a:p>
         </p:txBody>
       </p:sp>
-      <p:cxnSp>
-        <p:nvCxnSpPr>
-          <p:cNvPr id="29" name="Straight Connector 28"/>
-          <p:cNvCxnSpPr/>
-          <p:nvPr/>
-        </p:nvCxnSpPr>
-        <p:spPr>
-          <a:xfrm>
-            <a:off x="1453896" y="1847088"/>
-            <a:ext cx="9607522" cy="0"/>
-          </a:xfrm>
-          <a:prstGeom prst="line">
-            <a:avLst/>
-          </a:prstGeom>
-          <a:ln w="31750"/>
-        </p:spPr>
-        <p:style>
-          <a:lnRef idx="3">
-            <a:schemeClr val="accent1"/>
-          </a:lnRef>
-          <a:fillRef idx="0">
-            <a:schemeClr val="accent1"/>
-          </a:fillRef>
-          <a:effectRef idx="2">
-            <a:schemeClr val="accent1"/>
-          </a:effectRef>
-          <a:fontRef idx="minor">
-            <a:schemeClr val="tx1"/>
-          </a:fontRef>
-        </p:style>
-      </p:cxnSp>
     </p:spTree>
     <p:extLst>
       <p:ext uri="{BB962C8B-B14F-4D97-AF65-F5344CB8AC3E}">
-        <p14:creationId xmlns:p14="http://schemas.microsoft.com/office/powerpoint/2010/main" val="544070141"/>
+        <p14:creationId xmlns:p14="http://schemas.microsoft.com/office/powerpoint/2010/main" val="4173011041"/>
       </p:ext>
     </p:extLst>
   </p:cSld>
@@ -2004,7 +4064,7 @@
           <a:p>
             <a:fld id="{874FFE33-465F-4E9E-89CE-5F79E84B8B4B}" type="datetimeFigureOut">
               <a:rPr lang="en-IN" smtClean="0"/>
-              <a:t>07-10-2024</a:t>
+              <a:t>28-02-2025</a:t>
             </a:fld>
             <a:endParaRPr lang="en-IN"/>
           </a:p>
@@ -2052,41 +4112,10 @@
           </a:p>
         </p:txBody>
       </p:sp>
-      <p:cxnSp>
-        <p:nvCxnSpPr>
-          <p:cNvPr id="25" name="Straight Connector 24"/>
-          <p:cNvCxnSpPr/>
-          <p:nvPr/>
-        </p:nvCxnSpPr>
-        <p:spPr>
-          <a:xfrm>
-            <a:off x="1453896" y="1847088"/>
-            <a:ext cx="9607522" cy="0"/>
-          </a:xfrm>
-          <a:prstGeom prst="line">
-            <a:avLst/>
-          </a:prstGeom>
-          <a:ln w="31750"/>
-        </p:spPr>
-        <p:style>
-          <a:lnRef idx="3">
-            <a:schemeClr val="accent1"/>
-          </a:lnRef>
-          <a:fillRef idx="0">
-            <a:schemeClr val="accent1"/>
-          </a:fillRef>
-          <a:effectRef idx="2">
-            <a:schemeClr val="accent1"/>
-          </a:effectRef>
-          <a:fontRef idx="minor">
-            <a:schemeClr val="tx1"/>
-          </a:fontRef>
-        </p:style>
-      </p:cxnSp>
     </p:spTree>
     <p:extLst>
       <p:ext uri="{BB962C8B-B14F-4D97-AF65-F5344CB8AC3E}">
-        <p14:creationId xmlns:p14="http://schemas.microsoft.com/office/powerpoint/2010/main" val="3421940539"/>
+        <p14:creationId xmlns:p14="http://schemas.microsoft.com/office/powerpoint/2010/main" val="1717828614"/>
       </p:ext>
     </p:extLst>
   </p:cSld>
@@ -2130,7 +4159,7 @@
           <a:p>
             <a:fld id="{874FFE33-465F-4E9E-89CE-5F79E84B8B4B}" type="datetimeFigureOut">
               <a:rPr lang="en-IN" smtClean="0"/>
-              <a:t>07-10-2024</a:t>
+              <a:t>28-02-2025</a:t>
             </a:fld>
             <a:endParaRPr lang="en-IN"/>
           </a:p>
@@ -2181,7 +4210,7 @@
     </p:spTree>
     <p:extLst>
       <p:ext uri="{BB962C8B-B14F-4D97-AF65-F5344CB8AC3E}">
-        <p14:creationId xmlns:p14="http://schemas.microsoft.com/office/powerpoint/2010/main" val="3498987872"/>
+        <p14:creationId xmlns:p14="http://schemas.microsoft.com/office/powerpoint/2010/main" val="4226730155"/>
       </p:ext>
     </p:extLst>
   </p:cSld>
@@ -2220,8 +4249,8 @@
         </p:nvSpPr>
         <p:spPr>
           <a:xfrm>
-            <a:off x="1444671" y="798973"/>
-            <a:ext cx="3273099" cy="2247117"/>
+            <a:off x="1141411" y="1600200"/>
+            <a:ext cx="3549121" cy="1371600"/>
           </a:xfrm>
         </p:spPr>
         <p:txBody>
@@ -2230,7 +4259,7 @@
           </a:bodyPr>
           <a:lstStyle>
             <a:lvl1pPr algn="l">
-              <a:defRPr sz="2400"/>
+              <a:defRPr sz="2400" b="0"/>
             </a:lvl1pPr>
           </a:lstStyle>
           <a:p>
@@ -2254,13 +4283,43 @@
         </p:nvSpPr>
         <p:spPr>
           <a:xfrm>
-            <a:off x="5043714" y="798974"/>
-            <a:ext cx="6012470" cy="4658826"/>
+            <a:off x="5103812" y="609601"/>
+            <a:ext cx="5943601" cy="5181600"/>
           </a:xfrm>
         </p:spPr>
         <p:txBody>
-          <a:bodyPr anchor="ctr"/>
-          <a:lstStyle/>
+          <a:bodyPr anchor="ctr">
+            <a:normAutofit/>
+          </a:bodyPr>
+          <a:lstStyle>
+            <a:lvl1pPr>
+              <a:defRPr sz="2000"/>
+            </a:lvl1pPr>
+            <a:lvl2pPr>
+              <a:defRPr sz="1800"/>
+            </a:lvl2pPr>
+            <a:lvl3pPr>
+              <a:defRPr sz="1600"/>
+            </a:lvl3pPr>
+            <a:lvl4pPr>
+              <a:defRPr sz="1400"/>
+            </a:lvl4pPr>
+            <a:lvl5pPr>
+              <a:defRPr sz="1400"/>
+            </a:lvl5pPr>
+            <a:lvl6pPr>
+              <a:defRPr sz="1400"/>
+            </a:lvl6pPr>
+            <a:lvl7pPr>
+              <a:defRPr sz="1400"/>
+            </a:lvl7pPr>
+            <a:lvl8pPr>
+              <a:defRPr sz="1400"/>
+            </a:lvl8pPr>
+            <a:lvl9pPr>
+              <a:defRPr sz="1400"/>
+            </a:lvl9pPr>
+          </a:lstStyle>
           <a:p>
             <a:pPr lvl="0"/>
             <a:r>
@@ -2311,48 +4370,50 @@
         </p:nvSpPr>
         <p:spPr>
           <a:xfrm>
-            <a:off x="1444671" y="3205491"/>
-            <a:ext cx="3275013" cy="2248181"/>
+            <a:off x="1141411" y="2971800"/>
+            <a:ext cx="3549121" cy="1828800"/>
           </a:xfrm>
         </p:spPr>
         <p:txBody>
-          <a:bodyPr/>
+          <a:bodyPr>
+            <a:normAutofit/>
+          </a:bodyPr>
           <a:lstStyle>
-            <a:lvl1pPr marL="0" indent="0" algn="l">
+            <a:lvl1pPr marL="0" indent="0">
               <a:buNone/>
               <a:defRPr sz="1600"/>
             </a:lvl1pPr>
             <a:lvl2pPr marL="457200" indent="0">
               <a:buNone/>
-              <a:defRPr sz="1400"/>
+              <a:defRPr sz="1200"/>
             </a:lvl2pPr>
             <a:lvl3pPr marL="914400" indent="0">
               <a:buNone/>
-              <a:defRPr sz="1200"/>
+              <a:defRPr sz="1000"/>
             </a:lvl3pPr>
             <a:lvl4pPr marL="1371600" indent="0">
               <a:buNone/>
-              <a:defRPr sz="1000"/>
+              <a:defRPr sz="900"/>
             </a:lvl4pPr>
             <a:lvl5pPr marL="1828800" indent="0">
               <a:buNone/>
-              <a:defRPr sz="1000"/>
+              <a:defRPr sz="900"/>
             </a:lvl5pPr>
             <a:lvl6pPr marL="2286000" indent="0">
               <a:buNone/>
-              <a:defRPr sz="1000"/>
+              <a:defRPr sz="900"/>
             </a:lvl6pPr>
             <a:lvl7pPr marL="2743200" indent="0">
               <a:buNone/>
-              <a:defRPr sz="1000"/>
+              <a:defRPr sz="900"/>
             </a:lvl7pPr>
             <a:lvl8pPr marL="3200400" indent="0">
               <a:buNone/>
-              <a:defRPr sz="1000"/>
+              <a:defRPr sz="900"/>
             </a:lvl8pPr>
             <a:lvl9pPr marL="3657600" indent="0">
               <a:buNone/>
-              <a:defRPr sz="1000"/>
+              <a:defRPr sz="900"/>
             </a:lvl9pPr>
           </a:lstStyle>
           <a:p>
@@ -2381,7 +4442,7 @@
           <a:p>
             <a:fld id="{874FFE33-465F-4E9E-89CE-5F79E84B8B4B}" type="datetimeFigureOut">
               <a:rPr lang="en-IN" smtClean="0"/>
-              <a:t>07-10-2024</a:t>
+              <a:t>28-02-2025</a:t>
             </a:fld>
             <a:endParaRPr lang="en-IN"/>
           </a:p>
@@ -2429,41 +4490,10 @@
           </a:p>
         </p:txBody>
       </p:sp>
-      <p:cxnSp>
-        <p:nvCxnSpPr>
-          <p:cNvPr id="17" name="Straight Connector 16"/>
-          <p:cNvCxnSpPr/>
-          <p:nvPr/>
-        </p:nvCxnSpPr>
-        <p:spPr>
-          <a:xfrm>
-            <a:off x="1448280" y="3205491"/>
-            <a:ext cx="3269490" cy="0"/>
-          </a:xfrm>
-          <a:prstGeom prst="line">
-            <a:avLst/>
-          </a:prstGeom>
-          <a:ln w="31750"/>
-        </p:spPr>
-        <p:style>
-          <a:lnRef idx="3">
-            <a:schemeClr val="accent1"/>
-          </a:lnRef>
-          <a:fillRef idx="0">
-            <a:schemeClr val="accent1"/>
-          </a:fillRef>
-          <a:effectRef idx="2">
-            <a:schemeClr val="accent1"/>
-          </a:effectRef>
-          <a:fontRef idx="minor">
-            <a:schemeClr val="tx1"/>
-          </a:fontRef>
-        </p:style>
-      </p:cxnSp>
     </p:spTree>
     <p:extLst>
       <p:ext uri="{BB962C8B-B14F-4D97-AF65-F5344CB8AC3E}">
-        <p14:creationId xmlns:p14="http://schemas.microsoft.com/office/powerpoint/2010/main" val="2661947311"/>
+        <p14:creationId xmlns:p14="http://schemas.microsoft.com/office/powerpoint/2010/main" val="3644327467"/>
       </p:ext>
     </p:extLst>
   </p:cSld>
@@ -2490,140 +4520,6 @@
           <a:chExt cx="0" cy="0"/>
         </a:xfrm>
       </p:grpSpPr>
-      <p:grpSp>
-        <p:nvGrpSpPr>
-          <p:cNvPr id="8" name="Group 7"/>
-          <p:cNvGrpSpPr/>
-          <p:nvPr/>
-        </p:nvGrpSpPr>
-        <p:grpSpPr>
-          <a:xfrm>
-            <a:off x="7477387" y="482170"/>
-            <a:ext cx="4074533" cy="5149101"/>
-            <a:chOff x="7477387" y="482170"/>
-            <a:chExt cx="4074533" cy="5149101"/>
-          </a:xfrm>
-        </p:grpSpPr>
-        <p:sp>
-          <p:nvSpPr>
-            <p:cNvPr id="18" name="Rectangle 17"/>
-            <p:cNvSpPr/>
-            <p:nvPr/>
-          </p:nvSpPr>
-          <p:spPr bwMode="black">
-            <a:xfrm>
-              <a:off x="7477387" y="482170"/>
-              <a:ext cx="4074533" cy="5149101"/>
-            </a:xfrm>
-            <a:prstGeom prst="rect">
-              <a:avLst/>
-            </a:prstGeom>
-            <a:gradFill>
-              <a:gsLst>
-                <a:gs pos="0">
-                  <a:srgbClr val="000001"/>
-                </a:gs>
-                <a:gs pos="100000">
-                  <a:srgbClr val="191919"/>
-                </a:gs>
-              </a:gsLst>
-            </a:gradFill>
-            <a:ln w="76200" cmpd="sng">
-              <a:noFill/>
-              <a:miter lim="800000"/>
-            </a:ln>
-            <a:effectLst>
-              <a:outerShdw blurRad="127000" dist="228600" dir="4740000" sx="98000" sy="98000" algn="tl" rotWithShape="0">
-                <a:srgbClr val="000000">
-                  <a:alpha val="34000"/>
-                </a:srgbClr>
-              </a:outerShdw>
-            </a:effectLst>
-            <a:scene3d>
-              <a:camera prst="orthographicFront"/>
-              <a:lightRig rig="threePt" dir="t"/>
-            </a:scene3d>
-            <a:sp3d>
-              <a:bevelT w="152400" h="50800" prst="softRound"/>
-            </a:sp3d>
-          </p:spPr>
-          <p:style>
-            <a:lnRef idx="1">
-              <a:schemeClr val="accent1"/>
-            </a:lnRef>
-            <a:fillRef idx="3">
-              <a:schemeClr val="accent1"/>
-            </a:fillRef>
-            <a:effectRef idx="2">
-              <a:schemeClr val="accent1"/>
-            </a:effectRef>
-            <a:fontRef idx="minor">
-              <a:schemeClr val="lt1"/>
-            </a:fontRef>
-          </p:style>
-        </p:sp>
-        <p:sp>
-          <p:nvSpPr>
-            <p:cNvPr id="19" name="Rectangle 18"/>
-            <p:cNvSpPr/>
-            <p:nvPr/>
-          </p:nvSpPr>
-          <p:spPr bwMode="blackWhite">
-            <a:xfrm>
-              <a:off x="7790446" y="812506"/>
-              <a:ext cx="3450289" cy="4466452"/>
-            </a:xfrm>
-            <a:prstGeom prst="rect">
-              <a:avLst/>
-            </a:prstGeom>
-            <a:gradFill>
-              <a:gsLst>
-                <a:gs pos="0">
-                  <a:srgbClr val="DADADA"/>
-                </a:gs>
-                <a:gs pos="100000">
-                  <a:srgbClr val="FFFFFE"/>
-                </a:gs>
-              </a:gsLst>
-              <a:lin ang="16200000" scaled="0"/>
-            </a:gradFill>
-            <a:ln w="50800" cmpd="sng">
-              <a:solidFill>
-                <a:srgbClr val="191919"/>
-              </a:solidFill>
-              <a:miter lim="800000"/>
-            </a:ln>
-            <a:effectLst>
-              <a:innerShdw blurRad="63500" dist="88900" dir="14100000">
-                <a:srgbClr val="000000">
-                  <a:alpha val="30000"/>
-                </a:srgbClr>
-              </a:innerShdw>
-            </a:effectLst>
-            <a:scene3d>
-              <a:camera prst="orthographicFront"/>
-              <a:lightRig rig="threePt" dir="t"/>
-            </a:scene3d>
-            <a:sp3d>
-              <a:bevelT prst="relaxedInset"/>
-            </a:sp3d>
-          </p:spPr>
-          <p:style>
-            <a:lnRef idx="1">
-              <a:schemeClr val="accent1"/>
-            </a:lnRef>
-            <a:fillRef idx="3">
-              <a:schemeClr val="accent1"/>
-            </a:fillRef>
-            <a:effectRef idx="2">
-              <a:schemeClr val="accent1"/>
-            </a:effectRef>
-            <a:fontRef idx="minor">
-              <a:schemeClr val="lt1"/>
-            </a:fontRef>
-          </p:style>
-        </p:sp>
-      </p:grpSp>
       <p:sp>
         <p:nvSpPr>
           <p:cNvPr id="2" name="Title 1"/>
@@ -2636,8 +4532,8 @@
         </p:nvSpPr>
         <p:spPr>
           <a:xfrm>
-            <a:off x="1451206" y="1129513"/>
-            <a:ext cx="5532328" cy="1830584"/>
+            <a:off x="1141411" y="1600200"/>
+            <a:ext cx="5334001" cy="1371600"/>
           </a:xfrm>
         </p:spPr>
         <p:txBody>
@@ -2645,8 +4541,8 @@
             <a:normAutofit/>
           </a:bodyPr>
           <a:lstStyle>
-            <a:lvl1pPr>
-              <a:defRPr sz="3200"/>
+            <a:lvl1pPr algn="l">
+              <a:defRPr sz="2800" b="0"/>
             </a:lvl1pPr>
           </a:lstStyle>
           <a:p>
@@ -2660,7 +4556,7 @@
       </p:sp>
       <p:sp>
         <p:nvSpPr>
-          <p:cNvPr id="3" name="Picture Placeholder 2"/>
+          <p:cNvPr id="14" name="Picture Placeholder 2"/>
           <p:cNvSpPr>
             <a:spLocks noGrp="1" noChangeAspect="1"/>
           </p:cNvSpPr>
@@ -2670,58 +4566,73 @@
         </p:nvSpPr>
         <p:spPr>
           <a:xfrm>
-            <a:off x="8124389" y="1122542"/>
-            <a:ext cx="2791171" cy="3866327"/>
+            <a:off x="7433733" y="-18288"/>
+            <a:ext cx="3276599" cy="6903720"/>
           </a:xfrm>
-          <a:solidFill>
-            <a:schemeClr val="bg1">
-              <a:lumMod val="85000"/>
-            </a:schemeClr>
-          </a:solidFill>
-          <a:ln w="9525" cap="sq">
-            <a:noFill/>
-            <a:miter lim="800000"/>
+          <a:ln w="38100">
+            <a:gradFill flip="none" rotWithShape="1">
+              <a:gsLst>
+                <a:gs pos="0">
+                  <a:schemeClr val="bg2"/>
+                </a:gs>
+                <a:gs pos="100000">
+                  <a:schemeClr val="bg2">
+                    <a:lumMod val="75000"/>
+                  </a:schemeClr>
+                </a:gs>
+              </a:gsLst>
+              <a:lin ang="5400000" scaled="0"/>
+              <a:tileRect/>
+            </a:gradFill>
           </a:ln>
-          <a:effectLst/>
+          <a:effectLst>
+            <a:innerShdw blurRad="57150" dist="38100" dir="10800000">
+              <a:srgbClr val="000000">
+                <a:alpha val="70000"/>
+              </a:srgbClr>
+            </a:innerShdw>
+          </a:effectLst>
         </p:spPr>
         <p:txBody>
-          <a:bodyPr anchor="t"/>
+          <a:bodyPr anchor="t">
+            <a:normAutofit/>
+          </a:bodyPr>
           <a:lstStyle>
             <a:lvl1pPr marL="0" indent="0" algn="ctr">
               <a:buNone/>
-              <a:defRPr sz="3200"/>
+              <a:defRPr sz="1600"/>
             </a:lvl1pPr>
             <a:lvl2pPr marL="457200" indent="0">
               <a:buNone/>
-              <a:defRPr sz="2800"/>
+              <a:defRPr sz="1600"/>
             </a:lvl2pPr>
             <a:lvl3pPr marL="914400" indent="0">
               <a:buNone/>
-              <a:defRPr sz="2400"/>
+              <a:defRPr sz="1600"/>
             </a:lvl3pPr>
             <a:lvl4pPr marL="1371600" indent="0">
               <a:buNone/>
-              <a:defRPr sz="2000"/>
+              <a:defRPr sz="1600"/>
             </a:lvl4pPr>
             <a:lvl5pPr marL="1828800" indent="0">
               <a:buNone/>
-              <a:defRPr sz="2000"/>
+              <a:defRPr sz="1600"/>
             </a:lvl5pPr>
             <a:lvl6pPr marL="2286000" indent="0">
               <a:buNone/>
-              <a:defRPr sz="2000"/>
+              <a:defRPr sz="1600"/>
             </a:lvl6pPr>
             <a:lvl7pPr marL="2743200" indent="0">
               <a:buNone/>
-              <a:defRPr sz="2000"/>
+              <a:defRPr sz="1600"/>
             </a:lvl7pPr>
             <a:lvl8pPr marL="3200400" indent="0">
               <a:buNone/>
-              <a:defRPr sz="2000"/>
+              <a:defRPr sz="1600"/>
             </a:lvl8pPr>
             <a:lvl9pPr marL="3657600" indent="0">
               <a:buNone/>
-              <a:defRPr sz="2000"/>
+              <a:defRPr sz="1600"/>
             </a:lvl9pPr>
           </a:lstStyle>
           <a:p>
@@ -2745,8 +4656,8 @@
         </p:nvSpPr>
         <p:spPr>
           <a:xfrm>
-            <a:off x="1450329" y="3145992"/>
-            <a:ext cx="5524404" cy="2003742"/>
+            <a:off x="1141411" y="2971800"/>
+            <a:ext cx="5334001" cy="1828800"/>
           </a:xfrm>
         </p:spPr>
         <p:txBody>
@@ -2754,41 +4665,41 @@
             <a:normAutofit/>
           </a:bodyPr>
           <a:lstStyle>
-            <a:lvl1pPr marL="0" indent="0" algn="l">
+            <a:lvl1pPr marL="0" indent="0">
               <a:buNone/>
               <a:defRPr sz="1800"/>
             </a:lvl1pPr>
             <a:lvl2pPr marL="457200" indent="0">
               <a:buNone/>
-              <a:defRPr sz="1400"/>
+              <a:defRPr sz="1200"/>
             </a:lvl2pPr>
             <a:lvl3pPr marL="914400" indent="0">
               <a:buNone/>
-              <a:defRPr sz="1200"/>
+              <a:defRPr sz="1000"/>
             </a:lvl3pPr>
             <a:lvl4pPr marL="1371600" indent="0">
               <a:buNone/>
-              <a:defRPr sz="1000"/>
+              <a:defRPr sz="900"/>
             </a:lvl4pPr>
             <a:lvl5pPr marL="1828800" indent="0">
               <a:buNone/>
-              <a:defRPr sz="1000"/>
+              <a:defRPr sz="900"/>
             </a:lvl5pPr>
             <a:lvl6pPr marL="2286000" indent="0">
               <a:buNone/>
-              <a:defRPr sz="1000"/>
+              <a:defRPr sz="900"/>
             </a:lvl6pPr>
             <a:lvl7pPr marL="2743200" indent="0">
               <a:buNone/>
-              <a:defRPr sz="1000"/>
+              <a:defRPr sz="900"/>
             </a:lvl7pPr>
             <a:lvl8pPr marL="3200400" indent="0">
               <a:buNone/>
-              <a:defRPr sz="1000"/>
+              <a:defRPr sz="900"/>
             </a:lvl8pPr>
             <a:lvl9pPr marL="3657600" indent="0">
               <a:buNone/>
-              <a:defRPr sz="1000"/>
+              <a:defRPr sz="900"/>
             </a:lvl9pPr>
           </a:lstStyle>
           <a:p>
@@ -2812,21 +4723,17 @@
         </p:nvSpPr>
         <p:spPr>
           <a:xfrm>
-            <a:off x="1447382" y="5469856"/>
-            <a:ext cx="5527351" cy="320123"/>
+            <a:off x="6399212" y="5883275"/>
+            <a:ext cx="914400" cy="365125"/>
           </a:xfrm>
         </p:spPr>
         <p:txBody>
           <a:bodyPr/>
-          <a:lstStyle>
-            <a:lvl1pPr algn="l">
-              <a:defRPr/>
-            </a:lvl1pPr>
-          </a:lstStyle>
+          <a:lstStyle/>
           <a:p>
             <a:fld id="{874FFE33-465F-4E9E-89CE-5F79E84B8B4B}" type="datetimeFigureOut">
               <a:rPr lang="en-IN" smtClean="0"/>
-              <a:t>07-10-2024</a:t>
+              <a:t>28-02-2025</a:t>
             </a:fld>
             <a:endParaRPr lang="en-IN"/>
           </a:p>
@@ -2844,8 +4751,8 @@
         </p:nvSpPr>
         <p:spPr>
           <a:xfrm>
-            <a:off x="1447382" y="318640"/>
-            <a:ext cx="5541004" cy="320931"/>
+            <a:off x="1141412" y="5883275"/>
+            <a:ext cx="5105400" cy="365125"/>
           </a:xfrm>
         </p:spPr>
         <p:txBody>
@@ -2866,7 +4773,12 @@
             <p:ph type="sldNum" sz="quarter" idx="12"/>
           </p:nvPr>
         </p:nvSpPr>
-        <p:spPr/>
+        <p:spPr>
+          <a:xfrm>
+            <a:off x="10742612" y="5883275"/>
+            <a:ext cx="322567" cy="365125"/>
+          </a:xfrm>
+        </p:spPr>
         <p:txBody>
           <a:bodyPr/>
           <a:lstStyle/>
@@ -2879,41 +4791,10 @@
           </a:p>
         </p:txBody>
       </p:sp>
-      <p:cxnSp>
-        <p:nvCxnSpPr>
-          <p:cNvPr id="31" name="Straight Connector 30"/>
-          <p:cNvCxnSpPr/>
-          <p:nvPr/>
-        </p:nvCxnSpPr>
-        <p:spPr>
-          <a:xfrm>
-            <a:off x="1447382" y="3143605"/>
-            <a:ext cx="5527351" cy="0"/>
-          </a:xfrm>
-          <a:prstGeom prst="line">
-            <a:avLst/>
-          </a:prstGeom>
-          <a:ln w="31750"/>
-        </p:spPr>
-        <p:style>
-          <a:lnRef idx="3">
-            <a:schemeClr val="accent1"/>
-          </a:lnRef>
-          <a:fillRef idx="0">
-            <a:schemeClr val="accent1"/>
-          </a:fillRef>
-          <a:effectRef idx="2">
-            <a:schemeClr val="accent1"/>
-          </a:effectRef>
-          <a:fontRef idx="minor">
-            <a:schemeClr val="tx1"/>
-          </a:fontRef>
-        </p:style>
-      </p:cxnSp>
     </p:spTree>
     <p:extLst>
       <p:ext uri="{BB962C8B-B14F-4D97-AF65-F5344CB8AC3E}">
-        <p14:creationId xmlns:p14="http://schemas.microsoft.com/office/powerpoint/2010/main" val="1960738408"/>
+        <p14:creationId xmlns:p14="http://schemas.microsoft.com/office/powerpoint/2010/main" val="1275608632"/>
       </p:ext>
     </p:extLst>
   </p:cSld>
@@ -2947,110 +4828,94 @@
       </p:grpSpPr>
       <p:sp>
         <p:nvSpPr>
-          <p:cNvPr id="8" name="Rectangle 7"/>
-          <p:cNvSpPr/>
-          <p:nvPr/>
+          <p:cNvPr id="2" name="Title Placeholder 1"/>
+          <p:cNvSpPr>
+            <a:spLocks noGrp="1"/>
+          </p:cNvSpPr>
+          <p:nvPr>
+            <p:ph type="title"/>
+          </p:nvPr>
         </p:nvSpPr>
         <p:spPr>
           <a:xfrm>
-            <a:off x="0" y="2019476"/>
-            <a:ext cx="12192000" cy="4105941"/>
-          </a:xfrm>
-          <a:prstGeom prst="rect">
-            <a:avLst/>
-          </a:prstGeom>
-          <a:gradFill flip="none" rotWithShape="1">
-            <a:gsLst>
-              <a:gs pos="0">
-                <a:schemeClr val="bg2">
-                  <a:alpha val="0"/>
-                </a:schemeClr>
-              </a:gs>
-              <a:gs pos="100000">
-                <a:schemeClr val="bg2"/>
-              </a:gs>
-            </a:gsLst>
-            <a:lin ang="5400000" scaled="0"/>
-            <a:tileRect/>
-          </a:gradFill>
-          <a:ln>
-            <a:noFill/>
-          </a:ln>
-        </p:spPr>
-        <p:style>
-          <a:lnRef idx="2">
-            <a:schemeClr val="accent1">
-              <a:shade val="50000"/>
-            </a:schemeClr>
-          </a:lnRef>
-          <a:fillRef idx="1">
-            <a:schemeClr val="accent1"/>
-          </a:fillRef>
-          <a:effectRef idx="0">
-            <a:schemeClr val="accent1"/>
-          </a:effectRef>
-          <a:fontRef idx="minor">
-            <a:schemeClr val="lt1"/>
-          </a:fontRef>
-        </p:style>
-      </p:sp>
-      <p:pic>
-        <p:nvPicPr>
-          <p:cNvPr id="7" name="Picture 6"/>
-          <p:cNvPicPr>
-            <a:picLocks noChangeAspect="1"/>
-          </p:cNvPicPr>
-          <p:nvPr/>
-        </p:nvPicPr>
-        <p:blipFill rotWithShape="1">
-          <a:blip r:embed="rId13">
-            <a:extLst>
-              <a:ext uri="{28A0092B-C50C-407E-A947-70E740481C1C}">
-                <a14:useLocalDpi xmlns:a14="http://schemas.microsoft.com/office/drawing/2010/main" val="0"/>
-              </a:ext>
-            </a:extLst>
-          </a:blip>
-          <a:srcRect t="1538" b="-1538"/>
-          <a:stretch/>
-        </p:blipFill>
-        <p:spPr bwMode="black">
-          <a:xfrm>
-            <a:off x="0" y="6126480"/>
-            <a:ext cx="12192000" cy="742950"/>
+            <a:off x="1141413" y="609600"/>
+            <a:ext cx="9905998" cy="1905000"/>
           </a:xfrm>
           <a:prstGeom prst="rect">
             <a:avLst/>
           </a:prstGeom>
         </p:spPr>
-      </p:pic>
-      <p:sp>
-        <p:nvSpPr>
-          <p:cNvPr id="2" name="Title Placeholder 1"/>
-          <p:cNvSpPr>
-            <a:spLocks noGrp="1"/>
-          </p:cNvSpPr>
-          <p:nvPr>
-            <p:ph type="title"/>
+        <p:txBody>
+          <a:bodyPr vert="horz" lIns="91440" tIns="45720" rIns="91440" bIns="45720" rtlCol="0" anchor="ctr">
+            <a:normAutofit/>
+          </a:bodyPr>
+          <a:lstStyle/>
+          <a:p>
+            <a:r>
+              <a:rPr lang="en-US"/>
+              <a:t>Click to edit Master title style</a:t>
+            </a:r>
+            <a:endParaRPr lang="en-US" dirty="0"/>
+          </a:p>
+        </p:txBody>
+      </p:sp>
+      <p:sp>
+        <p:nvSpPr>
+          <p:cNvPr id="3" name="Text Placeholder 2"/>
+          <p:cNvSpPr>
+            <a:spLocks noGrp="1"/>
+          </p:cNvSpPr>
+          <p:nvPr>
+            <p:ph type="body" idx="1"/>
           </p:nvPr>
         </p:nvSpPr>
         <p:spPr>
           <a:xfrm>
-            <a:off x="1451579" y="804519"/>
-            <a:ext cx="9603275" cy="1049235"/>
+            <a:off x="1141413" y="2666999"/>
+            <a:ext cx="9905998" cy="3124201"/>
           </a:xfrm>
           <a:prstGeom prst="rect">
             <a:avLst/>
           </a:prstGeom>
         </p:spPr>
         <p:txBody>
-          <a:bodyPr vert="horz" lIns="91440" tIns="45720" rIns="91440" bIns="45720" rtlCol="0" anchor="t">
+          <a:bodyPr vert="horz" lIns="91440" tIns="45720" rIns="91440" bIns="45720" rtlCol="0" anchor="ctr">
             <a:normAutofit/>
           </a:bodyPr>
           <a:lstStyle/>
           <a:p>
-            <a:r>
-              <a:rPr lang="en-US"/>
-              <a:t>Click to edit Master title style</a:t>
+            <a:pPr lvl="0"/>
+            <a:r>
+              <a:rPr lang="en-US"/>
+              <a:t>Click to edit Master text styles</a:t>
+            </a:r>
+          </a:p>
+          <a:p>
+            <a:pPr lvl="1"/>
+            <a:r>
+              <a:rPr lang="en-US"/>
+              <a:t>Second level</a:t>
+            </a:r>
+          </a:p>
+          <a:p>
+            <a:pPr lvl="2"/>
+            <a:r>
+              <a:rPr lang="en-US"/>
+              <a:t>Third level</a:t>
+            </a:r>
+          </a:p>
+          <a:p>
+            <a:pPr lvl="3"/>
+            <a:r>
+              <a:rPr lang="en-US"/>
+              <a:t>Fourth level</a:t>
+            </a:r>
+          </a:p>
+          <a:p>
+            <a:pPr lvl="4"/>
+            <a:r>
+              <a:rPr lang="en-US"/>
+              <a:t>Fifth level</a:t>
             </a:r>
             <a:endParaRPr lang="en-US" dirty="0"/>
           </a:p>
@@ -3058,80 +4923,67 @@
       </p:sp>
       <p:sp>
         <p:nvSpPr>
-          <p:cNvPr id="3" name="Text Placeholder 2"/>
-          <p:cNvSpPr>
-            <a:spLocks noGrp="1"/>
-          </p:cNvSpPr>
-          <p:nvPr>
-            <p:ph type="body" idx="1"/>
+          <p:cNvPr id="4" name="Date Placeholder 3"/>
+          <p:cNvSpPr>
+            <a:spLocks noGrp="1"/>
+          </p:cNvSpPr>
+          <p:nvPr>
+            <p:ph type="dt" sz="half" idx="2"/>
           </p:nvPr>
         </p:nvSpPr>
         <p:spPr>
           <a:xfrm>
-            <a:off x="1451579" y="2015732"/>
-            <a:ext cx="9603275" cy="3450613"/>
+            <a:off x="8837612" y="5883275"/>
+            <a:ext cx="1600200" cy="365125"/>
           </a:xfrm>
           <a:prstGeom prst="rect">
             <a:avLst/>
           </a:prstGeom>
         </p:spPr>
         <p:txBody>
-          <a:bodyPr vert="horz" lIns="91440" tIns="45720" rIns="91440" bIns="45720" rtlCol="0">
-            <a:normAutofit/>
-          </a:bodyPr>
-          <a:lstStyle/>
-          <a:p>
-            <a:pPr lvl="0"/>
-            <a:r>
-              <a:rPr lang="en-US"/>
-              <a:t>Click to edit Master text styles</a:t>
-            </a:r>
-          </a:p>
-          <a:p>
-            <a:pPr lvl="1"/>
-            <a:r>
-              <a:rPr lang="en-US"/>
-              <a:t>Second level</a:t>
-            </a:r>
-          </a:p>
-          <a:p>
-            <a:pPr lvl="2"/>
-            <a:r>
-              <a:rPr lang="en-US"/>
-              <a:t>Third level</a:t>
-            </a:r>
-          </a:p>
-          <a:p>
-            <a:pPr lvl="3"/>
-            <a:r>
-              <a:rPr lang="en-US"/>
-              <a:t>Fourth level</a:t>
-            </a:r>
-          </a:p>
-          <a:p>
-            <a:pPr lvl="4"/>
-            <a:r>
-              <a:rPr lang="en-US"/>
-              <a:t>Fifth level</a:t>
-            </a:r>
-            <a:endParaRPr lang="en-US" dirty="0"/>
-          </a:p>
-        </p:txBody>
-      </p:sp>
-      <p:sp>
-        <p:nvSpPr>
-          <p:cNvPr id="4" name="Date Placeholder 3"/>
-          <p:cNvSpPr>
-            <a:spLocks noGrp="1"/>
-          </p:cNvSpPr>
-          <p:nvPr>
-            <p:ph type="dt" sz="half" idx="2"/>
+          <a:bodyPr vert="horz" lIns="91440" tIns="45720" rIns="91440" bIns="45720" rtlCol="0" anchor="ctr"/>
+          <a:lstStyle>
+            <a:lvl1pPr algn="r">
+              <a:defRPr sz="900" b="1" i="0">
+                <a:solidFill>
+                  <a:schemeClr val="tx1">
+                    <a:lumMod val="75000"/>
+                  </a:schemeClr>
+                </a:solidFill>
+                <a:effectLst>
+                  <a:outerShdw blurRad="50800" dist="38100" dir="2700000" algn="tl" rotWithShape="0">
+                    <a:srgbClr val="000000">
+                      <a:alpha val="43000"/>
+                    </a:srgbClr>
+                  </a:outerShdw>
+                </a:effectLst>
+                <a:latin typeface="+mn-lt"/>
+              </a:defRPr>
+            </a:lvl1pPr>
+          </a:lstStyle>
+          <a:p>
+            <a:fld id="{874FFE33-465F-4E9E-89CE-5F79E84B8B4B}" type="datetimeFigureOut">
+              <a:rPr lang="en-IN" smtClean="0"/>
+              <a:t>28-02-2025</a:t>
+            </a:fld>
+            <a:endParaRPr lang="en-IN"/>
+          </a:p>
+        </p:txBody>
+      </p:sp>
+      <p:sp>
+        <p:nvSpPr>
+          <p:cNvPr id="5" name="Footer Placeholder 4"/>
+          <p:cNvSpPr>
+            <a:spLocks noGrp="1"/>
+          </p:cNvSpPr>
+          <p:nvPr>
+            <p:ph type="ftr" sz="quarter" idx="3"/>
           </p:nvPr>
         </p:nvSpPr>
         <p:spPr>
           <a:xfrm>
-            <a:off x="7554138" y="330370"/>
-            <a:ext cx="3500715" cy="309201"/>
+            <a:off x="1141412" y="5883275"/>
+            <a:ext cx="7543800" cy="365125"/>
           </a:xfrm>
           <a:prstGeom prst="rect">
             <a:avLst/>
@@ -3140,39 +4992,43 @@
         <p:txBody>
           <a:bodyPr vert="horz" lIns="91440" tIns="45720" rIns="91440" bIns="45720" rtlCol="0" anchor="ctr"/>
           <a:lstStyle>
-            <a:lvl1pPr algn="r">
-              <a:defRPr sz="1000">
+            <a:lvl1pPr algn="l">
+              <a:defRPr sz="900" b="1" i="0">
                 <a:solidFill>
                   <a:schemeClr val="tx1">
-                    <a:tint val="75000"/>
+                    <a:lumMod val="75000"/>
                   </a:schemeClr>
                 </a:solidFill>
+                <a:effectLst>
+                  <a:outerShdw blurRad="50800" dist="38100" dir="2700000" algn="tl" rotWithShape="0">
+                    <a:srgbClr val="000000">
+                      <a:alpha val="43000"/>
+                    </a:srgbClr>
+                  </a:outerShdw>
+                </a:effectLst>
+                <a:latin typeface="+mn-lt"/>
               </a:defRPr>
             </a:lvl1pPr>
           </a:lstStyle>
           <a:p>
-            <a:fld id="{874FFE33-465F-4E9E-89CE-5F79E84B8B4B}" type="datetimeFigureOut">
-              <a:rPr lang="en-IN" smtClean="0"/>
-              <a:t>07-10-2024</a:t>
-            </a:fld>
             <a:endParaRPr lang="en-IN"/>
           </a:p>
         </p:txBody>
       </p:sp>
       <p:sp>
         <p:nvSpPr>
-          <p:cNvPr id="5" name="Footer Placeholder 4"/>
-          <p:cNvSpPr>
-            <a:spLocks noGrp="1"/>
-          </p:cNvSpPr>
-          <p:nvPr>
-            <p:ph type="ftr" sz="quarter" idx="3"/>
+          <p:cNvPr id="6" name="Slide Number Placeholder 5"/>
+          <p:cNvSpPr>
+            <a:spLocks noGrp="1"/>
+          </p:cNvSpPr>
+          <p:nvPr>
+            <p:ph type="sldNum" sz="quarter" idx="4"/>
           </p:nvPr>
         </p:nvSpPr>
         <p:spPr>
           <a:xfrm>
-            <a:off x="1451579" y="329307"/>
-            <a:ext cx="5938836" cy="309201"/>
+            <a:off x="10514012" y="5883275"/>
+            <a:ext cx="551167" cy="365125"/>
           </a:xfrm>
           <a:prstGeom prst="rect">
             <a:avLst/>
@@ -3181,48 +5037,21 @@
         <p:txBody>
           <a:bodyPr vert="horz" lIns="91440" tIns="45720" rIns="91440" bIns="45720" rtlCol="0" anchor="ctr"/>
           <a:lstStyle>
-            <a:lvl1pPr algn="l">
-              <a:defRPr sz="1000">
+            <a:lvl1pPr algn="r">
+              <a:defRPr sz="900" b="1" i="0">
                 <a:solidFill>
                   <a:schemeClr val="tx1">
-                    <a:tint val="75000"/>
+                    <a:lumMod val="75000"/>
                   </a:schemeClr>
                 </a:solidFill>
-              </a:defRPr>
-            </a:lvl1pPr>
-          </a:lstStyle>
-          <a:p>
-            <a:endParaRPr lang="en-IN"/>
-          </a:p>
-        </p:txBody>
-      </p:sp>
-      <p:sp>
-        <p:nvSpPr>
-          <p:cNvPr id="6" name="Slide Number Placeholder 5"/>
-          <p:cNvSpPr>
-            <a:spLocks noGrp="1"/>
-          </p:cNvSpPr>
-          <p:nvPr>
-            <p:ph type="sldNum" sz="quarter" idx="4"/>
-          </p:nvPr>
-        </p:nvSpPr>
-        <p:spPr>
-          <a:xfrm>
-            <a:off x="480060" y="798973"/>
-            <a:ext cx="811019" cy="503578"/>
-          </a:xfrm>
-          <a:prstGeom prst="rect">
-            <a:avLst/>
-          </a:prstGeom>
-        </p:spPr>
-        <p:txBody>
-          <a:bodyPr vert="horz" lIns="91440" tIns="45720" rIns="91440" bIns="45720" rtlCol="0" anchor="t"/>
-          <a:lstStyle>
-            <a:lvl1pPr algn="r">
-              <a:defRPr sz="2800">
-                <a:solidFill>
-                  <a:schemeClr val="accent1"/>
-                </a:solidFill>
+                <a:effectLst>
+                  <a:outerShdw blurRad="50800" dist="38100" dir="2700000" algn="tl" rotWithShape="0">
+                    <a:srgbClr val="000000">
+                      <a:alpha val="43000"/>
+                    </a:srgbClr>
+                  </a:outerShdw>
+                </a:effectLst>
+                <a:latin typeface="+mn-lt"/>
               </a:defRPr>
             </a:lvl1pPr>
           </a:lstStyle>
@@ -3235,288 +5064,553 @@
           </a:p>
         </p:txBody>
       </p:sp>
-      <p:cxnSp>
-        <p:nvCxnSpPr>
-          <p:cNvPr id="10" name="Straight Connector 9"/>
-          <p:cNvCxnSpPr/>
-          <p:nvPr/>
-        </p:nvCxnSpPr>
-        <p:spPr>
-          <a:xfrm>
-            <a:off x="0" y="6128413"/>
-            <a:ext cx="12192000" cy="0"/>
-          </a:xfrm>
-          <a:prstGeom prst="line">
-            <a:avLst/>
-          </a:prstGeom>
-          <a:ln w="12700">
-            <a:solidFill>
-              <a:srgbClr val="000001">
-                <a:alpha val="20000"/>
-              </a:srgbClr>
-            </a:solidFill>
-          </a:ln>
-        </p:spPr>
-        <p:style>
-          <a:lnRef idx="1">
-            <a:schemeClr val="accent1"/>
-          </a:lnRef>
-          <a:fillRef idx="0">
-            <a:schemeClr val="accent1"/>
-          </a:fillRef>
-          <a:effectRef idx="0">
-            <a:schemeClr val="accent1"/>
-          </a:effectRef>
-          <a:fontRef idx="minor">
-            <a:schemeClr val="tx1"/>
-          </a:fontRef>
-        </p:style>
-      </p:cxnSp>
     </p:spTree>
     <p:extLst>
       <p:ext uri="{BB962C8B-B14F-4D97-AF65-F5344CB8AC3E}">
-        <p14:creationId xmlns:p14="http://schemas.microsoft.com/office/powerpoint/2010/main" val="2111856640"/>
+        <p14:creationId xmlns:p14="http://schemas.microsoft.com/office/powerpoint/2010/main" val="2584177654"/>
       </p:ext>
     </p:extLst>
   </p:cSld>
-  <p:clrMap bg1="lt1" tx1="dk1" bg2="lt2" tx2="dk2" accent1="accent1" accent2="accent2" accent3="accent3" accent4="accent4" accent5="accent5" accent6="accent6" hlink="hlink" folHlink="folHlink"/>
+  <p:clrMap bg1="dk1" tx1="lt1" bg2="dk2" tx2="lt2" accent1="accent1" accent2="accent2" accent3="accent3" accent4="accent4" accent5="accent5" accent6="accent6" hlink="hlink" folHlink="folHlink"/>
   <p:sldLayoutIdLst>
-    <p:sldLayoutId id="2147483661" r:id="rId1"/>
-    <p:sldLayoutId id="2147483662" r:id="rId2"/>
-    <p:sldLayoutId id="2147483663" r:id="rId3"/>
-    <p:sldLayoutId id="2147483664" r:id="rId4"/>
-    <p:sldLayoutId id="2147483665" r:id="rId5"/>
-    <p:sldLayoutId id="2147483666" r:id="rId6"/>
-    <p:sldLayoutId id="2147483667" r:id="rId7"/>
-    <p:sldLayoutId id="2147483668" r:id="rId8"/>
-    <p:sldLayoutId id="2147483669" r:id="rId9"/>
-    <p:sldLayoutId id="2147483670" r:id="rId10"/>
-    <p:sldLayoutId id="2147483671" r:id="rId11"/>
+    <p:sldLayoutId id="2147483757" r:id="rId1"/>
+    <p:sldLayoutId id="2147483758" r:id="rId2"/>
+    <p:sldLayoutId id="2147483759" r:id="rId3"/>
+    <p:sldLayoutId id="2147483760" r:id="rId4"/>
+    <p:sldLayoutId id="2147483761" r:id="rId5"/>
+    <p:sldLayoutId id="2147483762" r:id="rId6"/>
+    <p:sldLayoutId id="2147483763" r:id="rId7"/>
+    <p:sldLayoutId id="2147483764" r:id="rId8"/>
+    <p:sldLayoutId id="2147483765" r:id="rId9"/>
+    <p:sldLayoutId id="2147483766" r:id="rId10"/>
+    <p:sldLayoutId id="2147483767" r:id="rId11"/>
+    <p:sldLayoutId id="2147483768" r:id="rId12"/>
+    <p:sldLayoutId id="2147483769" r:id="rId13"/>
+    <p:sldLayoutId id="2147483770" r:id="rId14"/>
+    <p:sldLayoutId id="2147483771" r:id="rId15"/>
+    <p:sldLayoutId id="2147483772" r:id="rId16"/>
+    <p:sldLayoutId id="2147483773" r:id="rId17"/>
   </p:sldLayoutIdLst>
   <p:txStyles>
     <p:titleStyle>
-      <a:lvl1pPr algn="l" defTabSz="914400" rtl="0" eaLnBrk="1" latinLnBrk="0" hangingPunct="1">
-        <a:lnSpc>
-          <a:spcPct val="90000"/>
-        </a:lnSpc>
+      <a:lvl1pPr algn="l" defTabSz="457200" rtl="0" eaLnBrk="1" latinLnBrk="0" hangingPunct="1">
         <a:spcBef>
           <a:spcPct val="0"/>
         </a:spcBef>
         <a:buNone/>
-        <a:defRPr sz="3200" b="0" i="0" kern="1200" cap="all">
-          <a:solidFill>
-            <a:schemeClr val="tx1"/>
-          </a:solidFill>
-          <a:effectLst/>
+        <a:defRPr sz="3200" kern="1200" cap="all">
+          <a:ln w="3175" cmpd="sng">
+            <a:noFill/>
+          </a:ln>
+          <a:gradFill flip="none" rotWithShape="1">
+            <a:gsLst>
+              <a:gs pos="0">
+                <a:schemeClr val="tx1"/>
+              </a:gs>
+              <a:gs pos="100000">
+                <a:schemeClr val="tx1">
+                  <a:lumMod val="65000"/>
+                </a:schemeClr>
+              </a:gs>
+            </a:gsLst>
+            <a:lin ang="5580000" scaled="0"/>
+            <a:tileRect/>
+          </a:gradFill>
+          <a:effectLst>
+            <a:glow rad="38100">
+              <a:schemeClr val="bg1">
+                <a:lumMod val="65000"/>
+                <a:lumOff val="35000"/>
+                <a:alpha val="40000"/>
+              </a:schemeClr>
+            </a:glow>
+            <a:outerShdw blurRad="28575" dist="38100" dir="14040000" algn="tl" rotWithShape="0">
+              <a:srgbClr val="000000">
+                <a:alpha val="25000"/>
+              </a:srgbClr>
+            </a:outerShdw>
+          </a:effectLst>
           <a:latin typeface="+mj-lt"/>
           <a:ea typeface="+mj-ea"/>
           <a:cs typeface="+mj-cs"/>
         </a:defRPr>
       </a:lvl1pPr>
+      <a:lvl2pPr eaLnBrk="1" hangingPunct="1">
+        <a:defRPr>
+          <a:solidFill>
+            <a:schemeClr val="tx2"/>
+          </a:solidFill>
+        </a:defRPr>
+      </a:lvl2pPr>
+      <a:lvl3pPr eaLnBrk="1" hangingPunct="1">
+        <a:defRPr>
+          <a:solidFill>
+            <a:schemeClr val="tx2"/>
+          </a:solidFill>
+        </a:defRPr>
+      </a:lvl3pPr>
+      <a:lvl4pPr eaLnBrk="1" hangingPunct="1">
+        <a:defRPr>
+          <a:solidFill>
+            <a:schemeClr val="tx2"/>
+          </a:solidFill>
+        </a:defRPr>
+      </a:lvl4pPr>
+      <a:lvl5pPr eaLnBrk="1" hangingPunct="1">
+        <a:defRPr>
+          <a:solidFill>
+            <a:schemeClr val="tx2"/>
+          </a:solidFill>
+        </a:defRPr>
+      </a:lvl5pPr>
+      <a:lvl6pPr eaLnBrk="1" hangingPunct="1">
+        <a:defRPr>
+          <a:solidFill>
+            <a:schemeClr val="tx2"/>
+          </a:solidFill>
+        </a:defRPr>
+      </a:lvl6pPr>
+      <a:lvl7pPr eaLnBrk="1" hangingPunct="1">
+        <a:defRPr>
+          <a:solidFill>
+            <a:schemeClr val="tx2"/>
+          </a:solidFill>
+        </a:defRPr>
+      </a:lvl7pPr>
+      <a:lvl8pPr eaLnBrk="1" hangingPunct="1">
+        <a:defRPr>
+          <a:solidFill>
+            <a:schemeClr val="tx2"/>
+          </a:solidFill>
+        </a:defRPr>
+      </a:lvl8pPr>
+      <a:lvl9pPr eaLnBrk="1" hangingPunct="1">
+        <a:defRPr>
+          <a:solidFill>
+            <a:schemeClr val="tx2"/>
+          </a:solidFill>
+        </a:defRPr>
+      </a:lvl9pPr>
     </p:titleStyle>
     <p:bodyStyle>
-      <a:lvl1pPr marL="228600" indent="-228600" algn="l" defTabSz="914400" rtl="0" eaLnBrk="1" latinLnBrk="0" hangingPunct="1">
-        <a:lnSpc>
-          <a:spcPct val="120000"/>
-        </a:lnSpc>
+      <a:lvl1pPr marL="285750" indent="-285750" algn="l" defTabSz="457200" rtl="0" eaLnBrk="1" latinLnBrk="0" hangingPunct="1">
         <a:spcBef>
-          <a:spcPts val="1000"/>
+          <a:spcPct val="20000"/>
         </a:spcBef>
+        <a:spcAft>
+          <a:spcPts val="600"/>
+        </a:spcAft>
         <a:buClr>
-          <a:schemeClr val="accent1"/>
+          <a:schemeClr val="tx1"/>
         </a:buClr>
         <a:buSzPct val="100000"/>
-        <a:buFont typeface="Arial" panose="020B0604020202020204" pitchFamily="34" charset="0"/>
+        <a:buFont typeface="Arial"/>
         <a:buChar char="•"/>
-        <a:defRPr sz="2000" kern="1200">
-          <a:solidFill>
-            <a:schemeClr val="tx1"/>
-          </a:solidFill>
-          <a:effectLst/>
+        <a:defRPr sz="2000" kern="1200" cap="small">
+          <a:gradFill flip="none" rotWithShape="1">
+            <a:gsLst>
+              <a:gs pos="0">
+                <a:schemeClr val="tx1"/>
+              </a:gs>
+              <a:gs pos="100000">
+                <a:schemeClr val="tx1">
+                  <a:lumMod val="75000"/>
+                </a:schemeClr>
+              </a:gs>
+            </a:gsLst>
+            <a:lin ang="5580000" scaled="0"/>
+            <a:tileRect/>
+          </a:gradFill>
+          <a:effectLst>
+            <a:glow rad="38100">
+              <a:schemeClr val="bg1">
+                <a:lumMod val="50000"/>
+                <a:lumOff val="50000"/>
+                <a:alpha val="20000"/>
+              </a:schemeClr>
+            </a:glow>
+            <a:outerShdw blurRad="44450" dist="12700" dir="13860000" algn="tl" rotWithShape="0">
+              <a:srgbClr val="000000">
+                <a:alpha val="20000"/>
+              </a:srgbClr>
+            </a:outerShdw>
+          </a:effectLst>
           <a:latin typeface="+mn-lt"/>
           <a:ea typeface="+mn-ea"/>
           <a:cs typeface="+mn-cs"/>
         </a:defRPr>
       </a:lvl1pPr>
-      <a:lvl2pPr marL="685800" indent="-228600" algn="l" defTabSz="914400" rtl="0" eaLnBrk="1" latinLnBrk="0" hangingPunct="1">
-        <a:lnSpc>
-          <a:spcPct val="120000"/>
-        </a:lnSpc>
+      <a:lvl2pPr marL="742950" indent="-285750" algn="l" defTabSz="457200" rtl="0" eaLnBrk="1" latinLnBrk="0" hangingPunct="1">
         <a:spcBef>
-          <a:spcPts val="500"/>
+          <a:spcPct val="20000"/>
         </a:spcBef>
+        <a:spcAft>
+          <a:spcPts val="600"/>
+        </a:spcAft>
         <a:buClr>
-          <a:schemeClr val="accent1"/>
+          <a:schemeClr val="tx1"/>
         </a:buClr>
         <a:buSzPct val="100000"/>
-        <a:buFont typeface="Arial" panose="020B0604020202020204" pitchFamily="34" charset="0"/>
+        <a:buFont typeface="Arial"/>
         <a:buChar char="•"/>
-        <a:defRPr sz="1800" kern="1200" cap="none" baseline="0">
-          <a:solidFill>
-            <a:schemeClr val="tx1"/>
-          </a:solidFill>
-          <a:effectLst/>
+        <a:defRPr sz="1800" kern="1200" cap="small">
+          <a:gradFill flip="none" rotWithShape="1">
+            <a:gsLst>
+              <a:gs pos="0">
+                <a:schemeClr val="tx1"/>
+              </a:gs>
+              <a:gs pos="100000">
+                <a:schemeClr val="tx1">
+                  <a:lumMod val="75000"/>
+                </a:schemeClr>
+              </a:gs>
+            </a:gsLst>
+            <a:lin ang="5580000" scaled="0"/>
+            <a:tileRect/>
+          </a:gradFill>
+          <a:effectLst>
+            <a:glow rad="38100">
+              <a:schemeClr val="bg1">
+                <a:lumMod val="50000"/>
+                <a:lumOff val="50000"/>
+                <a:alpha val="20000"/>
+              </a:schemeClr>
+            </a:glow>
+            <a:outerShdw blurRad="44450" dist="12700" dir="13860000" algn="tl" rotWithShape="0">
+              <a:srgbClr val="000000">
+                <a:alpha val="20000"/>
+              </a:srgbClr>
+            </a:outerShdw>
+          </a:effectLst>
           <a:latin typeface="+mn-lt"/>
           <a:ea typeface="+mn-ea"/>
           <a:cs typeface="+mn-cs"/>
         </a:defRPr>
       </a:lvl2pPr>
-      <a:lvl3pPr marL="1143000" indent="-228600" algn="l" defTabSz="914400" rtl="0" eaLnBrk="1" latinLnBrk="0" hangingPunct="1">
-        <a:lnSpc>
-          <a:spcPct val="120000"/>
-        </a:lnSpc>
+      <a:lvl3pPr marL="1200150" indent="-285750" algn="l" defTabSz="457200" rtl="0" eaLnBrk="1" latinLnBrk="0" hangingPunct="1">
         <a:spcBef>
-          <a:spcPts val="500"/>
+          <a:spcPct val="20000"/>
         </a:spcBef>
+        <a:spcAft>
+          <a:spcPts val="600"/>
+        </a:spcAft>
         <a:buClr>
-          <a:schemeClr val="accent1"/>
+          <a:schemeClr val="tx1"/>
         </a:buClr>
         <a:buSzPct val="100000"/>
-        <a:buFont typeface="Arial" panose="020B0604020202020204" pitchFamily="34" charset="0"/>
+        <a:buFont typeface="Arial"/>
         <a:buChar char="•"/>
-        <a:defRPr sz="1600" kern="1200">
-          <a:solidFill>
-            <a:schemeClr val="tx1"/>
-          </a:solidFill>
-          <a:effectLst/>
+        <a:defRPr sz="1600" kern="1200" cap="small">
+          <a:gradFill flip="none" rotWithShape="1">
+            <a:gsLst>
+              <a:gs pos="0">
+                <a:schemeClr val="tx1"/>
+              </a:gs>
+              <a:gs pos="100000">
+                <a:schemeClr val="tx1">
+                  <a:lumMod val="75000"/>
+                </a:schemeClr>
+              </a:gs>
+            </a:gsLst>
+            <a:lin ang="5580000" scaled="0"/>
+            <a:tileRect/>
+          </a:gradFill>
+          <a:effectLst>
+            <a:glow rad="38100">
+              <a:schemeClr val="bg1">
+                <a:lumMod val="50000"/>
+                <a:lumOff val="50000"/>
+                <a:alpha val="20000"/>
+              </a:schemeClr>
+            </a:glow>
+            <a:outerShdw blurRad="44450" dist="12700" dir="13860000" algn="tl" rotWithShape="0">
+              <a:srgbClr val="000000">
+                <a:alpha val="20000"/>
+              </a:srgbClr>
+            </a:outerShdw>
+          </a:effectLst>
           <a:latin typeface="+mn-lt"/>
           <a:ea typeface="+mn-ea"/>
           <a:cs typeface="+mn-cs"/>
         </a:defRPr>
       </a:lvl3pPr>
-      <a:lvl4pPr marL="1600200" indent="-228600" algn="l" defTabSz="914400" rtl="0" eaLnBrk="1" latinLnBrk="0" hangingPunct="1">
-        <a:lnSpc>
-          <a:spcPct val="120000"/>
-        </a:lnSpc>
+      <a:lvl4pPr marL="1543050" indent="-171450" algn="l" defTabSz="457200" rtl="0" eaLnBrk="1" latinLnBrk="0" hangingPunct="1">
         <a:spcBef>
-          <a:spcPts val="500"/>
+          <a:spcPct val="20000"/>
         </a:spcBef>
+        <a:spcAft>
+          <a:spcPts val="600"/>
+        </a:spcAft>
         <a:buClr>
-          <a:schemeClr val="accent1"/>
+          <a:schemeClr val="tx1"/>
         </a:buClr>
         <a:buSzPct val="100000"/>
-        <a:buFont typeface="Arial" panose="020B0604020202020204" pitchFamily="34" charset="0"/>
+        <a:buFont typeface="Arial"/>
         <a:buChar char="•"/>
-        <a:defRPr sz="1400" kern="1200" cap="none" baseline="0">
-          <a:solidFill>
-            <a:schemeClr val="tx1"/>
-          </a:solidFill>
-          <a:effectLst/>
+        <a:defRPr sz="1400" kern="1200" cap="small">
+          <a:gradFill flip="none" rotWithShape="1">
+            <a:gsLst>
+              <a:gs pos="0">
+                <a:schemeClr val="tx1"/>
+              </a:gs>
+              <a:gs pos="100000">
+                <a:schemeClr val="tx1">
+                  <a:lumMod val="75000"/>
+                </a:schemeClr>
+              </a:gs>
+            </a:gsLst>
+            <a:lin ang="5580000" scaled="0"/>
+            <a:tileRect/>
+          </a:gradFill>
+          <a:effectLst>
+            <a:glow rad="38100">
+              <a:schemeClr val="bg1">
+                <a:lumMod val="50000"/>
+                <a:lumOff val="50000"/>
+                <a:alpha val="20000"/>
+              </a:schemeClr>
+            </a:glow>
+            <a:outerShdw blurRad="44450" dist="12700" dir="13860000" algn="tl" rotWithShape="0">
+              <a:srgbClr val="000000">
+                <a:alpha val="20000"/>
+              </a:srgbClr>
+            </a:outerShdw>
+          </a:effectLst>
           <a:latin typeface="+mn-lt"/>
           <a:ea typeface="+mn-ea"/>
           <a:cs typeface="+mn-cs"/>
         </a:defRPr>
       </a:lvl4pPr>
-      <a:lvl5pPr marL="2057400" indent="-228600" algn="l" defTabSz="914400" rtl="0" eaLnBrk="1" latinLnBrk="0" hangingPunct="1">
-        <a:lnSpc>
-          <a:spcPct val="120000"/>
-        </a:lnSpc>
+      <a:lvl5pPr marL="2000250" indent="-171450" algn="l" defTabSz="457200" rtl="0" eaLnBrk="1" latinLnBrk="0" hangingPunct="1">
         <a:spcBef>
-          <a:spcPts val="500"/>
+          <a:spcPct val="20000"/>
         </a:spcBef>
+        <a:spcAft>
+          <a:spcPts val="600"/>
+        </a:spcAft>
         <a:buClr>
-          <a:schemeClr val="accent1"/>
+          <a:schemeClr val="tx1"/>
         </a:buClr>
         <a:buSzPct val="100000"/>
-        <a:buFont typeface="Arial" panose="020B0604020202020204" pitchFamily="34" charset="0"/>
+        <a:buFont typeface="Arial"/>
         <a:buChar char="•"/>
-        <a:defRPr sz="1200" kern="1200">
-          <a:solidFill>
-            <a:schemeClr val="tx1"/>
-          </a:solidFill>
-          <a:effectLst/>
+        <a:defRPr sz="1400" kern="1200" cap="small">
+          <a:gradFill flip="none" rotWithShape="1">
+            <a:gsLst>
+              <a:gs pos="0">
+                <a:schemeClr val="tx1"/>
+              </a:gs>
+              <a:gs pos="100000">
+                <a:schemeClr val="tx1">
+                  <a:lumMod val="75000"/>
+                </a:schemeClr>
+              </a:gs>
+            </a:gsLst>
+            <a:lin ang="5580000" scaled="0"/>
+            <a:tileRect/>
+          </a:gradFill>
+          <a:effectLst>
+            <a:glow rad="38100">
+              <a:schemeClr val="bg1">
+                <a:lumMod val="50000"/>
+                <a:lumOff val="50000"/>
+                <a:alpha val="20000"/>
+              </a:schemeClr>
+            </a:glow>
+            <a:outerShdw blurRad="44450" dist="12700" dir="13860000" algn="tl" rotWithShape="0">
+              <a:srgbClr val="000000">
+                <a:alpha val="20000"/>
+              </a:srgbClr>
+            </a:outerShdw>
+          </a:effectLst>
           <a:latin typeface="+mn-lt"/>
           <a:ea typeface="+mn-ea"/>
           <a:cs typeface="+mn-cs"/>
         </a:defRPr>
       </a:lvl5pPr>
-      <a:lvl6pPr marL="2514600" indent="-228600" algn="l" defTabSz="914400" rtl="0" eaLnBrk="1" latinLnBrk="0" hangingPunct="1">
-        <a:lnSpc>
-          <a:spcPct val="120000"/>
-        </a:lnSpc>
+      <a:lvl6pPr marL="2514600" indent="-228600" algn="l" defTabSz="457200" rtl="0" eaLnBrk="1" latinLnBrk="0" hangingPunct="1">
         <a:spcBef>
-          <a:spcPts val="500"/>
+          <a:spcPct val="20000"/>
         </a:spcBef>
+        <a:spcAft>
+          <a:spcPts val="600"/>
+        </a:spcAft>
         <a:buClr>
-          <a:schemeClr val="accent1"/>
+          <a:schemeClr val="tx1"/>
         </a:buClr>
         <a:buSzPct val="100000"/>
-        <a:buFont typeface="Arial" panose="020B0604020202020204" pitchFamily="34" charset="0"/>
+        <a:buFont typeface="Arial"/>
         <a:buChar char="•"/>
-        <a:defRPr sz="1200" kern="1200">
-          <a:solidFill>
-            <a:schemeClr val="tx1"/>
-          </a:solidFill>
-          <a:effectLst/>
+        <a:defRPr sz="1200" kern="1200" cap="small">
+          <a:gradFill flip="none" rotWithShape="1">
+            <a:gsLst>
+              <a:gs pos="0">
+                <a:schemeClr val="tx1"/>
+              </a:gs>
+              <a:gs pos="100000">
+                <a:schemeClr val="tx1">
+                  <a:lumMod val="75000"/>
+                </a:schemeClr>
+              </a:gs>
+            </a:gsLst>
+            <a:lin ang="5580000" scaled="0"/>
+            <a:tileRect/>
+          </a:gradFill>
+          <a:effectLst>
+            <a:glow rad="38100">
+              <a:schemeClr val="bg1">
+                <a:lumMod val="50000"/>
+                <a:lumOff val="50000"/>
+                <a:alpha val="20000"/>
+              </a:schemeClr>
+            </a:glow>
+            <a:outerShdw blurRad="44450" dist="12700" dir="13860000" algn="tl" rotWithShape="0">
+              <a:srgbClr val="000000">
+                <a:alpha val="20000"/>
+              </a:srgbClr>
+            </a:outerShdw>
+          </a:effectLst>
           <a:latin typeface="+mn-lt"/>
           <a:ea typeface="+mn-ea"/>
           <a:cs typeface="+mn-cs"/>
         </a:defRPr>
       </a:lvl6pPr>
-      <a:lvl7pPr marL="2971800" indent="-228600" algn="l" defTabSz="914400" rtl="0" eaLnBrk="1" latinLnBrk="0" hangingPunct="1">
-        <a:lnSpc>
-          <a:spcPct val="120000"/>
-        </a:lnSpc>
+      <a:lvl7pPr marL="2971800" indent="-228600" algn="l" defTabSz="457200" rtl="0" eaLnBrk="1" latinLnBrk="0" hangingPunct="1">
         <a:spcBef>
-          <a:spcPts val="500"/>
+          <a:spcPct val="20000"/>
         </a:spcBef>
+        <a:spcAft>
+          <a:spcPts val="600"/>
+        </a:spcAft>
         <a:buClr>
-          <a:schemeClr val="accent1"/>
+          <a:schemeClr val="tx1"/>
         </a:buClr>
         <a:buSzPct val="100000"/>
-        <a:buFont typeface="Arial" panose="020B0604020202020204" pitchFamily="34" charset="0"/>
+        <a:buFont typeface="Arial"/>
         <a:buChar char="•"/>
-        <a:defRPr sz="1200" kern="1200">
-          <a:solidFill>
-            <a:schemeClr val="tx1"/>
-          </a:solidFill>
-          <a:effectLst/>
+        <a:defRPr sz="1200" kern="1200" cap="small">
+          <a:gradFill flip="none" rotWithShape="1">
+            <a:gsLst>
+              <a:gs pos="0">
+                <a:schemeClr val="tx1"/>
+              </a:gs>
+              <a:gs pos="100000">
+                <a:schemeClr val="tx1">
+                  <a:lumMod val="75000"/>
+                </a:schemeClr>
+              </a:gs>
+            </a:gsLst>
+            <a:lin ang="5580000" scaled="0"/>
+            <a:tileRect/>
+          </a:gradFill>
+          <a:effectLst>
+            <a:glow rad="38100">
+              <a:schemeClr val="bg1">
+                <a:lumMod val="50000"/>
+                <a:lumOff val="50000"/>
+                <a:alpha val="20000"/>
+              </a:schemeClr>
+            </a:glow>
+            <a:outerShdw blurRad="44450" dist="12700" dir="13860000" algn="tl" rotWithShape="0">
+              <a:srgbClr val="000000">
+                <a:alpha val="20000"/>
+              </a:srgbClr>
+            </a:outerShdw>
+          </a:effectLst>
           <a:latin typeface="+mn-lt"/>
           <a:ea typeface="+mn-ea"/>
           <a:cs typeface="+mn-cs"/>
         </a:defRPr>
       </a:lvl7pPr>
-      <a:lvl8pPr marL="3429000" indent="-228600" algn="l" defTabSz="914400" rtl="0" eaLnBrk="1" latinLnBrk="0" hangingPunct="1">
-        <a:lnSpc>
-          <a:spcPct val="120000"/>
-        </a:lnSpc>
+      <a:lvl8pPr marL="3429000" indent="-228600" algn="l" defTabSz="457200" rtl="0" eaLnBrk="1" latinLnBrk="0" hangingPunct="1">
         <a:spcBef>
-          <a:spcPts val="500"/>
+          <a:spcPct val="20000"/>
         </a:spcBef>
+        <a:spcAft>
+          <a:spcPts val="600"/>
+        </a:spcAft>
         <a:buClr>
-          <a:schemeClr val="accent1"/>
+          <a:schemeClr val="tx1"/>
         </a:buClr>
         <a:buSzPct val="100000"/>
-        <a:buFont typeface="Arial" panose="020B0604020202020204" pitchFamily="34" charset="0"/>
+        <a:buFont typeface="Arial"/>
         <a:buChar char="•"/>
-        <a:defRPr sz="1200" kern="1200" baseline="0">
-          <a:solidFill>
-            <a:schemeClr val="tx1"/>
-          </a:solidFill>
-          <a:effectLst/>
+        <a:defRPr sz="1200" kern="1200" cap="small">
+          <a:gradFill flip="none" rotWithShape="1">
+            <a:gsLst>
+              <a:gs pos="0">
+                <a:schemeClr val="tx1"/>
+              </a:gs>
+              <a:gs pos="100000">
+                <a:schemeClr val="tx1">
+                  <a:lumMod val="75000"/>
+                </a:schemeClr>
+              </a:gs>
+            </a:gsLst>
+            <a:lin ang="5580000" scaled="0"/>
+            <a:tileRect/>
+          </a:gradFill>
+          <a:effectLst>
+            <a:glow rad="38100">
+              <a:schemeClr val="bg1">
+                <a:lumMod val="50000"/>
+                <a:lumOff val="50000"/>
+                <a:alpha val="20000"/>
+              </a:schemeClr>
+            </a:glow>
+            <a:outerShdw blurRad="44450" dist="12700" dir="13860000" algn="tl" rotWithShape="0">
+              <a:srgbClr val="000000">
+                <a:alpha val="20000"/>
+              </a:srgbClr>
+            </a:outerShdw>
+          </a:effectLst>
           <a:latin typeface="+mn-lt"/>
           <a:ea typeface="+mn-ea"/>
           <a:cs typeface="+mn-cs"/>
         </a:defRPr>
       </a:lvl8pPr>
-      <a:lvl9pPr marL="3886200" indent="-228600" algn="l" defTabSz="914400" rtl="0" eaLnBrk="1" latinLnBrk="0" hangingPunct="1">
-        <a:lnSpc>
-          <a:spcPct val="120000"/>
-        </a:lnSpc>
+      <a:lvl9pPr marL="3886200" indent="-228600" algn="l" defTabSz="457200" rtl="0" eaLnBrk="1" latinLnBrk="0" hangingPunct="1">
         <a:spcBef>
-          <a:spcPts val="500"/>
+          <a:spcPct val="20000"/>
         </a:spcBef>
+        <a:spcAft>
+          <a:spcPts val="600"/>
+        </a:spcAft>
         <a:buClr>
-          <a:schemeClr val="accent1"/>
+          <a:schemeClr val="tx1"/>
         </a:buClr>
         <a:buSzPct val="100000"/>
-        <a:buFont typeface="Arial" panose="020B0604020202020204" pitchFamily="34" charset="0"/>
+        <a:buFont typeface="Arial"/>
         <a:buChar char="•"/>
-        <a:defRPr sz="1200" kern="1200" baseline="0">
-          <a:solidFill>
-            <a:schemeClr val="tx1"/>
-          </a:solidFill>
-          <a:effectLst/>
+        <a:defRPr sz="1200" kern="1200" cap="small">
+          <a:gradFill flip="none" rotWithShape="1">
+            <a:gsLst>
+              <a:gs pos="0">
+                <a:schemeClr val="tx1"/>
+              </a:gs>
+              <a:gs pos="100000">
+                <a:schemeClr val="tx1">
+                  <a:lumMod val="75000"/>
+                </a:schemeClr>
+              </a:gs>
+            </a:gsLst>
+            <a:lin ang="5580000" scaled="0"/>
+            <a:tileRect/>
+          </a:gradFill>
+          <a:effectLst>
+            <a:glow rad="38100">
+              <a:schemeClr val="bg1">
+                <a:lumMod val="50000"/>
+                <a:lumOff val="50000"/>
+                <a:alpha val="20000"/>
+              </a:schemeClr>
+            </a:glow>
+            <a:outerShdw blurRad="44450" dist="12700" dir="13860000" algn="tl" rotWithShape="0">
+              <a:srgbClr val="000000">
+                <a:alpha val="20000"/>
+              </a:srgbClr>
+            </a:outerShdw>
+          </a:effectLst>
           <a:latin typeface="+mn-lt"/>
           <a:ea typeface="+mn-ea"/>
           <a:cs typeface="+mn-cs"/>
@@ -3527,7 +5621,7 @@
       <a:defPPr>
         <a:defRPr lang="en-US"/>
       </a:defPPr>
-      <a:lvl1pPr marL="0" algn="l" defTabSz="914400" rtl="0" eaLnBrk="1" latinLnBrk="0" hangingPunct="1">
+      <a:lvl1pPr marL="0" algn="l" defTabSz="457200" rtl="0" eaLnBrk="1" latinLnBrk="0" hangingPunct="1">
         <a:defRPr sz="1800" kern="1200">
           <a:solidFill>
             <a:schemeClr val="tx1"/>
@@ -3537,7 +5631,7 @@
           <a:cs typeface="+mn-cs"/>
         </a:defRPr>
       </a:lvl1pPr>
-      <a:lvl2pPr marL="457200" algn="l" defTabSz="914400" rtl="0" eaLnBrk="1" latinLnBrk="0" hangingPunct="1">
+      <a:lvl2pPr marL="457200" algn="l" defTabSz="457200" rtl="0" eaLnBrk="1" latinLnBrk="0" hangingPunct="1">
         <a:defRPr sz="1800" kern="1200">
           <a:solidFill>
             <a:schemeClr val="tx1"/>
@@ -3547,7 +5641,7 @@
           <a:cs typeface="+mn-cs"/>
         </a:defRPr>
       </a:lvl2pPr>
-      <a:lvl3pPr marL="914400" algn="l" defTabSz="914400" rtl="0" eaLnBrk="1" latinLnBrk="0" hangingPunct="1">
+      <a:lvl3pPr marL="914400" algn="l" defTabSz="457200" rtl="0" eaLnBrk="1" latinLnBrk="0" hangingPunct="1">
         <a:defRPr sz="1800" kern="1200">
           <a:solidFill>
             <a:schemeClr val="tx1"/>
@@ -3557,7 +5651,7 @@
           <a:cs typeface="+mn-cs"/>
         </a:defRPr>
       </a:lvl3pPr>
-      <a:lvl4pPr marL="1371600" algn="l" defTabSz="914400" rtl="0" eaLnBrk="1" latinLnBrk="0" hangingPunct="1">
+      <a:lvl4pPr marL="1371600" algn="l" defTabSz="457200" rtl="0" eaLnBrk="1" latinLnBrk="0" hangingPunct="1">
         <a:defRPr sz="1800" kern="1200">
           <a:solidFill>
             <a:schemeClr val="tx1"/>
@@ -3567,7 +5661,7 @@
           <a:cs typeface="+mn-cs"/>
         </a:defRPr>
       </a:lvl4pPr>
-      <a:lvl5pPr marL="1828800" algn="l" defTabSz="914400" rtl="0" eaLnBrk="1" latinLnBrk="0" hangingPunct="1">
+      <a:lvl5pPr marL="1828800" algn="l" defTabSz="457200" rtl="0" eaLnBrk="1" latinLnBrk="0" hangingPunct="1">
         <a:defRPr sz="1800" kern="1200">
           <a:solidFill>
             <a:schemeClr val="tx1"/>
@@ -3577,7 +5671,7 @@
           <a:cs typeface="+mn-cs"/>
         </a:defRPr>
       </a:lvl5pPr>
-      <a:lvl6pPr marL="2286000" algn="l" defTabSz="914400" rtl="0" eaLnBrk="1" latinLnBrk="0" hangingPunct="1">
+      <a:lvl6pPr marL="2286000" algn="l" defTabSz="457200" rtl="0" eaLnBrk="1" latinLnBrk="0" hangingPunct="1">
         <a:defRPr sz="1800" kern="1200">
           <a:solidFill>
             <a:schemeClr val="tx1"/>
@@ -3587,7 +5681,7 @@
           <a:cs typeface="+mn-cs"/>
         </a:defRPr>
       </a:lvl6pPr>
-      <a:lvl7pPr marL="2743200" algn="l" defTabSz="914400" rtl="0" eaLnBrk="1" latinLnBrk="0" hangingPunct="1">
+      <a:lvl7pPr marL="2743200" algn="l" defTabSz="457200" rtl="0" eaLnBrk="1" latinLnBrk="0" hangingPunct="1">
         <a:defRPr sz="1800" kern="1200">
           <a:solidFill>
             <a:schemeClr val="tx1"/>
@@ -3597,7 +5691,7 @@
           <a:cs typeface="+mn-cs"/>
         </a:defRPr>
       </a:lvl7pPr>
-      <a:lvl8pPr marL="3200400" algn="l" defTabSz="914400" rtl="0" eaLnBrk="1" latinLnBrk="0" hangingPunct="1">
+      <a:lvl8pPr marL="3200400" algn="l" defTabSz="457200" rtl="0" eaLnBrk="1" latinLnBrk="0" hangingPunct="1">
         <a:defRPr sz="1800" kern="1200">
           <a:solidFill>
             <a:schemeClr val="tx1"/>
@@ -3607,7 +5701,7 @@
           <a:cs typeface="+mn-cs"/>
         </a:defRPr>
       </a:lvl8pPr>
-      <a:lvl9pPr marL="3657600" algn="l" defTabSz="914400" rtl="0" eaLnBrk="1" latinLnBrk="0" hangingPunct="1">
+      <a:lvl9pPr marL="3657600" algn="l" defTabSz="457200" rtl="0" eaLnBrk="1" latinLnBrk="0" hangingPunct="1">
         <a:defRPr sz="1800" kern="1200">
           <a:solidFill>
             <a:schemeClr val="tx1"/>
@@ -3692,7 +5786,9 @@
         </p:nvSpPr>
         <p:spPr/>
         <p:txBody>
-          <a:bodyPr/>
+          <a:bodyPr>
+            <a:normAutofit/>
+          </a:bodyPr>
           <a:lstStyle/>
           <a:p>
             <a:pPr algn="ctr"/>
@@ -3843,15 +5939,8 @@
           <a:bodyPr/>
           <a:lstStyle/>
           <a:p>
-            <a:pPr>
-              <a:defRPr>
-                <a:solidFill>
-                  <a:srgbClr val="800000"/>
-                </a:solidFill>
-              </a:defRPr>
-            </a:pPr>
-            <a:r>
-              <a:t>Huffman Coding Algorithm Implementation (C example)</a:t>
+            <a:r>
+              <a:t>Polymers in Medicine and Surgery: Biomaterials</a:t>
             </a:r>
           </a:p>
         </p:txBody>
@@ -3872,11 +5961,9 @@
           <a:lstStyle/>
           <a:p/>
           <a:p>
-            <a:pPr>
-              <a:defRPr sz="1800"/>
-            </a:pPr>
-            <a:r>
-              <a:t>Show snippets of code explaining key functions: `createAndBuildMinHeap`, `buildHuffmanTree`, `printHCodes`.Briefly explain the data structures used (MinHeap, MinHNode).Highlight the core logic of building the tree and assigning codes.Mention the time and space complexity of the algorithm.Focus on the clarity and readability of the code snippets. (Avoid overwhelming the audience with extensive code.)</a:t>
+            <a:pPr/>
+            <a:r>
+              <a:t>Biomaterials are materials used in the body without causing adverse effects.Polymer biomaterials are increasingly important in diagnostic, surgical, and therapeutic applications.Key characteristics of biomedical polymers include biocompatibility (lack of harmful reactions), purity, reproducibility, sterilizability without property alteration, and optimal physical and chemical properties.The choice of polymer depends heavily on the specific application and required properties (e.g., strength, flexibility, biodegradability).Ongoing research focuses on developing new biocompatible polymers with improved properties for various medical uses.</a:t>
             </a:r>
           </a:p>
         </p:txBody>
@@ -3901,6 +5988,375 @@
       <p:grpSpPr/>
       <p:sp>
         <p:nvSpPr>
+          <p:cNvPr id="2" name="Title 1"/>
+          <p:cNvSpPr>
+            <a:spLocks noGrp="1"/>
+          </p:cNvSpPr>
+          <p:nvPr>
+            <p:ph type="title"/>
+          </p:nvPr>
+        </p:nvSpPr>
+        <p:spPr/>
+        <p:txBody>
+          <a:bodyPr/>
+          <a:lstStyle/>
+          <a:p>
+            <a:r>
+              <a:t>Conclusion: The Versatility of Polymers</a:t>
+            </a:r>
+          </a:p>
+        </p:txBody>
+      </p:sp>
+      <p:sp>
+        <p:nvSpPr>
+          <p:cNvPr id="3" name="Content Placeholder 2"/>
+          <p:cNvSpPr>
+            <a:spLocks noGrp="1"/>
+          </p:cNvSpPr>
+          <p:nvPr>
+            <p:ph idx="1"/>
+          </p:nvPr>
+        </p:nvSpPr>
+        <p:spPr/>
+        <p:txBody>
+          <a:bodyPr/>
+          <a:lstStyle/>
+          <a:p/>
+          <a:p>
+            <a:pPr/>
+            <a:r>
+              <a:t>Polymers are versatile materials with a wide range of applications, from everyday plastics to advanced biomedical devices.Understanding the different types of polymerization, their properties, and the factors influencing conductivity is crucial for designing new materials.The development of biocompatible polymers is driving innovation in medicine and surgery, offering improved treatments and therapies.Continued research in polymer chemistry will undoubtedly lead to further advancements in various fields.</a:t>
+            </a:r>
+          </a:p>
+        </p:txBody>
+      </p:sp>
+    </p:spTree>
+  </p:cSld>
+  <p:clrMapOvr>
+    <a:masterClrMapping/>
+  </p:clrMapOvr>
+</p:sld>
+</file>
+
+<file path=ppt/slides/slide2.xml><?xml version="1.0" encoding="utf-8"?>
+<p:sld xmlns:a="http://schemas.openxmlformats.org/drawingml/2006/main" xmlns:p="http://schemas.openxmlformats.org/presentationml/2006/main" xmlns:r="http://schemas.openxmlformats.org/officeDocument/2006/relationships">
+  <p:cSld>
+    <p:spTree>
+      <p:nvGrpSpPr>
+        <p:cNvPr id="1" name=""/>
+        <p:cNvGrpSpPr/>
+        <p:nvPr/>
+      </p:nvGrpSpPr>
+      <p:grpSpPr/>
+      <p:sp>
+        <p:nvSpPr>
+          <p:cNvPr id="2" name="Title 1"/>
+          <p:cNvSpPr>
+            <a:spLocks noGrp="1"/>
+          </p:cNvSpPr>
+          <p:nvPr>
+            <p:ph type="title"/>
+          </p:nvPr>
+        </p:nvSpPr>
+        <p:spPr/>
+        <p:txBody>
+          <a:bodyPr/>
+          <a:lstStyle/>
+          <a:p>
+            <a:r>
+              <a:t>Polymer Chemistry: Types, Properties, and Biomedical Applications</a:t>
+            </a:r>
+          </a:p>
+        </p:txBody>
+      </p:sp>
+      <p:sp>
+        <p:nvSpPr>
+          <p:cNvPr id="3" name="Content Placeholder 2"/>
+          <p:cNvSpPr>
+            <a:spLocks noGrp="1"/>
+          </p:cNvSpPr>
+          <p:nvPr>
+            <p:ph idx="1"/>
+          </p:nvPr>
+        </p:nvSpPr>
+        <p:spPr/>
+        <p:txBody>
+          <a:bodyPr/>
+          <a:lstStyle/>
+          <a:p/>
+          <a:p>
+            <a:pPr/>
+          </a:p>
+        </p:txBody>
+      </p:sp>
+    </p:spTree>
+  </p:cSld>
+  <p:clrMapOvr>
+    <a:masterClrMapping/>
+  </p:clrMapOvr>
+</p:sld>
+</file>
+
+<file path=ppt/slides/slide3.xml><?xml version="1.0" encoding="utf-8"?>
+<p:sld xmlns:a="http://schemas.openxmlformats.org/drawingml/2006/main" xmlns:p="http://schemas.openxmlformats.org/presentationml/2006/main" xmlns:r="http://schemas.openxmlformats.org/officeDocument/2006/relationships">
+  <p:cSld>
+    <p:spTree>
+      <p:nvGrpSpPr>
+        <p:cNvPr id="1" name=""/>
+        <p:cNvGrpSpPr/>
+        <p:nvPr/>
+      </p:nvGrpSpPr>
+      <p:grpSpPr/>
+      <p:sp>
+        <p:nvSpPr>
+          <p:cNvPr id="2" name="Title 1"/>
+          <p:cNvSpPr>
+            <a:spLocks noGrp="1"/>
+          </p:cNvSpPr>
+          <p:nvPr>
+            <p:ph type="title"/>
+          </p:nvPr>
+        </p:nvSpPr>
+        <p:spPr/>
+        <p:txBody>
+          <a:bodyPr/>
+          <a:lstStyle/>
+          <a:p>
+            <a:r>
+              <a:t>Index</a:t>
+            </a:r>
+          </a:p>
+        </p:txBody>
+      </p:sp>
+      <p:sp>
+        <p:nvSpPr>
+          <p:cNvPr id="3" name="Content Placeholder 2"/>
+          <p:cNvSpPr>
+            <a:spLocks noGrp="1"/>
+          </p:cNvSpPr>
+          <p:nvPr>
+            <p:ph idx="1"/>
+          </p:nvPr>
+        </p:nvSpPr>
+        <p:spPr/>
+        <p:txBody>
+          <a:bodyPr/>
+          <a:lstStyle/>
+          <a:p/>
+          <a:p>
+            <a:pPr/>
+            <a:r>
+              <a:t>1.Condensation Polymerization: Step-Growth2.Polymer Applications: Examples of Common Polymers3.Conducting Polymers: Enhancing Electrical Conductivity4.Types of Conducting Polymers and Doping5.Polymers in Medicine and Surgery: Biomaterials6.Conclusion: The Versatility of PolymersConclusion</a:t>
+            </a:r>
+          </a:p>
+        </p:txBody>
+      </p:sp>
+    </p:spTree>
+  </p:cSld>
+  <p:clrMapOvr>
+    <a:masterClrMapping/>
+  </p:clrMapOvr>
+</p:sld>
+</file>
+
+<file path=ppt/slides/slide4.xml><?xml version="1.0" encoding="utf-8"?>
+<p:sld xmlns:a="http://schemas.openxmlformats.org/drawingml/2006/main" xmlns:p="http://schemas.openxmlformats.org/presentationml/2006/main" xmlns:r="http://schemas.openxmlformats.org/officeDocument/2006/relationships">
+  <p:cSld>
+    <p:spTree>
+      <p:nvGrpSpPr>
+        <p:cNvPr id="1" name=""/>
+        <p:cNvGrpSpPr/>
+        <p:nvPr/>
+      </p:nvGrpSpPr>
+      <p:grpSpPr/>
+      <p:sp>
+        <p:nvSpPr>
+          <p:cNvPr id="2" name="Title 1"/>
+          <p:cNvSpPr>
+            <a:spLocks noGrp="1"/>
+          </p:cNvSpPr>
+          <p:nvPr>
+            <p:ph type="title"/>
+          </p:nvPr>
+        </p:nvSpPr>
+        <p:spPr/>
+        <p:txBody>
+          <a:bodyPr/>
+          <a:lstStyle/>
+          <a:p>
+            <a:r>
+              <a:t>Condensation Polymerization: Step-Growth</a:t>
+            </a:r>
+          </a:p>
+        </p:txBody>
+      </p:sp>
+      <p:sp>
+        <p:nvSpPr>
+          <p:cNvPr id="3" name="Content Placeholder 2"/>
+          <p:cNvSpPr>
+            <a:spLocks noGrp="1"/>
+          </p:cNvSpPr>
+          <p:nvPr>
+            <p:ph idx="1"/>
+          </p:nvPr>
+        </p:nvSpPr>
+        <p:spPr/>
+        <p:txBody>
+          <a:bodyPr/>
+          <a:lstStyle/>
+          <a:p/>
+          <a:p>
+            <a:pPr/>
+            <a:r>
+              <a:t>Condensation polymerization involves monomers with at least two functional groups that react to form a polymer chain, releasing a small molecule (e.g., water, ammonia, HCl) as a byproduct.Mineral acids or bases often catalyze the reaction, increasing its rate.Unlike addition polymerization, it's an endothermic process, requiring energy input.The reaction proceeds relatively slowly compared to addition polymerization, with a stepwise growth of the polymer chain.Condensation polymers typically exhibit higher molecular weights than addition polymers.Three-dimensional network structures are common, often resulting in thermosetting polymers.</a:t>
+            </a:r>
+          </a:p>
+        </p:txBody>
+      </p:sp>
+    </p:spTree>
+  </p:cSld>
+  <p:clrMapOvr>
+    <a:masterClrMapping/>
+  </p:clrMapOvr>
+</p:sld>
+</file>
+
+<file path=ppt/slides/slide5.xml><?xml version="1.0" encoding="utf-8"?>
+<p:sld xmlns:a="http://schemas.openxmlformats.org/drawingml/2006/main" xmlns:p="http://schemas.openxmlformats.org/presentationml/2006/main" xmlns:r="http://schemas.openxmlformats.org/officeDocument/2006/relationships">
+  <p:cSld>
+    <p:spTree>
+      <p:nvGrpSpPr>
+        <p:cNvPr id="1" name=""/>
+        <p:cNvGrpSpPr/>
+        <p:nvPr/>
+      </p:nvGrpSpPr>
+      <p:grpSpPr/>
+      <p:sp>
+        <p:nvSpPr>
+          <p:cNvPr id="2" name="Title 1"/>
+          <p:cNvSpPr>
+            <a:spLocks noGrp="1"/>
+          </p:cNvSpPr>
+          <p:nvPr>
+            <p:ph type="title"/>
+          </p:nvPr>
+        </p:nvSpPr>
+        <p:spPr/>
+        <p:txBody>
+          <a:bodyPr/>
+          <a:lstStyle/>
+          <a:p>
+            <a:r>
+              <a:t>Polymer Applications: Examples of Common Polymers</a:t>
+            </a:r>
+          </a:p>
+        </p:txBody>
+      </p:sp>
+      <p:sp>
+        <p:nvSpPr>
+          <p:cNvPr id="3" name="Content Placeholder 2"/>
+          <p:cNvSpPr>
+            <a:spLocks noGrp="1"/>
+          </p:cNvSpPr>
+          <p:nvPr>
+            <p:ph idx="1"/>
+          </p:nvPr>
+        </p:nvSpPr>
+        <p:spPr/>
+        <p:txBody>
+          <a:bodyPr/>
+          <a:lstStyle/>
+          <a:p/>
+          <a:p>
+            <a:pPr/>
+            <a:r>
+              <a:t>Polyethylene: Used in disposable syringes due to its flexibility and low cost.Polypropylene:  Employed in heart walls and blood filters due to its biocompatibility and strength.Polyvinyl chloride (PVC): Used in disposable syringes and medical tubing for its durability and chemical resistance.Acrylic hydrogels: Utilized in grafting applications due to their water-absorbing properties and biocompatibility.Polymethyl methacrylate (PMMA):  A common material for contact lenses due to its optical clarity and biocompatibility.Poly(alkyl sulfone):  Used in membrane oxygenators due to its high gas permeability and biocompatibility.</a:t>
+            </a:r>
+          </a:p>
+        </p:txBody>
+      </p:sp>
+    </p:spTree>
+  </p:cSld>
+  <p:clrMapOvr>
+    <a:masterClrMapping/>
+  </p:clrMapOvr>
+</p:sld>
+</file>
+
+<file path=ppt/slides/slide6.xml><?xml version="1.0" encoding="utf-8"?>
+<p:sld xmlns:a="http://schemas.openxmlformats.org/drawingml/2006/main" xmlns:p="http://schemas.openxmlformats.org/presentationml/2006/main" xmlns:r="http://schemas.openxmlformats.org/officeDocument/2006/relationships">
+  <p:cSld>
+    <p:spTree>
+      <p:nvGrpSpPr>
+        <p:cNvPr id="1" name=""/>
+        <p:cNvGrpSpPr/>
+        <p:nvPr/>
+      </p:nvGrpSpPr>
+      <p:grpSpPr/>
+      <p:sp>
+        <p:nvSpPr>
+          <p:cNvPr id="2" name="Title 1"/>
+          <p:cNvSpPr>
+            <a:spLocks noGrp="1"/>
+          </p:cNvSpPr>
+          <p:nvPr>
+            <p:ph type="title"/>
+          </p:nvPr>
+        </p:nvSpPr>
+        <p:spPr/>
+        <p:txBody>
+          <a:bodyPr/>
+          <a:lstStyle/>
+          <a:p>
+            <a:r>
+              <a:t>Conducting Polymers: Enhancing Electrical Conductivity</a:t>
+            </a:r>
+          </a:p>
+        </p:txBody>
+      </p:sp>
+      <p:sp>
+        <p:nvSpPr>
+          <p:cNvPr id="3" name="Content Placeholder 2"/>
+          <p:cNvSpPr>
+            <a:spLocks noGrp="1"/>
+          </p:cNvSpPr>
+          <p:nvPr>
+            <p:ph idx="1"/>
+          </p:nvPr>
+        </p:nvSpPr>
+        <p:spPr/>
+        <p:txBody>
+          <a:bodyPr/>
+          <a:lstStyle/>
+          <a:p/>
+          <a:p>
+            <a:pPr/>
+            <a:r>
+              <a:t>Most polymers are electrical insulators due to the lack of freely mobile electrons.Conductivity can be achieved by introducing a system of conjugated (alternating) double bonds within the polymer backbone.These conjugated pi electrons can be excited and transported through the polymer in an electric field, enabling electrical conduction.This leads to the formation of valence and conduction bands, similar to those found in metals and semiconductors.Examples of intrinsically conducting polymers include polyacetylene, polyaniline, and polythiophene.</a:t>
+            </a:r>
+          </a:p>
+        </p:txBody>
+      </p:sp>
+    </p:spTree>
+  </p:cSld>
+  <p:clrMapOvr>
+    <a:masterClrMapping/>
+  </p:clrMapOvr>
+</p:sld>
+</file>
+
+<file path=ppt/slides/slide7.xml><?xml version="1.0" encoding="utf-8"?>
+<p:sld xmlns:a="http://schemas.openxmlformats.org/drawingml/2006/main" xmlns:p="http://schemas.openxmlformats.org/presentationml/2006/main" xmlns:r="http://schemas.openxmlformats.org/officeDocument/2006/relationships">
+  <p:cSld>
+    <p:spTree>
+      <p:nvGrpSpPr>
+        <p:cNvPr id="1" name=""/>
+        <p:cNvGrpSpPr/>
+        <p:nvPr/>
+      </p:nvGrpSpPr>
+      <p:grpSpPr/>
+      <p:sp>
+        <p:nvSpPr>
           <p:cNvPr id="2" name="TextBox 1"/>
           <p:cNvSpPr txBox="1"/>
           <p:nvPr/>
@@ -3921,194 +6377,15 @@
           </a:bodyPr>
           <a:lstStyle/>
           <a:p>
-            <a:pPr>
-              <a:defRPr sz="2800">
-                <a:solidFill>
-                  <a:srgbClr val="800000"/>
-                </a:solidFill>
-              </a:defRPr>
-            </a:pPr>
-            <a:r>
-              <a:t>Illustrations from Page 4</a:t>
+            <a:r>
+              <a:t>Figures from Section 3</a:t>
             </a:r>
           </a:p>
         </p:txBody>
       </p:sp>
       <p:pic>
         <p:nvPicPr>
-          <p:cNvPr id="3" name="Picture 2" descr="Huffman_Coding_theory_page_4_img_1.png"/>
-          <p:cNvPicPr>
-            <a:picLocks noChangeAspect="1"/>
-          </p:cNvPicPr>
-          <p:nvPr/>
-        </p:nvPicPr>
-        <p:blipFill>
-          <a:blip r:embed="rId2"/>
-          <a:stretch>
-            <a:fillRect/>
-          </a:stretch>
-        </p:blipFill>
-        <p:spPr>
-          <a:xfrm>
-            <a:off x="457200" y="1371600"/>
-            <a:ext cx="4114800" cy="3200400"/>
-          </a:xfrm>
-          <a:prstGeom prst="rect">
-            <a:avLst/>
-          </a:prstGeom>
-        </p:spPr>
-      </p:pic>
-      <p:pic>
-        <p:nvPicPr>
-          <p:cNvPr id="4" name="Picture 3" descr="Huffman_Coding_theory_page_4_img_2.png"/>
-          <p:cNvPicPr>
-            <a:picLocks noChangeAspect="1"/>
-          </p:cNvPicPr>
-          <p:nvPr/>
-        </p:nvPicPr>
-        <p:blipFill>
-          <a:blip r:embed="rId3"/>
-          <a:stretch>
-            <a:fillRect/>
-          </a:stretch>
-        </p:blipFill>
-        <p:spPr>
-          <a:xfrm>
-            <a:off x="5029200" y="1371600"/>
-            <a:ext cx="4114800" cy="3200400"/>
-          </a:xfrm>
-          <a:prstGeom prst="rect">
-            <a:avLst/>
-          </a:prstGeom>
-        </p:spPr>
-      </p:pic>
-    </p:spTree>
-  </p:cSld>
-  <p:clrMapOvr>
-    <a:masterClrMapping/>
-  </p:clrMapOvr>
-</p:sld>
-</file>
-
-<file path=ppt/slides/slide12.xml><?xml version="1.0" encoding="utf-8"?>
-<p:sld xmlns:a="http://schemas.openxmlformats.org/drawingml/2006/main" xmlns:p="http://schemas.openxmlformats.org/presentationml/2006/main" xmlns:r="http://schemas.openxmlformats.org/officeDocument/2006/relationships">
-  <p:cSld>
-    <p:spTree>
-      <p:nvGrpSpPr>
-        <p:cNvPr id="1" name=""/>
-        <p:cNvGrpSpPr/>
-        <p:nvPr/>
-      </p:nvGrpSpPr>
-      <p:grpSpPr/>
-      <p:sp>
-        <p:nvSpPr>
-          <p:cNvPr id="2" name="Title 1"/>
-          <p:cNvSpPr>
-            <a:spLocks noGrp="1"/>
-          </p:cNvSpPr>
-          <p:nvPr>
-            <p:ph type="title"/>
-          </p:nvPr>
-        </p:nvSpPr>
-        <p:spPr/>
-        <p:txBody>
-          <a:bodyPr/>
-          <a:lstStyle/>
-          <a:p>
-            <a:pPr>
-              <a:defRPr>
-                <a:solidFill>
-                  <a:srgbClr val="800000"/>
-                </a:solidFill>
-              </a:defRPr>
-            </a:pPr>
-            <a:r>
-              <a:t>Advantages and Limitations of Huffman Coding</a:t>
-            </a:r>
-          </a:p>
-        </p:txBody>
-      </p:sp>
-      <p:sp>
-        <p:nvSpPr>
-          <p:cNvPr id="3" name="Content Placeholder 2"/>
-          <p:cNvSpPr>
-            <a:spLocks noGrp="1"/>
-          </p:cNvSpPr>
-          <p:nvPr>
-            <p:ph idx="1"/>
-          </p:nvPr>
-        </p:nvSpPr>
-        <p:spPr/>
-        <p:txBody>
-          <a:bodyPr/>
-          <a:lstStyle/>
-          <a:p/>
-          <a:p>
-            <a:pPr>
-              <a:defRPr sz="1800"/>
-            </a:pPr>
-            <a:r>
-              <a:t>**Advantages:**  Lossless compression, relatively simple to implement, effective for data with skewed character distributions.**Limitations:**  Not optimal for all types of data (e.g., already highly compressed data), requires storing the Huffman tree alongside the encoded data, computational overhead for large datasets.Comparison with other compression techniques (e.g., Lempel-Ziv) can be mentioned briefly.Discuss scenarios where Huffman coding excels and where it might not be the best choice.</a:t>
-            </a:r>
-          </a:p>
-        </p:txBody>
-      </p:sp>
-    </p:spTree>
-  </p:cSld>
-  <p:clrMapOvr>
-    <a:masterClrMapping/>
-  </p:clrMapOvr>
-</p:sld>
-</file>
-
-<file path=ppt/slides/slide13.xml><?xml version="1.0" encoding="utf-8"?>
-<p:sld xmlns:a="http://schemas.openxmlformats.org/drawingml/2006/main" xmlns:p="http://schemas.openxmlformats.org/presentationml/2006/main" xmlns:r="http://schemas.openxmlformats.org/officeDocument/2006/relationships">
-  <p:cSld>
-    <p:spTree>
-      <p:nvGrpSpPr>
-        <p:cNvPr id="1" name=""/>
-        <p:cNvGrpSpPr/>
-        <p:nvPr/>
-      </p:nvGrpSpPr>
-      <p:grpSpPr/>
-      <p:sp>
-        <p:nvSpPr>
-          <p:cNvPr id="2" name="TextBox 1"/>
-          <p:cNvSpPr txBox="1"/>
-          <p:nvPr/>
-        </p:nvSpPr>
-        <p:spPr>
-          <a:xfrm>
-            <a:off x="457200" y="457200"/>
-            <a:ext cx="8229600" cy="914400"/>
-          </a:xfrm>
-          <a:prstGeom prst="rect">
-            <a:avLst/>
-          </a:prstGeom>
-          <a:noFill/>
-        </p:spPr>
-        <p:txBody>
-          <a:bodyPr wrap="none">
-            <a:spAutoFit/>
-          </a:bodyPr>
-          <a:lstStyle/>
-          <a:p>
-            <a:pPr>
-              <a:defRPr sz="2800">
-                <a:solidFill>
-                  <a:srgbClr val="800000"/>
-                </a:solidFill>
-              </a:defRPr>
-            </a:pPr>
-            <a:r>
-              <a:t>Illustrations from Page 5</a:t>
-            </a:r>
-          </a:p>
-        </p:txBody>
-      </p:sp>
-      <p:pic>
-        <p:nvPicPr>
-          <p:cNvPr id="3" name="Picture 2" descr="Huffman_Coding_theory_page_5_img_1.png"/>
+          <p:cNvPr id="3" name="Picture 2" descr="sample2_poly_page_3_img_1.png"/>
           <p:cNvPicPr>
             <a:picLocks noChangeAspect="1"/>
           </p:cNvPicPr>
@@ -4138,7 +6415,7 @@
 </p:sld>
 </file>
 
-<file path=ppt/slides/slide14.xml><?xml version="1.0" encoding="utf-8"?>
+<file path=ppt/slides/slide8.xml><?xml version="1.0" encoding="utf-8"?>
 <p:sld xmlns:a="http://schemas.openxmlformats.org/drawingml/2006/main" xmlns:p="http://schemas.openxmlformats.org/presentationml/2006/main" xmlns:r="http://schemas.openxmlformats.org/officeDocument/2006/relationships">
   <p:cSld>
     <p:spTree>
@@ -4163,15 +6440,8 @@
           <a:bodyPr/>
           <a:lstStyle/>
           <a:p>
-            <a:pPr>
-              <a:defRPr>
-                <a:solidFill>
-                  <a:srgbClr val="800000"/>
-                </a:solidFill>
-              </a:defRPr>
-            </a:pPr>
-            <a:r>
-              <a:t>Applications of Huffman Coding</a:t>
+            <a:r>
+              <a:t>Types of Conducting Polymers and Doping</a:t>
             </a:r>
           </a:p>
         </p:txBody>
@@ -4192,11 +6462,9 @@
           <a:lstStyle/>
           <a:p/>
           <a:p>
-            <a:pPr>
-              <a:defRPr sz="1800"/>
-            </a:pPr>
-            <a:r>
-              <a:t>Data compression in file archiving (e.g., .zip, .rar).Text compression in document processing.Image compression (although less common than other techniques).Data transmission in communication systems to reduce bandwidth usage.Mention specific real-world examples where Huffman coding is used.</a:t>
+            <a:pPr/>
+            <a:r>
+              <a:t>Intrinsically conducting polymers (ICPs) possess delocalized electrons within their backbone or associated groups.Extrinsically conducting polymers gain conductivity through added ingredients: filled polymers (with carbon black or metal oxides) and blended polymers (mixing with conducting polymers).Doping enhances ICP conductivity by introducing charge carriers: p-doping (oxidation) using Lewis acids like iodine or iron chloride, and n-doping (reduction) using Lewis bases like lithium or sodium.P-doping creates positive charges on the polymer backbone, while n-doping creates negative charges.Coordination conducting polymers are charge-transfer complexes formed by combining metal atoms with polydentate ligands.</a:t>
             </a:r>
           </a:p>
         </p:txBody>
@@ -4209,288 +6477,7 @@
 </p:sld>
 </file>
 
-<file path=ppt/slides/slide15.xml><?xml version="1.0" encoding="utf-8"?>
-<p:sld xmlns:a="http://schemas.openxmlformats.org/drawingml/2006/main" xmlns:p="http://schemas.openxmlformats.org/presentationml/2006/main" xmlns:r="http://schemas.openxmlformats.org/officeDocument/2006/relationships">
-  <p:cSld>
-    <p:spTree>
-      <p:nvGrpSpPr>
-        <p:cNvPr id="1" name=""/>
-        <p:cNvGrpSpPr/>
-        <p:nvPr/>
-      </p:nvGrpSpPr>
-      <p:grpSpPr/>
-      <p:sp>
-        <p:nvSpPr>
-          <p:cNvPr id="2" name="Title 1"/>
-          <p:cNvSpPr>
-            <a:spLocks noGrp="1"/>
-          </p:cNvSpPr>
-          <p:nvPr>
-            <p:ph type="title"/>
-          </p:nvPr>
-        </p:nvSpPr>
-        <p:spPr/>
-        <p:txBody>
-          <a:bodyPr/>
-          <a:lstStyle/>
-          <a:p>
-            <a:pPr>
-              <a:defRPr>
-                <a:solidFill>
-                  <a:srgbClr val="800000"/>
-                </a:solidFill>
-              </a:defRPr>
-            </a:pPr>
-            <a:r>
-              <a:t>Conclusion: Huffman Coding – A Powerful Compression Technique</a:t>
-            </a:r>
-          </a:p>
-        </p:txBody>
-      </p:sp>
-      <p:sp>
-        <p:nvSpPr>
-          <p:cNvPr id="3" name="Content Placeholder 2"/>
-          <p:cNvSpPr>
-            <a:spLocks noGrp="1"/>
-          </p:cNvSpPr>
-          <p:nvPr>
-            <p:ph idx="1"/>
-          </p:nvPr>
-        </p:nvSpPr>
-        <p:spPr/>
-        <p:txBody>
-          <a:bodyPr/>
-          <a:lstStyle/>
-          <a:p/>
-          <a:p>
-            <a:pPr>
-              <a:defRPr sz="1800"/>
-            </a:pPr>
-            <a:r>
-              <a:t>Huffman Coding provides an efficient way to compress data by exploiting the frequency distribution of characters.Its simplicity and effectiveness make it a valuable tool in various applications.While not universally optimal, it remains a fundamental algorithm in the field of data compression.Further research into more advanced compression algorithms can build upon the foundational principles of Huffman coding.Open the floor for questions and discussions.</a:t>
-            </a:r>
-          </a:p>
-        </p:txBody>
-      </p:sp>
-    </p:spTree>
-  </p:cSld>
-  <p:clrMapOvr>
-    <a:masterClrMapping/>
-  </p:clrMapOvr>
-</p:sld>
-</file>
-
-<file path=ppt/slides/slide2.xml><?xml version="1.0" encoding="utf-8"?>
-<p:sld xmlns:a="http://schemas.openxmlformats.org/drawingml/2006/main" xmlns:p="http://schemas.openxmlformats.org/presentationml/2006/main" xmlns:r="http://schemas.openxmlformats.org/officeDocument/2006/relationships">
-  <p:cSld>
-    <p:spTree>
-      <p:nvGrpSpPr>
-        <p:cNvPr id="1" name=""/>
-        <p:cNvGrpSpPr/>
-        <p:nvPr/>
-      </p:nvGrpSpPr>
-      <p:grpSpPr/>
-      <p:sp>
-        <p:nvSpPr>
-          <p:cNvPr id="2" name="Title 1"/>
-          <p:cNvSpPr>
-            <a:spLocks noGrp="1"/>
-          </p:cNvSpPr>
-          <p:nvPr>
-            <p:ph type="title"/>
-          </p:nvPr>
-        </p:nvSpPr>
-        <p:spPr/>
-        <p:txBody>
-          <a:bodyPr/>
-          <a:lstStyle/>
-          <a:p>
-            <a:pPr>
-              <a:defRPr>
-                <a:solidFill>
-                  <a:srgbClr val="800000"/>
-                </a:solidFill>
-              </a:defRPr>
-            </a:pPr>
-            <a:r>
-              <a:t>Huffman Coding: Data Compression Through Efficient Encoding</a:t>
-            </a:r>
-          </a:p>
-        </p:txBody>
-      </p:sp>
-      <p:sp>
-        <p:nvSpPr>
-          <p:cNvPr id="3" name="Content Placeholder 2"/>
-          <p:cNvSpPr>
-            <a:spLocks noGrp="1"/>
-          </p:cNvSpPr>
-          <p:nvPr>
-            <p:ph idx="1"/>
-          </p:nvPr>
-        </p:nvSpPr>
-        <p:spPr/>
-        <p:txBody>
-          <a:bodyPr/>
-          <a:lstStyle/>
-          <a:p/>
-          <a:p>
-            <a:pPr>
-              <a:defRPr sz="1800"/>
-            </a:pPr>
-          </a:p>
-        </p:txBody>
-      </p:sp>
-    </p:spTree>
-  </p:cSld>
-  <p:clrMapOvr>
-    <a:masterClrMapping/>
-  </p:clrMapOvr>
-</p:sld>
-</file>
-
-<file path=ppt/slides/slide3.xml><?xml version="1.0" encoding="utf-8"?>
-<p:sld xmlns:a="http://schemas.openxmlformats.org/drawingml/2006/main" xmlns:p="http://schemas.openxmlformats.org/presentationml/2006/main" xmlns:r="http://schemas.openxmlformats.org/officeDocument/2006/relationships">
-  <p:cSld>
-    <p:spTree>
-      <p:nvGrpSpPr>
-        <p:cNvPr id="1" name=""/>
-        <p:cNvGrpSpPr/>
-        <p:nvPr/>
-      </p:nvGrpSpPr>
-      <p:grpSpPr/>
-      <p:sp>
-        <p:nvSpPr>
-          <p:cNvPr id="2" name="Title 1"/>
-          <p:cNvSpPr>
-            <a:spLocks noGrp="1"/>
-          </p:cNvSpPr>
-          <p:nvPr>
-            <p:ph type="title"/>
-          </p:nvPr>
-        </p:nvSpPr>
-        <p:spPr/>
-        <p:txBody>
-          <a:bodyPr/>
-          <a:lstStyle/>
-          <a:p>
-            <a:pPr>
-              <a:defRPr>
-                <a:solidFill>
-                  <a:srgbClr val="800000"/>
-                </a:solidFill>
-              </a:defRPr>
-            </a:pPr>
-            <a:r>
-              <a:t>Index</a:t>
-            </a:r>
-          </a:p>
-        </p:txBody>
-      </p:sp>
-      <p:sp>
-        <p:nvSpPr>
-          <p:cNvPr id="3" name="Content Placeholder 2"/>
-          <p:cNvSpPr>
-            <a:spLocks noGrp="1"/>
-          </p:cNvSpPr>
-          <p:nvPr>
-            <p:ph idx="1"/>
-          </p:nvPr>
-        </p:nvSpPr>
-        <p:spPr/>
-        <p:txBody>
-          <a:bodyPr/>
-          <a:lstStyle/>
-          <a:p/>
-          <a:p>
-            <a:pPr>
-              <a:defRPr sz="1800"/>
-            </a:pPr>
-            <a:r>
-              <a:t>1: How Huffman Coding Works:  A Conceptual Overview2: Building the Huffman Tree: A Step-by-Step Example3: Huffman Coding: Encoding and Decoding4: Huffman Coding Algorithm Implementation (C example)5: Advantages and Limitations of Huffman Coding6: Applications of Huffman Coding7: Conclusion: Huffman Coding – A Powerful Compression TechniqueConclusion</a:t>
-            </a:r>
-          </a:p>
-        </p:txBody>
-      </p:sp>
-    </p:spTree>
-  </p:cSld>
-  <p:clrMapOvr>
-    <a:masterClrMapping/>
-  </p:clrMapOvr>
-</p:sld>
-</file>
-
-<file path=ppt/slides/slide4.xml><?xml version="1.0" encoding="utf-8"?>
-<p:sld xmlns:a="http://schemas.openxmlformats.org/drawingml/2006/main" xmlns:p="http://schemas.openxmlformats.org/presentationml/2006/main" xmlns:r="http://schemas.openxmlformats.org/officeDocument/2006/relationships">
-  <p:cSld>
-    <p:spTree>
-      <p:nvGrpSpPr>
-        <p:cNvPr id="1" name=""/>
-        <p:cNvGrpSpPr/>
-        <p:nvPr/>
-      </p:nvGrpSpPr>
-      <p:grpSpPr/>
-      <p:sp>
-        <p:nvSpPr>
-          <p:cNvPr id="2" name="Title 1"/>
-          <p:cNvSpPr>
-            <a:spLocks noGrp="1"/>
-          </p:cNvSpPr>
-          <p:nvPr>
-            <p:ph type="title"/>
-          </p:nvPr>
-        </p:nvSpPr>
-        <p:spPr/>
-        <p:txBody>
-          <a:bodyPr/>
-          <a:lstStyle/>
-          <a:p>
-            <a:pPr>
-              <a:defRPr>
-                <a:solidFill>
-                  <a:srgbClr val="800000"/>
-                </a:solidFill>
-              </a:defRPr>
-            </a:pPr>
-            <a:r>
-              <a:t>How Huffman Coding Works:  A Conceptual Overview</a:t>
-            </a:r>
-          </a:p>
-        </p:txBody>
-      </p:sp>
-      <p:sp>
-        <p:nvSpPr>
-          <p:cNvPr id="3" name="Content Placeholder 2"/>
-          <p:cNvSpPr>
-            <a:spLocks noGrp="1"/>
-          </p:cNvSpPr>
-          <p:nvPr>
-            <p:ph idx="1"/>
-          </p:nvPr>
-        </p:nvSpPr>
-        <p:spPr/>
-        <p:txBody>
-          <a:bodyPr/>
-          <a:lstStyle/>
-          <a:p/>
-          <a:p>
-            <a:pPr>
-              <a:defRPr sz="1800"/>
-            </a:pPr>
-            <a:r>
-              <a:t>The process begins by calculating the frequency of each unique character in the input data.A binary tree is constructed, where each leaf node represents a character, and its weight is the character's frequency.Nodes with the lowest frequencies are paired and combined into a parent node, whose weight is the sum of its children's weights.This process is repeated until only one node (the root) remains.Codes are assigned to each character by traversing the tree from the root to the leaf node, assigning '0' to left branches and '1' to right branches.More frequent characters end up with shorter codes, leading to compression.The resulting Huffman tree and codes are used for both encoding and decoding.</a:t>
-            </a:r>
-          </a:p>
-        </p:txBody>
-      </p:sp>
-    </p:spTree>
-  </p:cSld>
-  <p:clrMapOvr>
-    <a:masterClrMapping/>
-  </p:clrMapOvr>
-</p:sld>
-</file>
-
-<file path=ppt/slides/slide5.xml><?xml version="1.0" encoding="utf-8"?>
+<file path=ppt/slides/slide9.xml><?xml version="1.0" encoding="utf-8"?>
 <p:sld xmlns:a="http://schemas.openxmlformats.org/drawingml/2006/main" xmlns:p="http://schemas.openxmlformats.org/presentationml/2006/main" xmlns:r="http://schemas.openxmlformats.org/officeDocument/2006/relationships">
   <p:cSld>
     <p:spTree>
@@ -4522,22 +6509,15 @@
           </a:bodyPr>
           <a:lstStyle/>
           <a:p>
-            <a:pPr>
-              <a:defRPr sz="2800">
-                <a:solidFill>
-                  <a:srgbClr val="800000"/>
-                </a:solidFill>
-              </a:defRPr>
-            </a:pPr>
-            <a:r>
-              <a:t>Illustrations from Page 1</a:t>
+            <a:r>
+              <a:t>Figures from Section 4</a:t>
             </a:r>
           </a:p>
         </p:txBody>
       </p:sp>
       <p:pic>
         <p:nvPicPr>
-          <p:cNvPr id="3" name="Picture 2" descr="Huffman_Coding_theory_page_1_img_1.png"/>
+          <p:cNvPr id="3" name="Picture 2" descr="sample2_poly_page_4_img_1.png"/>
           <p:cNvPicPr>
             <a:picLocks noChangeAspect="1"/>
           </p:cNvPicPr>
@@ -4567,354 +6547,10 @@
 </p:sld>
 </file>
 
-<file path=ppt/slides/slide6.xml><?xml version="1.0" encoding="utf-8"?>
-<p:sld xmlns:a="http://schemas.openxmlformats.org/drawingml/2006/main" xmlns:p="http://schemas.openxmlformats.org/presentationml/2006/main" xmlns:r="http://schemas.openxmlformats.org/officeDocument/2006/relationships">
-  <p:cSld>
-    <p:spTree>
-      <p:nvGrpSpPr>
-        <p:cNvPr id="1" name=""/>
-        <p:cNvGrpSpPr/>
-        <p:nvPr/>
-      </p:nvGrpSpPr>
-      <p:grpSpPr/>
-      <p:sp>
-        <p:nvSpPr>
-          <p:cNvPr id="2" name="Title 1"/>
-          <p:cNvSpPr>
-            <a:spLocks noGrp="1"/>
-          </p:cNvSpPr>
-          <p:nvPr>
-            <p:ph type="title"/>
-          </p:nvPr>
-        </p:nvSpPr>
-        <p:spPr/>
-        <p:txBody>
-          <a:bodyPr/>
-          <a:lstStyle/>
-          <a:p>
-            <a:pPr>
-              <a:defRPr>
-                <a:solidFill>
-                  <a:srgbClr val="800000"/>
-                </a:solidFill>
-              </a:defRPr>
-            </a:pPr>
-            <a:r>
-              <a:t>Building the Huffman Tree: A Step-by-Step Example</a:t>
-            </a:r>
-          </a:p>
-        </p:txBody>
-      </p:sp>
-      <p:sp>
-        <p:nvSpPr>
-          <p:cNvPr id="3" name="Content Placeholder 2"/>
-          <p:cNvSpPr>
-            <a:spLocks noGrp="1"/>
-          </p:cNvSpPr>
-          <p:nvPr>
-            <p:ph idx="1"/>
-          </p:nvPr>
-        </p:nvSpPr>
-        <p:spPr/>
-        <p:txBody>
-          <a:bodyPr/>
-          <a:lstStyle/>
-          <a:p/>
-          <a:p>
-            <a:pPr>
-              <a:defRPr sz="1800"/>
-            </a:pPr>
-            <a:r>
-              <a:t>**Step 1: Frequency Calculation:**  Determine the frequency of each character in the input string (e.g., **Step 2: Priority Queue:** Create a priority queue (min-heap) to store characters and their frequencies, sorted by frequency (ascending order).**Step 3: Tree Construction:** Repeatedly extract the two lowest-frequency nodes from the queue, create a new parent node with their combined frequency, and insert this new node back into the queue.**Step 4: Iteration:** Continue this process until only one node (the root) remains in the queue. This completes the Huffman tree.**Step 5: Code Assignment:** Assign '0' to the left branch and '1' to the right branch of each node. Traverse the tree from the root to each leaf node to find the code for each character.Illustrative diagram showing the tree construction process would be beneficial here.</a:t>
-            </a:r>
-          </a:p>
-        </p:txBody>
-      </p:sp>
-    </p:spTree>
-  </p:cSld>
-  <p:clrMapOvr>
-    <a:masterClrMapping/>
-  </p:clrMapOvr>
-</p:sld>
-</file>
-
-<file path=ppt/slides/slide7.xml><?xml version="1.0" encoding="utf-8"?>
-<p:sld xmlns:a="http://schemas.openxmlformats.org/drawingml/2006/main" xmlns:p="http://schemas.openxmlformats.org/presentationml/2006/main" xmlns:r="http://schemas.openxmlformats.org/officeDocument/2006/relationships">
-  <p:cSld>
-    <p:spTree>
-      <p:nvGrpSpPr>
-        <p:cNvPr id="1" name=""/>
-        <p:cNvGrpSpPr/>
-        <p:nvPr/>
-      </p:nvGrpSpPr>
-      <p:grpSpPr/>
-      <p:sp>
-        <p:nvSpPr>
-          <p:cNvPr id="2" name="TextBox 1"/>
-          <p:cNvSpPr txBox="1"/>
-          <p:nvPr/>
-        </p:nvSpPr>
-        <p:spPr>
-          <a:xfrm>
-            <a:off x="457200" y="457200"/>
-            <a:ext cx="8229600" cy="914400"/>
-          </a:xfrm>
-          <a:prstGeom prst="rect">
-            <a:avLst/>
-          </a:prstGeom>
-          <a:noFill/>
-        </p:spPr>
-        <p:txBody>
-          <a:bodyPr wrap="none">
-            <a:spAutoFit/>
-          </a:bodyPr>
-          <a:lstStyle/>
-          <a:p>
-            <a:pPr>
-              <a:defRPr sz="2800">
-                <a:solidFill>
-                  <a:srgbClr val="800000"/>
-                </a:solidFill>
-              </a:defRPr>
-            </a:pPr>
-            <a:r>
-              <a:t>Illustrations from Page 2</a:t>
-            </a:r>
-          </a:p>
-        </p:txBody>
-      </p:sp>
-      <p:pic>
-        <p:nvPicPr>
-          <p:cNvPr id="3" name="Picture 2" descr="Huffman_Coding_theory_page_2_img_1.png"/>
-          <p:cNvPicPr>
-            <a:picLocks noChangeAspect="1"/>
-          </p:cNvPicPr>
-          <p:nvPr/>
-        </p:nvPicPr>
-        <p:blipFill>
-          <a:blip r:embed="rId2"/>
-          <a:stretch>
-            <a:fillRect/>
-          </a:stretch>
-        </p:blipFill>
-        <p:spPr>
-          <a:xfrm>
-            <a:off x="457200" y="1371600"/>
-            <a:ext cx="4114800" cy="3200400"/>
-          </a:xfrm>
-          <a:prstGeom prst="rect">
-            <a:avLst/>
-          </a:prstGeom>
-        </p:spPr>
-      </p:pic>
-      <p:pic>
-        <p:nvPicPr>
-          <p:cNvPr id="4" name="Picture 3" descr="Huffman_Coding_theory_page_2_img_2.png"/>
-          <p:cNvPicPr>
-            <a:picLocks noChangeAspect="1"/>
-          </p:cNvPicPr>
-          <p:nvPr/>
-        </p:nvPicPr>
-        <p:blipFill>
-          <a:blip r:embed="rId3"/>
-          <a:stretch>
-            <a:fillRect/>
-          </a:stretch>
-        </p:blipFill>
-        <p:spPr>
-          <a:xfrm>
-            <a:off x="5029200" y="1371600"/>
-            <a:ext cx="4114800" cy="3200400"/>
-          </a:xfrm>
-          <a:prstGeom prst="rect">
-            <a:avLst/>
-          </a:prstGeom>
-        </p:spPr>
-      </p:pic>
-    </p:spTree>
-  </p:cSld>
-  <p:clrMapOvr>
-    <a:masterClrMapping/>
-  </p:clrMapOvr>
-</p:sld>
-</file>
-
-<file path=ppt/slides/slide8.xml><?xml version="1.0" encoding="utf-8"?>
-<p:sld xmlns:a="http://schemas.openxmlformats.org/drawingml/2006/main" xmlns:p="http://schemas.openxmlformats.org/presentationml/2006/main" xmlns:r="http://schemas.openxmlformats.org/officeDocument/2006/relationships">
-  <p:cSld>
-    <p:spTree>
-      <p:nvGrpSpPr>
-        <p:cNvPr id="1" name=""/>
-        <p:cNvGrpSpPr/>
-        <p:nvPr/>
-      </p:nvGrpSpPr>
-      <p:grpSpPr/>
-      <p:sp>
-        <p:nvSpPr>
-          <p:cNvPr id="2" name="Title 1"/>
-          <p:cNvSpPr>
-            <a:spLocks noGrp="1"/>
-          </p:cNvSpPr>
-          <p:nvPr>
-            <p:ph type="title"/>
-          </p:nvPr>
-        </p:nvSpPr>
-        <p:spPr/>
-        <p:txBody>
-          <a:bodyPr/>
-          <a:lstStyle/>
-          <a:p>
-            <a:pPr>
-              <a:defRPr>
-                <a:solidFill>
-                  <a:srgbClr val="800000"/>
-                </a:solidFill>
-              </a:defRPr>
-            </a:pPr>
-            <a:r>
-              <a:t>Huffman Coding: Encoding and Decoding</a:t>
-            </a:r>
-          </a:p>
-        </p:txBody>
-      </p:sp>
-      <p:sp>
-        <p:nvSpPr>
-          <p:cNvPr id="3" name="Content Placeholder 2"/>
-          <p:cNvSpPr>
-            <a:spLocks noGrp="1"/>
-          </p:cNvSpPr>
-          <p:nvPr>
-            <p:ph idx="1"/>
-          </p:nvPr>
-        </p:nvSpPr>
-        <p:spPr/>
-        <p:txBody>
-          <a:bodyPr/>
-          <a:lstStyle/>
-          <a:p/>
-          <a:p>
-            <a:pPr>
-              <a:defRPr sz="1800"/>
-            </a:pPr>
-            <a:r>
-              <a:t>**Encoding:**  Replace each character in the input string with its corresponding Huffman code.  This creates the compressed data.**Decoding:** Use the Huffman tree to decode the compressed data.  Start at the root and traverse the tree based on the bits in the code.  When you reach a leaf node, you've found the corresponding character.Example:  Show a simple string, its Huffman codes, the encoded string, and the decoding process.Emphasis on the prefix-free property of Huffman codes: no code is a prefix of another, preventing ambiguity during decoding.Illustrative diagram showing the decoding process using the tree.</a:t>
-            </a:r>
-          </a:p>
-        </p:txBody>
-      </p:sp>
-    </p:spTree>
-  </p:cSld>
-  <p:clrMapOvr>
-    <a:masterClrMapping/>
-  </p:clrMapOvr>
-</p:sld>
-</file>
-
-<file path=ppt/slides/slide9.xml><?xml version="1.0" encoding="utf-8"?>
-<p:sld xmlns:a="http://schemas.openxmlformats.org/drawingml/2006/main" xmlns:p="http://schemas.openxmlformats.org/presentationml/2006/main" xmlns:r="http://schemas.openxmlformats.org/officeDocument/2006/relationships">
-  <p:cSld>
-    <p:spTree>
-      <p:nvGrpSpPr>
-        <p:cNvPr id="1" name=""/>
-        <p:cNvGrpSpPr/>
-        <p:nvPr/>
-      </p:nvGrpSpPr>
-      <p:grpSpPr/>
-      <p:sp>
-        <p:nvSpPr>
-          <p:cNvPr id="2" name="TextBox 1"/>
-          <p:cNvSpPr txBox="1"/>
-          <p:nvPr/>
-        </p:nvSpPr>
-        <p:spPr>
-          <a:xfrm>
-            <a:off x="457200" y="457200"/>
-            <a:ext cx="8229600" cy="914400"/>
-          </a:xfrm>
-          <a:prstGeom prst="rect">
-            <a:avLst/>
-          </a:prstGeom>
-          <a:noFill/>
-        </p:spPr>
-        <p:txBody>
-          <a:bodyPr wrap="none">
-            <a:spAutoFit/>
-          </a:bodyPr>
-          <a:lstStyle/>
-          <a:p>
-            <a:pPr>
-              <a:defRPr sz="2800">
-                <a:solidFill>
-                  <a:srgbClr val="800000"/>
-                </a:solidFill>
-              </a:defRPr>
-            </a:pPr>
-            <a:r>
-              <a:t>Illustrations from Page 3</a:t>
-            </a:r>
-          </a:p>
-        </p:txBody>
-      </p:sp>
-      <p:pic>
-        <p:nvPicPr>
-          <p:cNvPr id="3" name="Picture 2" descr="Huffman_Coding_theory_page_3_img_1.png"/>
-          <p:cNvPicPr>
-            <a:picLocks noChangeAspect="1"/>
-          </p:cNvPicPr>
-          <p:nvPr/>
-        </p:nvPicPr>
-        <p:blipFill>
-          <a:blip r:embed="rId2"/>
-          <a:stretch>
-            <a:fillRect/>
-          </a:stretch>
-        </p:blipFill>
-        <p:spPr>
-          <a:xfrm>
-            <a:off x="457200" y="1371600"/>
-            <a:ext cx="4114800" cy="3200400"/>
-          </a:xfrm>
-          <a:prstGeom prst="rect">
-            <a:avLst/>
-          </a:prstGeom>
-        </p:spPr>
-      </p:pic>
-      <p:pic>
-        <p:nvPicPr>
-          <p:cNvPr id="4" name="Picture 3" descr="Huffman_Coding_theory_page_3_img_2.png"/>
-          <p:cNvPicPr>
-            <a:picLocks noChangeAspect="1"/>
-          </p:cNvPicPr>
-          <p:nvPr/>
-        </p:nvPicPr>
-        <p:blipFill>
-          <a:blip r:embed="rId3"/>
-          <a:stretch>
-            <a:fillRect/>
-          </a:stretch>
-        </p:blipFill>
-        <p:spPr>
-          <a:xfrm>
-            <a:off x="5029200" y="1371600"/>
-            <a:ext cx="4114800" cy="3200400"/>
-          </a:xfrm>
-          <a:prstGeom prst="rect">
-            <a:avLst/>
-          </a:prstGeom>
-        </p:spPr>
-      </p:pic>
-    </p:spTree>
-  </p:cSld>
-  <p:clrMapOvr>
-    <a:masterClrMapping/>
-  </p:clrMapOvr>
-</p:sld>
-</file>
-
 <file path=ppt/theme/theme1.xml><?xml version="1.0" encoding="utf-8"?>
-<a:theme xmlns:a="http://schemas.openxmlformats.org/drawingml/2006/main" name="Gallery">
+<a:theme xmlns:a="http://schemas.openxmlformats.org/drawingml/2006/main" name="Mesh">
   <a:themeElements>
-    <a:clrScheme name="Gallery">
+    <a:clrScheme name="Mesh">
       <a:dk1>
         <a:sysClr val="windowText" lastClr="000000"/>
       </a:dk1>
@@ -4922,83 +6558,48 @@
         <a:sysClr val="window" lastClr="FFFFFF"/>
       </a:lt1>
       <a:dk2>
-        <a:srgbClr val="454545"/>
+        <a:srgbClr val="363D46"/>
       </a:dk2>
       <a:lt2>
-        <a:srgbClr val="DFDBD5"/>
+        <a:srgbClr val="EBEBEB"/>
       </a:lt2>
       <a:accent1>
-        <a:srgbClr val="B71E42"/>
+        <a:srgbClr val="6F6F6F"/>
       </a:accent1>
       <a:accent2>
-        <a:srgbClr val="DE478E"/>
+        <a:srgbClr val="BFBFA5"/>
       </a:accent2>
       <a:accent3>
-        <a:srgbClr val="BC72F0"/>
+        <a:srgbClr val="DCD084"/>
       </a:accent3>
       <a:accent4>
-        <a:srgbClr val="795FAF"/>
+        <a:srgbClr val="E7BF5F"/>
       </a:accent4>
       <a:accent5>
-        <a:srgbClr val="586EA6"/>
+        <a:srgbClr val="E9A039"/>
       </a:accent5>
       <a:accent6>
-        <a:srgbClr val="6892A0"/>
+        <a:srgbClr val="CF7133"/>
       </a:accent6>
       <a:hlink>
-        <a:srgbClr val="FA2B5C"/>
+        <a:srgbClr val="F28943"/>
       </a:hlink>
       <a:folHlink>
-        <a:srgbClr val="BC658E"/>
+        <a:srgbClr val="F1B76C"/>
       </a:folHlink>
     </a:clrScheme>
-    <a:fontScheme name="Gallery">
+    <a:fontScheme name="Mesh">
       <a:majorFont>
-        <a:latin typeface="Gill Sans MT" panose="020B0502020104020203"/>
+        <a:latin typeface="Century Gothic" panose="020B0502020202020204"/>
         <a:ea typeface=""/>
         <a:cs typeface=""/>
-        <a:font script="Jpan" typeface="游ゴシック Light"/>
+        <a:font script="Jpan" typeface="ＭＳ ゴシック"/>
         <a:font script="Hang" typeface="맑은 고딕"/>
-        <a:font script="Hans" typeface="等线 Light"/>
+        <a:font script="Hans" typeface="宋体"/>
         <a:font script="Hant" typeface="新細明體"/>
-        <a:font script="Arab" typeface="Times New Roman"/>
-        <a:font script="Hebr" typeface="Times New Roman"/>
-        <a:font script="Thai" typeface="Angsana New"/>
-        <a:font script="Ethi" typeface="Nyala"/>
-        <a:font script="Beng" typeface="Vrinda"/>
-        <a:font script="Gujr" typeface="Shruti"/>
-        <a:font script="Khmr" typeface="MoolBoran"/>
-        <a:font script="Knda" typeface="Tunga"/>
-        <a:font script="Guru" typeface="Raavi"/>
-        <a:font script="Cans" typeface="Euphemia"/>
-        <a:font script="Cher" typeface="Plantagenet Cherokee"/>
-        <a:font script="Yiii" typeface="Microsoft Yi Baiti"/>
-        <a:font script="Tibt" typeface="Microsoft Himalaya"/>
-        <a:font script="Thaa" typeface="MV Boli"/>
-        <a:font script="Deva" typeface="Mangal"/>
-        <a:font script="Telu" typeface="Gautami"/>
-        <a:font script="Taml" typeface="Latha"/>
-        <a:font script="Syrc" typeface="Estrangelo Edessa"/>
-        <a:font script="Orya" typeface="Kalinga"/>
-        <a:font script="Mlym" typeface="Kartika"/>
-        <a:font script="Laoo" typeface="DokChampa"/>
-        <a:font script="Sinh" typeface="Iskoola Pota"/>
-        <a:font script="Mong" typeface="Mongolian Baiti"/>
-        <a:font script="Viet" typeface="Times New Roman"/>
-        <a:font script="Uigh" typeface="Microsoft Uighur"/>
-        <a:font script="Geor" typeface="Sylfaen"/>
-      </a:majorFont>
-      <a:minorFont>
-        <a:latin typeface="Gill Sans MT" panose="020B0502020104020203"/>
-        <a:ea typeface=""/>
-        <a:cs typeface=""/>
-        <a:font script="Jpan" typeface="游ゴシック"/>
-        <a:font script="Hang" typeface="맑은 고딕"/>
-        <a:font script="Hans" typeface="等线"/>
-        <a:font script="Hant" typeface="新細明體"/>
-        <a:font script="Arab" typeface="Arial"/>
-        <a:font script="Hebr" typeface="Arial"/>
-        <a:font script="Thai" typeface="Cordia New"/>
+        <a:font script="Arab" typeface="Tahoma"/>
+        <a:font script="Hebr" typeface="Gisha"/>
+        <a:font script="Thai" typeface="DilleniaUPC"/>
         <a:font script="Ethi" typeface="Nyala"/>
         <a:font script="Beng" typeface="Vrinda"/>
         <a:font script="Gujr" typeface="Shruti"/>
@@ -5019,12 +6620,47 @@
         <a:font script="Laoo" typeface="DokChampa"/>
         <a:font script="Sinh" typeface="Iskoola Pota"/>
         <a:font script="Mong" typeface="Mongolian Baiti"/>
-        <a:font script="Viet" typeface="Arial"/>
+        <a:font script="Viet" typeface="Tahoma"/>
+        <a:font script="Uigh" typeface="Microsoft Uighur"/>
+        <a:font script="Geor" typeface="Sylfaen"/>
+      </a:majorFont>
+      <a:minorFont>
+        <a:latin typeface="Century Gothic" panose="020B0502020202020204"/>
+        <a:ea typeface=""/>
+        <a:cs typeface=""/>
+        <a:font script="Jpan" typeface="ＭＳ ゴシック"/>
+        <a:font script="Hang" typeface="맑은 고딕"/>
+        <a:font script="Hans" typeface="宋体"/>
+        <a:font script="Hant" typeface="新細明體"/>
+        <a:font script="Arab" typeface="Tahoma"/>
+        <a:font script="Hebr" typeface="Gisha"/>
+        <a:font script="Thai" typeface="DilleniaUPC"/>
+        <a:font script="Ethi" typeface="Nyala"/>
+        <a:font script="Beng" typeface="Vrinda"/>
+        <a:font script="Gujr" typeface="Shruti"/>
+        <a:font script="Khmr" typeface="DaunPenh"/>
+        <a:font script="Knda" typeface="Tunga"/>
+        <a:font script="Guru" typeface="Raavi"/>
+        <a:font script="Cans" typeface="Euphemia"/>
+        <a:font script="Cher" typeface="Plantagenet Cherokee"/>
+        <a:font script="Yiii" typeface="Microsoft Yi Baiti"/>
+        <a:font script="Tibt" typeface="Microsoft Himalaya"/>
+        <a:font script="Thaa" typeface="MV Boli"/>
+        <a:font script="Deva" typeface="Mangal"/>
+        <a:font script="Telu" typeface="Gautami"/>
+        <a:font script="Taml" typeface="Latha"/>
+        <a:font script="Syrc" typeface="Estrangelo Edessa"/>
+        <a:font script="Orya" typeface="Kalinga"/>
+        <a:font script="Mlym" typeface="Kartika"/>
+        <a:font script="Laoo" typeface="DokChampa"/>
+        <a:font script="Sinh" typeface="Iskoola Pota"/>
+        <a:font script="Mong" typeface="Mongolian Baiti"/>
+        <a:font script="Viet" typeface="Verdana"/>
         <a:font script="Uigh" typeface="Microsoft Uighur"/>
         <a:font script="Geor" typeface="Sylfaen"/>
       </a:minorFont>
     </a:fontScheme>
-    <a:fmtScheme name="Gallery">
+    <a:fmtScheme name="Mesh">
       <a:fillStyleLst>
         <a:solidFill>
           <a:schemeClr val="phClr"/>
@@ -5033,18 +6669,13 @@
           <a:gsLst>
             <a:gs pos="0">
               <a:schemeClr val="phClr">
-                <a:tint val="54000"/>
-                <a:alpha val="100000"/>
-                <a:satMod val="105000"/>
+                <a:tint val="60000"/>
                 <a:lumMod val="110000"/>
               </a:schemeClr>
             </a:gs>
             <a:gs pos="100000">
               <a:schemeClr val="phClr">
-                <a:tint val="78000"/>
-                <a:alpha val="92000"/>
-                <a:satMod val="109000"/>
-                <a:lumMod val="100000"/>
+                <a:tint val="82000"/>
               </a:schemeClr>
             </a:gs>
           </a:gsLst>
@@ -5054,23 +6685,14 @@
           <a:gsLst>
             <a:gs pos="0">
               <a:schemeClr val="phClr">
-                <a:tint val="98000"/>
-                <a:satMod val="110000"/>
+                <a:tint val="96000"/>
                 <a:lumMod val="104000"/>
-              </a:schemeClr>
-            </a:gs>
-            <a:gs pos="69000">
-              <a:schemeClr val="phClr">
-                <a:shade val="88000"/>
-                <a:satMod val="130000"/>
-                <a:lumMod val="92000"/>
               </a:schemeClr>
             </a:gs>
             <a:gs pos="100000">
               <a:schemeClr val="phClr">
-                <a:shade val="78000"/>
-                <a:satMod val="130000"/>
-                <a:lumMod val="92000"/>
+                <a:shade val="84000"/>
+                <a:lumMod val="84000"/>
               </a:schemeClr>
             </a:gs>
           </a:gsLst>
@@ -5078,19 +6700,19 @@
         </a:gradFill>
       </a:fillStyleLst>
       <a:lnStyleLst>
-        <a:ln w="9525" cap="flat" cmpd="sng" algn="ctr">
+        <a:ln w="9525" cap="rnd" cmpd="sng" algn="ctr">
           <a:solidFill>
             <a:schemeClr val="phClr"/>
           </a:solidFill>
           <a:prstDash val="solid"/>
         </a:ln>
-        <a:ln w="15875" cap="flat" cmpd="sng" algn="ctr">
+        <a:ln w="19050" cap="rnd" cmpd="sng" algn="ctr">
           <a:solidFill>
             <a:schemeClr val="phClr"/>
           </a:solidFill>
           <a:prstDash val="solid"/>
         </a:ln>
-        <a:ln w="22225" cap="flat" cmpd="sng" algn="ctr">
+        <a:ln w="25400" cap="rnd" cmpd="sng" algn="ctr">
           <a:solidFill>
             <a:schemeClr val="phClr"/>
           </a:solidFill>
@@ -5102,13 +6724,19 @@
           <a:effectLst/>
         </a:effectStyle>
         <a:effectStyle>
-          <a:effectLst/>
+          <a:effectLst>
+            <a:innerShdw blurRad="50800" dist="25400" dir="13500000">
+              <a:srgbClr val="000000">
+                <a:alpha val="55000"/>
+              </a:srgbClr>
+            </a:innerShdw>
+          </a:effectLst>
         </a:effectStyle>
         <a:effectStyle>
           <a:effectLst>
-            <a:outerShdw blurRad="50800" dist="50800" dir="5400000" sx="96000" sy="96000" rotWithShape="0">
+            <a:outerShdw blurRad="50800" dist="38100" dir="5400000" rotWithShape="0">
               <a:srgbClr val="000000">
-                <a:alpha val="48000"/>
+                <a:alpha val="60000"/>
               </a:srgbClr>
             </a:outerShdw>
           </a:effectLst>
@@ -5116,12 +6744,10 @@
             <a:camera prst="orthographicFront">
               <a:rot lat="0" lon="0" rev="0"/>
             </a:camera>
-            <a:lightRig rig="balanced" dir="t">
-              <a:rot lat="0" lon="0" rev="1080000"/>
-            </a:lightRig>
+            <a:lightRig rig="threePt" dir="tl"/>
           </a:scene3d>
           <a:sp3d>
-            <a:bevelT w="38100" h="12700" prst="softRound"/>
+            <a:bevelT w="25400" h="25400" prst="slope"/>
           </a:sp3d>
         </a:effectStyle>
       </a:effectStyleLst>
@@ -5129,28 +6755,41 @@
         <a:solidFill>
           <a:schemeClr val="phClr"/>
         </a:solidFill>
-        <a:solidFill>
-          <a:schemeClr val="phClr"/>
-        </a:solidFill>
         <a:gradFill rotWithShape="1">
           <a:gsLst>
             <a:gs pos="0">
               <a:schemeClr val="phClr">
-                <a:tint val="94000"/>
-                <a:satMod val="80000"/>
-                <a:lumMod val="106000"/>
+                <a:tint val="90000"/>
+                <a:lumMod val="110000"/>
               </a:schemeClr>
             </a:gs>
             <a:gs pos="100000">
               <a:schemeClr val="phClr">
-                <a:shade val="80000"/>
+                <a:shade val="64000"/>
+                <a:lumMod val="98000"/>
               </a:schemeClr>
             </a:gs>
           </a:gsLst>
-          <a:path path="circle">
-            <a:fillToRect l="43000" r="43000" b="100000"/>
-          </a:path>
+          <a:lin ang="5400000" scaled="0"/>
         </a:gradFill>
+        <a:blipFill rotWithShape="1">
+          <a:blip xmlns:r="http://schemas.openxmlformats.org/officeDocument/2006/relationships" r:embed="rId1">
+            <a:duotone>
+              <a:schemeClr val="phClr">
+                <a:shade val="28000"/>
+                <a:satMod val="94000"/>
+                <a:lumMod val="20000"/>
+              </a:schemeClr>
+              <a:schemeClr val="phClr">
+                <a:tint val="94000"/>
+                <a:shade val="84000"/>
+                <a:satMod val="148000"/>
+                <a:lumMod val="114000"/>
+              </a:schemeClr>
+            </a:duotone>
+          </a:blip>
+          <a:stretch/>
+        </a:blipFill>
       </a:bgFillStyleLst>
     </a:fmtScheme>
   </a:themeElements>
@@ -5158,7 +6797,7 @@
   <a:extraClrSchemeLst/>
   <a:extLst>
     <a:ext uri="{05A4C25C-085E-4340-85A3-A5531E510DB2}">
-      <thm15:themeFamily xmlns:thm15="http://schemas.microsoft.com/office/thememl/2012/main" name="Gallery" id="{BBFCD31E-59A1-489D-B089-A3EAD7CAE12E}" vid="{F5E91637-A7B6-4E27-B710-77DA7014EE1E}"/>
+      <thm15:themeFamily xmlns:thm15="http://schemas.microsoft.com/office/thememl/2012/main" name="Mesh" id="{789EC3FE-34FD-429C-9918-760025E6C145}" vid="{B8BE45C0-8141-4D58-8C71-A009BC26FBBB}"/>
     </a:ext>
   </a:extLst>
 </a:theme>

--- a/output/generated_presentation.pptx
+++ b/output/generated_presentation.pptx
@@ -16,6 +16,10 @@
     <p:sldId id="264" r:id="rId14"/>
     <p:sldId id="265" r:id="rId15"/>
     <p:sldId id="266" r:id="rId16"/>
+    <p:sldId id="267" r:id="rId17"/>
+    <p:sldId id="268" r:id="rId18"/>
+    <p:sldId id="269" r:id="rId19"/>
+    <p:sldId id="270" r:id="rId20"/>
   </p:sldIdLst>
   <p:sldSz cx="12192000" cy="6858000"/>
   <p:notesSz cx="6858000" cy="9144000"/>
@@ -5940,7 +5944,7 @@
           <a:lstStyle/>
           <a:p>
             <a:r>
-              <a:t>Polymers in Medicine and Surgery: Biomaterials</a:t>
+              <a:t>Huffman Coding Algorithm: A Step-by-Step Guide</a:t>
             </a:r>
           </a:p>
         </p:txBody>
@@ -5963,7 +5967,7 @@
           <a:p>
             <a:pPr/>
             <a:r>
-              <a:t>Biomaterials are materials used in the body without causing adverse effects.Polymer biomaterials are increasingly important in diagnostic, surgical, and therapeutic applications.Key characteristics of biomedical polymers include biocompatibility (lack of harmful reactions), purity, reproducibility, sterilizability without property alteration, and optimal physical and chemical properties.The choice of polymer depends heavily on the specific application and required properties (e.g., strength, flexibility, biodegradability).Ongoing research focuses on developing new biocompatible polymers with improved properties for various medical uses.</a:t>
+              <a:t>**Step 1:** Calculate the frequency of each unique character in the input string.**Step 2:** Create a min-heap data structure to store characters and their frequencies.**Step 3:**  Repeatedly extract the two nodes with the smallest frequencies from the heap.**Step 4:** Create a new node with these two nodes as children, the frequency of the new node being the sum of the children's frequencies. Insert the new node back into the heap.**Step 5:** Repeat Step 3 and 4 until only one node remains (the root of the Huffman tree).**Step 6:** Assign '0' to the left branch and '1' to the right branch of each node.**Step 7:** Traverse the tree to generate the Huffman code for each character.</a:t>
             </a:r>
           </a:p>
         </p:txBody>
@@ -5988,375 +5992,6 @@
       <p:grpSpPr/>
       <p:sp>
         <p:nvSpPr>
-          <p:cNvPr id="2" name="Title 1"/>
-          <p:cNvSpPr>
-            <a:spLocks noGrp="1"/>
-          </p:cNvSpPr>
-          <p:nvPr>
-            <p:ph type="title"/>
-          </p:nvPr>
-        </p:nvSpPr>
-        <p:spPr/>
-        <p:txBody>
-          <a:bodyPr/>
-          <a:lstStyle/>
-          <a:p>
-            <a:r>
-              <a:t>Conclusion: The Versatility of Polymers</a:t>
-            </a:r>
-          </a:p>
-        </p:txBody>
-      </p:sp>
-      <p:sp>
-        <p:nvSpPr>
-          <p:cNvPr id="3" name="Content Placeholder 2"/>
-          <p:cNvSpPr>
-            <a:spLocks noGrp="1"/>
-          </p:cNvSpPr>
-          <p:nvPr>
-            <p:ph idx="1"/>
-          </p:nvPr>
-        </p:nvSpPr>
-        <p:spPr/>
-        <p:txBody>
-          <a:bodyPr/>
-          <a:lstStyle/>
-          <a:p/>
-          <a:p>
-            <a:pPr/>
-            <a:r>
-              <a:t>Polymers are versatile materials with a wide range of applications, from everyday plastics to advanced biomedical devices.Understanding the different types of polymerization, their properties, and the factors influencing conductivity is crucial for designing new materials.The development of biocompatible polymers is driving innovation in medicine and surgery, offering improved treatments and therapies.Continued research in polymer chemistry will undoubtedly lead to further advancements in various fields.</a:t>
-            </a:r>
-          </a:p>
-        </p:txBody>
-      </p:sp>
-    </p:spTree>
-  </p:cSld>
-  <p:clrMapOvr>
-    <a:masterClrMapping/>
-  </p:clrMapOvr>
-</p:sld>
-</file>
-
-<file path=ppt/slides/slide2.xml><?xml version="1.0" encoding="utf-8"?>
-<p:sld xmlns:a="http://schemas.openxmlformats.org/drawingml/2006/main" xmlns:p="http://schemas.openxmlformats.org/presentationml/2006/main" xmlns:r="http://schemas.openxmlformats.org/officeDocument/2006/relationships">
-  <p:cSld>
-    <p:spTree>
-      <p:nvGrpSpPr>
-        <p:cNvPr id="1" name=""/>
-        <p:cNvGrpSpPr/>
-        <p:nvPr/>
-      </p:nvGrpSpPr>
-      <p:grpSpPr/>
-      <p:sp>
-        <p:nvSpPr>
-          <p:cNvPr id="2" name="Title 1"/>
-          <p:cNvSpPr>
-            <a:spLocks noGrp="1"/>
-          </p:cNvSpPr>
-          <p:nvPr>
-            <p:ph type="title"/>
-          </p:nvPr>
-        </p:nvSpPr>
-        <p:spPr/>
-        <p:txBody>
-          <a:bodyPr/>
-          <a:lstStyle/>
-          <a:p>
-            <a:r>
-              <a:t>Polymer Chemistry: Types, Properties, and Biomedical Applications</a:t>
-            </a:r>
-          </a:p>
-        </p:txBody>
-      </p:sp>
-      <p:sp>
-        <p:nvSpPr>
-          <p:cNvPr id="3" name="Content Placeholder 2"/>
-          <p:cNvSpPr>
-            <a:spLocks noGrp="1"/>
-          </p:cNvSpPr>
-          <p:nvPr>
-            <p:ph idx="1"/>
-          </p:nvPr>
-        </p:nvSpPr>
-        <p:spPr/>
-        <p:txBody>
-          <a:bodyPr/>
-          <a:lstStyle/>
-          <a:p/>
-          <a:p>
-            <a:pPr/>
-          </a:p>
-        </p:txBody>
-      </p:sp>
-    </p:spTree>
-  </p:cSld>
-  <p:clrMapOvr>
-    <a:masterClrMapping/>
-  </p:clrMapOvr>
-</p:sld>
-</file>
-
-<file path=ppt/slides/slide3.xml><?xml version="1.0" encoding="utf-8"?>
-<p:sld xmlns:a="http://schemas.openxmlformats.org/drawingml/2006/main" xmlns:p="http://schemas.openxmlformats.org/presentationml/2006/main" xmlns:r="http://schemas.openxmlformats.org/officeDocument/2006/relationships">
-  <p:cSld>
-    <p:spTree>
-      <p:nvGrpSpPr>
-        <p:cNvPr id="1" name=""/>
-        <p:cNvGrpSpPr/>
-        <p:nvPr/>
-      </p:nvGrpSpPr>
-      <p:grpSpPr/>
-      <p:sp>
-        <p:nvSpPr>
-          <p:cNvPr id="2" name="Title 1"/>
-          <p:cNvSpPr>
-            <a:spLocks noGrp="1"/>
-          </p:cNvSpPr>
-          <p:nvPr>
-            <p:ph type="title"/>
-          </p:nvPr>
-        </p:nvSpPr>
-        <p:spPr/>
-        <p:txBody>
-          <a:bodyPr/>
-          <a:lstStyle/>
-          <a:p>
-            <a:r>
-              <a:t>Index</a:t>
-            </a:r>
-          </a:p>
-        </p:txBody>
-      </p:sp>
-      <p:sp>
-        <p:nvSpPr>
-          <p:cNvPr id="3" name="Content Placeholder 2"/>
-          <p:cNvSpPr>
-            <a:spLocks noGrp="1"/>
-          </p:cNvSpPr>
-          <p:nvPr>
-            <p:ph idx="1"/>
-          </p:nvPr>
-        </p:nvSpPr>
-        <p:spPr/>
-        <p:txBody>
-          <a:bodyPr/>
-          <a:lstStyle/>
-          <a:p/>
-          <a:p>
-            <a:pPr/>
-            <a:r>
-              <a:t>1.Condensation Polymerization: Step-Growth2.Polymer Applications: Examples of Common Polymers3.Conducting Polymers: Enhancing Electrical Conductivity4.Types of Conducting Polymers and Doping5.Polymers in Medicine and Surgery: Biomaterials6.Conclusion: The Versatility of PolymersConclusion</a:t>
-            </a:r>
-          </a:p>
-        </p:txBody>
-      </p:sp>
-    </p:spTree>
-  </p:cSld>
-  <p:clrMapOvr>
-    <a:masterClrMapping/>
-  </p:clrMapOvr>
-</p:sld>
-</file>
-
-<file path=ppt/slides/slide4.xml><?xml version="1.0" encoding="utf-8"?>
-<p:sld xmlns:a="http://schemas.openxmlformats.org/drawingml/2006/main" xmlns:p="http://schemas.openxmlformats.org/presentationml/2006/main" xmlns:r="http://schemas.openxmlformats.org/officeDocument/2006/relationships">
-  <p:cSld>
-    <p:spTree>
-      <p:nvGrpSpPr>
-        <p:cNvPr id="1" name=""/>
-        <p:cNvGrpSpPr/>
-        <p:nvPr/>
-      </p:nvGrpSpPr>
-      <p:grpSpPr/>
-      <p:sp>
-        <p:nvSpPr>
-          <p:cNvPr id="2" name="Title 1"/>
-          <p:cNvSpPr>
-            <a:spLocks noGrp="1"/>
-          </p:cNvSpPr>
-          <p:nvPr>
-            <p:ph type="title"/>
-          </p:nvPr>
-        </p:nvSpPr>
-        <p:spPr/>
-        <p:txBody>
-          <a:bodyPr/>
-          <a:lstStyle/>
-          <a:p>
-            <a:r>
-              <a:t>Condensation Polymerization: Step-Growth</a:t>
-            </a:r>
-          </a:p>
-        </p:txBody>
-      </p:sp>
-      <p:sp>
-        <p:nvSpPr>
-          <p:cNvPr id="3" name="Content Placeholder 2"/>
-          <p:cNvSpPr>
-            <a:spLocks noGrp="1"/>
-          </p:cNvSpPr>
-          <p:nvPr>
-            <p:ph idx="1"/>
-          </p:nvPr>
-        </p:nvSpPr>
-        <p:spPr/>
-        <p:txBody>
-          <a:bodyPr/>
-          <a:lstStyle/>
-          <a:p/>
-          <a:p>
-            <a:pPr/>
-            <a:r>
-              <a:t>Condensation polymerization involves monomers with at least two functional groups that react to form a polymer chain, releasing a small molecule (e.g., water, ammonia, HCl) as a byproduct.Mineral acids or bases often catalyze the reaction, increasing its rate.Unlike addition polymerization, it's an endothermic process, requiring energy input.The reaction proceeds relatively slowly compared to addition polymerization, with a stepwise growth of the polymer chain.Condensation polymers typically exhibit higher molecular weights than addition polymers.Three-dimensional network structures are common, often resulting in thermosetting polymers.</a:t>
-            </a:r>
-          </a:p>
-        </p:txBody>
-      </p:sp>
-    </p:spTree>
-  </p:cSld>
-  <p:clrMapOvr>
-    <a:masterClrMapping/>
-  </p:clrMapOvr>
-</p:sld>
-</file>
-
-<file path=ppt/slides/slide5.xml><?xml version="1.0" encoding="utf-8"?>
-<p:sld xmlns:a="http://schemas.openxmlformats.org/drawingml/2006/main" xmlns:p="http://schemas.openxmlformats.org/presentationml/2006/main" xmlns:r="http://schemas.openxmlformats.org/officeDocument/2006/relationships">
-  <p:cSld>
-    <p:spTree>
-      <p:nvGrpSpPr>
-        <p:cNvPr id="1" name=""/>
-        <p:cNvGrpSpPr/>
-        <p:nvPr/>
-      </p:nvGrpSpPr>
-      <p:grpSpPr/>
-      <p:sp>
-        <p:nvSpPr>
-          <p:cNvPr id="2" name="Title 1"/>
-          <p:cNvSpPr>
-            <a:spLocks noGrp="1"/>
-          </p:cNvSpPr>
-          <p:nvPr>
-            <p:ph type="title"/>
-          </p:nvPr>
-        </p:nvSpPr>
-        <p:spPr/>
-        <p:txBody>
-          <a:bodyPr/>
-          <a:lstStyle/>
-          <a:p>
-            <a:r>
-              <a:t>Polymer Applications: Examples of Common Polymers</a:t>
-            </a:r>
-          </a:p>
-        </p:txBody>
-      </p:sp>
-      <p:sp>
-        <p:nvSpPr>
-          <p:cNvPr id="3" name="Content Placeholder 2"/>
-          <p:cNvSpPr>
-            <a:spLocks noGrp="1"/>
-          </p:cNvSpPr>
-          <p:nvPr>
-            <p:ph idx="1"/>
-          </p:nvPr>
-        </p:nvSpPr>
-        <p:spPr/>
-        <p:txBody>
-          <a:bodyPr/>
-          <a:lstStyle/>
-          <a:p/>
-          <a:p>
-            <a:pPr/>
-            <a:r>
-              <a:t>Polyethylene: Used in disposable syringes due to its flexibility and low cost.Polypropylene:  Employed in heart walls and blood filters due to its biocompatibility and strength.Polyvinyl chloride (PVC): Used in disposable syringes and medical tubing for its durability and chemical resistance.Acrylic hydrogels: Utilized in grafting applications due to their water-absorbing properties and biocompatibility.Polymethyl methacrylate (PMMA):  A common material for contact lenses due to its optical clarity and biocompatibility.Poly(alkyl sulfone):  Used in membrane oxygenators due to its high gas permeability and biocompatibility.</a:t>
-            </a:r>
-          </a:p>
-        </p:txBody>
-      </p:sp>
-    </p:spTree>
-  </p:cSld>
-  <p:clrMapOvr>
-    <a:masterClrMapping/>
-  </p:clrMapOvr>
-</p:sld>
-</file>
-
-<file path=ppt/slides/slide6.xml><?xml version="1.0" encoding="utf-8"?>
-<p:sld xmlns:a="http://schemas.openxmlformats.org/drawingml/2006/main" xmlns:p="http://schemas.openxmlformats.org/presentationml/2006/main" xmlns:r="http://schemas.openxmlformats.org/officeDocument/2006/relationships">
-  <p:cSld>
-    <p:spTree>
-      <p:nvGrpSpPr>
-        <p:cNvPr id="1" name=""/>
-        <p:cNvGrpSpPr/>
-        <p:nvPr/>
-      </p:nvGrpSpPr>
-      <p:grpSpPr/>
-      <p:sp>
-        <p:nvSpPr>
-          <p:cNvPr id="2" name="Title 1"/>
-          <p:cNvSpPr>
-            <a:spLocks noGrp="1"/>
-          </p:cNvSpPr>
-          <p:nvPr>
-            <p:ph type="title"/>
-          </p:nvPr>
-        </p:nvSpPr>
-        <p:spPr/>
-        <p:txBody>
-          <a:bodyPr/>
-          <a:lstStyle/>
-          <a:p>
-            <a:r>
-              <a:t>Conducting Polymers: Enhancing Electrical Conductivity</a:t>
-            </a:r>
-          </a:p>
-        </p:txBody>
-      </p:sp>
-      <p:sp>
-        <p:nvSpPr>
-          <p:cNvPr id="3" name="Content Placeholder 2"/>
-          <p:cNvSpPr>
-            <a:spLocks noGrp="1"/>
-          </p:cNvSpPr>
-          <p:nvPr>
-            <p:ph idx="1"/>
-          </p:nvPr>
-        </p:nvSpPr>
-        <p:spPr/>
-        <p:txBody>
-          <a:bodyPr/>
-          <a:lstStyle/>
-          <a:p/>
-          <a:p>
-            <a:pPr/>
-            <a:r>
-              <a:t>Most polymers are electrical insulators due to the lack of freely mobile electrons.Conductivity can be achieved by introducing a system of conjugated (alternating) double bonds within the polymer backbone.These conjugated pi electrons can be excited and transported through the polymer in an electric field, enabling electrical conduction.This leads to the formation of valence and conduction bands, similar to those found in metals and semiconductors.Examples of intrinsically conducting polymers include polyacetylene, polyaniline, and polythiophene.</a:t>
-            </a:r>
-          </a:p>
-        </p:txBody>
-      </p:sp>
-    </p:spTree>
-  </p:cSld>
-  <p:clrMapOvr>
-    <a:masterClrMapping/>
-  </p:clrMapOvr>
-</p:sld>
-</file>
-
-<file path=ppt/slides/slide7.xml><?xml version="1.0" encoding="utf-8"?>
-<p:sld xmlns:a="http://schemas.openxmlformats.org/drawingml/2006/main" xmlns:p="http://schemas.openxmlformats.org/presentationml/2006/main" xmlns:r="http://schemas.openxmlformats.org/officeDocument/2006/relationships">
-  <p:cSld>
-    <p:spTree>
-      <p:nvGrpSpPr>
-        <p:cNvPr id="1" name=""/>
-        <p:cNvGrpSpPr/>
-        <p:nvPr/>
-      </p:nvGrpSpPr>
-      <p:grpSpPr/>
-      <p:sp>
-        <p:nvSpPr>
           <p:cNvPr id="2" name="TextBox 1"/>
           <p:cNvSpPr txBox="1"/>
           <p:nvPr/>
@@ -6378,14 +6013,170 @@
           <a:lstStyle/>
           <a:p>
             <a:r>
-              <a:t>Figures from Section 3</a:t>
+              <a:t>Figures from Section 4</a:t>
             </a:r>
           </a:p>
         </p:txBody>
       </p:sp>
       <p:pic>
         <p:nvPicPr>
-          <p:cNvPr id="3" name="Picture 2" descr="sample2_poly_page_3_img_1.png"/>
+          <p:cNvPr id="3" name="Picture 2" descr="Huffman_Coding_theory_page_4_img_1.png"/>
+          <p:cNvPicPr>
+            <a:picLocks noChangeAspect="1"/>
+          </p:cNvPicPr>
+          <p:nvPr/>
+        </p:nvPicPr>
+        <p:blipFill>
+          <a:blip r:embed="rId2"/>
+          <a:stretch>
+            <a:fillRect/>
+          </a:stretch>
+        </p:blipFill>
+        <p:spPr>
+          <a:xfrm>
+            <a:off x="457200" y="1371600"/>
+            <a:ext cx="4114800" cy="3200400"/>
+          </a:xfrm>
+          <a:prstGeom prst="rect">
+            <a:avLst/>
+          </a:prstGeom>
+        </p:spPr>
+      </p:pic>
+      <p:pic>
+        <p:nvPicPr>
+          <p:cNvPr id="4" name="Picture 3" descr="Huffman_Coding_theory_page_4_img_2.png"/>
+          <p:cNvPicPr>
+            <a:picLocks noChangeAspect="1"/>
+          </p:cNvPicPr>
+          <p:nvPr/>
+        </p:nvPicPr>
+        <p:blipFill>
+          <a:blip r:embed="rId3"/>
+          <a:stretch>
+            <a:fillRect/>
+          </a:stretch>
+        </p:blipFill>
+        <p:spPr>
+          <a:xfrm>
+            <a:off x="5029200" y="1371600"/>
+            <a:ext cx="4114800" cy="3200400"/>
+          </a:xfrm>
+          <a:prstGeom prst="rect">
+            <a:avLst/>
+          </a:prstGeom>
+        </p:spPr>
+      </p:pic>
+    </p:spTree>
+  </p:cSld>
+  <p:clrMapOvr>
+    <a:masterClrMapping/>
+  </p:clrMapOvr>
+</p:sld>
+</file>
+
+<file path=ppt/slides/slide12.xml><?xml version="1.0" encoding="utf-8"?>
+<p:sld xmlns:a="http://schemas.openxmlformats.org/drawingml/2006/main" xmlns:p="http://schemas.openxmlformats.org/presentationml/2006/main" xmlns:r="http://schemas.openxmlformats.org/officeDocument/2006/relationships">
+  <p:cSld>
+    <p:spTree>
+      <p:nvGrpSpPr>
+        <p:cNvPr id="1" name=""/>
+        <p:cNvGrpSpPr/>
+        <p:nvPr/>
+      </p:nvGrpSpPr>
+      <p:grpSpPr/>
+      <p:sp>
+        <p:nvSpPr>
+          <p:cNvPr id="2" name="Title 1"/>
+          <p:cNvSpPr>
+            <a:spLocks noGrp="1"/>
+          </p:cNvSpPr>
+          <p:nvPr>
+            <p:ph type="title"/>
+          </p:nvPr>
+        </p:nvSpPr>
+        <p:spPr/>
+        <p:txBody>
+          <a:bodyPr/>
+          <a:lstStyle/>
+          <a:p>
+            <a:r>
+              <a:t>Prefix Codes and Ambiguity Prevention</a:t>
+            </a:r>
+          </a:p>
+        </p:txBody>
+      </p:sp>
+      <p:sp>
+        <p:nvSpPr>
+          <p:cNvPr id="3" name="Content Placeholder 2"/>
+          <p:cNvSpPr>
+            <a:spLocks noGrp="1"/>
+          </p:cNvSpPr>
+          <p:nvPr>
+            <p:ph idx="1"/>
+          </p:nvPr>
+        </p:nvSpPr>
+        <p:spPr/>
+        <p:txBody>
+          <a:bodyPr/>
+          <a:lstStyle/>
+          <a:p/>
+          <a:p>
+            <a:pPr/>
+            <a:r>
+              <a:t>Huffman codes are prefix codes, meaning no code is a prefix of another. This prevents ambiguity during decoding.The tree structure ensures that no code can be confused with another.  For example, if 'A' is encoded as '0' and 'B' is encoded as '01', there's no ambiguity.This prefix property is crucial for efficient and unambiguous decoding.The tree structure itself needs to be transmitted along with the encoded data for proper decoding. However, efficient methods exist to represent the tree concisely.The overhead of transmitting the tree is usually small compared to the compression achieved.</a:t>
+            </a:r>
+          </a:p>
+        </p:txBody>
+      </p:sp>
+    </p:spTree>
+  </p:cSld>
+  <p:clrMapOvr>
+    <a:masterClrMapping/>
+  </p:clrMapOvr>
+</p:sld>
+</file>
+
+<file path=ppt/slides/slide13.xml><?xml version="1.0" encoding="utf-8"?>
+<p:sld xmlns:a="http://schemas.openxmlformats.org/drawingml/2006/main" xmlns:p="http://schemas.openxmlformats.org/presentationml/2006/main" xmlns:r="http://schemas.openxmlformats.org/officeDocument/2006/relationships">
+  <p:cSld>
+    <p:spTree>
+      <p:nvGrpSpPr>
+        <p:cNvPr id="1" name=""/>
+        <p:cNvGrpSpPr/>
+        <p:nvPr/>
+      </p:nvGrpSpPr>
+      <p:grpSpPr/>
+      <p:sp>
+        <p:nvSpPr>
+          <p:cNvPr id="2" name="TextBox 1"/>
+          <p:cNvSpPr txBox="1"/>
+          <p:nvPr/>
+        </p:nvSpPr>
+        <p:spPr>
+          <a:xfrm>
+            <a:off x="457200" y="457200"/>
+            <a:ext cx="8229600" cy="914400"/>
+          </a:xfrm>
+          <a:prstGeom prst="rect">
+            <a:avLst/>
+          </a:prstGeom>
+          <a:noFill/>
+        </p:spPr>
+        <p:txBody>
+          <a:bodyPr wrap="none">
+            <a:spAutoFit/>
+          </a:bodyPr>
+          <a:lstStyle/>
+          <a:p>
+            <a:r>
+              <a:t>Figures from Section 5</a:t>
+            </a:r>
+          </a:p>
+        </p:txBody>
+      </p:sp>
+      <p:pic>
+        <p:nvPicPr>
+          <p:cNvPr id="3" name="Picture 2" descr="Huffman_Coding_theory_page_5_img_1.png"/>
           <p:cNvPicPr>
             <a:picLocks noChangeAspect="1"/>
           </p:cNvPicPr>
@@ -6415,6 +6206,542 @@
 </p:sld>
 </file>
 
+<file path=ppt/slides/slide14.xml><?xml version="1.0" encoding="utf-8"?>
+<p:sld xmlns:a="http://schemas.openxmlformats.org/drawingml/2006/main" xmlns:p="http://schemas.openxmlformats.org/presentationml/2006/main" xmlns:r="http://schemas.openxmlformats.org/officeDocument/2006/relationships">
+  <p:cSld>
+    <p:spTree>
+      <p:nvGrpSpPr>
+        <p:cNvPr id="1" name=""/>
+        <p:cNvGrpSpPr/>
+        <p:nvPr/>
+      </p:nvGrpSpPr>
+      <p:grpSpPr/>
+      <p:sp>
+        <p:nvSpPr>
+          <p:cNvPr id="2" name="Title 1"/>
+          <p:cNvSpPr>
+            <a:spLocks noGrp="1"/>
+          </p:cNvSpPr>
+          <p:nvPr>
+            <p:ph type="title"/>
+          </p:nvPr>
+        </p:nvSpPr>
+        <p:spPr/>
+        <p:txBody>
+          <a:bodyPr/>
+          <a:lstStyle/>
+          <a:p>
+            <a:r>
+              <a:t>Encoding and Decoding Example &amp; Code Implementation Overview</a:t>
+            </a:r>
+          </a:p>
+        </p:txBody>
+      </p:sp>
+      <p:sp>
+        <p:nvSpPr>
+          <p:cNvPr id="3" name="Content Placeholder 2"/>
+          <p:cNvSpPr>
+            <a:spLocks noGrp="1"/>
+          </p:cNvSpPr>
+          <p:nvPr>
+            <p:ph idx="1"/>
+          </p:nvPr>
+        </p:nvSpPr>
+        <p:spPr/>
+        <p:txBody>
+          <a:bodyPr/>
+          <a:lstStyle/>
+          <a:p/>
+          <a:p>
+            <a:pPr/>
+            <a:r>
+              <a:t>Illustrate an encoding and decoding example using a sample string and its Huffman tree. Show the original string, frequency table, Huffman tree, generated codes, encoded string, and the decoding process.Briefly show a high-level overview of the code (C/C++ or Python) used to implement the Huffman coding algorithm, highlighting key functions like building the tree, encoding, and decoding.  Focus on the data structures used (min-heap, tree nodes).  Avoid showing extensive code snippets.</a:t>
+            </a:r>
+          </a:p>
+        </p:txBody>
+      </p:sp>
+    </p:spTree>
+  </p:cSld>
+  <p:clrMapOvr>
+    <a:masterClrMapping/>
+  </p:clrMapOvr>
+</p:sld>
+</file>
+
+<file path=ppt/slides/slide15.xml><?xml version="1.0" encoding="utf-8"?>
+<p:sld xmlns:a="http://schemas.openxmlformats.org/drawingml/2006/main" xmlns:p="http://schemas.openxmlformats.org/presentationml/2006/main" xmlns:r="http://schemas.openxmlformats.org/officeDocument/2006/relationships">
+  <p:cSld>
+    <p:spTree>
+      <p:nvGrpSpPr>
+        <p:cNvPr id="1" name=""/>
+        <p:cNvGrpSpPr/>
+        <p:nvPr/>
+      </p:nvGrpSpPr>
+      <p:grpSpPr/>
+      <p:sp>
+        <p:nvSpPr>
+          <p:cNvPr id="2" name="Title 1"/>
+          <p:cNvSpPr>
+            <a:spLocks noGrp="1"/>
+          </p:cNvSpPr>
+          <p:nvPr>
+            <p:ph type="title"/>
+          </p:nvPr>
+        </p:nvSpPr>
+        <p:spPr/>
+        <p:txBody>
+          <a:bodyPr/>
+          <a:lstStyle/>
+          <a:p>
+            <a:r>
+              <a:t>Conclusion: Efficiency and Applications of Huffman Coding</a:t>
+            </a:r>
+          </a:p>
+        </p:txBody>
+      </p:sp>
+      <p:sp>
+        <p:nvSpPr>
+          <p:cNvPr id="3" name="Content Placeholder 2"/>
+          <p:cNvSpPr>
+            <a:spLocks noGrp="1"/>
+          </p:cNvSpPr>
+          <p:nvPr>
+            <p:ph idx="1"/>
+          </p:nvPr>
+        </p:nvSpPr>
+        <p:spPr/>
+        <p:txBody>
+          <a:bodyPr/>
+          <a:lstStyle/>
+          <a:p/>
+          <a:p>
+            <a:pPr/>
+            <a:r>
+              <a:t>Huffman coding provides a highly efficient way to compress data, especially for text and other data with frequently occurring symbols.The compression ratio depends on the distribution of character frequencies in the input data.It's a lossless compression method; no information is lost during compression or decompression.Huffman coding is widely applied in various fields, including data compression utilities, image and audio compression, and network communication.While it's not the most advanced compression algorithm, it provides a solid foundation for understanding more sophisticated techniques.  It's often used as a building block in more complex compression methods.</a:t>
+            </a:r>
+          </a:p>
+        </p:txBody>
+      </p:sp>
+    </p:spTree>
+  </p:cSld>
+  <p:clrMapOvr>
+    <a:masterClrMapping/>
+  </p:clrMapOvr>
+</p:sld>
+</file>
+
+<file path=ppt/slides/slide2.xml><?xml version="1.0" encoding="utf-8"?>
+<p:sld xmlns:a="http://schemas.openxmlformats.org/drawingml/2006/main" xmlns:p="http://schemas.openxmlformats.org/presentationml/2006/main" xmlns:r="http://schemas.openxmlformats.org/officeDocument/2006/relationships">
+  <p:cSld>
+    <p:spTree>
+      <p:nvGrpSpPr>
+        <p:cNvPr id="1" name=""/>
+        <p:cNvGrpSpPr/>
+        <p:nvPr/>
+      </p:nvGrpSpPr>
+      <p:grpSpPr/>
+      <p:sp>
+        <p:nvSpPr>
+          <p:cNvPr id="2" name="Title 1"/>
+          <p:cNvSpPr>
+            <a:spLocks noGrp="1"/>
+          </p:cNvSpPr>
+          <p:nvPr>
+            <p:ph type="title"/>
+          </p:nvPr>
+        </p:nvSpPr>
+        <p:spPr/>
+        <p:txBody>
+          <a:bodyPr/>
+          <a:lstStyle/>
+          <a:p>
+            <a:r>
+              <a:t>Huffman Coding: Data Compression Through Efficient Encoding</a:t>
+            </a:r>
+          </a:p>
+        </p:txBody>
+      </p:sp>
+      <p:sp>
+        <p:nvSpPr>
+          <p:cNvPr id="3" name="Content Placeholder 2"/>
+          <p:cNvSpPr>
+            <a:spLocks noGrp="1"/>
+          </p:cNvSpPr>
+          <p:nvPr>
+            <p:ph idx="1"/>
+          </p:nvPr>
+        </p:nvSpPr>
+        <p:spPr/>
+        <p:txBody>
+          <a:bodyPr/>
+          <a:lstStyle/>
+          <a:p/>
+          <a:p>
+            <a:pPr/>
+            <a:r>
+              <a:t>Created by: guppi</a:t>
+            </a:r>
+          </a:p>
+        </p:txBody>
+      </p:sp>
+    </p:spTree>
+  </p:cSld>
+  <p:clrMapOvr>
+    <a:masterClrMapping/>
+  </p:clrMapOvr>
+</p:sld>
+</file>
+
+<file path=ppt/slides/slide3.xml><?xml version="1.0" encoding="utf-8"?>
+<p:sld xmlns:a="http://schemas.openxmlformats.org/drawingml/2006/main" xmlns:p="http://schemas.openxmlformats.org/presentationml/2006/main" xmlns:r="http://schemas.openxmlformats.org/officeDocument/2006/relationships">
+  <p:cSld>
+    <p:spTree>
+      <p:nvGrpSpPr>
+        <p:cNvPr id="1" name=""/>
+        <p:cNvGrpSpPr/>
+        <p:nvPr/>
+      </p:nvGrpSpPr>
+      <p:grpSpPr/>
+      <p:sp>
+        <p:nvSpPr>
+          <p:cNvPr id="2" name="Title 1"/>
+          <p:cNvSpPr>
+            <a:spLocks noGrp="1"/>
+          </p:cNvSpPr>
+          <p:nvPr>
+            <p:ph type="title"/>
+          </p:nvPr>
+        </p:nvSpPr>
+        <p:spPr/>
+        <p:txBody>
+          <a:bodyPr/>
+          <a:lstStyle/>
+          <a:p>
+            <a:r>
+              <a:t>Index</a:t>
+            </a:r>
+          </a:p>
+        </p:txBody>
+      </p:sp>
+      <p:sp>
+        <p:nvSpPr>
+          <p:cNvPr id="3" name="Content Placeholder 2"/>
+          <p:cNvSpPr>
+            <a:spLocks noGrp="1"/>
+          </p:cNvSpPr>
+          <p:nvPr>
+            <p:ph idx="1"/>
+          </p:nvPr>
+        </p:nvSpPr>
+        <p:spPr/>
+        <p:txBody>
+          <a:bodyPr/>
+          <a:lstStyle/>
+          <a:p/>
+          <a:p>
+            <a:pPr/>
+            <a:r>
+              <a:t>1.Introduction to Huffman Coding2.How Huffman Coding Works: An Example3.Building the Huffman Tree4.Huffman Coding Algorithm: A Step-by-Step Guide5.Prefix Codes and Ambiguity Prevention6.Encoding and Decoding Example &amp; Code Implementation Overview7.Conclusion: Efficiency and Applications of Huffman CodingConclusion</a:t>
+            </a:r>
+          </a:p>
+        </p:txBody>
+      </p:sp>
+    </p:spTree>
+  </p:cSld>
+  <p:clrMapOvr>
+    <a:masterClrMapping/>
+  </p:clrMapOvr>
+</p:sld>
+</file>
+
+<file path=ppt/slides/slide4.xml><?xml version="1.0" encoding="utf-8"?>
+<p:sld xmlns:a="http://schemas.openxmlformats.org/drawingml/2006/main" xmlns:p="http://schemas.openxmlformats.org/presentationml/2006/main" xmlns:r="http://schemas.openxmlformats.org/officeDocument/2006/relationships">
+  <p:cSld>
+    <p:spTree>
+      <p:nvGrpSpPr>
+        <p:cNvPr id="1" name=""/>
+        <p:cNvGrpSpPr/>
+        <p:nvPr/>
+      </p:nvGrpSpPr>
+      <p:grpSpPr/>
+      <p:sp>
+        <p:nvSpPr>
+          <p:cNvPr id="2" name="Title 1"/>
+          <p:cNvSpPr>
+            <a:spLocks noGrp="1"/>
+          </p:cNvSpPr>
+          <p:nvPr>
+            <p:ph type="title"/>
+          </p:nvPr>
+        </p:nvSpPr>
+        <p:spPr/>
+        <p:txBody>
+          <a:bodyPr/>
+          <a:lstStyle/>
+          <a:p>
+            <a:r>
+              <a:t>Introduction to Huffman Coding</a:t>
+            </a:r>
+          </a:p>
+        </p:txBody>
+      </p:sp>
+      <p:sp>
+        <p:nvSpPr>
+          <p:cNvPr id="3" name="Content Placeholder 2"/>
+          <p:cNvSpPr>
+            <a:spLocks noGrp="1"/>
+          </p:cNvSpPr>
+          <p:nvPr>
+            <p:ph idx="1"/>
+          </p:nvPr>
+        </p:nvSpPr>
+        <p:spPr/>
+        <p:txBody>
+          <a:bodyPr/>
+          <a:lstStyle/>
+          <a:p/>
+          <a:p>
+            <a:pPr/>
+            <a:r>
+              <a:t>Huffman coding is a lossless data compression algorithm that reduces file size by assigning shorter codes to more frequent characters.It was developed by David A. Huffman and published in 1952.The algorithm is based on the frequency of characters in the input data.  More frequent characters receive shorter codes, and less frequent characters receive longer codes.This variable-length coding scheme leads to significant compression, especially for text with repetitive characters.Huffman coding is widely used in various applications, including data archiving, file compression (e.g., .zip, .rar), and fax transmission.It forms the basis for many more advanced compression techniques.Unlike fixed-length coding (e.g., ASCII), Huffman coding dynamically adjusts code lengths based on character frequency.</a:t>
+            </a:r>
+          </a:p>
+        </p:txBody>
+      </p:sp>
+    </p:spTree>
+  </p:cSld>
+  <p:clrMapOvr>
+    <a:masterClrMapping/>
+  </p:clrMapOvr>
+</p:sld>
+</file>
+
+<file path=ppt/slides/slide5.xml><?xml version="1.0" encoding="utf-8"?>
+<p:sld xmlns:a="http://schemas.openxmlformats.org/drawingml/2006/main" xmlns:p="http://schemas.openxmlformats.org/presentationml/2006/main" xmlns:r="http://schemas.openxmlformats.org/officeDocument/2006/relationships">
+  <p:cSld>
+    <p:spTree>
+      <p:nvGrpSpPr>
+        <p:cNvPr id="1" name=""/>
+        <p:cNvGrpSpPr/>
+        <p:nvPr/>
+      </p:nvGrpSpPr>
+      <p:grpSpPr/>
+      <p:sp>
+        <p:nvSpPr>
+          <p:cNvPr id="2" name="TextBox 1"/>
+          <p:cNvSpPr txBox="1"/>
+          <p:nvPr/>
+        </p:nvSpPr>
+        <p:spPr>
+          <a:xfrm>
+            <a:off x="457200" y="457200"/>
+            <a:ext cx="8229600" cy="914400"/>
+          </a:xfrm>
+          <a:prstGeom prst="rect">
+            <a:avLst/>
+          </a:prstGeom>
+          <a:noFill/>
+        </p:spPr>
+        <p:txBody>
+          <a:bodyPr wrap="none">
+            <a:spAutoFit/>
+          </a:bodyPr>
+          <a:lstStyle/>
+          <a:p>
+            <a:r>
+              <a:t>Figures from Section 1</a:t>
+            </a:r>
+          </a:p>
+        </p:txBody>
+      </p:sp>
+      <p:pic>
+        <p:nvPicPr>
+          <p:cNvPr id="3" name="Picture 2" descr="Huffman_Coding_theory_page_1_img_1.png"/>
+          <p:cNvPicPr>
+            <a:picLocks noChangeAspect="1"/>
+          </p:cNvPicPr>
+          <p:nvPr/>
+        </p:nvPicPr>
+        <p:blipFill>
+          <a:blip r:embed="rId2"/>
+          <a:stretch>
+            <a:fillRect/>
+          </a:stretch>
+        </p:blipFill>
+        <p:spPr>
+          <a:xfrm>
+            <a:off x="914400" y="1371600"/>
+            <a:ext cx="7315200" cy="5029200"/>
+          </a:xfrm>
+          <a:prstGeom prst="rect">
+            <a:avLst/>
+          </a:prstGeom>
+        </p:spPr>
+      </p:pic>
+    </p:spTree>
+  </p:cSld>
+  <p:clrMapOvr>
+    <a:masterClrMapping/>
+  </p:clrMapOvr>
+</p:sld>
+</file>
+
+<file path=ppt/slides/slide6.xml><?xml version="1.0" encoding="utf-8"?>
+<p:sld xmlns:a="http://schemas.openxmlformats.org/drawingml/2006/main" xmlns:p="http://schemas.openxmlformats.org/presentationml/2006/main" xmlns:r="http://schemas.openxmlformats.org/officeDocument/2006/relationships">
+  <p:cSld>
+    <p:spTree>
+      <p:nvGrpSpPr>
+        <p:cNvPr id="1" name=""/>
+        <p:cNvGrpSpPr/>
+        <p:nvPr/>
+      </p:nvGrpSpPr>
+      <p:grpSpPr/>
+      <p:sp>
+        <p:nvSpPr>
+          <p:cNvPr id="2" name="Title 1"/>
+          <p:cNvSpPr>
+            <a:spLocks noGrp="1"/>
+          </p:cNvSpPr>
+          <p:nvPr>
+            <p:ph type="title"/>
+          </p:nvPr>
+        </p:nvSpPr>
+        <p:spPr/>
+        <p:txBody>
+          <a:bodyPr/>
+          <a:lstStyle/>
+          <a:p>
+            <a:r>
+              <a:t>How Huffman Coding Works: An Example</a:t>
+            </a:r>
+          </a:p>
+        </p:txBody>
+      </p:sp>
+      <p:sp>
+        <p:nvSpPr>
+          <p:cNvPr id="3" name="Content Placeholder 2"/>
+          <p:cNvSpPr>
+            <a:spLocks noGrp="1"/>
+          </p:cNvSpPr>
+          <p:nvPr>
+            <p:ph idx="1"/>
+          </p:nvPr>
+        </p:nvSpPr>
+        <p:spPr/>
+        <p:txBody>
+          <a:bodyPr/>
+          <a:lstStyle/>
+          <a:p/>
+          <a:p>
+            <a:pPr/>
+            <a:r>
+              <a:t>Consider a string: Huffman coding aims to represent this string using fewer bits.We first count the frequency of each character: A (5), B (2), C (3), D (2).The algorithm then constructs a binary tree based on these frequencies, assigning shorter codes to more frequent characters.The final encoded string will be significantly shorter than the original 120 bits.</a:t>
+            </a:r>
+          </a:p>
+        </p:txBody>
+      </p:sp>
+    </p:spTree>
+  </p:cSld>
+  <p:clrMapOvr>
+    <a:masterClrMapping/>
+  </p:clrMapOvr>
+</p:sld>
+</file>
+
+<file path=ppt/slides/slide7.xml><?xml version="1.0" encoding="utf-8"?>
+<p:sld xmlns:a="http://schemas.openxmlformats.org/drawingml/2006/main" xmlns:p="http://schemas.openxmlformats.org/presentationml/2006/main" xmlns:r="http://schemas.openxmlformats.org/officeDocument/2006/relationships">
+  <p:cSld>
+    <p:spTree>
+      <p:nvGrpSpPr>
+        <p:cNvPr id="1" name=""/>
+        <p:cNvGrpSpPr/>
+        <p:nvPr/>
+      </p:nvGrpSpPr>
+      <p:grpSpPr/>
+      <p:sp>
+        <p:nvSpPr>
+          <p:cNvPr id="2" name="TextBox 1"/>
+          <p:cNvSpPr txBox="1"/>
+          <p:nvPr/>
+        </p:nvSpPr>
+        <p:spPr>
+          <a:xfrm>
+            <a:off x="457200" y="457200"/>
+            <a:ext cx="8229600" cy="914400"/>
+          </a:xfrm>
+          <a:prstGeom prst="rect">
+            <a:avLst/>
+          </a:prstGeom>
+          <a:noFill/>
+        </p:spPr>
+        <p:txBody>
+          <a:bodyPr wrap="none">
+            <a:spAutoFit/>
+          </a:bodyPr>
+          <a:lstStyle/>
+          <a:p>
+            <a:r>
+              <a:t>Figures from Section 2</a:t>
+            </a:r>
+          </a:p>
+        </p:txBody>
+      </p:sp>
+      <p:pic>
+        <p:nvPicPr>
+          <p:cNvPr id="3" name="Picture 2" descr="Huffman_Coding_theory_page_2_img_1.png"/>
+          <p:cNvPicPr>
+            <a:picLocks noChangeAspect="1"/>
+          </p:cNvPicPr>
+          <p:nvPr/>
+        </p:nvPicPr>
+        <p:blipFill>
+          <a:blip r:embed="rId2"/>
+          <a:stretch>
+            <a:fillRect/>
+          </a:stretch>
+        </p:blipFill>
+        <p:spPr>
+          <a:xfrm>
+            <a:off x="457200" y="1371600"/>
+            <a:ext cx="4114800" cy="3200400"/>
+          </a:xfrm>
+          <a:prstGeom prst="rect">
+            <a:avLst/>
+          </a:prstGeom>
+        </p:spPr>
+      </p:pic>
+      <p:pic>
+        <p:nvPicPr>
+          <p:cNvPr id="4" name="Picture 3" descr="Huffman_Coding_theory_page_2_img_2.png"/>
+          <p:cNvPicPr>
+            <a:picLocks noChangeAspect="1"/>
+          </p:cNvPicPr>
+          <p:nvPr/>
+        </p:nvPicPr>
+        <p:blipFill>
+          <a:blip r:embed="rId3"/>
+          <a:stretch>
+            <a:fillRect/>
+          </a:stretch>
+        </p:blipFill>
+        <p:spPr>
+          <a:xfrm>
+            <a:off x="5029200" y="1371600"/>
+            <a:ext cx="4114800" cy="3200400"/>
+          </a:xfrm>
+          <a:prstGeom prst="rect">
+            <a:avLst/>
+          </a:prstGeom>
+        </p:spPr>
+      </p:pic>
+    </p:spTree>
+  </p:cSld>
+  <p:clrMapOvr>
+    <a:masterClrMapping/>
+  </p:clrMapOvr>
+</p:sld>
+</file>
+
 <file path=ppt/slides/slide8.xml><?xml version="1.0" encoding="utf-8"?>
 <p:sld xmlns:a="http://schemas.openxmlformats.org/drawingml/2006/main" xmlns:p="http://schemas.openxmlformats.org/presentationml/2006/main" xmlns:r="http://schemas.openxmlformats.org/officeDocument/2006/relationships">
   <p:cSld>
@@ -6441,7 +6768,7 @@
           <a:lstStyle/>
           <a:p>
             <a:r>
-              <a:t>Types of Conducting Polymers and Doping</a:t>
+              <a:t>Building the Huffman Tree</a:t>
             </a:r>
           </a:p>
         </p:txBody>
@@ -6464,7 +6791,7 @@
           <a:p>
             <a:pPr/>
             <a:r>
-              <a:t>Intrinsically conducting polymers (ICPs) possess delocalized electrons within their backbone or associated groups.Extrinsically conducting polymers gain conductivity through added ingredients: filled polymers (with carbon black or metal oxides) and blended polymers (mixing with conducting polymers).Doping enhances ICP conductivity by introducing charge carriers: p-doping (oxidation) using Lewis acids like iodine or iron chloride, and n-doping (reduction) using Lewis bases like lithium or sodium.P-doping creates positive charges on the polymer backbone, while n-doping creates negative charges.Coordination conducting polymers are charge-transfer complexes formed by combining metal atoms with polydentate ligands.</a:t>
+              <a:t>The process begins by creating a min-heap data structure, containing nodes representing each character and its frequency.Repeatedly, the two nodes with the lowest frequencies are extracted from the heap.A new node is created, its frequency being the sum of the frequencies of the extracted nodes.  The extracted nodes become the left and right children of this new node.This new node is inserted back into the heap.This process continues until only one node remains – the root of the Huffman tree.Each leaf node represents a character, and the path from the root to a leaf node defines the code for that character (0 for left, 1 for right).</a:t>
             </a:r>
           </a:p>
         </p:txBody>
@@ -6510,14 +6837,14 @@
           <a:lstStyle/>
           <a:p>
             <a:r>
-              <a:t>Figures from Section 4</a:t>
+              <a:t>Figures from Section 3</a:t>
             </a:r>
           </a:p>
         </p:txBody>
       </p:sp>
       <p:pic>
         <p:nvPicPr>
-          <p:cNvPr id="3" name="Picture 2" descr="sample2_poly_page_4_img_1.png"/>
+          <p:cNvPr id="3" name="Picture 2" descr="Huffman_Coding_theory_page_3_img_1.png"/>
           <p:cNvPicPr>
             <a:picLocks noChangeAspect="1"/>
           </p:cNvPicPr>
@@ -6531,8 +6858,32 @@
         </p:blipFill>
         <p:spPr>
           <a:xfrm>
-            <a:off x="914400" y="1371600"/>
-            <a:ext cx="7315200" cy="5029200"/>
+            <a:off x="457200" y="1371600"/>
+            <a:ext cx="4114800" cy="3200400"/>
+          </a:xfrm>
+          <a:prstGeom prst="rect">
+            <a:avLst/>
+          </a:prstGeom>
+        </p:spPr>
+      </p:pic>
+      <p:pic>
+        <p:nvPicPr>
+          <p:cNvPr id="4" name="Picture 3" descr="Huffman_Coding_theory_page_3_img_2.png"/>
+          <p:cNvPicPr>
+            <a:picLocks noChangeAspect="1"/>
+          </p:cNvPicPr>
+          <p:nvPr/>
+        </p:nvPicPr>
+        <p:blipFill>
+          <a:blip r:embed="rId3"/>
+          <a:stretch>
+            <a:fillRect/>
+          </a:stretch>
+        </p:blipFill>
+        <p:spPr>
+          <a:xfrm>
+            <a:off x="5029200" y="1371600"/>
+            <a:ext cx="4114800" cy="3200400"/>
           </a:xfrm>
           <a:prstGeom prst="rect">
             <a:avLst/>

--- a/output/generated_presentation.pptx
+++ b/output/generated_presentation.pptx
@@ -2,7 +2,7 @@
 <file path=ppt/presentation.xml><?xml version="1.0" encoding="utf-8"?>
 <p:presentation xmlns:a="http://schemas.openxmlformats.org/drawingml/2006/main" xmlns:r="http://schemas.openxmlformats.org/officeDocument/2006/relationships" xmlns:p="http://schemas.openxmlformats.org/presentationml/2006/main" saveSubsetFonts="1">
   <p:sldMasterIdLst>
-    <p:sldMasterId id="2147483756" r:id="rId1"/>
+    <p:sldMasterId id="2147483741" r:id="rId1"/>
   </p:sldMasterIdLst>
   <p:sldIdLst>
     <p:sldId id="256" r:id="rId2"/>
@@ -16,10 +16,6 @@
     <p:sldId id="264" r:id="rId14"/>
     <p:sldId id="265" r:id="rId15"/>
     <p:sldId id="266" r:id="rId16"/>
-    <p:sldId id="267" r:id="rId17"/>
-    <p:sldId id="268" r:id="rId18"/>
-    <p:sldId id="269" r:id="rId19"/>
-    <p:sldId id="270" r:id="rId20"/>
   </p:sldIdLst>
   <p:sldSz cx="12192000" cy="6858000"/>
   <p:notesSz cx="6858000" cy="9144000"/>
@@ -145,6 +141,110 @@
       </p:grpSpPr>
       <p:sp>
         <p:nvSpPr>
+          <p:cNvPr id="11" name="Freeform 6"/>
+          <p:cNvSpPr/>
+          <p:nvPr/>
+        </p:nvSpPr>
+        <p:spPr bwMode="auto">
+          <a:xfrm>
+            <a:off x="0" y="-3175"/>
+            <a:ext cx="12192000" cy="5203825"/>
+          </a:xfrm>
+          <a:custGeom>
+            <a:avLst/>
+            <a:gdLst/>
+            <a:ahLst/>
+            <a:cxnLst/>
+            <a:rect l="0" t="0" r="r" b="b"/>
+            <a:pathLst>
+              <a:path w="5760" h="3278">
+                <a:moveTo>
+                  <a:pt x="5760" y="0"/>
+                </a:moveTo>
+                <a:lnTo>
+                  <a:pt x="0" y="0"/>
+                </a:lnTo>
+                <a:lnTo>
+                  <a:pt x="0" y="3090"/>
+                </a:lnTo>
+                <a:lnTo>
+                  <a:pt x="943" y="3090"/>
+                </a:lnTo>
+                <a:lnTo>
+                  <a:pt x="1123" y="3270"/>
+                </a:lnTo>
+                <a:lnTo>
+                  <a:pt x="1123" y="3270"/>
+                </a:lnTo>
+                <a:lnTo>
+                  <a:pt x="1127" y="3272"/>
+                </a:lnTo>
+                <a:lnTo>
+                  <a:pt x="1133" y="3275"/>
+                </a:lnTo>
+                <a:lnTo>
+                  <a:pt x="1139" y="3278"/>
+                </a:lnTo>
+                <a:lnTo>
+                  <a:pt x="1144" y="3278"/>
+                </a:lnTo>
+                <a:lnTo>
+                  <a:pt x="1150" y="3278"/>
+                </a:lnTo>
+                <a:lnTo>
+                  <a:pt x="1155" y="3275"/>
+                </a:lnTo>
+                <a:lnTo>
+                  <a:pt x="1161" y="3272"/>
+                </a:lnTo>
+                <a:lnTo>
+                  <a:pt x="1165" y="3270"/>
+                </a:lnTo>
+                <a:lnTo>
+                  <a:pt x="1345" y="3090"/>
+                </a:lnTo>
+                <a:lnTo>
+                  <a:pt x="5760" y="3090"/>
+                </a:lnTo>
+                <a:lnTo>
+                  <a:pt x="5760" y="0"/>
+                </a:lnTo>
+                <a:close/>
+              </a:path>
+            </a:pathLst>
+          </a:custGeom>
+          <a:ln/>
+          <a:effectLst/>
+          <a:extLst>
+            <a:ext uri="{91240B29-F687-4f45-9708-019B960494DF}">
+              <a14:hiddenLine xmlns:a14="http://schemas.microsoft.com/office/drawing/2010/main" xmlns="" w="9525">
+                <a:solidFill>
+                  <a:srgbClr val="000000"/>
+                </a:solidFill>
+                <a:round/>
+                <a:headEnd/>
+                <a:tailEnd/>
+              </a14:hiddenLine>
+            </a:ext>
+          </a:extLst>
+        </p:spPr>
+        <p:style>
+          <a:lnRef idx="1">
+            <a:schemeClr val="accent1"/>
+          </a:lnRef>
+          <a:fillRef idx="3">
+            <a:schemeClr val="accent1"/>
+          </a:fillRef>
+          <a:effectRef idx="2">
+            <a:schemeClr val="accent1"/>
+          </a:effectRef>
+          <a:fontRef idx="minor">
+            <a:schemeClr val="lt1"/>
+          </a:fontRef>
+        </p:style>
+      </p:sp>
+      <p:sp>
+        <p:nvSpPr>
           <p:cNvPr id="2" name="Title 1"/>
           <p:cNvSpPr>
             <a:spLocks noGrp="1"/>
@@ -155,32 +255,15 @@
         </p:nvSpPr>
         <p:spPr>
           <a:xfrm>
-            <a:off x="1751012" y="609601"/>
-            <a:ext cx="8676222" cy="3200400"/>
+            <a:off x="810001" y="1449147"/>
+            <a:ext cx="10572000" cy="2971051"/>
           </a:xfrm>
         </p:spPr>
         <p:txBody>
-          <a:bodyPr anchor="b">
-            <a:normAutofit/>
-          </a:bodyPr>
+          <a:bodyPr/>
           <a:lstStyle>
-            <a:lvl1pPr algn="ctr">
-              <a:defRPr sz="4800">
-                <a:effectLst>
-                  <a:glow rad="38100">
-                    <a:schemeClr val="bg1">
-                      <a:lumMod val="65000"/>
-                      <a:lumOff val="35000"/>
-                      <a:alpha val="50000"/>
-                    </a:schemeClr>
-                  </a:glow>
-                  <a:outerShdw blurRad="28575" dist="31750" dir="13200000" algn="tl" rotWithShape="0">
-                    <a:srgbClr val="000000">
-                      <a:alpha val="25000"/>
-                    </a:srgbClr>
-                  </a:outerShdw>
-                </a:effectLst>
-              </a:defRPr>
+            <a:lvl1pPr>
+              <a:defRPr sz="5400"/>
             </a:lvl1pPr>
           </a:lstStyle>
           <a:p>
@@ -204,32 +287,19 @@
         </p:nvSpPr>
         <p:spPr>
           <a:xfrm>
-            <a:off x="1751012" y="3886200"/>
-            <a:ext cx="8676222" cy="1905000"/>
+            <a:off x="810001" y="5280847"/>
+            <a:ext cx="10572000" cy="434974"/>
           </a:xfrm>
         </p:spPr>
         <p:txBody>
-          <a:bodyPr anchor="t">
-            <a:normAutofit/>
-          </a:bodyPr>
+          <a:bodyPr anchor="t"/>
           <a:lstStyle>
-            <a:lvl1pPr marL="0" indent="0" algn="ctr">
-              <a:buNone/>
-              <a:defRPr sz="2100">
-                <a:gradFill flip="none" rotWithShape="1">
-                  <a:gsLst>
-                    <a:gs pos="0">
-                      <a:schemeClr val="tx1"/>
-                    </a:gs>
-                    <a:gs pos="100000">
-                      <a:schemeClr val="tx1">
-                        <a:lumMod val="75000"/>
-                      </a:schemeClr>
-                    </a:gs>
-                  </a:gsLst>
-                  <a:lin ang="5400000" scaled="0"/>
-                  <a:tileRect/>
-                </a:gradFill>
+            <a:lvl1pPr marL="0" indent="0" algn="l">
+              <a:buNone/>
+              <a:defRPr>
+                <a:solidFill>
+                  <a:schemeClr val="tx1"/>
+                </a:solidFill>
               </a:defRPr>
             </a:lvl1pPr>
             <a:lvl2pPr marL="457200" indent="0" algn="ctr">
@@ -390,7 +460,7 @@
     </p:spTree>
     <p:extLst>
       <p:ext uri="{BB962C8B-B14F-4D97-AF65-F5344CB8AC3E}">
-        <p14:creationId xmlns:p14="http://schemas.microsoft.com/office/powerpoint/2010/main" val="1355845252"/>
+        <p14:creationId xmlns:p14="http://schemas.microsoft.com/office/powerpoint/2010/main" val="2539989243"/>
       </p:ext>
     </p:extLst>
   </p:cSld>
@@ -429,8 +499,8 @@
         </p:nvSpPr>
         <p:spPr>
           <a:xfrm>
-            <a:off x="1141413" y="4732865"/>
-            <a:ext cx="9906000" cy="566738"/>
+            <a:off x="810000" y="4800600"/>
+            <a:ext cx="10561418" cy="566738"/>
           </a:xfrm>
         </p:spPr>
         <p:txBody>
@@ -453,89 +523,116 @@
       </p:sp>
       <p:sp>
         <p:nvSpPr>
-          <p:cNvPr id="3" name="Picture Placeholder 2"/>
+          <p:cNvPr id="15" name="Picture Placeholder 14"/>
           <p:cNvSpPr>
             <a:spLocks noGrp="1" noChangeAspect="1"/>
           </p:cNvSpPr>
           <p:nvPr>
-            <p:ph type="pic" idx="1"/>
-          </p:nvPr>
-        </p:nvSpPr>
-        <p:spPr>
+            <p:ph type="pic" sz="quarter" idx="13"/>
+          </p:nvPr>
+        </p:nvSpPr>
+        <p:spPr bwMode="auto">
           <a:xfrm>
-            <a:off x="1979612" y="932112"/>
-            <a:ext cx="8225944" cy="3164976"/>
+            <a:off x="0" y="0"/>
+            <a:ext cx="12192000" cy="4800600"/>
           </a:xfrm>
-          <a:prstGeom prst="roundRect">
-            <a:avLst>
-              <a:gd name="adj" fmla="val 4380"/>
-            </a:avLst>
-          </a:prstGeom>
-          <a:ln w="38100">
-            <a:gradFill flip="none" rotWithShape="1">
-              <a:gsLst>
-                <a:gs pos="0">
-                  <a:schemeClr val="bg2"/>
-                </a:gs>
-                <a:gs pos="100000">
-                  <a:schemeClr val="bg2">
-                    <a:lumMod val="75000"/>
-                  </a:schemeClr>
-                </a:gs>
-              </a:gsLst>
-              <a:lin ang="5400000" scaled="0"/>
-              <a:tileRect/>
-            </a:gradFill>
+          <a:custGeom>
+            <a:avLst/>
+            <a:gdLst/>
+            <a:ahLst/>
+            <a:cxnLst/>
+            <a:rect l="0" t="0" r="r" b="b"/>
+            <a:pathLst>
+              <a:path w="5760" h="3289">
+                <a:moveTo>
+                  <a:pt x="5760" y="0"/>
+                </a:moveTo>
+                <a:lnTo>
+                  <a:pt x="0" y="0"/>
+                </a:lnTo>
+                <a:lnTo>
+                  <a:pt x="0" y="3100"/>
+                </a:lnTo>
+                <a:lnTo>
+                  <a:pt x="943" y="3100"/>
+                </a:lnTo>
+                <a:lnTo>
+                  <a:pt x="1123" y="3281"/>
+                </a:lnTo>
+                <a:lnTo>
+                  <a:pt x="1123" y="3281"/>
+                </a:lnTo>
+                <a:lnTo>
+                  <a:pt x="1127" y="3283"/>
+                </a:lnTo>
+                <a:lnTo>
+                  <a:pt x="1133" y="3286"/>
+                </a:lnTo>
+                <a:lnTo>
+                  <a:pt x="1139" y="3289"/>
+                </a:lnTo>
+                <a:lnTo>
+                  <a:pt x="1144" y="3289"/>
+                </a:lnTo>
+                <a:lnTo>
+                  <a:pt x="1150" y="3289"/>
+                </a:lnTo>
+                <a:lnTo>
+                  <a:pt x="1155" y="3286"/>
+                </a:lnTo>
+                <a:lnTo>
+                  <a:pt x="1161" y="3283"/>
+                </a:lnTo>
+                <a:lnTo>
+                  <a:pt x="1165" y="3281"/>
+                </a:lnTo>
+                <a:lnTo>
+                  <a:pt x="1345" y="3100"/>
+                </a:lnTo>
+                <a:lnTo>
+                  <a:pt x="5760" y="3100"/>
+                </a:lnTo>
+                <a:lnTo>
+                  <a:pt x="5760" y="0"/>
+                </a:lnTo>
+                <a:close/>
+              </a:path>
+            </a:pathLst>
+          </a:custGeom>
+          <a:noFill/>
+          <a:ln>
+            <a:solidFill>
+              <a:schemeClr val="tx2"/>
+            </a:solidFill>
           </a:ln>
-          <a:effectLst>
-            <a:innerShdw blurRad="57150" dist="38100" dir="14460000">
-              <a:srgbClr val="000000">
-                <a:alpha val="70000"/>
-              </a:srgbClr>
-            </a:innerShdw>
-          </a:effectLst>
         </p:spPr>
-        <p:txBody>
-          <a:bodyPr anchor="t">
+        <p:style>
+          <a:lnRef idx="1">
+            <a:schemeClr val="accent1"/>
+          </a:lnRef>
+          <a:fillRef idx="3">
+            <a:schemeClr val="accent1"/>
+          </a:fillRef>
+          <a:effectRef idx="2">
+            <a:schemeClr val="accent1"/>
+          </a:effectRef>
+          <a:fontRef idx="minor">
+            <a:schemeClr val="lt1"/>
+          </a:fontRef>
+        </p:style>
+        <p:txBody>
+          <a:bodyPr wrap="square" numCol="1" anchor="t" anchorCtr="0" compatLnSpc="1">
+            <a:prstTxWarp prst="textNoShape">
+              <a:avLst/>
+            </a:prstTxWarp>
             <a:normAutofit/>
           </a:bodyPr>
           <a:lstStyle>
             <a:lvl1pPr marL="0" indent="0" algn="ctr">
+              <a:buFontTx/>
               <a:buNone/>
               <a:defRPr sz="1600"/>
             </a:lvl1pPr>
-            <a:lvl2pPr marL="457200" indent="0">
-              <a:buNone/>
-              <a:defRPr sz="1600"/>
-            </a:lvl2pPr>
-            <a:lvl3pPr marL="914400" indent="0">
-              <a:buNone/>
-              <a:defRPr sz="1600"/>
-            </a:lvl3pPr>
-            <a:lvl4pPr marL="1371600" indent="0">
-              <a:buNone/>
-              <a:defRPr sz="1600"/>
-            </a:lvl4pPr>
-            <a:lvl5pPr marL="1828800" indent="0">
-              <a:buNone/>
-              <a:defRPr sz="1600"/>
-            </a:lvl5pPr>
-            <a:lvl6pPr marL="2286000" indent="0">
-              <a:buNone/>
-              <a:defRPr sz="1600"/>
-            </a:lvl6pPr>
-            <a:lvl7pPr marL="2743200" indent="0">
-              <a:buNone/>
-              <a:defRPr sz="1600"/>
-            </a:lvl7pPr>
-            <a:lvl8pPr marL="3200400" indent="0">
-              <a:buNone/>
-              <a:defRPr sz="1600"/>
-            </a:lvl8pPr>
-            <a:lvl9pPr marL="3657600" indent="0">
-              <a:buNone/>
-              <a:defRPr sz="1600"/>
-            </a:lvl9pPr>
           </a:lstStyle>
           <a:p>
             <a:r>
@@ -558,8 +655,8 @@
         </p:nvSpPr>
         <p:spPr>
           <a:xfrm>
-            <a:off x="1141413" y="5299603"/>
-            <a:ext cx="9906000" cy="493712"/>
+            <a:off x="810000" y="5367338"/>
+            <a:ext cx="10561418" cy="493712"/>
           </a:xfrm>
         </p:spPr>
         <p:txBody>
@@ -569,7 +666,7 @@
           <a:lstStyle>
             <a:lvl1pPr marL="0" indent="0">
               <a:buNone/>
-              <a:defRPr sz="1400"/>
+              <a:defRPr sz="1200"/>
             </a:lvl1pPr>
             <a:lvl2pPr marL="457200" indent="0">
               <a:buNone/>
@@ -681,7 +778,7 @@
     </p:spTree>
     <p:extLst>
       <p:ext uri="{BB962C8B-B14F-4D97-AF65-F5344CB8AC3E}">
-        <p14:creationId xmlns:p14="http://schemas.microsoft.com/office/powerpoint/2010/main" val="2693340215"/>
+        <p14:creationId xmlns:p14="http://schemas.microsoft.com/office/powerpoint/2010/main" val="2815518654"/>
       </p:ext>
     </p:extLst>
   </p:cSld>
@@ -692,265 +789,6 @@
 </file>
 
 <file path=ppt/slideLayouts/slideLayout11.xml><?xml version="1.0" encoding="utf-8"?>
-<p:sldLayout xmlns:a="http://schemas.openxmlformats.org/drawingml/2006/main" xmlns:r="http://schemas.openxmlformats.org/officeDocument/2006/relationships" xmlns:p="http://schemas.openxmlformats.org/presentationml/2006/main" preserve="1">
-  <p:cSld name="Title and Caption">
-    <p:spTree>
-      <p:nvGrpSpPr>
-        <p:cNvPr id="1" name=""/>
-        <p:cNvGrpSpPr/>
-        <p:nvPr/>
-      </p:nvGrpSpPr>
-      <p:grpSpPr>
-        <a:xfrm>
-          <a:off x="0" y="0"/>
-          <a:ext cx="0" cy="0"/>
-          <a:chOff x="0" y="0"/>
-          <a:chExt cx="0" cy="0"/>
-        </a:xfrm>
-      </p:grpSpPr>
-      <p:sp>
-        <p:nvSpPr>
-          <p:cNvPr id="2" name="Title 1"/>
-          <p:cNvSpPr>
-            <a:spLocks noGrp="1"/>
-          </p:cNvSpPr>
-          <p:nvPr>
-            <p:ph type="title"/>
-          </p:nvPr>
-        </p:nvSpPr>
-        <p:spPr>
-          <a:xfrm>
-            <a:off x="1141412" y="609601"/>
-            <a:ext cx="9905999" cy="3124199"/>
-          </a:xfrm>
-        </p:spPr>
-        <p:txBody>
-          <a:bodyPr anchor="ctr">
-            <a:normAutofit/>
-          </a:bodyPr>
-          <a:lstStyle>
-            <a:lvl1pPr algn="l">
-              <a:defRPr sz="3200" b="0" cap="all"/>
-            </a:lvl1pPr>
-          </a:lstStyle>
-          <a:p>
-            <a:r>
-              <a:rPr lang="en-US"/>
-              <a:t>Click to edit Master title style</a:t>
-            </a:r>
-            <a:endParaRPr lang="en-US" dirty="0"/>
-          </a:p>
-        </p:txBody>
-      </p:sp>
-      <p:sp>
-        <p:nvSpPr>
-          <p:cNvPr id="3" name="Text Placeholder 2"/>
-          <p:cNvSpPr>
-            <a:spLocks noGrp="1"/>
-          </p:cNvSpPr>
-          <p:nvPr>
-            <p:ph type="body" idx="1"/>
-          </p:nvPr>
-        </p:nvSpPr>
-        <p:spPr>
-          <a:xfrm>
-            <a:off x="1141411" y="4343400"/>
-            <a:ext cx="9906000" cy="1447800"/>
-          </a:xfrm>
-        </p:spPr>
-        <p:txBody>
-          <a:bodyPr anchor="ctr">
-            <a:normAutofit/>
-          </a:bodyPr>
-          <a:lstStyle>
-            <a:lvl1pPr marL="0" indent="0" algn="l">
-              <a:buNone/>
-              <a:defRPr sz="2000">
-                <a:gradFill flip="none" rotWithShape="1">
-                  <a:gsLst>
-                    <a:gs pos="0">
-                      <a:schemeClr val="tx1"/>
-                    </a:gs>
-                    <a:gs pos="100000">
-                      <a:schemeClr val="tx1">
-                        <a:lumMod val="75000"/>
-                      </a:schemeClr>
-                    </a:gs>
-                  </a:gsLst>
-                  <a:lin ang="5400000" scaled="0"/>
-                  <a:tileRect/>
-                </a:gradFill>
-              </a:defRPr>
-            </a:lvl1pPr>
-            <a:lvl2pPr marL="457200" indent="0">
-              <a:buNone/>
-              <a:defRPr sz="1800">
-                <a:solidFill>
-                  <a:schemeClr val="tx1">
-                    <a:tint val="75000"/>
-                  </a:schemeClr>
-                </a:solidFill>
-              </a:defRPr>
-            </a:lvl2pPr>
-            <a:lvl3pPr marL="914400" indent="0">
-              <a:buNone/>
-              <a:defRPr sz="1600">
-                <a:solidFill>
-                  <a:schemeClr val="tx1">
-                    <a:tint val="75000"/>
-                  </a:schemeClr>
-                </a:solidFill>
-              </a:defRPr>
-            </a:lvl3pPr>
-            <a:lvl4pPr marL="1371600" indent="0">
-              <a:buNone/>
-              <a:defRPr sz="1400">
-                <a:solidFill>
-                  <a:schemeClr val="tx1">
-                    <a:tint val="75000"/>
-                  </a:schemeClr>
-                </a:solidFill>
-              </a:defRPr>
-            </a:lvl4pPr>
-            <a:lvl5pPr marL="1828800" indent="0">
-              <a:buNone/>
-              <a:defRPr sz="1400">
-                <a:solidFill>
-                  <a:schemeClr val="tx1">
-                    <a:tint val="75000"/>
-                  </a:schemeClr>
-                </a:solidFill>
-              </a:defRPr>
-            </a:lvl5pPr>
-            <a:lvl6pPr marL="2286000" indent="0">
-              <a:buNone/>
-              <a:defRPr sz="1400">
-                <a:solidFill>
-                  <a:schemeClr val="tx1">
-                    <a:tint val="75000"/>
-                  </a:schemeClr>
-                </a:solidFill>
-              </a:defRPr>
-            </a:lvl6pPr>
-            <a:lvl7pPr marL="2743200" indent="0">
-              <a:buNone/>
-              <a:defRPr sz="1400">
-                <a:solidFill>
-                  <a:schemeClr val="tx1">
-                    <a:tint val="75000"/>
-                  </a:schemeClr>
-                </a:solidFill>
-              </a:defRPr>
-            </a:lvl7pPr>
-            <a:lvl8pPr marL="3200400" indent="0">
-              <a:buNone/>
-              <a:defRPr sz="1400">
-                <a:solidFill>
-                  <a:schemeClr val="tx1">
-                    <a:tint val="75000"/>
-                  </a:schemeClr>
-                </a:solidFill>
-              </a:defRPr>
-            </a:lvl8pPr>
-            <a:lvl9pPr marL="3657600" indent="0">
-              <a:buNone/>
-              <a:defRPr sz="1400">
-                <a:solidFill>
-                  <a:schemeClr val="tx1">
-                    <a:tint val="75000"/>
-                  </a:schemeClr>
-                </a:solidFill>
-              </a:defRPr>
-            </a:lvl9pPr>
-          </a:lstStyle>
-          <a:p>
-            <a:pPr lvl="0"/>
-            <a:r>
-              <a:rPr lang="en-US"/>
-              <a:t>Click to edit Master text styles</a:t>
-            </a:r>
-          </a:p>
-        </p:txBody>
-      </p:sp>
-      <p:sp>
-        <p:nvSpPr>
-          <p:cNvPr id="4" name="Date Placeholder 3"/>
-          <p:cNvSpPr>
-            <a:spLocks noGrp="1"/>
-          </p:cNvSpPr>
-          <p:nvPr>
-            <p:ph type="dt" sz="half" idx="10"/>
-          </p:nvPr>
-        </p:nvSpPr>
-        <p:spPr/>
-        <p:txBody>
-          <a:bodyPr/>
-          <a:lstStyle/>
-          <a:p>
-            <a:fld id="{874FFE33-465F-4E9E-89CE-5F79E84B8B4B}" type="datetimeFigureOut">
-              <a:rPr lang="en-IN" smtClean="0"/>
-              <a:t>28-02-2025</a:t>
-            </a:fld>
-            <a:endParaRPr lang="en-IN"/>
-          </a:p>
-        </p:txBody>
-      </p:sp>
-      <p:sp>
-        <p:nvSpPr>
-          <p:cNvPr id="5" name="Footer Placeholder 4"/>
-          <p:cNvSpPr>
-            <a:spLocks noGrp="1"/>
-          </p:cNvSpPr>
-          <p:nvPr>
-            <p:ph type="ftr" sz="quarter" idx="11"/>
-          </p:nvPr>
-        </p:nvSpPr>
-        <p:spPr/>
-        <p:txBody>
-          <a:bodyPr/>
-          <a:lstStyle/>
-          <a:p>
-            <a:endParaRPr lang="en-IN"/>
-          </a:p>
-        </p:txBody>
-      </p:sp>
-      <p:sp>
-        <p:nvSpPr>
-          <p:cNvPr id="6" name="Slide Number Placeholder 5"/>
-          <p:cNvSpPr>
-            <a:spLocks noGrp="1"/>
-          </p:cNvSpPr>
-          <p:nvPr>
-            <p:ph type="sldNum" sz="quarter" idx="12"/>
-          </p:nvPr>
-        </p:nvSpPr>
-        <p:spPr/>
-        <p:txBody>
-          <a:bodyPr/>
-          <a:lstStyle/>
-          <a:p>
-            <a:fld id="{54BE194E-5C1C-4569-9491-10264D79D787}" type="slidenum">
-              <a:rPr lang="en-IN" smtClean="0"/>
-              <a:t>‹#›</a:t>
-            </a:fld>
-            <a:endParaRPr lang="en-IN"/>
-          </a:p>
-        </p:txBody>
-      </p:sp>
-    </p:spTree>
-    <p:extLst>
-      <p:ext uri="{BB962C8B-B14F-4D97-AF65-F5344CB8AC3E}">
-        <p14:creationId xmlns:p14="http://schemas.microsoft.com/office/powerpoint/2010/main" val="1343636869"/>
-      </p:ext>
-    </p:extLst>
-  </p:cSld>
-  <p:clrMapOvr>
-    <a:masterClrMapping/>
-  </p:clrMapOvr>
-</p:sldLayout>
-</file>
-
-<file path=ppt/slideLayouts/slideLayout12.xml><?xml version="1.0" encoding="utf-8"?>
 <p:sldLayout xmlns:a="http://schemas.openxmlformats.org/drawingml/2006/main" xmlns:r="http://schemas.openxmlformats.org/officeDocument/2006/relationships" xmlns:p="http://schemas.openxmlformats.org/presentationml/2006/main" preserve="1">
   <p:cSld name="Quote with Caption">
     <p:spTree>
@@ -969,371 +807,390 @@
       </p:grpSpPr>
       <p:sp>
         <p:nvSpPr>
-          <p:cNvPr id="14" name="TextBox 13"/>
-          <p:cNvSpPr txBox="1"/>
+          <p:cNvPr id="8" name="Freeform 6"/>
+          <p:cNvSpPr>
+            <a:spLocks noChangeAspect="1"/>
+          </p:cNvSpPr>
           <p:nvPr/>
+        </p:nvSpPr>
+        <p:spPr bwMode="auto">
+          <a:xfrm>
+            <a:off x="631697" y="1081456"/>
+            <a:ext cx="6332416" cy="3239188"/>
+          </a:xfrm>
+          <a:custGeom>
+            <a:avLst/>
+            <a:gdLst/>
+            <a:ahLst/>
+            <a:cxnLst/>
+            <a:rect l="0" t="0" r="r" b="b"/>
+            <a:pathLst>
+              <a:path w="3384" h="2308">
+                <a:moveTo>
+                  <a:pt x="3340" y="0"/>
+                </a:moveTo>
+                <a:lnTo>
+                  <a:pt x="44" y="0"/>
+                </a:lnTo>
+                <a:lnTo>
+                  <a:pt x="44" y="0"/>
+                </a:lnTo>
+                <a:lnTo>
+                  <a:pt x="34" y="0"/>
+                </a:lnTo>
+                <a:lnTo>
+                  <a:pt x="26" y="4"/>
+                </a:lnTo>
+                <a:lnTo>
+                  <a:pt x="20" y="8"/>
+                </a:lnTo>
+                <a:lnTo>
+                  <a:pt x="12" y="12"/>
+                </a:lnTo>
+                <a:lnTo>
+                  <a:pt x="8" y="20"/>
+                </a:lnTo>
+                <a:lnTo>
+                  <a:pt x="4" y="26"/>
+                </a:lnTo>
+                <a:lnTo>
+                  <a:pt x="0" y="34"/>
+                </a:lnTo>
+                <a:lnTo>
+                  <a:pt x="0" y="44"/>
+                </a:lnTo>
+                <a:lnTo>
+                  <a:pt x="0" y="2076"/>
+                </a:lnTo>
+                <a:lnTo>
+                  <a:pt x="0" y="2076"/>
+                </a:lnTo>
+                <a:lnTo>
+                  <a:pt x="0" y="2086"/>
+                </a:lnTo>
+                <a:lnTo>
+                  <a:pt x="4" y="2094"/>
+                </a:lnTo>
+                <a:lnTo>
+                  <a:pt x="8" y="2100"/>
+                </a:lnTo>
+                <a:lnTo>
+                  <a:pt x="12" y="2108"/>
+                </a:lnTo>
+                <a:lnTo>
+                  <a:pt x="20" y="2112"/>
+                </a:lnTo>
+                <a:lnTo>
+                  <a:pt x="26" y="2116"/>
+                </a:lnTo>
+                <a:lnTo>
+                  <a:pt x="34" y="2120"/>
+                </a:lnTo>
+                <a:lnTo>
+                  <a:pt x="44" y="2120"/>
+                </a:lnTo>
+                <a:lnTo>
+                  <a:pt x="474" y="2120"/>
+                </a:lnTo>
+                <a:lnTo>
+                  <a:pt x="650" y="2296"/>
+                </a:lnTo>
+                <a:lnTo>
+                  <a:pt x="650" y="2296"/>
+                </a:lnTo>
+                <a:lnTo>
+                  <a:pt x="656" y="2300"/>
+                </a:lnTo>
+                <a:lnTo>
+                  <a:pt x="664" y="2304"/>
+                </a:lnTo>
+                <a:lnTo>
+                  <a:pt x="672" y="2308"/>
+                </a:lnTo>
+                <a:lnTo>
+                  <a:pt x="680" y="2308"/>
+                </a:lnTo>
+                <a:lnTo>
+                  <a:pt x="688" y="2308"/>
+                </a:lnTo>
+                <a:lnTo>
+                  <a:pt x="696" y="2304"/>
+                </a:lnTo>
+                <a:lnTo>
+                  <a:pt x="704" y="2300"/>
+                </a:lnTo>
+                <a:lnTo>
+                  <a:pt x="710" y="2296"/>
+                </a:lnTo>
+                <a:lnTo>
+                  <a:pt x="886" y="2120"/>
+                </a:lnTo>
+                <a:lnTo>
+                  <a:pt x="3340" y="2120"/>
+                </a:lnTo>
+                <a:lnTo>
+                  <a:pt x="3340" y="2120"/>
+                </a:lnTo>
+                <a:lnTo>
+                  <a:pt x="3350" y="2120"/>
+                </a:lnTo>
+                <a:lnTo>
+                  <a:pt x="3358" y="2116"/>
+                </a:lnTo>
+                <a:lnTo>
+                  <a:pt x="3364" y="2112"/>
+                </a:lnTo>
+                <a:lnTo>
+                  <a:pt x="3372" y="2108"/>
+                </a:lnTo>
+                <a:lnTo>
+                  <a:pt x="3376" y="2100"/>
+                </a:lnTo>
+                <a:lnTo>
+                  <a:pt x="3380" y="2094"/>
+                </a:lnTo>
+                <a:lnTo>
+                  <a:pt x="3384" y="2086"/>
+                </a:lnTo>
+                <a:lnTo>
+                  <a:pt x="3384" y="2076"/>
+                </a:lnTo>
+                <a:lnTo>
+                  <a:pt x="3384" y="44"/>
+                </a:lnTo>
+                <a:lnTo>
+                  <a:pt x="3384" y="44"/>
+                </a:lnTo>
+                <a:lnTo>
+                  <a:pt x="3384" y="34"/>
+                </a:lnTo>
+                <a:lnTo>
+                  <a:pt x="3380" y="26"/>
+                </a:lnTo>
+                <a:lnTo>
+                  <a:pt x="3376" y="20"/>
+                </a:lnTo>
+                <a:lnTo>
+                  <a:pt x="3372" y="12"/>
+                </a:lnTo>
+                <a:lnTo>
+                  <a:pt x="3364" y="8"/>
+                </a:lnTo>
+                <a:lnTo>
+                  <a:pt x="3358" y="4"/>
+                </a:lnTo>
+                <a:lnTo>
+                  <a:pt x="3350" y="0"/>
+                </a:lnTo>
+                <a:lnTo>
+                  <a:pt x="3340" y="0"/>
+                </a:lnTo>
+                <a:lnTo>
+                  <a:pt x="3340" y="0"/>
+                </a:lnTo>
+                <a:close/>
+              </a:path>
+            </a:pathLst>
+          </a:custGeom>
+          <a:ln>
+            <a:solidFill>
+              <a:schemeClr val="accent1"/>
+            </a:solidFill>
+          </a:ln>
+        </p:spPr>
+        <p:style>
+          <a:lnRef idx="1">
+            <a:schemeClr val="accent1"/>
+          </a:lnRef>
+          <a:fillRef idx="3">
+            <a:schemeClr val="accent1"/>
+          </a:fillRef>
+          <a:effectRef idx="2">
+            <a:schemeClr val="accent1"/>
+          </a:effectRef>
+          <a:fontRef idx="minor">
+            <a:schemeClr val="lt1"/>
+          </a:fontRef>
+        </p:style>
+      </p:sp>
+      <p:sp>
+        <p:nvSpPr>
+          <p:cNvPr id="2" name="Title 1"/>
+          <p:cNvSpPr>
+            <a:spLocks noGrp="1"/>
+          </p:cNvSpPr>
+          <p:nvPr>
+            <p:ph type="title"/>
+          </p:nvPr>
         </p:nvSpPr>
         <p:spPr>
           <a:xfrm>
-            <a:off x="836612" y="786824"/>
-            <a:ext cx="609600" cy="584776"/>
+            <a:off x="850985" y="1238502"/>
+            <a:ext cx="5893840" cy="2645912"/>
           </a:xfrm>
-          <a:prstGeom prst="rect">
-            <a:avLst/>
-          </a:prstGeom>
         </p:spPr>
         <p:txBody>
-          <a:bodyPr vert="horz" lIns="91440" tIns="45720" rIns="91440" bIns="45720" rtlCol="0" anchor="ctr">
+          <a:bodyPr anchor="b"/>
+          <a:lstStyle>
+            <a:lvl1pPr algn="l">
+              <a:defRPr sz="4200" b="1" cap="none"/>
+            </a:lvl1pPr>
+          </a:lstStyle>
+          <a:p>
+            <a:r>
+              <a:rPr lang="en-US"/>
+              <a:t>Click to edit Master title style</a:t>
+            </a:r>
+            <a:endParaRPr lang="en-US" dirty="0"/>
+          </a:p>
+        </p:txBody>
+      </p:sp>
+      <p:sp>
+        <p:nvSpPr>
+          <p:cNvPr id="3" name="Text Placeholder 2"/>
+          <p:cNvSpPr>
+            <a:spLocks noGrp="1"/>
+          </p:cNvSpPr>
+          <p:nvPr>
+            <p:ph type="body" idx="1"/>
+          </p:nvPr>
+        </p:nvSpPr>
+        <p:spPr>
+          <a:xfrm>
+            <a:off x="853190" y="4443680"/>
+            <a:ext cx="5891636" cy="713241"/>
+          </a:xfrm>
+        </p:spPr>
+        <p:txBody>
+          <a:bodyPr anchor="t">
             <a:noAutofit/>
           </a:bodyPr>
           <a:lstStyle>
-            <a:lvl1pPr>
-              <a:spcBef>
-                <a:spcPct val="0"/>
-              </a:spcBef>
-              <a:buNone/>
-              <a:defRPr sz="3200" b="0" cap="all">
-                <a:ln w="3175" cmpd="sng">
-                  <a:noFill/>
-                </a:ln>
-                <a:effectLst>
-                  <a:glow rad="38100">
-                    <a:schemeClr val="bg1">
-                      <a:lumMod val="65000"/>
-                      <a:lumOff val="35000"/>
-                      <a:alpha val="40000"/>
-                    </a:schemeClr>
-                  </a:glow>
-                  <a:outerShdw blurRad="28575" dist="38100" dir="14040000" algn="tl" rotWithShape="0">
-                    <a:srgbClr val="000000">
-                      <a:alpha val="25000"/>
-                    </a:srgbClr>
-                  </a:outerShdw>
-                </a:effectLst>
-              </a:defRPr>
-            </a:lvl1pPr>
-            <a:lvl2pPr>
-              <a:defRPr>
-                <a:solidFill>
-                  <a:schemeClr val="tx2"/>
-                </a:solidFill>
-              </a:defRPr>
-            </a:lvl2pPr>
-            <a:lvl3pPr>
-              <a:defRPr>
-                <a:solidFill>
-                  <a:schemeClr val="tx2"/>
-                </a:solidFill>
-              </a:defRPr>
-            </a:lvl3pPr>
-            <a:lvl4pPr>
-              <a:defRPr>
-                <a:solidFill>
-                  <a:schemeClr val="tx2"/>
-                </a:solidFill>
-              </a:defRPr>
-            </a:lvl4pPr>
-            <a:lvl5pPr>
-              <a:defRPr>
-                <a:solidFill>
-                  <a:schemeClr val="tx2"/>
-                </a:solidFill>
-              </a:defRPr>
-            </a:lvl5pPr>
-            <a:lvl6pPr>
-              <a:defRPr>
-                <a:solidFill>
-                  <a:schemeClr val="tx2"/>
-                </a:solidFill>
-              </a:defRPr>
-            </a:lvl6pPr>
-            <a:lvl7pPr>
-              <a:defRPr>
-                <a:solidFill>
-                  <a:schemeClr val="tx2"/>
-                </a:solidFill>
-              </a:defRPr>
-            </a:lvl7pPr>
-            <a:lvl8pPr>
-              <a:defRPr>
-                <a:solidFill>
-                  <a:schemeClr val="tx2"/>
-                </a:solidFill>
-              </a:defRPr>
-            </a:lvl8pPr>
-            <a:lvl9pPr>
-              <a:defRPr>
-                <a:solidFill>
-                  <a:schemeClr val="tx2"/>
-                </a:solidFill>
-              </a:defRPr>
-            </a:lvl9pPr>
-          </a:lstStyle>
-          <a:p>
-            <a:pPr lvl="0"/>
-            <a:r>
-              <a:rPr lang="en-US" sz="8000" dirty="0">
-                <a:solidFill>
-                  <a:schemeClr val="accent1"/>
-                </a:solidFill>
-              </a:rPr>
-              <a:t>“</a:t>
-            </a:r>
-          </a:p>
-        </p:txBody>
-      </p:sp>
-      <p:sp>
-        <p:nvSpPr>
-          <p:cNvPr id="15" name="TextBox 14"/>
-          <p:cNvSpPr txBox="1"/>
-          <p:nvPr/>
-        </p:nvSpPr>
-        <p:spPr>
-          <a:xfrm>
-            <a:off x="10437812" y="2743200"/>
-            <a:ext cx="609600" cy="584776"/>
-          </a:xfrm>
-          <a:prstGeom prst="rect">
-            <a:avLst/>
-          </a:prstGeom>
-        </p:spPr>
-        <p:txBody>
-          <a:bodyPr vert="horz" lIns="91440" tIns="45720" rIns="91440" bIns="45720" rtlCol="0" anchor="ctr">
-            <a:noAutofit/>
-          </a:bodyPr>
-          <a:lstStyle>
-            <a:lvl1pPr>
-              <a:spcBef>
-                <a:spcPct val="0"/>
-              </a:spcBef>
-              <a:buNone/>
-              <a:defRPr sz="3200" b="0" cap="all">
-                <a:ln w="3175" cmpd="sng">
-                  <a:noFill/>
-                </a:ln>
-                <a:effectLst>
-                  <a:glow rad="38100">
-                    <a:schemeClr val="bg1">
-                      <a:lumMod val="65000"/>
-                      <a:lumOff val="35000"/>
-                      <a:alpha val="40000"/>
-                    </a:schemeClr>
-                  </a:glow>
-                  <a:outerShdw blurRad="28575" dist="38100" dir="14040000" algn="tl" rotWithShape="0">
-                    <a:srgbClr val="000000">
-                      <a:alpha val="25000"/>
-                    </a:srgbClr>
-                  </a:outerShdw>
-                </a:effectLst>
-              </a:defRPr>
-            </a:lvl1pPr>
-            <a:lvl2pPr>
-              <a:defRPr>
-                <a:solidFill>
-                  <a:schemeClr val="tx2"/>
-                </a:solidFill>
-              </a:defRPr>
-            </a:lvl2pPr>
-            <a:lvl3pPr>
-              <a:defRPr>
-                <a:solidFill>
-                  <a:schemeClr val="tx2"/>
-                </a:solidFill>
-              </a:defRPr>
-            </a:lvl3pPr>
-            <a:lvl4pPr>
-              <a:defRPr>
-                <a:solidFill>
-                  <a:schemeClr val="tx2"/>
-                </a:solidFill>
-              </a:defRPr>
-            </a:lvl4pPr>
-            <a:lvl5pPr>
-              <a:defRPr>
-                <a:solidFill>
-                  <a:schemeClr val="tx2"/>
-                </a:solidFill>
-              </a:defRPr>
-            </a:lvl5pPr>
-            <a:lvl6pPr>
-              <a:defRPr>
-                <a:solidFill>
-                  <a:schemeClr val="tx2"/>
-                </a:solidFill>
-              </a:defRPr>
-            </a:lvl6pPr>
-            <a:lvl7pPr>
-              <a:defRPr>
-                <a:solidFill>
-                  <a:schemeClr val="tx2"/>
-                </a:solidFill>
-              </a:defRPr>
-            </a:lvl7pPr>
-            <a:lvl8pPr>
-              <a:defRPr>
-                <a:solidFill>
-                  <a:schemeClr val="tx2"/>
-                </a:solidFill>
-              </a:defRPr>
-            </a:lvl8pPr>
-            <a:lvl9pPr>
-              <a:defRPr>
-                <a:solidFill>
-                  <a:schemeClr val="tx2"/>
-                </a:solidFill>
-              </a:defRPr>
-            </a:lvl9pPr>
-          </a:lstStyle>
-          <a:p>
-            <a:pPr lvl="0" algn="r"/>
-            <a:r>
-              <a:rPr lang="en-US" sz="8000" dirty="0">
-                <a:solidFill>
-                  <a:schemeClr val="accent1"/>
-                </a:solidFill>
-              </a:rPr>
-              <a:t>”</a:t>
-            </a:r>
-          </a:p>
-        </p:txBody>
-      </p:sp>
-      <p:sp>
-        <p:nvSpPr>
-          <p:cNvPr id="2" name="Title 1"/>
-          <p:cNvSpPr>
-            <a:spLocks noGrp="1"/>
-          </p:cNvSpPr>
-          <p:nvPr>
-            <p:ph type="title"/>
-          </p:nvPr>
-        </p:nvSpPr>
-        <p:spPr>
-          <a:xfrm>
-            <a:off x="1446213" y="609601"/>
-            <a:ext cx="9296398" cy="2743199"/>
-          </a:xfrm>
-        </p:spPr>
-        <p:txBody>
-          <a:bodyPr anchor="ctr">
-            <a:normAutofit/>
-          </a:bodyPr>
-          <a:lstStyle>
-            <a:lvl1pPr algn="l">
-              <a:defRPr sz="3200" b="0" cap="all">
+            <a:lvl1pPr marL="0" indent="0" algn="l">
+              <a:buNone/>
+              <a:defRPr sz="1800">
                 <a:solidFill>
                   <a:schemeClr val="tx1"/>
                 </a:solidFill>
               </a:defRPr>
             </a:lvl1pPr>
+            <a:lvl2pPr marL="457200" indent="0">
+              <a:buNone/>
+              <a:defRPr sz="1800">
+                <a:solidFill>
+                  <a:schemeClr val="tx1">
+                    <a:tint val="75000"/>
+                  </a:schemeClr>
+                </a:solidFill>
+              </a:defRPr>
+            </a:lvl2pPr>
+            <a:lvl3pPr marL="914400" indent="0">
+              <a:buNone/>
+              <a:defRPr sz="1600">
+                <a:solidFill>
+                  <a:schemeClr val="tx1">
+                    <a:tint val="75000"/>
+                  </a:schemeClr>
+                </a:solidFill>
+              </a:defRPr>
+            </a:lvl3pPr>
+            <a:lvl4pPr marL="1371600" indent="0">
+              <a:buNone/>
+              <a:defRPr sz="1400">
+                <a:solidFill>
+                  <a:schemeClr val="tx1">
+                    <a:tint val="75000"/>
+                  </a:schemeClr>
+                </a:solidFill>
+              </a:defRPr>
+            </a:lvl4pPr>
+            <a:lvl5pPr marL="1828800" indent="0">
+              <a:buNone/>
+              <a:defRPr sz="1400">
+                <a:solidFill>
+                  <a:schemeClr val="tx1">
+                    <a:tint val="75000"/>
+                  </a:schemeClr>
+                </a:solidFill>
+              </a:defRPr>
+            </a:lvl5pPr>
+            <a:lvl6pPr marL="2286000" indent="0">
+              <a:buNone/>
+              <a:defRPr sz="1400">
+                <a:solidFill>
+                  <a:schemeClr val="tx1">
+                    <a:tint val="75000"/>
+                  </a:schemeClr>
+                </a:solidFill>
+              </a:defRPr>
+            </a:lvl6pPr>
+            <a:lvl7pPr marL="2743200" indent="0">
+              <a:buNone/>
+              <a:defRPr sz="1400">
+                <a:solidFill>
+                  <a:schemeClr val="tx1">
+                    <a:tint val="75000"/>
+                  </a:schemeClr>
+                </a:solidFill>
+              </a:defRPr>
+            </a:lvl7pPr>
+            <a:lvl8pPr marL="3200400" indent="0">
+              <a:buNone/>
+              <a:defRPr sz="1400">
+                <a:solidFill>
+                  <a:schemeClr val="tx1">
+                    <a:tint val="75000"/>
+                  </a:schemeClr>
+                </a:solidFill>
+              </a:defRPr>
+            </a:lvl8pPr>
+            <a:lvl9pPr marL="3657600" indent="0">
+              <a:buNone/>
+              <a:defRPr sz="1400">
+                <a:solidFill>
+                  <a:schemeClr val="tx1">
+                    <a:tint val="75000"/>
+                  </a:schemeClr>
+                </a:solidFill>
+              </a:defRPr>
+            </a:lvl9pPr>
           </a:lstStyle>
           <a:p>
-            <a:r>
-              <a:rPr lang="en-US"/>
-              <a:t>Click to edit Master title style</a:t>
-            </a:r>
-            <a:endParaRPr lang="en-US" dirty="0"/>
-          </a:p>
-        </p:txBody>
-      </p:sp>
-      <p:sp>
-        <p:nvSpPr>
-          <p:cNvPr id="10" name="Text Placeholder 9"/>
-          <p:cNvSpPr>
-            <a:spLocks noGrp="1"/>
-          </p:cNvSpPr>
-          <p:nvPr>
-            <p:ph type="body" sz="quarter" idx="13"/>
+            <a:pPr lvl="0"/>
+            <a:r>
+              <a:rPr lang="en-US"/>
+              <a:t>Click to edit Master text styles</a:t>
+            </a:r>
+          </a:p>
+        </p:txBody>
+      </p:sp>
+      <p:sp>
+        <p:nvSpPr>
+          <p:cNvPr id="9" name="Text Placeholder 5"/>
+          <p:cNvSpPr>
+            <a:spLocks noGrp="1"/>
+          </p:cNvSpPr>
+          <p:nvPr>
+            <p:ph type="body" sz="quarter" idx="16"/>
           </p:nvPr>
         </p:nvSpPr>
         <p:spPr>
           <a:xfrm>
-            <a:off x="1674812" y="3352800"/>
-            <a:ext cx="8839202" cy="381000"/>
+            <a:off x="7574642" y="1081456"/>
+            <a:ext cx="3810001" cy="4075465"/>
           </a:xfrm>
         </p:spPr>
         <p:txBody>
-          <a:bodyPr anchor="ctr"/>
+          <a:bodyPr anchor="t"/>
           <a:lstStyle>
             <a:lvl1pPr marL="0" indent="0">
               <a:buFontTx/>
               <a:buNone/>
               <a:defRPr/>
             </a:lvl1pPr>
-            <a:lvl2pPr marL="457200" indent="0">
-              <a:buFontTx/>
-              <a:buNone/>
-              <a:defRPr/>
-            </a:lvl2pPr>
-            <a:lvl3pPr marL="914400" indent="0">
-              <a:buFontTx/>
-              <a:buNone/>
-              <a:defRPr/>
-            </a:lvl3pPr>
-            <a:lvl4pPr marL="1371600" indent="0">
-              <a:buFontTx/>
-              <a:buNone/>
-              <a:defRPr/>
-            </a:lvl4pPr>
-            <a:lvl5pPr marL="1828800" indent="0">
-              <a:buFontTx/>
-              <a:buNone/>
-              <a:defRPr/>
-            </a:lvl5pPr>
           </a:lstStyle>
           <a:p>
             <a:pPr lvl="0"/>
-            <a:r>
-              <a:rPr lang="en-US"/>
-              <a:t>Click to edit Master text styles</a:t>
-            </a:r>
-          </a:p>
-        </p:txBody>
-      </p:sp>
-      <p:sp>
-        <p:nvSpPr>
-          <p:cNvPr id="3" name="Text Placeholder 2"/>
-          <p:cNvSpPr>
-            <a:spLocks noGrp="1"/>
-          </p:cNvSpPr>
-          <p:nvPr>
-            <p:ph type="body" idx="1"/>
-          </p:nvPr>
-        </p:nvSpPr>
-        <p:spPr>
-          <a:xfrm>
-            <a:off x="1141411" y="4343400"/>
-            <a:ext cx="9906000" cy="1447800"/>
-          </a:xfrm>
-        </p:spPr>
-        <p:txBody>
-          <a:bodyPr vert="horz" lIns="91440" tIns="45720" rIns="91440" bIns="45720" rtlCol="0" anchor="ctr">
-            <a:normAutofit/>
-          </a:bodyPr>
-          <a:lstStyle>
-            <a:lvl1pPr>
-              <a:buNone/>
-              <a:defRPr lang="en-US" sz="2000">
-                <a:gradFill flip="none" rotWithShape="1">
-                  <a:gsLst>
-                    <a:gs pos="0">
-                      <a:schemeClr val="tx1"/>
-                    </a:gs>
-                    <a:gs pos="100000">
-                      <a:schemeClr val="tx1">
-                        <a:lumMod val="75000"/>
-                      </a:schemeClr>
-                    </a:gs>
-                  </a:gsLst>
-                  <a:lin ang="5400000" scaled="0"/>
-                  <a:tileRect/>
-                </a:gradFill>
-              </a:defRPr>
-            </a:lvl1pPr>
-          </a:lstStyle>
-          <a:p>
-            <a:pPr marL="0" lvl="0" indent="0">
-              <a:buNone/>
-            </a:pPr>
             <a:r>
               <a:rPr lang="en-US"/>
               <a:t>Click to edit Master text styles</a:t>
@@ -1409,7 +1266,7 @@
     </p:spTree>
     <p:extLst>
       <p:ext uri="{BB962C8B-B14F-4D97-AF65-F5344CB8AC3E}">
-        <p14:creationId xmlns:p14="http://schemas.microsoft.com/office/powerpoint/2010/main" val="3631337419"/>
+        <p14:creationId xmlns:p14="http://schemas.microsoft.com/office/powerpoint/2010/main" val="389527662"/>
       </p:ext>
     </p:extLst>
   </p:cSld>
@@ -1419,7 +1276,7 @@
 </p:sldLayout>
 </file>
 
-<file path=ppt/slideLayouts/slideLayout13.xml><?xml version="1.0" encoding="utf-8"?>
+<file path=ppt/slideLayouts/slideLayout12.xml><?xml version="1.0" encoding="utf-8"?>
 <p:sldLayout xmlns:a="http://schemas.openxmlformats.org/drawingml/2006/main" xmlns:r="http://schemas.openxmlformats.org/officeDocument/2006/relationships" xmlns:p="http://schemas.openxmlformats.org/presentationml/2006/main" preserve="1">
   <p:cSld name="Name Card">
     <p:spTree>
@@ -1438,7 +1295,215 @@
       </p:grpSpPr>
       <p:sp>
         <p:nvSpPr>
-          <p:cNvPr id="2" name="Title 1"/>
+          <p:cNvPr id="9" name="Freeform 6"/>
+          <p:cNvSpPr>
+            <a:spLocks noChangeAspect="1"/>
+          </p:cNvSpPr>
+          <p:nvPr/>
+        </p:nvSpPr>
+        <p:spPr bwMode="auto">
+          <a:xfrm>
+            <a:off x="1140884" y="2286585"/>
+            <a:ext cx="4895115" cy="2503972"/>
+          </a:xfrm>
+          <a:custGeom>
+            <a:avLst/>
+            <a:gdLst/>
+            <a:ahLst/>
+            <a:cxnLst/>
+            <a:rect l="0" t="0" r="r" b="b"/>
+            <a:pathLst>
+              <a:path w="3384" h="2308">
+                <a:moveTo>
+                  <a:pt x="3340" y="0"/>
+                </a:moveTo>
+                <a:lnTo>
+                  <a:pt x="44" y="0"/>
+                </a:lnTo>
+                <a:lnTo>
+                  <a:pt x="44" y="0"/>
+                </a:lnTo>
+                <a:lnTo>
+                  <a:pt x="34" y="0"/>
+                </a:lnTo>
+                <a:lnTo>
+                  <a:pt x="26" y="4"/>
+                </a:lnTo>
+                <a:lnTo>
+                  <a:pt x="20" y="8"/>
+                </a:lnTo>
+                <a:lnTo>
+                  <a:pt x="12" y="12"/>
+                </a:lnTo>
+                <a:lnTo>
+                  <a:pt x="8" y="20"/>
+                </a:lnTo>
+                <a:lnTo>
+                  <a:pt x="4" y="26"/>
+                </a:lnTo>
+                <a:lnTo>
+                  <a:pt x="0" y="34"/>
+                </a:lnTo>
+                <a:lnTo>
+                  <a:pt x="0" y="44"/>
+                </a:lnTo>
+                <a:lnTo>
+                  <a:pt x="0" y="2076"/>
+                </a:lnTo>
+                <a:lnTo>
+                  <a:pt x="0" y="2076"/>
+                </a:lnTo>
+                <a:lnTo>
+                  <a:pt x="0" y="2086"/>
+                </a:lnTo>
+                <a:lnTo>
+                  <a:pt x="4" y="2094"/>
+                </a:lnTo>
+                <a:lnTo>
+                  <a:pt x="8" y="2100"/>
+                </a:lnTo>
+                <a:lnTo>
+                  <a:pt x="12" y="2108"/>
+                </a:lnTo>
+                <a:lnTo>
+                  <a:pt x="20" y="2112"/>
+                </a:lnTo>
+                <a:lnTo>
+                  <a:pt x="26" y="2116"/>
+                </a:lnTo>
+                <a:lnTo>
+                  <a:pt x="34" y="2120"/>
+                </a:lnTo>
+                <a:lnTo>
+                  <a:pt x="44" y="2120"/>
+                </a:lnTo>
+                <a:lnTo>
+                  <a:pt x="474" y="2120"/>
+                </a:lnTo>
+                <a:lnTo>
+                  <a:pt x="650" y="2296"/>
+                </a:lnTo>
+                <a:lnTo>
+                  <a:pt x="650" y="2296"/>
+                </a:lnTo>
+                <a:lnTo>
+                  <a:pt x="656" y="2300"/>
+                </a:lnTo>
+                <a:lnTo>
+                  <a:pt x="664" y="2304"/>
+                </a:lnTo>
+                <a:lnTo>
+                  <a:pt x="672" y="2308"/>
+                </a:lnTo>
+                <a:lnTo>
+                  <a:pt x="680" y="2308"/>
+                </a:lnTo>
+                <a:lnTo>
+                  <a:pt x="688" y="2308"/>
+                </a:lnTo>
+                <a:lnTo>
+                  <a:pt x="696" y="2304"/>
+                </a:lnTo>
+                <a:lnTo>
+                  <a:pt x="704" y="2300"/>
+                </a:lnTo>
+                <a:lnTo>
+                  <a:pt x="710" y="2296"/>
+                </a:lnTo>
+                <a:lnTo>
+                  <a:pt x="886" y="2120"/>
+                </a:lnTo>
+                <a:lnTo>
+                  <a:pt x="3340" y="2120"/>
+                </a:lnTo>
+                <a:lnTo>
+                  <a:pt x="3340" y="2120"/>
+                </a:lnTo>
+                <a:lnTo>
+                  <a:pt x="3350" y="2120"/>
+                </a:lnTo>
+                <a:lnTo>
+                  <a:pt x="3358" y="2116"/>
+                </a:lnTo>
+                <a:lnTo>
+                  <a:pt x="3364" y="2112"/>
+                </a:lnTo>
+                <a:lnTo>
+                  <a:pt x="3372" y="2108"/>
+                </a:lnTo>
+                <a:lnTo>
+                  <a:pt x="3376" y="2100"/>
+                </a:lnTo>
+                <a:lnTo>
+                  <a:pt x="3380" y="2094"/>
+                </a:lnTo>
+                <a:lnTo>
+                  <a:pt x="3384" y="2086"/>
+                </a:lnTo>
+                <a:lnTo>
+                  <a:pt x="3384" y="2076"/>
+                </a:lnTo>
+                <a:lnTo>
+                  <a:pt x="3384" y="44"/>
+                </a:lnTo>
+                <a:lnTo>
+                  <a:pt x="3384" y="44"/>
+                </a:lnTo>
+                <a:lnTo>
+                  <a:pt x="3384" y="34"/>
+                </a:lnTo>
+                <a:lnTo>
+                  <a:pt x="3380" y="26"/>
+                </a:lnTo>
+                <a:lnTo>
+                  <a:pt x="3376" y="20"/>
+                </a:lnTo>
+                <a:lnTo>
+                  <a:pt x="3372" y="12"/>
+                </a:lnTo>
+                <a:lnTo>
+                  <a:pt x="3364" y="8"/>
+                </a:lnTo>
+                <a:lnTo>
+                  <a:pt x="3358" y="4"/>
+                </a:lnTo>
+                <a:lnTo>
+                  <a:pt x="3350" y="0"/>
+                </a:lnTo>
+                <a:lnTo>
+                  <a:pt x="3340" y="0"/>
+                </a:lnTo>
+                <a:lnTo>
+                  <a:pt x="3340" y="0"/>
+                </a:lnTo>
+                <a:close/>
+              </a:path>
+            </a:pathLst>
+          </a:custGeom>
+          <a:ln>
+            <a:solidFill>
+              <a:schemeClr val="accent1"/>
+            </a:solidFill>
+          </a:ln>
+        </p:spPr>
+        <p:style>
+          <a:lnRef idx="1">
+            <a:schemeClr val="accent1"/>
+          </a:lnRef>
+          <a:fillRef idx="3">
+            <a:schemeClr val="accent1"/>
+          </a:fillRef>
+          <a:effectRef idx="2">
+            <a:schemeClr val="accent1"/>
+          </a:effectRef>
+          <a:fontRef idx="minor">
+            <a:schemeClr val="lt1"/>
+          </a:fontRef>
+        </p:style>
+      </p:sp>
+      <p:sp>
+        <p:nvSpPr>
+          <p:cNvPr id="38" name="Title 1"/>
           <p:cNvSpPr>
             <a:spLocks noGrp="1"/>
           </p:cNvSpPr>
@@ -1448,17 +1513,15 @@
         </p:nvSpPr>
         <p:spPr>
           <a:xfrm>
-            <a:off x="1141412" y="3308581"/>
-            <a:ext cx="9906000" cy="1468800"/>
+            <a:off x="1357089" y="2435957"/>
+            <a:ext cx="4382521" cy="2007789"/>
           </a:xfrm>
         </p:spPr>
         <p:txBody>
-          <a:bodyPr anchor="b">
-            <a:normAutofit/>
-          </a:bodyPr>
+          <a:bodyPr/>
           <a:lstStyle>
-            <a:lvl1pPr algn="l">
-              <a:defRPr sz="3200" b="0" cap="all"/>
+            <a:lvl1pPr>
+              <a:defRPr sz="3200"/>
             </a:lvl1pPr>
           </a:lstStyle>
           <a:p>
@@ -1472,48 +1535,31 @@
       </p:sp>
       <p:sp>
         <p:nvSpPr>
-          <p:cNvPr id="3" name="Text Placeholder 2"/>
-          <p:cNvSpPr>
-            <a:spLocks noGrp="1"/>
-          </p:cNvSpPr>
-          <p:nvPr>
-            <p:ph type="body" idx="1"/>
+          <p:cNvPr id="6" name="Text Placeholder 5"/>
+          <p:cNvSpPr>
+            <a:spLocks noGrp="1"/>
+          </p:cNvSpPr>
+          <p:nvPr>
+            <p:ph type="body" sz="quarter" idx="16"/>
           </p:nvPr>
         </p:nvSpPr>
         <p:spPr>
           <a:xfrm>
-            <a:off x="1141410" y="4777381"/>
-            <a:ext cx="9906001" cy="860400"/>
+            <a:off x="6156000" y="2286000"/>
+            <a:ext cx="4880300" cy="2295525"/>
           </a:xfrm>
         </p:spPr>
         <p:txBody>
-          <a:bodyPr vert="horz" lIns="91440" tIns="45720" rIns="91440" bIns="45720" rtlCol="0" anchor="t">
-            <a:normAutofit/>
-          </a:bodyPr>
+          <a:bodyPr anchor="t"/>
           <a:lstStyle>
-            <a:lvl1pPr>
-              <a:defRPr lang="en-US" sz="2000">
-                <a:gradFill flip="none" rotWithShape="1">
-                  <a:gsLst>
-                    <a:gs pos="0">
-                      <a:schemeClr val="tx1"/>
-                    </a:gs>
-                    <a:gs pos="100000">
-                      <a:schemeClr val="tx1">
-                        <a:lumMod val="75000"/>
-                      </a:schemeClr>
-                    </a:gs>
-                  </a:gsLst>
-                  <a:lin ang="5400000" scaled="0"/>
-                  <a:tileRect/>
-                </a:gradFill>
-              </a:defRPr>
+            <a:lvl1pPr marL="0" indent="0">
+              <a:buFontTx/>
+              <a:buNone/>
+              <a:defRPr/>
             </a:lvl1pPr>
           </a:lstStyle>
           <a:p>
-            <a:pPr marL="0" lvl="0" indent="0">
-              <a:buNone/>
-            </a:pPr>
+            <a:pPr lvl="0"/>
             <a:r>
               <a:rPr lang="en-US"/>
               <a:t>Click to edit Master text styles</a:t>
@@ -1523,7 +1569,7 @@
       </p:sp>
       <p:sp>
         <p:nvSpPr>
-          <p:cNvPr id="4" name="Date Placeholder 3"/>
+          <p:cNvPr id="2" name="Date Placeholder 1"/>
           <p:cNvSpPr>
             <a:spLocks noGrp="1"/>
           </p:cNvSpPr>
@@ -1546,7 +1592,7 @@
       </p:sp>
       <p:sp>
         <p:nvSpPr>
-          <p:cNvPr id="5" name="Footer Placeholder 4"/>
+          <p:cNvPr id="3" name="Footer Placeholder 2"/>
           <p:cNvSpPr>
             <a:spLocks noGrp="1"/>
           </p:cNvSpPr>
@@ -1565,7 +1611,7 @@
       </p:sp>
       <p:sp>
         <p:nvSpPr>
-          <p:cNvPr id="6" name="Slide Number Placeholder 5"/>
+          <p:cNvPr id="4" name="Slide Number Placeholder 3"/>
           <p:cNvSpPr>
             <a:spLocks noGrp="1"/>
           </p:cNvSpPr>
@@ -1589,7 +1635,7 @@
     </p:spTree>
     <p:extLst>
       <p:ext uri="{BB962C8B-B14F-4D97-AF65-F5344CB8AC3E}">
-        <p14:creationId xmlns:p14="http://schemas.microsoft.com/office/powerpoint/2010/main" val="2387322931"/>
+        <p14:creationId xmlns:p14="http://schemas.microsoft.com/office/powerpoint/2010/main" val="3969112102"/>
       </p:ext>
     </p:extLst>
   </p:cSld>
@@ -1599,915 +1645,7 @@
 </p:sldLayout>
 </file>
 
-<file path=ppt/slideLayouts/slideLayout14.xml><?xml version="1.0" encoding="utf-8"?>
-<p:sldLayout xmlns:a="http://schemas.openxmlformats.org/drawingml/2006/main" xmlns:r="http://schemas.openxmlformats.org/officeDocument/2006/relationships" xmlns:p="http://schemas.openxmlformats.org/presentationml/2006/main" preserve="1">
-  <p:cSld name="Quote Name Card">
-    <p:spTree>
-      <p:nvGrpSpPr>
-        <p:cNvPr id="1" name=""/>
-        <p:cNvGrpSpPr/>
-        <p:nvPr/>
-      </p:nvGrpSpPr>
-      <p:grpSpPr>
-        <a:xfrm>
-          <a:off x="0" y="0"/>
-          <a:ext cx="0" cy="0"/>
-          <a:chOff x="0" y="0"/>
-          <a:chExt cx="0" cy="0"/>
-        </a:xfrm>
-      </p:grpSpPr>
-      <p:sp>
-        <p:nvSpPr>
-          <p:cNvPr id="14" name="TextBox 13"/>
-          <p:cNvSpPr txBox="1"/>
-          <p:nvPr/>
-        </p:nvSpPr>
-        <p:spPr>
-          <a:xfrm>
-            <a:off x="836612" y="786824"/>
-            <a:ext cx="609600" cy="584776"/>
-          </a:xfrm>
-          <a:prstGeom prst="rect">
-            <a:avLst/>
-          </a:prstGeom>
-        </p:spPr>
-        <p:txBody>
-          <a:bodyPr vert="horz" lIns="91440" tIns="45720" rIns="91440" bIns="45720" rtlCol="0" anchor="ctr">
-            <a:noAutofit/>
-          </a:bodyPr>
-          <a:lstStyle>
-            <a:lvl1pPr>
-              <a:spcBef>
-                <a:spcPct val="0"/>
-              </a:spcBef>
-              <a:buNone/>
-              <a:defRPr sz="3200" b="0" cap="all">
-                <a:ln w="3175" cmpd="sng">
-                  <a:noFill/>
-                </a:ln>
-                <a:effectLst>
-                  <a:glow rad="38100">
-                    <a:schemeClr val="bg1">
-                      <a:lumMod val="65000"/>
-                      <a:lumOff val="35000"/>
-                      <a:alpha val="40000"/>
-                    </a:schemeClr>
-                  </a:glow>
-                  <a:outerShdw blurRad="28575" dist="38100" dir="14040000" algn="tl" rotWithShape="0">
-                    <a:srgbClr val="000000">
-                      <a:alpha val="25000"/>
-                    </a:srgbClr>
-                  </a:outerShdw>
-                </a:effectLst>
-              </a:defRPr>
-            </a:lvl1pPr>
-            <a:lvl2pPr>
-              <a:defRPr>
-                <a:solidFill>
-                  <a:schemeClr val="tx2"/>
-                </a:solidFill>
-              </a:defRPr>
-            </a:lvl2pPr>
-            <a:lvl3pPr>
-              <a:defRPr>
-                <a:solidFill>
-                  <a:schemeClr val="tx2"/>
-                </a:solidFill>
-              </a:defRPr>
-            </a:lvl3pPr>
-            <a:lvl4pPr>
-              <a:defRPr>
-                <a:solidFill>
-                  <a:schemeClr val="tx2"/>
-                </a:solidFill>
-              </a:defRPr>
-            </a:lvl4pPr>
-            <a:lvl5pPr>
-              <a:defRPr>
-                <a:solidFill>
-                  <a:schemeClr val="tx2"/>
-                </a:solidFill>
-              </a:defRPr>
-            </a:lvl5pPr>
-            <a:lvl6pPr>
-              <a:defRPr>
-                <a:solidFill>
-                  <a:schemeClr val="tx2"/>
-                </a:solidFill>
-              </a:defRPr>
-            </a:lvl6pPr>
-            <a:lvl7pPr>
-              <a:defRPr>
-                <a:solidFill>
-                  <a:schemeClr val="tx2"/>
-                </a:solidFill>
-              </a:defRPr>
-            </a:lvl7pPr>
-            <a:lvl8pPr>
-              <a:defRPr>
-                <a:solidFill>
-                  <a:schemeClr val="tx2"/>
-                </a:solidFill>
-              </a:defRPr>
-            </a:lvl8pPr>
-            <a:lvl9pPr>
-              <a:defRPr>
-                <a:solidFill>
-                  <a:schemeClr val="tx2"/>
-                </a:solidFill>
-              </a:defRPr>
-            </a:lvl9pPr>
-          </a:lstStyle>
-          <a:p>
-            <a:pPr lvl="0"/>
-            <a:r>
-              <a:rPr lang="en-US" sz="8000" dirty="0">
-                <a:solidFill>
-                  <a:schemeClr val="accent1"/>
-                </a:solidFill>
-              </a:rPr>
-              <a:t>“</a:t>
-            </a:r>
-          </a:p>
-        </p:txBody>
-      </p:sp>
-      <p:sp>
-        <p:nvSpPr>
-          <p:cNvPr id="15" name="TextBox 14"/>
-          <p:cNvSpPr txBox="1"/>
-          <p:nvPr/>
-        </p:nvSpPr>
-        <p:spPr>
-          <a:xfrm>
-            <a:off x="10437812" y="2743200"/>
-            <a:ext cx="609600" cy="584776"/>
-          </a:xfrm>
-          <a:prstGeom prst="rect">
-            <a:avLst/>
-          </a:prstGeom>
-        </p:spPr>
-        <p:txBody>
-          <a:bodyPr vert="horz" lIns="91440" tIns="45720" rIns="91440" bIns="45720" rtlCol="0" anchor="ctr">
-            <a:noAutofit/>
-          </a:bodyPr>
-          <a:lstStyle>
-            <a:lvl1pPr>
-              <a:spcBef>
-                <a:spcPct val="0"/>
-              </a:spcBef>
-              <a:buNone/>
-              <a:defRPr sz="3200" b="0" cap="all">
-                <a:ln w="3175" cmpd="sng">
-                  <a:noFill/>
-                </a:ln>
-                <a:effectLst>
-                  <a:glow rad="38100">
-                    <a:schemeClr val="bg1">
-                      <a:lumMod val="65000"/>
-                      <a:lumOff val="35000"/>
-                      <a:alpha val="40000"/>
-                    </a:schemeClr>
-                  </a:glow>
-                  <a:outerShdw blurRad="28575" dist="38100" dir="14040000" algn="tl" rotWithShape="0">
-                    <a:srgbClr val="000000">
-                      <a:alpha val="25000"/>
-                    </a:srgbClr>
-                  </a:outerShdw>
-                </a:effectLst>
-              </a:defRPr>
-            </a:lvl1pPr>
-            <a:lvl2pPr>
-              <a:defRPr>
-                <a:solidFill>
-                  <a:schemeClr val="tx2"/>
-                </a:solidFill>
-              </a:defRPr>
-            </a:lvl2pPr>
-            <a:lvl3pPr>
-              <a:defRPr>
-                <a:solidFill>
-                  <a:schemeClr val="tx2"/>
-                </a:solidFill>
-              </a:defRPr>
-            </a:lvl3pPr>
-            <a:lvl4pPr>
-              <a:defRPr>
-                <a:solidFill>
-                  <a:schemeClr val="tx2"/>
-                </a:solidFill>
-              </a:defRPr>
-            </a:lvl4pPr>
-            <a:lvl5pPr>
-              <a:defRPr>
-                <a:solidFill>
-                  <a:schemeClr val="tx2"/>
-                </a:solidFill>
-              </a:defRPr>
-            </a:lvl5pPr>
-            <a:lvl6pPr>
-              <a:defRPr>
-                <a:solidFill>
-                  <a:schemeClr val="tx2"/>
-                </a:solidFill>
-              </a:defRPr>
-            </a:lvl6pPr>
-            <a:lvl7pPr>
-              <a:defRPr>
-                <a:solidFill>
-                  <a:schemeClr val="tx2"/>
-                </a:solidFill>
-              </a:defRPr>
-            </a:lvl7pPr>
-            <a:lvl8pPr>
-              <a:defRPr>
-                <a:solidFill>
-                  <a:schemeClr val="tx2"/>
-                </a:solidFill>
-              </a:defRPr>
-            </a:lvl8pPr>
-            <a:lvl9pPr>
-              <a:defRPr>
-                <a:solidFill>
-                  <a:schemeClr val="tx2"/>
-                </a:solidFill>
-              </a:defRPr>
-            </a:lvl9pPr>
-          </a:lstStyle>
-          <a:p>
-            <a:pPr lvl="0" algn="r"/>
-            <a:r>
-              <a:rPr lang="en-US" sz="8000" dirty="0">
-                <a:solidFill>
-                  <a:schemeClr val="accent1"/>
-                </a:solidFill>
-              </a:rPr>
-              <a:t>”</a:t>
-            </a:r>
-          </a:p>
-        </p:txBody>
-      </p:sp>
-      <p:sp>
-        <p:nvSpPr>
-          <p:cNvPr id="2" name="Title 1"/>
-          <p:cNvSpPr>
-            <a:spLocks noGrp="1"/>
-          </p:cNvSpPr>
-          <p:nvPr>
-            <p:ph type="title"/>
-          </p:nvPr>
-        </p:nvSpPr>
-        <p:spPr>
-          <a:xfrm>
-            <a:off x="1446213" y="609601"/>
-            <a:ext cx="9296398" cy="2743199"/>
-          </a:xfrm>
-        </p:spPr>
-        <p:txBody>
-          <a:bodyPr anchor="ctr">
-            <a:normAutofit/>
-          </a:bodyPr>
-          <a:lstStyle>
-            <a:lvl1pPr algn="l">
-              <a:defRPr sz="3200" b="0" cap="all">
-                <a:gradFill flip="none" rotWithShape="1">
-                  <a:gsLst>
-                    <a:gs pos="0">
-                      <a:schemeClr val="tx1"/>
-                    </a:gs>
-                    <a:gs pos="100000">
-                      <a:schemeClr val="tx1">
-                        <a:lumMod val="75000"/>
-                      </a:schemeClr>
-                    </a:gs>
-                  </a:gsLst>
-                  <a:lin ang="5400000" scaled="0"/>
-                  <a:tileRect/>
-                </a:gradFill>
-              </a:defRPr>
-            </a:lvl1pPr>
-          </a:lstStyle>
-          <a:p>
-            <a:r>
-              <a:rPr lang="en-US"/>
-              <a:t>Click to edit Master title style</a:t>
-            </a:r>
-            <a:endParaRPr lang="en-US" dirty="0"/>
-          </a:p>
-        </p:txBody>
-      </p:sp>
-      <p:sp>
-        <p:nvSpPr>
-          <p:cNvPr id="10" name="Text Placeholder 9"/>
-          <p:cNvSpPr>
-            <a:spLocks noGrp="1"/>
-          </p:cNvSpPr>
-          <p:nvPr>
-            <p:ph type="body" sz="quarter" idx="13"/>
-          </p:nvPr>
-        </p:nvSpPr>
-        <p:spPr>
-          <a:xfrm>
-            <a:off x="1141412" y="3886200"/>
-            <a:ext cx="9906000" cy="889000"/>
-          </a:xfrm>
-        </p:spPr>
-        <p:txBody>
-          <a:bodyPr vert="horz" lIns="91440" tIns="45720" rIns="91440" bIns="45720" rtlCol="0" anchor="b">
-            <a:normAutofit/>
-          </a:bodyPr>
-          <a:lstStyle>
-            <a:lvl1pPr>
-              <a:buNone/>
-              <a:defRPr lang="en-US" sz="2400" b="0" cap="all" dirty="0">
-                <a:ln w="3175" cmpd="sng">
-                  <a:noFill/>
-                </a:ln>
-                <a:gradFill flip="none" rotWithShape="1">
-                  <a:gsLst>
-                    <a:gs pos="0">
-                      <a:schemeClr val="tx1"/>
-                    </a:gs>
-                    <a:gs pos="100000">
-                      <a:schemeClr val="tx1">
-                        <a:lumMod val="75000"/>
-                      </a:schemeClr>
-                    </a:gs>
-                  </a:gsLst>
-                  <a:lin ang="5400000" scaled="0"/>
-                  <a:tileRect/>
-                </a:gradFill>
-                <a:effectLst>
-                  <a:glow rad="38100">
-                    <a:schemeClr val="bg1">
-                      <a:lumMod val="65000"/>
-                      <a:lumOff val="35000"/>
-                      <a:alpha val="40000"/>
-                    </a:schemeClr>
-                  </a:glow>
-                  <a:outerShdw blurRad="28575" dist="38100" dir="14040000" algn="tl" rotWithShape="0">
-                    <a:srgbClr val="000000">
-                      <a:alpha val="25000"/>
-                    </a:srgbClr>
-                  </a:outerShdw>
-                </a:effectLst>
-              </a:defRPr>
-            </a:lvl1pPr>
-          </a:lstStyle>
-          <a:p>
-            <a:pPr marL="0" lvl="0">
-              <a:spcBef>
-                <a:spcPct val="0"/>
-              </a:spcBef>
-              <a:buNone/>
-            </a:pPr>
-            <a:r>
-              <a:rPr lang="en-US"/>
-              <a:t>Click to edit Master text styles</a:t>
-            </a:r>
-          </a:p>
-        </p:txBody>
-      </p:sp>
-      <p:sp>
-        <p:nvSpPr>
-          <p:cNvPr id="3" name="Text Placeholder 2"/>
-          <p:cNvSpPr>
-            <a:spLocks noGrp="1"/>
-          </p:cNvSpPr>
-          <p:nvPr>
-            <p:ph type="body" idx="1"/>
-          </p:nvPr>
-        </p:nvSpPr>
-        <p:spPr>
-          <a:xfrm>
-            <a:off x="1141411" y="4775200"/>
-            <a:ext cx="9906000" cy="1016000"/>
-          </a:xfrm>
-        </p:spPr>
-        <p:txBody>
-          <a:bodyPr anchor="t">
-            <a:normAutofit/>
-          </a:bodyPr>
-          <a:lstStyle>
-            <a:lvl1pPr marL="0" indent="0" algn="l">
-              <a:buNone/>
-              <a:defRPr sz="1800">
-                <a:gradFill flip="none" rotWithShape="1">
-                  <a:gsLst>
-                    <a:gs pos="0">
-                      <a:schemeClr val="tx1"/>
-                    </a:gs>
-                    <a:gs pos="100000">
-                      <a:schemeClr val="tx1">
-                        <a:lumMod val="75000"/>
-                      </a:schemeClr>
-                    </a:gs>
-                  </a:gsLst>
-                  <a:lin ang="5400000" scaled="0"/>
-                  <a:tileRect/>
-                </a:gradFill>
-              </a:defRPr>
-            </a:lvl1pPr>
-            <a:lvl2pPr marL="457200" indent="0">
-              <a:buNone/>
-              <a:defRPr sz="1800">
-                <a:solidFill>
-                  <a:schemeClr val="tx1">
-                    <a:tint val="75000"/>
-                  </a:schemeClr>
-                </a:solidFill>
-              </a:defRPr>
-            </a:lvl2pPr>
-            <a:lvl3pPr marL="914400" indent="0">
-              <a:buNone/>
-              <a:defRPr sz="1600">
-                <a:solidFill>
-                  <a:schemeClr val="tx1">
-                    <a:tint val="75000"/>
-                  </a:schemeClr>
-                </a:solidFill>
-              </a:defRPr>
-            </a:lvl3pPr>
-            <a:lvl4pPr marL="1371600" indent="0">
-              <a:buNone/>
-              <a:defRPr sz="1400">
-                <a:solidFill>
-                  <a:schemeClr val="tx1">
-                    <a:tint val="75000"/>
-                  </a:schemeClr>
-                </a:solidFill>
-              </a:defRPr>
-            </a:lvl4pPr>
-            <a:lvl5pPr marL="1828800" indent="0">
-              <a:buNone/>
-              <a:defRPr sz="1400">
-                <a:solidFill>
-                  <a:schemeClr val="tx1">
-                    <a:tint val="75000"/>
-                  </a:schemeClr>
-                </a:solidFill>
-              </a:defRPr>
-            </a:lvl5pPr>
-            <a:lvl6pPr marL="2286000" indent="0">
-              <a:buNone/>
-              <a:defRPr sz="1400">
-                <a:solidFill>
-                  <a:schemeClr val="tx1">
-                    <a:tint val="75000"/>
-                  </a:schemeClr>
-                </a:solidFill>
-              </a:defRPr>
-            </a:lvl6pPr>
-            <a:lvl7pPr marL="2743200" indent="0">
-              <a:buNone/>
-              <a:defRPr sz="1400">
-                <a:solidFill>
-                  <a:schemeClr val="tx1">
-                    <a:tint val="75000"/>
-                  </a:schemeClr>
-                </a:solidFill>
-              </a:defRPr>
-            </a:lvl7pPr>
-            <a:lvl8pPr marL="3200400" indent="0">
-              <a:buNone/>
-              <a:defRPr sz="1400">
-                <a:solidFill>
-                  <a:schemeClr val="tx1">
-                    <a:tint val="75000"/>
-                  </a:schemeClr>
-                </a:solidFill>
-              </a:defRPr>
-            </a:lvl8pPr>
-            <a:lvl9pPr marL="3657600" indent="0">
-              <a:buNone/>
-              <a:defRPr sz="1400">
-                <a:solidFill>
-                  <a:schemeClr val="tx1">
-                    <a:tint val="75000"/>
-                  </a:schemeClr>
-                </a:solidFill>
-              </a:defRPr>
-            </a:lvl9pPr>
-          </a:lstStyle>
-          <a:p>
-            <a:pPr lvl="0"/>
-            <a:r>
-              <a:rPr lang="en-US"/>
-              <a:t>Click to edit Master text styles</a:t>
-            </a:r>
-          </a:p>
-        </p:txBody>
-      </p:sp>
-      <p:sp>
-        <p:nvSpPr>
-          <p:cNvPr id="4" name="Date Placeholder 3"/>
-          <p:cNvSpPr>
-            <a:spLocks noGrp="1"/>
-          </p:cNvSpPr>
-          <p:nvPr>
-            <p:ph type="dt" sz="half" idx="10"/>
-          </p:nvPr>
-        </p:nvSpPr>
-        <p:spPr/>
-        <p:txBody>
-          <a:bodyPr/>
-          <a:lstStyle/>
-          <a:p>
-            <a:fld id="{874FFE33-465F-4E9E-89CE-5F79E84B8B4B}" type="datetimeFigureOut">
-              <a:rPr lang="en-IN" smtClean="0"/>
-              <a:t>28-02-2025</a:t>
-            </a:fld>
-            <a:endParaRPr lang="en-IN"/>
-          </a:p>
-        </p:txBody>
-      </p:sp>
-      <p:sp>
-        <p:nvSpPr>
-          <p:cNvPr id="5" name="Footer Placeholder 4"/>
-          <p:cNvSpPr>
-            <a:spLocks noGrp="1"/>
-          </p:cNvSpPr>
-          <p:nvPr>
-            <p:ph type="ftr" sz="quarter" idx="11"/>
-          </p:nvPr>
-        </p:nvSpPr>
-        <p:spPr/>
-        <p:txBody>
-          <a:bodyPr/>
-          <a:lstStyle/>
-          <a:p>
-            <a:endParaRPr lang="en-IN"/>
-          </a:p>
-        </p:txBody>
-      </p:sp>
-      <p:sp>
-        <p:nvSpPr>
-          <p:cNvPr id="6" name="Slide Number Placeholder 5"/>
-          <p:cNvSpPr>
-            <a:spLocks noGrp="1"/>
-          </p:cNvSpPr>
-          <p:nvPr>
-            <p:ph type="sldNum" sz="quarter" idx="12"/>
-          </p:nvPr>
-        </p:nvSpPr>
-        <p:spPr/>
-        <p:txBody>
-          <a:bodyPr/>
-          <a:lstStyle/>
-          <a:p>
-            <a:fld id="{54BE194E-5C1C-4569-9491-10264D79D787}" type="slidenum">
-              <a:rPr lang="en-IN" smtClean="0"/>
-              <a:t>‹#›</a:t>
-            </a:fld>
-            <a:endParaRPr lang="en-IN"/>
-          </a:p>
-        </p:txBody>
-      </p:sp>
-    </p:spTree>
-    <p:extLst>
-      <p:ext uri="{BB962C8B-B14F-4D97-AF65-F5344CB8AC3E}">
-        <p14:creationId xmlns:p14="http://schemas.microsoft.com/office/powerpoint/2010/main" val="1930468055"/>
-      </p:ext>
-    </p:extLst>
-  </p:cSld>
-  <p:clrMapOvr>
-    <a:masterClrMapping/>
-  </p:clrMapOvr>
-</p:sldLayout>
-</file>
-
-<file path=ppt/slideLayouts/slideLayout15.xml><?xml version="1.0" encoding="utf-8"?>
-<p:sldLayout xmlns:a="http://schemas.openxmlformats.org/drawingml/2006/main" xmlns:r="http://schemas.openxmlformats.org/officeDocument/2006/relationships" xmlns:p="http://schemas.openxmlformats.org/presentationml/2006/main" preserve="1">
-  <p:cSld name="True or False">
-    <p:spTree>
-      <p:nvGrpSpPr>
-        <p:cNvPr id="1" name=""/>
-        <p:cNvGrpSpPr/>
-        <p:nvPr/>
-      </p:nvGrpSpPr>
-      <p:grpSpPr>
-        <a:xfrm>
-          <a:off x="0" y="0"/>
-          <a:ext cx="0" cy="0"/>
-          <a:chOff x="0" y="0"/>
-          <a:chExt cx="0" cy="0"/>
-        </a:xfrm>
-      </p:grpSpPr>
-      <p:sp>
-        <p:nvSpPr>
-          <p:cNvPr id="2" name="Title 1"/>
-          <p:cNvSpPr>
-            <a:spLocks noGrp="1"/>
-          </p:cNvSpPr>
-          <p:nvPr>
-            <p:ph type="title"/>
-          </p:nvPr>
-        </p:nvSpPr>
-        <p:spPr>
-          <a:xfrm>
-            <a:off x="1141412" y="609601"/>
-            <a:ext cx="9905999" cy="2743199"/>
-          </a:xfrm>
-        </p:spPr>
-        <p:txBody>
-          <a:bodyPr vert="horz" lIns="91440" tIns="45720" rIns="91440" bIns="45720" rtlCol="0" anchor="ctr">
-            <a:normAutofit/>
-          </a:bodyPr>
-          <a:lstStyle>
-            <a:lvl1pPr>
-              <a:defRPr lang="en-US" b="0" dirty="0"/>
-            </a:lvl1pPr>
-          </a:lstStyle>
-          <a:p>
-            <a:pPr marL="0" lvl="0"/>
-            <a:r>
-              <a:rPr lang="en-US"/>
-              <a:t>Click to edit Master title style</a:t>
-            </a:r>
-            <a:endParaRPr lang="en-US" dirty="0"/>
-          </a:p>
-        </p:txBody>
-      </p:sp>
-      <p:sp>
-        <p:nvSpPr>
-          <p:cNvPr id="10" name="Text Placeholder 9"/>
-          <p:cNvSpPr>
-            <a:spLocks noGrp="1"/>
-          </p:cNvSpPr>
-          <p:nvPr>
-            <p:ph type="body" sz="quarter" idx="13"/>
-          </p:nvPr>
-        </p:nvSpPr>
-        <p:spPr>
-          <a:xfrm>
-            <a:off x="1141412" y="3505200"/>
-            <a:ext cx="9906000" cy="838200"/>
-          </a:xfrm>
-        </p:spPr>
-        <p:txBody>
-          <a:bodyPr vert="horz" lIns="91440" tIns="45720" rIns="91440" bIns="45720" rtlCol="0" anchor="b">
-            <a:normAutofit/>
-          </a:bodyPr>
-          <a:lstStyle>
-            <a:lvl1pPr>
-              <a:buNone/>
-              <a:defRPr lang="en-US" sz="2800" b="0" cap="all" dirty="0">
-                <a:ln w="3175" cmpd="sng">
-                  <a:noFill/>
-                </a:ln>
-                <a:gradFill flip="none" rotWithShape="1">
-                  <a:gsLst>
-                    <a:gs pos="0">
-                      <a:schemeClr val="tx1"/>
-                    </a:gs>
-                    <a:gs pos="100000">
-                      <a:schemeClr val="tx1">
-                        <a:lumMod val="75000"/>
-                      </a:schemeClr>
-                    </a:gs>
-                  </a:gsLst>
-                  <a:lin ang="5400000" scaled="0"/>
-                  <a:tileRect/>
-                </a:gradFill>
-                <a:effectLst>
-                  <a:glow rad="38100">
-                    <a:schemeClr val="bg1">
-                      <a:lumMod val="65000"/>
-                      <a:lumOff val="35000"/>
-                      <a:alpha val="40000"/>
-                    </a:schemeClr>
-                  </a:glow>
-                  <a:outerShdw blurRad="28575" dist="38100" dir="14040000" algn="tl" rotWithShape="0">
-                    <a:srgbClr val="000000">
-                      <a:alpha val="25000"/>
-                    </a:srgbClr>
-                  </a:outerShdw>
-                </a:effectLst>
-              </a:defRPr>
-            </a:lvl1pPr>
-          </a:lstStyle>
-          <a:p>
-            <a:pPr marL="0" lvl="0">
-              <a:spcBef>
-                <a:spcPct val="0"/>
-              </a:spcBef>
-              <a:buNone/>
-            </a:pPr>
-            <a:r>
-              <a:rPr lang="en-US"/>
-              <a:t>Click to edit Master text styles</a:t>
-            </a:r>
-          </a:p>
-        </p:txBody>
-      </p:sp>
-      <p:sp>
-        <p:nvSpPr>
-          <p:cNvPr id="3" name="Text Placeholder 2"/>
-          <p:cNvSpPr>
-            <a:spLocks noGrp="1"/>
-          </p:cNvSpPr>
-          <p:nvPr>
-            <p:ph type="body" idx="1"/>
-          </p:nvPr>
-        </p:nvSpPr>
-        <p:spPr>
-          <a:xfrm>
-            <a:off x="1141411" y="4343400"/>
-            <a:ext cx="9906000" cy="1447800"/>
-          </a:xfrm>
-        </p:spPr>
-        <p:txBody>
-          <a:bodyPr anchor="t">
-            <a:normAutofit/>
-          </a:bodyPr>
-          <a:lstStyle>
-            <a:lvl1pPr marL="0" indent="0" algn="l">
-              <a:buNone/>
-              <a:defRPr sz="1800">
-                <a:gradFill flip="none" rotWithShape="1">
-                  <a:gsLst>
-                    <a:gs pos="0">
-                      <a:schemeClr val="tx1"/>
-                    </a:gs>
-                    <a:gs pos="100000">
-                      <a:schemeClr val="tx1">
-                        <a:lumMod val="75000"/>
-                      </a:schemeClr>
-                    </a:gs>
-                  </a:gsLst>
-                  <a:lin ang="5400000" scaled="0"/>
-                  <a:tileRect/>
-                </a:gradFill>
-              </a:defRPr>
-            </a:lvl1pPr>
-            <a:lvl2pPr marL="457200" indent="0">
-              <a:buNone/>
-              <a:defRPr sz="1800">
-                <a:solidFill>
-                  <a:schemeClr val="tx1">
-                    <a:tint val="75000"/>
-                  </a:schemeClr>
-                </a:solidFill>
-              </a:defRPr>
-            </a:lvl2pPr>
-            <a:lvl3pPr marL="914400" indent="0">
-              <a:buNone/>
-              <a:defRPr sz="1600">
-                <a:solidFill>
-                  <a:schemeClr val="tx1">
-                    <a:tint val="75000"/>
-                  </a:schemeClr>
-                </a:solidFill>
-              </a:defRPr>
-            </a:lvl3pPr>
-            <a:lvl4pPr marL="1371600" indent="0">
-              <a:buNone/>
-              <a:defRPr sz="1400">
-                <a:solidFill>
-                  <a:schemeClr val="tx1">
-                    <a:tint val="75000"/>
-                  </a:schemeClr>
-                </a:solidFill>
-              </a:defRPr>
-            </a:lvl4pPr>
-            <a:lvl5pPr marL="1828800" indent="0">
-              <a:buNone/>
-              <a:defRPr sz="1400">
-                <a:solidFill>
-                  <a:schemeClr val="tx1">
-                    <a:tint val="75000"/>
-                  </a:schemeClr>
-                </a:solidFill>
-              </a:defRPr>
-            </a:lvl5pPr>
-            <a:lvl6pPr marL="2286000" indent="0">
-              <a:buNone/>
-              <a:defRPr sz="1400">
-                <a:solidFill>
-                  <a:schemeClr val="tx1">
-                    <a:tint val="75000"/>
-                  </a:schemeClr>
-                </a:solidFill>
-              </a:defRPr>
-            </a:lvl6pPr>
-            <a:lvl7pPr marL="2743200" indent="0">
-              <a:buNone/>
-              <a:defRPr sz="1400">
-                <a:solidFill>
-                  <a:schemeClr val="tx1">
-                    <a:tint val="75000"/>
-                  </a:schemeClr>
-                </a:solidFill>
-              </a:defRPr>
-            </a:lvl7pPr>
-            <a:lvl8pPr marL="3200400" indent="0">
-              <a:buNone/>
-              <a:defRPr sz="1400">
-                <a:solidFill>
-                  <a:schemeClr val="tx1">
-                    <a:tint val="75000"/>
-                  </a:schemeClr>
-                </a:solidFill>
-              </a:defRPr>
-            </a:lvl8pPr>
-            <a:lvl9pPr marL="3657600" indent="0">
-              <a:buNone/>
-              <a:defRPr sz="1400">
-                <a:solidFill>
-                  <a:schemeClr val="tx1">
-                    <a:tint val="75000"/>
-                  </a:schemeClr>
-                </a:solidFill>
-              </a:defRPr>
-            </a:lvl9pPr>
-          </a:lstStyle>
-          <a:p>
-            <a:pPr lvl="0"/>
-            <a:r>
-              <a:rPr lang="en-US"/>
-              <a:t>Click to edit Master text styles</a:t>
-            </a:r>
-          </a:p>
-        </p:txBody>
-      </p:sp>
-      <p:sp>
-        <p:nvSpPr>
-          <p:cNvPr id="4" name="Date Placeholder 3"/>
-          <p:cNvSpPr>
-            <a:spLocks noGrp="1"/>
-          </p:cNvSpPr>
-          <p:nvPr>
-            <p:ph type="dt" sz="half" idx="10"/>
-          </p:nvPr>
-        </p:nvSpPr>
-        <p:spPr/>
-        <p:txBody>
-          <a:bodyPr/>
-          <a:lstStyle/>
-          <a:p>
-            <a:fld id="{874FFE33-465F-4E9E-89CE-5F79E84B8B4B}" type="datetimeFigureOut">
-              <a:rPr lang="en-IN" smtClean="0"/>
-              <a:t>28-02-2025</a:t>
-            </a:fld>
-            <a:endParaRPr lang="en-IN"/>
-          </a:p>
-        </p:txBody>
-      </p:sp>
-      <p:sp>
-        <p:nvSpPr>
-          <p:cNvPr id="5" name="Footer Placeholder 4"/>
-          <p:cNvSpPr>
-            <a:spLocks noGrp="1"/>
-          </p:cNvSpPr>
-          <p:nvPr>
-            <p:ph type="ftr" sz="quarter" idx="11"/>
-          </p:nvPr>
-        </p:nvSpPr>
-        <p:spPr/>
-        <p:txBody>
-          <a:bodyPr/>
-          <a:lstStyle/>
-          <a:p>
-            <a:endParaRPr lang="en-IN"/>
-          </a:p>
-        </p:txBody>
-      </p:sp>
-      <p:sp>
-        <p:nvSpPr>
-          <p:cNvPr id="6" name="Slide Number Placeholder 5"/>
-          <p:cNvSpPr>
-            <a:spLocks noGrp="1"/>
-          </p:cNvSpPr>
-          <p:nvPr>
-            <p:ph type="sldNum" sz="quarter" idx="12"/>
-          </p:nvPr>
-        </p:nvSpPr>
-        <p:spPr/>
-        <p:txBody>
-          <a:bodyPr/>
-          <a:lstStyle/>
-          <a:p>
-            <a:fld id="{54BE194E-5C1C-4569-9491-10264D79D787}" type="slidenum">
-              <a:rPr lang="en-IN" smtClean="0"/>
-              <a:t>‹#›</a:t>
-            </a:fld>
-            <a:endParaRPr lang="en-IN"/>
-          </a:p>
-        </p:txBody>
-      </p:sp>
-    </p:spTree>
-    <p:extLst>
-      <p:ext uri="{BB962C8B-B14F-4D97-AF65-F5344CB8AC3E}">
-        <p14:creationId xmlns:p14="http://schemas.microsoft.com/office/powerpoint/2010/main" val="596278978"/>
-      </p:ext>
-    </p:extLst>
-  </p:cSld>
-  <p:clrMapOvr>
-    <a:masterClrMapping/>
-  </p:clrMapOvr>
-</p:sldLayout>
-</file>
-
-<file path=ppt/slideLayouts/slideLayout16.xml><?xml version="1.0" encoding="utf-8"?>
+<file path=ppt/slideLayouts/slideLayout13.xml><?xml version="1.0" encoding="utf-8"?>
 <p:sldLayout xmlns:a="http://schemas.openxmlformats.org/drawingml/2006/main" xmlns:r="http://schemas.openxmlformats.org/officeDocument/2006/relationships" xmlns:p="http://schemas.openxmlformats.org/presentationml/2006/main" type="vertTx" preserve="1">
   <p:cSld name="Title and Vertical Text">
     <p:spTree>
@@ -2526,7 +1664,110 @@
       </p:grpSpPr>
       <p:sp>
         <p:nvSpPr>
-          <p:cNvPr id="7" name="Title 1"/>
+          <p:cNvPr id="7" name="Freeform 6"/>
+          <p:cNvSpPr/>
+          <p:nvPr/>
+        </p:nvSpPr>
+        <p:spPr bwMode="auto">
+          <a:xfrm>
+            <a:off x="0" y="0"/>
+            <a:ext cx="12192000" cy="2185988"/>
+          </a:xfrm>
+          <a:custGeom>
+            <a:avLst/>
+            <a:gdLst/>
+            <a:ahLst/>
+            <a:cxnLst/>
+            <a:rect l="0" t="0" r="r" b="b"/>
+            <a:pathLst>
+              <a:path w="5760" h="1377">
+                <a:moveTo>
+                  <a:pt x="5760" y="0"/>
+                </a:moveTo>
+                <a:lnTo>
+                  <a:pt x="0" y="0"/>
+                </a:lnTo>
+                <a:lnTo>
+                  <a:pt x="0" y="1189"/>
+                </a:lnTo>
+                <a:lnTo>
+                  <a:pt x="943" y="1189"/>
+                </a:lnTo>
+                <a:lnTo>
+                  <a:pt x="1123" y="1369"/>
+                </a:lnTo>
+                <a:lnTo>
+                  <a:pt x="1123" y="1369"/>
+                </a:lnTo>
+                <a:lnTo>
+                  <a:pt x="1127" y="1371"/>
+                </a:lnTo>
+                <a:lnTo>
+                  <a:pt x="1133" y="1374"/>
+                </a:lnTo>
+                <a:lnTo>
+                  <a:pt x="1139" y="1377"/>
+                </a:lnTo>
+                <a:lnTo>
+                  <a:pt x="1144" y="1377"/>
+                </a:lnTo>
+                <a:lnTo>
+                  <a:pt x="1150" y="1377"/>
+                </a:lnTo>
+                <a:lnTo>
+                  <a:pt x="1155" y="1374"/>
+                </a:lnTo>
+                <a:lnTo>
+                  <a:pt x="1161" y="1371"/>
+                </a:lnTo>
+                <a:lnTo>
+                  <a:pt x="1165" y="1369"/>
+                </a:lnTo>
+                <a:lnTo>
+                  <a:pt x="1345" y="1189"/>
+                </a:lnTo>
+                <a:lnTo>
+                  <a:pt x="5760" y="1189"/>
+                </a:lnTo>
+                <a:lnTo>
+                  <a:pt x="5760" y="0"/>
+                </a:lnTo>
+                <a:close/>
+              </a:path>
+            </a:pathLst>
+          </a:custGeom>
+          <a:ln/>
+          <a:extLst>
+            <a:ext uri="{91240B29-F687-4f45-9708-019B960494DF}">
+              <a14:hiddenLine xmlns:a14="http://schemas.microsoft.com/office/drawing/2010/main" xmlns="" w="9525">
+                <a:solidFill>
+                  <a:srgbClr val="000000"/>
+                </a:solidFill>
+                <a:round/>
+                <a:headEnd/>
+                <a:tailEnd/>
+              </a14:hiddenLine>
+            </a:ext>
+          </a:extLst>
+        </p:spPr>
+        <p:style>
+          <a:lnRef idx="1">
+            <a:schemeClr val="accent1"/>
+          </a:lnRef>
+          <a:fillRef idx="3">
+            <a:schemeClr val="accent1"/>
+          </a:fillRef>
+          <a:effectRef idx="2">
+            <a:schemeClr val="accent1"/>
+          </a:effectRef>
+          <a:fontRef idx="minor">
+            <a:schemeClr val="lt1"/>
+          </a:fontRef>
+        </p:style>
+      </p:sp>
+      <p:sp>
+        <p:nvSpPr>
+          <p:cNvPr id="2" name="Title 1"/>
           <p:cNvSpPr>
             <a:spLocks noGrp="1"/>
           </p:cNvSpPr>
@@ -2534,12 +1775,7 @@
             <p:ph type="title"/>
           </p:nvPr>
         </p:nvSpPr>
-        <p:spPr>
-          <a:xfrm>
-            <a:off x="1141413" y="609600"/>
-            <a:ext cx="9905998" cy="1905000"/>
-          </a:xfrm>
-        </p:spPr>
+        <p:spPr/>
         <p:txBody>
           <a:bodyPr/>
           <a:lstStyle/>
@@ -2672,7 +1908,7 @@
     </p:spTree>
     <p:extLst>
       <p:ext uri="{BB962C8B-B14F-4D97-AF65-F5344CB8AC3E}">
-        <p14:creationId xmlns:p14="http://schemas.microsoft.com/office/powerpoint/2010/main" val="3254488477"/>
+        <p14:creationId xmlns:p14="http://schemas.microsoft.com/office/powerpoint/2010/main" val="3474655510"/>
       </p:ext>
     </p:extLst>
   </p:cSld>
@@ -2682,7 +1918,7 @@
 </p:sldLayout>
 </file>
 
-<file path=ppt/slideLayouts/slideLayout17.xml><?xml version="1.0" encoding="utf-8"?>
+<file path=ppt/slideLayouts/slideLayout14.xml><?xml version="1.0" encoding="utf-8"?>
 <p:sldLayout xmlns:a="http://schemas.openxmlformats.org/drawingml/2006/main" xmlns:r="http://schemas.openxmlformats.org/officeDocument/2006/relationships" xmlns:p="http://schemas.openxmlformats.org/presentationml/2006/main" type="vertTitleAndTx" preserve="1">
   <p:cSld name="Vertical Title and Text">
     <p:spTree>
@@ -2701,6 +1937,111 @@
       </p:grpSpPr>
       <p:sp>
         <p:nvSpPr>
+          <p:cNvPr id="12" name="Freeform 6"/>
+          <p:cNvSpPr>
+            <a:spLocks noChangeAspect="1"/>
+          </p:cNvSpPr>
+          <p:nvPr/>
+        </p:nvSpPr>
+        <p:spPr bwMode="auto">
+          <a:xfrm>
+            <a:off x="7669651" y="446089"/>
+            <a:ext cx="4522349" cy="5414962"/>
+          </a:xfrm>
+          <a:custGeom>
+            <a:avLst/>
+            <a:gdLst/>
+            <a:ahLst/>
+            <a:cxnLst/>
+            <a:rect l="0" t="0" r="r" b="b"/>
+            <a:pathLst>
+              <a:path w="2879" h="4320">
+                <a:moveTo>
+                  <a:pt x="183" y="0"/>
+                </a:moveTo>
+                <a:lnTo>
+                  <a:pt x="183" y="1197"/>
+                </a:lnTo>
+                <a:lnTo>
+                  <a:pt x="8" y="1372"/>
+                </a:lnTo>
+                <a:lnTo>
+                  <a:pt x="8" y="1372"/>
+                </a:lnTo>
+                <a:lnTo>
+                  <a:pt x="6" y="1376"/>
+                </a:lnTo>
+                <a:lnTo>
+                  <a:pt x="3" y="1382"/>
+                </a:lnTo>
+                <a:lnTo>
+                  <a:pt x="0" y="1387"/>
+                </a:lnTo>
+                <a:lnTo>
+                  <a:pt x="0" y="1393"/>
+                </a:lnTo>
+                <a:lnTo>
+                  <a:pt x="0" y="1399"/>
+                </a:lnTo>
+                <a:lnTo>
+                  <a:pt x="3" y="1404"/>
+                </a:lnTo>
+                <a:lnTo>
+                  <a:pt x="6" y="1410"/>
+                </a:lnTo>
+                <a:lnTo>
+                  <a:pt x="8" y="1414"/>
+                </a:lnTo>
+                <a:lnTo>
+                  <a:pt x="183" y="1589"/>
+                </a:lnTo>
+                <a:lnTo>
+                  <a:pt x="183" y="4320"/>
+                </a:lnTo>
+                <a:lnTo>
+                  <a:pt x="2879" y="4320"/>
+                </a:lnTo>
+                <a:lnTo>
+                  <a:pt x="2879" y="0"/>
+                </a:lnTo>
+                <a:lnTo>
+                  <a:pt x="183" y="0"/>
+                </a:lnTo>
+                <a:close/>
+              </a:path>
+            </a:pathLst>
+          </a:custGeom>
+          <a:ln/>
+          <a:extLst>
+            <a:ext uri="{91240B29-F687-4f45-9708-019B960494DF}">
+              <a14:hiddenLine xmlns:a14="http://schemas.microsoft.com/office/drawing/2010/main" xmlns="" w="9525">
+                <a:solidFill>
+                  <a:srgbClr val="000000"/>
+                </a:solidFill>
+                <a:round/>
+                <a:headEnd/>
+                <a:tailEnd/>
+              </a14:hiddenLine>
+            </a:ext>
+          </a:extLst>
+        </p:spPr>
+        <p:style>
+          <a:lnRef idx="1">
+            <a:schemeClr val="accent1"/>
+          </a:lnRef>
+          <a:fillRef idx="3">
+            <a:schemeClr val="accent1"/>
+          </a:fillRef>
+          <a:effectRef idx="2">
+            <a:schemeClr val="accent1"/>
+          </a:effectRef>
+          <a:fontRef idx="minor">
+            <a:schemeClr val="lt1"/>
+          </a:fontRef>
+        </p:style>
+      </p:sp>
+      <p:sp>
+        <p:nvSpPr>
           <p:cNvPr id="2" name="Vertical Title 1"/>
           <p:cNvSpPr>
             <a:spLocks noGrp="1"/>
@@ -2711,8 +2052,8 @@
         </p:nvSpPr>
         <p:spPr>
           <a:xfrm>
-            <a:off x="8836898" y="609599"/>
-            <a:ext cx="2210514" cy="5181601"/>
+            <a:off x="8183540" y="586171"/>
+            <a:ext cx="2494791" cy="5134798"/>
           </a:xfrm>
         </p:spPr>
         <p:txBody>
@@ -2739,8 +2080,8 @@
         </p:nvSpPr>
         <p:spPr>
           <a:xfrm>
-            <a:off x="1141412" y="609600"/>
-            <a:ext cx="7543800" cy="5181600"/>
+            <a:off x="810001" y="446089"/>
+            <a:ext cx="6611540" cy="5414962"/>
           </a:xfrm>
         </p:spPr>
         <p:txBody>
@@ -2852,7 +2193,7 @@
     </p:spTree>
     <p:extLst>
       <p:ext uri="{BB962C8B-B14F-4D97-AF65-F5344CB8AC3E}">
-        <p14:creationId xmlns:p14="http://schemas.microsoft.com/office/powerpoint/2010/main" val="2721936227"/>
+        <p14:creationId xmlns:p14="http://schemas.microsoft.com/office/powerpoint/2010/main" val="1204946290"/>
       </p:ext>
     </p:extLst>
   </p:cSld>
@@ -2881,6 +2222,109 @@
       </p:grpSpPr>
       <p:sp>
         <p:nvSpPr>
+          <p:cNvPr id="11" name="Freeform 6"/>
+          <p:cNvSpPr/>
+          <p:nvPr/>
+        </p:nvSpPr>
+        <p:spPr bwMode="auto">
+          <a:xfrm>
+            <a:off x="0" y="0"/>
+            <a:ext cx="12192000" cy="2185988"/>
+          </a:xfrm>
+          <a:custGeom>
+            <a:avLst/>
+            <a:gdLst/>
+            <a:ahLst/>
+            <a:cxnLst/>
+            <a:rect l="0" t="0" r="r" b="b"/>
+            <a:pathLst>
+              <a:path w="5760" h="1377">
+                <a:moveTo>
+                  <a:pt x="5760" y="0"/>
+                </a:moveTo>
+                <a:lnTo>
+                  <a:pt x="0" y="0"/>
+                </a:lnTo>
+                <a:lnTo>
+                  <a:pt x="0" y="1189"/>
+                </a:lnTo>
+                <a:lnTo>
+                  <a:pt x="943" y="1189"/>
+                </a:lnTo>
+                <a:lnTo>
+                  <a:pt x="1123" y="1369"/>
+                </a:lnTo>
+                <a:lnTo>
+                  <a:pt x="1123" y="1369"/>
+                </a:lnTo>
+                <a:lnTo>
+                  <a:pt x="1127" y="1371"/>
+                </a:lnTo>
+                <a:lnTo>
+                  <a:pt x="1133" y="1374"/>
+                </a:lnTo>
+                <a:lnTo>
+                  <a:pt x="1139" y="1377"/>
+                </a:lnTo>
+                <a:lnTo>
+                  <a:pt x="1144" y="1377"/>
+                </a:lnTo>
+                <a:lnTo>
+                  <a:pt x="1150" y="1377"/>
+                </a:lnTo>
+                <a:lnTo>
+                  <a:pt x="1155" y="1374"/>
+                </a:lnTo>
+                <a:lnTo>
+                  <a:pt x="1161" y="1371"/>
+                </a:lnTo>
+                <a:lnTo>
+                  <a:pt x="1165" y="1369"/>
+                </a:lnTo>
+                <a:lnTo>
+                  <a:pt x="1345" y="1189"/>
+                </a:lnTo>
+                <a:lnTo>
+                  <a:pt x="5760" y="1189"/>
+                </a:lnTo>
+                <a:lnTo>
+                  <a:pt x="5760" y="0"/>
+                </a:lnTo>
+                <a:close/>
+              </a:path>
+            </a:pathLst>
+          </a:custGeom>
+          <a:ln/>
+          <a:extLst>
+            <a:ext uri="{91240B29-F687-4f45-9708-019B960494DF}">
+              <a14:hiddenLine xmlns:a14="http://schemas.microsoft.com/office/drawing/2010/main" xmlns="" w="9525">
+                <a:solidFill>
+                  <a:srgbClr val="000000"/>
+                </a:solidFill>
+                <a:round/>
+                <a:headEnd/>
+                <a:tailEnd/>
+              </a14:hiddenLine>
+            </a:ext>
+          </a:extLst>
+        </p:spPr>
+        <p:style>
+          <a:lnRef idx="1">
+            <a:schemeClr val="accent1"/>
+          </a:lnRef>
+          <a:fillRef idx="3">
+            <a:schemeClr val="accent1"/>
+          </a:fillRef>
+          <a:effectRef idx="2">
+            <a:schemeClr val="accent1"/>
+          </a:effectRef>
+          <a:fontRef idx="minor">
+            <a:schemeClr val="lt1"/>
+          </a:fontRef>
+        </p:style>
+      </p:sp>
+      <p:sp>
+        <p:nvSpPr>
           <p:cNvPr id="2" name="Title 1"/>
           <p:cNvSpPr>
             <a:spLocks noGrp="1"/>
@@ -2889,7 +2333,12 @@
             <p:ph type="title"/>
           </p:nvPr>
         </p:nvSpPr>
-        <p:spPr/>
+        <p:spPr>
+          <a:xfrm>
+            <a:off x="810000" y="447188"/>
+            <a:ext cx="10571998" cy="970450"/>
+          </a:xfrm>
+        </p:spPr>
         <p:txBody>
           <a:bodyPr/>
           <a:lstStyle/>
@@ -2912,9 +2361,14 @@
             <p:ph idx="1"/>
           </p:nvPr>
         </p:nvSpPr>
-        <p:spPr/>
-        <p:txBody>
-          <a:bodyPr anchor="ctr"/>
+        <p:spPr>
+          <a:xfrm>
+            <a:off x="818712" y="2222287"/>
+            <a:ext cx="10554574" cy="3636511"/>
+          </a:xfrm>
+        </p:spPr>
+        <p:txBody>
+          <a:bodyPr/>
           <a:lstStyle/>
           <a:p>
             <a:pPr lvl="0"/>
@@ -3022,7 +2476,7 @@
     </p:spTree>
     <p:extLst>
       <p:ext uri="{BB962C8B-B14F-4D97-AF65-F5344CB8AC3E}">
-        <p14:creationId xmlns:p14="http://schemas.microsoft.com/office/powerpoint/2010/main" val="3129472531"/>
+        <p14:creationId xmlns:p14="http://schemas.microsoft.com/office/powerpoint/2010/main" val="799399846"/>
       </p:ext>
     </p:extLst>
   </p:cSld>
@@ -3051,6 +2505,103 @@
       </p:grpSpPr>
       <p:sp>
         <p:nvSpPr>
+          <p:cNvPr id="10" name="Freeform 7"/>
+          <p:cNvSpPr/>
+          <p:nvPr/>
+        </p:nvSpPr>
+        <p:spPr bwMode="auto">
+          <a:xfrm>
+            <a:off x="0" y="1"/>
+            <a:ext cx="12192000" cy="5203825"/>
+          </a:xfrm>
+          <a:custGeom>
+            <a:avLst/>
+            <a:gdLst/>
+            <a:ahLst/>
+            <a:cxnLst/>
+            <a:rect l="0" t="0" r="r" b="b"/>
+            <a:pathLst>
+              <a:path w="5760" h="3278">
+                <a:moveTo>
+                  <a:pt x="0" y="0"/>
+                </a:moveTo>
+                <a:lnTo>
+                  <a:pt x="5760" y="0"/>
+                </a:lnTo>
+                <a:lnTo>
+                  <a:pt x="5760" y="3090"/>
+                </a:lnTo>
+                <a:lnTo>
+                  <a:pt x="4817" y="3090"/>
+                </a:lnTo>
+                <a:lnTo>
+                  <a:pt x="4637" y="3270"/>
+                </a:lnTo>
+                <a:lnTo>
+                  <a:pt x="4637" y="3270"/>
+                </a:lnTo>
+                <a:lnTo>
+                  <a:pt x="4633" y="3272"/>
+                </a:lnTo>
+                <a:lnTo>
+                  <a:pt x="4627" y="3275"/>
+                </a:lnTo>
+                <a:lnTo>
+                  <a:pt x="4621" y="3278"/>
+                </a:lnTo>
+                <a:lnTo>
+                  <a:pt x="4616" y="3278"/>
+                </a:lnTo>
+                <a:lnTo>
+                  <a:pt x="4610" y="3278"/>
+                </a:lnTo>
+                <a:lnTo>
+                  <a:pt x="4605" y="3275"/>
+                </a:lnTo>
+                <a:lnTo>
+                  <a:pt x="4599" y="3272"/>
+                </a:lnTo>
+                <a:lnTo>
+                  <a:pt x="4595" y="3270"/>
+                </a:lnTo>
+                <a:lnTo>
+                  <a:pt x="4415" y="3090"/>
+                </a:lnTo>
+                <a:lnTo>
+                  <a:pt x="0" y="3090"/>
+                </a:lnTo>
+                <a:lnTo>
+                  <a:pt x="0" y="0"/>
+                </a:lnTo>
+                <a:lnTo>
+                  <a:pt x="0" y="0"/>
+                </a:lnTo>
+                <a:close/>
+              </a:path>
+            </a:pathLst>
+          </a:custGeom>
+          <a:ln>
+            <a:headEnd/>
+            <a:tailEnd/>
+          </a:ln>
+        </p:spPr>
+        <p:style>
+          <a:lnRef idx="1">
+            <a:schemeClr val="accent1"/>
+          </a:lnRef>
+          <a:fillRef idx="3">
+            <a:schemeClr val="accent1"/>
+          </a:fillRef>
+          <a:effectRef idx="2">
+            <a:schemeClr val="accent1"/>
+          </a:effectRef>
+          <a:fontRef idx="minor">
+            <a:schemeClr val="lt1"/>
+          </a:fontRef>
+        </p:style>
+      </p:sp>
+      <p:sp>
+        <p:nvSpPr>
           <p:cNvPr id="2" name="Title 1"/>
           <p:cNvSpPr>
             <a:spLocks noGrp="1"/>
@@ -3061,15 +2612,15 @@
         </p:nvSpPr>
         <p:spPr>
           <a:xfrm>
-            <a:off x="1751013" y="3308581"/>
-            <a:ext cx="8686800" cy="1468800"/>
+            <a:off x="810000" y="2951396"/>
+            <a:ext cx="10561418" cy="1468800"/>
           </a:xfrm>
         </p:spPr>
         <p:txBody>
           <a:bodyPr anchor="b"/>
           <a:lstStyle>
             <a:lvl1pPr algn="r">
-              <a:defRPr sz="4000" b="0" cap="all"/>
+              <a:defRPr sz="4800" b="1" cap="none"/>
             </a:lvl1pPr>
           </a:lstStyle>
           <a:p>
@@ -3093,32 +2644,21 @@
         </p:nvSpPr>
         <p:spPr>
           <a:xfrm>
-            <a:off x="1751011" y="4777381"/>
-            <a:ext cx="8686801" cy="860400"/>
+            <a:off x="810000" y="5281201"/>
+            <a:ext cx="10561418" cy="433955"/>
           </a:xfrm>
         </p:spPr>
         <p:txBody>
           <a:bodyPr anchor="t">
-            <a:normAutofit/>
+            <a:noAutofit/>
           </a:bodyPr>
           <a:lstStyle>
             <a:lvl1pPr marL="0" indent="0" algn="r">
               <a:buNone/>
-              <a:defRPr sz="2000">
-                <a:gradFill flip="none" rotWithShape="1">
-                  <a:gsLst>
-                    <a:gs pos="0">
-                      <a:schemeClr val="tx1"/>
-                    </a:gs>
-                    <a:gs pos="100000">
-                      <a:schemeClr val="tx1">
-                        <a:lumMod val="75000"/>
-                      </a:schemeClr>
-                    </a:gs>
-                  </a:gsLst>
-                  <a:lin ang="5400000" scaled="0"/>
-                  <a:tileRect/>
-                </a:gradFill>
+              <a:defRPr sz="1800">
+                <a:solidFill>
+                  <a:schemeClr val="tx1"/>
+                </a:solidFill>
               </a:defRPr>
             </a:lvl1pPr>
             <a:lvl2pPr marL="457200" indent="0">
@@ -3279,7 +2819,7 @@
     </p:spTree>
     <p:extLst>
       <p:ext uri="{BB962C8B-B14F-4D97-AF65-F5344CB8AC3E}">
-        <p14:creationId xmlns:p14="http://schemas.microsoft.com/office/powerpoint/2010/main" val="3761329430"/>
+        <p14:creationId xmlns:p14="http://schemas.microsoft.com/office/powerpoint/2010/main" val="2917466879"/>
       </p:ext>
     </p:extLst>
   </p:cSld>
@@ -3308,6 +2848,109 @@
       </p:grpSpPr>
       <p:sp>
         <p:nvSpPr>
+          <p:cNvPr id="8" name="Freeform 6"/>
+          <p:cNvSpPr/>
+          <p:nvPr/>
+        </p:nvSpPr>
+        <p:spPr bwMode="auto">
+          <a:xfrm>
+            <a:off x="0" y="0"/>
+            <a:ext cx="12192000" cy="2185988"/>
+          </a:xfrm>
+          <a:custGeom>
+            <a:avLst/>
+            <a:gdLst/>
+            <a:ahLst/>
+            <a:cxnLst/>
+            <a:rect l="0" t="0" r="r" b="b"/>
+            <a:pathLst>
+              <a:path w="5760" h="1377">
+                <a:moveTo>
+                  <a:pt x="5760" y="0"/>
+                </a:moveTo>
+                <a:lnTo>
+                  <a:pt x="0" y="0"/>
+                </a:lnTo>
+                <a:lnTo>
+                  <a:pt x="0" y="1189"/>
+                </a:lnTo>
+                <a:lnTo>
+                  <a:pt x="943" y="1189"/>
+                </a:lnTo>
+                <a:lnTo>
+                  <a:pt x="1123" y="1369"/>
+                </a:lnTo>
+                <a:lnTo>
+                  <a:pt x="1123" y="1369"/>
+                </a:lnTo>
+                <a:lnTo>
+                  <a:pt x="1127" y="1371"/>
+                </a:lnTo>
+                <a:lnTo>
+                  <a:pt x="1133" y="1374"/>
+                </a:lnTo>
+                <a:lnTo>
+                  <a:pt x="1139" y="1377"/>
+                </a:lnTo>
+                <a:lnTo>
+                  <a:pt x="1144" y="1377"/>
+                </a:lnTo>
+                <a:lnTo>
+                  <a:pt x="1150" y="1377"/>
+                </a:lnTo>
+                <a:lnTo>
+                  <a:pt x="1155" y="1374"/>
+                </a:lnTo>
+                <a:lnTo>
+                  <a:pt x="1161" y="1371"/>
+                </a:lnTo>
+                <a:lnTo>
+                  <a:pt x="1165" y="1369"/>
+                </a:lnTo>
+                <a:lnTo>
+                  <a:pt x="1345" y="1189"/>
+                </a:lnTo>
+                <a:lnTo>
+                  <a:pt x="5760" y="1189"/>
+                </a:lnTo>
+                <a:lnTo>
+                  <a:pt x="5760" y="0"/>
+                </a:lnTo>
+                <a:close/>
+              </a:path>
+            </a:pathLst>
+          </a:custGeom>
+          <a:ln/>
+          <a:extLst>
+            <a:ext uri="{91240B29-F687-4f45-9708-019B960494DF}">
+              <a14:hiddenLine xmlns:a14="http://schemas.microsoft.com/office/drawing/2010/main" xmlns="" w="9525">
+                <a:solidFill>
+                  <a:srgbClr val="000000"/>
+                </a:solidFill>
+                <a:round/>
+                <a:headEnd/>
+                <a:tailEnd/>
+              </a14:hiddenLine>
+            </a:ext>
+          </a:extLst>
+        </p:spPr>
+        <p:style>
+          <a:lnRef idx="1">
+            <a:schemeClr val="accent1"/>
+          </a:lnRef>
+          <a:fillRef idx="3">
+            <a:schemeClr val="accent1"/>
+          </a:fillRef>
+          <a:effectRef idx="2">
+            <a:schemeClr val="accent1"/>
+          </a:effectRef>
+          <a:fontRef idx="minor">
+            <a:schemeClr val="lt1"/>
+          </a:fontRef>
+        </p:style>
+      </p:sp>
+      <p:sp>
+        <p:nvSpPr>
           <p:cNvPr id="2" name="Title 1"/>
           <p:cNvSpPr>
             <a:spLocks noGrp="1"/>
@@ -3341,43 +2984,15 @@
         </p:nvSpPr>
         <p:spPr>
           <a:xfrm>
-            <a:off x="1141412" y="2666999"/>
-            <a:ext cx="4876800" cy="3124201"/>
+            <a:off x="818712" y="2222287"/>
+            <a:ext cx="5185873" cy="3638763"/>
           </a:xfrm>
         </p:spPr>
         <p:txBody>
           <a:bodyPr>
             <a:normAutofit/>
           </a:bodyPr>
-          <a:lstStyle>
-            <a:lvl1pPr>
-              <a:defRPr sz="1800"/>
-            </a:lvl1pPr>
-            <a:lvl2pPr>
-              <a:defRPr sz="1600"/>
-            </a:lvl2pPr>
-            <a:lvl3pPr>
-              <a:defRPr sz="1400"/>
-            </a:lvl3pPr>
-            <a:lvl4pPr>
-              <a:defRPr sz="1200"/>
-            </a:lvl4pPr>
-            <a:lvl5pPr>
-              <a:defRPr sz="1200"/>
-            </a:lvl5pPr>
-            <a:lvl6pPr>
-              <a:defRPr sz="1200"/>
-            </a:lvl6pPr>
-            <a:lvl7pPr>
-              <a:defRPr sz="1200"/>
-            </a:lvl7pPr>
-            <a:lvl8pPr>
-              <a:defRPr sz="1200"/>
-            </a:lvl8pPr>
-            <a:lvl9pPr>
-              <a:defRPr sz="1200"/>
-            </a:lvl9pPr>
-          </a:lstStyle>
+          <a:lstStyle/>
           <a:p>
             <a:pPr lvl="0"/>
             <a:r>
@@ -3428,43 +3043,15 @@
         </p:nvSpPr>
         <p:spPr>
           <a:xfrm>
-            <a:off x="6170612" y="2667000"/>
-            <a:ext cx="4876800" cy="3124200"/>
+            <a:off x="6187415" y="2222287"/>
+            <a:ext cx="5194583" cy="3638764"/>
           </a:xfrm>
         </p:spPr>
         <p:txBody>
           <a:bodyPr>
             <a:normAutofit/>
           </a:bodyPr>
-          <a:lstStyle>
-            <a:lvl1pPr>
-              <a:defRPr sz="1800"/>
-            </a:lvl1pPr>
-            <a:lvl2pPr>
-              <a:defRPr sz="1600"/>
-            </a:lvl2pPr>
-            <a:lvl3pPr>
-              <a:defRPr sz="1400"/>
-            </a:lvl3pPr>
-            <a:lvl4pPr>
-              <a:defRPr sz="1200"/>
-            </a:lvl4pPr>
-            <a:lvl5pPr>
-              <a:defRPr sz="1200"/>
-            </a:lvl5pPr>
-            <a:lvl6pPr>
-              <a:defRPr sz="1200"/>
-            </a:lvl6pPr>
-            <a:lvl7pPr>
-              <a:defRPr sz="1200"/>
-            </a:lvl7pPr>
-            <a:lvl8pPr>
-              <a:defRPr sz="1200"/>
-            </a:lvl8pPr>
-            <a:lvl9pPr>
-              <a:defRPr sz="1200"/>
-            </a:lvl9pPr>
-          </a:lstStyle>
+          <a:lstStyle/>
           <a:p>
             <a:pPr lvl="0"/>
             <a:r>
@@ -3571,7 +3158,7 @@
     </p:spTree>
     <p:extLst>
       <p:ext uri="{BB962C8B-B14F-4D97-AF65-F5344CB8AC3E}">
-        <p14:creationId xmlns:p14="http://schemas.microsoft.com/office/powerpoint/2010/main" val="3944286307"/>
+        <p14:creationId xmlns:p14="http://schemas.microsoft.com/office/powerpoint/2010/main" val="1925958840"/>
       </p:ext>
     </p:extLst>
   </p:cSld>
@@ -3600,6 +3187,109 @@
       </p:grpSpPr>
       <p:sp>
         <p:nvSpPr>
+          <p:cNvPr id="10" name="Freeform 6"/>
+          <p:cNvSpPr/>
+          <p:nvPr/>
+        </p:nvSpPr>
+        <p:spPr bwMode="auto">
+          <a:xfrm>
+            <a:off x="0" y="0"/>
+            <a:ext cx="12192000" cy="2185988"/>
+          </a:xfrm>
+          <a:custGeom>
+            <a:avLst/>
+            <a:gdLst/>
+            <a:ahLst/>
+            <a:cxnLst/>
+            <a:rect l="0" t="0" r="r" b="b"/>
+            <a:pathLst>
+              <a:path w="5760" h="1377">
+                <a:moveTo>
+                  <a:pt x="5760" y="0"/>
+                </a:moveTo>
+                <a:lnTo>
+                  <a:pt x="0" y="0"/>
+                </a:lnTo>
+                <a:lnTo>
+                  <a:pt x="0" y="1189"/>
+                </a:lnTo>
+                <a:lnTo>
+                  <a:pt x="943" y="1189"/>
+                </a:lnTo>
+                <a:lnTo>
+                  <a:pt x="1123" y="1369"/>
+                </a:lnTo>
+                <a:lnTo>
+                  <a:pt x="1123" y="1369"/>
+                </a:lnTo>
+                <a:lnTo>
+                  <a:pt x="1127" y="1371"/>
+                </a:lnTo>
+                <a:lnTo>
+                  <a:pt x="1133" y="1374"/>
+                </a:lnTo>
+                <a:lnTo>
+                  <a:pt x="1139" y="1377"/>
+                </a:lnTo>
+                <a:lnTo>
+                  <a:pt x="1144" y="1377"/>
+                </a:lnTo>
+                <a:lnTo>
+                  <a:pt x="1150" y="1377"/>
+                </a:lnTo>
+                <a:lnTo>
+                  <a:pt x="1155" y="1374"/>
+                </a:lnTo>
+                <a:lnTo>
+                  <a:pt x="1161" y="1371"/>
+                </a:lnTo>
+                <a:lnTo>
+                  <a:pt x="1165" y="1369"/>
+                </a:lnTo>
+                <a:lnTo>
+                  <a:pt x="1345" y="1189"/>
+                </a:lnTo>
+                <a:lnTo>
+                  <a:pt x="5760" y="1189"/>
+                </a:lnTo>
+                <a:lnTo>
+                  <a:pt x="5760" y="0"/>
+                </a:lnTo>
+                <a:close/>
+              </a:path>
+            </a:pathLst>
+          </a:custGeom>
+          <a:ln/>
+          <a:extLst>
+            <a:ext uri="{91240B29-F687-4f45-9708-019B960494DF}">
+              <a14:hiddenLine xmlns:a14="http://schemas.microsoft.com/office/drawing/2010/main" xmlns="" w="9525">
+                <a:solidFill>
+                  <a:srgbClr val="000000"/>
+                </a:solidFill>
+                <a:round/>
+                <a:headEnd/>
+                <a:tailEnd/>
+              </a14:hiddenLine>
+            </a:ext>
+          </a:extLst>
+        </p:spPr>
+        <p:style>
+          <a:lnRef idx="1">
+            <a:schemeClr val="accent1"/>
+          </a:lnRef>
+          <a:fillRef idx="3">
+            <a:schemeClr val="accent1"/>
+          </a:fillRef>
+          <a:effectRef idx="2">
+            <a:schemeClr val="accent1"/>
+          </a:effectRef>
+          <a:fontRef idx="minor">
+            <a:schemeClr val="lt1"/>
+          </a:fontRef>
+        </p:style>
+      </p:sp>
+      <p:sp>
+        <p:nvSpPr>
           <p:cNvPr id="2" name="Title 1"/>
           <p:cNvSpPr>
             <a:spLocks noGrp="1"/>
@@ -3637,8 +3327,8 @@
         </p:nvSpPr>
         <p:spPr>
           <a:xfrm>
-            <a:off x="1429280" y="2658533"/>
-            <a:ext cx="4588931" cy="576262"/>
+            <a:off x="814728" y="2174875"/>
+            <a:ext cx="5189857" cy="576262"/>
           </a:xfrm>
         </p:spPr>
         <p:txBody>
@@ -3646,9 +3336,9 @@
             <a:noAutofit/>
           </a:bodyPr>
           <a:lstStyle>
-            <a:lvl1pPr marL="0" indent="0">
-              <a:buNone/>
-              <a:defRPr sz="2800" b="0"/>
+            <a:lvl1pPr marL="0" indent="0" algn="ctr">
+              <a:buNone/>
+              <a:defRPr sz="2000" b="0"/>
             </a:lvl1pPr>
             <a:lvl2pPr marL="457200" indent="0">
               <a:buNone/>
@@ -3704,43 +3394,15 @@
         </p:nvSpPr>
         <p:spPr>
           <a:xfrm>
-            <a:off x="1141412" y="3243262"/>
-            <a:ext cx="4876800" cy="2547937"/>
+            <a:off x="814729" y="2751138"/>
+            <a:ext cx="5189856" cy="3109913"/>
           </a:xfrm>
         </p:spPr>
         <p:txBody>
           <a:bodyPr anchor="t">
             <a:normAutofit/>
           </a:bodyPr>
-          <a:lstStyle>
-            <a:lvl1pPr>
-              <a:defRPr sz="1800"/>
-            </a:lvl1pPr>
-            <a:lvl2pPr>
-              <a:defRPr sz="1600"/>
-            </a:lvl2pPr>
-            <a:lvl3pPr>
-              <a:defRPr sz="1400"/>
-            </a:lvl3pPr>
-            <a:lvl4pPr>
-              <a:defRPr sz="1200"/>
-            </a:lvl4pPr>
-            <a:lvl5pPr>
-              <a:defRPr sz="1200"/>
-            </a:lvl5pPr>
-            <a:lvl6pPr>
-              <a:defRPr sz="1200"/>
-            </a:lvl6pPr>
-            <a:lvl7pPr>
-              <a:defRPr sz="1200"/>
-            </a:lvl7pPr>
-            <a:lvl8pPr>
-              <a:defRPr sz="1200"/>
-            </a:lvl8pPr>
-            <a:lvl9pPr>
-              <a:defRPr sz="1200"/>
-            </a:lvl9pPr>
-          </a:lstStyle>
+          <a:lstStyle/>
           <a:p>
             <a:pPr lvl="0"/>
             <a:r>
@@ -3791,8 +3453,8 @@
         </p:nvSpPr>
         <p:spPr>
           <a:xfrm>
-            <a:off x="6443133" y="2667000"/>
-            <a:ext cx="4604280" cy="576262"/>
+            <a:off x="6187415" y="2174875"/>
+            <a:ext cx="5194583" cy="576262"/>
           </a:xfrm>
         </p:spPr>
         <p:txBody>
@@ -3800,9 +3462,9 @@
             <a:noAutofit/>
           </a:bodyPr>
           <a:lstStyle>
-            <a:lvl1pPr marL="0" indent="0">
-              <a:buNone/>
-              <a:defRPr sz="2800" b="0"/>
+            <a:lvl1pPr marL="0" indent="0" algn="ctr">
+              <a:buNone/>
+              <a:defRPr sz="2000" b="0"/>
             </a:lvl1pPr>
             <a:lvl2pPr marL="457200" indent="0">
               <a:buNone/>
@@ -3858,43 +3520,15 @@
         </p:nvSpPr>
         <p:spPr>
           <a:xfrm>
-            <a:off x="6170612" y="3243262"/>
-            <a:ext cx="4876801" cy="2547937"/>
+            <a:off x="6187415" y="2751138"/>
+            <a:ext cx="5194583" cy="3109913"/>
           </a:xfrm>
         </p:spPr>
         <p:txBody>
           <a:bodyPr anchor="t">
             <a:normAutofit/>
           </a:bodyPr>
-          <a:lstStyle>
-            <a:lvl1pPr>
-              <a:defRPr sz="1800"/>
-            </a:lvl1pPr>
-            <a:lvl2pPr>
-              <a:defRPr sz="1600"/>
-            </a:lvl2pPr>
-            <a:lvl3pPr>
-              <a:defRPr sz="1400"/>
-            </a:lvl3pPr>
-            <a:lvl4pPr>
-              <a:defRPr sz="1200"/>
-            </a:lvl4pPr>
-            <a:lvl5pPr>
-              <a:defRPr sz="1200"/>
-            </a:lvl5pPr>
-            <a:lvl6pPr>
-              <a:defRPr sz="1200"/>
-            </a:lvl6pPr>
-            <a:lvl7pPr>
-              <a:defRPr sz="1200"/>
-            </a:lvl7pPr>
-            <a:lvl8pPr>
-              <a:defRPr sz="1200"/>
-            </a:lvl8pPr>
-            <a:lvl9pPr>
-              <a:defRPr sz="1200"/>
-            </a:lvl9pPr>
-          </a:lstStyle>
+          <a:lstStyle/>
           <a:p>
             <a:pPr lvl="0"/>
             <a:r>
@@ -4001,7 +3635,7 @@
     </p:spTree>
     <p:extLst>
       <p:ext uri="{BB962C8B-B14F-4D97-AF65-F5344CB8AC3E}">
-        <p14:creationId xmlns:p14="http://schemas.microsoft.com/office/powerpoint/2010/main" val="4173011041"/>
+        <p14:creationId xmlns:p14="http://schemas.microsoft.com/office/powerpoint/2010/main" val="1843962898"/>
       </p:ext>
     </p:extLst>
   </p:cSld>
@@ -4030,6 +3664,109 @@
       </p:grpSpPr>
       <p:sp>
         <p:nvSpPr>
+          <p:cNvPr id="6" name="Freeform 6"/>
+          <p:cNvSpPr/>
+          <p:nvPr/>
+        </p:nvSpPr>
+        <p:spPr bwMode="auto">
+          <a:xfrm>
+            <a:off x="0" y="0"/>
+            <a:ext cx="12192000" cy="2185988"/>
+          </a:xfrm>
+          <a:custGeom>
+            <a:avLst/>
+            <a:gdLst/>
+            <a:ahLst/>
+            <a:cxnLst/>
+            <a:rect l="0" t="0" r="r" b="b"/>
+            <a:pathLst>
+              <a:path w="5760" h="1377">
+                <a:moveTo>
+                  <a:pt x="5760" y="0"/>
+                </a:moveTo>
+                <a:lnTo>
+                  <a:pt x="0" y="0"/>
+                </a:lnTo>
+                <a:lnTo>
+                  <a:pt x="0" y="1189"/>
+                </a:lnTo>
+                <a:lnTo>
+                  <a:pt x="943" y="1189"/>
+                </a:lnTo>
+                <a:lnTo>
+                  <a:pt x="1123" y="1369"/>
+                </a:lnTo>
+                <a:lnTo>
+                  <a:pt x="1123" y="1369"/>
+                </a:lnTo>
+                <a:lnTo>
+                  <a:pt x="1127" y="1371"/>
+                </a:lnTo>
+                <a:lnTo>
+                  <a:pt x="1133" y="1374"/>
+                </a:lnTo>
+                <a:lnTo>
+                  <a:pt x="1139" y="1377"/>
+                </a:lnTo>
+                <a:lnTo>
+                  <a:pt x="1144" y="1377"/>
+                </a:lnTo>
+                <a:lnTo>
+                  <a:pt x="1150" y="1377"/>
+                </a:lnTo>
+                <a:lnTo>
+                  <a:pt x="1155" y="1374"/>
+                </a:lnTo>
+                <a:lnTo>
+                  <a:pt x="1161" y="1371"/>
+                </a:lnTo>
+                <a:lnTo>
+                  <a:pt x="1165" y="1369"/>
+                </a:lnTo>
+                <a:lnTo>
+                  <a:pt x="1345" y="1189"/>
+                </a:lnTo>
+                <a:lnTo>
+                  <a:pt x="5760" y="1189"/>
+                </a:lnTo>
+                <a:lnTo>
+                  <a:pt x="5760" y="0"/>
+                </a:lnTo>
+                <a:close/>
+              </a:path>
+            </a:pathLst>
+          </a:custGeom>
+          <a:ln/>
+          <a:extLst>
+            <a:ext uri="{91240B29-F687-4f45-9708-019B960494DF}">
+              <a14:hiddenLine xmlns:a14="http://schemas.microsoft.com/office/drawing/2010/main" xmlns="" w="9525">
+                <a:solidFill>
+                  <a:srgbClr val="000000"/>
+                </a:solidFill>
+                <a:round/>
+                <a:headEnd/>
+                <a:tailEnd/>
+              </a14:hiddenLine>
+            </a:ext>
+          </a:extLst>
+        </p:spPr>
+        <p:style>
+          <a:lnRef idx="1">
+            <a:schemeClr val="accent1"/>
+          </a:lnRef>
+          <a:fillRef idx="3">
+            <a:schemeClr val="accent1"/>
+          </a:fillRef>
+          <a:effectRef idx="2">
+            <a:schemeClr val="accent1"/>
+          </a:effectRef>
+          <a:fontRef idx="minor">
+            <a:schemeClr val="lt1"/>
+          </a:fontRef>
+        </p:style>
+      </p:sp>
+      <p:sp>
+        <p:nvSpPr>
           <p:cNvPr id="2" name="Title 1"/>
           <p:cNvSpPr>
             <a:spLocks noGrp="1"/>
@@ -4119,7 +3856,7 @@
     </p:spTree>
     <p:extLst>
       <p:ext uri="{BB962C8B-B14F-4D97-AF65-F5344CB8AC3E}">
-        <p14:creationId xmlns:p14="http://schemas.microsoft.com/office/powerpoint/2010/main" val="1717828614"/>
+        <p14:creationId xmlns:p14="http://schemas.microsoft.com/office/powerpoint/2010/main" val="3744588321"/>
       </p:ext>
     </p:extLst>
   </p:cSld>
@@ -4214,7 +3951,7 @@
     </p:spTree>
     <p:extLst>
       <p:ext uri="{BB962C8B-B14F-4D97-AF65-F5344CB8AC3E}">
-        <p14:creationId xmlns:p14="http://schemas.microsoft.com/office/powerpoint/2010/main" val="4226730155"/>
+        <p14:creationId xmlns:p14="http://schemas.microsoft.com/office/powerpoint/2010/main" val="1534833311"/>
       </p:ext>
     </p:extLst>
   </p:cSld>
@@ -4243,6 +3980,222 @@
       </p:grpSpPr>
       <p:sp>
         <p:nvSpPr>
+          <p:cNvPr id="12" name="Freeform 6"/>
+          <p:cNvSpPr>
+            <a:spLocks noChangeAspect="1"/>
+          </p:cNvSpPr>
+          <p:nvPr/>
+        </p:nvSpPr>
+        <p:spPr bwMode="auto">
+          <a:xfrm>
+            <a:off x="1073151" y="446087"/>
+            <a:ext cx="3547533" cy="1814651"/>
+          </a:xfrm>
+          <a:custGeom>
+            <a:avLst/>
+            <a:gdLst/>
+            <a:ahLst/>
+            <a:cxnLst/>
+            <a:rect l="0" t="0" r="r" b="b"/>
+            <a:pathLst>
+              <a:path w="3384" h="2308">
+                <a:moveTo>
+                  <a:pt x="3340" y="0"/>
+                </a:moveTo>
+                <a:lnTo>
+                  <a:pt x="44" y="0"/>
+                </a:lnTo>
+                <a:lnTo>
+                  <a:pt x="44" y="0"/>
+                </a:lnTo>
+                <a:lnTo>
+                  <a:pt x="34" y="0"/>
+                </a:lnTo>
+                <a:lnTo>
+                  <a:pt x="26" y="4"/>
+                </a:lnTo>
+                <a:lnTo>
+                  <a:pt x="20" y="8"/>
+                </a:lnTo>
+                <a:lnTo>
+                  <a:pt x="12" y="12"/>
+                </a:lnTo>
+                <a:lnTo>
+                  <a:pt x="8" y="20"/>
+                </a:lnTo>
+                <a:lnTo>
+                  <a:pt x="4" y="26"/>
+                </a:lnTo>
+                <a:lnTo>
+                  <a:pt x="0" y="34"/>
+                </a:lnTo>
+                <a:lnTo>
+                  <a:pt x="0" y="44"/>
+                </a:lnTo>
+                <a:lnTo>
+                  <a:pt x="0" y="2076"/>
+                </a:lnTo>
+                <a:lnTo>
+                  <a:pt x="0" y="2076"/>
+                </a:lnTo>
+                <a:lnTo>
+                  <a:pt x="0" y="2086"/>
+                </a:lnTo>
+                <a:lnTo>
+                  <a:pt x="4" y="2094"/>
+                </a:lnTo>
+                <a:lnTo>
+                  <a:pt x="8" y="2100"/>
+                </a:lnTo>
+                <a:lnTo>
+                  <a:pt x="12" y="2108"/>
+                </a:lnTo>
+                <a:lnTo>
+                  <a:pt x="20" y="2112"/>
+                </a:lnTo>
+                <a:lnTo>
+                  <a:pt x="26" y="2116"/>
+                </a:lnTo>
+                <a:lnTo>
+                  <a:pt x="34" y="2120"/>
+                </a:lnTo>
+                <a:lnTo>
+                  <a:pt x="44" y="2120"/>
+                </a:lnTo>
+                <a:lnTo>
+                  <a:pt x="474" y="2120"/>
+                </a:lnTo>
+                <a:lnTo>
+                  <a:pt x="650" y="2296"/>
+                </a:lnTo>
+                <a:lnTo>
+                  <a:pt x="650" y="2296"/>
+                </a:lnTo>
+                <a:lnTo>
+                  <a:pt x="656" y="2300"/>
+                </a:lnTo>
+                <a:lnTo>
+                  <a:pt x="664" y="2304"/>
+                </a:lnTo>
+                <a:lnTo>
+                  <a:pt x="672" y="2308"/>
+                </a:lnTo>
+                <a:lnTo>
+                  <a:pt x="680" y="2308"/>
+                </a:lnTo>
+                <a:lnTo>
+                  <a:pt x="688" y="2308"/>
+                </a:lnTo>
+                <a:lnTo>
+                  <a:pt x="696" y="2304"/>
+                </a:lnTo>
+                <a:lnTo>
+                  <a:pt x="704" y="2300"/>
+                </a:lnTo>
+                <a:lnTo>
+                  <a:pt x="710" y="2296"/>
+                </a:lnTo>
+                <a:lnTo>
+                  <a:pt x="886" y="2120"/>
+                </a:lnTo>
+                <a:lnTo>
+                  <a:pt x="3340" y="2120"/>
+                </a:lnTo>
+                <a:lnTo>
+                  <a:pt x="3340" y="2120"/>
+                </a:lnTo>
+                <a:lnTo>
+                  <a:pt x="3350" y="2120"/>
+                </a:lnTo>
+                <a:lnTo>
+                  <a:pt x="3358" y="2116"/>
+                </a:lnTo>
+                <a:lnTo>
+                  <a:pt x="3364" y="2112"/>
+                </a:lnTo>
+                <a:lnTo>
+                  <a:pt x="3372" y="2108"/>
+                </a:lnTo>
+                <a:lnTo>
+                  <a:pt x="3376" y="2100"/>
+                </a:lnTo>
+                <a:lnTo>
+                  <a:pt x="3380" y="2094"/>
+                </a:lnTo>
+                <a:lnTo>
+                  <a:pt x="3384" y="2086"/>
+                </a:lnTo>
+                <a:lnTo>
+                  <a:pt x="3384" y="2076"/>
+                </a:lnTo>
+                <a:lnTo>
+                  <a:pt x="3384" y="44"/>
+                </a:lnTo>
+                <a:lnTo>
+                  <a:pt x="3384" y="44"/>
+                </a:lnTo>
+                <a:lnTo>
+                  <a:pt x="3384" y="34"/>
+                </a:lnTo>
+                <a:lnTo>
+                  <a:pt x="3380" y="26"/>
+                </a:lnTo>
+                <a:lnTo>
+                  <a:pt x="3376" y="20"/>
+                </a:lnTo>
+                <a:lnTo>
+                  <a:pt x="3372" y="12"/>
+                </a:lnTo>
+                <a:lnTo>
+                  <a:pt x="3364" y="8"/>
+                </a:lnTo>
+                <a:lnTo>
+                  <a:pt x="3358" y="4"/>
+                </a:lnTo>
+                <a:lnTo>
+                  <a:pt x="3350" y="0"/>
+                </a:lnTo>
+                <a:lnTo>
+                  <a:pt x="3340" y="0"/>
+                </a:lnTo>
+                <a:lnTo>
+                  <a:pt x="3340" y="0"/>
+                </a:lnTo>
+                <a:close/>
+              </a:path>
+            </a:pathLst>
+          </a:custGeom>
+          <a:ln/>
+          <a:extLst>
+            <a:ext uri="{91240B29-F687-4f45-9708-019B960494DF}">
+              <a14:hiddenLine xmlns:a14="http://schemas.microsoft.com/office/drawing/2010/main" xmlns="" w="9525">
+                <a:solidFill>
+                  <a:srgbClr val="000000"/>
+                </a:solidFill>
+                <a:round/>
+                <a:headEnd/>
+                <a:tailEnd/>
+              </a14:hiddenLine>
+            </a:ext>
+          </a:extLst>
+        </p:spPr>
+        <p:style>
+          <a:lnRef idx="1">
+            <a:schemeClr val="accent1"/>
+          </a:lnRef>
+          <a:fillRef idx="3">
+            <a:schemeClr val="accent1"/>
+          </a:fillRef>
+          <a:effectRef idx="2">
+            <a:schemeClr val="accent1"/>
+          </a:effectRef>
+          <a:fontRef idx="minor">
+            <a:schemeClr val="lt1"/>
+          </a:fontRef>
+        </p:style>
+      </p:sp>
+      <p:sp>
+        <p:nvSpPr>
           <p:cNvPr id="2" name="Title 1"/>
           <p:cNvSpPr>
             <a:spLocks noGrp="1"/>
@@ -4253,17 +4206,15 @@
         </p:nvSpPr>
         <p:spPr>
           <a:xfrm>
-            <a:off x="1141411" y="1600200"/>
-            <a:ext cx="3549121" cy="1371600"/>
+            <a:off x="1073151" y="446088"/>
+            <a:ext cx="3547533" cy="1618396"/>
           </a:xfrm>
         </p:spPr>
         <p:txBody>
-          <a:bodyPr anchor="b">
-            <a:normAutofit/>
-          </a:bodyPr>
+          <a:bodyPr anchor="b"/>
           <a:lstStyle>
             <a:lvl1pPr algn="l">
-              <a:defRPr sz="2400" b="0"/>
+              <a:defRPr sz="2000" b="1"/>
             </a:lvl1pPr>
           </a:lstStyle>
           <a:p>
@@ -4287,105 +4238,75 @@
         </p:nvSpPr>
         <p:spPr>
           <a:xfrm>
-            <a:off x="5103812" y="609601"/>
-            <a:ext cx="5943601" cy="5181600"/>
-          </a:xfrm>
-        </p:spPr>
-        <p:txBody>
-          <a:bodyPr anchor="ctr">
-            <a:normAutofit/>
-          </a:bodyPr>
-          <a:lstStyle>
-            <a:lvl1pPr>
-              <a:defRPr sz="2000"/>
-            </a:lvl1pPr>
-            <a:lvl2pPr>
-              <a:defRPr sz="1800"/>
-            </a:lvl2pPr>
-            <a:lvl3pPr>
-              <a:defRPr sz="1600"/>
-            </a:lvl3pPr>
-            <a:lvl4pPr>
-              <a:defRPr sz="1400"/>
-            </a:lvl4pPr>
-            <a:lvl5pPr>
-              <a:defRPr sz="1400"/>
-            </a:lvl5pPr>
-            <a:lvl6pPr>
-              <a:defRPr sz="1400"/>
-            </a:lvl6pPr>
-            <a:lvl7pPr>
-              <a:defRPr sz="1400"/>
-            </a:lvl7pPr>
-            <a:lvl8pPr>
-              <a:defRPr sz="1400"/>
-            </a:lvl8pPr>
-            <a:lvl9pPr>
-              <a:defRPr sz="1400"/>
-            </a:lvl9pPr>
-          </a:lstStyle>
-          <a:p>
-            <a:pPr lvl="0"/>
-            <a:r>
-              <a:rPr lang="en-US"/>
-              <a:t>Click to edit Master text styles</a:t>
-            </a:r>
-          </a:p>
-          <a:p>
-            <a:pPr lvl="1"/>
-            <a:r>
-              <a:rPr lang="en-US"/>
-              <a:t>Second level</a:t>
-            </a:r>
-          </a:p>
-          <a:p>
-            <a:pPr lvl="2"/>
-            <a:r>
-              <a:rPr lang="en-US"/>
-              <a:t>Third level</a:t>
-            </a:r>
-          </a:p>
-          <a:p>
-            <a:pPr lvl="3"/>
-            <a:r>
-              <a:rPr lang="en-US"/>
-              <a:t>Fourth level</a:t>
-            </a:r>
-          </a:p>
-          <a:p>
-            <a:pPr lvl="4"/>
-            <a:r>
-              <a:rPr lang="en-US"/>
-              <a:t>Fifth level</a:t>
-            </a:r>
-            <a:endParaRPr lang="en-US" dirty="0"/>
-          </a:p>
-        </p:txBody>
-      </p:sp>
-      <p:sp>
-        <p:nvSpPr>
-          <p:cNvPr id="4" name="Text Placeholder 3"/>
-          <p:cNvSpPr>
-            <a:spLocks noGrp="1"/>
-          </p:cNvSpPr>
-          <p:nvPr>
-            <p:ph type="body" sz="half" idx="2"/>
-          </p:nvPr>
-        </p:nvSpPr>
-        <p:spPr>
-          <a:xfrm>
-            <a:off x="1141411" y="2971800"/>
-            <a:ext cx="3549121" cy="1828800"/>
+            <a:off x="4855633" y="446088"/>
+            <a:ext cx="6252633" cy="5414963"/>
           </a:xfrm>
         </p:spPr>
         <p:txBody>
           <a:bodyPr>
             <a:normAutofit/>
           </a:bodyPr>
+          <a:lstStyle/>
+          <a:p>
+            <a:pPr lvl="0"/>
+            <a:r>
+              <a:rPr lang="en-US"/>
+              <a:t>Click to edit Master text styles</a:t>
+            </a:r>
+          </a:p>
+          <a:p>
+            <a:pPr lvl="1"/>
+            <a:r>
+              <a:rPr lang="en-US"/>
+              <a:t>Second level</a:t>
+            </a:r>
+          </a:p>
+          <a:p>
+            <a:pPr lvl="2"/>
+            <a:r>
+              <a:rPr lang="en-US"/>
+              <a:t>Third level</a:t>
+            </a:r>
+          </a:p>
+          <a:p>
+            <a:pPr lvl="3"/>
+            <a:r>
+              <a:rPr lang="en-US"/>
+              <a:t>Fourth level</a:t>
+            </a:r>
+          </a:p>
+          <a:p>
+            <a:pPr lvl="4"/>
+            <a:r>
+              <a:rPr lang="en-US"/>
+              <a:t>Fifth level</a:t>
+            </a:r>
+            <a:endParaRPr lang="en-US" dirty="0"/>
+          </a:p>
+        </p:txBody>
+      </p:sp>
+      <p:sp>
+        <p:nvSpPr>
+          <p:cNvPr id="4" name="Text Placeholder 3"/>
+          <p:cNvSpPr>
+            <a:spLocks noGrp="1"/>
+          </p:cNvSpPr>
+          <p:nvPr>
+            <p:ph type="body" sz="half" idx="2"/>
+          </p:nvPr>
+        </p:nvSpPr>
+        <p:spPr>
+          <a:xfrm>
+            <a:off x="1073151" y="2260738"/>
+            <a:ext cx="3547533" cy="3600311"/>
+          </a:xfrm>
+        </p:spPr>
+        <p:txBody>
+          <a:bodyPr/>
           <a:lstStyle>
             <a:lvl1pPr marL="0" indent="0">
               <a:buNone/>
-              <a:defRPr sz="1600"/>
+              <a:defRPr sz="1400"/>
             </a:lvl1pPr>
             <a:lvl2pPr marL="457200" indent="0">
               <a:buNone/>
@@ -4497,7 +4418,7 @@
     </p:spTree>
     <p:extLst>
       <p:ext uri="{BB962C8B-B14F-4D97-AF65-F5344CB8AC3E}">
-        <p14:creationId xmlns:p14="http://schemas.microsoft.com/office/powerpoint/2010/main" val="3644327467"/>
+        <p14:creationId xmlns:p14="http://schemas.microsoft.com/office/powerpoint/2010/main" val="3354033300"/>
       </p:ext>
     </p:extLst>
   </p:cSld>
@@ -4536,8 +4457,8 @@
         </p:nvSpPr>
         <p:spPr>
           <a:xfrm>
-            <a:off x="1141411" y="1600200"/>
-            <a:ext cx="5334001" cy="1371600"/>
+            <a:off x="814728" y="727522"/>
+            <a:ext cx="4852988" cy="1617163"/>
           </a:xfrm>
         </p:spPr>
         <p:txBody>
@@ -4546,7 +4467,7 @@
           </a:bodyPr>
           <a:lstStyle>
             <a:lvl1pPr algn="l">
-              <a:defRPr sz="2800" b="0"/>
+              <a:defRPr sz="2400" b="0"/>
             </a:lvl1pPr>
           </a:lstStyle>
           <a:p>
@@ -4560,118 +4481,140 @@
       </p:sp>
       <p:sp>
         <p:nvSpPr>
-          <p:cNvPr id="14" name="Picture Placeholder 2"/>
+          <p:cNvPr id="9" name="Picture Placeholder 11"/>
           <p:cNvSpPr>
             <a:spLocks noGrp="1" noChangeAspect="1"/>
           </p:cNvSpPr>
           <p:nvPr>
-            <p:ph type="pic" idx="1"/>
+            <p:ph type="pic" sz="quarter" idx="13"/>
+          </p:nvPr>
+        </p:nvSpPr>
+        <p:spPr bwMode="auto">
+          <a:xfrm>
+            <a:off x="6098117" y="0"/>
+            <a:ext cx="6093883" cy="6858000"/>
+          </a:xfrm>
+          <a:custGeom>
+            <a:avLst/>
+            <a:gdLst/>
+            <a:ahLst/>
+            <a:cxnLst/>
+            <a:rect l="0" t="0" r="r" b="b"/>
+            <a:pathLst>
+              <a:path w="2879" h="4320">
+                <a:moveTo>
+                  <a:pt x="183" y="0"/>
+                </a:moveTo>
+                <a:lnTo>
+                  <a:pt x="183" y="1197"/>
+                </a:lnTo>
+                <a:lnTo>
+                  <a:pt x="8" y="1372"/>
+                </a:lnTo>
+                <a:lnTo>
+                  <a:pt x="8" y="1372"/>
+                </a:lnTo>
+                <a:lnTo>
+                  <a:pt x="6" y="1376"/>
+                </a:lnTo>
+                <a:lnTo>
+                  <a:pt x="3" y="1382"/>
+                </a:lnTo>
+                <a:lnTo>
+                  <a:pt x="0" y="1387"/>
+                </a:lnTo>
+                <a:lnTo>
+                  <a:pt x="0" y="1393"/>
+                </a:lnTo>
+                <a:lnTo>
+                  <a:pt x="0" y="1399"/>
+                </a:lnTo>
+                <a:lnTo>
+                  <a:pt x="3" y="1404"/>
+                </a:lnTo>
+                <a:lnTo>
+                  <a:pt x="6" y="1410"/>
+                </a:lnTo>
+                <a:lnTo>
+                  <a:pt x="8" y="1414"/>
+                </a:lnTo>
+                <a:lnTo>
+                  <a:pt x="183" y="1589"/>
+                </a:lnTo>
+                <a:lnTo>
+                  <a:pt x="183" y="4320"/>
+                </a:lnTo>
+                <a:lnTo>
+                  <a:pt x="2879" y="4320"/>
+                </a:lnTo>
+                <a:lnTo>
+                  <a:pt x="2879" y="0"/>
+                </a:lnTo>
+                <a:lnTo>
+                  <a:pt x="183" y="0"/>
+                </a:lnTo>
+                <a:close/>
+              </a:path>
+            </a:pathLst>
+          </a:custGeom>
+          <a:noFill/>
+          <a:ln w="9525">
+            <a:solidFill>
+              <a:schemeClr val="tx2"/>
+            </a:solidFill>
+            <a:round/>
+            <a:headEnd/>
+            <a:tailEnd/>
+          </a:ln>
+          <a:effectLst/>
+        </p:spPr>
+        <p:txBody>
+          <a:bodyPr wrap="square" numCol="1" anchor="t" anchorCtr="0" compatLnSpc="1">
+            <a:prstTxWarp prst="textNoShape">
+              <a:avLst/>
+            </a:prstTxWarp>
+            <a:normAutofit/>
+          </a:bodyPr>
+          <a:lstStyle>
+            <a:lvl1pPr algn="ctr">
+              <a:buFontTx/>
+              <a:buNone/>
+              <a:defRPr sz="1400"/>
+            </a:lvl1pPr>
+          </a:lstStyle>
+          <a:p>
+            <a:r>
+              <a:rPr lang="en-US"/>
+              <a:t>Click icon to add picture</a:t>
+            </a:r>
+            <a:endParaRPr lang="en-US" dirty="0"/>
+          </a:p>
+        </p:txBody>
+      </p:sp>
+      <p:sp>
+        <p:nvSpPr>
+          <p:cNvPr id="4" name="Text Placeholder 3"/>
+          <p:cNvSpPr>
+            <a:spLocks noGrp="1"/>
+          </p:cNvSpPr>
+          <p:nvPr>
+            <p:ph type="body" sz="half" idx="2"/>
           </p:nvPr>
         </p:nvSpPr>
         <p:spPr>
           <a:xfrm>
-            <a:off x="7433733" y="-18288"/>
-            <a:ext cx="3276599" cy="6903720"/>
+            <a:off x="814728" y="2344684"/>
+            <a:ext cx="4852988" cy="3516365"/>
           </a:xfrm>
-          <a:ln w="38100">
-            <a:gradFill flip="none" rotWithShape="1">
-              <a:gsLst>
-                <a:gs pos="0">
-                  <a:schemeClr val="bg2"/>
-                </a:gs>
-                <a:gs pos="100000">
-                  <a:schemeClr val="bg2">
-                    <a:lumMod val="75000"/>
-                  </a:schemeClr>
-                </a:gs>
-              </a:gsLst>
-              <a:lin ang="5400000" scaled="0"/>
-              <a:tileRect/>
-            </a:gradFill>
-          </a:ln>
-          <a:effectLst>
-            <a:innerShdw blurRad="57150" dist="38100" dir="10800000">
-              <a:srgbClr val="000000">
-                <a:alpha val="70000"/>
-              </a:srgbClr>
-            </a:innerShdw>
-          </a:effectLst>
         </p:spPr>
         <p:txBody>
           <a:bodyPr anchor="t">
             <a:normAutofit/>
           </a:bodyPr>
           <a:lstStyle>
-            <a:lvl1pPr marL="0" indent="0" algn="ctr">
-              <a:buNone/>
-              <a:defRPr sz="1600"/>
-            </a:lvl1pPr>
-            <a:lvl2pPr marL="457200" indent="0">
-              <a:buNone/>
-              <a:defRPr sz="1600"/>
-            </a:lvl2pPr>
-            <a:lvl3pPr marL="914400" indent="0">
-              <a:buNone/>
-              <a:defRPr sz="1600"/>
-            </a:lvl3pPr>
-            <a:lvl4pPr marL="1371600" indent="0">
-              <a:buNone/>
-              <a:defRPr sz="1600"/>
-            </a:lvl4pPr>
-            <a:lvl5pPr marL="1828800" indent="0">
-              <a:buNone/>
-              <a:defRPr sz="1600"/>
-            </a:lvl5pPr>
-            <a:lvl6pPr marL="2286000" indent="0">
-              <a:buNone/>
-              <a:defRPr sz="1600"/>
-            </a:lvl6pPr>
-            <a:lvl7pPr marL="2743200" indent="0">
-              <a:buNone/>
-              <a:defRPr sz="1600"/>
-            </a:lvl7pPr>
-            <a:lvl8pPr marL="3200400" indent="0">
-              <a:buNone/>
-              <a:defRPr sz="1600"/>
-            </a:lvl8pPr>
-            <a:lvl9pPr marL="3657600" indent="0">
-              <a:buNone/>
-              <a:defRPr sz="1600"/>
-            </a:lvl9pPr>
-          </a:lstStyle>
-          <a:p>
-            <a:r>
-              <a:rPr lang="en-US"/>
-              <a:t>Click icon to add picture</a:t>
-            </a:r>
-            <a:endParaRPr lang="en-US" dirty="0"/>
-          </a:p>
-        </p:txBody>
-      </p:sp>
-      <p:sp>
-        <p:nvSpPr>
-          <p:cNvPr id="4" name="Text Placeholder 3"/>
-          <p:cNvSpPr>
-            <a:spLocks noGrp="1"/>
-          </p:cNvSpPr>
-          <p:nvPr>
-            <p:ph type="body" sz="half" idx="2"/>
-          </p:nvPr>
-        </p:nvSpPr>
-        <p:spPr>
-          <a:xfrm>
-            <a:off x="1141411" y="2971800"/>
-            <a:ext cx="5334001" cy="1828800"/>
-          </a:xfrm>
-        </p:spPr>
-        <p:txBody>
-          <a:bodyPr>
-            <a:normAutofit/>
-          </a:bodyPr>
-          <a:lstStyle>
             <a:lvl1pPr marL="0" indent="0">
               <a:buNone/>
-              <a:defRPr sz="1800"/>
+              <a:defRPr sz="1200"/>
             </a:lvl1pPr>
             <a:lvl2pPr marL="457200" indent="0">
               <a:buNone/>
@@ -4727,8 +4670,8 @@
         </p:nvSpPr>
         <p:spPr>
           <a:xfrm>
-            <a:off x="6399212" y="5883275"/>
-            <a:ext cx="914400" cy="365125"/>
+            <a:off x="3885810" y="6041362"/>
+            <a:ext cx="976879" cy="365125"/>
           </a:xfrm>
         </p:spPr>
         <p:txBody>
@@ -4755,8 +4698,8 @@
         </p:nvSpPr>
         <p:spPr>
           <a:xfrm>
-            <a:off x="1141412" y="5883275"/>
-            <a:ext cx="5105400" cy="365125"/>
+            <a:off x="590396" y="6041362"/>
+            <a:ext cx="3295413" cy="365125"/>
           </a:xfrm>
         </p:spPr>
         <p:txBody>
@@ -4779,8 +4722,8 @@
         </p:nvSpPr>
         <p:spPr>
           <a:xfrm>
-            <a:off x="10742612" y="5883275"/>
-            <a:ext cx="322567" cy="365125"/>
+            <a:off x="4862689" y="5915888"/>
+            <a:ext cx="1062155" cy="490599"/>
           </a:xfrm>
         </p:spPr>
         <p:txBody>
@@ -4798,7 +4741,7 @@
     </p:spTree>
     <p:extLst>
       <p:ext uri="{BB962C8B-B14F-4D97-AF65-F5344CB8AC3E}">
-        <p14:creationId xmlns:p14="http://schemas.microsoft.com/office/powerpoint/2010/main" val="1275608632"/>
+        <p14:creationId xmlns:p14="http://schemas.microsoft.com/office/powerpoint/2010/main" val="3913614731"/>
       </p:ext>
     </p:extLst>
   </p:cSld>
@@ -4812,7 +4755,7 @@
 <p:sldMaster xmlns:a="http://schemas.openxmlformats.org/drawingml/2006/main" xmlns:r="http://schemas.openxmlformats.org/officeDocument/2006/relationships" xmlns:p="http://schemas.openxmlformats.org/presentationml/2006/main">
   <p:cSld>
     <p:bg>
-      <p:bgRef idx="1003">
+      <p:bgRef idx="1001">
         <a:schemeClr val="bg2"/>
       </p:bgRef>
     </p:bg>
@@ -4842,220 +4785,204 @@
         </p:nvSpPr>
         <p:spPr>
           <a:xfrm>
-            <a:off x="1141413" y="609600"/>
-            <a:ext cx="9905998" cy="1905000"/>
+            <a:off x="810000" y="447188"/>
+            <a:ext cx="10571998" cy="970450"/>
+          </a:xfrm>
+          <a:prstGeom prst="rect">
+            <a:avLst/>
+          </a:prstGeom>
+          <a:effectLst>
+            <a:outerShdw blurRad="50800" dir="14400000">
+              <a:srgbClr val="000000">
+                <a:alpha val="60000"/>
+              </a:srgbClr>
+            </a:outerShdw>
+          </a:effectLst>
+        </p:spPr>
+        <p:txBody>
+          <a:bodyPr vert="horz" lIns="91440" tIns="45720" rIns="91440" bIns="45720" rtlCol="0" anchor="b">
+            <a:noAutofit/>
+          </a:bodyPr>
+          <a:lstStyle/>
+          <a:p>
+            <a:r>
+              <a:rPr lang="en-US"/>
+              <a:t>Click to edit Master title style</a:t>
+            </a:r>
+            <a:endParaRPr lang="en-US" dirty="0"/>
+          </a:p>
+        </p:txBody>
+      </p:sp>
+      <p:sp>
+        <p:nvSpPr>
+          <p:cNvPr id="3" name="Text Placeholder 2"/>
+          <p:cNvSpPr>
+            <a:spLocks noGrp="1"/>
+          </p:cNvSpPr>
+          <p:nvPr>
+            <p:ph type="body" idx="1"/>
+          </p:nvPr>
+        </p:nvSpPr>
+        <p:spPr>
+          <a:xfrm>
+            <a:off x="810000" y="2184401"/>
+            <a:ext cx="10563285" cy="3674397"/>
+          </a:xfrm>
+          <a:prstGeom prst="rect">
+            <a:avLst/>
+          </a:prstGeom>
+          <a:effectLst>
+            <a:outerShdw blurRad="50800" dir="14400000">
+              <a:srgbClr val="000000">
+                <a:alpha val="40000"/>
+              </a:srgbClr>
+            </a:outerShdw>
+          </a:effectLst>
+        </p:spPr>
+        <p:txBody>
+          <a:bodyPr vert="horz" lIns="91440" tIns="45720" rIns="91440" bIns="45720" rtlCol="0" anchor="ctr">
+            <a:normAutofit/>
+          </a:bodyPr>
+          <a:lstStyle/>
+          <a:p>
+            <a:pPr lvl="0"/>
+            <a:r>
+              <a:rPr lang="en-US"/>
+              <a:t>Click to edit Master text styles</a:t>
+            </a:r>
+          </a:p>
+          <a:p>
+            <a:pPr lvl="1"/>
+            <a:r>
+              <a:rPr lang="en-US"/>
+              <a:t>Second level</a:t>
+            </a:r>
+          </a:p>
+          <a:p>
+            <a:pPr lvl="2"/>
+            <a:r>
+              <a:rPr lang="en-US"/>
+              <a:t>Third level</a:t>
+            </a:r>
+          </a:p>
+          <a:p>
+            <a:pPr lvl="3"/>
+            <a:r>
+              <a:rPr lang="en-US"/>
+              <a:t>Fourth level</a:t>
+            </a:r>
+          </a:p>
+          <a:p>
+            <a:pPr lvl="4"/>
+            <a:r>
+              <a:rPr lang="en-US"/>
+              <a:t>Fifth level</a:t>
+            </a:r>
+            <a:endParaRPr lang="en-US" dirty="0"/>
+          </a:p>
+        </p:txBody>
+      </p:sp>
+      <p:sp>
+        <p:nvSpPr>
+          <p:cNvPr id="5" name="Footer Placeholder 4"/>
+          <p:cNvSpPr>
+            <a:spLocks noGrp="1"/>
+          </p:cNvSpPr>
+          <p:nvPr>
+            <p:ph type="ftr" sz="quarter" idx="3"/>
+          </p:nvPr>
+        </p:nvSpPr>
+        <p:spPr>
+          <a:xfrm>
+            <a:off x="451514" y="6041362"/>
+            <a:ext cx="8644320" cy="365125"/>
           </a:xfrm>
           <a:prstGeom prst="rect">
             <a:avLst/>
           </a:prstGeom>
         </p:spPr>
         <p:txBody>
-          <a:bodyPr vert="horz" lIns="91440" tIns="45720" rIns="91440" bIns="45720" rtlCol="0" anchor="ctr">
-            <a:normAutofit/>
-          </a:bodyPr>
-          <a:lstStyle/>
-          <a:p>
-            <a:r>
-              <a:rPr lang="en-US"/>
-              <a:t>Click to edit Master title style</a:t>
-            </a:r>
-            <a:endParaRPr lang="en-US" dirty="0"/>
-          </a:p>
-        </p:txBody>
-      </p:sp>
-      <p:sp>
-        <p:nvSpPr>
-          <p:cNvPr id="3" name="Text Placeholder 2"/>
-          <p:cNvSpPr>
-            <a:spLocks noGrp="1"/>
-          </p:cNvSpPr>
-          <p:nvPr>
-            <p:ph type="body" idx="1"/>
+          <a:bodyPr vert="horz" lIns="91440" tIns="45720" rIns="91440" bIns="45720" rtlCol="0" anchor="b"/>
+          <a:lstStyle>
+            <a:lvl1pPr algn="l">
+              <a:defRPr sz="900">
+                <a:solidFill>
+                  <a:schemeClr val="tx1"/>
+                </a:solidFill>
+              </a:defRPr>
+            </a:lvl1pPr>
+          </a:lstStyle>
+          <a:p>
+            <a:endParaRPr lang="en-IN"/>
+          </a:p>
+        </p:txBody>
+      </p:sp>
+      <p:sp>
+        <p:nvSpPr>
+          <p:cNvPr id="4" name="Date Placeholder 3"/>
+          <p:cNvSpPr>
+            <a:spLocks noGrp="1"/>
+          </p:cNvSpPr>
+          <p:nvPr>
+            <p:ph type="dt" sz="half" idx="2"/>
           </p:nvPr>
         </p:nvSpPr>
         <p:spPr>
           <a:xfrm>
-            <a:off x="1141413" y="2666999"/>
-            <a:ext cx="9905998" cy="3124201"/>
+            <a:off x="9334626" y="6041362"/>
+            <a:ext cx="1343706" cy="365125"/>
           </a:xfrm>
           <a:prstGeom prst="rect">
             <a:avLst/>
           </a:prstGeom>
         </p:spPr>
         <p:txBody>
-          <a:bodyPr vert="horz" lIns="91440" tIns="45720" rIns="91440" bIns="45720" rtlCol="0" anchor="ctr">
-            <a:normAutofit/>
-          </a:bodyPr>
-          <a:lstStyle/>
-          <a:p>
-            <a:pPr lvl="0"/>
-            <a:r>
-              <a:rPr lang="en-US"/>
-              <a:t>Click to edit Master text styles</a:t>
-            </a:r>
-          </a:p>
-          <a:p>
-            <a:pPr lvl="1"/>
-            <a:r>
-              <a:rPr lang="en-US"/>
-              <a:t>Second level</a:t>
-            </a:r>
-          </a:p>
-          <a:p>
-            <a:pPr lvl="2"/>
-            <a:r>
-              <a:rPr lang="en-US"/>
-              <a:t>Third level</a:t>
-            </a:r>
-          </a:p>
-          <a:p>
-            <a:pPr lvl="3"/>
-            <a:r>
-              <a:rPr lang="en-US"/>
-              <a:t>Fourth level</a:t>
-            </a:r>
-          </a:p>
-          <a:p>
-            <a:pPr lvl="4"/>
-            <a:r>
-              <a:rPr lang="en-US"/>
-              <a:t>Fifth level</a:t>
-            </a:r>
-            <a:endParaRPr lang="en-US" dirty="0"/>
-          </a:p>
-        </p:txBody>
-      </p:sp>
-      <p:sp>
-        <p:nvSpPr>
-          <p:cNvPr id="4" name="Date Placeholder 3"/>
-          <p:cNvSpPr>
-            <a:spLocks noGrp="1"/>
-          </p:cNvSpPr>
-          <p:nvPr>
-            <p:ph type="dt" sz="half" idx="2"/>
+          <a:bodyPr vert="horz" lIns="91440" tIns="45720" rIns="91440" bIns="45720" rtlCol="0" anchor="b"/>
+          <a:lstStyle>
+            <a:lvl1pPr algn="r">
+              <a:defRPr sz="900">
+                <a:solidFill>
+                  <a:schemeClr val="tx1"/>
+                </a:solidFill>
+              </a:defRPr>
+            </a:lvl1pPr>
+          </a:lstStyle>
+          <a:p>
+            <a:fld id="{874FFE33-465F-4E9E-89CE-5F79E84B8B4B}" type="datetimeFigureOut">
+              <a:rPr lang="en-IN" smtClean="0"/>
+              <a:t>28-02-2025</a:t>
+            </a:fld>
+            <a:endParaRPr lang="en-IN"/>
+          </a:p>
+        </p:txBody>
+      </p:sp>
+      <p:sp>
+        <p:nvSpPr>
+          <p:cNvPr id="6" name="Slide Number Placeholder 5"/>
+          <p:cNvSpPr>
+            <a:spLocks noGrp="1"/>
+          </p:cNvSpPr>
+          <p:nvPr>
+            <p:ph type="sldNum" sz="quarter" idx="4"/>
           </p:nvPr>
         </p:nvSpPr>
         <p:spPr>
           <a:xfrm>
-            <a:off x="8837612" y="5883275"/>
-            <a:ext cx="1600200" cy="365125"/>
+            <a:off x="10678331" y="5915888"/>
+            <a:ext cx="1062155" cy="490599"/>
           </a:xfrm>
           <a:prstGeom prst="rect">
             <a:avLst/>
           </a:prstGeom>
         </p:spPr>
         <p:txBody>
-          <a:bodyPr vert="horz" lIns="91440" tIns="45720" rIns="91440" bIns="45720" rtlCol="0" anchor="ctr"/>
+          <a:bodyPr vert="horz" lIns="91440" tIns="45720" rIns="91440" bIns="10800" rtlCol="0" anchor="b"/>
           <a:lstStyle>
             <a:lvl1pPr algn="r">
-              <a:defRPr sz="900" b="1" i="0">
+              <a:defRPr sz="2000">
                 <a:solidFill>
-                  <a:schemeClr val="tx1">
-                    <a:lumMod val="75000"/>
-                  </a:schemeClr>
+                  <a:schemeClr val="accent1"/>
                 </a:solidFill>
-                <a:effectLst>
-                  <a:outerShdw blurRad="50800" dist="38100" dir="2700000" algn="tl" rotWithShape="0">
-                    <a:srgbClr val="000000">
-                      <a:alpha val="43000"/>
-                    </a:srgbClr>
-                  </a:outerShdw>
-                </a:effectLst>
-                <a:latin typeface="+mn-lt"/>
-              </a:defRPr>
-            </a:lvl1pPr>
-          </a:lstStyle>
-          <a:p>
-            <a:fld id="{874FFE33-465F-4E9E-89CE-5F79E84B8B4B}" type="datetimeFigureOut">
-              <a:rPr lang="en-IN" smtClean="0"/>
-              <a:t>28-02-2025</a:t>
-            </a:fld>
-            <a:endParaRPr lang="en-IN"/>
-          </a:p>
-        </p:txBody>
-      </p:sp>
-      <p:sp>
-        <p:nvSpPr>
-          <p:cNvPr id="5" name="Footer Placeholder 4"/>
-          <p:cNvSpPr>
-            <a:spLocks noGrp="1"/>
-          </p:cNvSpPr>
-          <p:nvPr>
-            <p:ph type="ftr" sz="quarter" idx="3"/>
-          </p:nvPr>
-        </p:nvSpPr>
-        <p:spPr>
-          <a:xfrm>
-            <a:off x="1141412" y="5883275"/>
-            <a:ext cx="7543800" cy="365125"/>
-          </a:xfrm>
-          <a:prstGeom prst="rect">
-            <a:avLst/>
-          </a:prstGeom>
-        </p:spPr>
-        <p:txBody>
-          <a:bodyPr vert="horz" lIns="91440" tIns="45720" rIns="91440" bIns="45720" rtlCol="0" anchor="ctr"/>
-          <a:lstStyle>
-            <a:lvl1pPr algn="l">
-              <a:defRPr sz="900" b="1" i="0">
-                <a:solidFill>
-                  <a:schemeClr val="tx1">
-                    <a:lumMod val="75000"/>
-                  </a:schemeClr>
-                </a:solidFill>
-                <a:effectLst>
-                  <a:outerShdw blurRad="50800" dist="38100" dir="2700000" algn="tl" rotWithShape="0">
-                    <a:srgbClr val="000000">
-                      <a:alpha val="43000"/>
-                    </a:srgbClr>
-                  </a:outerShdw>
-                </a:effectLst>
-                <a:latin typeface="+mn-lt"/>
-              </a:defRPr>
-            </a:lvl1pPr>
-          </a:lstStyle>
-          <a:p>
-            <a:endParaRPr lang="en-IN"/>
-          </a:p>
-        </p:txBody>
-      </p:sp>
-      <p:sp>
-        <p:nvSpPr>
-          <p:cNvPr id="6" name="Slide Number Placeholder 5"/>
-          <p:cNvSpPr>
-            <a:spLocks noGrp="1"/>
-          </p:cNvSpPr>
-          <p:nvPr>
-            <p:ph type="sldNum" sz="quarter" idx="4"/>
-          </p:nvPr>
-        </p:nvSpPr>
-        <p:spPr>
-          <a:xfrm>
-            <a:off x="10514012" y="5883275"/>
-            <a:ext cx="551167" cy="365125"/>
-          </a:xfrm>
-          <a:prstGeom prst="rect">
-            <a:avLst/>
-          </a:prstGeom>
-        </p:spPr>
-        <p:txBody>
-          <a:bodyPr vert="horz" lIns="91440" tIns="45720" rIns="91440" bIns="45720" rtlCol="0" anchor="ctr"/>
-          <a:lstStyle>
-            <a:lvl1pPr algn="r">
-              <a:defRPr sz="900" b="1" i="0">
-                <a:solidFill>
-                  <a:schemeClr val="tx1">
-                    <a:lumMod val="75000"/>
-                  </a:schemeClr>
-                </a:solidFill>
-                <a:effectLst>
-                  <a:outerShdw blurRad="50800" dist="38100" dir="2700000" algn="tl" rotWithShape="0">
-                    <a:srgbClr val="000000">
-                      <a:alpha val="43000"/>
-                    </a:srgbClr>
-                  </a:outerShdw>
-                </a:effectLst>
-                <a:latin typeface="+mn-lt"/>
               </a:defRPr>
             </a:lvl1pPr>
           </a:lstStyle>
@@ -5071,29 +4998,26 @@
     </p:spTree>
     <p:extLst>
       <p:ext uri="{BB962C8B-B14F-4D97-AF65-F5344CB8AC3E}">
-        <p14:creationId xmlns:p14="http://schemas.microsoft.com/office/powerpoint/2010/main" val="2584177654"/>
+        <p14:creationId xmlns:p14="http://schemas.microsoft.com/office/powerpoint/2010/main" val="1943100110"/>
       </p:ext>
     </p:extLst>
   </p:cSld>
   <p:clrMap bg1="dk1" tx1="lt1" bg2="dk2" tx2="lt2" accent1="accent1" accent2="accent2" accent3="accent3" accent4="accent4" accent5="accent5" accent6="accent6" hlink="hlink" folHlink="folHlink"/>
   <p:sldLayoutIdLst>
-    <p:sldLayoutId id="2147483757" r:id="rId1"/>
-    <p:sldLayoutId id="2147483758" r:id="rId2"/>
-    <p:sldLayoutId id="2147483759" r:id="rId3"/>
-    <p:sldLayoutId id="2147483760" r:id="rId4"/>
-    <p:sldLayoutId id="2147483761" r:id="rId5"/>
-    <p:sldLayoutId id="2147483762" r:id="rId6"/>
-    <p:sldLayoutId id="2147483763" r:id="rId7"/>
-    <p:sldLayoutId id="2147483764" r:id="rId8"/>
-    <p:sldLayoutId id="2147483765" r:id="rId9"/>
-    <p:sldLayoutId id="2147483766" r:id="rId10"/>
-    <p:sldLayoutId id="2147483767" r:id="rId11"/>
-    <p:sldLayoutId id="2147483768" r:id="rId12"/>
-    <p:sldLayoutId id="2147483769" r:id="rId13"/>
-    <p:sldLayoutId id="2147483770" r:id="rId14"/>
-    <p:sldLayoutId id="2147483771" r:id="rId15"/>
-    <p:sldLayoutId id="2147483772" r:id="rId16"/>
-    <p:sldLayoutId id="2147483773" r:id="rId17"/>
+    <p:sldLayoutId id="2147483742" r:id="rId1"/>
+    <p:sldLayoutId id="2147483743" r:id="rId2"/>
+    <p:sldLayoutId id="2147483744" r:id="rId3"/>
+    <p:sldLayoutId id="2147483745" r:id="rId4"/>
+    <p:sldLayoutId id="2147483746" r:id="rId5"/>
+    <p:sldLayoutId id="2147483747" r:id="rId6"/>
+    <p:sldLayoutId id="2147483748" r:id="rId7"/>
+    <p:sldLayoutId id="2147483749" r:id="rId8"/>
+    <p:sldLayoutId id="2147483750" r:id="rId9"/>
+    <p:sldLayoutId id="2147483751" r:id="rId10"/>
+    <p:sldLayoutId id="2147483752" r:id="rId11"/>
+    <p:sldLayoutId id="2147483753" r:id="rId12"/>
+    <p:sldLayoutId id="2147483754" r:id="rId13"/>
+    <p:sldLayoutId id="2147483755" r:id="rId14"/>
   </p:sldLayoutIdLst>
   <p:txStyles>
     <p:titleStyle>
@@ -5102,38 +5026,10 @@
           <a:spcPct val="0"/>
         </a:spcBef>
         <a:buNone/>
-        <a:defRPr sz="3200" kern="1200" cap="all">
-          <a:ln w="3175" cmpd="sng">
-            <a:noFill/>
-          </a:ln>
-          <a:gradFill flip="none" rotWithShape="1">
-            <a:gsLst>
-              <a:gs pos="0">
-                <a:schemeClr val="tx1"/>
-              </a:gs>
-              <a:gs pos="100000">
-                <a:schemeClr val="tx1">
-                  <a:lumMod val="65000"/>
-                </a:schemeClr>
-              </a:gs>
-            </a:gsLst>
-            <a:lin ang="5580000" scaled="0"/>
-            <a:tileRect/>
-          </a:gradFill>
-          <a:effectLst>
-            <a:glow rad="38100">
-              <a:schemeClr val="bg1">
-                <a:lumMod val="65000"/>
-                <a:lumOff val="35000"/>
-                <a:alpha val="40000"/>
-              </a:schemeClr>
-            </a:glow>
-            <a:outerShdw blurRad="28575" dist="38100" dir="14040000" algn="tl" rotWithShape="0">
-              <a:srgbClr val="000000">
-                <a:alpha val="25000"/>
-              </a:srgbClr>
-            </a:outerShdw>
-          </a:effectLst>
+        <a:defRPr sz="4000" b="1" kern="1200">
+          <a:solidFill>
+            <a:srgbClr val="FEFEFE"/>
+          </a:solidFill>
           <a:latin typeface="+mj-lt"/>
           <a:ea typeface="+mj-ea"/>
           <a:cs typeface="+mj-cs"/>
@@ -5197,7 +5093,7 @@
       </a:lvl9pPr>
     </p:titleStyle>
     <p:bodyStyle>
-      <a:lvl1pPr marL="285750" indent="-285750" algn="l" defTabSz="457200" rtl="0" eaLnBrk="1" latinLnBrk="0" hangingPunct="1">
+      <a:lvl1pPr marL="342900" indent="-342900" algn="l" defTabSz="457200" rtl="0" eaLnBrk="1" latinLnBrk="0" hangingPunct="1">
         <a:spcBef>
           <a:spcPct val="20000"/>
         </a:spcBef>
@@ -5205,40 +5101,14 @@
           <a:spcPts val="600"/>
         </a:spcAft>
         <a:buClr>
-          <a:schemeClr val="tx1"/>
+          <a:schemeClr val="accent1"/>
         </a:buClr>
-        <a:buSzPct val="100000"/>
-        <a:buFont typeface="Arial"/>
-        <a:buChar char="•"/>
-        <a:defRPr sz="2000" kern="1200" cap="small">
-          <a:gradFill flip="none" rotWithShape="1">
-            <a:gsLst>
-              <a:gs pos="0">
-                <a:schemeClr val="tx1"/>
-              </a:gs>
-              <a:gs pos="100000">
-                <a:schemeClr val="tx1">
-                  <a:lumMod val="75000"/>
-                </a:schemeClr>
-              </a:gs>
-            </a:gsLst>
-            <a:lin ang="5580000" scaled="0"/>
-            <a:tileRect/>
-          </a:gradFill>
-          <a:effectLst>
-            <a:glow rad="38100">
-              <a:schemeClr val="bg1">
-                <a:lumMod val="50000"/>
-                <a:lumOff val="50000"/>
-                <a:alpha val="20000"/>
-              </a:schemeClr>
-            </a:glow>
-            <a:outerShdw blurRad="44450" dist="12700" dir="13860000" algn="tl" rotWithShape="0">
-              <a:srgbClr val="000000">
-                <a:alpha val="20000"/>
-              </a:srgbClr>
-            </a:outerShdw>
-          </a:effectLst>
+        <a:buFont typeface="Wingdings 2" charset="2"/>
+        <a:buChar char=""/>
+        <a:defRPr sz="1800" kern="1200">
+          <a:solidFill>
+            <a:schemeClr val="tx1"/>
+          </a:solidFill>
           <a:latin typeface="+mn-lt"/>
           <a:ea typeface="+mn-ea"/>
           <a:cs typeface="+mn-cs"/>
@@ -5252,46 +5122,20 @@
           <a:spcPts val="600"/>
         </a:spcAft>
         <a:buClr>
-          <a:schemeClr val="tx1"/>
+          <a:schemeClr val="accent1"/>
         </a:buClr>
-        <a:buSzPct val="100000"/>
-        <a:buFont typeface="Arial"/>
-        <a:buChar char="•"/>
-        <a:defRPr sz="1800" kern="1200" cap="small">
-          <a:gradFill flip="none" rotWithShape="1">
-            <a:gsLst>
-              <a:gs pos="0">
-                <a:schemeClr val="tx1"/>
-              </a:gs>
-              <a:gs pos="100000">
-                <a:schemeClr val="tx1">
-                  <a:lumMod val="75000"/>
-                </a:schemeClr>
-              </a:gs>
-            </a:gsLst>
-            <a:lin ang="5580000" scaled="0"/>
-            <a:tileRect/>
-          </a:gradFill>
-          <a:effectLst>
-            <a:glow rad="38100">
-              <a:schemeClr val="bg1">
-                <a:lumMod val="50000"/>
-                <a:lumOff val="50000"/>
-                <a:alpha val="20000"/>
-              </a:schemeClr>
-            </a:glow>
-            <a:outerShdw blurRad="44450" dist="12700" dir="13860000" algn="tl" rotWithShape="0">
-              <a:srgbClr val="000000">
-                <a:alpha val="20000"/>
-              </a:srgbClr>
-            </a:outerShdw>
-          </a:effectLst>
+        <a:buFont typeface="Wingdings 2" charset="2"/>
+        <a:buChar char=""/>
+        <a:defRPr sz="1600" kern="1200">
+          <a:solidFill>
+            <a:schemeClr val="tx1"/>
+          </a:solidFill>
           <a:latin typeface="+mn-lt"/>
           <a:ea typeface="+mn-ea"/>
           <a:cs typeface="+mn-cs"/>
         </a:defRPr>
       </a:lvl2pPr>
-      <a:lvl3pPr marL="1200150" indent="-285750" algn="l" defTabSz="457200" rtl="0" eaLnBrk="1" latinLnBrk="0" hangingPunct="1">
+      <a:lvl3pPr marL="1143000" indent="-228600" algn="l" defTabSz="457200" rtl="0" eaLnBrk="1" latinLnBrk="0" hangingPunct="1">
         <a:spcBef>
           <a:spcPct val="20000"/>
         </a:spcBef>
@@ -5299,46 +5143,20 @@
           <a:spcPts val="600"/>
         </a:spcAft>
         <a:buClr>
-          <a:schemeClr val="tx1"/>
+          <a:schemeClr val="accent1"/>
         </a:buClr>
-        <a:buSzPct val="100000"/>
-        <a:buFont typeface="Arial"/>
-        <a:buChar char="•"/>
-        <a:defRPr sz="1600" kern="1200" cap="small">
-          <a:gradFill flip="none" rotWithShape="1">
-            <a:gsLst>
-              <a:gs pos="0">
-                <a:schemeClr val="tx1"/>
-              </a:gs>
-              <a:gs pos="100000">
-                <a:schemeClr val="tx1">
-                  <a:lumMod val="75000"/>
-                </a:schemeClr>
-              </a:gs>
-            </a:gsLst>
-            <a:lin ang="5580000" scaled="0"/>
-            <a:tileRect/>
-          </a:gradFill>
-          <a:effectLst>
-            <a:glow rad="38100">
-              <a:schemeClr val="bg1">
-                <a:lumMod val="50000"/>
-                <a:lumOff val="50000"/>
-                <a:alpha val="20000"/>
-              </a:schemeClr>
-            </a:glow>
-            <a:outerShdw blurRad="44450" dist="12700" dir="13860000" algn="tl" rotWithShape="0">
-              <a:srgbClr val="000000">
-                <a:alpha val="20000"/>
-              </a:srgbClr>
-            </a:outerShdw>
-          </a:effectLst>
+        <a:buFont typeface="Wingdings 2" charset="2"/>
+        <a:buChar char=""/>
+        <a:defRPr sz="1400" kern="1200">
+          <a:solidFill>
+            <a:schemeClr val="tx1"/>
+          </a:solidFill>
           <a:latin typeface="+mn-lt"/>
           <a:ea typeface="+mn-ea"/>
           <a:cs typeface="+mn-cs"/>
         </a:defRPr>
       </a:lvl3pPr>
-      <a:lvl4pPr marL="1543050" indent="-171450" algn="l" defTabSz="457200" rtl="0" eaLnBrk="1" latinLnBrk="0" hangingPunct="1">
+      <a:lvl4pPr marL="1600200" indent="-228600" algn="l" defTabSz="457200" rtl="0" eaLnBrk="1" latinLnBrk="0" hangingPunct="1">
         <a:spcBef>
           <a:spcPct val="20000"/>
         </a:spcBef>
@@ -5346,46 +5164,20 @@
           <a:spcPts val="600"/>
         </a:spcAft>
         <a:buClr>
-          <a:schemeClr val="tx1"/>
+          <a:schemeClr val="accent1"/>
         </a:buClr>
-        <a:buSzPct val="100000"/>
-        <a:buFont typeface="Arial"/>
-        <a:buChar char="•"/>
-        <a:defRPr sz="1400" kern="1200" cap="small">
-          <a:gradFill flip="none" rotWithShape="1">
-            <a:gsLst>
-              <a:gs pos="0">
-                <a:schemeClr val="tx1"/>
-              </a:gs>
-              <a:gs pos="100000">
-                <a:schemeClr val="tx1">
-                  <a:lumMod val="75000"/>
-                </a:schemeClr>
-              </a:gs>
-            </a:gsLst>
-            <a:lin ang="5580000" scaled="0"/>
-            <a:tileRect/>
-          </a:gradFill>
-          <a:effectLst>
-            <a:glow rad="38100">
-              <a:schemeClr val="bg1">
-                <a:lumMod val="50000"/>
-                <a:lumOff val="50000"/>
-                <a:alpha val="20000"/>
-              </a:schemeClr>
-            </a:glow>
-            <a:outerShdw blurRad="44450" dist="12700" dir="13860000" algn="tl" rotWithShape="0">
-              <a:srgbClr val="000000">
-                <a:alpha val="20000"/>
-              </a:srgbClr>
-            </a:outerShdw>
-          </a:effectLst>
+        <a:buFont typeface="Wingdings 2" charset="2"/>
+        <a:buChar char=""/>
+        <a:defRPr sz="1200" kern="1200">
+          <a:solidFill>
+            <a:schemeClr val="tx1"/>
+          </a:solidFill>
           <a:latin typeface="+mn-lt"/>
           <a:ea typeface="+mn-ea"/>
           <a:cs typeface="+mn-cs"/>
         </a:defRPr>
       </a:lvl4pPr>
-      <a:lvl5pPr marL="2000250" indent="-171450" algn="l" defTabSz="457200" rtl="0" eaLnBrk="1" latinLnBrk="0" hangingPunct="1">
+      <a:lvl5pPr marL="2057400" indent="-228600" algn="l" defTabSz="457200" rtl="0" eaLnBrk="1" latinLnBrk="0" hangingPunct="1">
         <a:spcBef>
           <a:spcPct val="20000"/>
         </a:spcBef>
@@ -5393,46 +5185,20 @@
           <a:spcPts val="600"/>
         </a:spcAft>
         <a:buClr>
-          <a:schemeClr val="tx1"/>
+          <a:schemeClr val="accent1"/>
         </a:buClr>
-        <a:buSzPct val="100000"/>
-        <a:buFont typeface="Arial"/>
-        <a:buChar char="•"/>
-        <a:defRPr sz="1400" kern="1200" cap="small">
-          <a:gradFill flip="none" rotWithShape="1">
-            <a:gsLst>
-              <a:gs pos="0">
-                <a:schemeClr val="tx1"/>
-              </a:gs>
-              <a:gs pos="100000">
-                <a:schemeClr val="tx1">
-                  <a:lumMod val="75000"/>
-                </a:schemeClr>
-              </a:gs>
-            </a:gsLst>
-            <a:lin ang="5580000" scaled="0"/>
-            <a:tileRect/>
-          </a:gradFill>
-          <a:effectLst>
-            <a:glow rad="38100">
-              <a:schemeClr val="bg1">
-                <a:lumMod val="50000"/>
-                <a:lumOff val="50000"/>
-                <a:alpha val="20000"/>
-              </a:schemeClr>
-            </a:glow>
-            <a:outerShdw blurRad="44450" dist="12700" dir="13860000" algn="tl" rotWithShape="0">
-              <a:srgbClr val="000000">
-                <a:alpha val="20000"/>
-              </a:srgbClr>
-            </a:outerShdw>
-          </a:effectLst>
+        <a:buFont typeface="Wingdings 2" charset="2"/>
+        <a:buChar char=""/>
+        <a:defRPr sz="1200" kern="1200">
+          <a:solidFill>
+            <a:schemeClr val="tx1"/>
+          </a:solidFill>
           <a:latin typeface="+mn-lt"/>
           <a:ea typeface="+mn-ea"/>
           <a:cs typeface="+mn-cs"/>
         </a:defRPr>
       </a:lvl5pPr>
-      <a:lvl6pPr marL="2514600" indent="-228600" algn="l" defTabSz="457200" rtl="0" eaLnBrk="1" latinLnBrk="0" hangingPunct="1">
+      <a:lvl6pPr marL="2400000" indent="-228600" algn="l" defTabSz="457200" rtl="0" eaLnBrk="1" latinLnBrk="0" hangingPunct="1">
         <a:spcBef>
           <a:spcPct val="20000"/>
         </a:spcBef>
@@ -5440,46 +5206,20 @@
           <a:spcPts val="600"/>
         </a:spcAft>
         <a:buClr>
-          <a:schemeClr val="tx1"/>
+          <a:schemeClr val="accent1"/>
         </a:buClr>
-        <a:buSzPct val="100000"/>
-        <a:buFont typeface="Arial"/>
-        <a:buChar char="•"/>
-        <a:defRPr sz="1200" kern="1200" cap="small">
-          <a:gradFill flip="none" rotWithShape="1">
-            <a:gsLst>
-              <a:gs pos="0">
-                <a:schemeClr val="tx1"/>
-              </a:gs>
-              <a:gs pos="100000">
-                <a:schemeClr val="tx1">
-                  <a:lumMod val="75000"/>
-                </a:schemeClr>
-              </a:gs>
-            </a:gsLst>
-            <a:lin ang="5580000" scaled="0"/>
-            <a:tileRect/>
-          </a:gradFill>
-          <a:effectLst>
-            <a:glow rad="38100">
-              <a:schemeClr val="bg1">
-                <a:lumMod val="50000"/>
-                <a:lumOff val="50000"/>
-                <a:alpha val="20000"/>
-              </a:schemeClr>
-            </a:glow>
-            <a:outerShdw blurRad="44450" dist="12700" dir="13860000" algn="tl" rotWithShape="0">
-              <a:srgbClr val="000000">
-                <a:alpha val="20000"/>
-              </a:srgbClr>
-            </a:outerShdw>
-          </a:effectLst>
+        <a:buFont typeface="Wingdings 2" charset="2"/>
+        <a:buChar char=""/>
+        <a:defRPr sz="1200" kern="1200">
+          <a:solidFill>
+            <a:schemeClr val="tx1"/>
+          </a:solidFill>
           <a:latin typeface="+mn-lt"/>
           <a:ea typeface="+mn-ea"/>
           <a:cs typeface="+mn-cs"/>
         </a:defRPr>
       </a:lvl6pPr>
-      <a:lvl7pPr marL="2971800" indent="-228600" algn="l" defTabSz="457200" rtl="0" eaLnBrk="1" latinLnBrk="0" hangingPunct="1">
+      <a:lvl7pPr marL="2800000" indent="-228600" algn="l" defTabSz="457200" rtl="0" eaLnBrk="1" latinLnBrk="0" hangingPunct="1">
         <a:spcBef>
           <a:spcPct val="20000"/>
         </a:spcBef>
@@ -5487,46 +5227,20 @@
           <a:spcPts val="600"/>
         </a:spcAft>
         <a:buClr>
-          <a:schemeClr val="tx1"/>
+          <a:schemeClr val="accent1"/>
         </a:buClr>
-        <a:buSzPct val="100000"/>
-        <a:buFont typeface="Arial"/>
-        <a:buChar char="•"/>
-        <a:defRPr sz="1200" kern="1200" cap="small">
-          <a:gradFill flip="none" rotWithShape="1">
-            <a:gsLst>
-              <a:gs pos="0">
-                <a:schemeClr val="tx1"/>
-              </a:gs>
-              <a:gs pos="100000">
-                <a:schemeClr val="tx1">
-                  <a:lumMod val="75000"/>
-                </a:schemeClr>
-              </a:gs>
-            </a:gsLst>
-            <a:lin ang="5580000" scaled="0"/>
-            <a:tileRect/>
-          </a:gradFill>
-          <a:effectLst>
-            <a:glow rad="38100">
-              <a:schemeClr val="bg1">
-                <a:lumMod val="50000"/>
-                <a:lumOff val="50000"/>
-                <a:alpha val="20000"/>
-              </a:schemeClr>
-            </a:glow>
-            <a:outerShdw blurRad="44450" dist="12700" dir="13860000" algn="tl" rotWithShape="0">
-              <a:srgbClr val="000000">
-                <a:alpha val="20000"/>
-              </a:srgbClr>
-            </a:outerShdw>
-          </a:effectLst>
+        <a:buFont typeface="Wingdings 2" charset="2"/>
+        <a:buChar char=""/>
+        <a:defRPr sz="1200" kern="1200">
+          <a:solidFill>
+            <a:schemeClr val="tx1"/>
+          </a:solidFill>
           <a:latin typeface="+mn-lt"/>
           <a:ea typeface="+mn-ea"/>
           <a:cs typeface="+mn-cs"/>
         </a:defRPr>
       </a:lvl7pPr>
-      <a:lvl8pPr marL="3429000" indent="-228600" algn="l" defTabSz="457200" rtl="0" eaLnBrk="1" latinLnBrk="0" hangingPunct="1">
+      <a:lvl8pPr marL="3200000" indent="-228600" algn="l" defTabSz="457200" rtl="0" eaLnBrk="1" latinLnBrk="0" hangingPunct="1">
         <a:spcBef>
           <a:spcPct val="20000"/>
         </a:spcBef>
@@ -5534,46 +5248,20 @@
           <a:spcPts val="600"/>
         </a:spcAft>
         <a:buClr>
-          <a:schemeClr val="tx1"/>
+          <a:schemeClr val="accent1"/>
         </a:buClr>
-        <a:buSzPct val="100000"/>
-        <a:buFont typeface="Arial"/>
-        <a:buChar char="•"/>
-        <a:defRPr sz="1200" kern="1200" cap="small">
-          <a:gradFill flip="none" rotWithShape="1">
-            <a:gsLst>
-              <a:gs pos="0">
-                <a:schemeClr val="tx1"/>
-              </a:gs>
-              <a:gs pos="100000">
-                <a:schemeClr val="tx1">
-                  <a:lumMod val="75000"/>
-                </a:schemeClr>
-              </a:gs>
-            </a:gsLst>
-            <a:lin ang="5580000" scaled="0"/>
-            <a:tileRect/>
-          </a:gradFill>
-          <a:effectLst>
-            <a:glow rad="38100">
-              <a:schemeClr val="bg1">
-                <a:lumMod val="50000"/>
-                <a:lumOff val="50000"/>
-                <a:alpha val="20000"/>
-              </a:schemeClr>
-            </a:glow>
-            <a:outerShdw blurRad="44450" dist="12700" dir="13860000" algn="tl" rotWithShape="0">
-              <a:srgbClr val="000000">
-                <a:alpha val="20000"/>
-              </a:srgbClr>
-            </a:outerShdw>
-          </a:effectLst>
+        <a:buFont typeface="Wingdings 2" charset="2"/>
+        <a:buChar char=""/>
+        <a:defRPr sz="1200" kern="1200">
+          <a:solidFill>
+            <a:schemeClr val="tx1"/>
+          </a:solidFill>
           <a:latin typeface="+mn-lt"/>
           <a:ea typeface="+mn-ea"/>
           <a:cs typeface="+mn-cs"/>
         </a:defRPr>
       </a:lvl8pPr>
-      <a:lvl9pPr marL="3886200" indent="-228600" algn="l" defTabSz="457200" rtl="0" eaLnBrk="1" latinLnBrk="0" hangingPunct="1">
+      <a:lvl9pPr marL="3600000" indent="-228600" algn="l" defTabSz="457200" rtl="0" eaLnBrk="1" latinLnBrk="0" hangingPunct="1">
         <a:spcBef>
           <a:spcPct val="20000"/>
         </a:spcBef>
@@ -5581,40 +5269,14 @@
           <a:spcPts val="600"/>
         </a:spcAft>
         <a:buClr>
-          <a:schemeClr val="tx1"/>
+          <a:schemeClr val="accent1"/>
         </a:buClr>
-        <a:buSzPct val="100000"/>
-        <a:buFont typeface="Arial"/>
-        <a:buChar char="•"/>
-        <a:defRPr sz="1200" kern="1200" cap="small">
-          <a:gradFill flip="none" rotWithShape="1">
-            <a:gsLst>
-              <a:gs pos="0">
-                <a:schemeClr val="tx1"/>
-              </a:gs>
-              <a:gs pos="100000">
-                <a:schemeClr val="tx1">
-                  <a:lumMod val="75000"/>
-                </a:schemeClr>
-              </a:gs>
-            </a:gsLst>
-            <a:lin ang="5580000" scaled="0"/>
-            <a:tileRect/>
-          </a:gradFill>
-          <a:effectLst>
-            <a:glow rad="38100">
-              <a:schemeClr val="bg1">
-                <a:lumMod val="50000"/>
-                <a:lumOff val="50000"/>
-                <a:alpha val="20000"/>
-              </a:schemeClr>
-            </a:glow>
-            <a:outerShdw blurRad="44450" dist="12700" dir="13860000" algn="tl" rotWithShape="0">
-              <a:srgbClr val="000000">
-                <a:alpha val="20000"/>
-              </a:srgbClr>
-            </a:outerShdw>
-          </a:effectLst>
+        <a:buFont typeface="Wingdings 2" charset="2"/>
+        <a:buChar char=""/>
+        <a:defRPr sz="1200" kern="1200">
+          <a:solidFill>
+            <a:schemeClr val="tx1"/>
+          </a:solidFill>
           <a:latin typeface="+mn-lt"/>
           <a:ea typeface="+mn-ea"/>
           <a:cs typeface="+mn-cs"/>
@@ -5791,7 +5453,7 @@
         <p:spPr/>
         <p:txBody>
           <a:bodyPr>
-            <a:normAutofit/>
+            <a:normAutofit fontScale="85000" lnSpcReduction="10000"/>
           </a:bodyPr>
           <a:lstStyle/>
           <a:p>
@@ -5944,7 +5606,7 @@
           <a:lstStyle/>
           <a:p>
             <a:r>
-              <a:t>Huffman Coding Algorithm: A Step-by-Step Guide</a:t>
+              <a:t>Polymers in Medicine and Surgery: Biomaterials</a:t>
             </a:r>
           </a:p>
         </p:txBody>
@@ -5967,7 +5629,7 @@
           <a:p>
             <a:pPr/>
             <a:r>
-              <a:t>**Step 1:** Calculate the frequency of each unique character in the input string.**Step 2:** Create a min-heap data structure to store characters and their frequencies.**Step 3:**  Repeatedly extract the two nodes with the smallest frequencies from the heap.**Step 4:** Create a new node with these two nodes as children, the frequency of the new node being the sum of the children's frequencies. Insert the new node back into the heap.**Step 5:** Repeat Step 3 and 4 until only one node remains (the root of the Huffman tree).**Step 6:** Assign '0' to the left branch and '1' to the right branch of each node.**Step 7:** Traverse the tree to generate the Huffman code for each character.</a:t>
+              <a:t>Biomaterials are materials used in medical applications without causing adverse effects.  Polymer biomaterials are increasingly important.Key characteristics of biomedical polymers include biocompatibility (lack of harmful reactions with body tissues), purity and reproducibility, and sterilizability without property alteration.They must possess optimal physical and chemical properties for their intended use.Biomedical polymers must not destroy blood cellular elements or enzymes, nor cause toxic or allergic reactions.They should also maintain electrolyte balance in the body.</a:t>
             </a:r>
           </a:p>
         </p:txBody>
@@ -5992,6 +5654,378 @@
       <p:grpSpPr/>
       <p:sp>
         <p:nvSpPr>
+          <p:cNvPr id="2" name="Title 1"/>
+          <p:cNvSpPr>
+            <a:spLocks noGrp="1"/>
+          </p:cNvSpPr>
+          <p:nvPr>
+            <p:ph type="title"/>
+          </p:nvPr>
+        </p:nvSpPr>
+        <p:spPr/>
+        <p:txBody>
+          <a:bodyPr/>
+          <a:lstStyle/>
+          <a:p>
+            <a:r>
+              <a:t>Conclusion: The Versatile World of Polymers</a:t>
+            </a:r>
+          </a:p>
+        </p:txBody>
+      </p:sp>
+      <p:sp>
+        <p:nvSpPr>
+          <p:cNvPr id="3" name="Content Placeholder 2"/>
+          <p:cNvSpPr>
+            <a:spLocks noGrp="1"/>
+          </p:cNvSpPr>
+          <p:nvPr>
+            <p:ph idx="1"/>
+          </p:nvPr>
+        </p:nvSpPr>
+        <p:spPr/>
+        <p:txBody>
+          <a:bodyPr/>
+          <a:lstStyle/>
+          <a:p/>
+          <a:p>
+            <a:pPr/>
+            <a:r>
+              <a:t>Polymers exhibit a wide range of properties and applications, from everyday plastics to advanced biomaterials and conducting polymers.Understanding the different types of polymerization and the factors influencing polymer properties is crucial for designing materials with specific functionalities.Continued research and development in polymer chemistry will lead to further innovations in various fields, including medicine, electronics, and materials science.The versatility of polymers makes them essential materials for modern technology and improving the quality of life.</a:t>
+            </a:r>
+          </a:p>
+        </p:txBody>
+      </p:sp>
+    </p:spTree>
+  </p:cSld>
+  <p:clrMapOvr>
+    <a:masterClrMapping/>
+  </p:clrMapOvr>
+</p:sld>
+</file>
+
+<file path=ppt/slides/slide2.xml><?xml version="1.0" encoding="utf-8"?>
+<p:sld xmlns:a="http://schemas.openxmlformats.org/drawingml/2006/main" xmlns:p="http://schemas.openxmlformats.org/presentationml/2006/main" xmlns:r="http://schemas.openxmlformats.org/officeDocument/2006/relationships">
+  <p:cSld>
+    <p:spTree>
+      <p:nvGrpSpPr>
+        <p:cNvPr id="1" name=""/>
+        <p:cNvGrpSpPr/>
+        <p:nvPr/>
+      </p:nvGrpSpPr>
+      <p:grpSpPr/>
+      <p:sp>
+        <p:nvSpPr>
+          <p:cNvPr id="2" name="Title 1"/>
+          <p:cNvSpPr>
+            <a:spLocks noGrp="1"/>
+          </p:cNvSpPr>
+          <p:nvPr>
+            <p:ph type="title"/>
+          </p:nvPr>
+        </p:nvSpPr>
+        <p:spPr/>
+        <p:txBody>
+          <a:bodyPr/>
+          <a:lstStyle/>
+          <a:p>
+            <a:r>
+              <a:t>Polymer Chemistry: Types, Properties, and Biomedical Applications</a:t>
+            </a:r>
+          </a:p>
+        </p:txBody>
+      </p:sp>
+      <p:sp>
+        <p:nvSpPr>
+          <p:cNvPr id="3" name="Content Placeholder 2"/>
+          <p:cNvSpPr>
+            <a:spLocks noGrp="1"/>
+          </p:cNvSpPr>
+          <p:nvPr>
+            <p:ph idx="1"/>
+          </p:nvPr>
+        </p:nvSpPr>
+        <p:spPr/>
+        <p:txBody>
+          <a:bodyPr/>
+          <a:lstStyle/>
+          <a:p/>
+          <a:p>
+            <a:pPr/>
+            <a:r>
+              <a:t>Created by: shreyash katole</a:t>
+            </a:r>
+          </a:p>
+        </p:txBody>
+      </p:sp>
+    </p:spTree>
+  </p:cSld>
+  <p:clrMapOvr>
+    <a:masterClrMapping/>
+  </p:clrMapOvr>
+</p:sld>
+</file>
+
+<file path=ppt/slides/slide3.xml><?xml version="1.0" encoding="utf-8"?>
+<p:sld xmlns:a="http://schemas.openxmlformats.org/drawingml/2006/main" xmlns:p="http://schemas.openxmlformats.org/presentationml/2006/main" xmlns:r="http://schemas.openxmlformats.org/officeDocument/2006/relationships">
+  <p:cSld>
+    <p:spTree>
+      <p:nvGrpSpPr>
+        <p:cNvPr id="1" name=""/>
+        <p:cNvGrpSpPr/>
+        <p:nvPr/>
+      </p:nvGrpSpPr>
+      <p:grpSpPr/>
+      <p:sp>
+        <p:nvSpPr>
+          <p:cNvPr id="2" name="Title 1"/>
+          <p:cNvSpPr>
+            <a:spLocks noGrp="1"/>
+          </p:cNvSpPr>
+          <p:nvPr>
+            <p:ph type="title"/>
+          </p:nvPr>
+        </p:nvSpPr>
+        <p:spPr/>
+        <p:txBody>
+          <a:bodyPr/>
+          <a:lstStyle/>
+          <a:p>
+            <a:r>
+              <a:t>Index</a:t>
+            </a:r>
+          </a:p>
+        </p:txBody>
+      </p:sp>
+      <p:sp>
+        <p:nvSpPr>
+          <p:cNvPr id="3" name="Content Placeholder 2"/>
+          <p:cNvSpPr>
+            <a:spLocks noGrp="1"/>
+          </p:cNvSpPr>
+          <p:nvPr>
+            <p:ph idx="1"/>
+          </p:nvPr>
+        </p:nvSpPr>
+        <p:spPr/>
+        <p:txBody>
+          <a:bodyPr/>
+          <a:lstStyle/>
+          <a:p/>
+          <a:p>
+            <a:pPr/>
+            <a:r>
+              <a:t>1.Condensation Polymerization: Step-Growth Reaction2.Polymer Applications: Examples in Daily Life3.Conducting Polymers: Electrical Conductivity in Polymers4.Types of Conducting Polymers and Doping5.Polymers in Medicine and Surgery: Biomaterials6.Conclusion: The Versatile World of PolymersConclusion</a:t>
+            </a:r>
+          </a:p>
+        </p:txBody>
+      </p:sp>
+    </p:spTree>
+  </p:cSld>
+  <p:clrMapOvr>
+    <a:masterClrMapping/>
+  </p:clrMapOvr>
+</p:sld>
+</file>
+
+<file path=ppt/slides/slide4.xml><?xml version="1.0" encoding="utf-8"?>
+<p:sld xmlns:a="http://schemas.openxmlformats.org/drawingml/2006/main" xmlns:p="http://schemas.openxmlformats.org/presentationml/2006/main" xmlns:r="http://schemas.openxmlformats.org/officeDocument/2006/relationships">
+  <p:cSld>
+    <p:spTree>
+      <p:nvGrpSpPr>
+        <p:cNvPr id="1" name=""/>
+        <p:cNvGrpSpPr/>
+        <p:nvPr/>
+      </p:nvGrpSpPr>
+      <p:grpSpPr/>
+      <p:sp>
+        <p:nvSpPr>
+          <p:cNvPr id="2" name="Title 1"/>
+          <p:cNvSpPr>
+            <a:spLocks noGrp="1"/>
+          </p:cNvSpPr>
+          <p:nvPr>
+            <p:ph type="title"/>
+          </p:nvPr>
+        </p:nvSpPr>
+        <p:spPr/>
+        <p:txBody>
+          <a:bodyPr/>
+          <a:lstStyle/>
+          <a:p>
+            <a:r>
+              <a:t>Condensation Polymerization: Step-Growth Reaction</a:t>
+            </a:r>
+          </a:p>
+        </p:txBody>
+      </p:sp>
+      <p:sp>
+        <p:nvSpPr>
+          <p:cNvPr id="3" name="Content Placeholder 2"/>
+          <p:cNvSpPr>
+            <a:spLocks noGrp="1"/>
+          </p:cNvSpPr>
+          <p:nvPr>
+            <p:ph idx="1"/>
+          </p:nvPr>
+        </p:nvSpPr>
+        <p:spPr/>
+        <p:txBody>
+          <a:bodyPr/>
+          <a:lstStyle/>
+          <a:p/>
+          <a:p>
+            <a:pPr/>
+            <a:r>
+              <a:t>Condensation polymerization requires monomers with at least two functional groups capable of reacting with each other.These functional groups react, forming a bond between monomers and releasing a small molecule as a byproduct (e.g., water, ammonia, hydrogen chloride).Mineral acids or bases commonly serve as catalysts in condensation polymerization.Unlike addition polymerization, this process is endothermic, absorbing heat.It is generally a slower process than addition polymerization.Condensation polymers typically have higher molecular weights than addition polymers.This method often results in three-dimensional, cross-linked, thermosetting polymers.</a:t>
+            </a:r>
+          </a:p>
+        </p:txBody>
+      </p:sp>
+    </p:spTree>
+  </p:cSld>
+  <p:clrMapOvr>
+    <a:masterClrMapping/>
+  </p:clrMapOvr>
+</p:sld>
+</file>
+
+<file path=ppt/slides/slide5.xml><?xml version="1.0" encoding="utf-8"?>
+<p:sld xmlns:a="http://schemas.openxmlformats.org/drawingml/2006/main" xmlns:p="http://schemas.openxmlformats.org/presentationml/2006/main" xmlns:r="http://schemas.openxmlformats.org/officeDocument/2006/relationships">
+  <p:cSld>
+    <p:spTree>
+      <p:nvGrpSpPr>
+        <p:cNvPr id="1" name=""/>
+        <p:cNvGrpSpPr/>
+        <p:nvPr/>
+      </p:nvGrpSpPr>
+      <p:grpSpPr/>
+      <p:sp>
+        <p:nvSpPr>
+          <p:cNvPr id="2" name="Title 1"/>
+          <p:cNvSpPr>
+            <a:spLocks noGrp="1"/>
+          </p:cNvSpPr>
+          <p:nvPr>
+            <p:ph type="title"/>
+          </p:nvPr>
+        </p:nvSpPr>
+        <p:spPr/>
+        <p:txBody>
+          <a:bodyPr/>
+          <a:lstStyle/>
+          <a:p>
+            <a:r>
+              <a:t>Polymer Applications: Examples in Daily Life</a:t>
+            </a:r>
+          </a:p>
+        </p:txBody>
+      </p:sp>
+      <p:sp>
+        <p:nvSpPr>
+          <p:cNvPr id="3" name="Content Placeholder 2"/>
+          <p:cNvSpPr>
+            <a:spLocks noGrp="1"/>
+          </p:cNvSpPr>
+          <p:nvPr>
+            <p:ph idx="1"/>
+          </p:nvPr>
+        </p:nvSpPr>
+        <p:spPr/>
+        <p:txBody>
+          <a:bodyPr/>
+          <a:lstStyle/>
+          <a:p/>
+          <a:p>
+            <a:pPr/>
+            <a:r>
+              <a:t>Polyethylene is widely used in disposable syringes due to its flexibility and low cost.Polypropylene's strength and biocompatibility make it suitable for heart walls and blood filters.Polyvinyl chloride (PVC) also finds application in disposable syringes.Acrylic hydrogels are employed in grafting procedures due to their biocompatibility and water-absorbing properties.Polymethyl methacrylate (PMMA) is a common material for contact lenses owing to its transparency and biocompatibility.Poly(alkyl sulfone) membranes are used in oxygenators for their gas permeability and biocompatibility.</a:t>
+            </a:r>
+          </a:p>
+        </p:txBody>
+      </p:sp>
+    </p:spTree>
+  </p:cSld>
+  <p:clrMapOvr>
+    <a:masterClrMapping/>
+  </p:clrMapOvr>
+</p:sld>
+</file>
+
+<file path=ppt/slides/slide6.xml><?xml version="1.0" encoding="utf-8"?>
+<p:sld xmlns:a="http://schemas.openxmlformats.org/drawingml/2006/main" xmlns:p="http://schemas.openxmlformats.org/presentationml/2006/main" xmlns:r="http://schemas.openxmlformats.org/officeDocument/2006/relationships">
+  <p:cSld>
+    <p:spTree>
+      <p:nvGrpSpPr>
+        <p:cNvPr id="1" name=""/>
+        <p:cNvGrpSpPr/>
+        <p:nvPr/>
+      </p:nvGrpSpPr>
+      <p:grpSpPr/>
+      <p:sp>
+        <p:nvSpPr>
+          <p:cNvPr id="2" name="Title 1"/>
+          <p:cNvSpPr>
+            <a:spLocks noGrp="1"/>
+          </p:cNvSpPr>
+          <p:nvPr>
+            <p:ph type="title"/>
+          </p:nvPr>
+        </p:nvSpPr>
+        <p:spPr/>
+        <p:txBody>
+          <a:bodyPr/>
+          <a:lstStyle/>
+          <a:p>
+            <a:r>
+              <a:t>Conducting Polymers: Electrical Conductivity in Polymers</a:t>
+            </a:r>
+          </a:p>
+        </p:txBody>
+      </p:sp>
+      <p:sp>
+        <p:nvSpPr>
+          <p:cNvPr id="3" name="Content Placeholder 2"/>
+          <p:cNvSpPr>
+            <a:spLocks noGrp="1"/>
+          </p:cNvSpPr>
+          <p:nvPr>
+            <p:ph idx="1"/>
+          </p:nvPr>
+        </p:nvSpPr>
+        <p:spPr/>
+        <p:txBody>
+          <a:bodyPr/>
+          <a:lstStyle/>
+          <a:p/>
+          <a:p>
+            <a:pPr/>
+            <a:r>
+              <a:t>Most polymers are electrical insulators because their electrons are tightly bound in sigma bonds, limiting mobility.Conductivity is achieved in polymers through the presence of conjugated (alternating) double bonds, creating delocalized pi electrons.These delocalized pi electrons can move relatively freely along the polymer chain under an electric field, enabling electrical conduction.This creates a system of valence and conduction bands, similar to those in metals.  Examples include polyacetylene, polyanilines, and polythiophene.The conductivity of these polymers can be further enhanced through doping.</a:t>
+            </a:r>
+          </a:p>
+        </p:txBody>
+      </p:sp>
+    </p:spTree>
+  </p:cSld>
+  <p:clrMapOvr>
+    <a:masterClrMapping/>
+  </p:clrMapOvr>
+</p:sld>
+</file>
+
+<file path=ppt/slides/slide7.xml><?xml version="1.0" encoding="utf-8"?>
+<p:sld xmlns:a="http://schemas.openxmlformats.org/drawingml/2006/main" xmlns:p="http://schemas.openxmlformats.org/presentationml/2006/main" xmlns:r="http://schemas.openxmlformats.org/officeDocument/2006/relationships">
+  <p:cSld>
+    <p:spTree>
+      <p:nvGrpSpPr>
+        <p:cNvPr id="1" name=""/>
+        <p:cNvGrpSpPr/>
+        <p:nvPr/>
+      </p:nvGrpSpPr>
+      <p:grpSpPr/>
+      <p:sp>
+        <p:nvSpPr>
           <p:cNvPr id="2" name="TextBox 1"/>
           <p:cNvSpPr txBox="1"/>
           <p:nvPr/>
@@ -6013,170 +6047,14 @@
           <a:lstStyle/>
           <a:p>
             <a:r>
-              <a:t>Figures from Section 4</a:t>
+              <a:t>Figures from Section 3</a:t>
             </a:r>
           </a:p>
         </p:txBody>
       </p:sp>
       <p:pic>
         <p:nvPicPr>
-          <p:cNvPr id="3" name="Picture 2" descr="Huffman_Coding_theory_page_4_img_1.png"/>
-          <p:cNvPicPr>
-            <a:picLocks noChangeAspect="1"/>
-          </p:cNvPicPr>
-          <p:nvPr/>
-        </p:nvPicPr>
-        <p:blipFill>
-          <a:blip r:embed="rId2"/>
-          <a:stretch>
-            <a:fillRect/>
-          </a:stretch>
-        </p:blipFill>
-        <p:spPr>
-          <a:xfrm>
-            <a:off x="457200" y="1371600"/>
-            <a:ext cx="4114800" cy="3200400"/>
-          </a:xfrm>
-          <a:prstGeom prst="rect">
-            <a:avLst/>
-          </a:prstGeom>
-        </p:spPr>
-      </p:pic>
-      <p:pic>
-        <p:nvPicPr>
-          <p:cNvPr id="4" name="Picture 3" descr="Huffman_Coding_theory_page_4_img_2.png"/>
-          <p:cNvPicPr>
-            <a:picLocks noChangeAspect="1"/>
-          </p:cNvPicPr>
-          <p:nvPr/>
-        </p:nvPicPr>
-        <p:blipFill>
-          <a:blip r:embed="rId3"/>
-          <a:stretch>
-            <a:fillRect/>
-          </a:stretch>
-        </p:blipFill>
-        <p:spPr>
-          <a:xfrm>
-            <a:off x="5029200" y="1371600"/>
-            <a:ext cx="4114800" cy="3200400"/>
-          </a:xfrm>
-          <a:prstGeom prst="rect">
-            <a:avLst/>
-          </a:prstGeom>
-        </p:spPr>
-      </p:pic>
-    </p:spTree>
-  </p:cSld>
-  <p:clrMapOvr>
-    <a:masterClrMapping/>
-  </p:clrMapOvr>
-</p:sld>
-</file>
-
-<file path=ppt/slides/slide12.xml><?xml version="1.0" encoding="utf-8"?>
-<p:sld xmlns:a="http://schemas.openxmlformats.org/drawingml/2006/main" xmlns:p="http://schemas.openxmlformats.org/presentationml/2006/main" xmlns:r="http://schemas.openxmlformats.org/officeDocument/2006/relationships">
-  <p:cSld>
-    <p:spTree>
-      <p:nvGrpSpPr>
-        <p:cNvPr id="1" name=""/>
-        <p:cNvGrpSpPr/>
-        <p:nvPr/>
-      </p:nvGrpSpPr>
-      <p:grpSpPr/>
-      <p:sp>
-        <p:nvSpPr>
-          <p:cNvPr id="2" name="Title 1"/>
-          <p:cNvSpPr>
-            <a:spLocks noGrp="1"/>
-          </p:cNvSpPr>
-          <p:nvPr>
-            <p:ph type="title"/>
-          </p:nvPr>
-        </p:nvSpPr>
-        <p:spPr/>
-        <p:txBody>
-          <a:bodyPr/>
-          <a:lstStyle/>
-          <a:p>
-            <a:r>
-              <a:t>Prefix Codes and Ambiguity Prevention</a:t>
-            </a:r>
-          </a:p>
-        </p:txBody>
-      </p:sp>
-      <p:sp>
-        <p:nvSpPr>
-          <p:cNvPr id="3" name="Content Placeholder 2"/>
-          <p:cNvSpPr>
-            <a:spLocks noGrp="1"/>
-          </p:cNvSpPr>
-          <p:nvPr>
-            <p:ph idx="1"/>
-          </p:nvPr>
-        </p:nvSpPr>
-        <p:spPr/>
-        <p:txBody>
-          <a:bodyPr/>
-          <a:lstStyle/>
-          <a:p/>
-          <a:p>
-            <a:pPr/>
-            <a:r>
-              <a:t>Huffman codes are prefix codes, meaning no code is a prefix of another. This prevents ambiguity during decoding.The tree structure ensures that no code can be confused with another.  For example, if 'A' is encoded as '0' and 'B' is encoded as '01', there's no ambiguity.This prefix property is crucial for efficient and unambiguous decoding.The tree structure itself needs to be transmitted along with the encoded data for proper decoding. However, efficient methods exist to represent the tree concisely.The overhead of transmitting the tree is usually small compared to the compression achieved.</a:t>
-            </a:r>
-          </a:p>
-        </p:txBody>
-      </p:sp>
-    </p:spTree>
-  </p:cSld>
-  <p:clrMapOvr>
-    <a:masterClrMapping/>
-  </p:clrMapOvr>
-</p:sld>
-</file>
-
-<file path=ppt/slides/slide13.xml><?xml version="1.0" encoding="utf-8"?>
-<p:sld xmlns:a="http://schemas.openxmlformats.org/drawingml/2006/main" xmlns:p="http://schemas.openxmlformats.org/presentationml/2006/main" xmlns:r="http://schemas.openxmlformats.org/officeDocument/2006/relationships">
-  <p:cSld>
-    <p:spTree>
-      <p:nvGrpSpPr>
-        <p:cNvPr id="1" name=""/>
-        <p:cNvGrpSpPr/>
-        <p:nvPr/>
-      </p:nvGrpSpPr>
-      <p:grpSpPr/>
-      <p:sp>
-        <p:nvSpPr>
-          <p:cNvPr id="2" name="TextBox 1"/>
-          <p:cNvSpPr txBox="1"/>
-          <p:nvPr/>
-        </p:nvSpPr>
-        <p:spPr>
-          <a:xfrm>
-            <a:off x="457200" y="457200"/>
-            <a:ext cx="8229600" cy="914400"/>
-          </a:xfrm>
-          <a:prstGeom prst="rect">
-            <a:avLst/>
-          </a:prstGeom>
-          <a:noFill/>
-        </p:spPr>
-        <p:txBody>
-          <a:bodyPr wrap="none">
-            <a:spAutoFit/>
-          </a:bodyPr>
-          <a:lstStyle/>
-          <a:p>
-            <a:r>
-              <a:t>Figures from Section 5</a:t>
-            </a:r>
-          </a:p>
-        </p:txBody>
-      </p:sp>
-      <p:pic>
-        <p:nvPicPr>
-          <p:cNvPr id="3" name="Picture 2" descr="Huffman_Coding_theory_page_5_img_1.png"/>
+          <p:cNvPr id="3" name="Picture 2" descr="sample2_poly_page_3_img_1.png"/>
           <p:cNvPicPr>
             <a:picLocks noChangeAspect="1"/>
           </p:cNvPicPr>
@@ -6206,7 +6084,7 @@
 </p:sld>
 </file>
 
-<file path=ppt/slides/slide14.xml><?xml version="1.0" encoding="utf-8"?>
+<file path=ppt/slides/slide8.xml><?xml version="1.0" encoding="utf-8"?>
 <p:sld xmlns:a="http://schemas.openxmlformats.org/drawingml/2006/main" xmlns:p="http://schemas.openxmlformats.org/presentationml/2006/main" xmlns:r="http://schemas.openxmlformats.org/officeDocument/2006/relationships">
   <p:cSld>
     <p:spTree>
@@ -6232,7 +6110,7 @@
           <a:lstStyle/>
           <a:p>
             <a:r>
-              <a:t>Encoding and Decoding Example &amp; Code Implementation Overview</a:t>
+              <a:t>Types of Conducting Polymers and Doping</a:t>
             </a:r>
           </a:p>
         </p:txBody>
@@ -6255,7 +6133,7 @@
           <a:p>
             <a:pPr/>
             <a:r>
-              <a:t>Illustrate an encoding and decoding example using a sample string and its Huffman tree. Show the original string, frequency table, Huffman tree, generated codes, encoded string, and the decoding process.Briefly show a high-level overview of the code (C/C++ or Python) used to implement the Huffman coding algorithm, highlighting key functions like building the tree, encoding, and decoding.  Focus on the data structures used (min-heap, tree nodes).  Avoid showing extensive code snippets.</a:t>
+              <a:t>Intrinsically conducting polymers (ICPs) possess delocalized electrons within their backbone structure (e.g., polyacetylene, polypyrrole, polythiophene).Extrinsically conducting polymers achieve conductivity through added components: filled polymers (conducting elements like carbon black dispersed in a polymer matrix) and blended polymers (blending conventional and conducting polymers).Doping increases conductivity by introducing charge carriers: p-doping (oxidation using Lewis acids, creating positive charges) and n-doping (reduction using Lewis bases, creating negative charges).P-doping examples include treatment with iodine or iron(III) chloride.N-doping examples include treatment with lithium or sodium.Coordination conducting polymers are formed by combining a metal atom with a polydentate ligand.</a:t>
             </a:r>
           </a:p>
         </p:txBody>
@@ -6268,255 +6146,7 @@
 </p:sld>
 </file>
 
-<file path=ppt/slides/slide15.xml><?xml version="1.0" encoding="utf-8"?>
-<p:sld xmlns:a="http://schemas.openxmlformats.org/drawingml/2006/main" xmlns:p="http://schemas.openxmlformats.org/presentationml/2006/main" xmlns:r="http://schemas.openxmlformats.org/officeDocument/2006/relationships">
-  <p:cSld>
-    <p:spTree>
-      <p:nvGrpSpPr>
-        <p:cNvPr id="1" name=""/>
-        <p:cNvGrpSpPr/>
-        <p:nvPr/>
-      </p:nvGrpSpPr>
-      <p:grpSpPr/>
-      <p:sp>
-        <p:nvSpPr>
-          <p:cNvPr id="2" name="Title 1"/>
-          <p:cNvSpPr>
-            <a:spLocks noGrp="1"/>
-          </p:cNvSpPr>
-          <p:nvPr>
-            <p:ph type="title"/>
-          </p:nvPr>
-        </p:nvSpPr>
-        <p:spPr/>
-        <p:txBody>
-          <a:bodyPr/>
-          <a:lstStyle/>
-          <a:p>
-            <a:r>
-              <a:t>Conclusion: Efficiency and Applications of Huffman Coding</a:t>
-            </a:r>
-          </a:p>
-        </p:txBody>
-      </p:sp>
-      <p:sp>
-        <p:nvSpPr>
-          <p:cNvPr id="3" name="Content Placeholder 2"/>
-          <p:cNvSpPr>
-            <a:spLocks noGrp="1"/>
-          </p:cNvSpPr>
-          <p:nvPr>
-            <p:ph idx="1"/>
-          </p:nvPr>
-        </p:nvSpPr>
-        <p:spPr/>
-        <p:txBody>
-          <a:bodyPr/>
-          <a:lstStyle/>
-          <a:p/>
-          <a:p>
-            <a:pPr/>
-            <a:r>
-              <a:t>Huffman coding provides a highly efficient way to compress data, especially for text and other data with frequently occurring symbols.The compression ratio depends on the distribution of character frequencies in the input data.It's a lossless compression method; no information is lost during compression or decompression.Huffman coding is widely applied in various fields, including data compression utilities, image and audio compression, and network communication.While it's not the most advanced compression algorithm, it provides a solid foundation for understanding more sophisticated techniques.  It's often used as a building block in more complex compression methods.</a:t>
-            </a:r>
-          </a:p>
-        </p:txBody>
-      </p:sp>
-    </p:spTree>
-  </p:cSld>
-  <p:clrMapOvr>
-    <a:masterClrMapping/>
-  </p:clrMapOvr>
-</p:sld>
-</file>
-
-<file path=ppt/slides/slide2.xml><?xml version="1.0" encoding="utf-8"?>
-<p:sld xmlns:a="http://schemas.openxmlformats.org/drawingml/2006/main" xmlns:p="http://schemas.openxmlformats.org/presentationml/2006/main" xmlns:r="http://schemas.openxmlformats.org/officeDocument/2006/relationships">
-  <p:cSld>
-    <p:spTree>
-      <p:nvGrpSpPr>
-        <p:cNvPr id="1" name=""/>
-        <p:cNvGrpSpPr/>
-        <p:nvPr/>
-      </p:nvGrpSpPr>
-      <p:grpSpPr/>
-      <p:sp>
-        <p:nvSpPr>
-          <p:cNvPr id="2" name="Title 1"/>
-          <p:cNvSpPr>
-            <a:spLocks noGrp="1"/>
-          </p:cNvSpPr>
-          <p:nvPr>
-            <p:ph type="title"/>
-          </p:nvPr>
-        </p:nvSpPr>
-        <p:spPr/>
-        <p:txBody>
-          <a:bodyPr/>
-          <a:lstStyle/>
-          <a:p>
-            <a:r>
-              <a:t>Huffman Coding: Data Compression Through Efficient Encoding</a:t>
-            </a:r>
-          </a:p>
-        </p:txBody>
-      </p:sp>
-      <p:sp>
-        <p:nvSpPr>
-          <p:cNvPr id="3" name="Content Placeholder 2"/>
-          <p:cNvSpPr>
-            <a:spLocks noGrp="1"/>
-          </p:cNvSpPr>
-          <p:nvPr>
-            <p:ph idx="1"/>
-          </p:nvPr>
-        </p:nvSpPr>
-        <p:spPr/>
-        <p:txBody>
-          <a:bodyPr/>
-          <a:lstStyle/>
-          <a:p/>
-          <a:p>
-            <a:pPr/>
-            <a:r>
-              <a:t>Created by: guppi</a:t>
-            </a:r>
-          </a:p>
-        </p:txBody>
-      </p:sp>
-    </p:spTree>
-  </p:cSld>
-  <p:clrMapOvr>
-    <a:masterClrMapping/>
-  </p:clrMapOvr>
-</p:sld>
-</file>
-
-<file path=ppt/slides/slide3.xml><?xml version="1.0" encoding="utf-8"?>
-<p:sld xmlns:a="http://schemas.openxmlformats.org/drawingml/2006/main" xmlns:p="http://schemas.openxmlformats.org/presentationml/2006/main" xmlns:r="http://schemas.openxmlformats.org/officeDocument/2006/relationships">
-  <p:cSld>
-    <p:spTree>
-      <p:nvGrpSpPr>
-        <p:cNvPr id="1" name=""/>
-        <p:cNvGrpSpPr/>
-        <p:nvPr/>
-      </p:nvGrpSpPr>
-      <p:grpSpPr/>
-      <p:sp>
-        <p:nvSpPr>
-          <p:cNvPr id="2" name="Title 1"/>
-          <p:cNvSpPr>
-            <a:spLocks noGrp="1"/>
-          </p:cNvSpPr>
-          <p:nvPr>
-            <p:ph type="title"/>
-          </p:nvPr>
-        </p:nvSpPr>
-        <p:spPr/>
-        <p:txBody>
-          <a:bodyPr/>
-          <a:lstStyle/>
-          <a:p>
-            <a:r>
-              <a:t>Index</a:t>
-            </a:r>
-          </a:p>
-        </p:txBody>
-      </p:sp>
-      <p:sp>
-        <p:nvSpPr>
-          <p:cNvPr id="3" name="Content Placeholder 2"/>
-          <p:cNvSpPr>
-            <a:spLocks noGrp="1"/>
-          </p:cNvSpPr>
-          <p:nvPr>
-            <p:ph idx="1"/>
-          </p:nvPr>
-        </p:nvSpPr>
-        <p:spPr/>
-        <p:txBody>
-          <a:bodyPr/>
-          <a:lstStyle/>
-          <a:p/>
-          <a:p>
-            <a:pPr/>
-            <a:r>
-              <a:t>1.Introduction to Huffman Coding2.How Huffman Coding Works: An Example3.Building the Huffman Tree4.Huffman Coding Algorithm: A Step-by-Step Guide5.Prefix Codes and Ambiguity Prevention6.Encoding and Decoding Example &amp; Code Implementation Overview7.Conclusion: Efficiency and Applications of Huffman CodingConclusion</a:t>
-            </a:r>
-          </a:p>
-        </p:txBody>
-      </p:sp>
-    </p:spTree>
-  </p:cSld>
-  <p:clrMapOvr>
-    <a:masterClrMapping/>
-  </p:clrMapOvr>
-</p:sld>
-</file>
-
-<file path=ppt/slides/slide4.xml><?xml version="1.0" encoding="utf-8"?>
-<p:sld xmlns:a="http://schemas.openxmlformats.org/drawingml/2006/main" xmlns:p="http://schemas.openxmlformats.org/presentationml/2006/main" xmlns:r="http://schemas.openxmlformats.org/officeDocument/2006/relationships">
-  <p:cSld>
-    <p:spTree>
-      <p:nvGrpSpPr>
-        <p:cNvPr id="1" name=""/>
-        <p:cNvGrpSpPr/>
-        <p:nvPr/>
-      </p:nvGrpSpPr>
-      <p:grpSpPr/>
-      <p:sp>
-        <p:nvSpPr>
-          <p:cNvPr id="2" name="Title 1"/>
-          <p:cNvSpPr>
-            <a:spLocks noGrp="1"/>
-          </p:cNvSpPr>
-          <p:nvPr>
-            <p:ph type="title"/>
-          </p:nvPr>
-        </p:nvSpPr>
-        <p:spPr/>
-        <p:txBody>
-          <a:bodyPr/>
-          <a:lstStyle/>
-          <a:p>
-            <a:r>
-              <a:t>Introduction to Huffman Coding</a:t>
-            </a:r>
-          </a:p>
-        </p:txBody>
-      </p:sp>
-      <p:sp>
-        <p:nvSpPr>
-          <p:cNvPr id="3" name="Content Placeholder 2"/>
-          <p:cNvSpPr>
-            <a:spLocks noGrp="1"/>
-          </p:cNvSpPr>
-          <p:nvPr>
-            <p:ph idx="1"/>
-          </p:nvPr>
-        </p:nvSpPr>
-        <p:spPr/>
-        <p:txBody>
-          <a:bodyPr/>
-          <a:lstStyle/>
-          <a:p/>
-          <a:p>
-            <a:pPr/>
-            <a:r>
-              <a:t>Huffman coding is a lossless data compression algorithm that reduces file size by assigning shorter codes to more frequent characters.It was developed by David A. Huffman and published in 1952.The algorithm is based on the frequency of characters in the input data.  More frequent characters receive shorter codes, and less frequent characters receive longer codes.This variable-length coding scheme leads to significant compression, especially for text with repetitive characters.Huffman coding is widely used in various applications, including data archiving, file compression (e.g., .zip, .rar), and fax transmission.It forms the basis for many more advanced compression techniques.Unlike fixed-length coding (e.g., ASCII), Huffman coding dynamically adjusts code lengths based on character frequency.</a:t>
-            </a:r>
-          </a:p>
-        </p:txBody>
-      </p:sp>
-    </p:spTree>
-  </p:cSld>
-  <p:clrMapOvr>
-    <a:masterClrMapping/>
-  </p:clrMapOvr>
-</p:sld>
-</file>
-
-<file path=ppt/slides/slide5.xml><?xml version="1.0" encoding="utf-8"?>
+<file path=ppt/slides/slide9.xml><?xml version="1.0" encoding="utf-8"?>
 <p:sld xmlns:a="http://schemas.openxmlformats.org/drawingml/2006/main" xmlns:p="http://schemas.openxmlformats.org/presentationml/2006/main" xmlns:r="http://schemas.openxmlformats.org/officeDocument/2006/relationships">
   <p:cSld>
     <p:spTree>
@@ -6549,14 +6179,14 @@
           <a:lstStyle/>
           <a:p>
             <a:r>
-              <a:t>Figures from Section 1</a:t>
+              <a:t>Figures from Section 4</a:t>
             </a:r>
           </a:p>
         </p:txBody>
       </p:sp>
       <p:pic>
         <p:nvPicPr>
-          <p:cNvPr id="3" name="Picture 2" descr="Huffman_Coding_theory_page_1_img_1.png"/>
+          <p:cNvPr id="3" name="Picture 2" descr="sample2_poly_page_4_img_1.png"/>
           <p:cNvPicPr>
             <a:picLocks noChangeAspect="1"/>
           </p:cNvPicPr>
@@ -6586,322 +6216,10 @@
 </p:sld>
 </file>
 
-<file path=ppt/slides/slide6.xml><?xml version="1.0" encoding="utf-8"?>
-<p:sld xmlns:a="http://schemas.openxmlformats.org/drawingml/2006/main" xmlns:p="http://schemas.openxmlformats.org/presentationml/2006/main" xmlns:r="http://schemas.openxmlformats.org/officeDocument/2006/relationships">
-  <p:cSld>
-    <p:spTree>
-      <p:nvGrpSpPr>
-        <p:cNvPr id="1" name=""/>
-        <p:cNvGrpSpPr/>
-        <p:nvPr/>
-      </p:nvGrpSpPr>
-      <p:grpSpPr/>
-      <p:sp>
-        <p:nvSpPr>
-          <p:cNvPr id="2" name="Title 1"/>
-          <p:cNvSpPr>
-            <a:spLocks noGrp="1"/>
-          </p:cNvSpPr>
-          <p:nvPr>
-            <p:ph type="title"/>
-          </p:nvPr>
-        </p:nvSpPr>
-        <p:spPr/>
-        <p:txBody>
-          <a:bodyPr/>
-          <a:lstStyle/>
-          <a:p>
-            <a:r>
-              <a:t>How Huffman Coding Works: An Example</a:t>
-            </a:r>
-          </a:p>
-        </p:txBody>
-      </p:sp>
-      <p:sp>
-        <p:nvSpPr>
-          <p:cNvPr id="3" name="Content Placeholder 2"/>
-          <p:cNvSpPr>
-            <a:spLocks noGrp="1"/>
-          </p:cNvSpPr>
-          <p:nvPr>
-            <p:ph idx="1"/>
-          </p:nvPr>
-        </p:nvSpPr>
-        <p:spPr/>
-        <p:txBody>
-          <a:bodyPr/>
-          <a:lstStyle/>
-          <a:p/>
-          <a:p>
-            <a:pPr/>
-            <a:r>
-              <a:t>Consider a string: Huffman coding aims to represent this string using fewer bits.We first count the frequency of each character: A (5), B (2), C (3), D (2).The algorithm then constructs a binary tree based on these frequencies, assigning shorter codes to more frequent characters.The final encoded string will be significantly shorter than the original 120 bits.</a:t>
-            </a:r>
-          </a:p>
-        </p:txBody>
-      </p:sp>
-    </p:spTree>
-  </p:cSld>
-  <p:clrMapOvr>
-    <a:masterClrMapping/>
-  </p:clrMapOvr>
-</p:sld>
-</file>
-
-<file path=ppt/slides/slide7.xml><?xml version="1.0" encoding="utf-8"?>
-<p:sld xmlns:a="http://schemas.openxmlformats.org/drawingml/2006/main" xmlns:p="http://schemas.openxmlformats.org/presentationml/2006/main" xmlns:r="http://schemas.openxmlformats.org/officeDocument/2006/relationships">
-  <p:cSld>
-    <p:spTree>
-      <p:nvGrpSpPr>
-        <p:cNvPr id="1" name=""/>
-        <p:cNvGrpSpPr/>
-        <p:nvPr/>
-      </p:nvGrpSpPr>
-      <p:grpSpPr/>
-      <p:sp>
-        <p:nvSpPr>
-          <p:cNvPr id="2" name="TextBox 1"/>
-          <p:cNvSpPr txBox="1"/>
-          <p:nvPr/>
-        </p:nvSpPr>
-        <p:spPr>
-          <a:xfrm>
-            <a:off x="457200" y="457200"/>
-            <a:ext cx="8229600" cy="914400"/>
-          </a:xfrm>
-          <a:prstGeom prst="rect">
-            <a:avLst/>
-          </a:prstGeom>
-          <a:noFill/>
-        </p:spPr>
-        <p:txBody>
-          <a:bodyPr wrap="none">
-            <a:spAutoFit/>
-          </a:bodyPr>
-          <a:lstStyle/>
-          <a:p>
-            <a:r>
-              <a:t>Figures from Section 2</a:t>
-            </a:r>
-          </a:p>
-        </p:txBody>
-      </p:sp>
-      <p:pic>
-        <p:nvPicPr>
-          <p:cNvPr id="3" name="Picture 2" descr="Huffman_Coding_theory_page_2_img_1.png"/>
-          <p:cNvPicPr>
-            <a:picLocks noChangeAspect="1"/>
-          </p:cNvPicPr>
-          <p:nvPr/>
-        </p:nvPicPr>
-        <p:blipFill>
-          <a:blip r:embed="rId2"/>
-          <a:stretch>
-            <a:fillRect/>
-          </a:stretch>
-        </p:blipFill>
-        <p:spPr>
-          <a:xfrm>
-            <a:off x="457200" y="1371600"/>
-            <a:ext cx="4114800" cy="3200400"/>
-          </a:xfrm>
-          <a:prstGeom prst="rect">
-            <a:avLst/>
-          </a:prstGeom>
-        </p:spPr>
-      </p:pic>
-      <p:pic>
-        <p:nvPicPr>
-          <p:cNvPr id="4" name="Picture 3" descr="Huffman_Coding_theory_page_2_img_2.png"/>
-          <p:cNvPicPr>
-            <a:picLocks noChangeAspect="1"/>
-          </p:cNvPicPr>
-          <p:nvPr/>
-        </p:nvPicPr>
-        <p:blipFill>
-          <a:blip r:embed="rId3"/>
-          <a:stretch>
-            <a:fillRect/>
-          </a:stretch>
-        </p:blipFill>
-        <p:spPr>
-          <a:xfrm>
-            <a:off x="5029200" y="1371600"/>
-            <a:ext cx="4114800" cy="3200400"/>
-          </a:xfrm>
-          <a:prstGeom prst="rect">
-            <a:avLst/>
-          </a:prstGeom>
-        </p:spPr>
-      </p:pic>
-    </p:spTree>
-  </p:cSld>
-  <p:clrMapOvr>
-    <a:masterClrMapping/>
-  </p:clrMapOvr>
-</p:sld>
-</file>
-
-<file path=ppt/slides/slide8.xml><?xml version="1.0" encoding="utf-8"?>
-<p:sld xmlns:a="http://schemas.openxmlformats.org/drawingml/2006/main" xmlns:p="http://schemas.openxmlformats.org/presentationml/2006/main" xmlns:r="http://schemas.openxmlformats.org/officeDocument/2006/relationships">
-  <p:cSld>
-    <p:spTree>
-      <p:nvGrpSpPr>
-        <p:cNvPr id="1" name=""/>
-        <p:cNvGrpSpPr/>
-        <p:nvPr/>
-      </p:nvGrpSpPr>
-      <p:grpSpPr/>
-      <p:sp>
-        <p:nvSpPr>
-          <p:cNvPr id="2" name="Title 1"/>
-          <p:cNvSpPr>
-            <a:spLocks noGrp="1"/>
-          </p:cNvSpPr>
-          <p:nvPr>
-            <p:ph type="title"/>
-          </p:nvPr>
-        </p:nvSpPr>
-        <p:spPr/>
-        <p:txBody>
-          <a:bodyPr/>
-          <a:lstStyle/>
-          <a:p>
-            <a:r>
-              <a:t>Building the Huffman Tree</a:t>
-            </a:r>
-          </a:p>
-        </p:txBody>
-      </p:sp>
-      <p:sp>
-        <p:nvSpPr>
-          <p:cNvPr id="3" name="Content Placeholder 2"/>
-          <p:cNvSpPr>
-            <a:spLocks noGrp="1"/>
-          </p:cNvSpPr>
-          <p:nvPr>
-            <p:ph idx="1"/>
-          </p:nvPr>
-        </p:nvSpPr>
-        <p:spPr/>
-        <p:txBody>
-          <a:bodyPr/>
-          <a:lstStyle/>
-          <a:p/>
-          <a:p>
-            <a:pPr/>
-            <a:r>
-              <a:t>The process begins by creating a min-heap data structure, containing nodes representing each character and its frequency.Repeatedly, the two nodes with the lowest frequencies are extracted from the heap.A new node is created, its frequency being the sum of the frequencies of the extracted nodes.  The extracted nodes become the left and right children of this new node.This new node is inserted back into the heap.This process continues until only one node remains – the root of the Huffman tree.Each leaf node represents a character, and the path from the root to a leaf node defines the code for that character (0 for left, 1 for right).</a:t>
-            </a:r>
-          </a:p>
-        </p:txBody>
-      </p:sp>
-    </p:spTree>
-  </p:cSld>
-  <p:clrMapOvr>
-    <a:masterClrMapping/>
-  </p:clrMapOvr>
-</p:sld>
-</file>
-
-<file path=ppt/slides/slide9.xml><?xml version="1.0" encoding="utf-8"?>
-<p:sld xmlns:a="http://schemas.openxmlformats.org/drawingml/2006/main" xmlns:p="http://schemas.openxmlformats.org/presentationml/2006/main" xmlns:r="http://schemas.openxmlformats.org/officeDocument/2006/relationships">
-  <p:cSld>
-    <p:spTree>
-      <p:nvGrpSpPr>
-        <p:cNvPr id="1" name=""/>
-        <p:cNvGrpSpPr/>
-        <p:nvPr/>
-      </p:nvGrpSpPr>
-      <p:grpSpPr/>
-      <p:sp>
-        <p:nvSpPr>
-          <p:cNvPr id="2" name="TextBox 1"/>
-          <p:cNvSpPr txBox="1"/>
-          <p:nvPr/>
-        </p:nvSpPr>
-        <p:spPr>
-          <a:xfrm>
-            <a:off x="457200" y="457200"/>
-            <a:ext cx="8229600" cy="914400"/>
-          </a:xfrm>
-          <a:prstGeom prst="rect">
-            <a:avLst/>
-          </a:prstGeom>
-          <a:noFill/>
-        </p:spPr>
-        <p:txBody>
-          <a:bodyPr wrap="none">
-            <a:spAutoFit/>
-          </a:bodyPr>
-          <a:lstStyle/>
-          <a:p>
-            <a:r>
-              <a:t>Figures from Section 3</a:t>
-            </a:r>
-          </a:p>
-        </p:txBody>
-      </p:sp>
-      <p:pic>
-        <p:nvPicPr>
-          <p:cNvPr id="3" name="Picture 2" descr="Huffman_Coding_theory_page_3_img_1.png"/>
-          <p:cNvPicPr>
-            <a:picLocks noChangeAspect="1"/>
-          </p:cNvPicPr>
-          <p:nvPr/>
-        </p:nvPicPr>
-        <p:blipFill>
-          <a:blip r:embed="rId2"/>
-          <a:stretch>
-            <a:fillRect/>
-          </a:stretch>
-        </p:blipFill>
-        <p:spPr>
-          <a:xfrm>
-            <a:off x="457200" y="1371600"/>
-            <a:ext cx="4114800" cy="3200400"/>
-          </a:xfrm>
-          <a:prstGeom prst="rect">
-            <a:avLst/>
-          </a:prstGeom>
-        </p:spPr>
-      </p:pic>
-      <p:pic>
-        <p:nvPicPr>
-          <p:cNvPr id="4" name="Picture 3" descr="Huffman_Coding_theory_page_3_img_2.png"/>
-          <p:cNvPicPr>
-            <a:picLocks noChangeAspect="1"/>
-          </p:cNvPicPr>
-          <p:nvPr/>
-        </p:nvPicPr>
-        <p:blipFill>
-          <a:blip r:embed="rId3"/>
-          <a:stretch>
-            <a:fillRect/>
-          </a:stretch>
-        </p:blipFill>
-        <p:spPr>
-          <a:xfrm>
-            <a:off x="5029200" y="1371600"/>
-            <a:ext cx="4114800" cy="3200400"/>
-          </a:xfrm>
-          <a:prstGeom prst="rect">
-            <a:avLst/>
-          </a:prstGeom>
-        </p:spPr>
-      </p:pic>
-    </p:spTree>
-  </p:cSld>
-  <p:clrMapOvr>
-    <a:masterClrMapping/>
-  </p:clrMapOvr>
-</p:sld>
-</file>
-
 <file path=ppt/theme/theme1.xml><?xml version="1.0" encoding="utf-8"?>
-<a:theme xmlns:a="http://schemas.openxmlformats.org/drawingml/2006/main" name="Mesh">
+<a:theme xmlns:a="http://schemas.openxmlformats.org/drawingml/2006/main" name="Quotable">
   <a:themeElements>
-    <a:clrScheme name="Mesh">
+    <a:clrScheme name="Quotable">
       <a:dk1>
         <a:sysClr val="windowText" lastClr="000000"/>
       </a:dk1>
@@ -6909,37 +6227,37 @@
         <a:sysClr val="window" lastClr="FFFFFF"/>
       </a:lt1>
       <a:dk2>
-        <a:srgbClr val="363D46"/>
+        <a:srgbClr val="212121"/>
       </a:dk2>
       <a:lt2>
-        <a:srgbClr val="EBEBEB"/>
+        <a:srgbClr val="636363"/>
       </a:lt2>
       <a:accent1>
-        <a:srgbClr val="6F6F6F"/>
+        <a:srgbClr val="00C6BB"/>
       </a:accent1>
       <a:accent2>
-        <a:srgbClr val="BFBFA5"/>
+        <a:srgbClr val="6FEBA0"/>
       </a:accent2>
       <a:accent3>
-        <a:srgbClr val="DCD084"/>
+        <a:srgbClr val="B6DF5E"/>
       </a:accent3>
       <a:accent4>
-        <a:srgbClr val="E7BF5F"/>
+        <a:srgbClr val="EFB251"/>
       </a:accent4>
       <a:accent5>
-        <a:srgbClr val="E9A039"/>
+        <a:srgbClr val="EF755F"/>
       </a:accent5>
       <a:accent6>
-        <a:srgbClr val="CF7133"/>
+        <a:srgbClr val="ED515C"/>
       </a:accent6>
       <a:hlink>
-        <a:srgbClr val="F28943"/>
+        <a:srgbClr val="8F8F8F"/>
       </a:hlink>
       <a:folHlink>
-        <a:srgbClr val="F1B76C"/>
+        <a:srgbClr val="A5A5A5"/>
       </a:folHlink>
     </a:clrScheme>
-    <a:fontScheme name="Mesh">
+    <a:fontScheme name="Quotable">
       <a:majorFont>
         <a:latin typeface="Century Gothic" panose="020B0502020202020204"/>
         <a:ea typeface=""/>
@@ -7011,7 +6329,7 @@
         <a:font script="Geor" typeface="Sylfaen"/>
       </a:minorFont>
     </a:fontScheme>
-    <a:fmtScheme name="Mesh">
+    <a:fmtScheme name="Quotable">
       <a:fillStyleLst>
         <a:solidFill>
           <a:schemeClr val="phClr"/>
@@ -7020,35 +6338,33 @@
           <a:gsLst>
             <a:gs pos="0">
               <a:schemeClr val="phClr">
-                <a:tint val="60000"/>
-                <a:lumMod val="110000"/>
+                <a:tint val="80000"/>
+                <a:lumMod val="105000"/>
               </a:schemeClr>
             </a:gs>
             <a:gs pos="100000">
               <a:schemeClr val="phClr">
-                <a:tint val="82000"/>
+                <a:tint val="90000"/>
               </a:schemeClr>
             </a:gs>
           </a:gsLst>
           <a:lin ang="5400000" scaled="0"/>
         </a:gradFill>
-        <a:gradFill rotWithShape="1">
-          <a:gsLst>
-            <a:gs pos="0">
+        <a:blipFill rotWithShape="1">
+          <a:blip xmlns:r="http://schemas.openxmlformats.org/officeDocument/2006/relationships" r:embed="rId1">
+            <a:duotone>
               <a:schemeClr val="phClr">
-                <a:tint val="96000"/>
-                <a:lumMod val="104000"/>
+                <a:tint val="98000"/>
+                <a:lumMod val="102000"/>
               </a:schemeClr>
-            </a:gs>
-            <a:gs pos="100000">
               <a:schemeClr val="phClr">
-                <a:shade val="84000"/>
-                <a:lumMod val="84000"/>
+                <a:shade val="98000"/>
+                <a:lumMod val="98000"/>
               </a:schemeClr>
-            </a:gs>
-          </a:gsLst>
-          <a:lin ang="5400000" scaled="0"/>
-        </a:gradFill>
+            </a:duotone>
+          </a:blip>
+          <a:tile tx="0" ty="0" sx="100000" sy="100000" flip="none" algn="tl"/>
+        </a:blipFill>
       </a:fillStyleLst>
       <a:lnStyleLst>
         <a:ln w="9525" cap="rnd" cmpd="sng" algn="ctr">
@@ -7057,7 +6373,7 @@
           </a:solidFill>
           <a:prstDash val="solid"/>
         </a:ln>
-        <a:ln w="19050" cap="rnd" cmpd="sng" algn="ctr">
+        <a:ln w="15875" cap="rnd" cmpd="sng" algn="ctr">
           <a:solidFill>
             <a:schemeClr val="phClr"/>
           </a:solidFill>
@@ -7075,31 +6391,16 @@
           <a:effectLst/>
         </a:effectStyle>
         <a:effectStyle>
+          <a:effectLst/>
+        </a:effectStyle>
+        <a:effectStyle>
           <a:effectLst>
-            <a:innerShdw blurRad="50800" dist="25400" dir="13500000">
+            <a:innerShdw blurRad="63500" dist="25400" dir="13500000">
               <a:srgbClr val="000000">
-                <a:alpha val="55000"/>
+                <a:alpha val="75000"/>
               </a:srgbClr>
             </a:innerShdw>
           </a:effectLst>
-        </a:effectStyle>
-        <a:effectStyle>
-          <a:effectLst>
-            <a:outerShdw blurRad="50800" dist="38100" dir="5400000" rotWithShape="0">
-              <a:srgbClr val="000000">
-                <a:alpha val="60000"/>
-              </a:srgbClr>
-            </a:outerShdw>
-          </a:effectLst>
-          <a:scene3d>
-            <a:camera prst="orthographicFront">
-              <a:rot lat="0" lon="0" rev="0"/>
-            </a:camera>
-            <a:lightRig rig="threePt" dir="tl"/>
-          </a:scene3d>
-          <a:sp3d>
-            <a:bevelT w="25400" h="25400" prst="slope"/>
-          </a:sp3d>
         </a:effectStyle>
       </a:effectStyleLst>
       <a:bgFillStyleLst>
@@ -7110,37 +6411,35 @@
           <a:gsLst>
             <a:gs pos="0">
               <a:schemeClr val="phClr">
-                <a:tint val="90000"/>
-                <a:lumMod val="110000"/>
+                <a:tint val="100000"/>
               </a:schemeClr>
             </a:gs>
             <a:gs pos="100000">
               <a:schemeClr val="phClr">
-                <a:shade val="64000"/>
-                <a:lumMod val="98000"/>
+                <a:tint val="84000"/>
+                <a:shade val="84000"/>
+                <a:lumMod val="90000"/>
               </a:schemeClr>
             </a:gs>
           </a:gsLst>
           <a:lin ang="5400000" scaled="0"/>
         </a:gradFill>
-        <a:blipFill rotWithShape="1">
-          <a:blip xmlns:r="http://schemas.openxmlformats.org/officeDocument/2006/relationships" r:embed="rId1">
-            <a:duotone>
+        <a:gradFill rotWithShape="1">
+          <a:gsLst>
+            <a:gs pos="0">
               <a:schemeClr val="phClr">
-                <a:shade val="28000"/>
-                <a:satMod val="94000"/>
-                <a:lumMod val="20000"/>
+                <a:tint val="84000"/>
+                <a:shade val="90000"/>
+                <a:satMod val="120000"/>
+                <a:lumMod val="90000"/>
               </a:schemeClr>
-              <a:schemeClr val="phClr">
-                <a:tint val="94000"/>
-                <a:shade val="84000"/>
-                <a:satMod val="148000"/>
-                <a:lumMod val="114000"/>
-              </a:schemeClr>
-            </a:duotone>
-          </a:blip>
-          <a:stretch/>
-        </a:blipFill>
+            </a:gs>
+            <a:gs pos="100000">
+              <a:schemeClr val="phClr"/>
+            </a:gs>
+          </a:gsLst>
+          <a:lin ang="5400000" scaled="0"/>
+        </a:gradFill>
       </a:bgFillStyleLst>
     </a:fmtScheme>
   </a:themeElements>
@@ -7148,7 +6447,7 @@
   <a:extraClrSchemeLst/>
   <a:extLst>
     <a:ext uri="{05A4C25C-085E-4340-85A3-A5531E510DB2}">
-      <thm15:themeFamily xmlns:thm15="http://schemas.microsoft.com/office/thememl/2012/main" name="Mesh" id="{789EC3FE-34FD-429C-9918-760025E6C145}" vid="{B8BE45C0-8141-4D58-8C71-A009BC26FBBB}"/>
+      <thm15:themeFamily xmlns:thm15="http://schemas.microsoft.com/office/thememl/2012/main" name="Quotable" id="{39EC5628-30ED-4578-ACD8-9820EDB8E15A}" vid="{6F3559E9-1A4C-49D8-94D4-F41003531C49}"/>
     </a:ext>
   </a:extLst>
 </a:theme>

--- a/output/generated_presentation.pptx
+++ b/output/generated_presentation.pptx
@@ -2,7 +2,7 @@
 <file path=ppt/presentation.xml><?xml version="1.0" encoding="utf-8"?>
 <p:presentation xmlns:a="http://schemas.openxmlformats.org/drawingml/2006/main" xmlns:r="http://schemas.openxmlformats.org/officeDocument/2006/relationships" xmlns:p="http://schemas.openxmlformats.org/presentationml/2006/main" saveSubsetFonts="1">
   <p:sldMasterIdLst>
-    <p:sldMasterId id="2147483741" r:id="rId1"/>
+    <p:sldMasterId id="2147483756" r:id="rId1"/>
   </p:sldMasterIdLst>
   <p:sldIdLst>
     <p:sldId id="256" r:id="rId2"/>
@@ -16,6 +16,10 @@
     <p:sldId id="264" r:id="rId14"/>
     <p:sldId id="265" r:id="rId15"/>
     <p:sldId id="266" r:id="rId16"/>
+    <p:sldId id="267" r:id="rId17"/>
+    <p:sldId id="268" r:id="rId18"/>
+    <p:sldId id="269" r:id="rId19"/>
+    <p:sldId id="270" r:id="rId20"/>
   </p:sldIdLst>
   <p:sldSz cx="12192000" cy="6858000"/>
   <p:notesSz cx="6858000" cy="9144000"/>
@@ -141,110 +145,6 @@
       </p:grpSpPr>
       <p:sp>
         <p:nvSpPr>
-          <p:cNvPr id="11" name="Freeform 6"/>
-          <p:cNvSpPr/>
-          <p:nvPr/>
-        </p:nvSpPr>
-        <p:spPr bwMode="auto">
-          <a:xfrm>
-            <a:off x="0" y="-3175"/>
-            <a:ext cx="12192000" cy="5203825"/>
-          </a:xfrm>
-          <a:custGeom>
-            <a:avLst/>
-            <a:gdLst/>
-            <a:ahLst/>
-            <a:cxnLst/>
-            <a:rect l="0" t="0" r="r" b="b"/>
-            <a:pathLst>
-              <a:path w="5760" h="3278">
-                <a:moveTo>
-                  <a:pt x="5760" y="0"/>
-                </a:moveTo>
-                <a:lnTo>
-                  <a:pt x="0" y="0"/>
-                </a:lnTo>
-                <a:lnTo>
-                  <a:pt x="0" y="3090"/>
-                </a:lnTo>
-                <a:lnTo>
-                  <a:pt x="943" y="3090"/>
-                </a:lnTo>
-                <a:lnTo>
-                  <a:pt x="1123" y="3270"/>
-                </a:lnTo>
-                <a:lnTo>
-                  <a:pt x="1123" y="3270"/>
-                </a:lnTo>
-                <a:lnTo>
-                  <a:pt x="1127" y="3272"/>
-                </a:lnTo>
-                <a:lnTo>
-                  <a:pt x="1133" y="3275"/>
-                </a:lnTo>
-                <a:lnTo>
-                  <a:pt x="1139" y="3278"/>
-                </a:lnTo>
-                <a:lnTo>
-                  <a:pt x="1144" y="3278"/>
-                </a:lnTo>
-                <a:lnTo>
-                  <a:pt x="1150" y="3278"/>
-                </a:lnTo>
-                <a:lnTo>
-                  <a:pt x="1155" y="3275"/>
-                </a:lnTo>
-                <a:lnTo>
-                  <a:pt x="1161" y="3272"/>
-                </a:lnTo>
-                <a:lnTo>
-                  <a:pt x="1165" y="3270"/>
-                </a:lnTo>
-                <a:lnTo>
-                  <a:pt x="1345" y="3090"/>
-                </a:lnTo>
-                <a:lnTo>
-                  <a:pt x="5760" y="3090"/>
-                </a:lnTo>
-                <a:lnTo>
-                  <a:pt x="5760" y="0"/>
-                </a:lnTo>
-                <a:close/>
-              </a:path>
-            </a:pathLst>
-          </a:custGeom>
-          <a:ln/>
-          <a:effectLst/>
-          <a:extLst>
-            <a:ext uri="{91240B29-F687-4f45-9708-019B960494DF}">
-              <a14:hiddenLine xmlns:a14="http://schemas.microsoft.com/office/drawing/2010/main" xmlns="" w="9525">
-                <a:solidFill>
-                  <a:srgbClr val="000000"/>
-                </a:solidFill>
-                <a:round/>
-                <a:headEnd/>
-                <a:tailEnd/>
-              </a14:hiddenLine>
-            </a:ext>
-          </a:extLst>
-        </p:spPr>
-        <p:style>
-          <a:lnRef idx="1">
-            <a:schemeClr val="accent1"/>
-          </a:lnRef>
-          <a:fillRef idx="3">
-            <a:schemeClr val="accent1"/>
-          </a:fillRef>
-          <a:effectRef idx="2">
-            <a:schemeClr val="accent1"/>
-          </a:effectRef>
-          <a:fontRef idx="minor">
-            <a:schemeClr val="lt1"/>
-          </a:fontRef>
-        </p:style>
-      </p:sp>
-      <p:sp>
-        <p:nvSpPr>
           <p:cNvPr id="2" name="Title 1"/>
           <p:cNvSpPr>
             <a:spLocks noGrp="1"/>
@@ -255,15 +155,32 @@
         </p:nvSpPr>
         <p:spPr>
           <a:xfrm>
-            <a:off x="810001" y="1449147"/>
-            <a:ext cx="10572000" cy="2971051"/>
+            <a:off x="1751012" y="609601"/>
+            <a:ext cx="8676222" cy="3200400"/>
           </a:xfrm>
         </p:spPr>
         <p:txBody>
-          <a:bodyPr/>
+          <a:bodyPr anchor="b">
+            <a:normAutofit/>
+          </a:bodyPr>
           <a:lstStyle>
-            <a:lvl1pPr>
-              <a:defRPr sz="5400"/>
+            <a:lvl1pPr algn="ctr">
+              <a:defRPr sz="4800">
+                <a:effectLst>
+                  <a:glow rad="38100">
+                    <a:schemeClr val="bg1">
+                      <a:lumMod val="65000"/>
+                      <a:lumOff val="35000"/>
+                      <a:alpha val="50000"/>
+                    </a:schemeClr>
+                  </a:glow>
+                  <a:outerShdw blurRad="28575" dist="31750" dir="13200000" algn="tl" rotWithShape="0">
+                    <a:srgbClr val="000000">
+                      <a:alpha val="25000"/>
+                    </a:srgbClr>
+                  </a:outerShdw>
+                </a:effectLst>
+              </a:defRPr>
             </a:lvl1pPr>
           </a:lstStyle>
           <a:p>
@@ -287,19 +204,32 @@
         </p:nvSpPr>
         <p:spPr>
           <a:xfrm>
-            <a:off x="810001" y="5280847"/>
-            <a:ext cx="10572000" cy="434974"/>
+            <a:off x="1751012" y="3886200"/>
+            <a:ext cx="8676222" cy="1905000"/>
           </a:xfrm>
         </p:spPr>
         <p:txBody>
-          <a:bodyPr anchor="t"/>
+          <a:bodyPr anchor="t">
+            <a:normAutofit/>
+          </a:bodyPr>
           <a:lstStyle>
-            <a:lvl1pPr marL="0" indent="0" algn="l">
-              <a:buNone/>
-              <a:defRPr>
-                <a:solidFill>
-                  <a:schemeClr val="tx1"/>
-                </a:solidFill>
+            <a:lvl1pPr marL="0" indent="0" algn="ctr">
+              <a:buNone/>
+              <a:defRPr sz="2100">
+                <a:gradFill flip="none" rotWithShape="1">
+                  <a:gsLst>
+                    <a:gs pos="0">
+                      <a:schemeClr val="tx1"/>
+                    </a:gs>
+                    <a:gs pos="100000">
+                      <a:schemeClr val="tx1">
+                        <a:lumMod val="75000"/>
+                      </a:schemeClr>
+                    </a:gs>
+                  </a:gsLst>
+                  <a:lin ang="5400000" scaled="0"/>
+                  <a:tileRect/>
+                </a:gradFill>
               </a:defRPr>
             </a:lvl1pPr>
             <a:lvl2pPr marL="457200" indent="0" algn="ctr">
@@ -460,7 +390,7 @@
     </p:spTree>
     <p:extLst>
       <p:ext uri="{BB962C8B-B14F-4D97-AF65-F5344CB8AC3E}">
-        <p14:creationId xmlns:p14="http://schemas.microsoft.com/office/powerpoint/2010/main" val="2539989243"/>
+        <p14:creationId xmlns:p14="http://schemas.microsoft.com/office/powerpoint/2010/main" val="1355845252"/>
       </p:ext>
     </p:extLst>
   </p:cSld>
@@ -499,8 +429,8 @@
         </p:nvSpPr>
         <p:spPr>
           <a:xfrm>
-            <a:off x="810000" y="4800600"/>
-            <a:ext cx="10561418" cy="566738"/>
+            <a:off x="1141413" y="4732865"/>
+            <a:ext cx="9906000" cy="566738"/>
           </a:xfrm>
         </p:spPr>
         <p:txBody>
@@ -523,116 +453,89 @@
       </p:sp>
       <p:sp>
         <p:nvSpPr>
-          <p:cNvPr id="15" name="Picture Placeholder 14"/>
+          <p:cNvPr id="3" name="Picture Placeholder 2"/>
           <p:cNvSpPr>
             <a:spLocks noGrp="1" noChangeAspect="1"/>
           </p:cNvSpPr>
           <p:nvPr>
-            <p:ph type="pic" sz="quarter" idx="13"/>
-          </p:nvPr>
-        </p:nvSpPr>
-        <p:spPr bwMode="auto">
+            <p:ph type="pic" idx="1"/>
+          </p:nvPr>
+        </p:nvSpPr>
+        <p:spPr>
           <a:xfrm>
-            <a:off x="0" y="0"/>
-            <a:ext cx="12192000" cy="4800600"/>
+            <a:off x="1979612" y="932112"/>
+            <a:ext cx="8225944" cy="3164976"/>
           </a:xfrm>
-          <a:custGeom>
-            <a:avLst/>
-            <a:gdLst/>
-            <a:ahLst/>
-            <a:cxnLst/>
-            <a:rect l="0" t="0" r="r" b="b"/>
-            <a:pathLst>
-              <a:path w="5760" h="3289">
-                <a:moveTo>
-                  <a:pt x="5760" y="0"/>
-                </a:moveTo>
-                <a:lnTo>
-                  <a:pt x="0" y="0"/>
-                </a:lnTo>
-                <a:lnTo>
-                  <a:pt x="0" y="3100"/>
-                </a:lnTo>
-                <a:lnTo>
-                  <a:pt x="943" y="3100"/>
-                </a:lnTo>
-                <a:lnTo>
-                  <a:pt x="1123" y="3281"/>
-                </a:lnTo>
-                <a:lnTo>
-                  <a:pt x="1123" y="3281"/>
-                </a:lnTo>
-                <a:lnTo>
-                  <a:pt x="1127" y="3283"/>
-                </a:lnTo>
-                <a:lnTo>
-                  <a:pt x="1133" y="3286"/>
-                </a:lnTo>
-                <a:lnTo>
-                  <a:pt x="1139" y="3289"/>
-                </a:lnTo>
-                <a:lnTo>
-                  <a:pt x="1144" y="3289"/>
-                </a:lnTo>
-                <a:lnTo>
-                  <a:pt x="1150" y="3289"/>
-                </a:lnTo>
-                <a:lnTo>
-                  <a:pt x="1155" y="3286"/>
-                </a:lnTo>
-                <a:lnTo>
-                  <a:pt x="1161" y="3283"/>
-                </a:lnTo>
-                <a:lnTo>
-                  <a:pt x="1165" y="3281"/>
-                </a:lnTo>
-                <a:lnTo>
-                  <a:pt x="1345" y="3100"/>
-                </a:lnTo>
-                <a:lnTo>
-                  <a:pt x="5760" y="3100"/>
-                </a:lnTo>
-                <a:lnTo>
-                  <a:pt x="5760" y="0"/>
-                </a:lnTo>
-                <a:close/>
-              </a:path>
-            </a:pathLst>
-          </a:custGeom>
-          <a:noFill/>
-          <a:ln>
-            <a:solidFill>
-              <a:schemeClr val="tx2"/>
-            </a:solidFill>
+          <a:prstGeom prst="roundRect">
+            <a:avLst>
+              <a:gd name="adj" fmla="val 4380"/>
+            </a:avLst>
+          </a:prstGeom>
+          <a:ln w="38100">
+            <a:gradFill flip="none" rotWithShape="1">
+              <a:gsLst>
+                <a:gs pos="0">
+                  <a:schemeClr val="bg2"/>
+                </a:gs>
+                <a:gs pos="100000">
+                  <a:schemeClr val="bg2">
+                    <a:lumMod val="75000"/>
+                  </a:schemeClr>
+                </a:gs>
+              </a:gsLst>
+              <a:lin ang="5400000" scaled="0"/>
+              <a:tileRect/>
+            </a:gradFill>
           </a:ln>
+          <a:effectLst>
+            <a:innerShdw blurRad="57150" dist="38100" dir="14460000">
+              <a:srgbClr val="000000">
+                <a:alpha val="70000"/>
+              </a:srgbClr>
+            </a:innerShdw>
+          </a:effectLst>
         </p:spPr>
-        <p:style>
-          <a:lnRef idx="1">
-            <a:schemeClr val="accent1"/>
-          </a:lnRef>
-          <a:fillRef idx="3">
-            <a:schemeClr val="accent1"/>
-          </a:fillRef>
-          <a:effectRef idx="2">
-            <a:schemeClr val="accent1"/>
-          </a:effectRef>
-          <a:fontRef idx="minor">
-            <a:schemeClr val="lt1"/>
-          </a:fontRef>
-        </p:style>
-        <p:txBody>
-          <a:bodyPr wrap="square" numCol="1" anchor="t" anchorCtr="0" compatLnSpc="1">
-            <a:prstTxWarp prst="textNoShape">
-              <a:avLst/>
-            </a:prstTxWarp>
+        <p:txBody>
+          <a:bodyPr anchor="t">
             <a:normAutofit/>
           </a:bodyPr>
           <a:lstStyle>
             <a:lvl1pPr marL="0" indent="0" algn="ctr">
-              <a:buFontTx/>
               <a:buNone/>
               <a:defRPr sz="1600"/>
             </a:lvl1pPr>
+            <a:lvl2pPr marL="457200" indent="0">
+              <a:buNone/>
+              <a:defRPr sz="1600"/>
+            </a:lvl2pPr>
+            <a:lvl3pPr marL="914400" indent="0">
+              <a:buNone/>
+              <a:defRPr sz="1600"/>
+            </a:lvl3pPr>
+            <a:lvl4pPr marL="1371600" indent="0">
+              <a:buNone/>
+              <a:defRPr sz="1600"/>
+            </a:lvl4pPr>
+            <a:lvl5pPr marL="1828800" indent="0">
+              <a:buNone/>
+              <a:defRPr sz="1600"/>
+            </a:lvl5pPr>
+            <a:lvl6pPr marL="2286000" indent="0">
+              <a:buNone/>
+              <a:defRPr sz="1600"/>
+            </a:lvl6pPr>
+            <a:lvl7pPr marL="2743200" indent="0">
+              <a:buNone/>
+              <a:defRPr sz="1600"/>
+            </a:lvl7pPr>
+            <a:lvl8pPr marL="3200400" indent="0">
+              <a:buNone/>
+              <a:defRPr sz="1600"/>
+            </a:lvl8pPr>
+            <a:lvl9pPr marL="3657600" indent="0">
+              <a:buNone/>
+              <a:defRPr sz="1600"/>
+            </a:lvl9pPr>
           </a:lstStyle>
           <a:p>
             <a:r>
@@ -655,8 +558,8 @@
         </p:nvSpPr>
         <p:spPr>
           <a:xfrm>
-            <a:off x="810000" y="5367338"/>
-            <a:ext cx="10561418" cy="493712"/>
+            <a:off x="1141413" y="5299603"/>
+            <a:ext cx="9906000" cy="493712"/>
           </a:xfrm>
         </p:spPr>
         <p:txBody>
@@ -666,7 +569,7 @@
           <a:lstStyle>
             <a:lvl1pPr marL="0" indent="0">
               <a:buNone/>
-              <a:defRPr sz="1200"/>
+              <a:defRPr sz="1400"/>
             </a:lvl1pPr>
             <a:lvl2pPr marL="457200" indent="0">
               <a:buNone/>
@@ -778,7 +681,7 @@
     </p:spTree>
     <p:extLst>
       <p:ext uri="{BB962C8B-B14F-4D97-AF65-F5344CB8AC3E}">
-        <p14:creationId xmlns:p14="http://schemas.microsoft.com/office/powerpoint/2010/main" val="2815518654"/>
+        <p14:creationId xmlns:p14="http://schemas.microsoft.com/office/powerpoint/2010/main" val="2693340215"/>
       </p:ext>
     </p:extLst>
   </p:cSld>
@@ -789,6 +692,265 @@
 </file>
 
 <file path=ppt/slideLayouts/slideLayout11.xml><?xml version="1.0" encoding="utf-8"?>
+<p:sldLayout xmlns:a="http://schemas.openxmlformats.org/drawingml/2006/main" xmlns:r="http://schemas.openxmlformats.org/officeDocument/2006/relationships" xmlns:p="http://schemas.openxmlformats.org/presentationml/2006/main" preserve="1">
+  <p:cSld name="Title and Caption">
+    <p:spTree>
+      <p:nvGrpSpPr>
+        <p:cNvPr id="1" name=""/>
+        <p:cNvGrpSpPr/>
+        <p:nvPr/>
+      </p:nvGrpSpPr>
+      <p:grpSpPr>
+        <a:xfrm>
+          <a:off x="0" y="0"/>
+          <a:ext cx="0" cy="0"/>
+          <a:chOff x="0" y="0"/>
+          <a:chExt cx="0" cy="0"/>
+        </a:xfrm>
+      </p:grpSpPr>
+      <p:sp>
+        <p:nvSpPr>
+          <p:cNvPr id="2" name="Title 1"/>
+          <p:cNvSpPr>
+            <a:spLocks noGrp="1"/>
+          </p:cNvSpPr>
+          <p:nvPr>
+            <p:ph type="title"/>
+          </p:nvPr>
+        </p:nvSpPr>
+        <p:spPr>
+          <a:xfrm>
+            <a:off x="1141412" y="609601"/>
+            <a:ext cx="9905999" cy="3124199"/>
+          </a:xfrm>
+        </p:spPr>
+        <p:txBody>
+          <a:bodyPr anchor="ctr">
+            <a:normAutofit/>
+          </a:bodyPr>
+          <a:lstStyle>
+            <a:lvl1pPr algn="l">
+              <a:defRPr sz="3200" b="0" cap="all"/>
+            </a:lvl1pPr>
+          </a:lstStyle>
+          <a:p>
+            <a:r>
+              <a:rPr lang="en-US"/>
+              <a:t>Click to edit Master title style</a:t>
+            </a:r>
+            <a:endParaRPr lang="en-US" dirty="0"/>
+          </a:p>
+        </p:txBody>
+      </p:sp>
+      <p:sp>
+        <p:nvSpPr>
+          <p:cNvPr id="3" name="Text Placeholder 2"/>
+          <p:cNvSpPr>
+            <a:spLocks noGrp="1"/>
+          </p:cNvSpPr>
+          <p:nvPr>
+            <p:ph type="body" idx="1"/>
+          </p:nvPr>
+        </p:nvSpPr>
+        <p:spPr>
+          <a:xfrm>
+            <a:off x="1141411" y="4343400"/>
+            <a:ext cx="9906000" cy="1447800"/>
+          </a:xfrm>
+        </p:spPr>
+        <p:txBody>
+          <a:bodyPr anchor="ctr">
+            <a:normAutofit/>
+          </a:bodyPr>
+          <a:lstStyle>
+            <a:lvl1pPr marL="0" indent="0" algn="l">
+              <a:buNone/>
+              <a:defRPr sz="2000">
+                <a:gradFill flip="none" rotWithShape="1">
+                  <a:gsLst>
+                    <a:gs pos="0">
+                      <a:schemeClr val="tx1"/>
+                    </a:gs>
+                    <a:gs pos="100000">
+                      <a:schemeClr val="tx1">
+                        <a:lumMod val="75000"/>
+                      </a:schemeClr>
+                    </a:gs>
+                  </a:gsLst>
+                  <a:lin ang="5400000" scaled="0"/>
+                  <a:tileRect/>
+                </a:gradFill>
+              </a:defRPr>
+            </a:lvl1pPr>
+            <a:lvl2pPr marL="457200" indent="0">
+              <a:buNone/>
+              <a:defRPr sz="1800">
+                <a:solidFill>
+                  <a:schemeClr val="tx1">
+                    <a:tint val="75000"/>
+                  </a:schemeClr>
+                </a:solidFill>
+              </a:defRPr>
+            </a:lvl2pPr>
+            <a:lvl3pPr marL="914400" indent="0">
+              <a:buNone/>
+              <a:defRPr sz="1600">
+                <a:solidFill>
+                  <a:schemeClr val="tx1">
+                    <a:tint val="75000"/>
+                  </a:schemeClr>
+                </a:solidFill>
+              </a:defRPr>
+            </a:lvl3pPr>
+            <a:lvl4pPr marL="1371600" indent="0">
+              <a:buNone/>
+              <a:defRPr sz="1400">
+                <a:solidFill>
+                  <a:schemeClr val="tx1">
+                    <a:tint val="75000"/>
+                  </a:schemeClr>
+                </a:solidFill>
+              </a:defRPr>
+            </a:lvl4pPr>
+            <a:lvl5pPr marL="1828800" indent="0">
+              <a:buNone/>
+              <a:defRPr sz="1400">
+                <a:solidFill>
+                  <a:schemeClr val="tx1">
+                    <a:tint val="75000"/>
+                  </a:schemeClr>
+                </a:solidFill>
+              </a:defRPr>
+            </a:lvl5pPr>
+            <a:lvl6pPr marL="2286000" indent="0">
+              <a:buNone/>
+              <a:defRPr sz="1400">
+                <a:solidFill>
+                  <a:schemeClr val="tx1">
+                    <a:tint val="75000"/>
+                  </a:schemeClr>
+                </a:solidFill>
+              </a:defRPr>
+            </a:lvl6pPr>
+            <a:lvl7pPr marL="2743200" indent="0">
+              <a:buNone/>
+              <a:defRPr sz="1400">
+                <a:solidFill>
+                  <a:schemeClr val="tx1">
+                    <a:tint val="75000"/>
+                  </a:schemeClr>
+                </a:solidFill>
+              </a:defRPr>
+            </a:lvl7pPr>
+            <a:lvl8pPr marL="3200400" indent="0">
+              <a:buNone/>
+              <a:defRPr sz="1400">
+                <a:solidFill>
+                  <a:schemeClr val="tx1">
+                    <a:tint val="75000"/>
+                  </a:schemeClr>
+                </a:solidFill>
+              </a:defRPr>
+            </a:lvl8pPr>
+            <a:lvl9pPr marL="3657600" indent="0">
+              <a:buNone/>
+              <a:defRPr sz="1400">
+                <a:solidFill>
+                  <a:schemeClr val="tx1">
+                    <a:tint val="75000"/>
+                  </a:schemeClr>
+                </a:solidFill>
+              </a:defRPr>
+            </a:lvl9pPr>
+          </a:lstStyle>
+          <a:p>
+            <a:pPr lvl="0"/>
+            <a:r>
+              <a:rPr lang="en-US"/>
+              <a:t>Click to edit Master text styles</a:t>
+            </a:r>
+          </a:p>
+        </p:txBody>
+      </p:sp>
+      <p:sp>
+        <p:nvSpPr>
+          <p:cNvPr id="4" name="Date Placeholder 3"/>
+          <p:cNvSpPr>
+            <a:spLocks noGrp="1"/>
+          </p:cNvSpPr>
+          <p:nvPr>
+            <p:ph type="dt" sz="half" idx="10"/>
+          </p:nvPr>
+        </p:nvSpPr>
+        <p:spPr/>
+        <p:txBody>
+          <a:bodyPr/>
+          <a:lstStyle/>
+          <a:p>
+            <a:fld id="{874FFE33-465F-4E9E-89CE-5F79E84B8B4B}" type="datetimeFigureOut">
+              <a:rPr lang="en-IN" smtClean="0"/>
+              <a:t>28-02-2025</a:t>
+            </a:fld>
+            <a:endParaRPr lang="en-IN"/>
+          </a:p>
+        </p:txBody>
+      </p:sp>
+      <p:sp>
+        <p:nvSpPr>
+          <p:cNvPr id="5" name="Footer Placeholder 4"/>
+          <p:cNvSpPr>
+            <a:spLocks noGrp="1"/>
+          </p:cNvSpPr>
+          <p:nvPr>
+            <p:ph type="ftr" sz="quarter" idx="11"/>
+          </p:nvPr>
+        </p:nvSpPr>
+        <p:spPr/>
+        <p:txBody>
+          <a:bodyPr/>
+          <a:lstStyle/>
+          <a:p>
+            <a:endParaRPr lang="en-IN"/>
+          </a:p>
+        </p:txBody>
+      </p:sp>
+      <p:sp>
+        <p:nvSpPr>
+          <p:cNvPr id="6" name="Slide Number Placeholder 5"/>
+          <p:cNvSpPr>
+            <a:spLocks noGrp="1"/>
+          </p:cNvSpPr>
+          <p:nvPr>
+            <p:ph type="sldNum" sz="quarter" idx="12"/>
+          </p:nvPr>
+        </p:nvSpPr>
+        <p:spPr/>
+        <p:txBody>
+          <a:bodyPr/>
+          <a:lstStyle/>
+          <a:p>
+            <a:fld id="{54BE194E-5C1C-4569-9491-10264D79D787}" type="slidenum">
+              <a:rPr lang="en-IN" smtClean="0"/>
+              <a:t>‹#›</a:t>
+            </a:fld>
+            <a:endParaRPr lang="en-IN"/>
+          </a:p>
+        </p:txBody>
+      </p:sp>
+    </p:spTree>
+    <p:extLst>
+      <p:ext uri="{BB962C8B-B14F-4D97-AF65-F5344CB8AC3E}">
+        <p14:creationId xmlns:p14="http://schemas.microsoft.com/office/powerpoint/2010/main" val="1343636869"/>
+      </p:ext>
+    </p:extLst>
+  </p:cSld>
+  <p:clrMapOvr>
+    <a:masterClrMapping/>
+  </p:clrMapOvr>
+</p:sldLayout>
+</file>
+
+<file path=ppt/slideLayouts/slideLayout12.xml><?xml version="1.0" encoding="utf-8"?>
 <p:sldLayout xmlns:a="http://schemas.openxmlformats.org/drawingml/2006/main" xmlns:r="http://schemas.openxmlformats.org/officeDocument/2006/relationships" xmlns:p="http://schemas.openxmlformats.org/presentationml/2006/main" preserve="1">
   <p:cSld name="Quote with Caption">
     <p:spTree>
@@ -807,350 +969,102 @@
       </p:grpSpPr>
       <p:sp>
         <p:nvSpPr>
-          <p:cNvPr id="8" name="Freeform 6"/>
-          <p:cNvSpPr>
-            <a:spLocks noChangeAspect="1"/>
-          </p:cNvSpPr>
+          <p:cNvPr id="14" name="TextBox 13"/>
+          <p:cNvSpPr txBox="1"/>
           <p:nvPr/>
-        </p:nvSpPr>
-        <p:spPr bwMode="auto">
-          <a:xfrm>
-            <a:off x="631697" y="1081456"/>
-            <a:ext cx="6332416" cy="3239188"/>
-          </a:xfrm>
-          <a:custGeom>
-            <a:avLst/>
-            <a:gdLst/>
-            <a:ahLst/>
-            <a:cxnLst/>
-            <a:rect l="0" t="0" r="r" b="b"/>
-            <a:pathLst>
-              <a:path w="3384" h="2308">
-                <a:moveTo>
-                  <a:pt x="3340" y="0"/>
-                </a:moveTo>
-                <a:lnTo>
-                  <a:pt x="44" y="0"/>
-                </a:lnTo>
-                <a:lnTo>
-                  <a:pt x="44" y="0"/>
-                </a:lnTo>
-                <a:lnTo>
-                  <a:pt x="34" y="0"/>
-                </a:lnTo>
-                <a:lnTo>
-                  <a:pt x="26" y="4"/>
-                </a:lnTo>
-                <a:lnTo>
-                  <a:pt x="20" y="8"/>
-                </a:lnTo>
-                <a:lnTo>
-                  <a:pt x="12" y="12"/>
-                </a:lnTo>
-                <a:lnTo>
-                  <a:pt x="8" y="20"/>
-                </a:lnTo>
-                <a:lnTo>
-                  <a:pt x="4" y="26"/>
-                </a:lnTo>
-                <a:lnTo>
-                  <a:pt x="0" y="34"/>
-                </a:lnTo>
-                <a:lnTo>
-                  <a:pt x="0" y="44"/>
-                </a:lnTo>
-                <a:lnTo>
-                  <a:pt x="0" y="2076"/>
-                </a:lnTo>
-                <a:lnTo>
-                  <a:pt x="0" y="2076"/>
-                </a:lnTo>
-                <a:lnTo>
-                  <a:pt x="0" y="2086"/>
-                </a:lnTo>
-                <a:lnTo>
-                  <a:pt x="4" y="2094"/>
-                </a:lnTo>
-                <a:lnTo>
-                  <a:pt x="8" y="2100"/>
-                </a:lnTo>
-                <a:lnTo>
-                  <a:pt x="12" y="2108"/>
-                </a:lnTo>
-                <a:lnTo>
-                  <a:pt x="20" y="2112"/>
-                </a:lnTo>
-                <a:lnTo>
-                  <a:pt x="26" y="2116"/>
-                </a:lnTo>
-                <a:lnTo>
-                  <a:pt x="34" y="2120"/>
-                </a:lnTo>
-                <a:lnTo>
-                  <a:pt x="44" y="2120"/>
-                </a:lnTo>
-                <a:lnTo>
-                  <a:pt x="474" y="2120"/>
-                </a:lnTo>
-                <a:lnTo>
-                  <a:pt x="650" y="2296"/>
-                </a:lnTo>
-                <a:lnTo>
-                  <a:pt x="650" y="2296"/>
-                </a:lnTo>
-                <a:lnTo>
-                  <a:pt x="656" y="2300"/>
-                </a:lnTo>
-                <a:lnTo>
-                  <a:pt x="664" y="2304"/>
-                </a:lnTo>
-                <a:lnTo>
-                  <a:pt x="672" y="2308"/>
-                </a:lnTo>
-                <a:lnTo>
-                  <a:pt x="680" y="2308"/>
-                </a:lnTo>
-                <a:lnTo>
-                  <a:pt x="688" y="2308"/>
-                </a:lnTo>
-                <a:lnTo>
-                  <a:pt x="696" y="2304"/>
-                </a:lnTo>
-                <a:lnTo>
-                  <a:pt x="704" y="2300"/>
-                </a:lnTo>
-                <a:lnTo>
-                  <a:pt x="710" y="2296"/>
-                </a:lnTo>
-                <a:lnTo>
-                  <a:pt x="886" y="2120"/>
-                </a:lnTo>
-                <a:lnTo>
-                  <a:pt x="3340" y="2120"/>
-                </a:lnTo>
-                <a:lnTo>
-                  <a:pt x="3340" y="2120"/>
-                </a:lnTo>
-                <a:lnTo>
-                  <a:pt x="3350" y="2120"/>
-                </a:lnTo>
-                <a:lnTo>
-                  <a:pt x="3358" y="2116"/>
-                </a:lnTo>
-                <a:lnTo>
-                  <a:pt x="3364" y="2112"/>
-                </a:lnTo>
-                <a:lnTo>
-                  <a:pt x="3372" y="2108"/>
-                </a:lnTo>
-                <a:lnTo>
-                  <a:pt x="3376" y="2100"/>
-                </a:lnTo>
-                <a:lnTo>
-                  <a:pt x="3380" y="2094"/>
-                </a:lnTo>
-                <a:lnTo>
-                  <a:pt x="3384" y="2086"/>
-                </a:lnTo>
-                <a:lnTo>
-                  <a:pt x="3384" y="2076"/>
-                </a:lnTo>
-                <a:lnTo>
-                  <a:pt x="3384" y="44"/>
-                </a:lnTo>
-                <a:lnTo>
-                  <a:pt x="3384" y="44"/>
-                </a:lnTo>
-                <a:lnTo>
-                  <a:pt x="3384" y="34"/>
-                </a:lnTo>
-                <a:lnTo>
-                  <a:pt x="3380" y="26"/>
-                </a:lnTo>
-                <a:lnTo>
-                  <a:pt x="3376" y="20"/>
-                </a:lnTo>
-                <a:lnTo>
-                  <a:pt x="3372" y="12"/>
-                </a:lnTo>
-                <a:lnTo>
-                  <a:pt x="3364" y="8"/>
-                </a:lnTo>
-                <a:lnTo>
-                  <a:pt x="3358" y="4"/>
-                </a:lnTo>
-                <a:lnTo>
-                  <a:pt x="3350" y="0"/>
-                </a:lnTo>
-                <a:lnTo>
-                  <a:pt x="3340" y="0"/>
-                </a:lnTo>
-                <a:lnTo>
-                  <a:pt x="3340" y="0"/>
-                </a:lnTo>
-                <a:close/>
-              </a:path>
-            </a:pathLst>
-          </a:custGeom>
-          <a:ln>
-            <a:solidFill>
-              <a:schemeClr val="accent1"/>
-            </a:solidFill>
-          </a:ln>
-        </p:spPr>
-        <p:style>
-          <a:lnRef idx="1">
-            <a:schemeClr val="accent1"/>
-          </a:lnRef>
-          <a:fillRef idx="3">
-            <a:schemeClr val="accent1"/>
-          </a:fillRef>
-          <a:effectRef idx="2">
-            <a:schemeClr val="accent1"/>
-          </a:effectRef>
-          <a:fontRef idx="minor">
-            <a:schemeClr val="lt1"/>
-          </a:fontRef>
-        </p:style>
-      </p:sp>
-      <p:sp>
-        <p:nvSpPr>
-          <p:cNvPr id="2" name="Title 1"/>
-          <p:cNvSpPr>
-            <a:spLocks noGrp="1"/>
-          </p:cNvSpPr>
-          <p:nvPr>
-            <p:ph type="title"/>
-          </p:nvPr>
         </p:nvSpPr>
         <p:spPr>
           <a:xfrm>
-            <a:off x="850985" y="1238502"/>
-            <a:ext cx="5893840" cy="2645912"/>
+            <a:off x="836612" y="786824"/>
+            <a:ext cx="609600" cy="584776"/>
           </a:xfrm>
+          <a:prstGeom prst="rect">
+            <a:avLst/>
+          </a:prstGeom>
         </p:spPr>
         <p:txBody>
-          <a:bodyPr anchor="b"/>
-          <a:lstStyle>
-            <a:lvl1pPr algn="l">
-              <a:defRPr sz="4200" b="1" cap="none"/>
-            </a:lvl1pPr>
-          </a:lstStyle>
-          <a:p>
-            <a:r>
-              <a:rPr lang="en-US"/>
-              <a:t>Click to edit Master title style</a:t>
-            </a:r>
-            <a:endParaRPr lang="en-US" dirty="0"/>
-          </a:p>
-        </p:txBody>
-      </p:sp>
-      <p:sp>
-        <p:nvSpPr>
-          <p:cNvPr id="3" name="Text Placeholder 2"/>
-          <p:cNvSpPr>
-            <a:spLocks noGrp="1"/>
-          </p:cNvSpPr>
-          <p:nvPr>
-            <p:ph type="body" idx="1"/>
-          </p:nvPr>
-        </p:nvSpPr>
-        <p:spPr>
-          <a:xfrm>
-            <a:off x="853190" y="4443680"/>
-            <a:ext cx="5891636" cy="713241"/>
-          </a:xfrm>
-        </p:spPr>
-        <p:txBody>
-          <a:bodyPr anchor="t">
+          <a:bodyPr vert="horz" lIns="91440" tIns="45720" rIns="91440" bIns="45720" rtlCol="0" anchor="ctr">
             <a:noAutofit/>
           </a:bodyPr>
           <a:lstStyle>
-            <a:lvl1pPr marL="0" indent="0" algn="l">
-              <a:buNone/>
-              <a:defRPr sz="1800">
-                <a:solidFill>
-                  <a:schemeClr val="tx1"/>
-                </a:solidFill>
+            <a:lvl1pPr>
+              <a:spcBef>
+                <a:spcPct val="0"/>
+              </a:spcBef>
+              <a:buNone/>
+              <a:defRPr sz="3200" b="0" cap="all">
+                <a:ln w="3175" cmpd="sng">
+                  <a:noFill/>
+                </a:ln>
+                <a:effectLst>
+                  <a:glow rad="38100">
+                    <a:schemeClr val="bg1">
+                      <a:lumMod val="65000"/>
+                      <a:lumOff val="35000"/>
+                      <a:alpha val="40000"/>
+                    </a:schemeClr>
+                  </a:glow>
+                  <a:outerShdw blurRad="28575" dist="38100" dir="14040000" algn="tl" rotWithShape="0">
+                    <a:srgbClr val="000000">
+                      <a:alpha val="25000"/>
+                    </a:srgbClr>
+                  </a:outerShdw>
+                </a:effectLst>
               </a:defRPr>
             </a:lvl1pPr>
-            <a:lvl2pPr marL="457200" indent="0">
-              <a:buNone/>
-              <a:defRPr sz="1800">
-                <a:solidFill>
-                  <a:schemeClr val="tx1">
-                    <a:tint val="75000"/>
-                  </a:schemeClr>
+            <a:lvl2pPr>
+              <a:defRPr>
+                <a:solidFill>
+                  <a:schemeClr val="tx2"/>
                 </a:solidFill>
               </a:defRPr>
             </a:lvl2pPr>
-            <a:lvl3pPr marL="914400" indent="0">
-              <a:buNone/>
-              <a:defRPr sz="1600">
-                <a:solidFill>
-                  <a:schemeClr val="tx1">
-                    <a:tint val="75000"/>
-                  </a:schemeClr>
+            <a:lvl3pPr>
+              <a:defRPr>
+                <a:solidFill>
+                  <a:schemeClr val="tx2"/>
                 </a:solidFill>
               </a:defRPr>
             </a:lvl3pPr>
-            <a:lvl4pPr marL="1371600" indent="0">
-              <a:buNone/>
-              <a:defRPr sz="1400">
-                <a:solidFill>
-                  <a:schemeClr val="tx1">
-                    <a:tint val="75000"/>
-                  </a:schemeClr>
+            <a:lvl4pPr>
+              <a:defRPr>
+                <a:solidFill>
+                  <a:schemeClr val="tx2"/>
                 </a:solidFill>
               </a:defRPr>
             </a:lvl4pPr>
-            <a:lvl5pPr marL="1828800" indent="0">
-              <a:buNone/>
-              <a:defRPr sz="1400">
-                <a:solidFill>
-                  <a:schemeClr val="tx1">
-                    <a:tint val="75000"/>
-                  </a:schemeClr>
+            <a:lvl5pPr>
+              <a:defRPr>
+                <a:solidFill>
+                  <a:schemeClr val="tx2"/>
                 </a:solidFill>
               </a:defRPr>
             </a:lvl5pPr>
-            <a:lvl6pPr marL="2286000" indent="0">
-              <a:buNone/>
-              <a:defRPr sz="1400">
-                <a:solidFill>
-                  <a:schemeClr val="tx1">
-                    <a:tint val="75000"/>
-                  </a:schemeClr>
+            <a:lvl6pPr>
+              <a:defRPr>
+                <a:solidFill>
+                  <a:schemeClr val="tx2"/>
                 </a:solidFill>
               </a:defRPr>
             </a:lvl6pPr>
-            <a:lvl7pPr marL="2743200" indent="0">
-              <a:buNone/>
-              <a:defRPr sz="1400">
-                <a:solidFill>
-                  <a:schemeClr val="tx1">
-                    <a:tint val="75000"/>
-                  </a:schemeClr>
+            <a:lvl7pPr>
+              <a:defRPr>
+                <a:solidFill>
+                  <a:schemeClr val="tx2"/>
                 </a:solidFill>
               </a:defRPr>
             </a:lvl7pPr>
-            <a:lvl8pPr marL="3200400" indent="0">
-              <a:buNone/>
-              <a:defRPr sz="1400">
-                <a:solidFill>
-                  <a:schemeClr val="tx1">
-                    <a:tint val="75000"/>
-                  </a:schemeClr>
+            <a:lvl8pPr>
+              <a:defRPr>
+                <a:solidFill>
+                  <a:schemeClr val="tx2"/>
                 </a:solidFill>
               </a:defRPr>
             </a:lvl8pPr>
-            <a:lvl9pPr marL="3657600" indent="0">
-              <a:buNone/>
-              <a:defRPr sz="1400">
-                <a:solidFill>
-                  <a:schemeClr val="tx1">
-                    <a:tint val="75000"/>
-                  </a:schemeClr>
+            <a:lvl9pPr>
+              <a:defRPr>
+                <a:solidFill>
+                  <a:schemeClr val="tx2"/>
                 </a:solidFill>
               </a:defRPr>
             </a:lvl9pPr>
@@ -1158,39 +1072,268 @@
           <a:p>
             <a:pPr lvl="0"/>
             <a:r>
-              <a:rPr lang="en-US"/>
-              <a:t>Click to edit Master text styles</a:t>
-            </a:r>
-          </a:p>
-        </p:txBody>
-      </p:sp>
-      <p:sp>
-        <p:nvSpPr>
-          <p:cNvPr id="9" name="Text Placeholder 5"/>
-          <p:cNvSpPr>
-            <a:spLocks noGrp="1"/>
-          </p:cNvSpPr>
-          <p:nvPr>
-            <p:ph type="body" sz="quarter" idx="16"/>
-          </p:nvPr>
+              <a:rPr lang="en-US" sz="8000" dirty="0">
+                <a:solidFill>
+                  <a:schemeClr val="accent1"/>
+                </a:solidFill>
+              </a:rPr>
+              <a:t>“</a:t>
+            </a:r>
+          </a:p>
+        </p:txBody>
+      </p:sp>
+      <p:sp>
+        <p:nvSpPr>
+          <p:cNvPr id="15" name="TextBox 14"/>
+          <p:cNvSpPr txBox="1"/>
+          <p:nvPr/>
         </p:nvSpPr>
         <p:spPr>
           <a:xfrm>
-            <a:off x="7574642" y="1081456"/>
-            <a:ext cx="3810001" cy="4075465"/>
+            <a:off x="10437812" y="2743200"/>
+            <a:ext cx="609600" cy="584776"/>
+          </a:xfrm>
+          <a:prstGeom prst="rect">
+            <a:avLst/>
+          </a:prstGeom>
+        </p:spPr>
+        <p:txBody>
+          <a:bodyPr vert="horz" lIns="91440" tIns="45720" rIns="91440" bIns="45720" rtlCol="0" anchor="ctr">
+            <a:noAutofit/>
+          </a:bodyPr>
+          <a:lstStyle>
+            <a:lvl1pPr>
+              <a:spcBef>
+                <a:spcPct val="0"/>
+              </a:spcBef>
+              <a:buNone/>
+              <a:defRPr sz="3200" b="0" cap="all">
+                <a:ln w="3175" cmpd="sng">
+                  <a:noFill/>
+                </a:ln>
+                <a:effectLst>
+                  <a:glow rad="38100">
+                    <a:schemeClr val="bg1">
+                      <a:lumMod val="65000"/>
+                      <a:lumOff val="35000"/>
+                      <a:alpha val="40000"/>
+                    </a:schemeClr>
+                  </a:glow>
+                  <a:outerShdw blurRad="28575" dist="38100" dir="14040000" algn="tl" rotWithShape="0">
+                    <a:srgbClr val="000000">
+                      <a:alpha val="25000"/>
+                    </a:srgbClr>
+                  </a:outerShdw>
+                </a:effectLst>
+              </a:defRPr>
+            </a:lvl1pPr>
+            <a:lvl2pPr>
+              <a:defRPr>
+                <a:solidFill>
+                  <a:schemeClr val="tx2"/>
+                </a:solidFill>
+              </a:defRPr>
+            </a:lvl2pPr>
+            <a:lvl3pPr>
+              <a:defRPr>
+                <a:solidFill>
+                  <a:schemeClr val="tx2"/>
+                </a:solidFill>
+              </a:defRPr>
+            </a:lvl3pPr>
+            <a:lvl4pPr>
+              <a:defRPr>
+                <a:solidFill>
+                  <a:schemeClr val="tx2"/>
+                </a:solidFill>
+              </a:defRPr>
+            </a:lvl4pPr>
+            <a:lvl5pPr>
+              <a:defRPr>
+                <a:solidFill>
+                  <a:schemeClr val="tx2"/>
+                </a:solidFill>
+              </a:defRPr>
+            </a:lvl5pPr>
+            <a:lvl6pPr>
+              <a:defRPr>
+                <a:solidFill>
+                  <a:schemeClr val="tx2"/>
+                </a:solidFill>
+              </a:defRPr>
+            </a:lvl6pPr>
+            <a:lvl7pPr>
+              <a:defRPr>
+                <a:solidFill>
+                  <a:schemeClr val="tx2"/>
+                </a:solidFill>
+              </a:defRPr>
+            </a:lvl7pPr>
+            <a:lvl8pPr>
+              <a:defRPr>
+                <a:solidFill>
+                  <a:schemeClr val="tx2"/>
+                </a:solidFill>
+              </a:defRPr>
+            </a:lvl8pPr>
+            <a:lvl9pPr>
+              <a:defRPr>
+                <a:solidFill>
+                  <a:schemeClr val="tx2"/>
+                </a:solidFill>
+              </a:defRPr>
+            </a:lvl9pPr>
+          </a:lstStyle>
+          <a:p>
+            <a:pPr lvl="0" algn="r"/>
+            <a:r>
+              <a:rPr lang="en-US" sz="8000" dirty="0">
+                <a:solidFill>
+                  <a:schemeClr val="accent1"/>
+                </a:solidFill>
+              </a:rPr>
+              <a:t>”</a:t>
+            </a:r>
+          </a:p>
+        </p:txBody>
+      </p:sp>
+      <p:sp>
+        <p:nvSpPr>
+          <p:cNvPr id="2" name="Title 1"/>
+          <p:cNvSpPr>
+            <a:spLocks noGrp="1"/>
+          </p:cNvSpPr>
+          <p:nvPr>
+            <p:ph type="title"/>
+          </p:nvPr>
+        </p:nvSpPr>
+        <p:spPr>
+          <a:xfrm>
+            <a:off x="1446213" y="609601"/>
+            <a:ext cx="9296398" cy="2743199"/>
           </a:xfrm>
         </p:spPr>
         <p:txBody>
-          <a:bodyPr anchor="t"/>
+          <a:bodyPr anchor="ctr">
+            <a:normAutofit/>
+          </a:bodyPr>
+          <a:lstStyle>
+            <a:lvl1pPr algn="l">
+              <a:defRPr sz="3200" b="0" cap="all">
+                <a:solidFill>
+                  <a:schemeClr val="tx1"/>
+                </a:solidFill>
+              </a:defRPr>
+            </a:lvl1pPr>
+          </a:lstStyle>
+          <a:p>
+            <a:r>
+              <a:rPr lang="en-US"/>
+              <a:t>Click to edit Master title style</a:t>
+            </a:r>
+            <a:endParaRPr lang="en-US" dirty="0"/>
+          </a:p>
+        </p:txBody>
+      </p:sp>
+      <p:sp>
+        <p:nvSpPr>
+          <p:cNvPr id="10" name="Text Placeholder 9"/>
+          <p:cNvSpPr>
+            <a:spLocks noGrp="1"/>
+          </p:cNvSpPr>
+          <p:nvPr>
+            <p:ph type="body" sz="quarter" idx="13"/>
+          </p:nvPr>
+        </p:nvSpPr>
+        <p:spPr>
+          <a:xfrm>
+            <a:off x="1674812" y="3352800"/>
+            <a:ext cx="8839202" cy="381000"/>
+          </a:xfrm>
+        </p:spPr>
+        <p:txBody>
+          <a:bodyPr anchor="ctr"/>
           <a:lstStyle>
             <a:lvl1pPr marL="0" indent="0">
               <a:buFontTx/>
               <a:buNone/>
               <a:defRPr/>
             </a:lvl1pPr>
+            <a:lvl2pPr marL="457200" indent="0">
+              <a:buFontTx/>
+              <a:buNone/>
+              <a:defRPr/>
+            </a:lvl2pPr>
+            <a:lvl3pPr marL="914400" indent="0">
+              <a:buFontTx/>
+              <a:buNone/>
+              <a:defRPr/>
+            </a:lvl3pPr>
+            <a:lvl4pPr marL="1371600" indent="0">
+              <a:buFontTx/>
+              <a:buNone/>
+              <a:defRPr/>
+            </a:lvl4pPr>
+            <a:lvl5pPr marL="1828800" indent="0">
+              <a:buFontTx/>
+              <a:buNone/>
+              <a:defRPr/>
+            </a:lvl5pPr>
           </a:lstStyle>
           <a:p>
             <a:pPr lvl="0"/>
+            <a:r>
+              <a:rPr lang="en-US"/>
+              <a:t>Click to edit Master text styles</a:t>
+            </a:r>
+          </a:p>
+        </p:txBody>
+      </p:sp>
+      <p:sp>
+        <p:nvSpPr>
+          <p:cNvPr id="3" name="Text Placeholder 2"/>
+          <p:cNvSpPr>
+            <a:spLocks noGrp="1"/>
+          </p:cNvSpPr>
+          <p:nvPr>
+            <p:ph type="body" idx="1"/>
+          </p:nvPr>
+        </p:nvSpPr>
+        <p:spPr>
+          <a:xfrm>
+            <a:off x="1141411" y="4343400"/>
+            <a:ext cx="9906000" cy="1447800"/>
+          </a:xfrm>
+        </p:spPr>
+        <p:txBody>
+          <a:bodyPr vert="horz" lIns="91440" tIns="45720" rIns="91440" bIns="45720" rtlCol="0" anchor="ctr">
+            <a:normAutofit/>
+          </a:bodyPr>
+          <a:lstStyle>
+            <a:lvl1pPr>
+              <a:buNone/>
+              <a:defRPr lang="en-US" sz="2000">
+                <a:gradFill flip="none" rotWithShape="1">
+                  <a:gsLst>
+                    <a:gs pos="0">
+                      <a:schemeClr val="tx1"/>
+                    </a:gs>
+                    <a:gs pos="100000">
+                      <a:schemeClr val="tx1">
+                        <a:lumMod val="75000"/>
+                      </a:schemeClr>
+                    </a:gs>
+                  </a:gsLst>
+                  <a:lin ang="5400000" scaled="0"/>
+                  <a:tileRect/>
+                </a:gradFill>
+              </a:defRPr>
+            </a:lvl1pPr>
+          </a:lstStyle>
+          <a:p>
+            <a:pPr marL="0" lvl="0" indent="0">
+              <a:buNone/>
+            </a:pPr>
             <a:r>
               <a:rPr lang="en-US"/>
               <a:t>Click to edit Master text styles</a:t>
@@ -1266,7 +1409,7 @@
     </p:spTree>
     <p:extLst>
       <p:ext uri="{BB962C8B-B14F-4D97-AF65-F5344CB8AC3E}">
-        <p14:creationId xmlns:p14="http://schemas.microsoft.com/office/powerpoint/2010/main" val="389527662"/>
+        <p14:creationId xmlns:p14="http://schemas.microsoft.com/office/powerpoint/2010/main" val="3631337419"/>
       </p:ext>
     </p:extLst>
   </p:cSld>
@@ -1276,7 +1419,7 @@
 </p:sldLayout>
 </file>
 
-<file path=ppt/slideLayouts/slideLayout12.xml><?xml version="1.0" encoding="utf-8"?>
+<file path=ppt/slideLayouts/slideLayout13.xml><?xml version="1.0" encoding="utf-8"?>
 <p:sldLayout xmlns:a="http://schemas.openxmlformats.org/drawingml/2006/main" xmlns:r="http://schemas.openxmlformats.org/officeDocument/2006/relationships" xmlns:p="http://schemas.openxmlformats.org/presentationml/2006/main" preserve="1">
   <p:cSld name="Name Card">
     <p:spTree>
@@ -1295,215 +1438,7 @@
       </p:grpSpPr>
       <p:sp>
         <p:nvSpPr>
-          <p:cNvPr id="9" name="Freeform 6"/>
-          <p:cNvSpPr>
-            <a:spLocks noChangeAspect="1"/>
-          </p:cNvSpPr>
-          <p:nvPr/>
-        </p:nvSpPr>
-        <p:spPr bwMode="auto">
-          <a:xfrm>
-            <a:off x="1140884" y="2286585"/>
-            <a:ext cx="4895115" cy="2503972"/>
-          </a:xfrm>
-          <a:custGeom>
-            <a:avLst/>
-            <a:gdLst/>
-            <a:ahLst/>
-            <a:cxnLst/>
-            <a:rect l="0" t="0" r="r" b="b"/>
-            <a:pathLst>
-              <a:path w="3384" h="2308">
-                <a:moveTo>
-                  <a:pt x="3340" y="0"/>
-                </a:moveTo>
-                <a:lnTo>
-                  <a:pt x="44" y="0"/>
-                </a:lnTo>
-                <a:lnTo>
-                  <a:pt x="44" y="0"/>
-                </a:lnTo>
-                <a:lnTo>
-                  <a:pt x="34" y="0"/>
-                </a:lnTo>
-                <a:lnTo>
-                  <a:pt x="26" y="4"/>
-                </a:lnTo>
-                <a:lnTo>
-                  <a:pt x="20" y="8"/>
-                </a:lnTo>
-                <a:lnTo>
-                  <a:pt x="12" y="12"/>
-                </a:lnTo>
-                <a:lnTo>
-                  <a:pt x="8" y="20"/>
-                </a:lnTo>
-                <a:lnTo>
-                  <a:pt x="4" y="26"/>
-                </a:lnTo>
-                <a:lnTo>
-                  <a:pt x="0" y="34"/>
-                </a:lnTo>
-                <a:lnTo>
-                  <a:pt x="0" y="44"/>
-                </a:lnTo>
-                <a:lnTo>
-                  <a:pt x="0" y="2076"/>
-                </a:lnTo>
-                <a:lnTo>
-                  <a:pt x="0" y="2076"/>
-                </a:lnTo>
-                <a:lnTo>
-                  <a:pt x="0" y="2086"/>
-                </a:lnTo>
-                <a:lnTo>
-                  <a:pt x="4" y="2094"/>
-                </a:lnTo>
-                <a:lnTo>
-                  <a:pt x="8" y="2100"/>
-                </a:lnTo>
-                <a:lnTo>
-                  <a:pt x="12" y="2108"/>
-                </a:lnTo>
-                <a:lnTo>
-                  <a:pt x="20" y="2112"/>
-                </a:lnTo>
-                <a:lnTo>
-                  <a:pt x="26" y="2116"/>
-                </a:lnTo>
-                <a:lnTo>
-                  <a:pt x="34" y="2120"/>
-                </a:lnTo>
-                <a:lnTo>
-                  <a:pt x="44" y="2120"/>
-                </a:lnTo>
-                <a:lnTo>
-                  <a:pt x="474" y="2120"/>
-                </a:lnTo>
-                <a:lnTo>
-                  <a:pt x="650" y="2296"/>
-                </a:lnTo>
-                <a:lnTo>
-                  <a:pt x="650" y="2296"/>
-                </a:lnTo>
-                <a:lnTo>
-                  <a:pt x="656" y="2300"/>
-                </a:lnTo>
-                <a:lnTo>
-                  <a:pt x="664" y="2304"/>
-                </a:lnTo>
-                <a:lnTo>
-                  <a:pt x="672" y="2308"/>
-                </a:lnTo>
-                <a:lnTo>
-                  <a:pt x="680" y="2308"/>
-                </a:lnTo>
-                <a:lnTo>
-                  <a:pt x="688" y="2308"/>
-                </a:lnTo>
-                <a:lnTo>
-                  <a:pt x="696" y="2304"/>
-                </a:lnTo>
-                <a:lnTo>
-                  <a:pt x="704" y="2300"/>
-                </a:lnTo>
-                <a:lnTo>
-                  <a:pt x="710" y="2296"/>
-                </a:lnTo>
-                <a:lnTo>
-                  <a:pt x="886" y="2120"/>
-                </a:lnTo>
-                <a:lnTo>
-                  <a:pt x="3340" y="2120"/>
-                </a:lnTo>
-                <a:lnTo>
-                  <a:pt x="3340" y="2120"/>
-                </a:lnTo>
-                <a:lnTo>
-                  <a:pt x="3350" y="2120"/>
-                </a:lnTo>
-                <a:lnTo>
-                  <a:pt x="3358" y="2116"/>
-                </a:lnTo>
-                <a:lnTo>
-                  <a:pt x="3364" y="2112"/>
-                </a:lnTo>
-                <a:lnTo>
-                  <a:pt x="3372" y="2108"/>
-                </a:lnTo>
-                <a:lnTo>
-                  <a:pt x="3376" y="2100"/>
-                </a:lnTo>
-                <a:lnTo>
-                  <a:pt x="3380" y="2094"/>
-                </a:lnTo>
-                <a:lnTo>
-                  <a:pt x="3384" y="2086"/>
-                </a:lnTo>
-                <a:lnTo>
-                  <a:pt x="3384" y="2076"/>
-                </a:lnTo>
-                <a:lnTo>
-                  <a:pt x="3384" y="44"/>
-                </a:lnTo>
-                <a:lnTo>
-                  <a:pt x="3384" y="44"/>
-                </a:lnTo>
-                <a:lnTo>
-                  <a:pt x="3384" y="34"/>
-                </a:lnTo>
-                <a:lnTo>
-                  <a:pt x="3380" y="26"/>
-                </a:lnTo>
-                <a:lnTo>
-                  <a:pt x="3376" y="20"/>
-                </a:lnTo>
-                <a:lnTo>
-                  <a:pt x="3372" y="12"/>
-                </a:lnTo>
-                <a:lnTo>
-                  <a:pt x="3364" y="8"/>
-                </a:lnTo>
-                <a:lnTo>
-                  <a:pt x="3358" y="4"/>
-                </a:lnTo>
-                <a:lnTo>
-                  <a:pt x="3350" y="0"/>
-                </a:lnTo>
-                <a:lnTo>
-                  <a:pt x="3340" y="0"/>
-                </a:lnTo>
-                <a:lnTo>
-                  <a:pt x="3340" y="0"/>
-                </a:lnTo>
-                <a:close/>
-              </a:path>
-            </a:pathLst>
-          </a:custGeom>
-          <a:ln>
-            <a:solidFill>
-              <a:schemeClr val="accent1"/>
-            </a:solidFill>
-          </a:ln>
-        </p:spPr>
-        <p:style>
-          <a:lnRef idx="1">
-            <a:schemeClr val="accent1"/>
-          </a:lnRef>
-          <a:fillRef idx="3">
-            <a:schemeClr val="accent1"/>
-          </a:fillRef>
-          <a:effectRef idx="2">
-            <a:schemeClr val="accent1"/>
-          </a:effectRef>
-          <a:fontRef idx="minor">
-            <a:schemeClr val="lt1"/>
-          </a:fontRef>
-        </p:style>
-      </p:sp>
-      <p:sp>
-        <p:nvSpPr>
-          <p:cNvPr id="38" name="Title 1"/>
+          <p:cNvPr id="2" name="Title 1"/>
           <p:cNvSpPr>
             <a:spLocks noGrp="1"/>
           </p:cNvSpPr>
@@ -1513,53 +1448,72 @@
         </p:nvSpPr>
         <p:spPr>
           <a:xfrm>
-            <a:off x="1357089" y="2435957"/>
-            <a:ext cx="4382521" cy="2007789"/>
+            <a:off x="1141412" y="3308581"/>
+            <a:ext cx="9906000" cy="1468800"/>
           </a:xfrm>
         </p:spPr>
         <p:txBody>
-          <a:bodyPr/>
+          <a:bodyPr anchor="b">
+            <a:normAutofit/>
+          </a:bodyPr>
+          <a:lstStyle>
+            <a:lvl1pPr algn="l">
+              <a:defRPr sz="3200" b="0" cap="all"/>
+            </a:lvl1pPr>
+          </a:lstStyle>
+          <a:p>
+            <a:r>
+              <a:rPr lang="en-US"/>
+              <a:t>Click to edit Master title style</a:t>
+            </a:r>
+            <a:endParaRPr lang="en-US" dirty="0"/>
+          </a:p>
+        </p:txBody>
+      </p:sp>
+      <p:sp>
+        <p:nvSpPr>
+          <p:cNvPr id="3" name="Text Placeholder 2"/>
+          <p:cNvSpPr>
+            <a:spLocks noGrp="1"/>
+          </p:cNvSpPr>
+          <p:nvPr>
+            <p:ph type="body" idx="1"/>
+          </p:nvPr>
+        </p:nvSpPr>
+        <p:spPr>
+          <a:xfrm>
+            <a:off x="1141410" y="4777381"/>
+            <a:ext cx="9906001" cy="860400"/>
+          </a:xfrm>
+        </p:spPr>
+        <p:txBody>
+          <a:bodyPr vert="horz" lIns="91440" tIns="45720" rIns="91440" bIns="45720" rtlCol="0" anchor="t">
+            <a:normAutofit/>
+          </a:bodyPr>
           <a:lstStyle>
             <a:lvl1pPr>
-              <a:defRPr sz="3200"/>
+              <a:defRPr lang="en-US" sz="2000">
+                <a:gradFill flip="none" rotWithShape="1">
+                  <a:gsLst>
+                    <a:gs pos="0">
+                      <a:schemeClr val="tx1"/>
+                    </a:gs>
+                    <a:gs pos="100000">
+                      <a:schemeClr val="tx1">
+                        <a:lumMod val="75000"/>
+                      </a:schemeClr>
+                    </a:gs>
+                  </a:gsLst>
+                  <a:lin ang="5400000" scaled="0"/>
+                  <a:tileRect/>
+                </a:gradFill>
+              </a:defRPr>
             </a:lvl1pPr>
           </a:lstStyle>
           <a:p>
-            <a:r>
-              <a:rPr lang="en-US"/>
-              <a:t>Click to edit Master title style</a:t>
-            </a:r>
-            <a:endParaRPr lang="en-US" dirty="0"/>
-          </a:p>
-        </p:txBody>
-      </p:sp>
-      <p:sp>
-        <p:nvSpPr>
-          <p:cNvPr id="6" name="Text Placeholder 5"/>
-          <p:cNvSpPr>
-            <a:spLocks noGrp="1"/>
-          </p:cNvSpPr>
-          <p:nvPr>
-            <p:ph type="body" sz="quarter" idx="16"/>
-          </p:nvPr>
-        </p:nvSpPr>
-        <p:spPr>
-          <a:xfrm>
-            <a:off x="6156000" y="2286000"/>
-            <a:ext cx="4880300" cy="2295525"/>
-          </a:xfrm>
-        </p:spPr>
-        <p:txBody>
-          <a:bodyPr anchor="t"/>
-          <a:lstStyle>
-            <a:lvl1pPr marL="0" indent="0">
-              <a:buFontTx/>
-              <a:buNone/>
-              <a:defRPr/>
-            </a:lvl1pPr>
-          </a:lstStyle>
-          <a:p>
-            <a:pPr lvl="0"/>
+            <a:pPr marL="0" lvl="0" indent="0">
+              <a:buNone/>
+            </a:pPr>
             <a:r>
               <a:rPr lang="en-US"/>
               <a:t>Click to edit Master text styles</a:t>
@@ -1569,7 +1523,7 @@
       </p:sp>
       <p:sp>
         <p:nvSpPr>
-          <p:cNvPr id="2" name="Date Placeholder 1"/>
+          <p:cNvPr id="4" name="Date Placeholder 3"/>
           <p:cNvSpPr>
             <a:spLocks noGrp="1"/>
           </p:cNvSpPr>
@@ -1592,7 +1546,7 @@
       </p:sp>
       <p:sp>
         <p:nvSpPr>
-          <p:cNvPr id="3" name="Footer Placeholder 2"/>
+          <p:cNvPr id="5" name="Footer Placeholder 4"/>
           <p:cNvSpPr>
             <a:spLocks noGrp="1"/>
           </p:cNvSpPr>
@@ -1611,7 +1565,7 @@
       </p:sp>
       <p:sp>
         <p:nvSpPr>
-          <p:cNvPr id="4" name="Slide Number Placeholder 3"/>
+          <p:cNvPr id="6" name="Slide Number Placeholder 5"/>
           <p:cNvSpPr>
             <a:spLocks noGrp="1"/>
           </p:cNvSpPr>
@@ -1635,7 +1589,7 @@
     </p:spTree>
     <p:extLst>
       <p:ext uri="{BB962C8B-B14F-4D97-AF65-F5344CB8AC3E}">
-        <p14:creationId xmlns:p14="http://schemas.microsoft.com/office/powerpoint/2010/main" val="3969112102"/>
+        <p14:creationId xmlns:p14="http://schemas.microsoft.com/office/powerpoint/2010/main" val="2387322931"/>
       </p:ext>
     </p:extLst>
   </p:cSld>
@@ -1645,7 +1599,915 @@
 </p:sldLayout>
 </file>
 
-<file path=ppt/slideLayouts/slideLayout13.xml><?xml version="1.0" encoding="utf-8"?>
+<file path=ppt/slideLayouts/slideLayout14.xml><?xml version="1.0" encoding="utf-8"?>
+<p:sldLayout xmlns:a="http://schemas.openxmlformats.org/drawingml/2006/main" xmlns:r="http://schemas.openxmlformats.org/officeDocument/2006/relationships" xmlns:p="http://schemas.openxmlformats.org/presentationml/2006/main" preserve="1">
+  <p:cSld name="Quote Name Card">
+    <p:spTree>
+      <p:nvGrpSpPr>
+        <p:cNvPr id="1" name=""/>
+        <p:cNvGrpSpPr/>
+        <p:nvPr/>
+      </p:nvGrpSpPr>
+      <p:grpSpPr>
+        <a:xfrm>
+          <a:off x="0" y="0"/>
+          <a:ext cx="0" cy="0"/>
+          <a:chOff x="0" y="0"/>
+          <a:chExt cx="0" cy="0"/>
+        </a:xfrm>
+      </p:grpSpPr>
+      <p:sp>
+        <p:nvSpPr>
+          <p:cNvPr id="14" name="TextBox 13"/>
+          <p:cNvSpPr txBox="1"/>
+          <p:nvPr/>
+        </p:nvSpPr>
+        <p:spPr>
+          <a:xfrm>
+            <a:off x="836612" y="786824"/>
+            <a:ext cx="609600" cy="584776"/>
+          </a:xfrm>
+          <a:prstGeom prst="rect">
+            <a:avLst/>
+          </a:prstGeom>
+        </p:spPr>
+        <p:txBody>
+          <a:bodyPr vert="horz" lIns="91440" tIns="45720" rIns="91440" bIns="45720" rtlCol="0" anchor="ctr">
+            <a:noAutofit/>
+          </a:bodyPr>
+          <a:lstStyle>
+            <a:lvl1pPr>
+              <a:spcBef>
+                <a:spcPct val="0"/>
+              </a:spcBef>
+              <a:buNone/>
+              <a:defRPr sz="3200" b="0" cap="all">
+                <a:ln w="3175" cmpd="sng">
+                  <a:noFill/>
+                </a:ln>
+                <a:effectLst>
+                  <a:glow rad="38100">
+                    <a:schemeClr val="bg1">
+                      <a:lumMod val="65000"/>
+                      <a:lumOff val="35000"/>
+                      <a:alpha val="40000"/>
+                    </a:schemeClr>
+                  </a:glow>
+                  <a:outerShdw blurRad="28575" dist="38100" dir="14040000" algn="tl" rotWithShape="0">
+                    <a:srgbClr val="000000">
+                      <a:alpha val="25000"/>
+                    </a:srgbClr>
+                  </a:outerShdw>
+                </a:effectLst>
+              </a:defRPr>
+            </a:lvl1pPr>
+            <a:lvl2pPr>
+              <a:defRPr>
+                <a:solidFill>
+                  <a:schemeClr val="tx2"/>
+                </a:solidFill>
+              </a:defRPr>
+            </a:lvl2pPr>
+            <a:lvl3pPr>
+              <a:defRPr>
+                <a:solidFill>
+                  <a:schemeClr val="tx2"/>
+                </a:solidFill>
+              </a:defRPr>
+            </a:lvl3pPr>
+            <a:lvl4pPr>
+              <a:defRPr>
+                <a:solidFill>
+                  <a:schemeClr val="tx2"/>
+                </a:solidFill>
+              </a:defRPr>
+            </a:lvl4pPr>
+            <a:lvl5pPr>
+              <a:defRPr>
+                <a:solidFill>
+                  <a:schemeClr val="tx2"/>
+                </a:solidFill>
+              </a:defRPr>
+            </a:lvl5pPr>
+            <a:lvl6pPr>
+              <a:defRPr>
+                <a:solidFill>
+                  <a:schemeClr val="tx2"/>
+                </a:solidFill>
+              </a:defRPr>
+            </a:lvl6pPr>
+            <a:lvl7pPr>
+              <a:defRPr>
+                <a:solidFill>
+                  <a:schemeClr val="tx2"/>
+                </a:solidFill>
+              </a:defRPr>
+            </a:lvl7pPr>
+            <a:lvl8pPr>
+              <a:defRPr>
+                <a:solidFill>
+                  <a:schemeClr val="tx2"/>
+                </a:solidFill>
+              </a:defRPr>
+            </a:lvl8pPr>
+            <a:lvl9pPr>
+              <a:defRPr>
+                <a:solidFill>
+                  <a:schemeClr val="tx2"/>
+                </a:solidFill>
+              </a:defRPr>
+            </a:lvl9pPr>
+          </a:lstStyle>
+          <a:p>
+            <a:pPr lvl="0"/>
+            <a:r>
+              <a:rPr lang="en-US" sz="8000" dirty="0">
+                <a:solidFill>
+                  <a:schemeClr val="accent1"/>
+                </a:solidFill>
+              </a:rPr>
+              <a:t>“</a:t>
+            </a:r>
+          </a:p>
+        </p:txBody>
+      </p:sp>
+      <p:sp>
+        <p:nvSpPr>
+          <p:cNvPr id="15" name="TextBox 14"/>
+          <p:cNvSpPr txBox="1"/>
+          <p:nvPr/>
+        </p:nvSpPr>
+        <p:spPr>
+          <a:xfrm>
+            <a:off x="10437812" y="2743200"/>
+            <a:ext cx="609600" cy="584776"/>
+          </a:xfrm>
+          <a:prstGeom prst="rect">
+            <a:avLst/>
+          </a:prstGeom>
+        </p:spPr>
+        <p:txBody>
+          <a:bodyPr vert="horz" lIns="91440" tIns="45720" rIns="91440" bIns="45720" rtlCol="0" anchor="ctr">
+            <a:noAutofit/>
+          </a:bodyPr>
+          <a:lstStyle>
+            <a:lvl1pPr>
+              <a:spcBef>
+                <a:spcPct val="0"/>
+              </a:spcBef>
+              <a:buNone/>
+              <a:defRPr sz="3200" b="0" cap="all">
+                <a:ln w="3175" cmpd="sng">
+                  <a:noFill/>
+                </a:ln>
+                <a:effectLst>
+                  <a:glow rad="38100">
+                    <a:schemeClr val="bg1">
+                      <a:lumMod val="65000"/>
+                      <a:lumOff val="35000"/>
+                      <a:alpha val="40000"/>
+                    </a:schemeClr>
+                  </a:glow>
+                  <a:outerShdw blurRad="28575" dist="38100" dir="14040000" algn="tl" rotWithShape="0">
+                    <a:srgbClr val="000000">
+                      <a:alpha val="25000"/>
+                    </a:srgbClr>
+                  </a:outerShdw>
+                </a:effectLst>
+              </a:defRPr>
+            </a:lvl1pPr>
+            <a:lvl2pPr>
+              <a:defRPr>
+                <a:solidFill>
+                  <a:schemeClr val="tx2"/>
+                </a:solidFill>
+              </a:defRPr>
+            </a:lvl2pPr>
+            <a:lvl3pPr>
+              <a:defRPr>
+                <a:solidFill>
+                  <a:schemeClr val="tx2"/>
+                </a:solidFill>
+              </a:defRPr>
+            </a:lvl3pPr>
+            <a:lvl4pPr>
+              <a:defRPr>
+                <a:solidFill>
+                  <a:schemeClr val="tx2"/>
+                </a:solidFill>
+              </a:defRPr>
+            </a:lvl4pPr>
+            <a:lvl5pPr>
+              <a:defRPr>
+                <a:solidFill>
+                  <a:schemeClr val="tx2"/>
+                </a:solidFill>
+              </a:defRPr>
+            </a:lvl5pPr>
+            <a:lvl6pPr>
+              <a:defRPr>
+                <a:solidFill>
+                  <a:schemeClr val="tx2"/>
+                </a:solidFill>
+              </a:defRPr>
+            </a:lvl6pPr>
+            <a:lvl7pPr>
+              <a:defRPr>
+                <a:solidFill>
+                  <a:schemeClr val="tx2"/>
+                </a:solidFill>
+              </a:defRPr>
+            </a:lvl7pPr>
+            <a:lvl8pPr>
+              <a:defRPr>
+                <a:solidFill>
+                  <a:schemeClr val="tx2"/>
+                </a:solidFill>
+              </a:defRPr>
+            </a:lvl8pPr>
+            <a:lvl9pPr>
+              <a:defRPr>
+                <a:solidFill>
+                  <a:schemeClr val="tx2"/>
+                </a:solidFill>
+              </a:defRPr>
+            </a:lvl9pPr>
+          </a:lstStyle>
+          <a:p>
+            <a:pPr lvl="0" algn="r"/>
+            <a:r>
+              <a:rPr lang="en-US" sz="8000" dirty="0">
+                <a:solidFill>
+                  <a:schemeClr val="accent1"/>
+                </a:solidFill>
+              </a:rPr>
+              <a:t>”</a:t>
+            </a:r>
+          </a:p>
+        </p:txBody>
+      </p:sp>
+      <p:sp>
+        <p:nvSpPr>
+          <p:cNvPr id="2" name="Title 1"/>
+          <p:cNvSpPr>
+            <a:spLocks noGrp="1"/>
+          </p:cNvSpPr>
+          <p:nvPr>
+            <p:ph type="title"/>
+          </p:nvPr>
+        </p:nvSpPr>
+        <p:spPr>
+          <a:xfrm>
+            <a:off x="1446213" y="609601"/>
+            <a:ext cx="9296398" cy="2743199"/>
+          </a:xfrm>
+        </p:spPr>
+        <p:txBody>
+          <a:bodyPr anchor="ctr">
+            <a:normAutofit/>
+          </a:bodyPr>
+          <a:lstStyle>
+            <a:lvl1pPr algn="l">
+              <a:defRPr sz="3200" b="0" cap="all">
+                <a:gradFill flip="none" rotWithShape="1">
+                  <a:gsLst>
+                    <a:gs pos="0">
+                      <a:schemeClr val="tx1"/>
+                    </a:gs>
+                    <a:gs pos="100000">
+                      <a:schemeClr val="tx1">
+                        <a:lumMod val="75000"/>
+                      </a:schemeClr>
+                    </a:gs>
+                  </a:gsLst>
+                  <a:lin ang="5400000" scaled="0"/>
+                  <a:tileRect/>
+                </a:gradFill>
+              </a:defRPr>
+            </a:lvl1pPr>
+          </a:lstStyle>
+          <a:p>
+            <a:r>
+              <a:rPr lang="en-US"/>
+              <a:t>Click to edit Master title style</a:t>
+            </a:r>
+            <a:endParaRPr lang="en-US" dirty="0"/>
+          </a:p>
+        </p:txBody>
+      </p:sp>
+      <p:sp>
+        <p:nvSpPr>
+          <p:cNvPr id="10" name="Text Placeholder 9"/>
+          <p:cNvSpPr>
+            <a:spLocks noGrp="1"/>
+          </p:cNvSpPr>
+          <p:nvPr>
+            <p:ph type="body" sz="quarter" idx="13"/>
+          </p:nvPr>
+        </p:nvSpPr>
+        <p:spPr>
+          <a:xfrm>
+            <a:off x="1141412" y="3886200"/>
+            <a:ext cx="9906000" cy="889000"/>
+          </a:xfrm>
+        </p:spPr>
+        <p:txBody>
+          <a:bodyPr vert="horz" lIns="91440" tIns="45720" rIns="91440" bIns="45720" rtlCol="0" anchor="b">
+            <a:normAutofit/>
+          </a:bodyPr>
+          <a:lstStyle>
+            <a:lvl1pPr>
+              <a:buNone/>
+              <a:defRPr lang="en-US" sz="2400" b="0" cap="all" dirty="0">
+                <a:ln w="3175" cmpd="sng">
+                  <a:noFill/>
+                </a:ln>
+                <a:gradFill flip="none" rotWithShape="1">
+                  <a:gsLst>
+                    <a:gs pos="0">
+                      <a:schemeClr val="tx1"/>
+                    </a:gs>
+                    <a:gs pos="100000">
+                      <a:schemeClr val="tx1">
+                        <a:lumMod val="75000"/>
+                      </a:schemeClr>
+                    </a:gs>
+                  </a:gsLst>
+                  <a:lin ang="5400000" scaled="0"/>
+                  <a:tileRect/>
+                </a:gradFill>
+                <a:effectLst>
+                  <a:glow rad="38100">
+                    <a:schemeClr val="bg1">
+                      <a:lumMod val="65000"/>
+                      <a:lumOff val="35000"/>
+                      <a:alpha val="40000"/>
+                    </a:schemeClr>
+                  </a:glow>
+                  <a:outerShdw blurRad="28575" dist="38100" dir="14040000" algn="tl" rotWithShape="0">
+                    <a:srgbClr val="000000">
+                      <a:alpha val="25000"/>
+                    </a:srgbClr>
+                  </a:outerShdw>
+                </a:effectLst>
+              </a:defRPr>
+            </a:lvl1pPr>
+          </a:lstStyle>
+          <a:p>
+            <a:pPr marL="0" lvl="0">
+              <a:spcBef>
+                <a:spcPct val="0"/>
+              </a:spcBef>
+              <a:buNone/>
+            </a:pPr>
+            <a:r>
+              <a:rPr lang="en-US"/>
+              <a:t>Click to edit Master text styles</a:t>
+            </a:r>
+          </a:p>
+        </p:txBody>
+      </p:sp>
+      <p:sp>
+        <p:nvSpPr>
+          <p:cNvPr id="3" name="Text Placeholder 2"/>
+          <p:cNvSpPr>
+            <a:spLocks noGrp="1"/>
+          </p:cNvSpPr>
+          <p:nvPr>
+            <p:ph type="body" idx="1"/>
+          </p:nvPr>
+        </p:nvSpPr>
+        <p:spPr>
+          <a:xfrm>
+            <a:off x="1141411" y="4775200"/>
+            <a:ext cx="9906000" cy="1016000"/>
+          </a:xfrm>
+        </p:spPr>
+        <p:txBody>
+          <a:bodyPr anchor="t">
+            <a:normAutofit/>
+          </a:bodyPr>
+          <a:lstStyle>
+            <a:lvl1pPr marL="0" indent="0" algn="l">
+              <a:buNone/>
+              <a:defRPr sz="1800">
+                <a:gradFill flip="none" rotWithShape="1">
+                  <a:gsLst>
+                    <a:gs pos="0">
+                      <a:schemeClr val="tx1"/>
+                    </a:gs>
+                    <a:gs pos="100000">
+                      <a:schemeClr val="tx1">
+                        <a:lumMod val="75000"/>
+                      </a:schemeClr>
+                    </a:gs>
+                  </a:gsLst>
+                  <a:lin ang="5400000" scaled="0"/>
+                  <a:tileRect/>
+                </a:gradFill>
+              </a:defRPr>
+            </a:lvl1pPr>
+            <a:lvl2pPr marL="457200" indent="0">
+              <a:buNone/>
+              <a:defRPr sz="1800">
+                <a:solidFill>
+                  <a:schemeClr val="tx1">
+                    <a:tint val="75000"/>
+                  </a:schemeClr>
+                </a:solidFill>
+              </a:defRPr>
+            </a:lvl2pPr>
+            <a:lvl3pPr marL="914400" indent="0">
+              <a:buNone/>
+              <a:defRPr sz="1600">
+                <a:solidFill>
+                  <a:schemeClr val="tx1">
+                    <a:tint val="75000"/>
+                  </a:schemeClr>
+                </a:solidFill>
+              </a:defRPr>
+            </a:lvl3pPr>
+            <a:lvl4pPr marL="1371600" indent="0">
+              <a:buNone/>
+              <a:defRPr sz="1400">
+                <a:solidFill>
+                  <a:schemeClr val="tx1">
+                    <a:tint val="75000"/>
+                  </a:schemeClr>
+                </a:solidFill>
+              </a:defRPr>
+            </a:lvl4pPr>
+            <a:lvl5pPr marL="1828800" indent="0">
+              <a:buNone/>
+              <a:defRPr sz="1400">
+                <a:solidFill>
+                  <a:schemeClr val="tx1">
+                    <a:tint val="75000"/>
+                  </a:schemeClr>
+                </a:solidFill>
+              </a:defRPr>
+            </a:lvl5pPr>
+            <a:lvl6pPr marL="2286000" indent="0">
+              <a:buNone/>
+              <a:defRPr sz="1400">
+                <a:solidFill>
+                  <a:schemeClr val="tx1">
+                    <a:tint val="75000"/>
+                  </a:schemeClr>
+                </a:solidFill>
+              </a:defRPr>
+            </a:lvl6pPr>
+            <a:lvl7pPr marL="2743200" indent="0">
+              <a:buNone/>
+              <a:defRPr sz="1400">
+                <a:solidFill>
+                  <a:schemeClr val="tx1">
+                    <a:tint val="75000"/>
+                  </a:schemeClr>
+                </a:solidFill>
+              </a:defRPr>
+            </a:lvl7pPr>
+            <a:lvl8pPr marL="3200400" indent="0">
+              <a:buNone/>
+              <a:defRPr sz="1400">
+                <a:solidFill>
+                  <a:schemeClr val="tx1">
+                    <a:tint val="75000"/>
+                  </a:schemeClr>
+                </a:solidFill>
+              </a:defRPr>
+            </a:lvl8pPr>
+            <a:lvl9pPr marL="3657600" indent="0">
+              <a:buNone/>
+              <a:defRPr sz="1400">
+                <a:solidFill>
+                  <a:schemeClr val="tx1">
+                    <a:tint val="75000"/>
+                  </a:schemeClr>
+                </a:solidFill>
+              </a:defRPr>
+            </a:lvl9pPr>
+          </a:lstStyle>
+          <a:p>
+            <a:pPr lvl="0"/>
+            <a:r>
+              <a:rPr lang="en-US"/>
+              <a:t>Click to edit Master text styles</a:t>
+            </a:r>
+          </a:p>
+        </p:txBody>
+      </p:sp>
+      <p:sp>
+        <p:nvSpPr>
+          <p:cNvPr id="4" name="Date Placeholder 3"/>
+          <p:cNvSpPr>
+            <a:spLocks noGrp="1"/>
+          </p:cNvSpPr>
+          <p:nvPr>
+            <p:ph type="dt" sz="half" idx="10"/>
+          </p:nvPr>
+        </p:nvSpPr>
+        <p:spPr/>
+        <p:txBody>
+          <a:bodyPr/>
+          <a:lstStyle/>
+          <a:p>
+            <a:fld id="{874FFE33-465F-4E9E-89CE-5F79E84B8B4B}" type="datetimeFigureOut">
+              <a:rPr lang="en-IN" smtClean="0"/>
+              <a:t>28-02-2025</a:t>
+            </a:fld>
+            <a:endParaRPr lang="en-IN"/>
+          </a:p>
+        </p:txBody>
+      </p:sp>
+      <p:sp>
+        <p:nvSpPr>
+          <p:cNvPr id="5" name="Footer Placeholder 4"/>
+          <p:cNvSpPr>
+            <a:spLocks noGrp="1"/>
+          </p:cNvSpPr>
+          <p:nvPr>
+            <p:ph type="ftr" sz="quarter" idx="11"/>
+          </p:nvPr>
+        </p:nvSpPr>
+        <p:spPr/>
+        <p:txBody>
+          <a:bodyPr/>
+          <a:lstStyle/>
+          <a:p>
+            <a:endParaRPr lang="en-IN"/>
+          </a:p>
+        </p:txBody>
+      </p:sp>
+      <p:sp>
+        <p:nvSpPr>
+          <p:cNvPr id="6" name="Slide Number Placeholder 5"/>
+          <p:cNvSpPr>
+            <a:spLocks noGrp="1"/>
+          </p:cNvSpPr>
+          <p:nvPr>
+            <p:ph type="sldNum" sz="quarter" idx="12"/>
+          </p:nvPr>
+        </p:nvSpPr>
+        <p:spPr/>
+        <p:txBody>
+          <a:bodyPr/>
+          <a:lstStyle/>
+          <a:p>
+            <a:fld id="{54BE194E-5C1C-4569-9491-10264D79D787}" type="slidenum">
+              <a:rPr lang="en-IN" smtClean="0"/>
+              <a:t>‹#›</a:t>
+            </a:fld>
+            <a:endParaRPr lang="en-IN"/>
+          </a:p>
+        </p:txBody>
+      </p:sp>
+    </p:spTree>
+    <p:extLst>
+      <p:ext uri="{BB962C8B-B14F-4D97-AF65-F5344CB8AC3E}">
+        <p14:creationId xmlns:p14="http://schemas.microsoft.com/office/powerpoint/2010/main" val="1930468055"/>
+      </p:ext>
+    </p:extLst>
+  </p:cSld>
+  <p:clrMapOvr>
+    <a:masterClrMapping/>
+  </p:clrMapOvr>
+</p:sldLayout>
+</file>
+
+<file path=ppt/slideLayouts/slideLayout15.xml><?xml version="1.0" encoding="utf-8"?>
+<p:sldLayout xmlns:a="http://schemas.openxmlformats.org/drawingml/2006/main" xmlns:r="http://schemas.openxmlformats.org/officeDocument/2006/relationships" xmlns:p="http://schemas.openxmlformats.org/presentationml/2006/main" preserve="1">
+  <p:cSld name="True or False">
+    <p:spTree>
+      <p:nvGrpSpPr>
+        <p:cNvPr id="1" name=""/>
+        <p:cNvGrpSpPr/>
+        <p:nvPr/>
+      </p:nvGrpSpPr>
+      <p:grpSpPr>
+        <a:xfrm>
+          <a:off x="0" y="0"/>
+          <a:ext cx="0" cy="0"/>
+          <a:chOff x="0" y="0"/>
+          <a:chExt cx="0" cy="0"/>
+        </a:xfrm>
+      </p:grpSpPr>
+      <p:sp>
+        <p:nvSpPr>
+          <p:cNvPr id="2" name="Title 1"/>
+          <p:cNvSpPr>
+            <a:spLocks noGrp="1"/>
+          </p:cNvSpPr>
+          <p:nvPr>
+            <p:ph type="title"/>
+          </p:nvPr>
+        </p:nvSpPr>
+        <p:spPr>
+          <a:xfrm>
+            <a:off x="1141412" y="609601"/>
+            <a:ext cx="9905999" cy="2743199"/>
+          </a:xfrm>
+        </p:spPr>
+        <p:txBody>
+          <a:bodyPr vert="horz" lIns="91440" tIns="45720" rIns="91440" bIns="45720" rtlCol="0" anchor="ctr">
+            <a:normAutofit/>
+          </a:bodyPr>
+          <a:lstStyle>
+            <a:lvl1pPr>
+              <a:defRPr lang="en-US" b="0" dirty="0"/>
+            </a:lvl1pPr>
+          </a:lstStyle>
+          <a:p>
+            <a:pPr marL="0" lvl="0"/>
+            <a:r>
+              <a:rPr lang="en-US"/>
+              <a:t>Click to edit Master title style</a:t>
+            </a:r>
+            <a:endParaRPr lang="en-US" dirty="0"/>
+          </a:p>
+        </p:txBody>
+      </p:sp>
+      <p:sp>
+        <p:nvSpPr>
+          <p:cNvPr id="10" name="Text Placeholder 9"/>
+          <p:cNvSpPr>
+            <a:spLocks noGrp="1"/>
+          </p:cNvSpPr>
+          <p:nvPr>
+            <p:ph type="body" sz="quarter" idx="13"/>
+          </p:nvPr>
+        </p:nvSpPr>
+        <p:spPr>
+          <a:xfrm>
+            <a:off x="1141412" y="3505200"/>
+            <a:ext cx="9906000" cy="838200"/>
+          </a:xfrm>
+        </p:spPr>
+        <p:txBody>
+          <a:bodyPr vert="horz" lIns="91440" tIns="45720" rIns="91440" bIns="45720" rtlCol="0" anchor="b">
+            <a:normAutofit/>
+          </a:bodyPr>
+          <a:lstStyle>
+            <a:lvl1pPr>
+              <a:buNone/>
+              <a:defRPr lang="en-US" sz="2800" b="0" cap="all" dirty="0">
+                <a:ln w="3175" cmpd="sng">
+                  <a:noFill/>
+                </a:ln>
+                <a:gradFill flip="none" rotWithShape="1">
+                  <a:gsLst>
+                    <a:gs pos="0">
+                      <a:schemeClr val="tx1"/>
+                    </a:gs>
+                    <a:gs pos="100000">
+                      <a:schemeClr val="tx1">
+                        <a:lumMod val="75000"/>
+                      </a:schemeClr>
+                    </a:gs>
+                  </a:gsLst>
+                  <a:lin ang="5400000" scaled="0"/>
+                  <a:tileRect/>
+                </a:gradFill>
+                <a:effectLst>
+                  <a:glow rad="38100">
+                    <a:schemeClr val="bg1">
+                      <a:lumMod val="65000"/>
+                      <a:lumOff val="35000"/>
+                      <a:alpha val="40000"/>
+                    </a:schemeClr>
+                  </a:glow>
+                  <a:outerShdw blurRad="28575" dist="38100" dir="14040000" algn="tl" rotWithShape="0">
+                    <a:srgbClr val="000000">
+                      <a:alpha val="25000"/>
+                    </a:srgbClr>
+                  </a:outerShdw>
+                </a:effectLst>
+              </a:defRPr>
+            </a:lvl1pPr>
+          </a:lstStyle>
+          <a:p>
+            <a:pPr marL="0" lvl="0">
+              <a:spcBef>
+                <a:spcPct val="0"/>
+              </a:spcBef>
+              <a:buNone/>
+            </a:pPr>
+            <a:r>
+              <a:rPr lang="en-US"/>
+              <a:t>Click to edit Master text styles</a:t>
+            </a:r>
+          </a:p>
+        </p:txBody>
+      </p:sp>
+      <p:sp>
+        <p:nvSpPr>
+          <p:cNvPr id="3" name="Text Placeholder 2"/>
+          <p:cNvSpPr>
+            <a:spLocks noGrp="1"/>
+          </p:cNvSpPr>
+          <p:nvPr>
+            <p:ph type="body" idx="1"/>
+          </p:nvPr>
+        </p:nvSpPr>
+        <p:spPr>
+          <a:xfrm>
+            <a:off x="1141411" y="4343400"/>
+            <a:ext cx="9906000" cy="1447800"/>
+          </a:xfrm>
+        </p:spPr>
+        <p:txBody>
+          <a:bodyPr anchor="t">
+            <a:normAutofit/>
+          </a:bodyPr>
+          <a:lstStyle>
+            <a:lvl1pPr marL="0" indent="0" algn="l">
+              <a:buNone/>
+              <a:defRPr sz="1800">
+                <a:gradFill flip="none" rotWithShape="1">
+                  <a:gsLst>
+                    <a:gs pos="0">
+                      <a:schemeClr val="tx1"/>
+                    </a:gs>
+                    <a:gs pos="100000">
+                      <a:schemeClr val="tx1">
+                        <a:lumMod val="75000"/>
+                      </a:schemeClr>
+                    </a:gs>
+                  </a:gsLst>
+                  <a:lin ang="5400000" scaled="0"/>
+                  <a:tileRect/>
+                </a:gradFill>
+              </a:defRPr>
+            </a:lvl1pPr>
+            <a:lvl2pPr marL="457200" indent="0">
+              <a:buNone/>
+              <a:defRPr sz="1800">
+                <a:solidFill>
+                  <a:schemeClr val="tx1">
+                    <a:tint val="75000"/>
+                  </a:schemeClr>
+                </a:solidFill>
+              </a:defRPr>
+            </a:lvl2pPr>
+            <a:lvl3pPr marL="914400" indent="0">
+              <a:buNone/>
+              <a:defRPr sz="1600">
+                <a:solidFill>
+                  <a:schemeClr val="tx1">
+                    <a:tint val="75000"/>
+                  </a:schemeClr>
+                </a:solidFill>
+              </a:defRPr>
+            </a:lvl3pPr>
+            <a:lvl4pPr marL="1371600" indent="0">
+              <a:buNone/>
+              <a:defRPr sz="1400">
+                <a:solidFill>
+                  <a:schemeClr val="tx1">
+                    <a:tint val="75000"/>
+                  </a:schemeClr>
+                </a:solidFill>
+              </a:defRPr>
+            </a:lvl4pPr>
+            <a:lvl5pPr marL="1828800" indent="0">
+              <a:buNone/>
+              <a:defRPr sz="1400">
+                <a:solidFill>
+                  <a:schemeClr val="tx1">
+                    <a:tint val="75000"/>
+                  </a:schemeClr>
+                </a:solidFill>
+              </a:defRPr>
+            </a:lvl5pPr>
+            <a:lvl6pPr marL="2286000" indent="0">
+              <a:buNone/>
+              <a:defRPr sz="1400">
+                <a:solidFill>
+                  <a:schemeClr val="tx1">
+                    <a:tint val="75000"/>
+                  </a:schemeClr>
+                </a:solidFill>
+              </a:defRPr>
+            </a:lvl6pPr>
+            <a:lvl7pPr marL="2743200" indent="0">
+              <a:buNone/>
+              <a:defRPr sz="1400">
+                <a:solidFill>
+                  <a:schemeClr val="tx1">
+                    <a:tint val="75000"/>
+                  </a:schemeClr>
+                </a:solidFill>
+              </a:defRPr>
+            </a:lvl7pPr>
+            <a:lvl8pPr marL="3200400" indent="0">
+              <a:buNone/>
+              <a:defRPr sz="1400">
+                <a:solidFill>
+                  <a:schemeClr val="tx1">
+                    <a:tint val="75000"/>
+                  </a:schemeClr>
+                </a:solidFill>
+              </a:defRPr>
+            </a:lvl8pPr>
+            <a:lvl9pPr marL="3657600" indent="0">
+              <a:buNone/>
+              <a:defRPr sz="1400">
+                <a:solidFill>
+                  <a:schemeClr val="tx1">
+                    <a:tint val="75000"/>
+                  </a:schemeClr>
+                </a:solidFill>
+              </a:defRPr>
+            </a:lvl9pPr>
+          </a:lstStyle>
+          <a:p>
+            <a:pPr lvl="0"/>
+            <a:r>
+              <a:rPr lang="en-US"/>
+              <a:t>Click to edit Master text styles</a:t>
+            </a:r>
+          </a:p>
+        </p:txBody>
+      </p:sp>
+      <p:sp>
+        <p:nvSpPr>
+          <p:cNvPr id="4" name="Date Placeholder 3"/>
+          <p:cNvSpPr>
+            <a:spLocks noGrp="1"/>
+          </p:cNvSpPr>
+          <p:nvPr>
+            <p:ph type="dt" sz="half" idx="10"/>
+          </p:nvPr>
+        </p:nvSpPr>
+        <p:spPr/>
+        <p:txBody>
+          <a:bodyPr/>
+          <a:lstStyle/>
+          <a:p>
+            <a:fld id="{874FFE33-465F-4E9E-89CE-5F79E84B8B4B}" type="datetimeFigureOut">
+              <a:rPr lang="en-IN" smtClean="0"/>
+              <a:t>28-02-2025</a:t>
+            </a:fld>
+            <a:endParaRPr lang="en-IN"/>
+          </a:p>
+        </p:txBody>
+      </p:sp>
+      <p:sp>
+        <p:nvSpPr>
+          <p:cNvPr id="5" name="Footer Placeholder 4"/>
+          <p:cNvSpPr>
+            <a:spLocks noGrp="1"/>
+          </p:cNvSpPr>
+          <p:nvPr>
+            <p:ph type="ftr" sz="quarter" idx="11"/>
+          </p:nvPr>
+        </p:nvSpPr>
+        <p:spPr/>
+        <p:txBody>
+          <a:bodyPr/>
+          <a:lstStyle/>
+          <a:p>
+            <a:endParaRPr lang="en-IN"/>
+          </a:p>
+        </p:txBody>
+      </p:sp>
+      <p:sp>
+        <p:nvSpPr>
+          <p:cNvPr id="6" name="Slide Number Placeholder 5"/>
+          <p:cNvSpPr>
+            <a:spLocks noGrp="1"/>
+          </p:cNvSpPr>
+          <p:nvPr>
+            <p:ph type="sldNum" sz="quarter" idx="12"/>
+          </p:nvPr>
+        </p:nvSpPr>
+        <p:spPr/>
+        <p:txBody>
+          <a:bodyPr/>
+          <a:lstStyle/>
+          <a:p>
+            <a:fld id="{54BE194E-5C1C-4569-9491-10264D79D787}" type="slidenum">
+              <a:rPr lang="en-IN" smtClean="0"/>
+              <a:t>‹#›</a:t>
+            </a:fld>
+            <a:endParaRPr lang="en-IN"/>
+          </a:p>
+        </p:txBody>
+      </p:sp>
+    </p:spTree>
+    <p:extLst>
+      <p:ext uri="{BB962C8B-B14F-4D97-AF65-F5344CB8AC3E}">
+        <p14:creationId xmlns:p14="http://schemas.microsoft.com/office/powerpoint/2010/main" val="596278978"/>
+      </p:ext>
+    </p:extLst>
+  </p:cSld>
+  <p:clrMapOvr>
+    <a:masterClrMapping/>
+  </p:clrMapOvr>
+</p:sldLayout>
+</file>
+
+<file path=ppt/slideLayouts/slideLayout16.xml><?xml version="1.0" encoding="utf-8"?>
 <p:sldLayout xmlns:a="http://schemas.openxmlformats.org/drawingml/2006/main" xmlns:r="http://schemas.openxmlformats.org/officeDocument/2006/relationships" xmlns:p="http://schemas.openxmlformats.org/presentationml/2006/main" type="vertTx" preserve="1">
   <p:cSld name="Title and Vertical Text">
     <p:spTree>
@@ -1664,118 +2526,20 @@
       </p:grpSpPr>
       <p:sp>
         <p:nvSpPr>
-          <p:cNvPr id="7" name="Freeform 6"/>
-          <p:cNvSpPr/>
-          <p:nvPr/>
-        </p:nvSpPr>
-        <p:spPr bwMode="auto">
+          <p:cNvPr id="7" name="Title 1"/>
+          <p:cNvSpPr>
+            <a:spLocks noGrp="1"/>
+          </p:cNvSpPr>
+          <p:nvPr>
+            <p:ph type="title"/>
+          </p:nvPr>
+        </p:nvSpPr>
+        <p:spPr>
           <a:xfrm>
-            <a:off x="0" y="0"/>
-            <a:ext cx="12192000" cy="2185988"/>
+            <a:off x="1141413" y="609600"/>
+            <a:ext cx="9905998" cy="1905000"/>
           </a:xfrm>
-          <a:custGeom>
-            <a:avLst/>
-            <a:gdLst/>
-            <a:ahLst/>
-            <a:cxnLst/>
-            <a:rect l="0" t="0" r="r" b="b"/>
-            <a:pathLst>
-              <a:path w="5760" h="1377">
-                <a:moveTo>
-                  <a:pt x="5760" y="0"/>
-                </a:moveTo>
-                <a:lnTo>
-                  <a:pt x="0" y="0"/>
-                </a:lnTo>
-                <a:lnTo>
-                  <a:pt x="0" y="1189"/>
-                </a:lnTo>
-                <a:lnTo>
-                  <a:pt x="943" y="1189"/>
-                </a:lnTo>
-                <a:lnTo>
-                  <a:pt x="1123" y="1369"/>
-                </a:lnTo>
-                <a:lnTo>
-                  <a:pt x="1123" y="1369"/>
-                </a:lnTo>
-                <a:lnTo>
-                  <a:pt x="1127" y="1371"/>
-                </a:lnTo>
-                <a:lnTo>
-                  <a:pt x="1133" y="1374"/>
-                </a:lnTo>
-                <a:lnTo>
-                  <a:pt x="1139" y="1377"/>
-                </a:lnTo>
-                <a:lnTo>
-                  <a:pt x="1144" y="1377"/>
-                </a:lnTo>
-                <a:lnTo>
-                  <a:pt x="1150" y="1377"/>
-                </a:lnTo>
-                <a:lnTo>
-                  <a:pt x="1155" y="1374"/>
-                </a:lnTo>
-                <a:lnTo>
-                  <a:pt x="1161" y="1371"/>
-                </a:lnTo>
-                <a:lnTo>
-                  <a:pt x="1165" y="1369"/>
-                </a:lnTo>
-                <a:lnTo>
-                  <a:pt x="1345" y="1189"/>
-                </a:lnTo>
-                <a:lnTo>
-                  <a:pt x="5760" y="1189"/>
-                </a:lnTo>
-                <a:lnTo>
-                  <a:pt x="5760" y="0"/>
-                </a:lnTo>
-                <a:close/>
-              </a:path>
-            </a:pathLst>
-          </a:custGeom>
-          <a:ln/>
-          <a:extLst>
-            <a:ext uri="{91240B29-F687-4f45-9708-019B960494DF}">
-              <a14:hiddenLine xmlns:a14="http://schemas.microsoft.com/office/drawing/2010/main" xmlns="" w="9525">
-                <a:solidFill>
-                  <a:srgbClr val="000000"/>
-                </a:solidFill>
-                <a:round/>
-                <a:headEnd/>
-                <a:tailEnd/>
-              </a14:hiddenLine>
-            </a:ext>
-          </a:extLst>
         </p:spPr>
-        <p:style>
-          <a:lnRef idx="1">
-            <a:schemeClr val="accent1"/>
-          </a:lnRef>
-          <a:fillRef idx="3">
-            <a:schemeClr val="accent1"/>
-          </a:fillRef>
-          <a:effectRef idx="2">
-            <a:schemeClr val="accent1"/>
-          </a:effectRef>
-          <a:fontRef idx="minor">
-            <a:schemeClr val="lt1"/>
-          </a:fontRef>
-        </p:style>
-      </p:sp>
-      <p:sp>
-        <p:nvSpPr>
-          <p:cNvPr id="2" name="Title 1"/>
-          <p:cNvSpPr>
-            <a:spLocks noGrp="1"/>
-          </p:cNvSpPr>
-          <p:nvPr>
-            <p:ph type="title"/>
-          </p:nvPr>
-        </p:nvSpPr>
-        <p:spPr/>
         <p:txBody>
           <a:bodyPr/>
           <a:lstStyle/>
@@ -1908,7 +2672,7 @@
     </p:spTree>
     <p:extLst>
       <p:ext uri="{BB962C8B-B14F-4D97-AF65-F5344CB8AC3E}">
-        <p14:creationId xmlns:p14="http://schemas.microsoft.com/office/powerpoint/2010/main" val="3474655510"/>
+        <p14:creationId xmlns:p14="http://schemas.microsoft.com/office/powerpoint/2010/main" val="3254488477"/>
       </p:ext>
     </p:extLst>
   </p:cSld>
@@ -1918,7 +2682,7 @@
 </p:sldLayout>
 </file>
 
-<file path=ppt/slideLayouts/slideLayout14.xml><?xml version="1.0" encoding="utf-8"?>
+<file path=ppt/slideLayouts/slideLayout17.xml><?xml version="1.0" encoding="utf-8"?>
 <p:sldLayout xmlns:a="http://schemas.openxmlformats.org/drawingml/2006/main" xmlns:r="http://schemas.openxmlformats.org/officeDocument/2006/relationships" xmlns:p="http://schemas.openxmlformats.org/presentationml/2006/main" type="vertTitleAndTx" preserve="1">
   <p:cSld name="Vertical Title and Text">
     <p:spTree>
@@ -1937,111 +2701,6 @@
       </p:grpSpPr>
       <p:sp>
         <p:nvSpPr>
-          <p:cNvPr id="12" name="Freeform 6"/>
-          <p:cNvSpPr>
-            <a:spLocks noChangeAspect="1"/>
-          </p:cNvSpPr>
-          <p:nvPr/>
-        </p:nvSpPr>
-        <p:spPr bwMode="auto">
-          <a:xfrm>
-            <a:off x="7669651" y="446089"/>
-            <a:ext cx="4522349" cy="5414962"/>
-          </a:xfrm>
-          <a:custGeom>
-            <a:avLst/>
-            <a:gdLst/>
-            <a:ahLst/>
-            <a:cxnLst/>
-            <a:rect l="0" t="0" r="r" b="b"/>
-            <a:pathLst>
-              <a:path w="2879" h="4320">
-                <a:moveTo>
-                  <a:pt x="183" y="0"/>
-                </a:moveTo>
-                <a:lnTo>
-                  <a:pt x="183" y="1197"/>
-                </a:lnTo>
-                <a:lnTo>
-                  <a:pt x="8" y="1372"/>
-                </a:lnTo>
-                <a:lnTo>
-                  <a:pt x="8" y="1372"/>
-                </a:lnTo>
-                <a:lnTo>
-                  <a:pt x="6" y="1376"/>
-                </a:lnTo>
-                <a:lnTo>
-                  <a:pt x="3" y="1382"/>
-                </a:lnTo>
-                <a:lnTo>
-                  <a:pt x="0" y="1387"/>
-                </a:lnTo>
-                <a:lnTo>
-                  <a:pt x="0" y="1393"/>
-                </a:lnTo>
-                <a:lnTo>
-                  <a:pt x="0" y="1399"/>
-                </a:lnTo>
-                <a:lnTo>
-                  <a:pt x="3" y="1404"/>
-                </a:lnTo>
-                <a:lnTo>
-                  <a:pt x="6" y="1410"/>
-                </a:lnTo>
-                <a:lnTo>
-                  <a:pt x="8" y="1414"/>
-                </a:lnTo>
-                <a:lnTo>
-                  <a:pt x="183" y="1589"/>
-                </a:lnTo>
-                <a:lnTo>
-                  <a:pt x="183" y="4320"/>
-                </a:lnTo>
-                <a:lnTo>
-                  <a:pt x="2879" y="4320"/>
-                </a:lnTo>
-                <a:lnTo>
-                  <a:pt x="2879" y="0"/>
-                </a:lnTo>
-                <a:lnTo>
-                  <a:pt x="183" y="0"/>
-                </a:lnTo>
-                <a:close/>
-              </a:path>
-            </a:pathLst>
-          </a:custGeom>
-          <a:ln/>
-          <a:extLst>
-            <a:ext uri="{91240B29-F687-4f45-9708-019B960494DF}">
-              <a14:hiddenLine xmlns:a14="http://schemas.microsoft.com/office/drawing/2010/main" xmlns="" w="9525">
-                <a:solidFill>
-                  <a:srgbClr val="000000"/>
-                </a:solidFill>
-                <a:round/>
-                <a:headEnd/>
-                <a:tailEnd/>
-              </a14:hiddenLine>
-            </a:ext>
-          </a:extLst>
-        </p:spPr>
-        <p:style>
-          <a:lnRef idx="1">
-            <a:schemeClr val="accent1"/>
-          </a:lnRef>
-          <a:fillRef idx="3">
-            <a:schemeClr val="accent1"/>
-          </a:fillRef>
-          <a:effectRef idx="2">
-            <a:schemeClr val="accent1"/>
-          </a:effectRef>
-          <a:fontRef idx="minor">
-            <a:schemeClr val="lt1"/>
-          </a:fontRef>
-        </p:style>
-      </p:sp>
-      <p:sp>
-        <p:nvSpPr>
           <p:cNvPr id="2" name="Vertical Title 1"/>
           <p:cNvSpPr>
             <a:spLocks noGrp="1"/>
@@ -2052,8 +2711,8 @@
         </p:nvSpPr>
         <p:spPr>
           <a:xfrm>
-            <a:off x="8183540" y="586171"/>
-            <a:ext cx="2494791" cy="5134798"/>
+            <a:off x="8836898" y="609599"/>
+            <a:ext cx="2210514" cy="5181601"/>
           </a:xfrm>
         </p:spPr>
         <p:txBody>
@@ -2080,8 +2739,8 @@
         </p:nvSpPr>
         <p:spPr>
           <a:xfrm>
-            <a:off x="810001" y="446089"/>
-            <a:ext cx="6611540" cy="5414962"/>
+            <a:off x="1141412" y="609600"/>
+            <a:ext cx="7543800" cy="5181600"/>
           </a:xfrm>
         </p:spPr>
         <p:txBody>
@@ -2193,7 +2852,7 @@
     </p:spTree>
     <p:extLst>
       <p:ext uri="{BB962C8B-B14F-4D97-AF65-F5344CB8AC3E}">
-        <p14:creationId xmlns:p14="http://schemas.microsoft.com/office/powerpoint/2010/main" val="1204946290"/>
+        <p14:creationId xmlns:p14="http://schemas.microsoft.com/office/powerpoint/2010/main" val="2721936227"/>
       </p:ext>
     </p:extLst>
   </p:cSld>
@@ -2222,109 +2881,6 @@
       </p:grpSpPr>
       <p:sp>
         <p:nvSpPr>
-          <p:cNvPr id="11" name="Freeform 6"/>
-          <p:cNvSpPr/>
-          <p:nvPr/>
-        </p:nvSpPr>
-        <p:spPr bwMode="auto">
-          <a:xfrm>
-            <a:off x="0" y="0"/>
-            <a:ext cx="12192000" cy="2185988"/>
-          </a:xfrm>
-          <a:custGeom>
-            <a:avLst/>
-            <a:gdLst/>
-            <a:ahLst/>
-            <a:cxnLst/>
-            <a:rect l="0" t="0" r="r" b="b"/>
-            <a:pathLst>
-              <a:path w="5760" h="1377">
-                <a:moveTo>
-                  <a:pt x="5760" y="0"/>
-                </a:moveTo>
-                <a:lnTo>
-                  <a:pt x="0" y="0"/>
-                </a:lnTo>
-                <a:lnTo>
-                  <a:pt x="0" y="1189"/>
-                </a:lnTo>
-                <a:lnTo>
-                  <a:pt x="943" y="1189"/>
-                </a:lnTo>
-                <a:lnTo>
-                  <a:pt x="1123" y="1369"/>
-                </a:lnTo>
-                <a:lnTo>
-                  <a:pt x="1123" y="1369"/>
-                </a:lnTo>
-                <a:lnTo>
-                  <a:pt x="1127" y="1371"/>
-                </a:lnTo>
-                <a:lnTo>
-                  <a:pt x="1133" y="1374"/>
-                </a:lnTo>
-                <a:lnTo>
-                  <a:pt x="1139" y="1377"/>
-                </a:lnTo>
-                <a:lnTo>
-                  <a:pt x="1144" y="1377"/>
-                </a:lnTo>
-                <a:lnTo>
-                  <a:pt x="1150" y="1377"/>
-                </a:lnTo>
-                <a:lnTo>
-                  <a:pt x="1155" y="1374"/>
-                </a:lnTo>
-                <a:lnTo>
-                  <a:pt x="1161" y="1371"/>
-                </a:lnTo>
-                <a:lnTo>
-                  <a:pt x="1165" y="1369"/>
-                </a:lnTo>
-                <a:lnTo>
-                  <a:pt x="1345" y="1189"/>
-                </a:lnTo>
-                <a:lnTo>
-                  <a:pt x="5760" y="1189"/>
-                </a:lnTo>
-                <a:lnTo>
-                  <a:pt x="5760" y="0"/>
-                </a:lnTo>
-                <a:close/>
-              </a:path>
-            </a:pathLst>
-          </a:custGeom>
-          <a:ln/>
-          <a:extLst>
-            <a:ext uri="{91240B29-F687-4f45-9708-019B960494DF}">
-              <a14:hiddenLine xmlns:a14="http://schemas.microsoft.com/office/drawing/2010/main" xmlns="" w="9525">
-                <a:solidFill>
-                  <a:srgbClr val="000000"/>
-                </a:solidFill>
-                <a:round/>
-                <a:headEnd/>
-                <a:tailEnd/>
-              </a14:hiddenLine>
-            </a:ext>
-          </a:extLst>
-        </p:spPr>
-        <p:style>
-          <a:lnRef idx="1">
-            <a:schemeClr val="accent1"/>
-          </a:lnRef>
-          <a:fillRef idx="3">
-            <a:schemeClr val="accent1"/>
-          </a:fillRef>
-          <a:effectRef idx="2">
-            <a:schemeClr val="accent1"/>
-          </a:effectRef>
-          <a:fontRef idx="minor">
-            <a:schemeClr val="lt1"/>
-          </a:fontRef>
-        </p:style>
-      </p:sp>
-      <p:sp>
-        <p:nvSpPr>
           <p:cNvPr id="2" name="Title 1"/>
           <p:cNvSpPr>
             <a:spLocks noGrp="1"/>
@@ -2333,12 +2889,7 @@
             <p:ph type="title"/>
           </p:nvPr>
         </p:nvSpPr>
-        <p:spPr>
-          <a:xfrm>
-            <a:off x="810000" y="447188"/>
-            <a:ext cx="10571998" cy="970450"/>
-          </a:xfrm>
-        </p:spPr>
+        <p:spPr/>
         <p:txBody>
           <a:bodyPr/>
           <a:lstStyle/>
@@ -2361,14 +2912,9 @@
             <p:ph idx="1"/>
           </p:nvPr>
         </p:nvSpPr>
-        <p:spPr>
-          <a:xfrm>
-            <a:off x="818712" y="2222287"/>
-            <a:ext cx="10554574" cy="3636511"/>
-          </a:xfrm>
-        </p:spPr>
-        <p:txBody>
-          <a:bodyPr/>
+        <p:spPr/>
+        <p:txBody>
+          <a:bodyPr anchor="ctr"/>
           <a:lstStyle/>
           <a:p>
             <a:pPr lvl="0"/>
@@ -2476,7 +3022,7 @@
     </p:spTree>
     <p:extLst>
       <p:ext uri="{BB962C8B-B14F-4D97-AF65-F5344CB8AC3E}">
-        <p14:creationId xmlns:p14="http://schemas.microsoft.com/office/powerpoint/2010/main" val="799399846"/>
+        <p14:creationId xmlns:p14="http://schemas.microsoft.com/office/powerpoint/2010/main" val="3129472531"/>
       </p:ext>
     </p:extLst>
   </p:cSld>
@@ -2505,103 +3051,6 @@
       </p:grpSpPr>
       <p:sp>
         <p:nvSpPr>
-          <p:cNvPr id="10" name="Freeform 7"/>
-          <p:cNvSpPr/>
-          <p:nvPr/>
-        </p:nvSpPr>
-        <p:spPr bwMode="auto">
-          <a:xfrm>
-            <a:off x="0" y="1"/>
-            <a:ext cx="12192000" cy="5203825"/>
-          </a:xfrm>
-          <a:custGeom>
-            <a:avLst/>
-            <a:gdLst/>
-            <a:ahLst/>
-            <a:cxnLst/>
-            <a:rect l="0" t="0" r="r" b="b"/>
-            <a:pathLst>
-              <a:path w="5760" h="3278">
-                <a:moveTo>
-                  <a:pt x="0" y="0"/>
-                </a:moveTo>
-                <a:lnTo>
-                  <a:pt x="5760" y="0"/>
-                </a:lnTo>
-                <a:lnTo>
-                  <a:pt x="5760" y="3090"/>
-                </a:lnTo>
-                <a:lnTo>
-                  <a:pt x="4817" y="3090"/>
-                </a:lnTo>
-                <a:lnTo>
-                  <a:pt x="4637" y="3270"/>
-                </a:lnTo>
-                <a:lnTo>
-                  <a:pt x="4637" y="3270"/>
-                </a:lnTo>
-                <a:lnTo>
-                  <a:pt x="4633" y="3272"/>
-                </a:lnTo>
-                <a:lnTo>
-                  <a:pt x="4627" y="3275"/>
-                </a:lnTo>
-                <a:lnTo>
-                  <a:pt x="4621" y="3278"/>
-                </a:lnTo>
-                <a:lnTo>
-                  <a:pt x="4616" y="3278"/>
-                </a:lnTo>
-                <a:lnTo>
-                  <a:pt x="4610" y="3278"/>
-                </a:lnTo>
-                <a:lnTo>
-                  <a:pt x="4605" y="3275"/>
-                </a:lnTo>
-                <a:lnTo>
-                  <a:pt x="4599" y="3272"/>
-                </a:lnTo>
-                <a:lnTo>
-                  <a:pt x="4595" y="3270"/>
-                </a:lnTo>
-                <a:lnTo>
-                  <a:pt x="4415" y="3090"/>
-                </a:lnTo>
-                <a:lnTo>
-                  <a:pt x="0" y="3090"/>
-                </a:lnTo>
-                <a:lnTo>
-                  <a:pt x="0" y="0"/>
-                </a:lnTo>
-                <a:lnTo>
-                  <a:pt x="0" y="0"/>
-                </a:lnTo>
-                <a:close/>
-              </a:path>
-            </a:pathLst>
-          </a:custGeom>
-          <a:ln>
-            <a:headEnd/>
-            <a:tailEnd/>
-          </a:ln>
-        </p:spPr>
-        <p:style>
-          <a:lnRef idx="1">
-            <a:schemeClr val="accent1"/>
-          </a:lnRef>
-          <a:fillRef idx="3">
-            <a:schemeClr val="accent1"/>
-          </a:fillRef>
-          <a:effectRef idx="2">
-            <a:schemeClr val="accent1"/>
-          </a:effectRef>
-          <a:fontRef idx="minor">
-            <a:schemeClr val="lt1"/>
-          </a:fontRef>
-        </p:style>
-      </p:sp>
-      <p:sp>
-        <p:nvSpPr>
           <p:cNvPr id="2" name="Title 1"/>
           <p:cNvSpPr>
             <a:spLocks noGrp="1"/>
@@ -2612,15 +3061,15 @@
         </p:nvSpPr>
         <p:spPr>
           <a:xfrm>
-            <a:off x="810000" y="2951396"/>
-            <a:ext cx="10561418" cy="1468800"/>
+            <a:off x="1751013" y="3308581"/>
+            <a:ext cx="8686800" cy="1468800"/>
           </a:xfrm>
         </p:spPr>
         <p:txBody>
           <a:bodyPr anchor="b"/>
           <a:lstStyle>
             <a:lvl1pPr algn="r">
-              <a:defRPr sz="4800" b="1" cap="none"/>
+              <a:defRPr sz="4000" b="0" cap="all"/>
             </a:lvl1pPr>
           </a:lstStyle>
           <a:p>
@@ -2644,21 +3093,32 @@
         </p:nvSpPr>
         <p:spPr>
           <a:xfrm>
-            <a:off x="810000" y="5281201"/>
-            <a:ext cx="10561418" cy="433955"/>
+            <a:off x="1751011" y="4777381"/>
+            <a:ext cx="8686801" cy="860400"/>
           </a:xfrm>
         </p:spPr>
         <p:txBody>
           <a:bodyPr anchor="t">
-            <a:noAutofit/>
+            <a:normAutofit/>
           </a:bodyPr>
           <a:lstStyle>
             <a:lvl1pPr marL="0" indent="0" algn="r">
               <a:buNone/>
-              <a:defRPr sz="1800">
-                <a:solidFill>
-                  <a:schemeClr val="tx1"/>
-                </a:solidFill>
+              <a:defRPr sz="2000">
+                <a:gradFill flip="none" rotWithShape="1">
+                  <a:gsLst>
+                    <a:gs pos="0">
+                      <a:schemeClr val="tx1"/>
+                    </a:gs>
+                    <a:gs pos="100000">
+                      <a:schemeClr val="tx1">
+                        <a:lumMod val="75000"/>
+                      </a:schemeClr>
+                    </a:gs>
+                  </a:gsLst>
+                  <a:lin ang="5400000" scaled="0"/>
+                  <a:tileRect/>
+                </a:gradFill>
               </a:defRPr>
             </a:lvl1pPr>
             <a:lvl2pPr marL="457200" indent="0">
@@ -2819,7 +3279,7 @@
     </p:spTree>
     <p:extLst>
       <p:ext uri="{BB962C8B-B14F-4D97-AF65-F5344CB8AC3E}">
-        <p14:creationId xmlns:p14="http://schemas.microsoft.com/office/powerpoint/2010/main" val="2917466879"/>
+        <p14:creationId xmlns:p14="http://schemas.microsoft.com/office/powerpoint/2010/main" val="3761329430"/>
       </p:ext>
     </p:extLst>
   </p:cSld>
@@ -2848,109 +3308,6 @@
       </p:grpSpPr>
       <p:sp>
         <p:nvSpPr>
-          <p:cNvPr id="8" name="Freeform 6"/>
-          <p:cNvSpPr/>
-          <p:nvPr/>
-        </p:nvSpPr>
-        <p:spPr bwMode="auto">
-          <a:xfrm>
-            <a:off x="0" y="0"/>
-            <a:ext cx="12192000" cy="2185988"/>
-          </a:xfrm>
-          <a:custGeom>
-            <a:avLst/>
-            <a:gdLst/>
-            <a:ahLst/>
-            <a:cxnLst/>
-            <a:rect l="0" t="0" r="r" b="b"/>
-            <a:pathLst>
-              <a:path w="5760" h="1377">
-                <a:moveTo>
-                  <a:pt x="5760" y="0"/>
-                </a:moveTo>
-                <a:lnTo>
-                  <a:pt x="0" y="0"/>
-                </a:lnTo>
-                <a:lnTo>
-                  <a:pt x="0" y="1189"/>
-                </a:lnTo>
-                <a:lnTo>
-                  <a:pt x="943" y="1189"/>
-                </a:lnTo>
-                <a:lnTo>
-                  <a:pt x="1123" y="1369"/>
-                </a:lnTo>
-                <a:lnTo>
-                  <a:pt x="1123" y="1369"/>
-                </a:lnTo>
-                <a:lnTo>
-                  <a:pt x="1127" y="1371"/>
-                </a:lnTo>
-                <a:lnTo>
-                  <a:pt x="1133" y="1374"/>
-                </a:lnTo>
-                <a:lnTo>
-                  <a:pt x="1139" y="1377"/>
-                </a:lnTo>
-                <a:lnTo>
-                  <a:pt x="1144" y="1377"/>
-                </a:lnTo>
-                <a:lnTo>
-                  <a:pt x="1150" y="1377"/>
-                </a:lnTo>
-                <a:lnTo>
-                  <a:pt x="1155" y="1374"/>
-                </a:lnTo>
-                <a:lnTo>
-                  <a:pt x="1161" y="1371"/>
-                </a:lnTo>
-                <a:lnTo>
-                  <a:pt x="1165" y="1369"/>
-                </a:lnTo>
-                <a:lnTo>
-                  <a:pt x="1345" y="1189"/>
-                </a:lnTo>
-                <a:lnTo>
-                  <a:pt x="5760" y="1189"/>
-                </a:lnTo>
-                <a:lnTo>
-                  <a:pt x="5760" y="0"/>
-                </a:lnTo>
-                <a:close/>
-              </a:path>
-            </a:pathLst>
-          </a:custGeom>
-          <a:ln/>
-          <a:extLst>
-            <a:ext uri="{91240B29-F687-4f45-9708-019B960494DF}">
-              <a14:hiddenLine xmlns:a14="http://schemas.microsoft.com/office/drawing/2010/main" xmlns="" w="9525">
-                <a:solidFill>
-                  <a:srgbClr val="000000"/>
-                </a:solidFill>
-                <a:round/>
-                <a:headEnd/>
-                <a:tailEnd/>
-              </a14:hiddenLine>
-            </a:ext>
-          </a:extLst>
-        </p:spPr>
-        <p:style>
-          <a:lnRef idx="1">
-            <a:schemeClr val="accent1"/>
-          </a:lnRef>
-          <a:fillRef idx="3">
-            <a:schemeClr val="accent1"/>
-          </a:fillRef>
-          <a:effectRef idx="2">
-            <a:schemeClr val="accent1"/>
-          </a:effectRef>
-          <a:fontRef idx="minor">
-            <a:schemeClr val="lt1"/>
-          </a:fontRef>
-        </p:style>
-      </p:sp>
-      <p:sp>
-        <p:nvSpPr>
           <p:cNvPr id="2" name="Title 1"/>
           <p:cNvSpPr>
             <a:spLocks noGrp="1"/>
@@ -2984,15 +3341,43 @@
         </p:nvSpPr>
         <p:spPr>
           <a:xfrm>
-            <a:off x="818712" y="2222287"/>
-            <a:ext cx="5185873" cy="3638763"/>
+            <a:off x="1141412" y="2666999"/>
+            <a:ext cx="4876800" cy="3124201"/>
           </a:xfrm>
         </p:spPr>
         <p:txBody>
           <a:bodyPr>
             <a:normAutofit/>
           </a:bodyPr>
-          <a:lstStyle/>
+          <a:lstStyle>
+            <a:lvl1pPr>
+              <a:defRPr sz="1800"/>
+            </a:lvl1pPr>
+            <a:lvl2pPr>
+              <a:defRPr sz="1600"/>
+            </a:lvl2pPr>
+            <a:lvl3pPr>
+              <a:defRPr sz="1400"/>
+            </a:lvl3pPr>
+            <a:lvl4pPr>
+              <a:defRPr sz="1200"/>
+            </a:lvl4pPr>
+            <a:lvl5pPr>
+              <a:defRPr sz="1200"/>
+            </a:lvl5pPr>
+            <a:lvl6pPr>
+              <a:defRPr sz="1200"/>
+            </a:lvl6pPr>
+            <a:lvl7pPr>
+              <a:defRPr sz="1200"/>
+            </a:lvl7pPr>
+            <a:lvl8pPr>
+              <a:defRPr sz="1200"/>
+            </a:lvl8pPr>
+            <a:lvl9pPr>
+              <a:defRPr sz="1200"/>
+            </a:lvl9pPr>
+          </a:lstStyle>
           <a:p>
             <a:pPr lvl="0"/>
             <a:r>
@@ -3043,15 +3428,43 @@
         </p:nvSpPr>
         <p:spPr>
           <a:xfrm>
-            <a:off x="6187415" y="2222287"/>
-            <a:ext cx="5194583" cy="3638764"/>
+            <a:off x="6170612" y="2667000"/>
+            <a:ext cx="4876800" cy="3124200"/>
           </a:xfrm>
         </p:spPr>
         <p:txBody>
           <a:bodyPr>
             <a:normAutofit/>
           </a:bodyPr>
-          <a:lstStyle/>
+          <a:lstStyle>
+            <a:lvl1pPr>
+              <a:defRPr sz="1800"/>
+            </a:lvl1pPr>
+            <a:lvl2pPr>
+              <a:defRPr sz="1600"/>
+            </a:lvl2pPr>
+            <a:lvl3pPr>
+              <a:defRPr sz="1400"/>
+            </a:lvl3pPr>
+            <a:lvl4pPr>
+              <a:defRPr sz="1200"/>
+            </a:lvl4pPr>
+            <a:lvl5pPr>
+              <a:defRPr sz="1200"/>
+            </a:lvl5pPr>
+            <a:lvl6pPr>
+              <a:defRPr sz="1200"/>
+            </a:lvl6pPr>
+            <a:lvl7pPr>
+              <a:defRPr sz="1200"/>
+            </a:lvl7pPr>
+            <a:lvl8pPr>
+              <a:defRPr sz="1200"/>
+            </a:lvl8pPr>
+            <a:lvl9pPr>
+              <a:defRPr sz="1200"/>
+            </a:lvl9pPr>
+          </a:lstStyle>
           <a:p>
             <a:pPr lvl="0"/>
             <a:r>
@@ -3158,7 +3571,7 @@
     </p:spTree>
     <p:extLst>
       <p:ext uri="{BB962C8B-B14F-4D97-AF65-F5344CB8AC3E}">
-        <p14:creationId xmlns:p14="http://schemas.microsoft.com/office/powerpoint/2010/main" val="1925958840"/>
+        <p14:creationId xmlns:p14="http://schemas.microsoft.com/office/powerpoint/2010/main" val="3944286307"/>
       </p:ext>
     </p:extLst>
   </p:cSld>
@@ -3187,109 +3600,6 @@
       </p:grpSpPr>
       <p:sp>
         <p:nvSpPr>
-          <p:cNvPr id="10" name="Freeform 6"/>
-          <p:cNvSpPr/>
-          <p:nvPr/>
-        </p:nvSpPr>
-        <p:spPr bwMode="auto">
-          <a:xfrm>
-            <a:off x="0" y="0"/>
-            <a:ext cx="12192000" cy="2185988"/>
-          </a:xfrm>
-          <a:custGeom>
-            <a:avLst/>
-            <a:gdLst/>
-            <a:ahLst/>
-            <a:cxnLst/>
-            <a:rect l="0" t="0" r="r" b="b"/>
-            <a:pathLst>
-              <a:path w="5760" h="1377">
-                <a:moveTo>
-                  <a:pt x="5760" y="0"/>
-                </a:moveTo>
-                <a:lnTo>
-                  <a:pt x="0" y="0"/>
-                </a:lnTo>
-                <a:lnTo>
-                  <a:pt x="0" y="1189"/>
-                </a:lnTo>
-                <a:lnTo>
-                  <a:pt x="943" y="1189"/>
-                </a:lnTo>
-                <a:lnTo>
-                  <a:pt x="1123" y="1369"/>
-                </a:lnTo>
-                <a:lnTo>
-                  <a:pt x="1123" y="1369"/>
-                </a:lnTo>
-                <a:lnTo>
-                  <a:pt x="1127" y="1371"/>
-                </a:lnTo>
-                <a:lnTo>
-                  <a:pt x="1133" y="1374"/>
-                </a:lnTo>
-                <a:lnTo>
-                  <a:pt x="1139" y="1377"/>
-                </a:lnTo>
-                <a:lnTo>
-                  <a:pt x="1144" y="1377"/>
-                </a:lnTo>
-                <a:lnTo>
-                  <a:pt x="1150" y="1377"/>
-                </a:lnTo>
-                <a:lnTo>
-                  <a:pt x="1155" y="1374"/>
-                </a:lnTo>
-                <a:lnTo>
-                  <a:pt x="1161" y="1371"/>
-                </a:lnTo>
-                <a:lnTo>
-                  <a:pt x="1165" y="1369"/>
-                </a:lnTo>
-                <a:lnTo>
-                  <a:pt x="1345" y="1189"/>
-                </a:lnTo>
-                <a:lnTo>
-                  <a:pt x="5760" y="1189"/>
-                </a:lnTo>
-                <a:lnTo>
-                  <a:pt x="5760" y="0"/>
-                </a:lnTo>
-                <a:close/>
-              </a:path>
-            </a:pathLst>
-          </a:custGeom>
-          <a:ln/>
-          <a:extLst>
-            <a:ext uri="{91240B29-F687-4f45-9708-019B960494DF}">
-              <a14:hiddenLine xmlns:a14="http://schemas.microsoft.com/office/drawing/2010/main" xmlns="" w="9525">
-                <a:solidFill>
-                  <a:srgbClr val="000000"/>
-                </a:solidFill>
-                <a:round/>
-                <a:headEnd/>
-                <a:tailEnd/>
-              </a14:hiddenLine>
-            </a:ext>
-          </a:extLst>
-        </p:spPr>
-        <p:style>
-          <a:lnRef idx="1">
-            <a:schemeClr val="accent1"/>
-          </a:lnRef>
-          <a:fillRef idx="3">
-            <a:schemeClr val="accent1"/>
-          </a:fillRef>
-          <a:effectRef idx="2">
-            <a:schemeClr val="accent1"/>
-          </a:effectRef>
-          <a:fontRef idx="minor">
-            <a:schemeClr val="lt1"/>
-          </a:fontRef>
-        </p:style>
-      </p:sp>
-      <p:sp>
-        <p:nvSpPr>
           <p:cNvPr id="2" name="Title 1"/>
           <p:cNvSpPr>
             <a:spLocks noGrp="1"/>
@@ -3327,8 +3637,8 @@
         </p:nvSpPr>
         <p:spPr>
           <a:xfrm>
-            <a:off x="814728" y="2174875"/>
-            <a:ext cx="5189857" cy="576262"/>
+            <a:off x="1429280" y="2658533"/>
+            <a:ext cx="4588931" cy="576262"/>
           </a:xfrm>
         </p:spPr>
         <p:txBody>
@@ -3336,9 +3646,9 @@
             <a:noAutofit/>
           </a:bodyPr>
           <a:lstStyle>
-            <a:lvl1pPr marL="0" indent="0" algn="ctr">
-              <a:buNone/>
-              <a:defRPr sz="2000" b="0"/>
+            <a:lvl1pPr marL="0" indent="0">
+              <a:buNone/>
+              <a:defRPr sz="2800" b="0"/>
             </a:lvl1pPr>
             <a:lvl2pPr marL="457200" indent="0">
               <a:buNone/>
@@ -3394,15 +3704,43 @@
         </p:nvSpPr>
         <p:spPr>
           <a:xfrm>
-            <a:off x="814729" y="2751138"/>
-            <a:ext cx="5189856" cy="3109913"/>
+            <a:off x="1141412" y="3243262"/>
+            <a:ext cx="4876800" cy="2547937"/>
           </a:xfrm>
         </p:spPr>
         <p:txBody>
           <a:bodyPr anchor="t">
             <a:normAutofit/>
           </a:bodyPr>
-          <a:lstStyle/>
+          <a:lstStyle>
+            <a:lvl1pPr>
+              <a:defRPr sz="1800"/>
+            </a:lvl1pPr>
+            <a:lvl2pPr>
+              <a:defRPr sz="1600"/>
+            </a:lvl2pPr>
+            <a:lvl3pPr>
+              <a:defRPr sz="1400"/>
+            </a:lvl3pPr>
+            <a:lvl4pPr>
+              <a:defRPr sz="1200"/>
+            </a:lvl4pPr>
+            <a:lvl5pPr>
+              <a:defRPr sz="1200"/>
+            </a:lvl5pPr>
+            <a:lvl6pPr>
+              <a:defRPr sz="1200"/>
+            </a:lvl6pPr>
+            <a:lvl7pPr>
+              <a:defRPr sz="1200"/>
+            </a:lvl7pPr>
+            <a:lvl8pPr>
+              <a:defRPr sz="1200"/>
+            </a:lvl8pPr>
+            <a:lvl9pPr>
+              <a:defRPr sz="1200"/>
+            </a:lvl9pPr>
+          </a:lstStyle>
           <a:p>
             <a:pPr lvl="0"/>
             <a:r>
@@ -3453,8 +3791,8 @@
         </p:nvSpPr>
         <p:spPr>
           <a:xfrm>
-            <a:off x="6187415" y="2174875"/>
-            <a:ext cx="5194583" cy="576262"/>
+            <a:off x="6443133" y="2667000"/>
+            <a:ext cx="4604280" cy="576262"/>
           </a:xfrm>
         </p:spPr>
         <p:txBody>
@@ -3462,9 +3800,9 @@
             <a:noAutofit/>
           </a:bodyPr>
           <a:lstStyle>
-            <a:lvl1pPr marL="0" indent="0" algn="ctr">
-              <a:buNone/>
-              <a:defRPr sz="2000" b="0"/>
+            <a:lvl1pPr marL="0" indent="0">
+              <a:buNone/>
+              <a:defRPr sz="2800" b="0"/>
             </a:lvl1pPr>
             <a:lvl2pPr marL="457200" indent="0">
               <a:buNone/>
@@ -3520,15 +3858,43 @@
         </p:nvSpPr>
         <p:spPr>
           <a:xfrm>
-            <a:off x="6187415" y="2751138"/>
-            <a:ext cx="5194583" cy="3109913"/>
+            <a:off x="6170612" y="3243262"/>
+            <a:ext cx="4876801" cy="2547937"/>
           </a:xfrm>
         </p:spPr>
         <p:txBody>
           <a:bodyPr anchor="t">
             <a:normAutofit/>
           </a:bodyPr>
-          <a:lstStyle/>
+          <a:lstStyle>
+            <a:lvl1pPr>
+              <a:defRPr sz="1800"/>
+            </a:lvl1pPr>
+            <a:lvl2pPr>
+              <a:defRPr sz="1600"/>
+            </a:lvl2pPr>
+            <a:lvl3pPr>
+              <a:defRPr sz="1400"/>
+            </a:lvl3pPr>
+            <a:lvl4pPr>
+              <a:defRPr sz="1200"/>
+            </a:lvl4pPr>
+            <a:lvl5pPr>
+              <a:defRPr sz="1200"/>
+            </a:lvl5pPr>
+            <a:lvl6pPr>
+              <a:defRPr sz="1200"/>
+            </a:lvl6pPr>
+            <a:lvl7pPr>
+              <a:defRPr sz="1200"/>
+            </a:lvl7pPr>
+            <a:lvl8pPr>
+              <a:defRPr sz="1200"/>
+            </a:lvl8pPr>
+            <a:lvl9pPr>
+              <a:defRPr sz="1200"/>
+            </a:lvl9pPr>
+          </a:lstStyle>
           <a:p>
             <a:pPr lvl="0"/>
             <a:r>
@@ -3635,7 +4001,7 @@
     </p:spTree>
     <p:extLst>
       <p:ext uri="{BB962C8B-B14F-4D97-AF65-F5344CB8AC3E}">
-        <p14:creationId xmlns:p14="http://schemas.microsoft.com/office/powerpoint/2010/main" val="1843962898"/>
+        <p14:creationId xmlns:p14="http://schemas.microsoft.com/office/powerpoint/2010/main" val="4173011041"/>
       </p:ext>
     </p:extLst>
   </p:cSld>
@@ -3664,109 +4030,6 @@
       </p:grpSpPr>
       <p:sp>
         <p:nvSpPr>
-          <p:cNvPr id="6" name="Freeform 6"/>
-          <p:cNvSpPr/>
-          <p:nvPr/>
-        </p:nvSpPr>
-        <p:spPr bwMode="auto">
-          <a:xfrm>
-            <a:off x="0" y="0"/>
-            <a:ext cx="12192000" cy="2185988"/>
-          </a:xfrm>
-          <a:custGeom>
-            <a:avLst/>
-            <a:gdLst/>
-            <a:ahLst/>
-            <a:cxnLst/>
-            <a:rect l="0" t="0" r="r" b="b"/>
-            <a:pathLst>
-              <a:path w="5760" h="1377">
-                <a:moveTo>
-                  <a:pt x="5760" y="0"/>
-                </a:moveTo>
-                <a:lnTo>
-                  <a:pt x="0" y="0"/>
-                </a:lnTo>
-                <a:lnTo>
-                  <a:pt x="0" y="1189"/>
-                </a:lnTo>
-                <a:lnTo>
-                  <a:pt x="943" y="1189"/>
-                </a:lnTo>
-                <a:lnTo>
-                  <a:pt x="1123" y="1369"/>
-                </a:lnTo>
-                <a:lnTo>
-                  <a:pt x="1123" y="1369"/>
-                </a:lnTo>
-                <a:lnTo>
-                  <a:pt x="1127" y="1371"/>
-                </a:lnTo>
-                <a:lnTo>
-                  <a:pt x="1133" y="1374"/>
-                </a:lnTo>
-                <a:lnTo>
-                  <a:pt x="1139" y="1377"/>
-                </a:lnTo>
-                <a:lnTo>
-                  <a:pt x="1144" y="1377"/>
-                </a:lnTo>
-                <a:lnTo>
-                  <a:pt x="1150" y="1377"/>
-                </a:lnTo>
-                <a:lnTo>
-                  <a:pt x="1155" y="1374"/>
-                </a:lnTo>
-                <a:lnTo>
-                  <a:pt x="1161" y="1371"/>
-                </a:lnTo>
-                <a:lnTo>
-                  <a:pt x="1165" y="1369"/>
-                </a:lnTo>
-                <a:lnTo>
-                  <a:pt x="1345" y="1189"/>
-                </a:lnTo>
-                <a:lnTo>
-                  <a:pt x="5760" y="1189"/>
-                </a:lnTo>
-                <a:lnTo>
-                  <a:pt x="5760" y="0"/>
-                </a:lnTo>
-                <a:close/>
-              </a:path>
-            </a:pathLst>
-          </a:custGeom>
-          <a:ln/>
-          <a:extLst>
-            <a:ext uri="{91240B29-F687-4f45-9708-019B960494DF}">
-              <a14:hiddenLine xmlns:a14="http://schemas.microsoft.com/office/drawing/2010/main" xmlns="" w="9525">
-                <a:solidFill>
-                  <a:srgbClr val="000000"/>
-                </a:solidFill>
-                <a:round/>
-                <a:headEnd/>
-                <a:tailEnd/>
-              </a14:hiddenLine>
-            </a:ext>
-          </a:extLst>
-        </p:spPr>
-        <p:style>
-          <a:lnRef idx="1">
-            <a:schemeClr val="accent1"/>
-          </a:lnRef>
-          <a:fillRef idx="3">
-            <a:schemeClr val="accent1"/>
-          </a:fillRef>
-          <a:effectRef idx="2">
-            <a:schemeClr val="accent1"/>
-          </a:effectRef>
-          <a:fontRef idx="minor">
-            <a:schemeClr val="lt1"/>
-          </a:fontRef>
-        </p:style>
-      </p:sp>
-      <p:sp>
-        <p:nvSpPr>
           <p:cNvPr id="2" name="Title 1"/>
           <p:cNvSpPr>
             <a:spLocks noGrp="1"/>
@@ -3856,7 +4119,7 @@
     </p:spTree>
     <p:extLst>
       <p:ext uri="{BB962C8B-B14F-4D97-AF65-F5344CB8AC3E}">
-        <p14:creationId xmlns:p14="http://schemas.microsoft.com/office/powerpoint/2010/main" val="3744588321"/>
+        <p14:creationId xmlns:p14="http://schemas.microsoft.com/office/powerpoint/2010/main" val="1717828614"/>
       </p:ext>
     </p:extLst>
   </p:cSld>
@@ -3951,7 +4214,7 @@
     </p:spTree>
     <p:extLst>
       <p:ext uri="{BB962C8B-B14F-4D97-AF65-F5344CB8AC3E}">
-        <p14:creationId xmlns:p14="http://schemas.microsoft.com/office/powerpoint/2010/main" val="1534833311"/>
+        <p14:creationId xmlns:p14="http://schemas.microsoft.com/office/powerpoint/2010/main" val="4226730155"/>
       </p:ext>
     </p:extLst>
   </p:cSld>
@@ -3980,222 +4243,6 @@
       </p:grpSpPr>
       <p:sp>
         <p:nvSpPr>
-          <p:cNvPr id="12" name="Freeform 6"/>
-          <p:cNvSpPr>
-            <a:spLocks noChangeAspect="1"/>
-          </p:cNvSpPr>
-          <p:nvPr/>
-        </p:nvSpPr>
-        <p:spPr bwMode="auto">
-          <a:xfrm>
-            <a:off x="1073151" y="446087"/>
-            <a:ext cx="3547533" cy="1814651"/>
-          </a:xfrm>
-          <a:custGeom>
-            <a:avLst/>
-            <a:gdLst/>
-            <a:ahLst/>
-            <a:cxnLst/>
-            <a:rect l="0" t="0" r="r" b="b"/>
-            <a:pathLst>
-              <a:path w="3384" h="2308">
-                <a:moveTo>
-                  <a:pt x="3340" y="0"/>
-                </a:moveTo>
-                <a:lnTo>
-                  <a:pt x="44" y="0"/>
-                </a:lnTo>
-                <a:lnTo>
-                  <a:pt x="44" y="0"/>
-                </a:lnTo>
-                <a:lnTo>
-                  <a:pt x="34" y="0"/>
-                </a:lnTo>
-                <a:lnTo>
-                  <a:pt x="26" y="4"/>
-                </a:lnTo>
-                <a:lnTo>
-                  <a:pt x="20" y="8"/>
-                </a:lnTo>
-                <a:lnTo>
-                  <a:pt x="12" y="12"/>
-                </a:lnTo>
-                <a:lnTo>
-                  <a:pt x="8" y="20"/>
-                </a:lnTo>
-                <a:lnTo>
-                  <a:pt x="4" y="26"/>
-                </a:lnTo>
-                <a:lnTo>
-                  <a:pt x="0" y="34"/>
-                </a:lnTo>
-                <a:lnTo>
-                  <a:pt x="0" y="44"/>
-                </a:lnTo>
-                <a:lnTo>
-                  <a:pt x="0" y="2076"/>
-                </a:lnTo>
-                <a:lnTo>
-                  <a:pt x="0" y="2076"/>
-                </a:lnTo>
-                <a:lnTo>
-                  <a:pt x="0" y="2086"/>
-                </a:lnTo>
-                <a:lnTo>
-                  <a:pt x="4" y="2094"/>
-                </a:lnTo>
-                <a:lnTo>
-                  <a:pt x="8" y="2100"/>
-                </a:lnTo>
-                <a:lnTo>
-                  <a:pt x="12" y="2108"/>
-                </a:lnTo>
-                <a:lnTo>
-                  <a:pt x="20" y="2112"/>
-                </a:lnTo>
-                <a:lnTo>
-                  <a:pt x="26" y="2116"/>
-                </a:lnTo>
-                <a:lnTo>
-                  <a:pt x="34" y="2120"/>
-                </a:lnTo>
-                <a:lnTo>
-                  <a:pt x="44" y="2120"/>
-                </a:lnTo>
-                <a:lnTo>
-                  <a:pt x="474" y="2120"/>
-                </a:lnTo>
-                <a:lnTo>
-                  <a:pt x="650" y="2296"/>
-                </a:lnTo>
-                <a:lnTo>
-                  <a:pt x="650" y="2296"/>
-                </a:lnTo>
-                <a:lnTo>
-                  <a:pt x="656" y="2300"/>
-                </a:lnTo>
-                <a:lnTo>
-                  <a:pt x="664" y="2304"/>
-                </a:lnTo>
-                <a:lnTo>
-                  <a:pt x="672" y="2308"/>
-                </a:lnTo>
-                <a:lnTo>
-                  <a:pt x="680" y="2308"/>
-                </a:lnTo>
-                <a:lnTo>
-                  <a:pt x="688" y="2308"/>
-                </a:lnTo>
-                <a:lnTo>
-                  <a:pt x="696" y="2304"/>
-                </a:lnTo>
-                <a:lnTo>
-                  <a:pt x="704" y="2300"/>
-                </a:lnTo>
-                <a:lnTo>
-                  <a:pt x="710" y="2296"/>
-                </a:lnTo>
-                <a:lnTo>
-                  <a:pt x="886" y="2120"/>
-                </a:lnTo>
-                <a:lnTo>
-                  <a:pt x="3340" y="2120"/>
-                </a:lnTo>
-                <a:lnTo>
-                  <a:pt x="3340" y="2120"/>
-                </a:lnTo>
-                <a:lnTo>
-                  <a:pt x="3350" y="2120"/>
-                </a:lnTo>
-                <a:lnTo>
-                  <a:pt x="3358" y="2116"/>
-                </a:lnTo>
-                <a:lnTo>
-                  <a:pt x="3364" y="2112"/>
-                </a:lnTo>
-                <a:lnTo>
-                  <a:pt x="3372" y="2108"/>
-                </a:lnTo>
-                <a:lnTo>
-                  <a:pt x="3376" y="2100"/>
-                </a:lnTo>
-                <a:lnTo>
-                  <a:pt x="3380" y="2094"/>
-                </a:lnTo>
-                <a:lnTo>
-                  <a:pt x="3384" y="2086"/>
-                </a:lnTo>
-                <a:lnTo>
-                  <a:pt x="3384" y="2076"/>
-                </a:lnTo>
-                <a:lnTo>
-                  <a:pt x="3384" y="44"/>
-                </a:lnTo>
-                <a:lnTo>
-                  <a:pt x="3384" y="44"/>
-                </a:lnTo>
-                <a:lnTo>
-                  <a:pt x="3384" y="34"/>
-                </a:lnTo>
-                <a:lnTo>
-                  <a:pt x="3380" y="26"/>
-                </a:lnTo>
-                <a:lnTo>
-                  <a:pt x="3376" y="20"/>
-                </a:lnTo>
-                <a:lnTo>
-                  <a:pt x="3372" y="12"/>
-                </a:lnTo>
-                <a:lnTo>
-                  <a:pt x="3364" y="8"/>
-                </a:lnTo>
-                <a:lnTo>
-                  <a:pt x="3358" y="4"/>
-                </a:lnTo>
-                <a:lnTo>
-                  <a:pt x="3350" y="0"/>
-                </a:lnTo>
-                <a:lnTo>
-                  <a:pt x="3340" y="0"/>
-                </a:lnTo>
-                <a:lnTo>
-                  <a:pt x="3340" y="0"/>
-                </a:lnTo>
-                <a:close/>
-              </a:path>
-            </a:pathLst>
-          </a:custGeom>
-          <a:ln/>
-          <a:extLst>
-            <a:ext uri="{91240B29-F687-4f45-9708-019B960494DF}">
-              <a14:hiddenLine xmlns:a14="http://schemas.microsoft.com/office/drawing/2010/main" xmlns="" w="9525">
-                <a:solidFill>
-                  <a:srgbClr val="000000"/>
-                </a:solidFill>
-                <a:round/>
-                <a:headEnd/>
-                <a:tailEnd/>
-              </a14:hiddenLine>
-            </a:ext>
-          </a:extLst>
-        </p:spPr>
-        <p:style>
-          <a:lnRef idx="1">
-            <a:schemeClr val="accent1"/>
-          </a:lnRef>
-          <a:fillRef idx="3">
-            <a:schemeClr val="accent1"/>
-          </a:fillRef>
-          <a:effectRef idx="2">
-            <a:schemeClr val="accent1"/>
-          </a:effectRef>
-          <a:fontRef idx="minor">
-            <a:schemeClr val="lt1"/>
-          </a:fontRef>
-        </p:style>
-      </p:sp>
-      <p:sp>
-        <p:nvSpPr>
           <p:cNvPr id="2" name="Title 1"/>
           <p:cNvSpPr>
             <a:spLocks noGrp="1"/>
@@ -4206,15 +4253,17 @@
         </p:nvSpPr>
         <p:spPr>
           <a:xfrm>
-            <a:off x="1073151" y="446088"/>
-            <a:ext cx="3547533" cy="1618396"/>
+            <a:off x="1141411" y="1600200"/>
+            <a:ext cx="3549121" cy="1371600"/>
           </a:xfrm>
         </p:spPr>
         <p:txBody>
-          <a:bodyPr anchor="b"/>
+          <a:bodyPr anchor="b">
+            <a:normAutofit/>
+          </a:bodyPr>
           <a:lstStyle>
             <a:lvl1pPr algn="l">
-              <a:defRPr sz="2000" b="1"/>
+              <a:defRPr sz="2400" b="0"/>
             </a:lvl1pPr>
           </a:lstStyle>
           <a:p>
@@ -4238,75 +4287,105 @@
         </p:nvSpPr>
         <p:spPr>
           <a:xfrm>
-            <a:off x="4855633" y="446088"/>
-            <a:ext cx="6252633" cy="5414963"/>
+            <a:off x="5103812" y="609601"/>
+            <a:ext cx="5943601" cy="5181600"/>
+          </a:xfrm>
+        </p:spPr>
+        <p:txBody>
+          <a:bodyPr anchor="ctr">
+            <a:normAutofit/>
+          </a:bodyPr>
+          <a:lstStyle>
+            <a:lvl1pPr>
+              <a:defRPr sz="2000"/>
+            </a:lvl1pPr>
+            <a:lvl2pPr>
+              <a:defRPr sz="1800"/>
+            </a:lvl2pPr>
+            <a:lvl3pPr>
+              <a:defRPr sz="1600"/>
+            </a:lvl3pPr>
+            <a:lvl4pPr>
+              <a:defRPr sz="1400"/>
+            </a:lvl4pPr>
+            <a:lvl5pPr>
+              <a:defRPr sz="1400"/>
+            </a:lvl5pPr>
+            <a:lvl6pPr>
+              <a:defRPr sz="1400"/>
+            </a:lvl6pPr>
+            <a:lvl7pPr>
+              <a:defRPr sz="1400"/>
+            </a:lvl7pPr>
+            <a:lvl8pPr>
+              <a:defRPr sz="1400"/>
+            </a:lvl8pPr>
+            <a:lvl9pPr>
+              <a:defRPr sz="1400"/>
+            </a:lvl9pPr>
+          </a:lstStyle>
+          <a:p>
+            <a:pPr lvl="0"/>
+            <a:r>
+              <a:rPr lang="en-US"/>
+              <a:t>Click to edit Master text styles</a:t>
+            </a:r>
+          </a:p>
+          <a:p>
+            <a:pPr lvl="1"/>
+            <a:r>
+              <a:rPr lang="en-US"/>
+              <a:t>Second level</a:t>
+            </a:r>
+          </a:p>
+          <a:p>
+            <a:pPr lvl="2"/>
+            <a:r>
+              <a:rPr lang="en-US"/>
+              <a:t>Third level</a:t>
+            </a:r>
+          </a:p>
+          <a:p>
+            <a:pPr lvl="3"/>
+            <a:r>
+              <a:rPr lang="en-US"/>
+              <a:t>Fourth level</a:t>
+            </a:r>
+          </a:p>
+          <a:p>
+            <a:pPr lvl="4"/>
+            <a:r>
+              <a:rPr lang="en-US"/>
+              <a:t>Fifth level</a:t>
+            </a:r>
+            <a:endParaRPr lang="en-US" dirty="0"/>
+          </a:p>
+        </p:txBody>
+      </p:sp>
+      <p:sp>
+        <p:nvSpPr>
+          <p:cNvPr id="4" name="Text Placeholder 3"/>
+          <p:cNvSpPr>
+            <a:spLocks noGrp="1"/>
+          </p:cNvSpPr>
+          <p:nvPr>
+            <p:ph type="body" sz="half" idx="2"/>
+          </p:nvPr>
+        </p:nvSpPr>
+        <p:spPr>
+          <a:xfrm>
+            <a:off x="1141411" y="2971800"/>
+            <a:ext cx="3549121" cy="1828800"/>
           </a:xfrm>
         </p:spPr>
         <p:txBody>
           <a:bodyPr>
             <a:normAutofit/>
           </a:bodyPr>
-          <a:lstStyle/>
-          <a:p>
-            <a:pPr lvl="0"/>
-            <a:r>
-              <a:rPr lang="en-US"/>
-              <a:t>Click to edit Master text styles</a:t>
-            </a:r>
-          </a:p>
-          <a:p>
-            <a:pPr lvl="1"/>
-            <a:r>
-              <a:rPr lang="en-US"/>
-              <a:t>Second level</a:t>
-            </a:r>
-          </a:p>
-          <a:p>
-            <a:pPr lvl="2"/>
-            <a:r>
-              <a:rPr lang="en-US"/>
-              <a:t>Third level</a:t>
-            </a:r>
-          </a:p>
-          <a:p>
-            <a:pPr lvl="3"/>
-            <a:r>
-              <a:rPr lang="en-US"/>
-              <a:t>Fourth level</a:t>
-            </a:r>
-          </a:p>
-          <a:p>
-            <a:pPr lvl="4"/>
-            <a:r>
-              <a:rPr lang="en-US"/>
-              <a:t>Fifth level</a:t>
-            </a:r>
-            <a:endParaRPr lang="en-US" dirty="0"/>
-          </a:p>
-        </p:txBody>
-      </p:sp>
-      <p:sp>
-        <p:nvSpPr>
-          <p:cNvPr id="4" name="Text Placeholder 3"/>
-          <p:cNvSpPr>
-            <a:spLocks noGrp="1"/>
-          </p:cNvSpPr>
-          <p:nvPr>
-            <p:ph type="body" sz="half" idx="2"/>
-          </p:nvPr>
-        </p:nvSpPr>
-        <p:spPr>
-          <a:xfrm>
-            <a:off x="1073151" y="2260738"/>
-            <a:ext cx="3547533" cy="3600311"/>
-          </a:xfrm>
-        </p:spPr>
-        <p:txBody>
-          <a:bodyPr/>
           <a:lstStyle>
             <a:lvl1pPr marL="0" indent="0">
               <a:buNone/>
-              <a:defRPr sz="1400"/>
+              <a:defRPr sz="1600"/>
             </a:lvl1pPr>
             <a:lvl2pPr marL="457200" indent="0">
               <a:buNone/>
@@ -4418,7 +4497,7 @@
     </p:spTree>
     <p:extLst>
       <p:ext uri="{BB962C8B-B14F-4D97-AF65-F5344CB8AC3E}">
-        <p14:creationId xmlns:p14="http://schemas.microsoft.com/office/powerpoint/2010/main" val="3354033300"/>
+        <p14:creationId xmlns:p14="http://schemas.microsoft.com/office/powerpoint/2010/main" val="3644327467"/>
       </p:ext>
     </p:extLst>
   </p:cSld>
@@ -4457,8 +4536,8 @@
         </p:nvSpPr>
         <p:spPr>
           <a:xfrm>
-            <a:off x="814728" y="727522"/>
-            <a:ext cx="4852988" cy="1617163"/>
+            <a:off x="1141411" y="1600200"/>
+            <a:ext cx="5334001" cy="1371600"/>
           </a:xfrm>
         </p:spPr>
         <p:txBody>
@@ -4467,7 +4546,7 @@
           </a:bodyPr>
           <a:lstStyle>
             <a:lvl1pPr algn="l">
-              <a:defRPr sz="2400" b="0"/>
+              <a:defRPr sz="2800" b="0"/>
             </a:lvl1pPr>
           </a:lstStyle>
           <a:p>
@@ -4481,140 +4560,118 @@
       </p:sp>
       <p:sp>
         <p:nvSpPr>
-          <p:cNvPr id="9" name="Picture Placeholder 11"/>
+          <p:cNvPr id="14" name="Picture Placeholder 2"/>
           <p:cNvSpPr>
             <a:spLocks noGrp="1" noChangeAspect="1"/>
           </p:cNvSpPr>
           <p:nvPr>
-            <p:ph type="pic" sz="quarter" idx="13"/>
-          </p:nvPr>
-        </p:nvSpPr>
-        <p:spPr bwMode="auto">
-          <a:xfrm>
-            <a:off x="6098117" y="0"/>
-            <a:ext cx="6093883" cy="6858000"/>
-          </a:xfrm>
-          <a:custGeom>
-            <a:avLst/>
-            <a:gdLst/>
-            <a:ahLst/>
-            <a:cxnLst/>
-            <a:rect l="0" t="0" r="r" b="b"/>
-            <a:pathLst>
-              <a:path w="2879" h="4320">
-                <a:moveTo>
-                  <a:pt x="183" y="0"/>
-                </a:moveTo>
-                <a:lnTo>
-                  <a:pt x="183" y="1197"/>
-                </a:lnTo>
-                <a:lnTo>
-                  <a:pt x="8" y="1372"/>
-                </a:lnTo>
-                <a:lnTo>
-                  <a:pt x="8" y="1372"/>
-                </a:lnTo>
-                <a:lnTo>
-                  <a:pt x="6" y="1376"/>
-                </a:lnTo>
-                <a:lnTo>
-                  <a:pt x="3" y="1382"/>
-                </a:lnTo>
-                <a:lnTo>
-                  <a:pt x="0" y="1387"/>
-                </a:lnTo>
-                <a:lnTo>
-                  <a:pt x="0" y="1393"/>
-                </a:lnTo>
-                <a:lnTo>
-                  <a:pt x="0" y="1399"/>
-                </a:lnTo>
-                <a:lnTo>
-                  <a:pt x="3" y="1404"/>
-                </a:lnTo>
-                <a:lnTo>
-                  <a:pt x="6" y="1410"/>
-                </a:lnTo>
-                <a:lnTo>
-                  <a:pt x="8" y="1414"/>
-                </a:lnTo>
-                <a:lnTo>
-                  <a:pt x="183" y="1589"/>
-                </a:lnTo>
-                <a:lnTo>
-                  <a:pt x="183" y="4320"/>
-                </a:lnTo>
-                <a:lnTo>
-                  <a:pt x="2879" y="4320"/>
-                </a:lnTo>
-                <a:lnTo>
-                  <a:pt x="2879" y="0"/>
-                </a:lnTo>
-                <a:lnTo>
-                  <a:pt x="183" y="0"/>
-                </a:lnTo>
-                <a:close/>
-              </a:path>
-            </a:pathLst>
-          </a:custGeom>
-          <a:noFill/>
-          <a:ln w="9525">
-            <a:solidFill>
-              <a:schemeClr val="tx2"/>
-            </a:solidFill>
-            <a:round/>
-            <a:headEnd/>
-            <a:tailEnd/>
-          </a:ln>
-          <a:effectLst/>
-        </p:spPr>
-        <p:txBody>
-          <a:bodyPr wrap="square" numCol="1" anchor="t" anchorCtr="0" compatLnSpc="1">
-            <a:prstTxWarp prst="textNoShape">
-              <a:avLst/>
-            </a:prstTxWarp>
-            <a:normAutofit/>
-          </a:bodyPr>
-          <a:lstStyle>
-            <a:lvl1pPr algn="ctr">
-              <a:buFontTx/>
-              <a:buNone/>
-              <a:defRPr sz="1400"/>
-            </a:lvl1pPr>
-          </a:lstStyle>
-          <a:p>
-            <a:r>
-              <a:rPr lang="en-US"/>
-              <a:t>Click icon to add picture</a:t>
-            </a:r>
-            <a:endParaRPr lang="en-US" dirty="0"/>
-          </a:p>
-        </p:txBody>
-      </p:sp>
-      <p:sp>
-        <p:nvSpPr>
-          <p:cNvPr id="4" name="Text Placeholder 3"/>
-          <p:cNvSpPr>
-            <a:spLocks noGrp="1"/>
-          </p:cNvSpPr>
-          <p:nvPr>
-            <p:ph type="body" sz="half" idx="2"/>
+            <p:ph type="pic" idx="1"/>
           </p:nvPr>
         </p:nvSpPr>
         <p:spPr>
           <a:xfrm>
-            <a:off x="814728" y="2344684"/>
-            <a:ext cx="4852988" cy="3516365"/>
+            <a:off x="7433733" y="-18288"/>
+            <a:ext cx="3276599" cy="6903720"/>
           </a:xfrm>
+          <a:ln w="38100">
+            <a:gradFill flip="none" rotWithShape="1">
+              <a:gsLst>
+                <a:gs pos="0">
+                  <a:schemeClr val="bg2"/>
+                </a:gs>
+                <a:gs pos="100000">
+                  <a:schemeClr val="bg2">
+                    <a:lumMod val="75000"/>
+                  </a:schemeClr>
+                </a:gs>
+              </a:gsLst>
+              <a:lin ang="5400000" scaled="0"/>
+              <a:tileRect/>
+            </a:gradFill>
+          </a:ln>
+          <a:effectLst>
+            <a:innerShdw blurRad="57150" dist="38100" dir="10800000">
+              <a:srgbClr val="000000">
+                <a:alpha val="70000"/>
+              </a:srgbClr>
+            </a:innerShdw>
+          </a:effectLst>
         </p:spPr>
         <p:txBody>
           <a:bodyPr anchor="t">
             <a:normAutofit/>
           </a:bodyPr>
           <a:lstStyle>
+            <a:lvl1pPr marL="0" indent="0" algn="ctr">
+              <a:buNone/>
+              <a:defRPr sz="1600"/>
+            </a:lvl1pPr>
+            <a:lvl2pPr marL="457200" indent="0">
+              <a:buNone/>
+              <a:defRPr sz="1600"/>
+            </a:lvl2pPr>
+            <a:lvl3pPr marL="914400" indent="0">
+              <a:buNone/>
+              <a:defRPr sz="1600"/>
+            </a:lvl3pPr>
+            <a:lvl4pPr marL="1371600" indent="0">
+              <a:buNone/>
+              <a:defRPr sz="1600"/>
+            </a:lvl4pPr>
+            <a:lvl5pPr marL="1828800" indent="0">
+              <a:buNone/>
+              <a:defRPr sz="1600"/>
+            </a:lvl5pPr>
+            <a:lvl6pPr marL="2286000" indent="0">
+              <a:buNone/>
+              <a:defRPr sz="1600"/>
+            </a:lvl6pPr>
+            <a:lvl7pPr marL="2743200" indent="0">
+              <a:buNone/>
+              <a:defRPr sz="1600"/>
+            </a:lvl7pPr>
+            <a:lvl8pPr marL="3200400" indent="0">
+              <a:buNone/>
+              <a:defRPr sz="1600"/>
+            </a:lvl8pPr>
+            <a:lvl9pPr marL="3657600" indent="0">
+              <a:buNone/>
+              <a:defRPr sz="1600"/>
+            </a:lvl9pPr>
+          </a:lstStyle>
+          <a:p>
+            <a:r>
+              <a:rPr lang="en-US"/>
+              <a:t>Click icon to add picture</a:t>
+            </a:r>
+            <a:endParaRPr lang="en-US" dirty="0"/>
+          </a:p>
+        </p:txBody>
+      </p:sp>
+      <p:sp>
+        <p:nvSpPr>
+          <p:cNvPr id="4" name="Text Placeholder 3"/>
+          <p:cNvSpPr>
+            <a:spLocks noGrp="1"/>
+          </p:cNvSpPr>
+          <p:nvPr>
+            <p:ph type="body" sz="half" idx="2"/>
+          </p:nvPr>
+        </p:nvSpPr>
+        <p:spPr>
+          <a:xfrm>
+            <a:off x="1141411" y="2971800"/>
+            <a:ext cx="5334001" cy="1828800"/>
+          </a:xfrm>
+        </p:spPr>
+        <p:txBody>
+          <a:bodyPr>
+            <a:normAutofit/>
+          </a:bodyPr>
+          <a:lstStyle>
             <a:lvl1pPr marL="0" indent="0">
               <a:buNone/>
-              <a:defRPr sz="1200"/>
+              <a:defRPr sz="1800"/>
             </a:lvl1pPr>
             <a:lvl2pPr marL="457200" indent="0">
               <a:buNone/>
@@ -4670,8 +4727,8 @@
         </p:nvSpPr>
         <p:spPr>
           <a:xfrm>
-            <a:off x="3885810" y="6041362"/>
-            <a:ext cx="976879" cy="365125"/>
+            <a:off x="6399212" y="5883275"/>
+            <a:ext cx="914400" cy="365125"/>
           </a:xfrm>
         </p:spPr>
         <p:txBody>
@@ -4698,8 +4755,8 @@
         </p:nvSpPr>
         <p:spPr>
           <a:xfrm>
-            <a:off x="590396" y="6041362"/>
-            <a:ext cx="3295413" cy="365125"/>
+            <a:off x="1141412" y="5883275"/>
+            <a:ext cx="5105400" cy="365125"/>
           </a:xfrm>
         </p:spPr>
         <p:txBody>
@@ -4722,8 +4779,8 @@
         </p:nvSpPr>
         <p:spPr>
           <a:xfrm>
-            <a:off x="4862689" y="5915888"/>
-            <a:ext cx="1062155" cy="490599"/>
+            <a:off x="10742612" y="5883275"/>
+            <a:ext cx="322567" cy="365125"/>
           </a:xfrm>
         </p:spPr>
         <p:txBody>
@@ -4741,7 +4798,7 @@
     </p:spTree>
     <p:extLst>
       <p:ext uri="{BB962C8B-B14F-4D97-AF65-F5344CB8AC3E}">
-        <p14:creationId xmlns:p14="http://schemas.microsoft.com/office/powerpoint/2010/main" val="3913614731"/>
+        <p14:creationId xmlns:p14="http://schemas.microsoft.com/office/powerpoint/2010/main" val="1275608632"/>
       </p:ext>
     </p:extLst>
   </p:cSld>
@@ -4755,7 +4812,7 @@
 <p:sldMaster xmlns:a="http://schemas.openxmlformats.org/drawingml/2006/main" xmlns:r="http://schemas.openxmlformats.org/officeDocument/2006/relationships" xmlns:p="http://schemas.openxmlformats.org/presentationml/2006/main">
   <p:cSld>
     <p:bg>
-      <p:bgRef idx="1001">
+      <p:bgRef idx="1003">
         <a:schemeClr val="bg2"/>
       </p:bgRef>
     </p:bg>
@@ -4785,165 +4842,126 @@
         </p:nvSpPr>
         <p:spPr>
           <a:xfrm>
-            <a:off x="810000" y="447188"/>
-            <a:ext cx="10571998" cy="970450"/>
-          </a:xfrm>
-          <a:prstGeom prst="rect">
-            <a:avLst/>
-          </a:prstGeom>
-          <a:effectLst>
-            <a:outerShdw blurRad="50800" dir="14400000">
-              <a:srgbClr val="000000">
-                <a:alpha val="60000"/>
-              </a:srgbClr>
-            </a:outerShdw>
-          </a:effectLst>
-        </p:spPr>
-        <p:txBody>
-          <a:bodyPr vert="horz" lIns="91440" tIns="45720" rIns="91440" bIns="45720" rtlCol="0" anchor="b">
-            <a:noAutofit/>
-          </a:bodyPr>
-          <a:lstStyle/>
-          <a:p>
-            <a:r>
-              <a:rPr lang="en-US"/>
-              <a:t>Click to edit Master title style</a:t>
-            </a:r>
-            <a:endParaRPr lang="en-US" dirty="0"/>
-          </a:p>
-        </p:txBody>
-      </p:sp>
-      <p:sp>
-        <p:nvSpPr>
-          <p:cNvPr id="3" name="Text Placeholder 2"/>
-          <p:cNvSpPr>
-            <a:spLocks noGrp="1"/>
-          </p:cNvSpPr>
-          <p:nvPr>
-            <p:ph type="body" idx="1"/>
-          </p:nvPr>
-        </p:nvSpPr>
-        <p:spPr>
-          <a:xfrm>
-            <a:off x="810000" y="2184401"/>
-            <a:ext cx="10563285" cy="3674397"/>
-          </a:xfrm>
-          <a:prstGeom prst="rect">
-            <a:avLst/>
-          </a:prstGeom>
-          <a:effectLst>
-            <a:outerShdw blurRad="50800" dir="14400000">
-              <a:srgbClr val="000000">
-                <a:alpha val="40000"/>
-              </a:srgbClr>
-            </a:outerShdw>
-          </a:effectLst>
-        </p:spPr>
-        <p:txBody>
-          <a:bodyPr vert="horz" lIns="91440" tIns="45720" rIns="91440" bIns="45720" rtlCol="0" anchor="ctr">
-            <a:normAutofit/>
-          </a:bodyPr>
-          <a:lstStyle/>
-          <a:p>
-            <a:pPr lvl="0"/>
-            <a:r>
-              <a:rPr lang="en-US"/>
-              <a:t>Click to edit Master text styles</a:t>
-            </a:r>
-          </a:p>
-          <a:p>
-            <a:pPr lvl="1"/>
-            <a:r>
-              <a:rPr lang="en-US"/>
-              <a:t>Second level</a:t>
-            </a:r>
-          </a:p>
-          <a:p>
-            <a:pPr lvl="2"/>
-            <a:r>
-              <a:rPr lang="en-US"/>
-              <a:t>Third level</a:t>
-            </a:r>
-          </a:p>
-          <a:p>
-            <a:pPr lvl="3"/>
-            <a:r>
-              <a:rPr lang="en-US"/>
-              <a:t>Fourth level</a:t>
-            </a:r>
-          </a:p>
-          <a:p>
-            <a:pPr lvl="4"/>
-            <a:r>
-              <a:rPr lang="en-US"/>
-              <a:t>Fifth level</a:t>
-            </a:r>
-            <a:endParaRPr lang="en-US" dirty="0"/>
-          </a:p>
-        </p:txBody>
-      </p:sp>
-      <p:sp>
-        <p:nvSpPr>
-          <p:cNvPr id="5" name="Footer Placeholder 4"/>
-          <p:cNvSpPr>
-            <a:spLocks noGrp="1"/>
-          </p:cNvSpPr>
-          <p:nvPr>
-            <p:ph type="ftr" sz="quarter" idx="3"/>
-          </p:nvPr>
-        </p:nvSpPr>
-        <p:spPr>
-          <a:xfrm>
-            <a:off x="451514" y="6041362"/>
-            <a:ext cx="8644320" cy="365125"/>
+            <a:off x="1141413" y="609600"/>
+            <a:ext cx="9905998" cy="1905000"/>
           </a:xfrm>
           <a:prstGeom prst="rect">
             <a:avLst/>
           </a:prstGeom>
         </p:spPr>
         <p:txBody>
-          <a:bodyPr vert="horz" lIns="91440" tIns="45720" rIns="91440" bIns="45720" rtlCol="0" anchor="b"/>
-          <a:lstStyle>
-            <a:lvl1pPr algn="l">
-              <a:defRPr sz="900">
-                <a:solidFill>
-                  <a:schemeClr val="tx1"/>
-                </a:solidFill>
-              </a:defRPr>
-            </a:lvl1pPr>
-          </a:lstStyle>
-          <a:p>
-            <a:endParaRPr lang="en-IN"/>
-          </a:p>
-        </p:txBody>
-      </p:sp>
-      <p:sp>
-        <p:nvSpPr>
-          <p:cNvPr id="4" name="Date Placeholder 3"/>
-          <p:cNvSpPr>
-            <a:spLocks noGrp="1"/>
-          </p:cNvSpPr>
-          <p:nvPr>
-            <p:ph type="dt" sz="half" idx="2"/>
+          <a:bodyPr vert="horz" lIns="91440" tIns="45720" rIns="91440" bIns="45720" rtlCol="0" anchor="ctr">
+            <a:normAutofit/>
+          </a:bodyPr>
+          <a:lstStyle/>
+          <a:p>
+            <a:r>
+              <a:rPr lang="en-US"/>
+              <a:t>Click to edit Master title style</a:t>
+            </a:r>
+            <a:endParaRPr lang="en-US" dirty="0"/>
+          </a:p>
+        </p:txBody>
+      </p:sp>
+      <p:sp>
+        <p:nvSpPr>
+          <p:cNvPr id="3" name="Text Placeholder 2"/>
+          <p:cNvSpPr>
+            <a:spLocks noGrp="1"/>
+          </p:cNvSpPr>
+          <p:nvPr>
+            <p:ph type="body" idx="1"/>
           </p:nvPr>
         </p:nvSpPr>
         <p:spPr>
           <a:xfrm>
-            <a:off x="9334626" y="6041362"/>
-            <a:ext cx="1343706" cy="365125"/>
+            <a:off x="1141413" y="2666999"/>
+            <a:ext cx="9905998" cy="3124201"/>
           </a:xfrm>
           <a:prstGeom prst="rect">
             <a:avLst/>
           </a:prstGeom>
         </p:spPr>
         <p:txBody>
-          <a:bodyPr vert="horz" lIns="91440" tIns="45720" rIns="91440" bIns="45720" rtlCol="0" anchor="b"/>
+          <a:bodyPr vert="horz" lIns="91440" tIns="45720" rIns="91440" bIns="45720" rtlCol="0" anchor="ctr">
+            <a:normAutofit/>
+          </a:bodyPr>
+          <a:lstStyle/>
+          <a:p>
+            <a:pPr lvl="0"/>
+            <a:r>
+              <a:rPr lang="en-US"/>
+              <a:t>Click to edit Master text styles</a:t>
+            </a:r>
+          </a:p>
+          <a:p>
+            <a:pPr lvl="1"/>
+            <a:r>
+              <a:rPr lang="en-US"/>
+              <a:t>Second level</a:t>
+            </a:r>
+          </a:p>
+          <a:p>
+            <a:pPr lvl="2"/>
+            <a:r>
+              <a:rPr lang="en-US"/>
+              <a:t>Third level</a:t>
+            </a:r>
+          </a:p>
+          <a:p>
+            <a:pPr lvl="3"/>
+            <a:r>
+              <a:rPr lang="en-US"/>
+              <a:t>Fourth level</a:t>
+            </a:r>
+          </a:p>
+          <a:p>
+            <a:pPr lvl="4"/>
+            <a:r>
+              <a:rPr lang="en-US"/>
+              <a:t>Fifth level</a:t>
+            </a:r>
+            <a:endParaRPr lang="en-US" dirty="0"/>
+          </a:p>
+        </p:txBody>
+      </p:sp>
+      <p:sp>
+        <p:nvSpPr>
+          <p:cNvPr id="4" name="Date Placeholder 3"/>
+          <p:cNvSpPr>
+            <a:spLocks noGrp="1"/>
+          </p:cNvSpPr>
+          <p:nvPr>
+            <p:ph type="dt" sz="half" idx="2"/>
+          </p:nvPr>
+        </p:nvSpPr>
+        <p:spPr>
+          <a:xfrm>
+            <a:off x="8837612" y="5883275"/>
+            <a:ext cx="1600200" cy="365125"/>
+          </a:xfrm>
+          <a:prstGeom prst="rect">
+            <a:avLst/>
+          </a:prstGeom>
+        </p:spPr>
+        <p:txBody>
+          <a:bodyPr vert="horz" lIns="91440" tIns="45720" rIns="91440" bIns="45720" rtlCol="0" anchor="ctr"/>
           <a:lstStyle>
             <a:lvl1pPr algn="r">
-              <a:defRPr sz="900">
-                <a:solidFill>
-                  <a:schemeClr val="tx1"/>
-                </a:solidFill>
+              <a:defRPr sz="900" b="1" i="0">
+                <a:solidFill>
+                  <a:schemeClr val="tx1">
+                    <a:lumMod val="75000"/>
+                  </a:schemeClr>
+                </a:solidFill>
+                <a:effectLst>
+                  <a:outerShdw blurRad="50800" dist="38100" dir="2700000" algn="tl" rotWithShape="0">
+                    <a:srgbClr val="000000">
+                      <a:alpha val="43000"/>
+                    </a:srgbClr>
+                  </a:outerShdw>
+                </a:effectLst>
+                <a:latin typeface="+mn-lt"/>
               </a:defRPr>
             </a:lvl1pPr>
           </a:lstStyle>
@@ -4958,31 +4976,86 @@
       </p:sp>
       <p:sp>
         <p:nvSpPr>
-          <p:cNvPr id="6" name="Slide Number Placeholder 5"/>
-          <p:cNvSpPr>
-            <a:spLocks noGrp="1"/>
-          </p:cNvSpPr>
-          <p:nvPr>
-            <p:ph type="sldNum" sz="quarter" idx="4"/>
+          <p:cNvPr id="5" name="Footer Placeholder 4"/>
+          <p:cNvSpPr>
+            <a:spLocks noGrp="1"/>
+          </p:cNvSpPr>
+          <p:nvPr>
+            <p:ph type="ftr" sz="quarter" idx="3"/>
           </p:nvPr>
         </p:nvSpPr>
         <p:spPr>
           <a:xfrm>
-            <a:off x="10678331" y="5915888"/>
-            <a:ext cx="1062155" cy="490599"/>
+            <a:off x="1141412" y="5883275"/>
+            <a:ext cx="7543800" cy="365125"/>
           </a:xfrm>
           <a:prstGeom prst="rect">
             <a:avLst/>
           </a:prstGeom>
         </p:spPr>
         <p:txBody>
-          <a:bodyPr vert="horz" lIns="91440" tIns="45720" rIns="91440" bIns="10800" rtlCol="0" anchor="b"/>
+          <a:bodyPr vert="horz" lIns="91440" tIns="45720" rIns="91440" bIns="45720" rtlCol="0" anchor="ctr"/>
+          <a:lstStyle>
+            <a:lvl1pPr algn="l">
+              <a:defRPr sz="900" b="1" i="0">
+                <a:solidFill>
+                  <a:schemeClr val="tx1">
+                    <a:lumMod val="75000"/>
+                  </a:schemeClr>
+                </a:solidFill>
+                <a:effectLst>
+                  <a:outerShdw blurRad="50800" dist="38100" dir="2700000" algn="tl" rotWithShape="0">
+                    <a:srgbClr val="000000">
+                      <a:alpha val="43000"/>
+                    </a:srgbClr>
+                  </a:outerShdw>
+                </a:effectLst>
+                <a:latin typeface="+mn-lt"/>
+              </a:defRPr>
+            </a:lvl1pPr>
+          </a:lstStyle>
+          <a:p>
+            <a:endParaRPr lang="en-IN"/>
+          </a:p>
+        </p:txBody>
+      </p:sp>
+      <p:sp>
+        <p:nvSpPr>
+          <p:cNvPr id="6" name="Slide Number Placeholder 5"/>
+          <p:cNvSpPr>
+            <a:spLocks noGrp="1"/>
+          </p:cNvSpPr>
+          <p:nvPr>
+            <p:ph type="sldNum" sz="quarter" idx="4"/>
+          </p:nvPr>
+        </p:nvSpPr>
+        <p:spPr>
+          <a:xfrm>
+            <a:off x="10514012" y="5883275"/>
+            <a:ext cx="551167" cy="365125"/>
+          </a:xfrm>
+          <a:prstGeom prst="rect">
+            <a:avLst/>
+          </a:prstGeom>
+        </p:spPr>
+        <p:txBody>
+          <a:bodyPr vert="horz" lIns="91440" tIns="45720" rIns="91440" bIns="45720" rtlCol="0" anchor="ctr"/>
           <a:lstStyle>
             <a:lvl1pPr algn="r">
-              <a:defRPr sz="2000">
-                <a:solidFill>
-                  <a:schemeClr val="accent1"/>
-                </a:solidFill>
+              <a:defRPr sz="900" b="1" i="0">
+                <a:solidFill>
+                  <a:schemeClr val="tx1">
+                    <a:lumMod val="75000"/>
+                  </a:schemeClr>
+                </a:solidFill>
+                <a:effectLst>
+                  <a:outerShdw blurRad="50800" dist="38100" dir="2700000" algn="tl" rotWithShape="0">
+                    <a:srgbClr val="000000">
+                      <a:alpha val="43000"/>
+                    </a:srgbClr>
+                  </a:outerShdw>
+                </a:effectLst>
+                <a:latin typeface="+mn-lt"/>
               </a:defRPr>
             </a:lvl1pPr>
           </a:lstStyle>
@@ -4998,26 +5071,29 @@
     </p:spTree>
     <p:extLst>
       <p:ext uri="{BB962C8B-B14F-4D97-AF65-F5344CB8AC3E}">
-        <p14:creationId xmlns:p14="http://schemas.microsoft.com/office/powerpoint/2010/main" val="1943100110"/>
+        <p14:creationId xmlns:p14="http://schemas.microsoft.com/office/powerpoint/2010/main" val="2584177654"/>
       </p:ext>
     </p:extLst>
   </p:cSld>
   <p:clrMap bg1="dk1" tx1="lt1" bg2="dk2" tx2="lt2" accent1="accent1" accent2="accent2" accent3="accent3" accent4="accent4" accent5="accent5" accent6="accent6" hlink="hlink" folHlink="folHlink"/>
   <p:sldLayoutIdLst>
-    <p:sldLayoutId id="2147483742" r:id="rId1"/>
-    <p:sldLayoutId id="2147483743" r:id="rId2"/>
-    <p:sldLayoutId id="2147483744" r:id="rId3"/>
-    <p:sldLayoutId id="2147483745" r:id="rId4"/>
-    <p:sldLayoutId id="2147483746" r:id="rId5"/>
-    <p:sldLayoutId id="2147483747" r:id="rId6"/>
-    <p:sldLayoutId id="2147483748" r:id="rId7"/>
-    <p:sldLayoutId id="2147483749" r:id="rId8"/>
-    <p:sldLayoutId id="2147483750" r:id="rId9"/>
-    <p:sldLayoutId id="2147483751" r:id="rId10"/>
-    <p:sldLayoutId id="2147483752" r:id="rId11"/>
-    <p:sldLayoutId id="2147483753" r:id="rId12"/>
-    <p:sldLayoutId id="2147483754" r:id="rId13"/>
-    <p:sldLayoutId id="2147483755" r:id="rId14"/>
+    <p:sldLayoutId id="2147483757" r:id="rId1"/>
+    <p:sldLayoutId id="2147483758" r:id="rId2"/>
+    <p:sldLayoutId id="2147483759" r:id="rId3"/>
+    <p:sldLayoutId id="2147483760" r:id="rId4"/>
+    <p:sldLayoutId id="2147483761" r:id="rId5"/>
+    <p:sldLayoutId id="2147483762" r:id="rId6"/>
+    <p:sldLayoutId id="2147483763" r:id="rId7"/>
+    <p:sldLayoutId id="2147483764" r:id="rId8"/>
+    <p:sldLayoutId id="2147483765" r:id="rId9"/>
+    <p:sldLayoutId id="2147483766" r:id="rId10"/>
+    <p:sldLayoutId id="2147483767" r:id="rId11"/>
+    <p:sldLayoutId id="2147483768" r:id="rId12"/>
+    <p:sldLayoutId id="2147483769" r:id="rId13"/>
+    <p:sldLayoutId id="2147483770" r:id="rId14"/>
+    <p:sldLayoutId id="2147483771" r:id="rId15"/>
+    <p:sldLayoutId id="2147483772" r:id="rId16"/>
+    <p:sldLayoutId id="2147483773" r:id="rId17"/>
   </p:sldLayoutIdLst>
   <p:txStyles>
     <p:titleStyle>
@@ -5026,10 +5102,38 @@
           <a:spcPct val="0"/>
         </a:spcBef>
         <a:buNone/>
-        <a:defRPr sz="4000" b="1" kern="1200">
-          <a:solidFill>
-            <a:srgbClr val="FEFEFE"/>
-          </a:solidFill>
+        <a:defRPr sz="3200" kern="1200" cap="all">
+          <a:ln w="3175" cmpd="sng">
+            <a:noFill/>
+          </a:ln>
+          <a:gradFill flip="none" rotWithShape="1">
+            <a:gsLst>
+              <a:gs pos="0">
+                <a:schemeClr val="tx1"/>
+              </a:gs>
+              <a:gs pos="100000">
+                <a:schemeClr val="tx1">
+                  <a:lumMod val="65000"/>
+                </a:schemeClr>
+              </a:gs>
+            </a:gsLst>
+            <a:lin ang="5580000" scaled="0"/>
+            <a:tileRect/>
+          </a:gradFill>
+          <a:effectLst>
+            <a:glow rad="38100">
+              <a:schemeClr val="bg1">
+                <a:lumMod val="65000"/>
+                <a:lumOff val="35000"/>
+                <a:alpha val="40000"/>
+              </a:schemeClr>
+            </a:glow>
+            <a:outerShdw blurRad="28575" dist="38100" dir="14040000" algn="tl" rotWithShape="0">
+              <a:srgbClr val="000000">
+                <a:alpha val="25000"/>
+              </a:srgbClr>
+            </a:outerShdw>
+          </a:effectLst>
           <a:latin typeface="+mj-lt"/>
           <a:ea typeface="+mj-ea"/>
           <a:cs typeface="+mj-cs"/>
@@ -5093,7 +5197,7 @@
       </a:lvl9pPr>
     </p:titleStyle>
     <p:bodyStyle>
-      <a:lvl1pPr marL="342900" indent="-342900" algn="l" defTabSz="457200" rtl="0" eaLnBrk="1" latinLnBrk="0" hangingPunct="1">
+      <a:lvl1pPr marL="285750" indent="-285750" algn="l" defTabSz="457200" rtl="0" eaLnBrk="1" latinLnBrk="0" hangingPunct="1">
         <a:spcBef>
           <a:spcPct val="20000"/>
         </a:spcBef>
@@ -5101,14 +5205,40 @@
           <a:spcPts val="600"/>
         </a:spcAft>
         <a:buClr>
-          <a:schemeClr val="accent1"/>
+          <a:schemeClr val="tx1"/>
         </a:buClr>
-        <a:buFont typeface="Wingdings 2" charset="2"/>
-        <a:buChar char=""/>
-        <a:defRPr sz="1800" kern="1200">
-          <a:solidFill>
-            <a:schemeClr val="tx1"/>
-          </a:solidFill>
+        <a:buSzPct val="100000"/>
+        <a:buFont typeface="Arial"/>
+        <a:buChar char="•"/>
+        <a:defRPr sz="2000" kern="1200" cap="small">
+          <a:gradFill flip="none" rotWithShape="1">
+            <a:gsLst>
+              <a:gs pos="0">
+                <a:schemeClr val="tx1"/>
+              </a:gs>
+              <a:gs pos="100000">
+                <a:schemeClr val="tx1">
+                  <a:lumMod val="75000"/>
+                </a:schemeClr>
+              </a:gs>
+            </a:gsLst>
+            <a:lin ang="5580000" scaled="0"/>
+            <a:tileRect/>
+          </a:gradFill>
+          <a:effectLst>
+            <a:glow rad="38100">
+              <a:schemeClr val="bg1">
+                <a:lumMod val="50000"/>
+                <a:lumOff val="50000"/>
+                <a:alpha val="20000"/>
+              </a:schemeClr>
+            </a:glow>
+            <a:outerShdw blurRad="44450" dist="12700" dir="13860000" algn="tl" rotWithShape="0">
+              <a:srgbClr val="000000">
+                <a:alpha val="20000"/>
+              </a:srgbClr>
+            </a:outerShdw>
+          </a:effectLst>
           <a:latin typeface="+mn-lt"/>
           <a:ea typeface="+mn-ea"/>
           <a:cs typeface="+mn-cs"/>
@@ -5122,20 +5252,46 @@
           <a:spcPts val="600"/>
         </a:spcAft>
         <a:buClr>
-          <a:schemeClr val="accent1"/>
+          <a:schemeClr val="tx1"/>
         </a:buClr>
-        <a:buFont typeface="Wingdings 2" charset="2"/>
-        <a:buChar char=""/>
-        <a:defRPr sz="1600" kern="1200">
-          <a:solidFill>
-            <a:schemeClr val="tx1"/>
-          </a:solidFill>
+        <a:buSzPct val="100000"/>
+        <a:buFont typeface="Arial"/>
+        <a:buChar char="•"/>
+        <a:defRPr sz="1800" kern="1200" cap="small">
+          <a:gradFill flip="none" rotWithShape="1">
+            <a:gsLst>
+              <a:gs pos="0">
+                <a:schemeClr val="tx1"/>
+              </a:gs>
+              <a:gs pos="100000">
+                <a:schemeClr val="tx1">
+                  <a:lumMod val="75000"/>
+                </a:schemeClr>
+              </a:gs>
+            </a:gsLst>
+            <a:lin ang="5580000" scaled="0"/>
+            <a:tileRect/>
+          </a:gradFill>
+          <a:effectLst>
+            <a:glow rad="38100">
+              <a:schemeClr val="bg1">
+                <a:lumMod val="50000"/>
+                <a:lumOff val="50000"/>
+                <a:alpha val="20000"/>
+              </a:schemeClr>
+            </a:glow>
+            <a:outerShdw blurRad="44450" dist="12700" dir="13860000" algn="tl" rotWithShape="0">
+              <a:srgbClr val="000000">
+                <a:alpha val="20000"/>
+              </a:srgbClr>
+            </a:outerShdw>
+          </a:effectLst>
           <a:latin typeface="+mn-lt"/>
           <a:ea typeface="+mn-ea"/>
           <a:cs typeface="+mn-cs"/>
         </a:defRPr>
       </a:lvl2pPr>
-      <a:lvl3pPr marL="1143000" indent="-228600" algn="l" defTabSz="457200" rtl="0" eaLnBrk="1" latinLnBrk="0" hangingPunct="1">
+      <a:lvl3pPr marL="1200150" indent="-285750" algn="l" defTabSz="457200" rtl="0" eaLnBrk="1" latinLnBrk="0" hangingPunct="1">
         <a:spcBef>
           <a:spcPct val="20000"/>
         </a:spcBef>
@@ -5143,20 +5299,46 @@
           <a:spcPts val="600"/>
         </a:spcAft>
         <a:buClr>
-          <a:schemeClr val="accent1"/>
+          <a:schemeClr val="tx1"/>
         </a:buClr>
-        <a:buFont typeface="Wingdings 2" charset="2"/>
-        <a:buChar char=""/>
-        <a:defRPr sz="1400" kern="1200">
-          <a:solidFill>
-            <a:schemeClr val="tx1"/>
-          </a:solidFill>
+        <a:buSzPct val="100000"/>
+        <a:buFont typeface="Arial"/>
+        <a:buChar char="•"/>
+        <a:defRPr sz="1600" kern="1200" cap="small">
+          <a:gradFill flip="none" rotWithShape="1">
+            <a:gsLst>
+              <a:gs pos="0">
+                <a:schemeClr val="tx1"/>
+              </a:gs>
+              <a:gs pos="100000">
+                <a:schemeClr val="tx1">
+                  <a:lumMod val="75000"/>
+                </a:schemeClr>
+              </a:gs>
+            </a:gsLst>
+            <a:lin ang="5580000" scaled="0"/>
+            <a:tileRect/>
+          </a:gradFill>
+          <a:effectLst>
+            <a:glow rad="38100">
+              <a:schemeClr val="bg1">
+                <a:lumMod val="50000"/>
+                <a:lumOff val="50000"/>
+                <a:alpha val="20000"/>
+              </a:schemeClr>
+            </a:glow>
+            <a:outerShdw blurRad="44450" dist="12700" dir="13860000" algn="tl" rotWithShape="0">
+              <a:srgbClr val="000000">
+                <a:alpha val="20000"/>
+              </a:srgbClr>
+            </a:outerShdw>
+          </a:effectLst>
           <a:latin typeface="+mn-lt"/>
           <a:ea typeface="+mn-ea"/>
           <a:cs typeface="+mn-cs"/>
         </a:defRPr>
       </a:lvl3pPr>
-      <a:lvl4pPr marL="1600200" indent="-228600" algn="l" defTabSz="457200" rtl="0" eaLnBrk="1" latinLnBrk="0" hangingPunct="1">
+      <a:lvl4pPr marL="1543050" indent="-171450" algn="l" defTabSz="457200" rtl="0" eaLnBrk="1" latinLnBrk="0" hangingPunct="1">
         <a:spcBef>
           <a:spcPct val="20000"/>
         </a:spcBef>
@@ -5164,20 +5346,46 @@
           <a:spcPts val="600"/>
         </a:spcAft>
         <a:buClr>
-          <a:schemeClr val="accent1"/>
+          <a:schemeClr val="tx1"/>
         </a:buClr>
-        <a:buFont typeface="Wingdings 2" charset="2"/>
-        <a:buChar char=""/>
-        <a:defRPr sz="1200" kern="1200">
-          <a:solidFill>
-            <a:schemeClr val="tx1"/>
-          </a:solidFill>
+        <a:buSzPct val="100000"/>
+        <a:buFont typeface="Arial"/>
+        <a:buChar char="•"/>
+        <a:defRPr sz="1400" kern="1200" cap="small">
+          <a:gradFill flip="none" rotWithShape="1">
+            <a:gsLst>
+              <a:gs pos="0">
+                <a:schemeClr val="tx1"/>
+              </a:gs>
+              <a:gs pos="100000">
+                <a:schemeClr val="tx1">
+                  <a:lumMod val="75000"/>
+                </a:schemeClr>
+              </a:gs>
+            </a:gsLst>
+            <a:lin ang="5580000" scaled="0"/>
+            <a:tileRect/>
+          </a:gradFill>
+          <a:effectLst>
+            <a:glow rad="38100">
+              <a:schemeClr val="bg1">
+                <a:lumMod val="50000"/>
+                <a:lumOff val="50000"/>
+                <a:alpha val="20000"/>
+              </a:schemeClr>
+            </a:glow>
+            <a:outerShdw blurRad="44450" dist="12700" dir="13860000" algn="tl" rotWithShape="0">
+              <a:srgbClr val="000000">
+                <a:alpha val="20000"/>
+              </a:srgbClr>
+            </a:outerShdw>
+          </a:effectLst>
           <a:latin typeface="+mn-lt"/>
           <a:ea typeface="+mn-ea"/>
           <a:cs typeface="+mn-cs"/>
         </a:defRPr>
       </a:lvl4pPr>
-      <a:lvl5pPr marL="2057400" indent="-228600" algn="l" defTabSz="457200" rtl="0" eaLnBrk="1" latinLnBrk="0" hangingPunct="1">
+      <a:lvl5pPr marL="2000250" indent="-171450" algn="l" defTabSz="457200" rtl="0" eaLnBrk="1" latinLnBrk="0" hangingPunct="1">
         <a:spcBef>
           <a:spcPct val="20000"/>
         </a:spcBef>
@@ -5185,20 +5393,46 @@
           <a:spcPts val="600"/>
         </a:spcAft>
         <a:buClr>
-          <a:schemeClr val="accent1"/>
+          <a:schemeClr val="tx1"/>
         </a:buClr>
-        <a:buFont typeface="Wingdings 2" charset="2"/>
-        <a:buChar char=""/>
-        <a:defRPr sz="1200" kern="1200">
-          <a:solidFill>
-            <a:schemeClr val="tx1"/>
-          </a:solidFill>
+        <a:buSzPct val="100000"/>
+        <a:buFont typeface="Arial"/>
+        <a:buChar char="•"/>
+        <a:defRPr sz="1400" kern="1200" cap="small">
+          <a:gradFill flip="none" rotWithShape="1">
+            <a:gsLst>
+              <a:gs pos="0">
+                <a:schemeClr val="tx1"/>
+              </a:gs>
+              <a:gs pos="100000">
+                <a:schemeClr val="tx1">
+                  <a:lumMod val="75000"/>
+                </a:schemeClr>
+              </a:gs>
+            </a:gsLst>
+            <a:lin ang="5580000" scaled="0"/>
+            <a:tileRect/>
+          </a:gradFill>
+          <a:effectLst>
+            <a:glow rad="38100">
+              <a:schemeClr val="bg1">
+                <a:lumMod val="50000"/>
+                <a:lumOff val="50000"/>
+                <a:alpha val="20000"/>
+              </a:schemeClr>
+            </a:glow>
+            <a:outerShdw blurRad="44450" dist="12700" dir="13860000" algn="tl" rotWithShape="0">
+              <a:srgbClr val="000000">
+                <a:alpha val="20000"/>
+              </a:srgbClr>
+            </a:outerShdw>
+          </a:effectLst>
           <a:latin typeface="+mn-lt"/>
           <a:ea typeface="+mn-ea"/>
           <a:cs typeface="+mn-cs"/>
         </a:defRPr>
       </a:lvl5pPr>
-      <a:lvl6pPr marL="2400000" indent="-228600" algn="l" defTabSz="457200" rtl="0" eaLnBrk="1" latinLnBrk="0" hangingPunct="1">
+      <a:lvl6pPr marL="2514600" indent="-228600" algn="l" defTabSz="457200" rtl="0" eaLnBrk="1" latinLnBrk="0" hangingPunct="1">
         <a:spcBef>
           <a:spcPct val="20000"/>
         </a:spcBef>
@@ -5206,20 +5440,46 @@
           <a:spcPts val="600"/>
         </a:spcAft>
         <a:buClr>
-          <a:schemeClr val="accent1"/>
+          <a:schemeClr val="tx1"/>
         </a:buClr>
-        <a:buFont typeface="Wingdings 2" charset="2"/>
-        <a:buChar char=""/>
-        <a:defRPr sz="1200" kern="1200">
-          <a:solidFill>
-            <a:schemeClr val="tx1"/>
-          </a:solidFill>
+        <a:buSzPct val="100000"/>
+        <a:buFont typeface="Arial"/>
+        <a:buChar char="•"/>
+        <a:defRPr sz="1200" kern="1200" cap="small">
+          <a:gradFill flip="none" rotWithShape="1">
+            <a:gsLst>
+              <a:gs pos="0">
+                <a:schemeClr val="tx1"/>
+              </a:gs>
+              <a:gs pos="100000">
+                <a:schemeClr val="tx1">
+                  <a:lumMod val="75000"/>
+                </a:schemeClr>
+              </a:gs>
+            </a:gsLst>
+            <a:lin ang="5580000" scaled="0"/>
+            <a:tileRect/>
+          </a:gradFill>
+          <a:effectLst>
+            <a:glow rad="38100">
+              <a:schemeClr val="bg1">
+                <a:lumMod val="50000"/>
+                <a:lumOff val="50000"/>
+                <a:alpha val="20000"/>
+              </a:schemeClr>
+            </a:glow>
+            <a:outerShdw blurRad="44450" dist="12700" dir="13860000" algn="tl" rotWithShape="0">
+              <a:srgbClr val="000000">
+                <a:alpha val="20000"/>
+              </a:srgbClr>
+            </a:outerShdw>
+          </a:effectLst>
           <a:latin typeface="+mn-lt"/>
           <a:ea typeface="+mn-ea"/>
           <a:cs typeface="+mn-cs"/>
         </a:defRPr>
       </a:lvl6pPr>
-      <a:lvl7pPr marL="2800000" indent="-228600" algn="l" defTabSz="457200" rtl="0" eaLnBrk="1" latinLnBrk="0" hangingPunct="1">
+      <a:lvl7pPr marL="2971800" indent="-228600" algn="l" defTabSz="457200" rtl="0" eaLnBrk="1" latinLnBrk="0" hangingPunct="1">
         <a:spcBef>
           <a:spcPct val="20000"/>
         </a:spcBef>
@@ -5227,20 +5487,46 @@
           <a:spcPts val="600"/>
         </a:spcAft>
         <a:buClr>
-          <a:schemeClr val="accent1"/>
+          <a:schemeClr val="tx1"/>
         </a:buClr>
-        <a:buFont typeface="Wingdings 2" charset="2"/>
-        <a:buChar char=""/>
-        <a:defRPr sz="1200" kern="1200">
-          <a:solidFill>
-            <a:schemeClr val="tx1"/>
-          </a:solidFill>
+        <a:buSzPct val="100000"/>
+        <a:buFont typeface="Arial"/>
+        <a:buChar char="•"/>
+        <a:defRPr sz="1200" kern="1200" cap="small">
+          <a:gradFill flip="none" rotWithShape="1">
+            <a:gsLst>
+              <a:gs pos="0">
+                <a:schemeClr val="tx1"/>
+              </a:gs>
+              <a:gs pos="100000">
+                <a:schemeClr val="tx1">
+                  <a:lumMod val="75000"/>
+                </a:schemeClr>
+              </a:gs>
+            </a:gsLst>
+            <a:lin ang="5580000" scaled="0"/>
+            <a:tileRect/>
+          </a:gradFill>
+          <a:effectLst>
+            <a:glow rad="38100">
+              <a:schemeClr val="bg1">
+                <a:lumMod val="50000"/>
+                <a:lumOff val="50000"/>
+                <a:alpha val="20000"/>
+              </a:schemeClr>
+            </a:glow>
+            <a:outerShdw blurRad="44450" dist="12700" dir="13860000" algn="tl" rotWithShape="0">
+              <a:srgbClr val="000000">
+                <a:alpha val="20000"/>
+              </a:srgbClr>
+            </a:outerShdw>
+          </a:effectLst>
           <a:latin typeface="+mn-lt"/>
           <a:ea typeface="+mn-ea"/>
           <a:cs typeface="+mn-cs"/>
         </a:defRPr>
       </a:lvl7pPr>
-      <a:lvl8pPr marL="3200000" indent="-228600" algn="l" defTabSz="457200" rtl="0" eaLnBrk="1" latinLnBrk="0" hangingPunct="1">
+      <a:lvl8pPr marL="3429000" indent="-228600" algn="l" defTabSz="457200" rtl="0" eaLnBrk="1" latinLnBrk="0" hangingPunct="1">
         <a:spcBef>
           <a:spcPct val="20000"/>
         </a:spcBef>
@@ -5248,20 +5534,46 @@
           <a:spcPts val="600"/>
         </a:spcAft>
         <a:buClr>
-          <a:schemeClr val="accent1"/>
+          <a:schemeClr val="tx1"/>
         </a:buClr>
-        <a:buFont typeface="Wingdings 2" charset="2"/>
-        <a:buChar char=""/>
-        <a:defRPr sz="1200" kern="1200">
-          <a:solidFill>
-            <a:schemeClr val="tx1"/>
-          </a:solidFill>
+        <a:buSzPct val="100000"/>
+        <a:buFont typeface="Arial"/>
+        <a:buChar char="•"/>
+        <a:defRPr sz="1200" kern="1200" cap="small">
+          <a:gradFill flip="none" rotWithShape="1">
+            <a:gsLst>
+              <a:gs pos="0">
+                <a:schemeClr val="tx1"/>
+              </a:gs>
+              <a:gs pos="100000">
+                <a:schemeClr val="tx1">
+                  <a:lumMod val="75000"/>
+                </a:schemeClr>
+              </a:gs>
+            </a:gsLst>
+            <a:lin ang="5580000" scaled="0"/>
+            <a:tileRect/>
+          </a:gradFill>
+          <a:effectLst>
+            <a:glow rad="38100">
+              <a:schemeClr val="bg1">
+                <a:lumMod val="50000"/>
+                <a:lumOff val="50000"/>
+                <a:alpha val="20000"/>
+              </a:schemeClr>
+            </a:glow>
+            <a:outerShdw blurRad="44450" dist="12700" dir="13860000" algn="tl" rotWithShape="0">
+              <a:srgbClr val="000000">
+                <a:alpha val="20000"/>
+              </a:srgbClr>
+            </a:outerShdw>
+          </a:effectLst>
           <a:latin typeface="+mn-lt"/>
           <a:ea typeface="+mn-ea"/>
           <a:cs typeface="+mn-cs"/>
         </a:defRPr>
       </a:lvl8pPr>
-      <a:lvl9pPr marL="3600000" indent="-228600" algn="l" defTabSz="457200" rtl="0" eaLnBrk="1" latinLnBrk="0" hangingPunct="1">
+      <a:lvl9pPr marL="3886200" indent="-228600" algn="l" defTabSz="457200" rtl="0" eaLnBrk="1" latinLnBrk="0" hangingPunct="1">
         <a:spcBef>
           <a:spcPct val="20000"/>
         </a:spcBef>
@@ -5269,14 +5581,40 @@
           <a:spcPts val="600"/>
         </a:spcAft>
         <a:buClr>
-          <a:schemeClr val="accent1"/>
+          <a:schemeClr val="tx1"/>
         </a:buClr>
-        <a:buFont typeface="Wingdings 2" charset="2"/>
-        <a:buChar char=""/>
-        <a:defRPr sz="1200" kern="1200">
-          <a:solidFill>
-            <a:schemeClr val="tx1"/>
-          </a:solidFill>
+        <a:buSzPct val="100000"/>
+        <a:buFont typeface="Arial"/>
+        <a:buChar char="•"/>
+        <a:defRPr sz="1200" kern="1200" cap="small">
+          <a:gradFill flip="none" rotWithShape="1">
+            <a:gsLst>
+              <a:gs pos="0">
+                <a:schemeClr val="tx1"/>
+              </a:gs>
+              <a:gs pos="100000">
+                <a:schemeClr val="tx1">
+                  <a:lumMod val="75000"/>
+                </a:schemeClr>
+              </a:gs>
+            </a:gsLst>
+            <a:lin ang="5580000" scaled="0"/>
+            <a:tileRect/>
+          </a:gradFill>
+          <a:effectLst>
+            <a:glow rad="38100">
+              <a:schemeClr val="bg1">
+                <a:lumMod val="50000"/>
+                <a:lumOff val="50000"/>
+                <a:alpha val="20000"/>
+              </a:schemeClr>
+            </a:glow>
+            <a:outerShdw blurRad="44450" dist="12700" dir="13860000" algn="tl" rotWithShape="0">
+              <a:srgbClr val="000000">
+                <a:alpha val="20000"/>
+              </a:srgbClr>
+            </a:outerShdw>
+          </a:effectLst>
           <a:latin typeface="+mn-lt"/>
           <a:ea typeface="+mn-ea"/>
           <a:cs typeface="+mn-cs"/>
@@ -5453,7 +5791,7 @@
         <p:spPr/>
         <p:txBody>
           <a:bodyPr>
-            <a:normAutofit fontScale="85000" lnSpcReduction="10000"/>
+            <a:normAutofit/>
           </a:bodyPr>
           <a:lstStyle/>
           <a:p>
@@ -5606,7 +5944,7 @@
           <a:lstStyle/>
           <a:p>
             <a:r>
-              <a:t>Polymers in Medicine and Surgery: Biomaterials</a:t>
+              <a:t>Huffman Coding Algorithm &amp; Example</a:t>
             </a:r>
           </a:p>
         </p:txBody>
@@ -5629,7 +5967,7 @@
           <a:p>
             <a:pPr/>
             <a:r>
-              <a:t>Biomaterials are materials used in medical applications without causing adverse effects.  Polymer biomaterials are increasingly important.Key characteristics of biomedical polymers include biocompatibility (lack of harmful reactions with body tissues), purity and reproducibility, and sterilizability without property alteration.They must possess optimal physical and chemical properties for their intended use.Biomedical polymers must not destroy blood cellular elements or enzymes, nor cause toxic or allergic reactions.They should also maintain electrolyte balance in the body.</a:t>
+              <a:t>`createAndBuildMinHeap`: Creates a min-heap from character frequencies.`buildHuffmanTree`: Builds the Huffman tree using the min-heap.`printHCodes`: Traverses the tree and assigns codes to characters (0 for left, 1 for right).Example:  Illustrate with a simple character set (e.g., A, B, C, D) and their frequencies.Show the step-by-step creation of the Huffman tree.Show the resulting Huffman codes for each character.</a:t>
             </a:r>
           </a:p>
         </p:txBody>
@@ -5654,378 +5992,6 @@
       <p:grpSpPr/>
       <p:sp>
         <p:nvSpPr>
-          <p:cNvPr id="2" name="Title 1"/>
-          <p:cNvSpPr>
-            <a:spLocks noGrp="1"/>
-          </p:cNvSpPr>
-          <p:nvPr>
-            <p:ph type="title"/>
-          </p:nvPr>
-        </p:nvSpPr>
-        <p:spPr/>
-        <p:txBody>
-          <a:bodyPr/>
-          <a:lstStyle/>
-          <a:p>
-            <a:r>
-              <a:t>Conclusion: The Versatile World of Polymers</a:t>
-            </a:r>
-          </a:p>
-        </p:txBody>
-      </p:sp>
-      <p:sp>
-        <p:nvSpPr>
-          <p:cNvPr id="3" name="Content Placeholder 2"/>
-          <p:cNvSpPr>
-            <a:spLocks noGrp="1"/>
-          </p:cNvSpPr>
-          <p:nvPr>
-            <p:ph idx="1"/>
-          </p:nvPr>
-        </p:nvSpPr>
-        <p:spPr/>
-        <p:txBody>
-          <a:bodyPr/>
-          <a:lstStyle/>
-          <a:p/>
-          <a:p>
-            <a:pPr/>
-            <a:r>
-              <a:t>Polymers exhibit a wide range of properties and applications, from everyday plastics to advanced biomaterials and conducting polymers.Understanding the different types of polymerization and the factors influencing polymer properties is crucial for designing materials with specific functionalities.Continued research and development in polymer chemistry will lead to further innovations in various fields, including medicine, electronics, and materials science.The versatility of polymers makes them essential materials for modern technology and improving the quality of life.</a:t>
-            </a:r>
-          </a:p>
-        </p:txBody>
-      </p:sp>
-    </p:spTree>
-  </p:cSld>
-  <p:clrMapOvr>
-    <a:masterClrMapping/>
-  </p:clrMapOvr>
-</p:sld>
-</file>
-
-<file path=ppt/slides/slide2.xml><?xml version="1.0" encoding="utf-8"?>
-<p:sld xmlns:a="http://schemas.openxmlformats.org/drawingml/2006/main" xmlns:p="http://schemas.openxmlformats.org/presentationml/2006/main" xmlns:r="http://schemas.openxmlformats.org/officeDocument/2006/relationships">
-  <p:cSld>
-    <p:spTree>
-      <p:nvGrpSpPr>
-        <p:cNvPr id="1" name=""/>
-        <p:cNvGrpSpPr/>
-        <p:nvPr/>
-      </p:nvGrpSpPr>
-      <p:grpSpPr/>
-      <p:sp>
-        <p:nvSpPr>
-          <p:cNvPr id="2" name="Title 1"/>
-          <p:cNvSpPr>
-            <a:spLocks noGrp="1"/>
-          </p:cNvSpPr>
-          <p:nvPr>
-            <p:ph type="title"/>
-          </p:nvPr>
-        </p:nvSpPr>
-        <p:spPr/>
-        <p:txBody>
-          <a:bodyPr/>
-          <a:lstStyle/>
-          <a:p>
-            <a:r>
-              <a:t>Polymer Chemistry: Types, Properties, and Biomedical Applications</a:t>
-            </a:r>
-          </a:p>
-        </p:txBody>
-      </p:sp>
-      <p:sp>
-        <p:nvSpPr>
-          <p:cNvPr id="3" name="Content Placeholder 2"/>
-          <p:cNvSpPr>
-            <a:spLocks noGrp="1"/>
-          </p:cNvSpPr>
-          <p:nvPr>
-            <p:ph idx="1"/>
-          </p:nvPr>
-        </p:nvSpPr>
-        <p:spPr/>
-        <p:txBody>
-          <a:bodyPr/>
-          <a:lstStyle/>
-          <a:p/>
-          <a:p>
-            <a:pPr/>
-            <a:r>
-              <a:t>Created by: shreyash katole</a:t>
-            </a:r>
-          </a:p>
-        </p:txBody>
-      </p:sp>
-    </p:spTree>
-  </p:cSld>
-  <p:clrMapOvr>
-    <a:masterClrMapping/>
-  </p:clrMapOvr>
-</p:sld>
-</file>
-
-<file path=ppt/slides/slide3.xml><?xml version="1.0" encoding="utf-8"?>
-<p:sld xmlns:a="http://schemas.openxmlformats.org/drawingml/2006/main" xmlns:p="http://schemas.openxmlformats.org/presentationml/2006/main" xmlns:r="http://schemas.openxmlformats.org/officeDocument/2006/relationships">
-  <p:cSld>
-    <p:spTree>
-      <p:nvGrpSpPr>
-        <p:cNvPr id="1" name=""/>
-        <p:cNvGrpSpPr/>
-        <p:nvPr/>
-      </p:nvGrpSpPr>
-      <p:grpSpPr/>
-      <p:sp>
-        <p:nvSpPr>
-          <p:cNvPr id="2" name="Title 1"/>
-          <p:cNvSpPr>
-            <a:spLocks noGrp="1"/>
-          </p:cNvSpPr>
-          <p:nvPr>
-            <p:ph type="title"/>
-          </p:nvPr>
-        </p:nvSpPr>
-        <p:spPr/>
-        <p:txBody>
-          <a:bodyPr/>
-          <a:lstStyle/>
-          <a:p>
-            <a:r>
-              <a:t>Index</a:t>
-            </a:r>
-          </a:p>
-        </p:txBody>
-      </p:sp>
-      <p:sp>
-        <p:nvSpPr>
-          <p:cNvPr id="3" name="Content Placeholder 2"/>
-          <p:cNvSpPr>
-            <a:spLocks noGrp="1"/>
-          </p:cNvSpPr>
-          <p:nvPr>
-            <p:ph idx="1"/>
-          </p:nvPr>
-        </p:nvSpPr>
-        <p:spPr/>
-        <p:txBody>
-          <a:bodyPr/>
-          <a:lstStyle/>
-          <a:p/>
-          <a:p>
-            <a:pPr/>
-            <a:r>
-              <a:t>1.Condensation Polymerization: Step-Growth Reaction2.Polymer Applications: Examples in Daily Life3.Conducting Polymers: Electrical Conductivity in Polymers4.Types of Conducting Polymers and Doping5.Polymers in Medicine and Surgery: Biomaterials6.Conclusion: The Versatile World of PolymersConclusion</a:t>
-            </a:r>
-          </a:p>
-        </p:txBody>
-      </p:sp>
-    </p:spTree>
-  </p:cSld>
-  <p:clrMapOvr>
-    <a:masterClrMapping/>
-  </p:clrMapOvr>
-</p:sld>
-</file>
-
-<file path=ppt/slides/slide4.xml><?xml version="1.0" encoding="utf-8"?>
-<p:sld xmlns:a="http://schemas.openxmlformats.org/drawingml/2006/main" xmlns:p="http://schemas.openxmlformats.org/presentationml/2006/main" xmlns:r="http://schemas.openxmlformats.org/officeDocument/2006/relationships">
-  <p:cSld>
-    <p:spTree>
-      <p:nvGrpSpPr>
-        <p:cNvPr id="1" name=""/>
-        <p:cNvGrpSpPr/>
-        <p:nvPr/>
-      </p:nvGrpSpPr>
-      <p:grpSpPr/>
-      <p:sp>
-        <p:nvSpPr>
-          <p:cNvPr id="2" name="Title 1"/>
-          <p:cNvSpPr>
-            <a:spLocks noGrp="1"/>
-          </p:cNvSpPr>
-          <p:nvPr>
-            <p:ph type="title"/>
-          </p:nvPr>
-        </p:nvSpPr>
-        <p:spPr/>
-        <p:txBody>
-          <a:bodyPr/>
-          <a:lstStyle/>
-          <a:p>
-            <a:r>
-              <a:t>Condensation Polymerization: Step-Growth Reaction</a:t>
-            </a:r>
-          </a:p>
-        </p:txBody>
-      </p:sp>
-      <p:sp>
-        <p:nvSpPr>
-          <p:cNvPr id="3" name="Content Placeholder 2"/>
-          <p:cNvSpPr>
-            <a:spLocks noGrp="1"/>
-          </p:cNvSpPr>
-          <p:nvPr>
-            <p:ph idx="1"/>
-          </p:nvPr>
-        </p:nvSpPr>
-        <p:spPr/>
-        <p:txBody>
-          <a:bodyPr/>
-          <a:lstStyle/>
-          <a:p/>
-          <a:p>
-            <a:pPr/>
-            <a:r>
-              <a:t>Condensation polymerization requires monomers with at least two functional groups capable of reacting with each other.These functional groups react, forming a bond between monomers and releasing a small molecule as a byproduct (e.g., water, ammonia, hydrogen chloride).Mineral acids or bases commonly serve as catalysts in condensation polymerization.Unlike addition polymerization, this process is endothermic, absorbing heat.It is generally a slower process than addition polymerization.Condensation polymers typically have higher molecular weights than addition polymers.This method often results in three-dimensional, cross-linked, thermosetting polymers.</a:t>
-            </a:r>
-          </a:p>
-        </p:txBody>
-      </p:sp>
-    </p:spTree>
-  </p:cSld>
-  <p:clrMapOvr>
-    <a:masterClrMapping/>
-  </p:clrMapOvr>
-</p:sld>
-</file>
-
-<file path=ppt/slides/slide5.xml><?xml version="1.0" encoding="utf-8"?>
-<p:sld xmlns:a="http://schemas.openxmlformats.org/drawingml/2006/main" xmlns:p="http://schemas.openxmlformats.org/presentationml/2006/main" xmlns:r="http://schemas.openxmlformats.org/officeDocument/2006/relationships">
-  <p:cSld>
-    <p:spTree>
-      <p:nvGrpSpPr>
-        <p:cNvPr id="1" name=""/>
-        <p:cNvGrpSpPr/>
-        <p:nvPr/>
-      </p:nvGrpSpPr>
-      <p:grpSpPr/>
-      <p:sp>
-        <p:nvSpPr>
-          <p:cNvPr id="2" name="Title 1"/>
-          <p:cNvSpPr>
-            <a:spLocks noGrp="1"/>
-          </p:cNvSpPr>
-          <p:nvPr>
-            <p:ph type="title"/>
-          </p:nvPr>
-        </p:nvSpPr>
-        <p:spPr/>
-        <p:txBody>
-          <a:bodyPr/>
-          <a:lstStyle/>
-          <a:p>
-            <a:r>
-              <a:t>Polymer Applications: Examples in Daily Life</a:t>
-            </a:r>
-          </a:p>
-        </p:txBody>
-      </p:sp>
-      <p:sp>
-        <p:nvSpPr>
-          <p:cNvPr id="3" name="Content Placeholder 2"/>
-          <p:cNvSpPr>
-            <a:spLocks noGrp="1"/>
-          </p:cNvSpPr>
-          <p:nvPr>
-            <p:ph idx="1"/>
-          </p:nvPr>
-        </p:nvSpPr>
-        <p:spPr/>
-        <p:txBody>
-          <a:bodyPr/>
-          <a:lstStyle/>
-          <a:p/>
-          <a:p>
-            <a:pPr/>
-            <a:r>
-              <a:t>Polyethylene is widely used in disposable syringes due to its flexibility and low cost.Polypropylene's strength and biocompatibility make it suitable for heart walls and blood filters.Polyvinyl chloride (PVC) also finds application in disposable syringes.Acrylic hydrogels are employed in grafting procedures due to their biocompatibility and water-absorbing properties.Polymethyl methacrylate (PMMA) is a common material for contact lenses owing to its transparency and biocompatibility.Poly(alkyl sulfone) membranes are used in oxygenators for their gas permeability and biocompatibility.</a:t>
-            </a:r>
-          </a:p>
-        </p:txBody>
-      </p:sp>
-    </p:spTree>
-  </p:cSld>
-  <p:clrMapOvr>
-    <a:masterClrMapping/>
-  </p:clrMapOvr>
-</p:sld>
-</file>
-
-<file path=ppt/slides/slide6.xml><?xml version="1.0" encoding="utf-8"?>
-<p:sld xmlns:a="http://schemas.openxmlformats.org/drawingml/2006/main" xmlns:p="http://schemas.openxmlformats.org/presentationml/2006/main" xmlns:r="http://schemas.openxmlformats.org/officeDocument/2006/relationships">
-  <p:cSld>
-    <p:spTree>
-      <p:nvGrpSpPr>
-        <p:cNvPr id="1" name=""/>
-        <p:cNvGrpSpPr/>
-        <p:nvPr/>
-      </p:nvGrpSpPr>
-      <p:grpSpPr/>
-      <p:sp>
-        <p:nvSpPr>
-          <p:cNvPr id="2" name="Title 1"/>
-          <p:cNvSpPr>
-            <a:spLocks noGrp="1"/>
-          </p:cNvSpPr>
-          <p:nvPr>
-            <p:ph type="title"/>
-          </p:nvPr>
-        </p:nvSpPr>
-        <p:spPr/>
-        <p:txBody>
-          <a:bodyPr/>
-          <a:lstStyle/>
-          <a:p>
-            <a:r>
-              <a:t>Conducting Polymers: Electrical Conductivity in Polymers</a:t>
-            </a:r>
-          </a:p>
-        </p:txBody>
-      </p:sp>
-      <p:sp>
-        <p:nvSpPr>
-          <p:cNvPr id="3" name="Content Placeholder 2"/>
-          <p:cNvSpPr>
-            <a:spLocks noGrp="1"/>
-          </p:cNvSpPr>
-          <p:nvPr>
-            <p:ph idx="1"/>
-          </p:nvPr>
-        </p:nvSpPr>
-        <p:spPr/>
-        <p:txBody>
-          <a:bodyPr/>
-          <a:lstStyle/>
-          <a:p/>
-          <a:p>
-            <a:pPr/>
-            <a:r>
-              <a:t>Most polymers are electrical insulators because their electrons are tightly bound in sigma bonds, limiting mobility.Conductivity is achieved in polymers through the presence of conjugated (alternating) double bonds, creating delocalized pi electrons.These delocalized pi electrons can move relatively freely along the polymer chain under an electric field, enabling electrical conduction.This creates a system of valence and conduction bands, similar to those in metals.  Examples include polyacetylene, polyanilines, and polythiophene.The conductivity of these polymers can be further enhanced through doping.</a:t>
-            </a:r>
-          </a:p>
-        </p:txBody>
-      </p:sp>
-    </p:spTree>
-  </p:cSld>
-  <p:clrMapOvr>
-    <a:masterClrMapping/>
-  </p:clrMapOvr>
-</p:sld>
-</file>
-
-<file path=ppt/slides/slide7.xml><?xml version="1.0" encoding="utf-8"?>
-<p:sld xmlns:a="http://schemas.openxmlformats.org/drawingml/2006/main" xmlns:p="http://schemas.openxmlformats.org/presentationml/2006/main" xmlns:r="http://schemas.openxmlformats.org/officeDocument/2006/relationships">
-  <p:cSld>
-    <p:spTree>
-      <p:nvGrpSpPr>
-        <p:cNvPr id="1" name=""/>
-        <p:cNvGrpSpPr/>
-        <p:nvPr/>
-      </p:nvGrpSpPr>
-      <p:grpSpPr/>
-      <p:sp>
-        <p:nvSpPr>
           <p:cNvPr id="2" name="TextBox 1"/>
           <p:cNvSpPr txBox="1"/>
           <p:nvPr/>
@@ -6046,15 +6012,239 @@
           </a:bodyPr>
           <a:lstStyle/>
           <a:p>
-            <a:r>
-              <a:t>Figures from Section 3</a:t>
+            <a:pPr>
+              <a:defRPr sz="2400" b="1"/>
+            </a:pPr>
+            <a:r>
+              <a:t>8. For each non-leaf node, assign 0 to the left edge and 1 to the right edge.</a:t>
             </a:r>
           </a:p>
         </p:txBody>
       </p:sp>
       <p:pic>
         <p:nvPicPr>
-          <p:cNvPr id="3" name="Picture 2" descr="sample2_poly_page_3_img_1.png"/>
+          <p:cNvPr id="3" name="Picture 2" descr="Huffman_Coding_theory_page_4_img_1.png"/>
+          <p:cNvPicPr>
+            <a:picLocks noChangeAspect="1"/>
+          </p:cNvPicPr>
+          <p:nvPr/>
+        </p:nvPicPr>
+        <p:blipFill>
+          <a:blip r:embed="rId2"/>
+          <a:stretch>
+            <a:fillRect/>
+          </a:stretch>
+        </p:blipFill>
+        <p:spPr>
+          <a:xfrm>
+            <a:off x="457200" y="1371600"/>
+            <a:ext cx="4114800" cy="3200400"/>
+          </a:xfrm>
+          <a:prstGeom prst="rect">
+            <a:avLst/>
+          </a:prstGeom>
+        </p:spPr>
+      </p:pic>
+      <p:sp>
+        <p:nvSpPr>
+          <p:cNvPr id="4" name="TextBox 3"/>
+          <p:cNvSpPr txBox="1"/>
+          <p:nvPr/>
+        </p:nvSpPr>
+        <p:spPr>
+          <a:xfrm>
+            <a:off x="457200" y="4663440"/>
+            <a:ext cx="4114800" cy="457200"/>
+          </a:xfrm>
+          <a:prstGeom prst="rect">
+            <a:avLst/>
+          </a:prstGeom>
+          <a:noFill/>
+        </p:spPr>
+        <p:txBody>
+          <a:bodyPr wrap="square">
+            <a:spAutoFit/>
+          </a:bodyPr>
+          <a:lstStyle/>
+          <a:p>
+            <a:pPr algn="ctr">
+              <a:defRPr sz="1000" i="1"/>
+            </a:pPr>
+            <a:r>
+              <a:t>Figure 1</a:t>
+            </a:r>
+          </a:p>
+        </p:txBody>
+      </p:sp>
+      <p:pic>
+        <p:nvPicPr>
+          <p:cNvPr id="5" name="Picture 4" descr="Huffman_Coding_theory_page_4_img_2.png"/>
+          <p:cNvPicPr>
+            <a:picLocks noChangeAspect="1"/>
+          </p:cNvPicPr>
+          <p:nvPr/>
+        </p:nvPicPr>
+        <p:blipFill>
+          <a:blip r:embed="rId3"/>
+          <a:stretch>
+            <a:fillRect/>
+          </a:stretch>
+        </p:blipFill>
+        <p:spPr>
+          <a:xfrm>
+            <a:off x="5029200" y="1371600"/>
+            <a:ext cx="4114800" cy="3200400"/>
+          </a:xfrm>
+          <a:prstGeom prst="rect">
+            <a:avLst/>
+          </a:prstGeom>
+        </p:spPr>
+      </p:pic>
+      <p:sp>
+        <p:nvSpPr>
+          <p:cNvPr id="6" name="TextBox 5"/>
+          <p:cNvSpPr txBox="1"/>
+          <p:nvPr/>
+        </p:nvSpPr>
+        <p:spPr>
+          <a:xfrm>
+            <a:off x="5029200" y="4663440"/>
+            <a:ext cx="4114800" cy="457200"/>
+          </a:xfrm>
+          <a:prstGeom prst="rect">
+            <a:avLst/>
+          </a:prstGeom>
+          <a:noFill/>
+        </p:spPr>
+        <p:txBody>
+          <a:bodyPr wrap="square">
+            <a:spAutoFit/>
+          </a:bodyPr>
+          <a:lstStyle/>
+          <a:p>
+            <a:pPr algn="ctr">
+              <a:defRPr sz="1000" i="1"/>
+            </a:pPr>
+            <a:r>
+              <a:t>Figure 2</a:t>
+            </a:r>
+          </a:p>
+        </p:txBody>
+      </p:sp>
+    </p:spTree>
+  </p:cSld>
+  <p:clrMapOvr>
+    <a:masterClrMapping/>
+  </p:clrMapOvr>
+</p:sld>
+</file>
+
+<file path=ppt/slides/slide12.xml><?xml version="1.0" encoding="utf-8"?>
+<p:sld xmlns:a="http://schemas.openxmlformats.org/drawingml/2006/main" xmlns:p="http://schemas.openxmlformats.org/presentationml/2006/main" xmlns:r="http://schemas.openxmlformats.org/officeDocument/2006/relationships">
+  <p:cSld>
+    <p:spTree>
+      <p:nvGrpSpPr>
+        <p:cNvPr id="1" name=""/>
+        <p:cNvGrpSpPr/>
+        <p:nvPr/>
+      </p:nvGrpSpPr>
+      <p:grpSpPr/>
+      <p:sp>
+        <p:nvSpPr>
+          <p:cNvPr id="2" name="Title 1"/>
+          <p:cNvSpPr>
+            <a:spLocks noGrp="1"/>
+          </p:cNvSpPr>
+          <p:nvPr>
+            <p:ph type="title"/>
+          </p:nvPr>
+        </p:nvSpPr>
+        <p:spPr/>
+        <p:txBody>
+          <a:bodyPr/>
+          <a:lstStyle/>
+          <a:p>
+            <a:r>
+              <a:t>Prefix Codes and Ambiguity Prevention</a:t>
+            </a:r>
+          </a:p>
+        </p:txBody>
+      </p:sp>
+      <p:sp>
+        <p:nvSpPr>
+          <p:cNvPr id="3" name="Content Placeholder 2"/>
+          <p:cNvSpPr>
+            <a:spLocks noGrp="1"/>
+          </p:cNvSpPr>
+          <p:nvPr>
+            <p:ph idx="1"/>
+          </p:nvPr>
+        </p:nvSpPr>
+        <p:spPr/>
+        <p:txBody>
+          <a:bodyPr/>
+          <a:lstStyle/>
+          <a:p/>
+          <a:p>
+            <a:pPr/>
+            <a:r>
+              <a:t>Huffman codes are prefix-free (no code is a prefix of another).This prevents ambiguity during decoding.The tree structure inherently ensures the prefix-free property.Any sequence of codes can be uniquely decoded by traversing the tree.Illustrate with examples of valid and invalid prefix codes.</a:t>
+            </a:r>
+          </a:p>
+        </p:txBody>
+      </p:sp>
+    </p:spTree>
+  </p:cSld>
+  <p:clrMapOvr>
+    <a:masterClrMapping/>
+  </p:clrMapOvr>
+</p:sld>
+</file>
+
+<file path=ppt/slides/slide13.xml><?xml version="1.0" encoding="utf-8"?>
+<p:sld xmlns:a="http://schemas.openxmlformats.org/drawingml/2006/main" xmlns:p="http://schemas.openxmlformats.org/presentationml/2006/main" xmlns:r="http://schemas.openxmlformats.org/officeDocument/2006/relationships">
+  <p:cSld>
+    <p:spTree>
+      <p:nvGrpSpPr>
+        <p:cNvPr id="1" name=""/>
+        <p:cNvGrpSpPr/>
+        <p:nvPr/>
+      </p:nvGrpSpPr>
+      <p:grpSpPr/>
+      <p:sp>
+        <p:nvSpPr>
+          <p:cNvPr id="2" name="TextBox 1"/>
+          <p:cNvSpPr txBox="1"/>
+          <p:nvPr/>
+        </p:nvSpPr>
+        <p:spPr>
+          <a:xfrm>
+            <a:off x="457200" y="457200"/>
+            <a:ext cx="8229600" cy="914400"/>
+          </a:xfrm>
+          <a:prstGeom prst="rect">
+            <a:avLst/>
+          </a:prstGeom>
+          <a:noFill/>
+        </p:spPr>
+        <p:txBody>
+          <a:bodyPr wrap="none">
+            <a:spAutoFit/>
+          </a:bodyPr>
+          <a:lstStyle/>
+          <a:p>
+            <a:pPr>
+              <a:defRPr sz="2400" b="1"/>
+            </a:pPr>
+            <a:r>
+              <a:t>Character Frequency Code Size</a:t>
+            </a:r>
+          </a:p>
+        </p:txBody>
+      </p:sp>
+      <p:pic>
+        <p:nvPicPr>
+          <p:cNvPr id="3" name="Picture 2" descr="Huffman_Coding_theory_page_5_img_1.png"/>
           <p:cNvPicPr>
             <a:picLocks noChangeAspect="1"/>
           </p:cNvPicPr>
@@ -6076,6 +6266,37 @@
           </a:prstGeom>
         </p:spPr>
       </p:pic>
+      <p:sp>
+        <p:nvSpPr>
+          <p:cNvPr id="4" name="TextBox 3"/>
+          <p:cNvSpPr txBox="1"/>
+          <p:nvPr/>
+        </p:nvSpPr>
+        <p:spPr>
+          <a:xfrm>
+            <a:off x="914400" y="6492240"/>
+            <a:ext cx="7315200" cy="457200"/>
+          </a:xfrm>
+          <a:prstGeom prst="rect">
+            <a:avLst/>
+          </a:prstGeom>
+          <a:noFill/>
+        </p:spPr>
+        <p:txBody>
+          <a:bodyPr wrap="square">
+            <a:spAutoFit/>
+          </a:bodyPr>
+          <a:lstStyle/>
+          <a:p>
+            <a:pPr algn="ctr">
+              <a:defRPr sz="1000" i="1"/>
+            </a:pPr>
+            <a:r>
+              <a:t>Figure 1</a:t>
+            </a:r>
+          </a:p>
+        </p:txBody>
+      </p:sp>
     </p:spTree>
   </p:cSld>
   <p:clrMapOvr>
@@ -6084,7 +6305,7 @@
 </p:sld>
 </file>
 
-<file path=ppt/slides/slide8.xml><?xml version="1.0" encoding="utf-8"?>
+<file path=ppt/slides/slide14.xml><?xml version="1.0" encoding="utf-8"?>
 <p:sld xmlns:a="http://schemas.openxmlformats.org/drawingml/2006/main" xmlns:p="http://schemas.openxmlformats.org/presentationml/2006/main" xmlns:r="http://schemas.openxmlformats.org/officeDocument/2006/relationships">
   <p:cSld>
     <p:spTree>
@@ -6110,7 +6331,7 @@
           <a:lstStyle/>
           <a:p>
             <a:r>
-              <a:t>Types of Conducting Polymers and Doping</a:t>
+              <a:t>Decoding Huffman Codes &amp; Size Comparison</a:t>
             </a:r>
           </a:p>
         </p:txBody>
@@ -6133,7 +6354,7 @@
           <a:p>
             <a:pPr/>
             <a:r>
-              <a:t>Intrinsically conducting polymers (ICPs) possess delocalized electrons within their backbone structure (e.g., polyacetylene, polypyrrole, polythiophene).Extrinsically conducting polymers achieve conductivity through added components: filled polymers (conducting elements like carbon black dispersed in a polymer matrix) and blended polymers (blending conventional and conducting polymers).Doping increases conductivity by introducing charge carriers: p-doping (oxidation using Lewis acids, creating positive charges) and n-doping (reduction using Lewis bases, creating negative charges).P-doping examples include treatment with iodine or iron(III) chloride.N-doping examples include treatment with lithium or sodium.Coordination conducting polymers are formed by combining a metal atom with a polydentate ligand.</a:t>
+              <a:t>Decoding involves traversing the Huffman tree using the encoded bitstream.Each bit (0 or 1) directs the traversal (left or right).When a leaf node is reached, the corresponding character is output.Compare the size of the original string (in bits) to the size of the encoded string.Show the reduction in size achieved by Huffman coding.Include a table comparing original size vs. encoded size (including tree representation overhead).</a:t>
             </a:r>
           </a:p>
         </p:txBody>
@@ -6146,7 +6367,255 @@
 </p:sld>
 </file>
 
-<file path=ppt/slides/slide9.xml><?xml version="1.0" encoding="utf-8"?>
+<file path=ppt/slides/slide15.xml><?xml version="1.0" encoding="utf-8"?>
+<p:sld xmlns:a="http://schemas.openxmlformats.org/drawingml/2006/main" xmlns:p="http://schemas.openxmlformats.org/presentationml/2006/main" xmlns:r="http://schemas.openxmlformats.org/officeDocument/2006/relationships">
+  <p:cSld>
+    <p:spTree>
+      <p:nvGrpSpPr>
+        <p:cNvPr id="1" name=""/>
+        <p:cNvGrpSpPr/>
+        <p:nvPr/>
+      </p:nvGrpSpPr>
+      <p:grpSpPr/>
+      <p:sp>
+        <p:nvSpPr>
+          <p:cNvPr id="2" name="Title 1"/>
+          <p:cNvSpPr>
+            <a:spLocks noGrp="1"/>
+          </p:cNvSpPr>
+          <p:nvPr>
+            <p:ph type="title"/>
+          </p:nvPr>
+        </p:nvSpPr>
+        <p:spPr/>
+        <p:txBody>
+          <a:bodyPr/>
+          <a:lstStyle/>
+          <a:p>
+            <a:r>
+              <a:t>Conclusion</a:t>
+            </a:r>
+          </a:p>
+        </p:txBody>
+      </p:sp>
+      <p:sp>
+        <p:nvSpPr>
+          <p:cNvPr id="3" name="Content Placeholder 2"/>
+          <p:cNvSpPr>
+            <a:spLocks noGrp="1"/>
+          </p:cNvSpPr>
+          <p:nvPr>
+            <p:ph idx="1"/>
+          </p:nvPr>
+        </p:nvSpPr>
+        <p:spPr/>
+        <p:txBody>
+          <a:bodyPr/>
+          <a:lstStyle/>
+          <a:p/>
+          <a:p>
+            <a:pPr/>
+            <a:r>
+              <a:t>Huffman coding is an efficient lossless data compression technique.It leverages character frequencies to minimize the encoded string size.The prefix-free property ensures unambiguous decoding.Widely applicable in various data compression scenarios.Further improvements can be achieved by combining Huffman coding with other techniques.</a:t>
+            </a:r>
+          </a:p>
+        </p:txBody>
+      </p:sp>
+    </p:spTree>
+  </p:cSld>
+  <p:clrMapOvr>
+    <a:masterClrMapping/>
+  </p:clrMapOvr>
+</p:sld>
+</file>
+
+<file path=ppt/slides/slide2.xml><?xml version="1.0" encoding="utf-8"?>
+<p:sld xmlns:a="http://schemas.openxmlformats.org/drawingml/2006/main" xmlns:p="http://schemas.openxmlformats.org/presentationml/2006/main" xmlns:r="http://schemas.openxmlformats.org/officeDocument/2006/relationships">
+  <p:cSld>
+    <p:spTree>
+      <p:nvGrpSpPr>
+        <p:cNvPr id="1" name=""/>
+        <p:cNvGrpSpPr/>
+        <p:nvPr/>
+      </p:nvGrpSpPr>
+      <p:grpSpPr/>
+      <p:sp>
+        <p:nvSpPr>
+          <p:cNvPr id="2" name="Title 1"/>
+          <p:cNvSpPr>
+            <a:spLocks noGrp="1"/>
+          </p:cNvSpPr>
+          <p:nvPr>
+            <p:ph type="title"/>
+          </p:nvPr>
+        </p:nvSpPr>
+        <p:spPr/>
+        <p:txBody>
+          <a:bodyPr/>
+          <a:lstStyle/>
+          <a:p>
+            <a:r>
+              <a:t>Huffman Coding: Data Compression Technique</a:t>
+            </a:r>
+          </a:p>
+        </p:txBody>
+      </p:sp>
+      <p:sp>
+        <p:nvSpPr>
+          <p:cNvPr id="3" name="Content Placeholder 2"/>
+          <p:cNvSpPr>
+            <a:spLocks noGrp="1"/>
+          </p:cNvSpPr>
+          <p:nvPr>
+            <p:ph idx="1"/>
+          </p:nvPr>
+        </p:nvSpPr>
+        <p:spPr/>
+        <p:txBody>
+          <a:bodyPr/>
+          <a:lstStyle/>
+          <a:p/>
+          <a:p>
+            <a:pPr/>
+            <a:r>
+              <a:t>Created by: Aditya Bhogil</a:t>
+            </a:r>
+          </a:p>
+        </p:txBody>
+      </p:sp>
+    </p:spTree>
+  </p:cSld>
+  <p:clrMapOvr>
+    <a:masterClrMapping/>
+  </p:clrMapOvr>
+</p:sld>
+</file>
+
+<file path=ppt/slides/slide3.xml><?xml version="1.0" encoding="utf-8"?>
+<p:sld xmlns:a="http://schemas.openxmlformats.org/drawingml/2006/main" xmlns:p="http://schemas.openxmlformats.org/presentationml/2006/main" xmlns:r="http://schemas.openxmlformats.org/officeDocument/2006/relationships">
+  <p:cSld>
+    <p:spTree>
+      <p:nvGrpSpPr>
+        <p:cNvPr id="1" name=""/>
+        <p:cNvGrpSpPr/>
+        <p:nvPr/>
+      </p:nvGrpSpPr>
+      <p:grpSpPr/>
+      <p:sp>
+        <p:nvSpPr>
+          <p:cNvPr id="2" name="Title 1"/>
+          <p:cNvSpPr>
+            <a:spLocks noGrp="1"/>
+          </p:cNvSpPr>
+          <p:nvPr>
+            <p:ph type="title"/>
+          </p:nvPr>
+        </p:nvSpPr>
+        <p:spPr/>
+        <p:txBody>
+          <a:bodyPr/>
+          <a:lstStyle/>
+          <a:p>
+            <a:r>
+              <a:t>Index</a:t>
+            </a:r>
+          </a:p>
+        </p:txBody>
+      </p:sp>
+      <p:sp>
+        <p:nvSpPr>
+          <p:cNvPr id="3" name="Content Placeholder 2"/>
+          <p:cNvSpPr>
+            <a:spLocks noGrp="1"/>
+          </p:cNvSpPr>
+          <p:nvPr>
+            <p:ph idx="1"/>
+          </p:nvPr>
+        </p:nvSpPr>
+        <p:spPr/>
+        <p:txBody>
+          <a:bodyPr/>
+          <a:lstStyle/>
+          <a:p/>
+          <a:p>
+            <a:pPr/>
+            <a:r>
+              <a:t>1.Introduction to Huffman Coding2.How Huffman Coding Works: Encoding3.Huffman Tree Construction4.Huffman Coding Algorithm &amp; Example5.Prefix Codes and Ambiguity Prevention6.Decoding Huffman Codes &amp; Size Comparison7.ConclusionConclusion</a:t>
+            </a:r>
+          </a:p>
+        </p:txBody>
+      </p:sp>
+    </p:spTree>
+  </p:cSld>
+  <p:clrMapOvr>
+    <a:masterClrMapping/>
+  </p:clrMapOvr>
+</p:sld>
+</file>
+
+<file path=ppt/slides/slide4.xml><?xml version="1.0" encoding="utf-8"?>
+<p:sld xmlns:a="http://schemas.openxmlformats.org/drawingml/2006/main" xmlns:p="http://schemas.openxmlformats.org/presentationml/2006/main" xmlns:r="http://schemas.openxmlformats.org/officeDocument/2006/relationships">
+  <p:cSld>
+    <p:spTree>
+      <p:nvGrpSpPr>
+        <p:cNvPr id="1" name=""/>
+        <p:cNvGrpSpPr/>
+        <p:nvPr/>
+      </p:nvGrpSpPr>
+      <p:grpSpPr/>
+      <p:sp>
+        <p:nvSpPr>
+          <p:cNvPr id="2" name="Title 1"/>
+          <p:cNvSpPr>
+            <a:spLocks noGrp="1"/>
+          </p:cNvSpPr>
+          <p:nvPr>
+            <p:ph type="title"/>
+          </p:nvPr>
+        </p:nvSpPr>
+        <p:spPr/>
+        <p:txBody>
+          <a:bodyPr/>
+          <a:lstStyle/>
+          <a:p>
+            <a:r>
+              <a:t>Introduction to Huffman Coding</a:t>
+            </a:r>
+          </a:p>
+        </p:txBody>
+      </p:sp>
+      <p:sp>
+        <p:nvSpPr>
+          <p:cNvPr id="3" name="Content Placeholder 2"/>
+          <p:cNvSpPr>
+            <a:spLocks noGrp="1"/>
+          </p:cNvSpPr>
+          <p:nvPr>
+            <p:ph idx="1"/>
+          </p:nvPr>
+        </p:nvSpPr>
+        <p:spPr/>
+        <p:txBody>
+          <a:bodyPr/>
+          <a:lstStyle/>
+          <a:p/>
+          <a:p>
+            <a:pPr/>
+            <a:r>
+              <a:t>Developed by David Huffman.Data compression technique reducing file size without data loss.Most effective for data with frequently occurring characters.Achieves compression by assigning shorter codes to more frequent characters.Uses a binary tree structure for encoding and decoding.Widely used in file compression (e.g., gzip, PNG).Improves data transmission efficiency.</a:t>
+            </a:r>
+          </a:p>
+        </p:txBody>
+      </p:sp>
+    </p:spTree>
+  </p:cSld>
+  <p:clrMapOvr>
+    <a:masterClrMapping/>
+  </p:clrMapOvr>
+</p:sld>
+</file>
+
+<file path=ppt/slides/slide5.xml><?xml version="1.0" encoding="utf-8"?>
 <p:sld xmlns:a="http://schemas.openxmlformats.org/drawingml/2006/main" xmlns:p="http://schemas.openxmlformats.org/presentationml/2006/main" xmlns:r="http://schemas.openxmlformats.org/officeDocument/2006/relationships">
   <p:cSld>
     <p:spTree>
@@ -6178,15 +6647,18 @@
           </a:bodyPr>
           <a:lstStyle/>
           <a:p>
-            <a:r>
-              <a:t>Figures from Section 4</a:t>
+            <a:pPr>
+              <a:defRPr sz="2400" b="1"/>
+            </a:pPr>
+            <a:r>
+              <a:t>Huffman Coding</a:t>
             </a:r>
           </a:p>
         </p:txBody>
       </p:sp>
       <p:pic>
         <p:nvPicPr>
-          <p:cNvPr id="3" name="Picture 2" descr="sample2_poly_page_4_img_1.png"/>
+          <p:cNvPr id="3" name="Picture 2" descr="Huffman_Coding_theory_page_1_img_1.png"/>
           <p:cNvPicPr>
             <a:picLocks noChangeAspect="1"/>
           </p:cNvPicPr>
@@ -6208,6 +6680,479 @@
           </a:prstGeom>
         </p:spPr>
       </p:pic>
+      <p:sp>
+        <p:nvSpPr>
+          <p:cNvPr id="4" name="TextBox 3"/>
+          <p:cNvSpPr txBox="1"/>
+          <p:nvPr/>
+        </p:nvSpPr>
+        <p:spPr>
+          <a:xfrm>
+            <a:off x="914400" y="6492240"/>
+            <a:ext cx="7315200" cy="457200"/>
+          </a:xfrm>
+          <a:prstGeom prst="rect">
+            <a:avLst/>
+          </a:prstGeom>
+          <a:noFill/>
+        </p:spPr>
+        <p:txBody>
+          <a:bodyPr wrap="square">
+            <a:spAutoFit/>
+          </a:bodyPr>
+          <a:lstStyle/>
+          <a:p>
+            <a:pPr algn="ctr">
+              <a:defRPr sz="1000" i="1"/>
+            </a:pPr>
+            <a:r>
+              <a:t>Figure 1</a:t>
+            </a:r>
+          </a:p>
+        </p:txBody>
+      </p:sp>
+    </p:spTree>
+  </p:cSld>
+  <p:clrMapOvr>
+    <a:masterClrMapping/>
+  </p:clrMapOvr>
+</p:sld>
+</file>
+
+<file path=ppt/slides/slide6.xml><?xml version="1.0" encoding="utf-8"?>
+<p:sld xmlns:a="http://schemas.openxmlformats.org/drawingml/2006/main" xmlns:p="http://schemas.openxmlformats.org/presentationml/2006/main" xmlns:r="http://schemas.openxmlformats.org/officeDocument/2006/relationships">
+  <p:cSld>
+    <p:spTree>
+      <p:nvGrpSpPr>
+        <p:cNvPr id="1" name=""/>
+        <p:cNvGrpSpPr/>
+        <p:nvPr/>
+      </p:nvGrpSpPr>
+      <p:grpSpPr/>
+      <p:sp>
+        <p:nvSpPr>
+          <p:cNvPr id="2" name="Title 1"/>
+          <p:cNvSpPr>
+            <a:spLocks noGrp="1"/>
+          </p:cNvSpPr>
+          <p:nvPr>
+            <p:ph type="title"/>
+          </p:nvPr>
+        </p:nvSpPr>
+        <p:spPr/>
+        <p:txBody>
+          <a:bodyPr/>
+          <a:lstStyle/>
+          <a:p>
+            <a:r>
+              <a:t>How Huffman Coding Works: Encoding</a:t>
+            </a:r>
+          </a:p>
+        </p:txBody>
+      </p:sp>
+      <p:sp>
+        <p:nvSpPr>
+          <p:cNvPr id="3" name="Content Placeholder 2"/>
+          <p:cNvSpPr>
+            <a:spLocks noGrp="1"/>
+          </p:cNvSpPr>
+          <p:nvPr>
+            <p:ph idx="1"/>
+          </p:nvPr>
+        </p:nvSpPr>
+        <p:spPr/>
+        <p:txBody>
+          <a:bodyPr/>
+          <a:lstStyle/>
+          <a:p/>
+          <a:p>
+            <a:pPr/>
+            <a:r>
+              <a:t>Example: Consider a string needing network transmission.Each character initially occupies 8 bits (e.g., ASCII).Total initial bit count calculation (number of characters * 8 bits/character).Huffman coding reduces this bit count significantly.Encoding involves creating a Huffman tree based on character frequencies.Assigning unique binary codes (0s and 1s) to each character based on tree structure.Concatenating these codes to represent the entire string.</a:t>
+            </a:r>
+          </a:p>
+        </p:txBody>
+      </p:sp>
+    </p:spTree>
+  </p:cSld>
+  <p:clrMapOvr>
+    <a:masterClrMapping/>
+  </p:clrMapOvr>
+</p:sld>
+</file>
+
+<file path=ppt/slides/slide7.xml><?xml version="1.0" encoding="utf-8"?>
+<p:sld xmlns:a="http://schemas.openxmlformats.org/drawingml/2006/main" xmlns:p="http://schemas.openxmlformats.org/presentationml/2006/main" xmlns:r="http://schemas.openxmlformats.org/officeDocument/2006/relationships">
+  <p:cSld>
+    <p:spTree>
+      <p:nvGrpSpPr>
+        <p:cNvPr id="1" name=""/>
+        <p:cNvGrpSpPr/>
+        <p:nvPr/>
+      </p:nvGrpSpPr>
+      <p:grpSpPr/>
+      <p:sp>
+        <p:nvSpPr>
+          <p:cNvPr id="2" name="TextBox 1"/>
+          <p:cNvSpPr txBox="1"/>
+          <p:nvPr/>
+        </p:nvSpPr>
+        <p:spPr>
+          <a:xfrm>
+            <a:off x="457200" y="457200"/>
+            <a:ext cx="8229600" cy="914400"/>
+          </a:xfrm>
+          <a:prstGeom prst="rect">
+            <a:avLst/>
+          </a:prstGeom>
+          <a:noFill/>
+        </p:spPr>
+        <p:txBody>
+          <a:bodyPr wrap="none">
+            <a:spAutoFit/>
+          </a:bodyPr>
+          <a:lstStyle/>
+          <a:p>
+            <a:pPr>
+              <a:defRPr sz="2400" b="1"/>
+            </a:pPr>
+            <a:r>
+              <a:t>Huffman Coding prevents any ambiguity in the decoding process using the</a:t>
+            </a:r>
+          </a:p>
+        </p:txBody>
+      </p:sp>
+      <p:pic>
+        <p:nvPicPr>
+          <p:cNvPr id="3" name="Picture 2" descr="Huffman_Coding_theory_page_2_img_1.png"/>
+          <p:cNvPicPr>
+            <a:picLocks noChangeAspect="1"/>
+          </p:cNvPicPr>
+          <p:nvPr/>
+        </p:nvPicPr>
+        <p:blipFill>
+          <a:blip r:embed="rId2"/>
+          <a:stretch>
+            <a:fillRect/>
+          </a:stretch>
+        </p:blipFill>
+        <p:spPr>
+          <a:xfrm>
+            <a:off x="457200" y="1371600"/>
+            <a:ext cx="4114800" cy="3200400"/>
+          </a:xfrm>
+          <a:prstGeom prst="rect">
+            <a:avLst/>
+          </a:prstGeom>
+        </p:spPr>
+      </p:pic>
+      <p:sp>
+        <p:nvSpPr>
+          <p:cNvPr id="4" name="TextBox 3"/>
+          <p:cNvSpPr txBox="1"/>
+          <p:nvPr/>
+        </p:nvSpPr>
+        <p:spPr>
+          <a:xfrm>
+            <a:off x="457200" y="4663440"/>
+            <a:ext cx="4114800" cy="457200"/>
+          </a:xfrm>
+          <a:prstGeom prst="rect">
+            <a:avLst/>
+          </a:prstGeom>
+          <a:noFill/>
+        </p:spPr>
+        <p:txBody>
+          <a:bodyPr wrap="square">
+            <a:spAutoFit/>
+          </a:bodyPr>
+          <a:lstStyle/>
+          <a:p>
+            <a:pPr algn="ctr">
+              <a:defRPr sz="1000" i="1"/>
+            </a:pPr>
+            <a:r>
+              <a:t>Figure 1</a:t>
+            </a:r>
+          </a:p>
+        </p:txBody>
+      </p:sp>
+      <p:pic>
+        <p:nvPicPr>
+          <p:cNvPr id="5" name="Picture 4" descr="Huffman_Coding_theory_page_2_img_2.png"/>
+          <p:cNvPicPr>
+            <a:picLocks noChangeAspect="1"/>
+          </p:cNvPicPr>
+          <p:nvPr/>
+        </p:nvPicPr>
+        <p:blipFill>
+          <a:blip r:embed="rId3"/>
+          <a:stretch>
+            <a:fillRect/>
+          </a:stretch>
+        </p:blipFill>
+        <p:spPr>
+          <a:xfrm>
+            <a:off x="5029200" y="1371600"/>
+            <a:ext cx="4114800" cy="3200400"/>
+          </a:xfrm>
+          <a:prstGeom prst="rect">
+            <a:avLst/>
+          </a:prstGeom>
+        </p:spPr>
+      </p:pic>
+      <p:sp>
+        <p:nvSpPr>
+          <p:cNvPr id="6" name="TextBox 5"/>
+          <p:cNvSpPr txBox="1"/>
+          <p:nvPr/>
+        </p:nvSpPr>
+        <p:spPr>
+          <a:xfrm>
+            <a:off x="5029200" y="4663440"/>
+            <a:ext cx="4114800" cy="457200"/>
+          </a:xfrm>
+          <a:prstGeom prst="rect">
+            <a:avLst/>
+          </a:prstGeom>
+          <a:noFill/>
+        </p:spPr>
+        <p:txBody>
+          <a:bodyPr wrap="square">
+            <a:spAutoFit/>
+          </a:bodyPr>
+          <a:lstStyle/>
+          <a:p>
+            <a:pPr algn="ctr">
+              <a:defRPr sz="1000" i="1"/>
+            </a:pPr>
+            <a:r>
+              <a:t>Figure 2</a:t>
+            </a:r>
+          </a:p>
+        </p:txBody>
+      </p:sp>
+    </p:spTree>
+  </p:cSld>
+  <p:clrMapOvr>
+    <a:masterClrMapping/>
+  </p:clrMapOvr>
+</p:sld>
+</file>
+
+<file path=ppt/slides/slide8.xml><?xml version="1.0" encoding="utf-8"?>
+<p:sld xmlns:a="http://schemas.openxmlformats.org/drawingml/2006/main" xmlns:p="http://schemas.openxmlformats.org/presentationml/2006/main" xmlns:r="http://schemas.openxmlformats.org/officeDocument/2006/relationships">
+  <p:cSld>
+    <p:spTree>
+      <p:nvGrpSpPr>
+        <p:cNvPr id="1" name=""/>
+        <p:cNvGrpSpPr/>
+        <p:nvPr/>
+      </p:nvGrpSpPr>
+      <p:grpSpPr/>
+      <p:sp>
+        <p:nvSpPr>
+          <p:cNvPr id="2" name="Title 1"/>
+          <p:cNvSpPr>
+            <a:spLocks noGrp="1"/>
+          </p:cNvSpPr>
+          <p:nvPr>
+            <p:ph type="title"/>
+          </p:nvPr>
+        </p:nvSpPr>
+        <p:spPr/>
+        <p:txBody>
+          <a:bodyPr/>
+          <a:lstStyle/>
+          <a:p>
+            <a:r>
+              <a:t>Huffman Tree Construction</a:t>
+            </a:r>
+          </a:p>
+        </p:txBody>
+      </p:sp>
+      <p:sp>
+        <p:nvSpPr>
+          <p:cNvPr id="3" name="Content Placeholder 2"/>
+          <p:cNvSpPr>
+            <a:spLocks noGrp="1"/>
+          </p:cNvSpPr>
+          <p:nvPr>
+            <p:ph idx="1"/>
+          </p:nvPr>
+        </p:nvSpPr>
+        <p:spPr/>
+        <p:txBody>
+          <a:bodyPr/>
+          <a:lstStyle/>
+          <a:p/>
+          <a:p>
+            <a:pPr/>
+            <a:r>
+              <a:t>Calculate the frequency of each character in the input string.Sort characters in ascending order of frequency (priority queue).Create a leaf node for each unique character.Iteratively combine the two nodes with the lowest frequencies:Create a new parent node.Assign the left child the lower frequency node.Assign the right child the higher frequency node.The parent node's frequency is the sum of its children's frequencies.Repeat until only one node (the root) remains.</a:t>
+            </a:r>
+          </a:p>
+        </p:txBody>
+      </p:sp>
+    </p:spTree>
+  </p:cSld>
+  <p:clrMapOvr>
+    <a:masterClrMapping/>
+  </p:clrMapOvr>
+</p:sld>
+</file>
+
+<file path=ppt/slides/slide9.xml><?xml version="1.0" encoding="utf-8"?>
+<p:sld xmlns:a="http://schemas.openxmlformats.org/drawingml/2006/main" xmlns:p="http://schemas.openxmlformats.org/presentationml/2006/main" xmlns:r="http://schemas.openxmlformats.org/officeDocument/2006/relationships">
+  <p:cSld>
+    <p:spTree>
+      <p:nvGrpSpPr>
+        <p:cNvPr id="1" name=""/>
+        <p:cNvGrpSpPr/>
+        <p:nvPr/>
+      </p:nvGrpSpPr>
+      <p:grpSpPr/>
+      <p:sp>
+        <p:nvSpPr>
+          <p:cNvPr id="2" name="TextBox 1"/>
+          <p:cNvSpPr txBox="1"/>
+          <p:nvPr/>
+        </p:nvSpPr>
+        <p:spPr>
+          <a:xfrm>
+            <a:off x="457200" y="457200"/>
+            <a:ext cx="8229600" cy="914400"/>
+          </a:xfrm>
+          <a:prstGeom prst="rect">
+            <a:avLst/>
+          </a:prstGeom>
+          <a:noFill/>
+        </p:spPr>
+        <p:txBody>
+          <a:bodyPr wrap="none">
+            <a:spAutoFit/>
+          </a:bodyPr>
+          <a:lstStyle/>
+          <a:p>
+            <a:pPr>
+              <a:defRPr sz="2400" b="1"/>
+            </a:pPr>
+            <a:r>
+              <a:t>of the z as the sum of the above two minimum frequencies.</a:t>
+            </a:r>
+          </a:p>
+        </p:txBody>
+      </p:sp>
+      <p:pic>
+        <p:nvPicPr>
+          <p:cNvPr id="3" name="Picture 2" descr="Huffman_Coding_theory_page_3_img_1.png"/>
+          <p:cNvPicPr>
+            <a:picLocks noChangeAspect="1"/>
+          </p:cNvPicPr>
+          <p:nvPr/>
+        </p:nvPicPr>
+        <p:blipFill>
+          <a:blip r:embed="rId2"/>
+          <a:stretch>
+            <a:fillRect/>
+          </a:stretch>
+        </p:blipFill>
+        <p:spPr>
+          <a:xfrm>
+            <a:off x="457200" y="1371600"/>
+            <a:ext cx="4114800" cy="3200400"/>
+          </a:xfrm>
+          <a:prstGeom prst="rect">
+            <a:avLst/>
+          </a:prstGeom>
+        </p:spPr>
+      </p:pic>
+      <p:sp>
+        <p:nvSpPr>
+          <p:cNvPr id="4" name="TextBox 3"/>
+          <p:cNvSpPr txBox="1"/>
+          <p:nvPr/>
+        </p:nvSpPr>
+        <p:spPr>
+          <a:xfrm>
+            <a:off x="457200" y="4663440"/>
+            <a:ext cx="4114800" cy="457200"/>
+          </a:xfrm>
+          <a:prstGeom prst="rect">
+            <a:avLst/>
+          </a:prstGeom>
+          <a:noFill/>
+        </p:spPr>
+        <p:txBody>
+          <a:bodyPr wrap="square">
+            <a:spAutoFit/>
+          </a:bodyPr>
+          <a:lstStyle/>
+          <a:p>
+            <a:pPr algn="ctr">
+              <a:defRPr sz="1000" i="1"/>
+            </a:pPr>
+            <a:r>
+              <a:t>Figure 1</a:t>
+            </a:r>
+          </a:p>
+        </p:txBody>
+      </p:sp>
+      <p:pic>
+        <p:nvPicPr>
+          <p:cNvPr id="5" name="Picture 4" descr="Huffman_Coding_theory_page_3_img_2.png"/>
+          <p:cNvPicPr>
+            <a:picLocks noChangeAspect="1"/>
+          </p:cNvPicPr>
+          <p:nvPr/>
+        </p:nvPicPr>
+        <p:blipFill>
+          <a:blip r:embed="rId3"/>
+          <a:stretch>
+            <a:fillRect/>
+          </a:stretch>
+        </p:blipFill>
+        <p:spPr>
+          <a:xfrm>
+            <a:off x="5029200" y="1371600"/>
+            <a:ext cx="4114800" cy="3200400"/>
+          </a:xfrm>
+          <a:prstGeom prst="rect">
+            <a:avLst/>
+          </a:prstGeom>
+        </p:spPr>
+      </p:pic>
+      <p:sp>
+        <p:nvSpPr>
+          <p:cNvPr id="6" name="TextBox 5"/>
+          <p:cNvSpPr txBox="1"/>
+          <p:nvPr/>
+        </p:nvSpPr>
+        <p:spPr>
+          <a:xfrm>
+            <a:off x="5029200" y="4663440"/>
+            <a:ext cx="4114800" cy="457200"/>
+          </a:xfrm>
+          <a:prstGeom prst="rect">
+            <a:avLst/>
+          </a:prstGeom>
+          <a:noFill/>
+        </p:spPr>
+        <p:txBody>
+          <a:bodyPr wrap="square">
+            <a:spAutoFit/>
+          </a:bodyPr>
+          <a:lstStyle/>
+          <a:p>
+            <a:pPr algn="ctr">
+              <a:defRPr sz="1000" i="1"/>
+            </a:pPr>
+            <a:r>
+              <a:t>Figure 2</a:t>
+            </a:r>
+          </a:p>
+        </p:txBody>
+      </p:sp>
     </p:spTree>
   </p:cSld>
   <p:clrMapOvr>
@@ -6217,9 +7162,9 @@
 </file>
 
 <file path=ppt/theme/theme1.xml><?xml version="1.0" encoding="utf-8"?>
-<a:theme xmlns:a="http://schemas.openxmlformats.org/drawingml/2006/main" name="Quotable">
+<a:theme xmlns:a="http://schemas.openxmlformats.org/drawingml/2006/main" name="Mesh">
   <a:themeElements>
-    <a:clrScheme name="Quotable">
+    <a:clrScheme name="Mesh">
       <a:dk1>
         <a:sysClr val="windowText" lastClr="000000"/>
       </a:dk1>
@@ -6227,37 +7172,37 @@
         <a:sysClr val="window" lastClr="FFFFFF"/>
       </a:lt1>
       <a:dk2>
-        <a:srgbClr val="212121"/>
+        <a:srgbClr val="363D46"/>
       </a:dk2>
       <a:lt2>
-        <a:srgbClr val="636363"/>
+        <a:srgbClr val="EBEBEB"/>
       </a:lt2>
       <a:accent1>
-        <a:srgbClr val="00C6BB"/>
+        <a:srgbClr val="6F6F6F"/>
       </a:accent1>
       <a:accent2>
-        <a:srgbClr val="6FEBA0"/>
+        <a:srgbClr val="BFBFA5"/>
       </a:accent2>
       <a:accent3>
-        <a:srgbClr val="B6DF5E"/>
+        <a:srgbClr val="DCD084"/>
       </a:accent3>
       <a:accent4>
-        <a:srgbClr val="EFB251"/>
+        <a:srgbClr val="E7BF5F"/>
       </a:accent4>
       <a:accent5>
-        <a:srgbClr val="EF755F"/>
+        <a:srgbClr val="E9A039"/>
       </a:accent5>
       <a:accent6>
-        <a:srgbClr val="ED515C"/>
+        <a:srgbClr val="CF7133"/>
       </a:accent6>
       <a:hlink>
-        <a:srgbClr val="8F8F8F"/>
+        <a:srgbClr val="F28943"/>
       </a:hlink>
       <a:folHlink>
-        <a:srgbClr val="A5A5A5"/>
+        <a:srgbClr val="F1B76C"/>
       </a:folHlink>
     </a:clrScheme>
-    <a:fontScheme name="Quotable">
+    <a:fontScheme name="Mesh">
       <a:majorFont>
         <a:latin typeface="Century Gothic" panose="020B0502020202020204"/>
         <a:ea typeface=""/>
@@ -6329,7 +7274,7 @@
         <a:font script="Geor" typeface="Sylfaen"/>
       </a:minorFont>
     </a:fontScheme>
-    <a:fmtScheme name="Quotable">
+    <a:fmtScheme name="Mesh">
       <a:fillStyleLst>
         <a:solidFill>
           <a:schemeClr val="phClr"/>
@@ -6338,33 +7283,35 @@
           <a:gsLst>
             <a:gs pos="0">
               <a:schemeClr val="phClr">
-                <a:tint val="80000"/>
-                <a:lumMod val="105000"/>
+                <a:tint val="60000"/>
+                <a:lumMod val="110000"/>
               </a:schemeClr>
             </a:gs>
             <a:gs pos="100000">
               <a:schemeClr val="phClr">
-                <a:tint val="90000"/>
+                <a:tint val="82000"/>
               </a:schemeClr>
             </a:gs>
           </a:gsLst>
           <a:lin ang="5400000" scaled="0"/>
         </a:gradFill>
-        <a:blipFill rotWithShape="1">
-          <a:blip xmlns:r="http://schemas.openxmlformats.org/officeDocument/2006/relationships" r:embed="rId1">
-            <a:duotone>
+        <a:gradFill rotWithShape="1">
+          <a:gsLst>
+            <a:gs pos="0">
               <a:schemeClr val="phClr">
-                <a:tint val="98000"/>
-                <a:lumMod val="102000"/>
+                <a:tint val="96000"/>
+                <a:lumMod val="104000"/>
               </a:schemeClr>
+            </a:gs>
+            <a:gs pos="100000">
               <a:schemeClr val="phClr">
-                <a:shade val="98000"/>
-                <a:lumMod val="98000"/>
+                <a:shade val="84000"/>
+                <a:lumMod val="84000"/>
               </a:schemeClr>
-            </a:duotone>
-          </a:blip>
-          <a:tile tx="0" ty="0" sx="100000" sy="100000" flip="none" algn="tl"/>
-        </a:blipFill>
+            </a:gs>
+          </a:gsLst>
+          <a:lin ang="5400000" scaled="0"/>
+        </a:gradFill>
       </a:fillStyleLst>
       <a:lnStyleLst>
         <a:ln w="9525" cap="rnd" cmpd="sng" algn="ctr">
@@ -6373,7 +7320,7 @@
           </a:solidFill>
           <a:prstDash val="solid"/>
         </a:ln>
-        <a:ln w="15875" cap="rnd" cmpd="sng" algn="ctr">
+        <a:ln w="19050" cap="rnd" cmpd="sng" algn="ctr">
           <a:solidFill>
             <a:schemeClr val="phClr"/>
           </a:solidFill>
@@ -6391,16 +7338,31 @@
           <a:effectLst/>
         </a:effectStyle>
         <a:effectStyle>
-          <a:effectLst/>
+          <a:effectLst>
+            <a:innerShdw blurRad="50800" dist="25400" dir="13500000">
+              <a:srgbClr val="000000">
+                <a:alpha val="55000"/>
+              </a:srgbClr>
+            </a:innerShdw>
+          </a:effectLst>
         </a:effectStyle>
         <a:effectStyle>
           <a:effectLst>
-            <a:innerShdw blurRad="63500" dist="25400" dir="13500000">
+            <a:outerShdw blurRad="50800" dist="38100" dir="5400000" rotWithShape="0">
               <a:srgbClr val="000000">
-                <a:alpha val="75000"/>
+                <a:alpha val="60000"/>
               </a:srgbClr>
-            </a:innerShdw>
+            </a:outerShdw>
           </a:effectLst>
+          <a:scene3d>
+            <a:camera prst="orthographicFront">
+              <a:rot lat="0" lon="0" rev="0"/>
+            </a:camera>
+            <a:lightRig rig="threePt" dir="tl"/>
+          </a:scene3d>
+          <a:sp3d>
+            <a:bevelT w="25400" h="25400" prst="slope"/>
+          </a:sp3d>
         </a:effectStyle>
       </a:effectStyleLst>
       <a:bgFillStyleLst>
@@ -6411,35 +7373,37 @@
           <a:gsLst>
             <a:gs pos="0">
               <a:schemeClr val="phClr">
-                <a:tint val="100000"/>
+                <a:tint val="90000"/>
+                <a:lumMod val="110000"/>
               </a:schemeClr>
             </a:gs>
             <a:gs pos="100000">
               <a:schemeClr val="phClr">
-                <a:tint val="84000"/>
-                <a:shade val="84000"/>
-                <a:lumMod val="90000"/>
+                <a:shade val="64000"/>
+                <a:lumMod val="98000"/>
               </a:schemeClr>
             </a:gs>
           </a:gsLst>
           <a:lin ang="5400000" scaled="0"/>
         </a:gradFill>
-        <a:gradFill rotWithShape="1">
-          <a:gsLst>
-            <a:gs pos="0">
+        <a:blipFill rotWithShape="1">
+          <a:blip xmlns:r="http://schemas.openxmlformats.org/officeDocument/2006/relationships" r:embed="rId1">
+            <a:duotone>
               <a:schemeClr val="phClr">
-                <a:tint val="84000"/>
-                <a:shade val="90000"/>
-                <a:satMod val="120000"/>
-                <a:lumMod val="90000"/>
+                <a:shade val="28000"/>
+                <a:satMod val="94000"/>
+                <a:lumMod val="20000"/>
               </a:schemeClr>
-            </a:gs>
-            <a:gs pos="100000">
-              <a:schemeClr val="phClr"/>
-            </a:gs>
-          </a:gsLst>
-          <a:lin ang="5400000" scaled="0"/>
-        </a:gradFill>
+              <a:schemeClr val="phClr">
+                <a:tint val="94000"/>
+                <a:shade val="84000"/>
+                <a:satMod val="148000"/>
+                <a:lumMod val="114000"/>
+              </a:schemeClr>
+            </a:duotone>
+          </a:blip>
+          <a:stretch/>
+        </a:blipFill>
       </a:bgFillStyleLst>
     </a:fmtScheme>
   </a:themeElements>
@@ -6447,7 +7411,7 @@
   <a:extraClrSchemeLst/>
   <a:extLst>
     <a:ext uri="{05A4C25C-085E-4340-85A3-A5531E510DB2}">
-      <thm15:themeFamily xmlns:thm15="http://schemas.microsoft.com/office/thememl/2012/main" name="Quotable" id="{39EC5628-30ED-4578-ACD8-9820EDB8E15A}" vid="{6F3559E9-1A4C-49D8-94D4-F41003531C49}"/>
+      <thm15:themeFamily xmlns:thm15="http://schemas.microsoft.com/office/thememl/2012/main" name="Mesh" id="{789EC3FE-34FD-429C-9918-760025E6C145}" vid="{B8BE45C0-8141-4D58-8C71-A009BC26FBBB}"/>
     </a:ext>
   </a:extLst>
 </a:theme>

--- a/output/generated_presentation.pptx
+++ b/output/generated_presentation.pptx
@@ -2,7 +2,7 @@
 <file path=ppt/presentation.xml><?xml version="1.0" encoding="utf-8"?>
 <p:presentation xmlns:a="http://schemas.openxmlformats.org/drawingml/2006/main" xmlns:r="http://schemas.openxmlformats.org/officeDocument/2006/relationships" xmlns:p="http://schemas.openxmlformats.org/presentationml/2006/main" saveSubsetFonts="1">
   <p:sldMasterIdLst>
-    <p:sldMasterId id="2147483756" r:id="rId1"/>
+    <p:sldMasterId id="2147483804" r:id="rId1"/>
   </p:sldMasterIdLst>
   <p:sldIdLst>
     <p:sldId id="256" r:id="rId2"/>
@@ -127,7 +127,7 @@
 </file>
 
 <file path=ppt/slideLayouts/slideLayout1.xml><?xml version="1.0" encoding="utf-8"?>
-<p:sldLayout xmlns:a="http://schemas.openxmlformats.org/drawingml/2006/main" xmlns:r="http://schemas.openxmlformats.org/officeDocument/2006/relationships" xmlns:p="http://schemas.openxmlformats.org/presentationml/2006/main" type="title" preserve="1">
+<p:sldLayout xmlns:a="http://schemas.openxmlformats.org/drawingml/2006/main" xmlns:r="http://schemas.openxmlformats.org/officeDocument/2006/relationships" xmlns:p="http://schemas.openxmlformats.org/presentationml/2006/main" showMasterSp="0" type="title" preserve="1">
   <p:cSld name="Title Slide">
     <p:spTree>
       <p:nvGrpSpPr>
@@ -143,6 +143,536 @@
           <a:chExt cx="0" cy="0"/>
         </a:xfrm>
       </p:grpSpPr>
+      <p:grpSp>
+        <p:nvGrpSpPr>
+          <p:cNvPr id="7" name="Group 6"/>
+          <p:cNvGrpSpPr/>
+          <p:nvPr/>
+        </p:nvGrpSpPr>
+        <p:grpSpPr>
+          <a:xfrm>
+            <a:off x="0" y="-8467"/>
+            <a:ext cx="12192000" cy="6866467"/>
+            <a:chOff x="0" y="-8467"/>
+            <a:chExt cx="12192000" cy="6866467"/>
+          </a:xfrm>
+        </p:grpSpPr>
+        <p:cxnSp>
+          <p:nvCxnSpPr>
+            <p:cNvPr id="32" name="Straight Connector 31"/>
+            <p:cNvCxnSpPr/>
+            <p:nvPr/>
+          </p:nvCxnSpPr>
+          <p:spPr>
+            <a:xfrm>
+              <a:off x="9371012" y="0"/>
+              <a:ext cx="1219200" cy="6858000"/>
+            </a:xfrm>
+            <a:prstGeom prst="line">
+              <a:avLst/>
+            </a:prstGeom>
+            <a:ln w="9525">
+              <a:solidFill>
+                <a:schemeClr val="bg1">
+                  <a:lumMod val="75000"/>
+                </a:schemeClr>
+              </a:solidFill>
+            </a:ln>
+          </p:spPr>
+          <p:style>
+            <a:lnRef idx="2">
+              <a:schemeClr val="accent1"/>
+            </a:lnRef>
+            <a:fillRef idx="0">
+              <a:schemeClr val="accent1"/>
+            </a:fillRef>
+            <a:effectRef idx="1">
+              <a:schemeClr val="accent1"/>
+            </a:effectRef>
+            <a:fontRef idx="minor">
+              <a:schemeClr val="tx1"/>
+            </a:fontRef>
+          </p:style>
+        </p:cxnSp>
+        <p:cxnSp>
+          <p:nvCxnSpPr>
+            <p:cNvPr id="21" name="Straight Connector 20"/>
+            <p:cNvCxnSpPr/>
+            <p:nvPr/>
+          </p:nvCxnSpPr>
+          <p:spPr>
+            <a:xfrm flipH="1">
+              <a:off x="7425267" y="3681413"/>
+              <a:ext cx="4763558" cy="3176587"/>
+            </a:xfrm>
+            <a:prstGeom prst="line">
+              <a:avLst/>
+            </a:prstGeom>
+            <a:ln w="9525">
+              <a:solidFill>
+                <a:schemeClr val="bg1">
+                  <a:lumMod val="85000"/>
+                </a:schemeClr>
+              </a:solidFill>
+            </a:ln>
+          </p:spPr>
+          <p:style>
+            <a:lnRef idx="2">
+              <a:schemeClr val="accent1"/>
+            </a:lnRef>
+            <a:fillRef idx="0">
+              <a:schemeClr val="accent1"/>
+            </a:fillRef>
+            <a:effectRef idx="1">
+              <a:schemeClr val="accent1"/>
+            </a:effectRef>
+            <a:fontRef idx="minor">
+              <a:schemeClr val="tx1"/>
+            </a:fontRef>
+          </p:style>
+        </p:cxnSp>
+        <p:sp>
+          <p:nvSpPr>
+            <p:cNvPr id="24" name="Rectangle 23"/>
+            <p:cNvSpPr/>
+            <p:nvPr/>
+          </p:nvSpPr>
+          <p:spPr>
+            <a:xfrm>
+              <a:off x="9181476" y="-8467"/>
+              <a:ext cx="3007349" cy="6866467"/>
+            </a:xfrm>
+            <a:custGeom>
+              <a:avLst/>
+              <a:gdLst/>
+              <a:ahLst/>
+              <a:cxnLst/>
+              <a:rect l="l" t="t" r="r" b="b"/>
+              <a:pathLst>
+                <a:path w="3007349" h="6866467">
+                  <a:moveTo>
+                    <a:pt x="2045532" y="0"/>
+                  </a:moveTo>
+                  <a:lnTo>
+                    <a:pt x="3007349" y="0"/>
+                  </a:lnTo>
+                  <a:lnTo>
+                    <a:pt x="3007349" y="6866467"/>
+                  </a:lnTo>
+                  <a:lnTo>
+                    <a:pt x="0" y="6866467"/>
+                  </a:lnTo>
+                  <a:lnTo>
+                    <a:pt x="2045532" y="0"/>
+                  </a:lnTo>
+                  <a:close/>
+                </a:path>
+              </a:pathLst>
+            </a:custGeom>
+            <a:solidFill>
+              <a:schemeClr val="accent1">
+                <a:alpha val="30000"/>
+              </a:schemeClr>
+            </a:solidFill>
+            <a:ln>
+              <a:noFill/>
+            </a:ln>
+            <a:effectLst/>
+          </p:spPr>
+          <p:style>
+            <a:lnRef idx="1">
+              <a:schemeClr val="accent1"/>
+            </a:lnRef>
+            <a:fillRef idx="3">
+              <a:schemeClr val="accent1"/>
+            </a:fillRef>
+            <a:effectRef idx="2">
+              <a:schemeClr val="accent1"/>
+            </a:effectRef>
+            <a:fontRef idx="minor">
+              <a:schemeClr val="lt1"/>
+            </a:fontRef>
+          </p:style>
+        </p:sp>
+        <p:sp>
+          <p:nvSpPr>
+            <p:cNvPr id="26" name="Rectangle 25"/>
+            <p:cNvSpPr/>
+            <p:nvPr/>
+          </p:nvSpPr>
+          <p:spPr>
+            <a:xfrm>
+              <a:off x="9603442" y="-8467"/>
+              <a:ext cx="2588558" cy="6866467"/>
+            </a:xfrm>
+            <a:custGeom>
+              <a:avLst/>
+              <a:gdLst/>
+              <a:ahLst/>
+              <a:cxnLst/>
+              <a:rect l="l" t="t" r="r" b="b"/>
+              <a:pathLst>
+                <a:path w="2573311" h="6866467">
+                  <a:moveTo>
+                    <a:pt x="0" y="0"/>
+                  </a:moveTo>
+                  <a:lnTo>
+                    <a:pt x="2573311" y="0"/>
+                  </a:lnTo>
+                  <a:lnTo>
+                    <a:pt x="2573311" y="6866467"/>
+                  </a:lnTo>
+                  <a:lnTo>
+                    <a:pt x="1202336" y="6866467"/>
+                  </a:lnTo>
+                  <a:lnTo>
+                    <a:pt x="0" y="0"/>
+                  </a:lnTo>
+                  <a:close/>
+                </a:path>
+              </a:pathLst>
+            </a:custGeom>
+            <a:solidFill>
+              <a:schemeClr val="accent1">
+                <a:alpha val="20000"/>
+              </a:schemeClr>
+            </a:solidFill>
+            <a:ln>
+              <a:noFill/>
+            </a:ln>
+            <a:effectLst/>
+          </p:spPr>
+          <p:style>
+            <a:lnRef idx="1">
+              <a:schemeClr val="accent1"/>
+            </a:lnRef>
+            <a:fillRef idx="3">
+              <a:schemeClr val="accent1"/>
+            </a:fillRef>
+            <a:effectRef idx="2">
+              <a:schemeClr val="accent1"/>
+            </a:effectRef>
+            <a:fontRef idx="minor">
+              <a:schemeClr val="lt1"/>
+            </a:fontRef>
+          </p:style>
+        </p:sp>
+        <p:sp>
+          <p:nvSpPr>
+            <p:cNvPr id="27" name="Isosceles Triangle 26"/>
+            <p:cNvSpPr/>
+            <p:nvPr/>
+          </p:nvSpPr>
+          <p:spPr>
+            <a:xfrm>
+              <a:off x="8932333" y="3048000"/>
+              <a:ext cx="3259667" cy="3810000"/>
+            </a:xfrm>
+            <a:prstGeom prst="triangle">
+              <a:avLst>
+                <a:gd name="adj" fmla="val 100000"/>
+              </a:avLst>
+            </a:prstGeom>
+            <a:solidFill>
+              <a:schemeClr val="accent2">
+                <a:alpha val="72000"/>
+              </a:schemeClr>
+            </a:solidFill>
+            <a:ln>
+              <a:noFill/>
+            </a:ln>
+            <a:effectLst/>
+          </p:spPr>
+          <p:style>
+            <a:lnRef idx="1">
+              <a:schemeClr val="accent1"/>
+            </a:lnRef>
+            <a:fillRef idx="3">
+              <a:schemeClr val="accent1"/>
+            </a:fillRef>
+            <a:effectRef idx="2">
+              <a:schemeClr val="accent1"/>
+            </a:effectRef>
+            <a:fontRef idx="minor">
+              <a:schemeClr val="lt1"/>
+            </a:fontRef>
+          </p:style>
+        </p:sp>
+        <p:sp>
+          <p:nvSpPr>
+            <p:cNvPr id="28" name="Rectangle 27"/>
+            <p:cNvSpPr/>
+            <p:nvPr/>
+          </p:nvSpPr>
+          <p:spPr>
+            <a:xfrm>
+              <a:off x="9334500" y="-8467"/>
+              <a:ext cx="2854326" cy="6866467"/>
+            </a:xfrm>
+            <a:custGeom>
+              <a:avLst/>
+              <a:gdLst/>
+              <a:ahLst/>
+              <a:cxnLst/>
+              <a:rect l="l" t="t" r="r" b="b"/>
+              <a:pathLst>
+                <a:path w="2858013" h="6866467">
+                  <a:moveTo>
+                    <a:pt x="0" y="0"/>
+                  </a:moveTo>
+                  <a:lnTo>
+                    <a:pt x="2858013" y="0"/>
+                  </a:lnTo>
+                  <a:lnTo>
+                    <a:pt x="2858013" y="6866467"/>
+                  </a:lnTo>
+                  <a:lnTo>
+                    <a:pt x="2473942" y="6866467"/>
+                  </a:lnTo>
+                  <a:lnTo>
+                    <a:pt x="0" y="0"/>
+                  </a:lnTo>
+                  <a:close/>
+                </a:path>
+              </a:pathLst>
+            </a:custGeom>
+            <a:solidFill>
+              <a:schemeClr val="accent2">
+                <a:lumMod val="75000"/>
+                <a:alpha val="70000"/>
+              </a:schemeClr>
+            </a:solidFill>
+            <a:ln>
+              <a:noFill/>
+            </a:ln>
+            <a:effectLst/>
+          </p:spPr>
+          <p:style>
+            <a:lnRef idx="1">
+              <a:schemeClr val="accent1"/>
+            </a:lnRef>
+            <a:fillRef idx="3">
+              <a:schemeClr val="accent1"/>
+            </a:fillRef>
+            <a:effectRef idx="2">
+              <a:schemeClr val="accent1"/>
+            </a:effectRef>
+            <a:fontRef idx="minor">
+              <a:schemeClr val="lt1"/>
+            </a:fontRef>
+          </p:style>
+        </p:sp>
+        <p:sp>
+          <p:nvSpPr>
+            <p:cNvPr id="29" name="Rectangle 28"/>
+            <p:cNvSpPr/>
+            <p:nvPr/>
+          </p:nvSpPr>
+          <p:spPr>
+            <a:xfrm>
+              <a:off x="10898730" y="-8467"/>
+              <a:ext cx="1290094" cy="6866467"/>
+            </a:xfrm>
+            <a:custGeom>
+              <a:avLst/>
+              <a:gdLst/>
+              <a:ahLst/>
+              <a:cxnLst/>
+              <a:rect l="l" t="t" r="r" b="b"/>
+              <a:pathLst>
+                <a:path w="1290094" h="6858000">
+                  <a:moveTo>
+                    <a:pt x="1019735" y="0"/>
+                  </a:moveTo>
+                  <a:lnTo>
+                    <a:pt x="1290094" y="0"/>
+                  </a:lnTo>
+                  <a:lnTo>
+                    <a:pt x="1290094" y="6858000"/>
+                  </a:lnTo>
+                  <a:lnTo>
+                    <a:pt x="0" y="6858000"/>
+                  </a:lnTo>
+                  <a:lnTo>
+                    <a:pt x="1019735" y="0"/>
+                  </a:lnTo>
+                  <a:close/>
+                </a:path>
+              </a:pathLst>
+            </a:custGeom>
+            <a:solidFill>
+              <a:schemeClr val="accent1">
+                <a:lumMod val="60000"/>
+                <a:lumOff val="40000"/>
+                <a:alpha val="70000"/>
+              </a:schemeClr>
+            </a:solidFill>
+            <a:ln>
+              <a:noFill/>
+            </a:ln>
+            <a:effectLst/>
+          </p:spPr>
+          <p:style>
+            <a:lnRef idx="1">
+              <a:schemeClr val="accent1"/>
+            </a:lnRef>
+            <a:fillRef idx="3">
+              <a:schemeClr val="accent1"/>
+            </a:fillRef>
+            <a:effectRef idx="2">
+              <a:schemeClr val="accent1"/>
+            </a:effectRef>
+            <a:fontRef idx="minor">
+              <a:schemeClr val="lt1"/>
+            </a:fontRef>
+          </p:style>
+        </p:sp>
+        <p:sp>
+          <p:nvSpPr>
+            <p:cNvPr id="30" name="Rectangle 29"/>
+            <p:cNvSpPr/>
+            <p:nvPr/>
+          </p:nvSpPr>
+          <p:spPr>
+            <a:xfrm>
+              <a:off x="10938999" y="-8467"/>
+              <a:ext cx="1249825" cy="6866467"/>
+            </a:xfrm>
+            <a:custGeom>
+              <a:avLst/>
+              <a:gdLst/>
+              <a:ahLst/>
+              <a:cxnLst/>
+              <a:rect l="l" t="t" r="r" b="b"/>
+              <a:pathLst>
+                <a:path w="1249825" h="6858000">
+                  <a:moveTo>
+                    <a:pt x="0" y="0"/>
+                  </a:moveTo>
+                  <a:lnTo>
+                    <a:pt x="1249825" y="0"/>
+                  </a:lnTo>
+                  <a:lnTo>
+                    <a:pt x="1249825" y="6858000"/>
+                  </a:lnTo>
+                  <a:lnTo>
+                    <a:pt x="1109382" y="6858000"/>
+                  </a:lnTo>
+                  <a:lnTo>
+                    <a:pt x="0" y="0"/>
+                  </a:lnTo>
+                  <a:close/>
+                </a:path>
+              </a:pathLst>
+            </a:custGeom>
+            <a:solidFill>
+              <a:schemeClr val="accent1">
+                <a:alpha val="65000"/>
+              </a:schemeClr>
+            </a:solidFill>
+            <a:ln>
+              <a:noFill/>
+            </a:ln>
+            <a:effectLst/>
+          </p:spPr>
+          <p:style>
+            <a:lnRef idx="1">
+              <a:schemeClr val="accent1"/>
+            </a:lnRef>
+            <a:fillRef idx="3">
+              <a:schemeClr val="accent1"/>
+            </a:fillRef>
+            <a:effectRef idx="2">
+              <a:schemeClr val="accent1"/>
+            </a:effectRef>
+            <a:fontRef idx="minor">
+              <a:schemeClr val="lt1"/>
+            </a:fontRef>
+          </p:style>
+        </p:sp>
+        <p:sp>
+          <p:nvSpPr>
+            <p:cNvPr id="31" name="Isosceles Triangle 30"/>
+            <p:cNvSpPr/>
+            <p:nvPr/>
+          </p:nvSpPr>
+          <p:spPr>
+            <a:xfrm>
+              <a:off x="10371666" y="3589867"/>
+              <a:ext cx="1817159" cy="3268133"/>
+            </a:xfrm>
+            <a:prstGeom prst="triangle">
+              <a:avLst>
+                <a:gd name="adj" fmla="val 100000"/>
+              </a:avLst>
+            </a:prstGeom>
+            <a:solidFill>
+              <a:schemeClr val="accent1">
+                <a:alpha val="80000"/>
+              </a:schemeClr>
+            </a:solidFill>
+            <a:ln>
+              <a:noFill/>
+            </a:ln>
+            <a:effectLst/>
+          </p:spPr>
+          <p:style>
+            <a:lnRef idx="1">
+              <a:schemeClr val="accent1"/>
+            </a:lnRef>
+            <a:fillRef idx="3">
+              <a:schemeClr val="accent1"/>
+            </a:fillRef>
+            <a:effectRef idx="2">
+              <a:schemeClr val="accent1"/>
+            </a:effectRef>
+            <a:fontRef idx="minor">
+              <a:schemeClr val="lt1"/>
+            </a:fontRef>
+          </p:style>
+        </p:sp>
+        <p:sp>
+          <p:nvSpPr>
+            <p:cNvPr id="19" name="Isosceles Triangle 18"/>
+            <p:cNvSpPr/>
+            <p:nvPr/>
+          </p:nvSpPr>
+          <p:spPr>
+            <a:xfrm rot="10800000">
+              <a:off x="0" y="0"/>
+              <a:ext cx="842596" cy="5666154"/>
+            </a:xfrm>
+            <a:prstGeom prst="triangle">
+              <a:avLst>
+                <a:gd name="adj" fmla="val 100000"/>
+              </a:avLst>
+            </a:prstGeom>
+            <a:solidFill>
+              <a:schemeClr val="accent1">
+                <a:alpha val="85000"/>
+              </a:schemeClr>
+            </a:solidFill>
+            <a:ln>
+              <a:noFill/>
+            </a:ln>
+            <a:effectLst/>
+          </p:spPr>
+          <p:style>
+            <a:lnRef idx="1">
+              <a:schemeClr val="accent1"/>
+            </a:lnRef>
+            <a:fillRef idx="3">
+              <a:schemeClr val="accent1"/>
+            </a:fillRef>
+            <a:effectRef idx="2">
+              <a:schemeClr val="accent1"/>
+            </a:effectRef>
+            <a:fontRef idx="minor">
+              <a:schemeClr val="lt1"/>
+            </a:fontRef>
+          </p:style>
+        </p:sp>
+      </p:grpSp>
       <p:sp>
         <p:nvSpPr>
           <p:cNvPr id="2" name="Title 1"/>
@@ -155,31 +685,20 @@
         </p:nvSpPr>
         <p:spPr>
           <a:xfrm>
-            <a:off x="1751012" y="609601"/>
-            <a:ext cx="8676222" cy="3200400"/>
+            <a:off x="1507067" y="2404534"/>
+            <a:ext cx="7766936" cy="1646302"/>
           </a:xfrm>
         </p:spPr>
         <p:txBody>
           <a:bodyPr anchor="b">
-            <a:normAutofit/>
+            <a:noAutofit/>
           </a:bodyPr>
           <a:lstStyle>
-            <a:lvl1pPr algn="ctr">
-              <a:defRPr sz="4800">
-                <a:effectLst>
-                  <a:glow rad="38100">
-                    <a:schemeClr val="bg1">
-                      <a:lumMod val="65000"/>
-                      <a:lumOff val="35000"/>
-                      <a:alpha val="50000"/>
-                    </a:schemeClr>
-                  </a:glow>
-                  <a:outerShdw blurRad="28575" dist="31750" dir="13200000" algn="tl" rotWithShape="0">
-                    <a:srgbClr val="000000">
-                      <a:alpha val="25000"/>
-                    </a:srgbClr>
-                  </a:outerShdw>
-                </a:effectLst>
+            <a:lvl1pPr algn="r">
+              <a:defRPr sz="5400">
+                <a:solidFill>
+                  <a:schemeClr val="accent1"/>
+                </a:solidFill>
               </a:defRPr>
             </a:lvl1pPr>
           </a:lstStyle>
@@ -204,32 +723,22 @@
         </p:nvSpPr>
         <p:spPr>
           <a:xfrm>
-            <a:off x="1751012" y="3886200"/>
-            <a:ext cx="8676222" cy="1905000"/>
+            <a:off x="1507067" y="4050833"/>
+            <a:ext cx="7766936" cy="1096899"/>
           </a:xfrm>
         </p:spPr>
         <p:txBody>
-          <a:bodyPr anchor="t">
-            <a:normAutofit/>
-          </a:bodyPr>
+          <a:bodyPr anchor="t"/>
           <a:lstStyle>
-            <a:lvl1pPr marL="0" indent="0" algn="ctr">
-              <a:buNone/>
-              <a:defRPr sz="2100">
-                <a:gradFill flip="none" rotWithShape="1">
-                  <a:gsLst>
-                    <a:gs pos="0">
-                      <a:schemeClr val="tx1"/>
-                    </a:gs>
-                    <a:gs pos="100000">
-                      <a:schemeClr val="tx1">
-                        <a:lumMod val="75000"/>
-                      </a:schemeClr>
-                    </a:gs>
-                  </a:gsLst>
-                  <a:lin ang="5400000" scaled="0"/>
-                  <a:tileRect/>
-                </a:gradFill>
+            <a:lvl1pPr marL="0" indent="0" algn="r">
+              <a:buNone/>
+              <a:defRPr>
+                <a:solidFill>
+                  <a:schemeClr val="tx1">
+                    <a:lumMod val="50000"/>
+                    <a:lumOff val="50000"/>
+                  </a:schemeClr>
+                </a:solidFill>
               </a:defRPr>
             </a:lvl1pPr>
             <a:lvl2pPr marL="457200" indent="0" algn="ctr">
@@ -390,7 +899,7 @@
     </p:spTree>
     <p:extLst>
       <p:ext uri="{BB962C8B-B14F-4D97-AF65-F5344CB8AC3E}">
-        <p14:creationId xmlns:p14="http://schemas.microsoft.com/office/powerpoint/2010/main" val="1355845252"/>
+        <p14:creationId xmlns:p14="http://schemas.microsoft.com/office/powerpoint/2010/main" val="2539772685"/>
       </p:ext>
     </p:extLst>
   </p:cSld>
@@ -401,297 +910,6 @@
 </file>
 
 <file path=ppt/slideLayouts/slideLayout10.xml><?xml version="1.0" encoding="utf-8"?>
-<p:sldLayout xmlns:a="http://schemas.openxmlformats.org/drawingml/2006/main" xmlns:r="http://schemas.openxmlformats.org/officeDocument/2006/relationships" xmlns:p="http://schemas.openxmlformats.org/presentationml/2006/main" preserve="1">
-  <p:cSld name="Panoramic Picture with Caption">
-    <p:spTree>
-      <p:nvGrpSpPr>
-        <p:cNvPr id="1" name=""/>
-        <p:cNvGrpSpPr/>
-        <p:nvPr/>
-      </p:nvGrpSpPr>
-      <p:grpSpPr>
-        <a:xfrm>
-          <a:off x="0" y="0"/>
-          <a:ext cx="0" cy="0"/>
-          <a:chOff x="0" y="0"/>
-          <a:chExt cx="0" cy="0"/>
-        </a:xfrm>
-      </p:grpSpPr>
-      <p:sp>
-        <p:nvSpPr>
-          <p:cNvPr id="2" name="Title 1"/>
-          <p:cNvSpPr>
-            <a:spLocks noGrp="1"/>
-          </p:cNvSpPr>
-          <p:nvPr>
-            <p:ph type="title"/>
-          </p:nvPr>
-        </p:nvSpPr>
-        <p:spPr>
-          <a:xfrm>
-            <a:off x="1141413" y="4732865"/>
-            <a:ext cx="9906000" cy="566738"/>
-          </a:xfrm>
-        </p:spPr>
-        <p:txBody>
-          <a:bodyPr anchor="b">
-            <a:normAutofit/>
-          </a:bodyPr>
-          <a:lstStyle>
-            <a:lvl1pPr algn="l">
-              <a:defRPr sz="2400" b="0"/>
-            </a:lvl1pPr>
-          </a:lstStyle>
-          <a:p>
-            <a:r>
-              <a:rPr lang="en-US"/>
-              <a:t>Click to edit Master title style</a:t>
-            </a:r>
-            <a:endParaRPr lang="en-US" dirty="0"/>
-          </a:p>
-        </p:txBody>
-      </p:sp>
-      <p:sp>
-        <p:nvSpPr>
-          <p:cNvPr id="3" name="Picture Placeholder 2"/>
-          <p:cNvSpPr>
-            <a:spLocks noGrp="1" noChangeAspect="1"/>
-          </p:cNvSpPr>
-          <p:nvPr>
-            <p:ph type="pic" idx="1"/>
-          </p:nvPr>
-        </p:nvSpPr>
-        <p:spPr>
-          <a:xfrm>
-            <a:off x="1979612" y="932112"/>
-            <a:ext cx="8225944" cy="3164976"/>
-          </a:xfrm>
-          <a:prstGeom prst="roundRect">
-            <a:avLst>
-              <a:gd name="adj" fmla="val 4380"/>
-            </a:avLst>
-          </a:prstGeom>
-          <a:ln w="38100">
-            <a:gradFill flip="none" rotWithShape="1">
-              <a:gsLst>
-                <a:gs pos="0">
-                  <a:schemeClr val="bg2"/>
-                </a:gs>
-                <a:gs pos="100000">
-                  <a:schemeClr val="bg2">
-                    <a:lumMod val="75000"/>
-                  </a:schemeClr>
-                </a:gs>
-              </a:gsLst>
-              <a:lin ang="5400000" scaled="0"/>
-              <a:tileRect/>
-            </a:gradFill>
-          </a:ln>
-          <a:effectLst>
-            <a:innerShdw blurRad="57150" dist="38100" dir="14460000">
-              <a:srgbClr val="000000">
-                <a:alpha val="70000"/>
-              </a:srgbClr>
-            </a:innerShdw>
-          </a:effectLst>
-        </p:spPr>
-        <p:txBody>
-          <a:bodyPr anchor="t">
-            <a:normAutofit/>
-          </a:bodyPr>
-          <a:lstStyle>
-            <a:lvl1pPr marL="0" indent="0" algn="ctr">
-              <a:buNone/>
-              <a:defRPr sz="1600"/>
-            </a:lvl1pPr>
-            <a:lvl2pPr marL="457200" indent="0">
-              <a:buNone/>
-              <a:defRPr sz="1600"/>
-            </a:lvl2pPr>
-            <a:lvl3pPr marL="914400" indent="0">
-              <a:buNone/>
-              <a:defRPr sz="1600"/>
-            </a:lvl3pPr>
-            <a:lvl4pPr marL="1371600" indent="0">
-              <a:buNone/>
-              <a:defRPr sz="1600"/>
-            </a:lvl4pPr>
-            <a:lvl5pPr marL="1828800" indent="0">
-              <a:buNone/>
-              <a:defRPr sz="1600"/>
-            </a:lvl5pPr>
-            <a:lvl6pPr marL="2286000" indent="0">
-              <a:buNone/>
-              <a:defRPr sz="1600"/>
-            </a:lvl6pPr>
-            <a:lvl7pPr marL="2743200" indent="0">
-              <a:buNone/>
-              <a:defRPr sz="1600"/>
-            </a:lvl7pPr>
-            <a:lvl8pPr marL="3200400" indent="0">
-              <a:buNone/>
-              <a:defRPr sz="1600"/>
-            </a:lvl8pPr>
-            <a:lvl9pPr marL="3657600" indent="0">
-              <a:buNone/>
-              <a:defRPr sz="1600"/>
-            </a:lvl9pPr>
-          </a:lstStyle>
-          <a:p>
-            <a:r>
-              <a:rPr lang="en-US"/>
-              <a:t>Click icon to add picture</a:t>
-            </a:r>
-            <a:endParaRPr lang="en-US" dirty="0"/>
-          </a:p>
-        </p:txBody>
-      </p:sp>
-      <p:sp>
-        <p:nvSpPr>
-          <p:cNvPr id="4" name="Text Placeholder 3"/>
-          <p:cNvSpPr>
-            <a:spLocks noGrp="1"/>
-          </p:cNvSpPr>
-          <p:nvPr>
-            <p:ph type="body" sz="half" idx="2"/>
-          </p:nvPr>
-        </p:nvSpPr>
-        <p:spPr>
-          <a:xfrm>
-            <a:off x="1141413" y="5299603"/>
-            <a:ext cx="9906000" cy="493712"/>
-          </a:xfrm>
-        </p:spPr>
-        <p:txBody>
-          <a:bodyPr>
-            <a:normAutofit/>
-          </a:bodyPr>
-          <a:lstStyle>
-            <a:lvl1pPr marL="0" indent="0">
-              <a:buNone/>
-              <a:defRPr sz="1400"/>
-            </a:lvl1pPr>
-            <a:lvl2pPr marL="457200" indent="0">
-              <a:buNone/>
-              <a:defRPr sz="1200"/>
-            </a:lvl2pPr>
-            <a:lvl3pPr marL="914400" indent="0">
-              <a:buNone/>
-              <a:defRPr sz="1000"/>
-            </a:lvl3pPr>
-            <a:lvl4pPr marL="1371600" indent="0">
-              <a:buNone/>
-              <a:defRPr sz="900"/>
-            </a:lvl4pPr>
-            <a:lvl5pPr marL="1828800" indent="0">
-              <a:buNone/>
-              <a:defRPr sz="900"/>
-            </a:lvl5pPr>
-            <a:lvl6pPr marL="2286000" indent="0">
-              <a:buNone/>
-              <a:defRPr sz="900"/>
-            </a:lvl6pPr>
-            <a:lvl7pPr marL="2743200" indent="0">
-              <a:buNone/>
-              <a:defRPr sz="900"/>
-            </a:lvl7pPr>
-            <a:lvl8pPr marL="3200400" indent="0">
-              <a:buNone/>
-              <a:defRPr sz="900"/>
-            </a:lvl8pPr>
-            <a:lvl9pPr marL="3657600" indent="0">
-              <a:buNone/>
-              <a:defRPr sz="900"/>
-            </a:lvl9pPr>
-          </a:lstStyle>
-          <a:p>
-            <a:pPr lvl="0"/>
-            <a:r>
-              <a:rPr lang="en-US"/>
-              <a:t>Click to edit Master text styles</a:t>
-            </a:r>
-          </a:p>
-        </p:txBody>
-      </p:sp>
-      <p:sp>
-        <p:nvSpPr>
-          <p:cNvPr id="5" name="Date Placeholder 4"/>
-          <p:cNvSpPr>
-            <a:spLocks noGrp="1"/>
-          </p:cNvSpPr>
-          <p:nvPr>
-            <p:ph type="dt" sz="half" idx="10"/>
-          </p:nvPr>
-        </p:nvSpPr>
-        <p:spPr/>
-        <p:txBody>
-          <a:bodyPr/>
-          <a:lstStyle/>
-          <a:p>
-            <a:fld id="{874FFE33-465F-4E9E-89CE-5F79E84B8B4B}" type="datetimeFigureOut">
-              <a:rPr lang="en-IN" smtClean="0"/>
-              <a:t>28-02-2025</a:t>
-            </a:fld>
-            <a:endParaRPr lang="en-IN"/>
-          </a:p>
-        </p:txBody>
-      </p:sp>
-      <p:sp>
-        <p:nvSpPr>
-          <p:cNvPr id="6" name="Footer Placeholder 5"/>
-          <p:cNvSpPr>
-            <a:spLocks noGrp="1"/>
-          </p:cNvSpPr>
-          <p:nvPr>
-            <p:ph type="ftr" sz="quarter" idx="11"/>
-          </p:nvPr>
-        </p:nvSpPr>
-        <p:spPr/>
-        <p:txBody>
-          <a:bodyPr/>
-          <a:lstStyle/>
-          <a:p>
-            <a:endParaRPr lang="en-IN"/>
-          </a:p>
-        </p:txBody>
-      </p:sp>
-      <p:sp>
-        <p:nvSpPr>
-          <p:cNvPr id="7" name="Slide Number Placeholder 6"/>
-          <p:cNvSpPr>
-            <a:spLocks noGrp="1"/>
-          </p:cNvSpPr>
-          <p:nvPr>
-            <p:ph type="sldNum" sz="quarter" idx="12"/>
-          </p:nvPr>
-        </p:nvSpPr>
-        <p:spPr/>
-        <p:txBody>
-          <a:bodyPr/>
-          <a:lstStyle/>
-          <a:p>
-            <a:fld id="{54BE194E-5C1C-4569-9491-10264D79D787}" type="slidenum">
-              <a:rPr lang="en-IN" smtClean="0"/>
-              <a:t>‹#›</a:t>
-            </a:fld>
-            <a:endParaRPr lang="en-IN"/>
-          </a:p>
-        </p:txBody>
-      </p:sp>
-    </p:spTree>
-    <p:extLst>
-      <p:ext uri="{BB962C8B-B14F-4D97-AF65-F5344CB8AC3E}">
-        <p14:creationId xmlns:p14="http://schemas.microsoft.com/office/powerpoint/2010/main" val="2693340215"/>
-      </p:ext>
-    </p:extLst>
-  </p:cSld>
-  <p:clrMapOvr>
-    <a:masterClrMapping/>
-  </p:clrMapOvr>
-</p:sldLayout>
-</file>
-
-<file path=ppt/slideLayouts/slideLayout11.xml><?xml version="1.0" encoding="utf-8"?>
 <p:sldLayout xmlns:a="http://schemas.openxmlformats.org/drawingml/2006/main" xmlns:r="http://schemas.openxmlformats.org/officeDocument/2006/relationships" xmlns:p="http://schemas.openxmlformats.org/presentationml/2006/main" preserve="1">
   <p:cSld name="Title and Caption">
     <p:spTree>
@@ -720,8 +938,8 @@
         </p:nvSpPr>
         <p:spPr>
           <a:xfrm>
-            <a:off x="1141412" y="609601"/>
-            <a:ext cx="9905999" cy="3124199"/>
+            <a:off x="677335" y="609600"/>
+            <a:ext cx="8596668" cy="3403600"/>
           </a:xfrm>
         </p:spPr>
         <p:txBody>
@@ -730,7 +948,7 @@
           </a:bodyPr>
           <a:lstStyle>
             <a:lvl1pPr algn="l">
-              <a:defRPr sz="3200" b="0" cap="all"/>
+              <a:defRPr sz="4400" b="0" cap="none"/>
             </a:lvl1pPr>
           </a:lstStyle>
           <a:p>
@@ -754,8 +972,8 @@
         </p:nvSpPr>
         <p:spPr>
           <a:xfrm>
-            <a:off x="1141411" y="4343400"/>
-            <a:ext cx="9906000" cy="1447800"/>
+            <a:off x="677335" y="4470400"/>
+            <a:ext cx="8596668" cy="1570962"/>
           </a:xfrm>
         </p:spPr>
         <p:txBody>
@@ -765,21 +983,13 @@
           <a:lstStyle>
             <a:lvl1pPr marL="0" indent="0" algn="l">
               <a:buNone/>
-              <a:defRPr sz="2000">
-                <a:gradFill flip="none" rotWithShape="1">
-                  <a:gsLst>
-                    <a:gs pos="0">
-                      <a:schemeClr val="tx1"/>
-                    </a:gs>
-                    <a:gs pos="100000">
-                      <a:schemeClr val="tx1">
-                        <a:lumMod val="75000"/>
-                      </a:schemeClr>
-                    </a:gs>
-                  </a:gsLst>
-                  <a:lin ang="5400000" scaled="0"/>
-                  <a:tileRect/>
-                </a:gradFill>
+              <a:defRPr sz="1800">
+                <a:solidFill>
+                  <a:schemeClr val="tx1">
+                    <a:lumMod val="75000"/>
+                    <a:lumOff val="25000"/>
+                  </a:schemeClr>
+                </a:solidFill>
               </a:defRPr>
             </a:lvl1pPr>
             <a:lvl2pPr marL="457200" indent="0">
@@ -940,7 +1150,7 @@
     </p:spTree>
     <p:extLst>
       <p:ext uri="{BB962C8B-B14F-4D97-AF65-F5344CB8AC3E}">
-        <p14:creationId xmlns:p14="http://schemas.microsoft.com/office/powerpoint/2010/main" val="1343636869"/>
+        <p14:creationId xmlns:p14="http://schemas.microsoft.com/office/powerpoint/2010/main" val="594993472"/>
       </p:ext>
     </p:extLst>
   </p:cSld>
@@ -950,7 +1160,7 @@
 </p:sldLayout>
 </file>
 
-<file path=ppt/slideLayouts/slideLayout12.xml><?xml version="1.0" encoding="utf-8"?>
+<file path=ppt/slideLayouts/slideLayout11.xml><?xml version="1.0" encoding="utf-8"?>
 <p:sldLayout xmlns:a="http://schemas.openxmlformats.org/drawingml/2006/main" xmlns:r="http://schemas.openxmlformats.org/officeDocument/2006/relationships" xmlns:p="http://schemas.openxmlformats.org/presentationml/2006/main" preserve="1">
   <p:cSld name="Quote with Caption">
     <p:spTree>
@@ -969,13 +1179,297 @@
       </p:grpSpPr>
       <p:sp>
         <p:nvSpPr>
-          <p:cNvPr id="14" name="TextBox 13"/>
+          <p:cNvPr id="2" name="Title 1"/>
+          <p:cNvSpPr>
+            <a:spLocks noGrp="1"/>
+          </p:cNvSpPr>
+          <p:nvPr>
+            <p:ph type="title"/>
+          </p:nvPr>
+        </p:nvSpPr>
+        <p:spPr>
+          <a:xfrm>
+            <a:off x="931334" y="609600"/>
+            <a:ext cx="8094134" cy="3022600"/>
+          </a:xfrm>
+        </p:spPr>
+        <p:txBody>
+          <a:bodyPr anchor="ctr">
+            <a:normAutofit/>
+          </a:bodyPr>
+          <a:lstStyle>
+            <a:lvl1pPr algn="l">
+              <a:defRPr sz="4400" b="0" cap="none"/>
+            </a:lvl1pPr>
+          </a:lstStyle>
+          <a:p>
+            <a:r>
+              <a:rPr lang="en-US"/>
+              <a:t>Click to edit Master title style</a:t>
+            </a:r>
+            <a:endParaRPr lang="en-US" dirty="0"/>
+          </a:p>
+        </p:txBody>
+      </p:sp>
+      <p:sp>
+        <p:nvSpPr>
+          <p:cNvPr id="23" name="Text Placeholder 9"/>
+          <p:cNvSpPr>
+            <a:spLocks noGrp="1"/>
+          </p:cNvSpPr>
+          <p:nvPr>
+            <p:ph type="body" sz="quarter" idx="13"/>
+          </p:nvPr>
+        </p:nvSpPr>
+        <p:spPr>
+          <a:xfrm>
+            <a:off x="1366139" y="3632200"/>
+            <a:ext cx="7224524" cy="381000"/>
+          </a:xfrm>
+        </p:spPr>
+        <p:txBody>
+          <a:bodyPr anchor="ctr">
+            <a:noAutofit/>
+          </a:bodyPr>
+          <a:lstStyle>
+            <a:lvl1pPr marL="0" indent="0">
+              <a:buFontTx/>
+              <a:buNone/>
+              <a:defRPr sz="1600">
+                <a:solidFill>
+                  <a:schemeClr val="tx1">
+                    <a:lumMod val="50000"/>
+                    <a:lumOff val="50000"/>
+                  </a:schemeClr>
+                </a:solidFill>
+              </a:defRPr>
+            </a:lvl1pPr>
+            <a:lvl2pPr marL="457200" indent="0">
+              <a:buFontTx/>
+              <a:buNone/>
+              <a:defRPr/>
+            </a:lvl2pPr>
+            <a:lvl3pPr marL="914400" indent="0">
+              <a:buFontTx/>
+              <a:buNone/>
+              <a:defRPr/>
+            </a:lvl3pPr>
+            <a:lvl4pPr marL="1371600" indent="0">
+              <a:buFontTx/>
+              <a:buNone/>
+              <a:defRPr/>
+            </a:lvl4pPr>
+            <a:lvl5pPr marL="1828800" indent="0">
+              <a:buFontTx/>
+              <a:buNone/>
+              <a:defRPr/>
+            </a:lvl5pPr>
+          </a:lstStyle>
+          <a:p>
+            <a:pPr lvl="0"/>
+            <a:r>
+              <a:rPr lang="en-US"/>
+              <a:t>Click to edit Master text styles</a:t>
+            </a:r>
+          </a:p>
+        </p:txBody>
+      </p:sp>
+      <p:sp>
+        <p:nvSpPr>
+          <p:cNvPr id="3" name="Text Placeholder 2"/>
+          <p:cNvSpPr>
+            <a:spLocks noGrp="1"/>
+          </p:cNvSpPr>
+          <p:nvPr>
+            <p:ph type="body" idx="1"/>
+          </p:nvPr>
+        </p:nvSpPr>
+        <p:spPr>
+          <a:xfrm>
+            <a:off x="677335" y="4470400"/>
+            <a:ext cx="8596668" cy="1570962"/>
+          </a:xfrm>
+        </p:spPr>
+        <p:txBody>
+          <a:bodyPr anchor="ctr">
+            <a:normAutofit/>
+          </a:bodyPr>
+          <a:lstStyle>
+            <a:lvl1pPr marL="0" indent="0" algn="l">
+              <a:buNone/>
+              <a:defRPr sz="1800">
+                <a:solidFill>
+                  <a:schemeClr val="tx1">
+                    <a:lumMod val="75000"/>
+                    <a:lumOff val="25000"/>
+                  </a:schemeClr>
+                </a:solidFill>
+              </a:defRPr>
+            </a:lvl1pPr>
+            <a:lvl2pPr marL="457200" indent="0">
+              <a:buNone/>
+              <a:defRPr sz="1800">
+                <a:solidFill>
+                  <a:schemeClr val="tx1">
+                    <a:tint val="75000"/>
+                  </a:schemeClr>
+                </a:solidFill>
+              </a:defRPr>
+            </a:lvl2pPr>
+            <a:lvl3pPr marL="914400" indent="0">
+              <a:buNone/>
+              <a:defRPr sz="1600">
+                <a:solidFill>
+                  <a:schemeClr val="tx1">
+                    <a:tint val="75000"/>
+                  </a:schemeClr>
+                </a:solidFill>
+              </a:defRPr>
+            </a:lvl3pPr>
+            <a:lvl4pPr marL="1371600" indent="0">
+              <a:buNone/>
+              <a:defRPr sz="1400">
+                <a:solidFill>
+                  <a:schemeClr val="tx1">
+                    <a:tint val="75000"/>
+                  </a:schemeClr>
+                </a:solidFill>
+              </a:defRPr>
+            </a:lvl4pPr>
+            <a:lvl5pPr marL="1828800" indent="0">
+              <a:buNone/>
+              <a:defRPr sz="1400">
+                <a:solidFill>
+                  <a:schemeClr val="tx1">
+                    <a:tint val="75000"/>
+                  </a:schemeClr>
+                </a:solidFill>
+              </a:defRPr>
+            </a:lvl5pPr>
+            <a:lvl6pPr marL="2286000" indent="0">
+              <a:buNone/>
+              <a:defRPr sz="1400">
+                <a:solidFill>
+                  <a:schemeClr val="tx1">
+                    <a:tint val="75000"/>
+                  </a:schemeClr>
+                </a:solidFill>
+              </a:defRPr>
+            </a:lvl6pPr>
+            <a:lvl7pPr marL="2743200" indent="0">
+              <a:buNone/>
+              <a:defRPr sz="1400">
+                <a:solidFill>
+                  <a:schemeClr val="tx1">
+                    <a:tint val="75000"/>
+                  </a:schemeClr>
+                </a:solidFill>
+              </a:defRPr>
+            </a:lvl7pPr>
+            <a:lvl8pPr marL="3200400" indent="0">
+              <a:buNone/>
+              <a:defRPr sz="1400">
+                <a:solidFill>
+                  <a:schemeClr val="tx1">
+                    <a:tint val="75000"/>
+                  </a:schemeClr>
+                </a:solidFill>
+              </a:defRPr>
+            </a:lvl8pPr>
+            <a:lvl9pPr marL="3657600" indent="0">
+              <a:buNone/>
+              <a:defRPr sz="1400">
+                <a:solidFill>
+                  <a:schemeClr val="tx1">
+                    <a:tint val="75000"/>
+                  </a:schemeClr>
+                </a:solidFill>
+              </a:defRPr>
+            </a:lvl9pPr>
+          </a:lstStyle>
+          <a:p>
+            <a:pPr lvl="0"/>
+            <a:r>
+              <a:rPr lang="en-US"/>
+              <a:t>Click to edit Master text styles</a:t>
+            </a:r>
+          </a:p>
+        </p:txBody>
+      </p:sp>
+      <p:sp>
+        <p:nvSpPr>
+          <p:cNvPr id="4" name="Date Placeholder 3"/>
+          <p:cNvSpPr>
+            <a:spLocks noGrp="1"/>
+          </p:cNvSpPr>
+          <p:nvPr>
+            <p:ph type="dt" sz="half" idx="10"/>
+          </p:nvPr>
+        </p:nvSpPr>
+        <p:spPr/>
+        <p:txBody>
+          <a:bodyPr/>
+          <a:lstStyle/>
+          <a:p>
+            <a:fld id="{874FFE33-465F-4E9E-89CE-5F79E84B8B4B}" type="datetimeFigureOut">
+              <a:rPr lang="en-IN" smtClean="0"/>
+              <a:t>28-02-2025</a:t>
+            </a:fld>
+            <a:endParaRPr lang="en-IN"/>
+          </a:p>
+        </p:txBody>
+      </p:sp>
+      <p:sp>
+        <p:nvSpPr>
+          <p:cNvPr id="5" name="Footer Placeholder 4"/>
+          <p:cNvSpPr>
+            <a:spLocks noGrp="1"/>
+          </p:cNvSpPr>
+          <p:nvPr>
+            <p:ph type="ftr" sz="quarter" idx="11"/>
+          </p:nvPr>
+        </p:nvSpPr>
+        <p:spPr/>
+        <p:txBody>
+          <a:bodyPr/>
+          <a:lstStyle/>
+          <a:p>
+            <a:endParaRPr lang="en-IN"/>
+          </a:p>
+        </p:txBody>
+      </p:sp>
+      <p:sp>
+        <p:nvSpPr>
+          <p:cNvPr id="6" name="Slide Number Placeholder 5"/>
+          <p:cNvSpPr>
+            <a:spLocks noGrp="1"/>
+          </p:cNvSpPr>
+          <p:nvPr>
+            <p:ph type="sldNum" sz="quarter" idx="12"/>
+          </p:nvPr>
+        </p:nvSpPr>
+        <p:spPr/>
+        <p:txBody>
+          <a:bodyPr/>
+          <a:lstStyle/>
+          <a:p>
+            <a:fld id="{54BE194E-5C1C-4569-9491-10264D79D787}" type="slidenum">
+              <a:rPr lang="en-IN" smtClean="0"/>
+              <a:t>‹#›</a:t>
+            </a:fld>
+            <a:endParaRPr lang="en-IN"/>
+          </a:p>
+        </p:txBody>
+      </p:sp>
+      <p:sp>
+        <p:nvSpPr>
+          <p:cNvPr id="20" name="TextBox 19"/>
           <p:cNvSpPr txBox="1"/>
           <p:nvPr/>
         </p:nvSpPr>
         <p:spPr>
           <a:xfrm>
-            <a:off x="836612" y="786824"/>
+            <a:off x="541870" y="790378"/>
             <a:ext cx="609600" cy="584776"/>
           </a:xfrm>
           <a:prstGeom prst="rect">
@@ -986,96 +1480,22 @@
           <a:bodyPr vert="horz" lIns="91440" tIns="45720" rIns="91440" bIns="45720" rtlCol="0" anchor="ctr">
             <a:noAutofit/>
           </a:bodyPr>
-          <a:lstStyle>
-            <a:lvl1pPr>
-              <a:spcBef>
-                <a:spcPct val="0"/>
-              </a:spcBef>
-              <a:buNone/>
-              <a:defRPr sz="3200" b="0" cap="all">
+          <a:lstStyle/>
+          <a:p>
+            <a:pPr lvl="0"/>
+            <a:r>
+              <a:rPr lang="en-US" sz="8000" baseline="0" dirty="0">
                 <a:ln w="3175" cmpd="sng">
                   <a:noFill/>
                 </a:ln>
-                <a:effectLst>
-                  <a:glow rad="38100">
-                    <a:schemeClr val="bg1">
-                      <a:lumMod val="65000"/>
-                      <a:lumOff val="35000"/>
-                      <a:alpha val="40000"/>
-                    </a:schemeClr>
-                  </a:glow>
-                  <a:outerShdw blurRad="28575" dist="38100" dir="14040000" algn="tl" rotWithShape="0">
-                    <a:srgbClr val="000000">
-                      <a:alpha val="25000"/>
-                    </a:srgbClr>
-                  </a:outerShdw>
-                </a:effectLst>
-              </a:defRPr>
-            </a:lvl1pPr>
-            <a:lvl2pPr>
-              <a:defRPr>
                 <a:solidFill>
-                  <a:schemeClr val="tx2"/>
+                  <a:schemeClr val="accent1">
+                    <a:lumMod val="60000"/>
+                    <a:lumOff val="40000"/>
+                  </a:schemeClr>
                 </a:solidFill>
-              </a:defRPr>
-            </a:lvl2pPr>
-            <a:lvl3pPr>
-              <a:defRPr>
-                <a:solidFill>
-                  <a:schemeClr val="tx2"/>
-                </a:solidFill>
-              </a:defRPr>
-            </a:lvl3pPr>
-            <a:lvl4pPr>
-              <a:defRPr>
-                <a:solidFill>
-                  <a:schemeClr val="tx2"/>
-                </a:solidFill>
-              </a:defRPr>
-            </a:lvl4pPr>
-            <a:lvl5pPr>
-              <a:defRPr>
-                <a:solidFill>
-                  <a:schemeClr val="tx2"/>
-                </a:solidFill>
-              </a:defRPr>
-            </a:lvl5pPr>
-            <a:lvl6pPr>
-              <a:defRPr>
-                <a:solidFill>
-                  <a:schemeClr val="tx2"/>
-                </a:solidFill>
-              </a:defRPr>
-            </a:lvl6pPr>
-            <a:lvl7pPr>
-              <a:defRPr>
-                <a:solidFill>
-                  <a:schemeClr val="tx2"/>
-                </a:solidFill>
-              </a:defRPr>
-            </a:lvl7pPr>
-            <a:lvl8pPr>
-              <a:defRPr>
-                <a:solidFill>
-                  <a:schemeClr val="tx2"/>
-                </a:solidFill>
-              </a:defRPr>
-            </a:lvl8pPr>
-            <a:lvl9pPr>
-              <a:defRPr>
-                <a:solidFill>
-                  <a:schemeClr val="tx2"/>
-                </a:solidFill>
-              </a:defRPr>
-            </a:lvl9pPr>
-          </a:lstStyle>
-          <a:p>
-            <a:pPr lvl="0"/>
-            <a:r>
-              <a:rPr lang="en-US" sz="8000" dirty="0">
-                <a:solidFill>
-                  <a:schemeClr val="accent1"/>
-                </a:solidFill>
+                <a:effectLst/>
+                <a:latin typeface="Arial"/>
               </a:rPr>
               <a:t>“</a:t>
             </a:r>
@@ -1084,13 +1504,13 @@
       </p:sp>
       <p:sp>
         <p:nvSpPr>
-          <p:cNvPr id="15" name="TextBox 14"/>
+          <p:cNvPr id="22" name="TextBox 21"/>
           <p:cNvSpPr txBox="1"/>
           <p:nvPr/>
         </p:nvSpPr>
         <p:spPr>
           <a:xfrm>
-            <a:off x="10437812" y="2743200"/>
+            <a:off x="8893011" y="2886556"/>
             <a:ext cx="609600" cy="584776"/>
           </a:xfrm>
           <a:prstGeom prst="rect">
@@ -1101,315 +1521,40 @@
           <a:bodyPr vert="horz" lIns="91440" tIns="45720" rIns="91440" bIns="45720" rtlCol="0" anchor="ctr">
             <a:noAutofit/>
           </a:bodyPr>
-          <a:lstStyle>
-            <a:lvl1pPr>
-              <a:spcBef>
-                <a:spcPct val="0"/>
-              </a:spcBef>
-              <a:buNone/>
-              <a:defRPr sz="3200" b="0" cap="all">
+          <a:lstStyle/>
+          <a:p>
+            <a:pPr lvl="0"/>
+            <a:r>
+              <a:rPr lang="en-US" sz="8000" baseline="0" dirty="0">
                 <a:ln w="3175" cmpd="sng">
                   <a:noFill/>
                 </a:ln>
-                <a:effectLst>
-                  <a:glow rad="38100">
-                    <a:schemeClr val="bg1">
-                      <a:lumMod val="65000"/>
-                      <a:lumOff val="35000"/>
-                      <a:alpha val="40000"/>
-                    </a:schemeClr>
-                  </a:glow>
-                  <a:outerShdw blurRad="28575" dist="38100" dir="14040000" algn="tl" rotWithShape="0">
-                    <a:srgbClr val="000000">
-                      <a:alpha val="25000"/>
-                    </a:srgbClr>
-                  </a:outerShdw>
-                </a:effectLst>
-              </a:defRPr>
-            </a:lvl1pPr>
-            <a:lvl2pPr>
-              <a:defRPr>
                 <a:solidFill>
-                  <a:schemeClr val="tx2"/>
+                  <a:schemeClr val="accent1">
+                    <a:lumMod val="60000"/>
+                    <a:lumOff val="40000"/>
+                  </a:schemeClr>
                 </a:solidFill>
-              </a:defRPr>
-            </a:lvl2pPr>
-            <a:lvl3pPr>
-              <a:defRPr>
-                <a:solidFill>
-                  <a:schemeClr val="tx2"/>
-                </a:solidFill>
-              </a:defRPr>
-            </a:lvl3pPr>
-            <a:lvl4pPr>
-              <a:defRPr>
-                <a:solidFill>
-                  <a:schemeClr val="tx2"/>
-                </a:solidFill>
-              </a:defRPr>
-            </a:lvl4pPr>
-            <a:lvl5pPr>
-              <a:defRPr>
-                <a:solidFill>
-                  <a:schemeClr val="tx2"/>
-                </a:solidFill>
-              </a:defRPr>
-            </a:lvl5pPr>
-            <a:lvl6pPr>
-              <a:defRPr>
-                <a:solidFill>
-                  <a:schemeClr val="tx2"/>
-                </a:solidFill>
-              </a:defRPr>
-            </a:lvl6pPr>
-            <a:lvl7pPr>
-              <a:defRPr>
-                <a:solidFill>
-                  <a:schemeClr val="tx2"/>
-                </a:solidFill>
-              </a:defRPr>
-            </a:lvl7pPr>
-            <a:lvl8pPr>
-              <a:defRPr>
-                <a:solidFill>
-                  <a:schemeClr val="tx2"/>
-                </a:solidFill>
-              </a:defRPr>
-            </a:lvl8pPr>
-            <a:lvl9pPr>
-              <a:defRPr>
-                <a:solidFill>
-                  <a:schemeClr val="tx2"/>
-                </a:solidFill>
-              </a:defRPr>
-            </a:lvl9pPr>
-          </a:lstStyle>
-          <a:p>
-            <a:pPr lvl="0" algn="r"/>
-            <a:r>
-              <a:rPr lang="en-US" sz="8000" dirty="0">
-                <a:solidFill>
-                  <a:schemeClr val="accent1"/>
-                </a:solidFill>
+                <a:latin typeface="Arial"/>
               </a:rPr>
               <a:t>”</a:t>
             </a:r>
-          </a:p>
-        </p:txBody>
-      </p:sp>
-      <p:sp>
-        <p:nvSpPr>
-          <p:cNvPr id="2" name="Title 1"/>
-          <p:cNvSpPr>
-            <a:spLocks noGrp="1"/>
-          </p:cNvSpPr>
-          <p:nvPr>
-            <p:ph type="title"/>
-          </p:nvPr>
-        </p:nvSpPr>
-        <p:spPr>
-          <a:xfrm>
-            <a:off x="1446213" y="609601"/>
-            <a:ext cx="9296398" cy="2743199"/>
-          </a:xfrm>
-        </p:spPr>
-        <p:txBody>
-          <a:bodyPr anchor="ctr">
-            <a:normAutofit/>
-          </a:bodyPr>
-          <a:lstStyle>
-            <a:lvl1pPr algn="l">
-              <a:defRPr sz="3200" b="0" cap="all">
-                <a:solidFill>
-                  <a:schemeClr val="tx1"/>
-                </a:solidFill>
-              </a:defRPr>
-            </a:lvl1pPr>
-          </a:lstStyle>
-          <a:p>
-            <a:r>
-              <a:rPr lang="en-US"/>
-              <a:t>Click to edit Master title style</a:t>
-            </a:r>
-            <a:endParaRPr lang="en-US" dirty="0"/>
-          </a:p>
-        </p:txBody>
-      </p:sp>
-      <p:sp>
-        <p:nvSpPr>
-          <p:cNvPr id="10" name="Text Placeholder 9"/>
-          <p:cNvSpPr>
-            <a:spLocks noGrp="1"/>
-          </p:cNvSpPr>
-          <p:nvPr>
-            <p:ph type="body" sz="quarter" idx="13"/>
-          </p:nvPr>
-        </p:nvSpPr>
-        <p:spPr>
-          <a:xfrm>
-            <a:off x="1674812" y="3352800"/>
-            <a:ext cx="8839202" cy="381000"/>
-          </a:xfrm>
-        </p:spPr>
-        <p:txBody>
-          <a:bodyPr anchor="ctr"/>
-          <a:lstStyle>
-            <a:lvl1pPr marL="0" indent="0">
-              <a:buFontTx/>
-              <a:buNone/>
-              <a:defRPr/>
-            </a:lvl1pPr>
-            <a:lvl2pPr marL="457200" indent="0">
-              <a:buFontTx/>
-              <a:buNone/>
-              <a:defRPr/>
-            </a:lvl2pPr>
-            <a:lvl3pPr marL="914400" indent="0">
-              <a:buFontTx/>
-              <a:buNone/>
-              <a:defRPr/>
-            </a:lvl3pPr>
-            <a:lvl4pPr marL="1371600" indent="0">
-              <a:buFontTx/>
-              <a:buNone/>
-              <a:defRPr/>
-            </a:lvl4pPr>
-            <a:lvl5pPr marL="1828800" indent="0">
-              <a:buFontTx/>
-              <a:buNone/>
-              <a:defRPr/>
-            </a:lvl5pPr>
-          </a:lstStyle>
-          <a:p>
-            <a:pPr lvl="0"/>
-            <a:r>
-              <a:rPr lang="en-US"/>
-              <a:t>Click to edit Master text styles</a:t>
-            </a:r>
-          </a:p>
-        </p:txBody>
-      </p:sp>
-      <p:sp>
-        <p:nvSpPr>
-          <p:cNvPr id="3" name="Text Placeholder 2"/>
-          <p:cNvSpPr>
-            <a:spLocks noGrp="1"/>
-          </p:cNvSpPr>
-          <p:nvPr>
-            <p:ph type="body" idx="1"/>
-          </p:nvPr>
-        </p:nvSpPr>
-        <p:spPr>
-          <a:xfrm>
-            <a:off x="1141411" y="4343400"/>
-            <a:ext cx="9906000" cy="1447800"/>
-          </a:xfrm>
-        </p:spPr>
-        <p:txBody>
-          <a:bodyPr vert="horz" lIns="91440" tIns="45720" rIns="91440" bIns="45720" rtlCol="0" anchor="ctr">
-            <a:normAutofit/>
-          </a:bodyPr>
-          <a:lstStyle>
-            <a:lvl1pPr>
-              <a:buNone/>
-              <a:defRPr lang="en-US" sz="2000">
-                <a:gradFill flip="none" rotWithShape="1">
-                  <a:gsLst>
-                    <a:gs pos="0">
-                      <a:schemeClr val="tx1"/>
-                    </a:gs>
-                    <a:gs pos="100000">
-                      <a:schemeClr val="tx1">
-                        <a:lumMod val="75000"/>
-                      </a:schemeClr>
-                    </a:gs>
-                  </a:gsLst>
-                  <a:lin ang="5400000" scaled="0"/>
-                  <a:tileRect/>
-                </a:gradFill>
-              </a:defRPr>
-            </a:lvl1pPr>
-          </a:lstStyle>
-          <a:p>
-            <a:pPr marL="0" lvl="0" indent="0">
-              <a:buNone/>
-            </a:pPr>
-            <a:r>
-              <a:rPr lang="en-US"/>
-              <a:t>Click to edit Master text styles</a:t>
-            </a:r>
-          </a:p>
-        </p:txBody>
-      </p:sp>
-      <p:sp>
-        <p:nvSpPr>
-          <p:cNvPr id="4" name="Date Placeholder 3"/>
-          <p:cNvSpPr>
-            <a:spLocks noGrp="1"/>
-          </p:cNvSpPr>
-          <p:nvPr>
-            <p:ph type="dt" sz="half" idx="10"/>
-          </p:nvPr>
-        </p:nvSpPr>
-        <p:spPr/>
-        <p:txBody>
-          <a:bodyPr/>
-          <a:lstStyle/>
-          <a:p>
-            <a:fld id="{874FFE33-465F-4E9E-89CE-5F79E84B8B4B}" type="datetimeFigureOut">
-              <a:rPr lang="en-IN" smtClean="0"/>
-              <a:t>28-02-2025</a:t>
-            </a:fld>
-            <a:endParaRPr lang="en-IN"/>
-          </a:p>
-        </p:txBody>
-      </p:sp>
-      <p:sp>
-        <p:nvSpPr>
-          <p:cNvPr id="5" name="Footer Placeholder 4"/>
-          <p:cNvSpPr>
-            <a:spLocks noGrp="1"/>
-          </p:cNvSpPr>
-          <p:nvPr>
-            <p:ph type="ftr" sz="quarter" idx="11"/>
-          </p:nvPr>
-        </p:nvSpPr>
-        <p:spPr/>
-        <p:txBody>
-          <a:bodyPr/>
-          <a:lstStyle/>
-          <a:p>
-            <a:endParaRPr lang="en-IN"/>
-          </a:p>
-        </p:txBody>
-      </p:sp>
-      <p:sp>
-        <p:nvSpPr>
-          <p:cNvPr id="6" name="Slide Number Placeholder 5"/>
-          <p:cNvSpPr>
-            <a:spLocks noGrp="1"/>
-          </p:cNvSpPr>
-          <p:nvPr>
-            <p:ph type="sldNum" sz="quarter" idx="12"/>
-          </p:nvPr>
-        </p:nvSpPr>
-        <p:spPr/>
-        <p:txBody>
-          <a:bodyPr/>
-          <a:lstStyle/>
-          <a:p>
-            <a:fld id="{54BE194E-5C1C-4569-9491-10264D79D787}" type="slidenum">
-              <a:rPr lang="en-IN" smtClean="0"/>
-              <a:t>‹#›</a:t>
-            </a:fld>
-            <a:endParaRPr lang="en-IN"/>
+            <a:endParaRPr lang="en-US" dirty="0">
+              <a:solidFill>
+                <a:schemeClr val="accent1">
+                  <a:lumMod val="60000"/>
+                  <a:lumOff val="40000"/>
+                </a:schemeClr>
+              </a:solidFill>
+              <a:latin typeface="Arial"/>
+            </a:endParaRPr>
           </a:p>
         </p:txBody>
       </p:sp>
     </p:spTree>
     <p:extLst>
       <p:ext uri="{BB962C8B-B14F-4D97-AF65-F5344CB8AC3E}">
-        <p14:creationId xmlns:p14="http://schemas.microsoft.com/office/powerpoint/2010/main" val="3631337419"/>
+        <p14:creationId xmlns:p14="http://schemas.microsoft.com/office/powerpoint/2010/main" val="1758881227"/>
       </p:ext>
     </p:extLst>
   </p:cSld>
@@ -1419,7 +1564,7 @@
 </p:sldLayout>
 </file>
 
-<file path=ppt/slideLayouts/slideLayout13.xml><?xml version="1.0" encoding="utf-8"?>
+<file path=ppt/slideLayouts/slideLayout12.xml><?xml version="1.0" encoding="utf-8"?>
 <p:sldLayout xmlns:a="http://schemas.openxmlformats.org/drawingml/2006/main" xmlns:r="http://schemas.openxmlformats.org/officeDocument/2006/relationships" xmlns:p="http://schemas.openxmlformats.org/presentationml/2006/main" preserve="1">
   <p:cSld name="Name Card">
     <p:spTree>
@@ -1448,8 +1593,8 @@
         </p:nvSpPr>
         <p:spPr>
           <a:xfrm>
-            <a:off x="1141412" y="3308581"/>
-            <a:ext cx="9906000" cy="1468800"/>
+            <a:off x="677335" y="1931988"/>
+            <a:ext cx="8596668" cy="2595460"/>
           </a:xfrm>
         </p:spPr>
         <p:txBody>
@@ -1458,7 +1603,7 @@
           </a:bodyPr>
           <a:lstStyle>
             <a:lvl1pPr algn="l">
-              <a:defRPr sz="3200" b="0" cap="all"/>
+              <a:defRPr sz="4400" b="0" cap="none"/>
             </a:lvl1pPr>
           </a:lstStyle>
           <a:p>
@@ -1482,38 +1627,109 @@
         </p:nvSpPr>
         <p:spPr>
           <a:xfrm>
-            <a:off x="1141410" y="4777381"/>
-            <a:ext cx="9906001" cy="860400"/>
+            <a:off x="677335" y="4527448"/>
+            <a:ext cx="8596668" cy="1513914"/>
           </a:xfrm>
         </p:spPr>
         <p:txBody>
-          <a:bodyPr vert="horz" lIns="91440" tIns="45720" rIns="91440" bIns="45720" rtlCol="0" anchor="t">
+          <a:bodyPr anchor="t">
             <a:normAutofit/>
           </a:bodyPr>
           <a:lstStyle>
-            <a:lvl1pPr>
-              <a:defRPr lang="en-US" sz="2000">
-                <a:gradFill flip="none" rotWithShape="1">
-                  <a:gsLst>
-                    <a:gs pos="0">
-                      <a:schemeClr val="tx1"/>
-                    </a:gs>
-                    <a:gs pos="100000">
-                      <a:schemeClr val="tx1">
-                        <a:lumMod val="75000"/>
-                      </a:schemeClr>
-                    </a:gs>
-                  </a:gsLst>
-                  <a:lin ang="5400000" scaled="0"/>
-                  <a:tileRect/>
-                </a:gradFill>
+            <a:lvl1pPr marL="0" indent="0" algn="l">
+              <a:buNone/>
+              <a:defRPr sz="1800">
+                <a:solidFill>
+                  <a:schemeClr val="tx1">
+                    <a:lumMod val="75000"/>
+                    <a:lumOff val="25000"/>
+                  </a:schemeClr>
+                </a:solidFill>
               </a:defRPr>
             </a:lvl1pPr>
+            <a:lvl2pPr marL="457200" indent="0">
+              <a:buNone/>
+              <a:defRPr sz="1800">
+                <a:solidFill>
+                  <a:schemeClr val="tx1">
+                    <a:tint val="75000"/>
+                  </a:schemeClr>
+                </a:solidFill>
+              </a:defRPr>
+            </a:lvl2pPr>
+            <a:lvl3pPr marL="914400" indent="0">
+              <a:buNone/>
+              <a:defRPr sz="1600">
+                <a:solidFill>
+                  <a:schemeClr val="tx1">
+                    <a:tint val="75000"/>
+                  </a:schemeClr>
+                </a:solidFill>
+              </a:defRPr>
+            </a:lvl3pPr>
+            <a:lvl4pPr marL="1371600" indent="0">
+              <a:buNone/>
+              <a:defRPr sz="1400">
+                <a:solidFill>
+                  <a:schemeClr val="tx1">
+                    <a:tint val="75000"/>
+                  </a:schemeClr>
+                </a:solidFill>
+              </a:defRPr>
+            </a:lvl4pPr>
+            <a:lvl5pPr marL="1828800" indent="0">
+              <a:buNone/>
+              <a:defRPr sz="1400">
+                <a:solidFill>
+                  <a:schemeClr val="tx1">
+                    <a:tint val="75000"/>
+                  </a:schemeClr>
+                </a:solidFill>
+              </a:defRPr>
+            </a:lvl5pPr>
+            <a:lvl6pPr marL="2286000" indent="0">
+              <a:buNone/>
+              <a:defRPr sz="1400">
+                <a:solidFill>
+                  <a:schemeClr val="tx1">
+                    <a:tint val="75000"/>
+                  </a:schemeClr>
+                </a:solidFill>
+              </a:defRPr>
+            </a:lvl6pPr>
+            <a:lvl7pPr marL="2743200" indent="0">
+              <a:buNone/>
+              <a:defRPr sz="1400">
+                <a:solidFill>
+                  <a:schemeClr val="tx1">
+                    <a:tint val="75000"/>
+                  </a:schemeClr>
+                </a:solidFill>
+              </a:defRPr>
+            </a:lvl7pPr>
+            <a:lvl8pPr marL="3200400" indent="0">
+              <a:buNone/>
+              <a:defRPr sz="1400">
+                <a:solidFill>
+                  <a:schemeClr val="tx1">
+                    <a:tint val="75000"/>
+                  </a:schemeClr>
+                </a:solidFill>
+              </a:defRPr>
+            </a:lvl8pPr>
+            <a:lvl9pPr marL="3657600" indent="0">
+              <a:buNone/>
+              <a:defRPr sz="1400">
+                <a:solidFill>
+                  <a:schemeClr val="tx1">
+                    <a:tint val="75000"/>
+                  </a:schemeClr>
+                </a:solidFill>
+              </a:defRPr>
+            </a:lvl9pPr>
           </a:lstStyle>
           <a:p>
-            <a:pPr marL="0" lvl="0" indent="0">
-              <a:buNone/>
-            </a:pPr>
+            <a:pPr lvl="0"/>
             <a:r>
               <a:rPr lang="en-US"/>
               <a:t>Click to edit Master text styles</a:t>
@@ -1589,7 +1805,7 @@
     </p:spTree>
     <p:extLst>
       <p:ext uri="{BB962C8B-B14F-4D97-AF65-F5344CB8AC3E}">
-        <p14:creationId xmlns:p14="http://schemas.microsoft.com/office/powerpoint/2010/main" val="2387322931"/>
+        <p14:creationId xmlns:p14="http://schemas.microsoft.com/office/powerpoint/2010/main" val="2645008418"/>
       </p:ext>
     </p:extLst>
   </p:cSld>
@@ -1599,7 +1815,7 @@
 </p:sldLayout>
 </file>
 
-<file path=ppt/slideLayouts/slideLayout14.xml><?xml version="1.0" encoding="utf-8"?>
+<file path=ppt/slideLayouts/slideLayout13.xml><?xml version="1.0" encoding="utf-8"?>
 <p:sldLayout xmlns:a="http://schemas.openxmlformats.org/drawingml/2006/main" xmlns:r="http://schemas.openxmlformats.org/officeDocument/2006/relationships" xmlns:p="http://schemas.openxmlformats.org/presentationml/2006/main" preserve="1">
   <p:cSld name="Quote Name Card">
     <p:spTree>
@@ -1618,248 +1834,18 @@
       </p:grpSpPr>
       <p:sp>
         <p:nvSpPr>
-          <p:cNvPr id="14" name="TextBox 13"/>
-          <p:cNvSpPr txBox="1"/>
-          <p:nvPr/>
+          <p:cNvPr id="2" name="Title 1"/>
+          <p:cNvSpPr>
+            <a:spLocks noGrp="1"/>
+          </p:cNvSpPr>
+          <p:nvPr>
+            <p:ph type="title"/>
+          </p:nvPr>
         </p:nvSpPr>
         <p:spPr>
           <a:xfrm>
-            <a:off x="836612" y="786824"/>
-            <a:ext cx="609600" cy="584776"/>
-          </a:xfrm>
-          <a:prstGeom prst="rect">
-            <a:avLst/>
-          </a:prstGeom>
-        </p:spPr>
-        <p:txBody>
-          <a:bodyPr vert="horz" lIns="91440" tIns="45720" rIns="91440" bIns="45720" rtlCol="0" anchor="ctr">
-            <a:noAutofit/>
-          </a:bodyPr>
-          <a:lstStyle>
-            <a:lvl1pPr>
-              <a:spcBef>
-                <a:spcPct val="0"/>
-              </a:spcBef>
-              <a:buNone/>
-              <a:defRPr sz="3200" b="0" cap="all">
-                <a:ln w="3175" cmpd="sng">
-                  <a:noFill/>
-                </a:ln>
-                <a:effectLst>
-                  <a:glow rad="38100">
-                    <a:schemeClr val="bg1">
-                      <a:lumMod val="65000"/>
-                      <a:lumOff val="35000"/>
-                      <a:alpha val="40000"/>
-                    </a:schemeClr>
-                  </a:glow>
-                  <a:outerShdw blurRad="28575" dist="38100" dir="14040000" algn="tl" rotWithShape="0">
-                    <a:srgbClr val="000000">
-                      <a:alpha val="25000"/>
-                    </a:srgbClr>
-                  </a:outerShdw>
-                </a:effectLst>
-              </a:defRPr>
-            </a:lvl1pPr>
-            <a:lvl2pPr>
-              <a:defRPr>
-                <a:solidFill>
-                  <a:schemeClr val="tx2"/>
-                </a:solidFill>
-              </a:defRPr>
-            </a:lvl2pPr>
-            <a:lvl3pPr>
-              <a:defRPr>
-                <a:solidFill>
-                  <a:schemeClr val="tx2"/>
-                </a:solidFill>
-              </a:defRPr>
-            </a:lvl3pPr>
-            <a:lvl4pPr>
-              <a:defRPr>
-                <a:solidFill>
-                  <a:schemeClr val="tx2"/>
-                </a:solidFill>
-              </a:defRPr>
-            </a:lvl4pPr>
-            <a:lvl5pPr>
-              <a:defRPr>
-                <a:solidFill>
-                  <a:schemeClr val="tx2"/>
-                </a:solidFill>
-              </a:defRPr>
-            </a:lvl5pPr>
-            <a:lvl6pPr>
-              <a:defRPr>
-                <a:solidFill>
-                  <a:schemeClr val="tx2"/>
-                </a:solidFill>
-              </a:defRPr>
-            </a:lvl6pPr>
-            <a:lvl7pPr>
-              <a:defRPr>
-                <a:solidFill>
-                  <a:schemeClr val="tx2"/>
-                </a:solidFill>
-              </a:defRPr>
-            </a:lvl7pPr>
-            <a:lvl8pPr>
-              <a:defRPr>
-                <a:solidFill>
-                  <a:schemeClr val="tx2"/>
-                </a:solidFill>
-              </a:defRPr>
-            </a:lvl8pPr>
-            <a:lvl9pPr>
-              <a:defRPr>
-                <a:solidFill>
-                  <a:schemeClr val="tx2"/>
-                </a:solidFill>
-              </a:defRPr>
-            </a:lvl9pPr>
-          </a:lstStyle>
-          <a:p>
-            <a:pPr lvl="0"/>
-            <a:r>
-              <a:rPr lang="en-US" sz="8000" dirty="0">
-                <a:solidFill>
-                  <a:schemeClr val="accent1"/>
-                </a:solidFill>
-              </a:rPr>
-              <a:t>“</a:t>
-            </a:r>
-          </a:p>
-        </p:txBody>
-      </p:sp>
-      <p:sp>
-        <p:nvSpPr>
-          <p:cNvPr id="15" name="TextBox 14"/>
-          <p:cNvSpPr txBox="1"/>
-          <p:nvPr/>
-        </p:nvSpPr>
-        <p:spPr>
-          <a:xfrm>
-            <a:off x="10437812" y="2743200"/>
-            <a:ext cx="609600" cy="584776"/>
-          </a:xfrm>
-          <a:prstGeom prst="rect">
-            <a:avLst/>
-          </a:prstGeom>
-        </p:spPr>
-        <p:txBody>
-          <a:bodyPr vert="horz" lIns="91440" tIns="45720" rIns="91440" bIns="45720" rtlCol="0" anchor="ctr">
-            <a:noAutofit/>
-          </a:bodyPr>
-          <a:lstStyle>
-            <a:lvl1pPr>
-              <a:spcBef>
-                <a:spcPct val="0"/>
-              </a:spcBef>
-              <a:buNone/>
-              <a:defRPr sz="3200" b="0" cap="all">
-                <a:ln w="3175" cmpd="sng">
-                  <a:noFill/>
-                </a:ln>
-                <a:effectLst>
-                  <a:glow rad="38100">
-                    <a:schemeClr val="bg1">
-                      <a:lumMod val="65000"/>
-                      <a:lumOff val="35000"/>
-                      <a:alpha val="40000"/>
-                    </a:schemeClr>
-                  </a:glow>
-                  <a:outerShdw blurRad="28575" dist="38100" dir="14040000" algn="tl" rotWithShape="0">
-                    <a:srgbClr val="000000">
-                      <a:alpha val="25000"/>
-                    </a:srgbClr>
-                  </a:outerShdw>
-                </a:effectLst>
-              </a:defRPr>
-            </a:lvl1pPr>
-            <a:lvl2pPr>
-              <a:defRPr>
-                <a:solidFill>
-                  <a:schemeClr val="tx2"/>
-                </a:solidFill>
-              </a:defRPr>
-            </a:lvl2pPr>
-            <a:lvl3pPr>
-              <a:defRPr>
-                <a:solidFill>
-                  <a:schemeClr val="tx2"/>
-                </a:solidFill>
-              </a:defRPr>
-            </a:lvl3pPr>
-            <a:lvl4pPr>
-              <a:defRPr>
-                <a:solidFill>
-                  <a:schemeClr val="tx2"/>
-                </a:solidFill>
-              </a:defRPr>
-            </a:lvl4pPr>
-            <a:lvl5pPr>
-              <a:defRPr>
-                <a:solidFill>
-                  <a:schemeClr val="tx2"/>
-                </a:solidFill>
-              </a:defRPr>
-            </a:lvl5pPr>
-            <a:lvl6pPr>
-              <a:defRPr>
-                <a:solidFill>
-                  <a:schemeClr val="tx2"/>
-                </a:solidFill>
-              </a:defRPr>
-            </a:lvl6pPr>
-            <a:lvl7pPr>
-              <a:defRPr>
-                <a:solidFill>
-                  <a:schemeClr val="tx2"/>
-                </a:solidFill>
-              </a:defRPr>
-            </a:lvl7pPr>
-            <a:lvl8pPr>
-              <a:defRPr>
-                <a:solidFill>
-                  <a:schemeClr val="tx2"/>
-                </a:solidFill>
-              </a:defRPr>
-            </a:lvl8pPr>
-            <a:lvl9pPr>
-              <a:defRPr>
-                <a:solidFill>
-                  <a:schemeClr val="tx2"/>
-                </a:solidFill>
-              </a:defRPr>
-            </a:lvl9pPr>
-          </a:lstStyle>
-          <a:p>
-            <a:pPr lvl="0" algn="r"/>
-            <a:r>
-              <a:rPr lang="en-US" sz="8000" dirty="0">
-                <a:solidFill>
-                  <a:schemeClr val="accent1"/>
-                </a:solidFill>
-              </a:rPr>
-              <a:t>”</a:t>
-            </a:r>
-          </a:p>
-        </p:txBody>
-      </p:sp>
-      <p:sp>
-        <p:nvSpPr>
-          <p:cNvPr id="2" name="Title 1"/>
-          <p:cNvSpPr>
-            <a:spLocks noGrp="1"/>
-          </p:cNvSpPr>
-          <p:nvPr>
-            <p:ph type="title"/>
-          </p:nvPr>
-        </p:nvSpPr>
-        <p:spPr>
-          <a:xfrm>
-            <a:off x="1446213" y="609601"/>
-            <a:ext cx="9296398" cy="2743199"/>
+            <a:off x="931334" y="609600"/>
+            <a:ext cx="8094134" cy="3022600"/>
           </a:xfrm>
         </p:spPr>
         <p:txBody>
@@ -1868,119 +1854,95 @@
           </a:bodyPr>
           <a:lstStyle>
             <a:lvl1pPr algn="l">
-              <a:defRPr sz="3200" b="0" cap="all">
-                <a:gradFill flip="none" rotWithShape="1">
-                  <a:gsLst>
-                    <a:gs pos="0">
-                      <a:schemeClr val="tx1"/>
-                    </a:gs>
-                    <a:gs pos="100000">
-                      <a:schemeClr val="tx1">
-                        <a:lumMod val="75000"/>
-                      </a:schemeClr>
-                    </a:gs>
-                  </a:gsLst>
-                  <a:lin ang="5400000" scaled="0"/>
-                  <a:tileRect/>
-                </a:gradFill>
+              <a:defRPr sz="4400" b="0" cap="none"/>
+            </a:lvl1pPr>
+          </a:lstStyle>
+          <a:p>
+            <a:r>
+              <a:rPr lang="en-US"/>
+              <a:t>Click to edit Master title style</a:t>
+            </a:r>
+            <a:endParaRPr lang="en-US" dirty="0"/>
+          </a:p>
+        </p:txBody>
+      </p:sp>
+      <p:sp>
+        <p:nvSpPr>
+          <p:cNvPr id="23" name="Text Placeholder 9"/>
+          <p:cNvSpPr>
+            <a:spLocks noGrp="1"/>
+          </p:cNvSpPr>
+          <p:nvPr>
+            <p:ph type="body" sz="quarter" idx="13"/>
+          </p:nvPr>
+        </p:nvSpPr>
+        <p:spPr>
+          <a:xfrm>
+            <a:off x="677332" y="4013200"/>
+            <a:ext cx="8596669" cy="514248"/>
+          </a:xfrm>
+        </p:spPr>
+        <p:txBody>
+          <a:bodyPr anchor="b">
+            <a:noAutofit/>
+          </a:bodyPr>
+          <a:lstStyle>
+            <a:lvl1pPr marL="0" indent="0">
+              <a:buFontTx/>
+              <a:buNone/>
+              <a:defRPr sz="2400">
+                <a:solidFill>
+                  <a:schemeClr val="tx1">
+                    <a:lumMod val="75000"/>
+                    <a:lumOff val="25000"/>
+                  </a:schemeClr>
+                </a:solidFill>
               </a:defRPr>
             </a:lvl1pPr>
+            <a:lvl2pPr marL="457200" indent="0">
+              <a:buFontTx/>
+              <a:buNone/>
+              <a:defRPr/>
+            </a:lvl2pPr>
+            <a:lvl3pPr marL="914400" indent="0">
+              <a:buFontTx/>
+              <a:buNone/>
+              <a:defRPr/>
+            </a:lvl3pPr>
+            <a:lvl4pPr marL="1371600" indent="0">
+              <a:buFontTx/>
+              <a:buNone/>
+              <a:defRPr/>
+            </a:lvl4pPr>
+            <a:lvl5pPr marL="1828800" indent="0">
+              <a:buFontTx/>
+              <a:buNone/>
+              <a:defRPr/>
+            </a:lvl5pPr>
           </a:lstStyle>
           <a:p>
+            <a:pPr lvl="0"/>
             <a:r>
               <a:rPr lang="en-US"/>
-              <a:t>Click to edit Master title style</a:t>
-            </a:r>
-            <a:endParaRPr lang="en-US" dirty="0"/>
-          </a:p>
-        </p:txBody>
-      </p:sp>
-      <p:sp>
-        <p:nvSpPr>
-          <p:cNvPr id="10" name="Text Placeholder 9"/>
-          <p:cNvSpPr>
-            <a:spLocks noGrp="1"/>
-          </p:cNvSpPr>
-          <p:nvPr>
-            <p:ph type="body" sz="quarter" idx="13"/>
+              <a:t>Click to edit Master text styles</a:t>
+            </a:r>
+          </a:p>
+        </p:txBody>
+      </p:sp>
+      <p:sp>
+        <p:nvSpPr>
+          <p:cNvPr id="3" name="Text Placeholder 2"/>
+          <p:cNvSpPr>
+            <a:spLocks noGrp="1"/>
+          </p:cNvSpPr>
+          <p:nvPr>
+            <p:ph type="body" idx="1"/>
           </p:nvPr>
         </p:nvSpPr>
         <p:spPr>
           <a:xfrm>
-            <a:off x="1141412" y="3886200"/>
-            <a:ext cx="9906000" cy="889000"/>
-          </a:xfrm>
-        </p:spPr>
-        <p:txBody>
-          <a:bodyPr vert="horz" lIns="91440" tIns="45720" rIns="91440" bIns="45720" rtlCol="0" anchor="b">
-            <a:normAutofit/>
-          </a:bodyPr>
-          <a:lstStyle>
-            <a:lvl1pPr>
-              <a:buNone/>
-              <a:defRPr lang="en-US" sz="2400" b="0" cap="all" dirty="0">
-                <a:ln w="3175" cmpd="sng">
-                  <a:noFill/>
-                </a:ln>
-                <a:gradFill flip="none" rotWithShape="1">
-                  <a:gsLst>
-                    <a:gs pos="0">
-                      <a:schemeClr val="tx1"/>
-                    </a:gs>
-                    <a:gs pos="100000">
-                      <a:schemeClr val="tx1">
-                        <a:lumMod val="75000"/>
-                      </a:schemeClr>
-                    </a:gs>
-                  </a:gsLst>
-                  <a:lin ang="5400000" scaled="0"/>
-                  <a:tileRect/>
-                </a:gradFill>
-                <a:effectLst>
-                  <a:glow rad="38100">
-                    <a:schemeClr val="bg1">
-                      <a:lumMod val="65000"/>
-                      <a:lumOff val="35000"/>
-                      <a:alpha val="40000"/>
-                    </a:schemeClr>
-                  </a:glow>
-                  <a:outerShdw blurRad="28575" dist="38100" dir="14040000" algn="tl" rotWithShape="0">
-                    <a:srgbClr val="000000">
-                      <a:alpha val="25000"/>
-                    </a:srgbClr>
-                  </a:outerShdw>
-                </a:effectLst>
-              </a:defRPr>
-            </a:lvl1pPr>
-          </a:lstStyle>
-          <a:p>
-            <a:pPr marL="0" lvl="0">
-              <a:spcBef>
-                <a:spcPct val="0"/>
-              </a:spcBef>
-              <a:buNone/>
-            </a:pPr>
-            <a:r>
-              <a:rPr lang="en-US"/>
-              <a:t>Click to edit Master text styles</a:t>
-            </a:r>
-          </a:p>
-        </p:txBody>
-      </p:sp>
-      <p:sp>
-        <p:nvSpPr>
-          <p:cNvPr id="3" name="Text Placeholder 2"/>
-          <p:cNvSpPr>
-            <a:spLocks noGrp="1"/>
-          </p:cNvSpPr>
-          <p:nvPr>
-            <p:ph type="body" idx="1"/>
-          </p:nvPr>
-        </p:nvSpPr>
-        <p:spPr>
-          <a:xfrm>
-            <a:off x="1141411" y="4775200"/>
-            <a:ext cx="9906000" cy="1016000"/>
+            <a:off x="677335" y="4527448"/>
+            <a:ext cx="8596668" cy="1513914"/>
           </a:xfrm>
         </p:spPr>
         <p:txBody>
@@ -1991,20 +1953,12 @@
             <a:lvl1pPr marL="0" indent="0" algn="l">
               <a:buNone/>
               <a:defRPr sz="1800">
-                <a:gradFill flip="none" rotWithShape="1">
-                  <a:gsLst>
-                    <a:gs pos="0">
-                      <a:schemeClr val="tx1"/>
-                    </a:gs>
-                    <a:gs pos="100000">
-                      <a:schemeClr val="tx1">
-                        <a:lumMod val="75000"/>
-                      </a:schemeClr>
-                    </a:gs>
-                  </a:gsLst>
-                  <a:lin ang="5400000" scaled="0"/>
-                  <a:tileRect/>
-                </a:gradFill>
+                <a:solidFill>
+                  <a:schemeClr val="tx1">
+                    <a:lumMod val="50000"/>
+                    <a:lumOff val="50000"/>
+                  </a:schemeClr>
+                </a:solidFill>
               </a:defRPr>
             </a:lvl1pPr>
             <a:lvl2pPr marL="457200" indent="0">
@@ -2162,10 +2116,92 @@
           </a:p>
         </p:txBody>
       </p:sp>
+      <p:sp>
+        <p:nvSpPr>
+          <p:cNvPr id="24" name="TextBox 23"/>
+          <p:cNvSpPr txBox="1"/>
+          <p:nvPr/>
+        </p:nvSpPr>
+        <p:spPr>
+          <a:xfrm>
+            <a:off x="541870" y="790378"/>
+            <a:ext cx="609600" cy="584776"/>
+          </a:xfrm>
+          <a:prstGeom prst="rect">
+            <a:avLst/>
+          </a:prstGeom>
+        </p:spPr>
+        <p:txBody>
+          <a:bodyPr vert="horz" lIns="91440" tIns="45720" rIns="91440" bIns="45720" rtlCol="0" anchor="ctr">
+            <a:noAutofit/>
+          </a:bodyPr>
+          <a:lstStyle/>
+          <a:p>
+            <a:pPr lvl="0"/>
+            <a:r>
+              <a:rPr lang="en-US" sz="8000" baseline="0" dirty="0">
+                <a:ln w="3175" cmpd="sng">
+                  <a:noFill/>
+                </a:ln>
+                <a:solidFill>
+                  <a:schemeClr val="accent1">
+                    <a:lumMod val="60000"/>
+                    <a:lumOff val="40000"/>
+                  </a:schemeClr>
+                </a:solidFill>
+                <a:effectLst/>
+                <a:latin typeface="Arial"/>
+              </a:rPr>
+              <a:t>“</a:t>
+            </a:r>
+          </a:p>
+        </p:txBody>
+      </p:sp>
+      <p:sp>
+        <p:nvSpPr>
+          <p:cNvPr id="25" name="TextBox 24"/>
+          <p:cNvSpPr txBox="1"/>
+          <p:nvPr/>
+        </p:nvSpPr>
+        <p:spPr>
+          <a:xfrm>
+            <a:off x="8893011" y="2886556"/>
+            <a:ext cx="609600" cy="584776"/>
+          </a:xfrm>
+          <a:prstGeom prst="rect">
+            <a:avLst/>
+          </a:prstGeom>
+        </p:spPr>
+        <p:txBody>
+          <a:bodyPr vert="horz" lIns="91440" tIns="45720" rIns="91440" bIns="45720" rtlCol="0" anchor="ctr">
+            <a:noAutofit/>
+          </a:bodyPr>
+          <a:lstStyle/>
+          <a:p>
+            <a:pPr lvl="0"/>
+            <a:r>
+              <a:rPr lang="en-US" sz="8000" baseline="0" dirty="0">
+                <a:ln w="3175" cmpd="sng">
+                  <a:noFill/>
+                </a:ln>
+                <a:solidFill>
+                  <a:schemeClr val="accent1">
+                    <a:lumMod val="60000"/>
+                    <a:lumOff val="40000"/>
+                  </a:schemeClr>
+                </a:solidFill>
+                <a:effectLst/>
+                <a:latin typeface="Arial"/>
+              </a:rPr>
+              <a:t>”</a:t>
+            </a:r>
+          </a:p>
+        </p:txBody>
+      </p:sp>
     </p:spTree>
     <p:extLst>
       <p:ext uri="{BB962C8B-B14F-4D97-AF65-F5344CB8AC3E}">
-        <p14:creationId xmlns:p14="http://schemas.microsoft.com/office/powerpoint/2010/main" val="1930468055"/>
+        <p14:creationId xmlns:p14="http://schemas.microsoft.com/office/powerpoint/2010/main" val="207095162"/>
       </p:ext>
     </p:extLst>
   </p:cSld>
@@ -2175,7 +2211,7 @@
 </p:sldLayout>
 </file>
 
-<file path=ppt/slideLayouts/slideLayout15.xml><?xml version="1.0" encoding="utf-8"?>
+<file path=ppt/slideLayouts/slideLayout14.xml><?xml version="1.0" encoding="utf-8"?>
 <p:sldLayout xmlns:a="http://schemas.openxmlformats.org/drawingml/2006/main" xmlns:r="http://schemas.openxmlformats.org/officeDocument/2006/relationships" xmlns:p="http://schemas.openxmlformats.org/presentationml/2006/main" preserve="1">
   <p:cSld name="True or False">
     <p:spTree>
@@ -2204,21 +2240,20 @@
         </p:nvSpPr>
         <p:spPr>
           <a:xfrm>
-            <a:off x="1141412" y="609601"/>
-            <a:ext cx="9905999" cy="2743199"/>
+            <a:off x="685799" y="609600"/>
+            <a:ext cx="8588203" cy="3022600"/>
           </a:xfrm>
         </p:spPr>
         <p:txBody>
-          <a:bodyPr vert="horz" lIns="91440" tIns="45720" rIns="91440" bIns="45720" rtlCol="0" anchor="ctr">
+          <a:bodyPr anchor="ctr">
             <a:normAutofit/>
           </a:bodyPr>
           <a:lstStyle>
-            <a:lvl1pPr>
-              <a:defRPr lang="en-US" b="0" dirty="0"/>
+            <a:lvl1pPr algn="l">
+              <a:defRPr sz="4400" b="0" cap="none"/>
             </a:lvl1pPr>
           </a:lstStyle>
           <a:p>
-            <a:pPr marL="0" lvl="0"/>
             <a:r>
               <a:rPr lang="en-US"/>
               <a:t>Click to edit Master title style</a:t>
@@ -2229,7 +2264,7 @@
       </p:sp>
       <p:sp>
         <p:nvSpPr>
-          <p:cNvPr id="10" name="Text Placeholder 9"/>
+          <p:cNvPr id="23" name="Text Placeholder 9"/>
           <p:cNvSpPr>
             <a:spLocks noGrp="1"/>
           </p:cNvSpPr>
@@ -2239,59 +2274,47 @@
         </p:nvSpPr>
         <p:spPr>
           <a:xfrm>
-            <a:off x="1141412" y="3505200"/>
-            <a:ext cx="9906000" cy="838200"/>
+            <a:off x="677332" y="4013200"/>
+            <a:ext cx="8596669" cy="514248"/>
           </a:xfrm>
         </p:spPr>
         <p:txBody>
-          <a:bodyPr vert="horz" lIns="91440" tIns="45720" rIns="91440" bIns="45720" rtlCol="0" anchor="b">
-            <a:normAutofit/>
+          <a:bodyPr anchor="b">
+            <a:noAutofit/>
           </a:bodyPr>
           <a:lstStyle>
-            <a:lvl1pPr>
-              <a:buNone/>
-              <a:defRPr lang="en-US" sz="2800" b="0" cap="all" dirty="0">
-                <a:ln w="3175" cmpd="sng">
-                  <a:noFill/>
-                </a:ln>
-                <a:gradFill flip="none" rotWithShape="1">
-                  <a:gsLst>
-                    <a:gs pos="0">
-                      <a:schemeClr val="tx1"/>
-                    </a:gs>
-                    <a:gs pos="100000">
-                      <a:schemeClr val="tx1">
-                        <a:lumMod val="75000"/>
-                      </a:schemeClr>
-                    </a:gs>
-                  </a:gsLst>
-                  <a:lin ang="5400000" scaled="0"/>
-                  <a:tileRect/>
-                </a:gradFill>
-                <a:effectLst>
-                  <a:glow rad="38100">
-                    <a:schemeClr val="bg1">
-                      <a:lumMod val="65000"/>
-                      <a:lumOff val="35000"/>
-                      <a:alpha val="40000"/>
-                    </a:schemeClr>
-                  </a:glow>
-                  <a:outerShdw blurRad="28575" dist="38100" dir="14040000" algn="tl" rotWithShape="0">
-                    <a:srgbClr val="000000">
-                      <a:alpha val="25000"/>
-                    </a:srgbClr>
-                  </a:outerShdw>
-                </a:effectLst>
+            <a:lvl1pPr marL="0" indent="0">
+              <a:buFontTx/>
+              <a:buNone/>
+              <a:defRPr sz="2400">
+                <a:solidFill>
+                  <a:schemeClr val="accent1"/>
+                </a:solidFill>
               </a:defRPr>
             </a:lvl1pPr>
+            <a:lvl2pPr marL="457200" indent="0">
+              <a:buFontTx/>
+              <a:buNone/>
+              <a:defRPr/>
+            </a:lvl2pPr>
+            <a:lvl3pPr marL="914400" indent="0">
+              <a:buFontTx/>
+              <a:buNone/>
+              <a:defRPr/>
+            </a:lvl3pPr>
+            <a:lvl4pPr marL="1371600" indent="0">
+              <a:buFontTx/>
+              <a:buNone/>
+              <a:defRPr/>
+            </a:lvl4pPr>
+            <a:lvl5pPr marL="1828800" indent="0">
+              <a:buFontTx/>
+              <a:buNone/>
+              <a:defRPr/>
+            </a:lvl5pPr>
           </a:lstStyle>
           <a:p>
-            <a:pPr marL="0" lvl="0">
-              <a:spcBef>
-                <a:spcPct val="0"/>
-              </a:spcBef>
-              <a:buNone/>
-            </a:pPr>
+            <a:pPr lvl="0"/>
             <a:r>
               <a:rPr lang="en-US"/>
               <a:t>Click to edit Master text styles</a:t>
@@ -2311,8 +2334,8 @@
         </p:nvSpPr>
         <p:spPr>
           <a:xfrm>
-            <a:off x="1141411" y="4343400"/>
-            <a:ext cx="9906000" cy="1447800"/>
+            <a:off x="677335" y="4527448"/>
+            <a:ext cx="8596668" cy="1513914"/>
           </a:xfrm>
         </p:spPr>
         <p:txBody>
@@ -2323,20 +2346,12 @@
             <a:lvl1pPr marL="0" indent="0" algn="l">
               <a:buNone/>
               <a:defRPr sz="1800">
-                <a:gradFill flip="none" rotWithShape="1">
-                  <a:gsLst>
-                    <a:gs pos="0">
-                      <a:schemeClr val="tx1"/>
-                    </a:gs>
-                    <a:gs pos="100000">
-                      <a:schemeClr val="tx1">
-                        <a:lumMod val="75000"/>
-                      </a:schemeClr>
-                    </a:gs>
-                  </a:gsLst>
-                  <a:lin ang="5400000" scaled="0"/>
-                  <a:tileRect/>
-                </a:gradFill>
+                <a:solidFill>
+                  <a:schemeClr val="tx1">
+                    <a:lumMod val="50000"/>
+                    <a:lumOff val="50000"/>
+                  </a:schemeClr>
+                </a:solidFill>
               </a:defRPr>
             </a:lvl1pPr>
             <a:lvl2pPr marL="457200" indent="0">
@@ -2497,7 +2512,7 @@
     </p:spTree>
     <p:extLst>
       <p:ext uri="{BB962C8B-B14F-4D97-AF65-F5344CB8AC3E}">
-        <p14:creationId xmlns:p14="http://schemas.microsoft.com/office/powerpoint/2010/main" val="596278978"/>
+        <p14:creationId xmlns:p14="http://schemas.microsoft.com/office/powerpoint/2010/main" val="3811713108"/>
       </p:ext>
     </p:extLst>
   </p:cSld>
@@ -2507,7 +2522,7 @@
 </p:sldLayout>
 </file>
 
-<file path=ppt/slideLayouts/slideLayout16.xml><?xml version="1.0" encoding="utf-8"?>
+<file path=ppt/slideLayouts/slideLayout15.xml><?xml version="1.0" encoding="utf-8"?>
 <p:sldLayout xmlns:a="http://schemas.openxmlformats.org/drawingml/2006/main" xmlns:r="http://schemas.openxmlformats.org/officeDocument/2006/relationships" xmlns:p="http://schemas.openxmlformats.org/presentationml/2006/main" type="vertTx" preserve="1">
   <p:cSld name="Title and Vertical Text">
     <p:spTree>
@@ -2526,7 +2541,7 @@
       </p:grpSpPr>
       <p:sp>
         <p:nvSpPr>
-          <p:cNvPr id="7" name="Title 1"/>
+          <p:cNvPr id="2" name="Title 1"/>
           <p:cNvSpPr>
             <a:spLocks noGrp="1"/>
           </p:cNvSpPr>
@@ -2534,12 +2549,7 @@
             <p:ph type="title"/>
           </p:nvPr>
         </p:nvSpPr>
-        <p:spPr>
-          <a:xfrm>
-            <a:off x="1141413" y="609600"/>
-            <a:ext cx="9905998" cy="1905000"/>
-          </a:xfrm>
-        </p:spPr>
+        <p:spPr/>
         <p:txBody>
           <a:bodyPr/>
           <a:lstStyle/>
@@ -2564,7 +2574,7 @@
         </p:nvSpPr>
         <p:spPr/>
         <p:txBody>
-          <a:bodyPr vert="eaVert" anchor="t"/>
+          <a:bodyPr vert="eaVert"/>
           <a:lstStyle/>
           <a:p>
             <a:pPr lvl="0"/>
@@ -2672,7 +2682,7 @@
     </p:spTree>
     <p:extLst>
       <p:ext uri="{BB962C8B-B14F-4D97-AF65-F5344CB8AC3E}">
-        <p14:creationId xmlns:p14="http://schemas.microsoft.com/office/powerpoint/2010/main" val="3254488477"/>
+        <p14:creationId xmlns:p14="http://schemas.microsoft.com/office/powerpoint/2010/main" val="2137150987"/>
       </p:ext>
     </p:extLst>
   </p:cSld>
@@ -2682,7 +2692,7 @@
 </p:sldLayout>
 </file>
 
-<file path=ppt/slideLayouts/slideLayout17.xml><?xml version="1.0" encoding="utf-8"?>
+<file path=ppt/slideLayouts/slideLayout16.xml><?xml version="1.0" encoding="utf-8"?>
 <p:sldLayout xmlns:a="http://schemas.openxmlformats.org/drawingml/2006/main" xmlns:r="http://schemas.openxmlformats.org/officeDocument/2006/relationships" xmlns:p="http://schemas.openxmlformats.org/presentationml/2006/main" type="vertTitleAndTx" preserve="1">
   <p:cSld name="Vertical Title and Text">
     <p:spTree>
@@ -2711,12 +2721,12 @@
         </p:nvSpPr>
         <p:spPr>
           <a:xfrm>
-            <a:off x="8836898" y="609599"/>
-            <a:ext cx="2210514" cy="5181601"/>
+            <a:off x="7967673" y="609599"/>
+            <a:ext cx="1304743" cy="5251451"/>
           </a:xfrm>
         </p:spPr>
         <p:txBody>
-          <a:bodyPr vert="eaVert"/>
+          <a:bodyPr vert="eaVert" anchor="ctr"/>
           <a:lstStyle/>
           <a:p>
             <a:r>
@@ -2739,12 +2749,12 @@
         </p:nvSpPr>
         <p:spPr>
           <a:xfrm>
-            <a:off x="1141412" y="609600"/>
-            <a:ext cx="7543800" cy="5181600"/>
+            <a:off x="677335" y="609600"/>
+            <a:ext cx="7060150" cy="5251450"/>
           </a:xfrm>
         </p:spPr>
         <p:txBody>
-          <a:bodyPr vert="eaVert" anchor="t"/>
+          <a:bodyPr vert="eaVert"/>
           <a:lstStyle/>
           <a:p>
             <a:pPr lvl="0"/>
@@ -2852,7 +2862,7 @@
     </p:spTree>
     <p:extLst>
       <p:ext uri="{BB962C8B-B14F-4D97-AF65-F5344CB8AC3E}">
-        <p14:creationId xmlns:p14="http://schemas.microsoft.com/office/powerpoint/2010/main" val="2721936227"/>
+        <p14:creationId xmlns:p14="http://schemas.microsoft.com/office/powerpoint/2010/main" val="2258256051"/>
       </p:ext>
     </p:extLst>
   </p:cSld>
@@ -2891,8 +2901,14 @@
         </p:nvSpPr>
         <p:spPr/>
         <p:txBody>
-          <a:bodyPr/>
-          <a:lstStyle/>
+          <a:bodyPr>
+            <a:normAutofit/>
+          </a:bodyPr>
+          <a:lstStyle>
+            <a:lvl1pPr>
+              <a:defRPr sz="3600"/>
+            </a:lvl1pPr>
+          </a:lstStyle>
           <a:p>
             <a:r>
               <a:rPr lang="en-US"/>
@@ -2914,7 +2930,7 @@
         </p:nvSpPr>
         <p:spPr/>
         <p:txBody>
-          <a:bodyPr anchor="ctr"/>
+          <a:bodyPr/>
           <a:lstStyle/>
           <a:p>
             <a:pPr lvl="0"/>
@@ -3022,7 +3038,7 @@
     </p:spTree>
     <p:extLst>
       <p:ext uri="{BB962C8B-B14F-4D97-AF65-F5344CB8AC3E}">
-        <p14:creationId xmlns:p14="http://schemas.microsoft.com/office/powerpoint/2010/main" val="3129472531"/>
+        <p14:creationId xmlns:p14="http://schemas.microsoft.com/office/powerpoint/2010/main" val="1323663202"/>
       </p:ext>
     </p:extLst>
   </p:cSld>
@@ -3061,15 +3077,15 @@
         </p:nvSpPr>
         <p:spPr>
           <a:xfrm>
-            <a:off x="1751013" y="3308581"/>
-            <a:ext cx="8686800" cy="1468800"/>
+            <a:off x="677335" y="2700867"/>
+            <a:ext cx="8596668" cy="1826581"/>
           </a:xfrm>
         </p:spPr>
         <p:txBody>
           <a:bodyPr anchor="b"/>
           <a:lstStyle>
-            <a:lvl1pPr algn="r">
-              <a:defRPr sz="4000" b="0" cap="all"/>
+            <a:lvl1pPr algn="l">
+              <a:defRPr sz="4000" b="0" cap="none"/>
             </a:lvl1pPr>
           </a:lstStyle>
           <a:p>
@@ -3093,32 +3109,22 @@
         </p:nvSpPr>
         <p:spPr>
           <a:xfrm>
-            <a:off x="1751011" y="4777381"/>
-            <a:ext cx="8686801" cy="860400"/>
+            <a:off x="677335" y="4527448"/>
+            <a:ext cx="8596668" cy="860400"/>
           </a:xfrm>
         </p:spPr>
         <p:txBody>
-          <a:bodyPr anchor="t">
-            <a:normAutofit/>
-          </a:bodyPr>
+          <a:bodyPr anchor="t"/>
           <a:lstStyle>
-            <a:lvl1pPr marL="0" indent="0" algn="r">
+            <a:lvl1pPr marL="0" indent="0" algn="l">
               <a:buNone/>
               <a:defRPr sz="2000">
-                <a:gradFill flip="none" rotWithShape="1">
-                  <a:gsLst>
-                    <a:gs pos="0">
-                      <a:schemeClr val="tx1"/>
-                    </a:gs>
-                    <a:gs pos="100000">
-                      <a:schemeClr val="tx1">
-                        <a:lumMod val="75000"/>
-                      </a:schemeClr>
-                    </a:gs>
-                  </a:gsLst>
-                  <a:lin ang="5400000" scaled="0"/>
-                  <a:tileRect/>
-                </a:gradFill>
+                <a:solidFill>
+                  <a:schemeClr val="tx1">
+                    <a:lumMod val="50000"/>
+                    <a:lumOff val="50000"/>
+                  </a:schemeClr>
+                </a:solidFill>
               </a:defRPr>
             </a:lvl1pPr>
             <a:lvl2pPr marL="457200" indent="0">
@@ -3279,7 +3285,7 @@
     </p:spTree>
     <p:extLst>
       <p:ext uri="{BB962C8B-B14F-4D97-AF65-F5344CB8AC3E}">
-        <p14:creationId xmlns:p14="http://schemas.microsoft.com/office/powerpoint/2010/main" val="3761329430"/>
+        <p14:creationId xmlns:p14="http://schemas.microsoft.com/office/powerpoint/2010/main" val="4293670850"/>
       </p:ext>
     </p:extLst>
   </p:cSld>
@@ -3341,43 +3347,13 @@
         </p:nvSpPr>
         <p:spPr>
           <a:xfrm>
-            <a:off x="1141412" y="2666999"/>
-            <a:ext cx="4876800" cy="3124201"/>
+            <a:off x="677334" y="2160589"/>
+            <a:ext cx="4184035" cy="3880772"/>
           </a:xfrm>
         </p:spPr>
         <p:txBody>
-          <a:bodyPr>
-            <a:normAutofit/>
-          </a:bodyPr>
-          <a:lstStyle>
-            <a:lvl1pPr>
-              <a:defRPr sz="1800"/>
-            </a:lvl1pPr>
-            <a:lvl2pPr>
-              <a:defRPr sz="1600"/>
-            </a:lvl2pPr>
-            <a:lvl3pPr>
-              <a:defRPr sz="1400"/>
-            </a:lvl3pPr>
-            <a:lvl4pPr>
-              <a:defRPr sz="1200"/>
-            </a:lvl4pPr>
-            <a:lvl5pPr>
-              <a:defRPr sz="1200"/>
-            </a:lvl5pPr>
-            <a:lvl6pPr>
-              <a:defRPr sz="1200"/>
-            </a:lvl6pPr>
-            <a:lvl7pPr>
-              <a:defRPr sz="1200"/>
-            </a:lvl7pPr>
-            <a:lvl8pPr>
-              <a:defRPr sz="1200"/>
-            </a:lvl8pPr>
-            <a:lvl9pPr>
-              <a:defRPr sz="1200"/>
-            </a:lvl9pPr>
-          </a:lstStyle>
+          <a:bodyPr/>
+          <a:lstStyle/>
           <a:p>
             <a:pPr lvl="0"/>
             <a:r>
@@ -3428,43 +3404,13 @@
         </p:nvSpPr>
         <p:spPr>
           <a:xfrm>
-            <a:off x="6170612" y="2667000"/>
-            <a:ext cx="4876800" cy="3124200"/>
+            <a:off x="5089970" y="2160589"/>
+            <a:ext cx="4184034" cy="3880773"/>
           </a:xfrm>
         </p:spPr>
         <p:txBody>
-          <a:bodyPr>
-            <a:normAutofit/>
-          </a:bodyPr>
-          <a:lstStyle>
-            <a:lvl1pPr>
-              <a:defRPr sz="1800"/>
-            </a:lvl1pPr>
-            <a:lvl2pPr>
-              <a:defRPr sz="1600"/>
-            </a:lvl2pPr>
-            <a:lvl3pPr>
-              <a:defRPr sz="1400"/>
-            </a:lvl3pPr>
-            <a:lvl4pPr>
-              <a:defRPr sz="1200"/>
-            </a:lvl4pPr>
-            <a:lvl5pPr>
-              <a:defRPr sz="1200"/>
-            </a:lvl5pPr>
-            <a:lvl6pPr>
-              <a:defRPr sz="1200"/>
-            </a:lvl6pPr>
-            <a:lvl7pPr>
-              <a:defRPr sz="1200"/>
-            </a:lvl7pPr>
-            <a:lvl8pPr>
-              <a:defRPr sz="1200"/>
-            </a:lvl8pPr>
-            <a:lvl9pPr>
-              <a:defRPr sz="1200"/>
-            </a:lvl9pPr>
-          </a:lstStyle>
+          <a:bodyPr/>
+          <a:lstStyle/>
           <a:p>
             <a:pPr lvl="0"/>
             <a:r>
@@ -3571,7 +3517,7 @@
     </p:spTree>
     <p:extLst>
       <p:ext uri="{BB962C8B-B14F-4D97-AF65-F5344CB8AC3E}">
-        <p14:creationId xmlns:p14="http://schemas.microsoft.com/office/powerpoint/2010/main" val="3944286307"/>
+        <p14:creationId xmlns:p14="http://schemas.microsoft.com/office/powerpoint/2010/main" val="1160290215"/>
       </p:ext>
     </p:extLst>
   </p:cSld>
@@ -3637,8 +3583,8 @@
         </p:nvSpPr>
         <p:spPr>
           <a:xfrm>
-            <a:off x="1429280" y="2658533"/>
-            <a:ext cx="4588931" cy="576262"/>
+            <a:off x="675745" y="2160983"/>
+            <a:ext cx="4185623" cy="576262"/>
           </a:xfrm>
         </p:spPr>
         <p:txBody>
@@ -3648,7 +3594,7 @@
           <a:lstStyle>
             <a:lvl1pPr marL="0" indent="0">
               <a:buNone/>
-              <a:defRPr sz="2800" b="0"/>
+              <a:defRPr sz="2400" b="0"/>
             </a:lvl1pPr>
             <a:lvl2pPr marL="457200" indent="0">
               <a:buNone/>
@@ -3704,43 +3650,15 @@
         </p:nvSpPr>
         <p:spPr>
           <a:xfrm>
-            <a:off x="1141412" y="3243262"/>
-            <a:ext cx="4876800" cy="2547937"/>
+            <a:off x="675745" y="2737245"/>
+            <a:ext cx="4185623" cy="3304117"/>
           </a:xfrm>
         </p:spPr>
         <p:txBody>
-          <a:bodyPr anchor="t">
+          <a:bodyPr>
             <a:normAutofit/>
           </a:bodyPr>
-          <a:lstStyle>
-            <a:lvl1pPr>
-              <a:defRPr sz="1800"/>
-            </a:lvl1pPr>
-            <a:lvl2pPr>
-              <a:defRPr sz="1600"/>
-            </a:lvl2pPr>
-            <a:lvl3pPr>
-              <a:defRPr sz="1400"/>
-            </a:lvl3pPr>
-            <a:lvl4pPr>
-              <a:defRPr sz="1200"/>
-            </a:lvl4pPr>
-            <a:lvl5pPr>
-              <a:defRPr sz="1200"/>
-            </a:lvl5pPr>
-            <a:lvl6pPr>
-              <a:defRPr sz="1200"/>
-            </a:lvl6pPr>
-            <a:lvl7pPr>
-              <a:defRPr sz="1200"/>
-            </a:lvl7pPr>
-            <a:lvl8pPr>
-              <a:defRPr sz="1200"/>
-            </a:lvl8pPr>
-            <a:lvl9pPr>
-              <a:defRPr sz="1200"/>
-            </a:lvl9pPr>
-          </a:lstStyle>
+          <a:lstStyle/>
           <a:p>
             <a:pPr lvl="0"/>
             <a:r>
@@ -3791,8 +3709,8 @@
         </p:nvSpPr>
         <p:spPr>
           <a:xfrm>
-            <a:off x="6443133" y="2667000"/>
-            <a:ext cx="4604280" cy="576262"/>
+            <a:off x="5088383" y="2160983"/>
+            <a:ext cx="4185618" cy="576262"/>
           </a:xfrm>
         </p:spPr>
         <p:txBody>
@@ -3802,7 +3720,7 @@
           <a:lstStyle>
             <a:lvl1pPr marL="0" indent="0">
               <a:buNone/>
-              <a:defRPr sz="2800" b="0"/>
+              <a:defRPr sz="2400" b="0"/>
             </a:lvl1pPr>
             <a:lvl2pPr marL="457200" indent="0">
               <a:buNone/>
@@ -3858,43 +3776,15 @@
         </p:nvSpPr>
         <p:spPr>
           <a:xfrm>
-            <a:off x="6170612" y="3243262"/>
-            <a:ext cx="4876801" cy="2547937"/>
+            <a:off x="5088384" y="2737245"/>
+            <a:ext cx="4185617" cy="3304117"/>
           </a:xfrm>
         </p:spPr>
         <p:txBody>
-          <a:bodyPr anchor="t">
+          <a:bodyPr>
             <a:normAutofit/>
           </a:bodyPr>
-          <a:lstStyle>
-            <a:lvl1pPr>
-              <a:defRPr sz="1800"/>
-            </a:lvl1pPr>
-            <a:lvl2pPr>
-              <a:defRPr sz="1600"/>
-            </a:lvl2pPr>
-            <a:lvl3pPr>
-              <a:defRPr sz="1400"/>
-            </a:lvl3pPr>
-            <a:lvl4pPr>
-              <a:defRPr sz="1200"/>
-            </a:lvl4pPr>
-            <a:lvl5pPr>
-              <a:defRPr sz="1200"/>
-            </a:lvl5pPr>
-            <a:lvl6pPr>
-              <a:defRPr sz="1200"/>
-            </a:lvl6pPr>
-            <a:lvl7pPr>
-              <a:defRPr sz="1200"/>
-            </a:lvl7pPr>
-            <a:lvl8pPr>
-              <a:defRPr sz="1200"/>
-            </a:lvl8pPr>
-            <a:lvl9pPr>
-              <a:defRPr sz="1200"/>
-            </a:lvl9pPr>
-          </a:lstStyle>
+          <a:lstStyle/>
           <a:p>
             <a:pPr lvl="0"/>
             <a:r>
@@ -4001,7 +3891,7 @@
     </p:spTree>
     <p:extLst>
       <p:ext uri="{BB962C8B-B14F-4D97-AF65-F5344CB8AC3E}">
-        <p14:creationId xmlns:p14="http://schemas.microsoft.com/office/powerpoint/2010/main" val="4173011041"/>
+        <p14:creationId xmlns:p14="http://schemas.microsoft.com/office/powerpoint/2010/main" val="3045727141"/>
       </p:ext>
     </p:extLst>
   </p:cSld>
@@ -4038,7 +3928,12 @@
             <p:ph type="title"/>
           </p:nvPr>
         </p:nvSpPr>
-        <p:spPr/>
+        <p:spPr>
+          <a:xfrm>
+            <a:off x="677334" y="609600"/>
+            <a:ext cx="8596668" cy="1320800"/>
+          </a:xfrm>
+        </p:spPr>
         <p:txBody>
           <a:bodyPr/>
           <a:lstStyle/>
@@ -4119,7 +4014,7 @@
     </p:spTree>
     <p:extLst>
       <p:ext uri="{BB962C8B-B14F-4D97-AF65-F5344CB8AC3E}">
-        <p14:creationId xmlns:p14="http://schemas.microsoft.com/office/powerpoint/2010/main" val="1717828614"/>
+        <p14:creationId xmlns:p14="http://schemas.microsoft.com/office/powerpoint/2010/main" val="695061986"/>
       </p:ext>
     </p:extLst>
   </p:cSld>
@@ -4214,7 +4109,7 @@
     </p:spTree>
     <p:extLst>
       <p:ext uri="{BB962C8B-B14F-4D97-AF65-F5344CB8AC3E}">
-        <p14:creationId xmlns:p14="http://schemas.microsoft.com/office/powerpoint/2010/main" val="4226730155"/>
+        <p14:creationId xmlns:p14="http://schemas.microsoft.com/office/powerpoint/2010/main" val="2008004010"/>
       </p:ext>
     </p:extLst>
   </p:cSld>
@@ -4253,77 +4148,49 @@
         </p:nvSpPr>
         <p:spPr>
           <a:xfrm>
-            <a:off x="1141411" y="1600200"/>
-            <a:ext cx="3549121" cy="1371600"/>
+            <a:off x="677334" y="1498604"/>
+            <a:ext cx="3854528" cy="1278466"/>
           </a:xfrm>
         </p:spPr>
         <p:txBody>
           <a:bodyPr anchor="b">
-            <a:normAutofit/>
-          </a:bodyPr>
-          <a:lstStyle>
-            <a:lvl1pPr algn="l">
-              <a:defRPr sz="2400" b="0"/>
-            </a:lvl1pPr>
-          </a:lstStyle>
-          <a:p>
-            <a:r>
-              <a:rPr lang="en-US"/>
-              <a:t>Click to edit Master title style</a:t>
-            </a:r>
-            <a:endParaRPr lang="en-US" dirty="0"/>
-          </a:p>
-        </p:txBody>
-      </p:sp>
-      <p:sp>
-        <p:nvSpPr>
-          <p:cNvPr id="3" name="Content Placeholder 2"/>
-          <p:cNvSpPr>
-            <a:spLocks noGrp="1"/>
-          </p:cNvSpPr>
-          <p:nvPr>
-            <p:ph idx="1"/>
-          </p:nvPr>
-        </p:nvSpPr>
-        <p:spPr>
-          <a:xfrm>
-            <a:off x="5103812" y="609601"/>
-            <a:ext cx="5943601" cy="5181600"/>
-          </a:xfrm>
-        </p:spPr>
-        <p:txBody>
-          <a:bodyPr anchor="ctr">
             <a:normAutofit/>
           </a:bodyPr>
           <a:lstStyle>
             <a:lvl1pPr>
               <a:defRPr sz="2000"/>
             </a:lvl1pPr>
-            <a:lvl2pPr>
-              <a:defRPr sz="1800"/>
-            </a:lvl2pPr>
-            <a:lvl3pPr>
-              <a:defRPr sz="1600"/>
-            </a:lvl3pPr>
-            <a:lvl4pPr>
-              <a:defRPr sz="1400"/>
-            </a:lvl4pPr>
-            <a:lvl5pPr>
-              <a:defRPr sz="1400"/>
-            </a:lvl5pPr>
-            <a:lvl6pPr>
-              <a:defRPr sz="1400"/>
-            </a:lvl6pPr>
-            <a:lvl7pPr>
-              <a:defRPr sz="1400"/>
-            </a:lvl7pPr>
-            <a:lvl8pPr>
-              <a:defRPr sz="1400"/>
-            </a:lvl8pPr>
-            <a:lvl9pPr>
-              <a:defRPr sz="1400"/>
-            </a:lvl9pPr>
           </a:lstStyle>
+          <a:p>
+            <a:r>
+              <a:rPr lang="en-US"/>
+              <a:t>Click to edit Master title style</a:t>
+            </a:r>
+            <a:endParaRPr lang="en-US" dirty="0"/>
+          </a:p>
+        </p:txBody>
+      </p:sp>
+      <p:sp>
+        <p:nvSpPr>
+          <p:cNvPr id="3" name="Content Placeholder 2"/>
+          <p:cNvSpPr>
+            <a:spLocks noGrp="1"/>
+          </p:cNvSpPr>
+          <p:nvPr>
+            <p:ph idx="1"/>
+          </p:nvPr>
+        </p:nvSpPr>
+        <p:spPr>
+          <a:xfrm>
+            <a:off x="4760461" y="514924"/>
+            <a:ext cx="4513541" cy="5526437"/>
+          </a:xfrm>
+        </p:spPr>
+        <p:txBody>
+          <a:bodyPr>
+            <a:normAutofit/>
+          </a:bodyPr>
+          <a:lstStyle/>
           <a:p>
             <a:pPr lvl="0"/>
             <a:r>
@@ -4374,8 +4241,8 @@
         </p:nvSpPr>
         <p:spPr>
           <a:xfrm>
-            <a:off x="1141411" y="2971800"/>
-            <a:ext cx="3549121" cy="1828800"/>
+            <a:off x="677334" y="2777069"/>
+            <a:ext cx="3854528" cy="2584449"/>
           </a:xfrm>
         </p:spPr>
         <p:txBody>
@@ -4385,39 +4252,39 @@
           <a:lstStyle>
             <a:lvl1pPr marL="0" indent="0">
               <a:buNone/>
-              <a:defRPr sz="1600"/>
+              <a:defRPr sz="1400"/>
             </a:lvl1pPr>
-            <a:lvl2pPr marL="457200" indent="0">
+            <a:lvl2pPr marL="457063" indent="0">
+              <a:buNone/>
+              <a:defRPr sz="1400"/>
+            </a:lvl2pPr>
+            <a:lvl3pPr marL="914126" indent="0">
               <a:buNone/>
               <a:defRPr sz="1200"/>
-            </a:lvl2pPr>
-            <a:lvl3pPr marL="914400" indent="0">
+            </a:lvl3pPr>
+            <a:lvl4pPr marL="1371189" indent="0">
               <a:buNone/>
               <a:defRPr sz="1000"/>
-            </a:lvl3pPr>
-            <a:lvl4pPr marL="1371600" indent="0">
-              <a:buNone/>
-              <a:defRPr sz="900"/>
             </a:lvl4pPr>
-            <a:lvl5pPr marL="1828800" indent="0">
-              <a:buNone/>
-              <a:defRPr sz="900"/>
+            <a:lvl5pPr marL="1828251" indent="0">
+              <a:buNone/>
+              <a:defRPr sz="1000"/>
             </a:lvl5pPr>
-            <a:lvl6pPr marL="2286000" indent="0">
-              <a:buNone/>
-              <a:defRPr sz="900"/>
+            <a:lvl6pPr marL="2285314" indent="0">
+              <a:buNone/>
+              <a:defRPr sz="1000"/>
             </a:lvl6pPr>
-            <a:lvl7pPr marL="2743200" indent="0">
-              <a:buNone/>
-              <a:defRPr sz="900"/>
+            <a:lvl7pPr marL="2742377" indent="0">
+              <a:buNone/>
+              <a:defRPr sz="1000"/>
             </a:lvl7pPr>
-            <a:lvl8pPr marL="3200400" indent="0">
-              <a:buNone/>
-              <a:defRPr sz="900"/>
+            <a:lvl8pPr marL="3199440" indent="0">
+              <a:buNone/>
+              <a:defRPr sz="1000"/>
             </a:lvl8pPr>
-            <a:lvl9pPr marL="3657600" indent="0">
-              <a:buNone/>
-              <a:defRPr sz="900"/>
+            <a:lvl9pPr marL="3656503" indent="0">
+              <a:buNone/>
+              <a:defRPr sz="1000"/>
             </a:lvl9pPr>
           </a:lstStyle>
           <a:p>
@@ -4497,7 +4364,7 @@
     </p:spTree>
     <p:extLst>
       <p:ext uri="{BB962C8B-B14F-4D97-AF65-F5344CB8AC3E}">
-        <p14:creationId xmlns:p14="http://schemas.microsoft.com/office/powerpoint/2010/main" val="3644327467"/>
+        <p14:creationId xmlns:p14="http://schemas.microsoft.com/office/powerpoint/2010/main" val="2743898720"/>
       </p:ext>
     </p:extLst>
   </p:cSld>
@@ -4536,8 +4403,8 @@
         </p:nvSpPr>
         <p:spPr>
           <a:xfrm>
-            <a:off x="1141411" y="1600200"/>
-            <a:ext cx="5334001" cy="1371600"/>
+            <a:off x="677334" y="4800600"/>
+            <a:ext cx="8596667" cy="566738"/>
           </a:xfrm>
         </p:spPr>
         <p:txBody>
@@ -4546,7 +4413,7 @@
           </a:bodyPr>
           <a:lstStyle>
             <a:lvl1pPr algn="l">
-              <a:defRPr sz="2800" b="0"/>
+              <a:defRPr sz="2400" b="0"/>
             </a:lvl1pPr>
           </a:lstStyle>
           <a:p>
@@ -4560,7 +4427,7 @@
       </p:sp>
       <p:sp>
         <p:nvSpPr>
-          <p:cNvPr id="14" name="Picture Placeholder 2"/>
+          <p:cNvPr id="3" name="Picture Placeholder 2"/>
           <p:cNvSpPr>
             <a:spLocks noGrp="1" noChangeAspect="1"/>
           </p:cNvSpPr>
@@ -4570,32 +4437,9 @@
         </p:nvSpPr>
         <p:spPr>
           <a:xfrm>
-            <a:off x="7433733" y="-18288"/>
-            <a:ext cx="3276599" cy="6903720"/>
+            <a:off x="677334" y="609600"/>
+            <a:ext cx="8596668" cy="3845718"/>
           </a:xfrm>
-          <a:ln w="38100">
-            <a:gradFill flip="none" rotWithShape="1">
-              <a:gsLst>
-                <a:gs pos="0">
-                  <a:schemeClr val="bg2"/>
-                </a:gs>
-                <a:gs pos="100000">
-                  <a:schemeClr val="bg2">
-                    <a:lumMod val="75000"/>
-                  </a:schemeClr>
-                </a:gs>
-              </a:gsLst>
-              <a:lin ang="5400000" scaled="0"/>
-              <a:tileRect/>
-            </a:gradFill>
-          </a:ln>
-          <a:effectLst>
-            <a:innerShdw blurRad="57150" dist="38100" dir="10800000">
-              <a:srgbClr val="000000">
-                <a:alpha val="70000"/>
-              </a:srgbClr>
-            </a:innerShdw>
-          </a:effectLst>
         </p:spPr>
         <p:txBody>
           <a:bodyPr anchor="t">
@@ -4660,8 +4504,8 @@
         </p:nvSpPr>
         <p:spPr>
           <a:xfrm>
-            <a:off x="1141411" y="2971800"/>
-            <a:ext cx="5334001" cy="1828800"/>
+            <a:off x="677334" y="5367338"/>
+            <a:ext cx="8596667" cy="674024"/>
           </a:xfrm>
         </p:spPr>
         <p:txBody>
@@ -4671,7 +4515,7 @@
           <a:lstStyle>
             <a:lvl1pPr marL="0" indent="0">
               <a:buNone/>
-              <a:defRPr sz="1800"/>
+              <a:defRPr sz="1200"/>
             </a:lvl1pPr>
             <a:lvl2pPr marL="457200" indent="0">
               <a:buNone/>
@@ -4725,12 +4569,7 @@
             <p:ph type="dt" sz="half" idx="10"/>
           </p:nvPr>
         </p:nvSpPr>
-        <p:spPr>
-          <a:xfrm>
-            <a:off x="6399212" y="5883275"/>
-            <a:ext cx="914400" cy="365125"/>
-          </a:xfrm>
-        </p:spPr>
+        <p:spPr/>
         <p:txBody>
           <a:bodyPr/>
           <a:lstStyle/>
@@ -4753,12 +4592,7 @@
             <p:ph type="ftr" sz="quarter" idx="11"/>
           </p:nvPr>
         </p:nvSpPr>
-        <p:spPr>
-          <a:xfrm>
-            <a:off x="1141412" y="5883275"/>
-            <a:ext cx="5105400" cy="365125"/>
-          </a:xfrm>
-        </p:spPr>
+        <p:spPr/>
         <p:txBody>
           <a:bodyPr/>
           <a:lstStyle/>
@@ -4777,12 +4611,7 @@
             <p:ph type="sldNum" sz="quarter" idx="12"/>
           </p:nvPr>
         </p:nvSpPr>
-        <p:spPr>
-          <a:xfrm>
-            <a:off x="10742612" y="5883275"/>
-            <a:ext cx="322567" cy="365125"/>
-          </a:xfrm>
-        </p:spPr>
+        <p:spPr/>
         <p:txBody>
           <a:bodyPr/>
           <a:lstStyle/>
@@ -4798,7 +4627,7 @@
     </p:spTree>
     <p:extLst>
       <p:ext uri="{BB962C8B-B14F-4D97-AF65-F5344CB8AC3E}">
-        <p14:creationId xmlns:p14="http://schemas.microsoft.com/office/powerpoint/2010/main" val="1275608632"/>
+        <p14:creationId xmlns:p14="http://schemas.microsoft.com/office/powerpoint/2010/main" val="1485714340"/>
       </p:ext>
     </p:extLst>
   </p:cSld>
@@ -4812,8 +4641,8 @@
 <p:sldMaster xmlns:a="http://schemas.openxmlformats.org/drawingml/2006/main" xmlns:r="http://schemas.openxmlformats.org/officeDocument/2006/relationships" xmlns:p="http://schemas.openxmlformats.org/presentationml/2006/main">
   <p:cSld>
     <p:bg>
-      <p:bgRef idx="1003">
-        <a:schemeClr val="bg2"/>
+      <p:bgRef idx="1001">
+        <a:schemeClr val="bg1"/>
       </p:bgRef>
     </p:bg>
     <p:spTree>
@@ -4830,6 +4659,536 @@
           <a:chExt cx="0" cy="0"/>
         </a:xfrm>
       </p:grpSpPr>
+      <p:grpSp>
+        <p:nvGrpSpPr>
+          <p:cNvPr id="7" name="Group 6"/>
+          <p:cNvGrpSpPr/>
+          <p:nvPr/>
+        </p:nvGrpSpPr>
+        <p:grpSpPr>
+          <a:xfrm>
+            <a:off x="0" y="-8467"/>
+            <a:ext cx="12192000" cy="6866467"/>
+            <a:chOff x="0" y="-8467"/>
+            <a:chExt cx="12192000" cy="6866467"/>
+          </a:xfrm>
+        </p:grpSpPr>
+        <p:cxnSp>
+          <p:nvCxnSpPr>
+            <p:cNvPr id="20" name="Straight Connector 19"/>
+            <p:cNvCxnSpPr/>
+            <p:nvPr/>
+          </p:nvCxnSpPr>
+          <p:spPr>
+            <a:xfrm>
+              <a:off x="9371012" y="0"/>
+              <a:ext cx="1219200" cy="6858000"/>
+            </a:xfrm>
+            <a:prstGeom prst="line">
+              <a:avLst/>
+            </a:prstGeom>
+            <a:ln w="9525">
+              <a:solidFill>
+                <a:schemeClr val="bg1">
+                  <a:lumMod val="75000"/>
+                </a:schemeClr>
+              </a:solidFill>
+            </a:ln>
+          </p:spPr>
+          <p:style>
+            <a:lnRef idx="2">
+              <a:schemeClr val="accent1"/>
+            </a:lnRef>
+            <a:fillRef idx="0">
+              <a:schemeClr val="accent1"/>
+            </a:fillRef>
+            <a:effectRef idx="1">
+              <a:schemeClr val="accent1"/>
+            </a:effectRef>
+            <a:fontRef idx="minor">
+              <a:schemeClr val="tx1"/>
+            </a:fontRef>
+          </p:style>
+        </p:cxnSp>
+        <p:cxnSp>
+          <p:nvCxnSpPr>
+            <p:cNvPr id="21" name="Straight Connector 20"/>
+            <p:cNvCxnSpPr/>
+            <p:nvPr/>
+          </p:nvCxnSpPr>
+          <p:spPr>
+            <a:xfrm flipH="1">
+              <a:off x="7425267" y="3681413"/>
+              <a:ext cx="4763558" cy="3176587"/>
+            </a:xfrm>
+            <a:prstGeom prst="line">
+              <a:avLst/>
+            </a:prstGeom>
+            <a:ln w="9525">
+              <a:solidFill>
+                <a:schemeClr val="bg1">
+                  <a:lumMod val="85000"/>
+                </a:schemeClr>
+              </a:solidFill>
+            </a:ln>
+          </p:spPr>
+          <p:style>
+            <a:lnRef idx="2">
+              <a:schemeClr val="accent1"/>
+            </a:lnRef>
+            <a:fillRef idx="0">
+              <a:schemeClr val="accent1"/>
+            </a:fillRef>
+            <a:effectRef idx="1">
+              <a:schemeClr val="accent1"/>
+            </a:effectRef>
+            <a:fontRef idx="minor">
+              <a:schemeClr val="tx1"/>
+            </a:fontRef>
+          </p:style>
+        </p:cxnSp>
+        <p:sp>
+          <p:nvSpPr>
+            <p:cNvPr id="22" name="Rectangle 23"/>
+            <p:cNvSpPr/>
+            <p:nvPr/>
+          </p:nvSpPr>
+          <p:spPr>
+            <a:xfrm>
+              <a:off x="9181476" y="-8467"/>
+              <a:ext cx="3007349" cy="6866467"/>
+            </a:xfrm>
+            <a:custGeom>
+              <a:avLst/>
+              <a:gdLst/>
+              <a:ahLst/>
+              <a:cxnLst/>
+              <a:rect l="l" t="t" r="r" b="b"/>
+              <a:pathLst>
+                <a:path w="3007349" h="6866467">
+                  <a:moveTo>
+                    <a:pt x="2045532" y="0"/>
+                  </a:moveTo>
+                  <a:lnTo>
+                    <a:pt x="3007349" y="0"/>
+                  </a:lnTo>
+                  <a:lnTo>
+                    <a:pt x="3007349" y="6866467"/>
+                  </a:lnTo>
+                  <a:lnTo>
+                    <a:pt x="0" y="6866467"/>
+                  </a:lnTo>
+                  <a:lnTo>
+                    <a:pt x="2045532" y="0"/>
+                  </a:lnTo>
+                  <a:close/>
+                </a:path>
+              </a:pathLst>
+            </a:custGeom>
+            <a:solidFill>
+              <a:schemeClr val="accent1">
+                <a:alpha val="30000"/>
+              </a:schemeClr>
+            </a:solidFill>
+            <a:ln>
+              <a:noFill/>
+            </a:ln>
+            <a:effectLst/>
+          </p:spPr>
+          <p:style>
+            <a:lnRef idx="1">
+              <a:schemeClr val="accent1"/>
+            </a:lnRef>
+            <a:fillRef idx="3">
+              <a:schemeClr val="accent1"/>
+            </a:fillRef>
+            <a:effectRef idx="2">
+              <a:schemeClr val="accent1"/>
+            </a:effectRef>
+            <a:fontRef idx="minor">
+              <a:schemeClr val="lt1"/>
+            </a:fontRef>
+          </p:style>
+        </p:sp>
+        <p:sp>
+          <p:nvSpPr>
+            <p:cNvPr id="23" name="Rectangle 25"/>
+            <p:cNvSpPr/>
+            <p:nvPr/>
+          </p:nvSpPr>
+          <p:spPr>
+            <a:xfrm>
+              <a:off x="9603442" y="-8467"/>
+              <a:ext cx="2588558" cy="6866467"/>
+            </a:xfrm>
+            <a:custGeom>
+              <a:avLst/>
+              <a:gdLst/>
+              <a:ahLst/>
+              <a:cxnLst/>
+              <a:rect l="l" t="t" r="r" b="b"/>
+              <a:pathLst>
+                <a:path w="2573311" h="6866467">
+                  <a:moveTo>
+                    <a:pt x="0" y="0"/>
+                  </a:moveTo>
+                  <a:lnTo>
+                    <a:pt x="2573311" y="0"/>
+                  </a:lnTo>
+                  <a:lnTo>
+                    <a:pt x="2573311" y="6866467"/>
+                  </a:lnTo>
+                  <a:lnTo>
+                    <a:pt x="1202336" y="6866467"/>
+                  </a:lnTo>
+                  <a:lnTo>
+                    <a:pt x="0" y="0"/>
+                  </a:lnTo>
+                  <a:close/>
+                </a:path>
+              </a:pathLst>
+            </a:custGeom>
+            <a:solidFill>
+              <a:schemeClr val="accent1">
+                <a:alpha val="20000"/>
+              </a:schemeClr>
+            </a:solidFill>
+            <a:ln>
+              <a:noFill/>
+            </a:ln>
+            <a:effectLst/>
+          </p:spPr>
+          <p:style>
+            <a:lnRef idx="1">
+              <a:schemeClr val="accent1"/>
+            </a:lnRef>
+            <a:fillRef idx="3">
+              <a:schemeClr val="accent1"/>
+            </a:fillRef>
+            <a:effectRef idx="2">
+              <a:schemeClr val="accent1"/>
+            </a:effectRef>
+            <a:fontRef idx="minor">
+              <a:schemeClr val="lt1"/>
+            </a:fontRef>
+          </p:style>
+        </p:sp>
+        <p:sp>
+          <p:nvSpPr>
+            <p:cNvPr id="24" name="Isosceles Triangle 23"/>
+            <p:cNvSpPr/>
+            <p:nvPr/>
+          </p:nvSpPr>
+          <p:spPr>
+            <a:xfrm>
+              <a:off x="8932333" y="3048000"/>
+              <a:ext cx="3259667" cy="3810000"/>
+            </a:xfrm>
+            <a:prstGeom prst="triangle">
+              <a:avLst>
+                <a:gd name="adj" fmla="val 100000"/>
+              </a:avLst>
+            </a:prstGeom>
+            <a:solidFill>
+              <a:schemeClr val="accent2">
+                <a:alpha val="72000"/>
+              </a:schemeClr>
+            </a:solidFill>
+            <a:ln>
+              <a:noFill/>
+            </a:ln>
+            <a:effectLst/>
+          </p:spPr>
+          <p:style>
+            <a:lnRef idx="1">
+              <a:schemeClr val="accent1"/>
+            </a:lnRef>
+            <a:fillRef idx="3">
+              <a:schemeClr val="accent1"/>
+            </a:fillRef>
+            <a:effectRef idx="2">
+              <a:schemeClr val="accent1"/>
+            </a:effectRef>
+            <a:fontRef idx="minor">
+              <a:schemeClr val="lt1"/>
+            </a:fontRef>
+          </p:style>
+        </p:sp>
+        <p:sp>
+          <p:nvSpPr>
+            <p:cNvPr id="25" name="Rectangle 27"/>
+            <p:cNvSpPr/>
+            <p:nvPr/>
+          </p:nvSpPr>
+          <p:spPr>
+            <a:xfrm>
+              <a:off x="9334500" y="-8467"/>
+              <a:ext cx="2854326" cy="6866467"/>
+            </a:xfrm>
+            <a:custGeom>
+              <a:avLst/>
+              <a:gdLst/>
+              <a:ahLst/>
+              <a:cxnLst/>
+              <a:rect l="l" t="t" r="r" b="b"/>
+              <a:pathLst>
+                <a:path w="2858013" h="6866467">
+                  <a:moveTo>
+                    <a:pt x="0" y="0"/>
+                  </a:moveTo>
+                  <a:lnTo>
+                    <a:pt x="2858013" y="0"/>
+                  </a:lnTo>
+                  <a:lnTo>
+                    <a:pt x="2858013" y="6866467"/>
+                  </a:lnTo>
+                  <a:lnTo>
+                    <a:pt x="2473942" y="6866467"/>
+                  </a:lnTo>
+                  <a:lnTo>
+                    <a:pt x="0" y="0"/>
+                  </a:lnTo>
+                  <a:close/>
+                </a:path>
+              </a:pathLst>
+            </a:custGeom>
+            <a:solidFill>
+              <a:schemeClr val="accent2">
+                <a:lumMod val="75000"/>
+                <a:alpha val="70000"/>
+              </a:schemeClr>
+            </a:solidFill>
+            <a:ln>
+              <a:noFill/>
+            </a:ln>
+            <a:effectLst/>
+          </p:spPr>
+          <p:style>
+            <a:lnRef idx="1">
+              <a:schemeClr val="accent1"/>
+            </a:lnRef>
+            <a:fillRef idx="3">
+              <a:schemeClr val="accent1"/>
+            </a:fillRef>
+            <a:effectRef idx="2">
+              <a:schemeClr val="accent1"/>
+            </a:effectRef>
+            <a:fontRef idx="minor">
+              <a:schemeClr val="lt1"/>
+            </a:fontRef>
+          </p:style>
+        </p:sp>
+        <p:sp>
+          <p:nvSpPr>
+            <p:cNvPr id="26" name="Rectangle 28"/>
+            <p:cNvSpPr/>
+            <p:nvPr/>
+          </p:nvSpPr>
+          <p:spPr>
+            <a:xfrm>
+              <a:off x="10898730" y="-8467"/>
+              <a:ext cx="1290094" cy="6866467"/>
+            </a:xfrm>
+            <a:custGeom>
+              <a:avLst/>
+              <a:gdLst/>
+              <a:ahLst/>
+              <a:cxnLst/>
+              <a:rect l="l" t="t" r="r" b="b"/>
+              <a:pathLst>
+                <a:path w="1290094" h="6858000">
+                  <a:moveTo>
+                    <a:pt x="1019735" y="0"/>
+                  </a:moveTo>
+                  <a:lnTo>
+                    <a:pt x="1290094" y="0"/>
+                  </a:lnTo>
+                  <a:lnTo>
+                    <a:pt x="1290094" y="6858000"/>
+                  </a:lnTo>
+                  <a:lnTo>
+                    <a:pt x="0" y="6858000"/>
+                  </a:lnTo>
+                  <a:lnTo>
+                    <a:pt x="1019735" y="0"/>
+                  </a:lnTo>
+                  <a:close/>
+                </a:path>
+              </a:pathLst>
+            </a:custGeom>
+            <a:solidFill>
+              <a:schemeClr val="accent1">
+                <a:lumMod val="60000"/>
+                <a:lumOff val="40000"/>
+                <a:alpha val="70000"/>
+              </a:schemeClr>
+            </a:solidFill>
+            <a:ln>
+              <a:noFill/>
+            </a:ln>
+            <a:effectLst/>
+          </p:spPr>
+          <p:style>
+            <a:lnRef idx="1">
+              <a:schemeClr val="accent1"/>
+            </a:lnRef>
+            <a:fillRef idx="3">
+              <a:schemeClr val="accent1"/>
+            </a:fillRef>
+            <a:effectRef idx="2">
+              <a:schemeClr val="accent1"/>
+            </a:effectRef>
+            <a:fontRef idx="minor">
+              <a:schemeClr val="lt1"/>
+            </a:fontRef>
+          </p:style>
+        </p:sp>
+        <p:sp>
+          <p:nvSpPr>
+            <p:cNvPr id="27" name="Rectangle 29"/>
+            <p:cNvSpPr/>
+            <p:nvPr/>
+          </p:nvSpPr>
+          <p:spPr>
+            <a:xfrm>
+              <a:off x="10938999" y="-8467"/>
+              <a:ext cx="1249825" cy="6866467"/>
+            </a:xfrm>
+            <a:custGeom>
+              <a:avLst/>
+              <a:gdLst/>
+              <a:ahLst/>
+              <a:cxnLst/>
+              <a:rect l="l" t="t" r="r" b="b"/>
+              <a:pathLst>
+                <a:path w="1249825" h="6858000">
+                  <a:moveTo>
+                    <a:pt x="0" y="0"/>
+                  </a:moveTo>
+                  <a:lnTo>
+                    <a:pt x="1249825" y="0"/>
+                  </a:lnTo>
+                  <a:lnTo>
+                    <a:pt x="1249825" y="6858000"/>
+                  </a:lnTo>
+                  <a:lnTo>
+                    <a:pt x="1109382" y="6858000"/>
+                  </a:lnTo>
+                  <a:lnTo>
+                    <a:pt x="0" y="0"/>
+                  </a:lnTo>
+                  <a:close/>
+                </a:path>
+              </a:pathLst>
+            </a:custGeom>
+            <a:solidFill>
+              <a:schemeClr val="accent1">
+                <a:alpha val="65000"/>
+              </a:schemeClr>
+            </a:solidFill>
+            <a:ln>
+              <a:noFill/>
+            </a:ln>
+            <a:effectLst/>
+          </p:spPr>
+          <p:style>
+            <a:lnRef idx="1">
+              <a:schemeClr val="accent1"/>
+            </a:lnRef>
+            <a:fillRef idx="3">
+              <a:schemeClr val="accent1"/>
+            </a:fillRef>
+            <a:effectRef idx="2">
+              <a:schemeClr val="accent1"/>
+            </a:effectRef>
+            <a:fontRef idx="minor">
+              <a:schemeClr val="lt1"/>
+            </a:fontRef>
+          </p:style>
+        </p:sp>
+        <p:sp>
+          <p:nvSpPr>
+            <p:cNvPr id="28" name="Isosceles Triangle 27"/>
+            <p:cNvSpPr/>
+            <p:nvPr/>
+          </p:nvSpPr>
+          <p:spPr>
+            <a:xfrm>
+              <a:off x="10371666" y="3589867"/>
+              <a:ext cx="1817159" cy="3268133"/>
+            </a:xfrm>
+            <a:prstGeom prst="triangle">
+              <a:avLst>
+                <a:gd name="adj" fmla="val 100000"/>
+              </a:avLst>
+            </a:prstGeom>
+            <a:solidFill>
+              <a:schemeClr val="accent1">
+                <a:alpha val="80000"/>
+              </a:schemeClr>
+            </a:solidFill>
+            <a:ln>
+              <a:noFill/>
+            </a:ln>
+            <a:effectLst/>
+          </p:spPr>
+          <p:style>
+            <a:lnRef idx="1">
+              <a:schemeClr val="accent1"/>
+            </a:lnRef>
+            <a:fillRef idx="3">
+              <a:schemeClr val="accent1"/>
+            </a:fillRef>
+            <a:effectRef idx="2">
+              <a:schemeClr val="accent1"/>
+            </a:effectRef>
+            <a:fontRef idx="minor">
+              <a:schemeClr val="lt1"/>
+            </a:fontRef>
+          </p:style>
+        </p:sp>
+        <p:sp>
+          <p:nvSpPr>
+            <p:cNvPr id="29" name="Isosceles Triangle 28"/>
+            <p:cNvSpPr/>
+            <p:nvPr/>
+          </p:nvSpPr>
+          <p:spPr>
+            <a:xfrm>
+              <a:off x="0" y="4013200"/>
+              <a:ext cx="448733" cy="2844800"/>
+            </a:xfrm>
+            <a:prstGeom prst="triangle">
+              <a:avLst>
+                <a:gd name="adj" fmla="val 0"/>
+              </a:avLst>
+            </a:prstGeom>
+            <a:solidFill>
+              <a:schemeClr val="accent1">
+                <a:alpha val="85000"/>
+              </a:schemeClr>
+            </a:solidFill>
+            <a:ln>
+              <a:noFill/>
+            </a:ln>
+            <a:effectLst/>
+          </p:spPr>
+          <p:style>
+            <a:lnRef idx="1">
+              <a:schemeClr val="accent1"/>
+            </a:lnRef>
+            <a:fillRef idx="3">
+              <a:schemeClr val="accent1"/>
+            </a:fillRef>
+            <a:effectRef idx="2">
+              <a:schemeClr val="accent1"/>
+            </a:effectRef>
+            <a:fontRef idx="minor">
+              <a:schemeClr val="lt1"/>
+            </a:fontRef>
+          </p:style>
+        </p:sp>
+      </p:grpSp>
       <p:sp>
         <p:nvSpPr>
           <p:cNvPr id="2" name="Title Placeholder 1"/>
@@ -4842,15 +5201,15 @@
         </p:nvSpPr>
         <p:spPr>
           <a:xfrm>
-            <a:off x="1141413" y="609600"/>
-            <a:ext cx="9905998" cy="1905000"/>
+            <a:off x="677334" y="609600"/>
+            <a:ext cx="8596668" cy="1320800"/>
           </a:xfrm>
           <a:prstGeom prst="rect">
             <a:avLst/>
           </a:prstGeom>
         </p:spPr>
         <p:txBody>
-          <a:bodyPr vert="horz" lIns="91440" tIns="45720" rIns="91440" bIns="45720" rtlCol="0" anchor="ctr">
+          <a:bodyPr vert="horz" lIns="91440" tIns="45720" rIns="91440" bIns="45720" rtlCol="0" anchor="t">
             <a:normAutofit/>
           </a:bodyPr>
           <a:lstStyle/>
@@ -4875,15 +5234,15 @@
         </p:nvSpPr>
         <p:spPr>
           <a:xfrm>
-            <a:off x="1141413" y="2666999"/>
-            <a:ext cx="9905998" cy="3124201"/>
+            <a:off x="677334" y="2160589"/>
+            <a:ext cx="8596668" cy="3880773"/>
           </a:xfrm>
           <a:prstGeom prst="rect">
             <a:avLst/>
           </a:prstGeom>
         </p:spPr>
         <p:txBody>
-          <a:bodyPr vert="horz" lIns="91440" tIns="45720" rIns="91440" bIns="45720" rtlCol="0" anchor="ctr">
+          <a:bodyPr vert="horz" lIns="91440" tIns="45720" rIns="91440" bIns="45720" rtlCol="0">
             <a:normAutofit/>
           </a:bodyPr>
           <a:lstStyle/>
@@ -4937,8 +5296,8 @@
         </p:nvSpPr>
         <p:spPr>
           <a:xfrm>
-            <a:off x="8837612" y="5883275"/>
-            <a:ext cx="1600200" cy="365125"/>
+            <a:off x="7205133" y="6041362"/>
+            <a:ext cx="911939" cy="365125"/>
           </a:xfrm>
           <a:prstGeom prst="rect">
             <a:avLst/>
@@ -4948,20 +5307,12 @@
           <a:bodyPr vert="horz" lIns="91440" tIns="45720" rIns="91440" bIns="45720" rtlCol="0" anchor="ctr"/>
           <a:lstStyle>
             <a:lvl1pPr algn="r">
-              <a:defRPr sz="900" b="1" i="0">
+              <a:defRPr sz="900">
                 <a:solidFill>
                   <a:schemeClr val="tx1">
-                    <a:lumMod val="75000"/>
+                    <a:tint val="75000"/>
                   </a:schemeClr>
                 </a:solidFill>
-                <a:effectLst>
-                  <a:outerShdw blurRad="50800" dist="38100" dir="2700000" algn="tl" rotWithShape="0">
-                    <a:srgbClr val="000000">
-                      <a:alpha val="43000"/>
-                    </a:srgbClr>
-                  </a:outerShdw>
-                </a:effectLst>
-                <a:latin typeface="+mn-lt"/>
               </a:defRPr>
             </a:lvl1pPr>
           </a:lstStyle>
@@ -4986,8 +5337,8 @@
         </p:nvSpPr>
         <p:spPr>
           <a:xfrm>
-            <a:off x="1141412" y="5883275"/>
-            <a:ext cx="7543800" cy="365125"/>
+            <a:off x="677334" y="6041362"/>
+            <a:ext cx="6297612" cy="365125"/>
           </a:xfrm>
           <a:prstGeom prst="rect">
             <a:avLst/>
@@ -4997,20 +5348,12 @@
           <a:bodyPr vert="horz" lIns="91440" tIns="45720" rIns="91440" bIns="45720" rtlCol="0" anchor="ctr"/>
           <a:lstStyle>
             <a:lvl1pPr algn="l">
-              <a:defRPr sz="900" b="1" i="0">
+              <a:defRPr sz="900">
                 <a:solidFill>
                   <a:schemeClr val="tx1">
-                    <a:lumMod val="75000"/>
+                    <a:tint val="75000"/>
                   </a:schemeClr>
                 </a:solidFill>
-                <a:effectLst>
-                  <a:outerShdw blurRad="50800" dist="38100" dir="2700000" algn="tl" rotWithShape="0">
-                    <a:srgbClr val="000000">
-                      <a:alpha val="43000"/>
-                    </a:srgbClr>
-                  </a:outerShdw>
-                </a:effectLst>
-                <a:latin typeface="+mn-lt"/>
               </a:defRPr>
             </a:lvl1pPr>
           </a:lstStyle>
@@ -5031,8 +5374,8 @@
         </p:nvSpPr>
         <p:spPr>
           <a:xfrm>
-            <a:off x="10514012" y="5883275"/>
-            <a:ext cx="551167" cy="365125"/>
+            <a:off x="8590663" y="6041362"/>
+            <a:ext cx="683339" cy="365125"/>
           </a:xfrm>
           <a:prstGeom prst="rect">
             <a:avLst/>
@@ -5042,20 +5385,10 @@
           <a:bodyPr vert="horz" lIns="91440" tIns="45720" rIns="91440" bIns="45720" rtlCol="0" anchor="ctr"/>
           <a:lstStyle>
             <a:lvl1pPr algn="r">
-              <a:defRPr sz="900" b="1" i="0">
+              <a:defRPr sz="900">
                 <a:solidFill>
-                  <a:schemeClr val="tx1">
-                    <a:lumMod val="75000"/>
-                  </a:schemeClr>
+                  <a:schemeClr val="accent1"/>
                 </a:solidFill>
-                <a:effectLst>
-                  <a:outerShdw blurRad="50800" dist="38100" dir="2700000" algn="tl" rotWithShape="0">
-                    <a:srgbClr val="000000">
-                      <a:alpha val="43000"/>
-                    </a:srgbClr>
-                  </a:outerShdw>
-                </a:effectLst>
-                <a:latin typeface="+mn-lt"/>
               </a:defRPr>
             </a:lvl1pPr>
           </a:lstStyle>
@@ -5071,29 +5404,28 @@
     </p:spTree>
     <p:extLst>
       <p:ext uri="{BB962C8B-B14F-4D97-AF65-F5344CB8AC3E}">
-        <p14:creationId xmlns:p14="http://schemas.microsoft.com/office/powerpoint/2010/main" val="2584177654"/>
+        <p14:creationId xmlns:p14="http://schemas.microsoft.com/office/powerpoint/2010/main" val="3199557256"/>
       </p:ext>
     </p:extLst>
   </p:cSld>
-  <p:clrMap bg1="dk1" tx1="lt1" bg2="dk2" tx2="lt2" accent1="accent1" accent2="accent2" accent3="accent3" accent4="accent4" accent5="accent5" accent6="accent6" hlink="hlink" folHlink="folHlink"/>
+  <p:clrMap bg1="lt1" tx1="dk1" bg2="lt2" tx2="dk2" accent1="accent1" accent2="accent2" accent3="accent3" accent4="accent4" accent5="accent5" accent6="accent6" hlink="hlink" folHlink="folHlink"/>
   <p:sldLayoutIdLst>
-    <p:sldLayoutId id="2147483757" r:id="rId1"/>
-    <p:sldLayoutId id="2147483758" r:id="rId2"/>
-    <p:sldLayoutId id="2147483759" r:id="rId3"/>
-    <p:sldLayoutId id="2147483760" r:id="rId4"/>
-    <p:sldLayoutId id="2147483761" r:id="rId5"/>
-    <p:sldLayoutId id="2147483762" r:id="rId6"/>
-    <p:sldLayoutId id="2147483763" r:id="rId7"/>
-    <p:sldLayoutId id="2147483764" r:id="rId8"/>
-    <p:sldLayoutId id="2147483765" r:id="rId9"/>
-    <p:sldLayoutId id="2147483766" r:id="rId10"/>
-    <p:sldLayoutId id="2147483767" r:id="rId11"/>
-    <p:sldLayoutId id="2147483768" r:id="rId12"/>
-    <p:sldLayoutId id="2147483769" r:id="rId13"/>
-    <p:sldLayoutId id="2147483770" r:id="rId14"/>
-    <p:sldLayoutId id="2147483771" r:id="rId15"/>
-    <p:sldLayoutId id="2147483772" r:id="rId16"/>
-    <p:sldLayoutId id="2147483773" r:id="rId17"/>
+    <p:sldLayoutId id="2147483805" r:id="rId1"/>
+    <p:sldLayoutId id="2147483806" r:id="rId2"/>
+    <p:sldLayoutId id="2147483807" r:id="rId3"/>
+    <p:sldLayoutId id="2147483808" r:id="rId4"/>
+    <p:sldLayoutId id="2147483809" r:id="rId5"/>
+    <p:sldLayoutId id="2147483810" r:id="rId6"/>
+    <p:sldLayoutId id="2147483811" r:id="rId7"/>
+    <p:sldLayoutId id="2147483812" r:id="rId8"/>
+    <p:sldLayoutId id="2147483813" r:id="rId9"/>
+    <p:sldLayoutId id="2147483814" r:id="rId10"/>
+    <p:sldLayoutId id="2147483815" r:id="rId11"/>
+    <p:sldLayoutId id="2147483816" r:id="rId12"/>
+    <p:sldLayoutId id="2147483817" r:id="rId13"/>
+    <p:sldLayoutId id="2147483818" r:id="rId14"/>
+    <p:sldLayoutId id="2147483819" r:id="rId15"/>
+    <p:sldLayoutId id="2147483820" r:id="rId16"/>
   </p:sldLayoutIdLst>
   <p:txStyles>
     <p:titleStyle>
@@ -5102,38 +5434,10 @@
           <a:spcPct val="0"/>
         </a:spcBef>
         <a:buNone/>
-        <a:defRPr sz="3200" kern="1200" cap="all">
-          <a:ln w="3175" cmpd="sng">
-            <a:noFill/>
-          </a:ln>
-          <a:gradFill flip="none" rotWithShape="1">
-            <a:gsLst>
-              <a:gs pos="0">
-                <a:schemeClr val="tx1"/>
-              </a:gs>
-              <a:gs pos="100000">
-                <a:schemeClr val="tx1">
-                  <a:lumMod val="65000"/>
-                </a:schemeClr>
-              </a:gs>
-            </a:gsLst>
-            <a:lin ang="5580000" scaled="0"/>
-            <a:tileRect/>
-          </a:gradFill>
-          <a:effectLst>
-            <a:glow rad="38100">
-              <a:schemeClr val="bg1">
-                <a:lumMod val="65000"/>
-                <a:lumOff val="35000"/>
-                <a:alpha val="40000"/>
-              </a:schemeClr>
-            </a:glow>
-            <a:outerShdw blurRad="28575" dist="38100" dir="14040000" algn="tl" rotWithShape="0">
-              <a:srgbClr val="000000">
-                <a:alpha val="25000"/>
-              </a:srgbClr>
-            </a:outerShdw>
-          </a:effectLst>
+        <a:defRPr sz="3600" kern="1200">
+          <a:solidFill>
+            <a:schemeClr val="accent1"/>
+          </a:solidFill>
           <a:latin typeface="+mj-lt"/>
           <a:ea typeface="+mj-ea"/>
           <a:cs typeface="+mj-cs"/>
@@ -5197,48 +5501,26 @@
       </a:lvl9pPr>
     </p:titleStyle>
     <p:bodyStyle>
-      <a:lvl1pPr marL="285750" indent="-285750" algn="l" defTabSz="457200" rtl="0" eaLnBrk="1" latinLnBrk="0" hangingPunct="1">
+      <a:lvl1pPr marL="342900" indent="-342900" algn="l" defTabSz="457200" rtl="0" eaLnBrk="1" latinLnBrk="0" hangingPunct="1">
         <a:spcBef>
-          <a:spcPct val="20000"/>
+          <a:spcPts val="1000"/>
         </a:spcBef>
         <a:spcAft>
-          <a:spcPts val="600"/>
+          <a:spcPts val="0"/>
         </a:spcAft>
         <a:buClr>
-          <a:schemeClr val="tx1"/>
+          <a:schemeClr val="accent1"/>
         </a:buClr>
-        <a:buSzPct val="100000"/>
-        <a:buFont typeface="Arial"/>
-        <a:buChar char="•"/>
-        <a:defRPr sz="2000" kern="1200" cap="small">
-          <a:gradFill flip="none" rotWithShape="1">
-            <a:gsLst>
-              <a:gs pos="0">
-                <a:schemeClr val="tx1"/>
-              </a:gs>
-              <a:gs pos="100000">
-                <a:schemeClr val="tx1">
-                  <a:lumMod val="75000"/>
-                </a:schemeClr>
-              </a:gs>
-            </a:gsLst>
-            <a:lin ang="5580000" scaled="0"/>
-            <a:tileRect/>
-          </a:gradFill>
-          <a:effectLst>
-            <a:glow rad="38100">
-              <a:schemeClr val="bg1">
-                <a:lumMod val="50000"/>
-                <a:lumOff val="50000"/>
-                <a:alpha val="20000"/>
-              </a:schemeClr>
-            </a:glow>
-            <a:outerShdw blurRad="44450" dist="12700" dir="13860000" algn="tl" rotWithShape="0">
-              <a:srgbClr val="000000">
-                <a:alpha val="20000"/>
-              </a:srgbClr>
-            </a:outerShdw>
-          </a:effectLst>
+        <a:buSzPct val="80000"/>
+        <a:buFont typeface="Wingdings 3" charset="2"/>
+        <a:buChar char=""/>
+        <a:defRPr sz="1800" kern="1200">
+          <a:solidFill>
+            <a:schemeClr val="tx1">
+              <a:lumMod val="75000"/>
+              <a:lumOff val="25000"/>
+            </a:schemeClr>
+          </a:solidFill>
           <a:latin typeface="+mn-lt"/>
           <a:ea typeface="+mn-ea"/>
           <a:cs typeface="+mn-cs"/>
@@ -5246,187 +5528,99 @@
       </a:lvl1pPr>
       <a:lvl2pPr marL="742950" indent="-285750" algn="l" defTabSz="457200" rtl="0" eaLnBrk="1" latinLnBrk="0" hangingPunct="1">
         <a:spcBef>
-          <a:spcPct val="20000"/>
+          <a:spcPts val="1000"/>
         </a:spcBef>
         <a:spcAft>
-          <a:spcPts val="600"/>
+          <a:spcPts val="0"/>
         </a:spcAft>
         <a:buClr>
-          <a:schemeClr val="tx1"/>
+          <a:schemeClr val="accent1"/>
         </a:buClr>
-        <a:buSzPct val="100000"/>
-        <a:buFont typeface="Arial"/>
-        <a:buChar char="•"/>
-        <a:defRPr sz="1800" kern="1200" cap="small">
-          <a:gradFill flip="none" rotWithShape="1">
-            <a:gsLst>
-              <a:gs pos="0">
-                <a:schemeClr val="tx1"/>
-              </a:gs>
-              <a:gs pos="100000">
-                <a:schemeClr val="tx1">
-                  <a:lumMod val="75000"/>
-                </a:schemeClr>
-              </a:gs>
-            </a:gsLst>
-            <a:lin ang="5580000" scaled="0"/>
-            <a:tileRect/>
-          </a:gradFill>
-          <a:effectLst>
-            <a:glow rad="38100">
-              <a:schemeClr val="bg1">
-                <a:lumMod val="50000"/>
-                <a:lumOff val="50000"/>
-                <a:alpha val="20000"/>
-              </a:schemeClr>
-            </a:glow>
-            <a:outerShdw blurRad="44450" dist="12700" dir="13860000" algn="tl" rotWithShape="0">
-              <a:srgbClr val="000000">
-                <a:alpha val="20000"/>
-              </a:srgbClr>
-            </a:outerShdw>
-          </a:effectLst>
+        <a:buSzPct val="80000"/>
+        <a:buFont typeface="Wingdings 3" charset="2"/>
+        <a:buChar char=""/>
+        <a:defRPr sz="1600" kern="1200">
+          <a:solidFill>
+            <a:schemeClr val="tx1">
+              <a:lumMod val="75000"/>
+              <a:lumOff val="25000"/>
+            </a:schemeClr>
+          </a:solidFill>
           <a:latin typeface="+mn-lt"/>
           <a:ea typeface="+mn-ea"/>
           <a:cs typeface="+mn-cs"/>
         </a:defRPr>
       </a:lvl2pPr>
-      <a:lvl3pPr marL="1200150" indent="-285750" algn="l" defTabSz="457200" rtl="0" eaLnBrk="1" latinLnBrk="0" hangingPunct="1">
+      <a:lvl3pPr marL="1143000" indent="-228600" algn="l" defTabSz="457200" rtl="0" eaLnBrk="1" latinLnBrk="0" hangingPunct="1">
         <a:spcBef>
-          <a:spcPct val="20000"/>
+          <a:spcPts val="1000"/>
         </a:spcBef>
         <a:spcAft>
-          <a:spcPts val="600"/>
+          <a:spcPts val="0"/>
         </a:spcAft>
         <a:buClr>
-          <a:schemeClr val="tx1"/>
+          <a:schemeClr val="accent1"/>
         </a:buClr>
-        <a:buSzPct val="100000"/>
-        <a:buFont typeface="Arial"/>
-        <a:buChar char="•"/>
-        <a:defRPr sz="1600" kern="1200" cap="small">
-          <a:gradFill flip="none" rotWithShape="1">
-            <a:gsLst>
-              <a:gs pos="0">
-                <a:schemeClr val="tx1"/>
-              </a:gs>
-              <a:gs pos="100000">
-                <a:schemeClr val="tx1">
-                  <a:lumMod val="75000"/>
-                </a:schemeClr>
-              </a:gs>
-            </a:gsLst>
-            <a:lin ang="5580000" scaled="0"/>
-            <a:tileRect/>
-          </a:gradFill>
-          <a:effectLst>
-            <a:glow rad="38100">
-              <a:schemeClr val="bg1">
-                <a:lumMod val="50000"/>
-                <a:lumOff val="50000"/>
-                <a:alpha val="20000"/>
-              </a:schemeClr>
-            </a:glow>
-            <a:outerShdw blurRad="44450" dist="12700" dir="13860000" algn="tl" rotWithShape="0">
-              <a:srgbClr val="000000">
-                <a:alpha val="20000"/>
-              </a:srgbClr>
-            </a:outerShdw>
-          </a:effectLst>
+        <a:buSzPct val="80000"/>
+        <a:buFont typeface="Wingdings 3" charset="2"/>
+        <a:buChar char=""/>
+        <a:defRPr sz="1400" kern="1200">
+          <a:solidFill>
+            <a:schemeClr val="tx1">
+              <a:lumMod val="75000"/>
+              <a:lumOff val="25000"/>
+            </a:schemeClr>
+          </a:solidFill>
           <a:latin typeface="+mn-lt"/>
           <a:ea typeface="+mn-ea"/>
           <a:cs typeface="+mn-cs"/>
         </a:defRPr>
       </a:lvl3pPr>
-      <a:lvl4pPr marL="1543050" indent="-171450" algn="l" defTabSz="457200" rtl="0" eaLnBrk="1" latinLnBrk="0" hangingPunct="1">
+      <a:lvl4pPr marL="1600200" indent="-228600" algn="l" defTabSz="457200" rtl="0" eaLnBrk="1" latinLnBrk="0" hangingPunct="1">
         <a:spcBef>
-          <a:spcPct val="20000"/>
+          <a:spcPts val="1000"/>
         </a:spcBef>
         <a:spcAft>
-          <a:spcPts val="600"/>
+          <a:spcPts val="0"/>
         </a:spcAft>
         <a:buClr>
-          <a:schemeClr val="tx1"/>
+          <a:schemeClr val="accent1"/>
         </a:buClr>
-        <a:buSzPct val="100000"/>
-        <a:buFont typeface="Arial"/>
-        <a:buChar char="•"/>
-        <a:defRPr sz="1400" kern="1200" cap="small">
-          <a:gradFill flip="none" rotWithShape="1">
-            <a:gsLst>
-              <a:gs pos="0">
-                <a:schemeClr val="tx1"/>
-              </a:gs>
-              <a:gs pos="100000">
-                <a:schemeClr val="tx1">
-                  <a:lumMod val="75000"/>
-                </a:schemeClr>
-              </a:gs>
-            </a:gsLst>
-            <a:lin ang="5580000" scaled="0"/>
-            <a:tileRect/>
-          </a:gradFill>
-          <a:effectLst>
-            <a:glow rad="38100">
-              <a:schemeClr val="bg1">
-                <a:lumMod val="50000"/>
-                <a:lumOff val="50000"/>
-                <a:alpha val="20000"/>
-              </a:schemeClr>
-            </a:glow>
-            <a:outerShdw blurRad="44450" dist="12700" dir="13860000" algn="tl" rotWithShape="0">
-              <a:srgbClr val="000000">
-                <a:alpha val="20000"/>
-              </a:srgbClr>
-            </a:outerShdw>
-          </a:effectLst>
+        <a:buSzPct val="80000"/>
+        <a:buFont typeface="Wingdings 3" charset="2"/>
+        <a:buChar char=""/>
+        <a:defRPr sz="1200" kern="1200">
+          <a:solidFill>
+            <a:schemeClr val="tx1">
+              <a:lumMod val="75000"/>
+              <a:lumOff val="25000"/>
+            </a:schemeClr>
+          </a:solidFill>
           <a:latin typeface="+mn-lt"/>
           <a:ea typeface="+mn-ea"/>
           <a:cs typeface="+mn-cs"/>
         </a:defRPr>
       </a:lvl4pPr>
-      <a:lvl5pPr marL="2000250" indent="-171450" algn="l" defTabSz="457200" rtl="0" eaLnBrk="1" latinLnBrk="0" hangingPunct="1">
+      <a:lvl5pPr marL="2057400" indent="-228600" algn="l" defTabSz="457200" rtl="0" eaLnBrk="1" latinLnBrk="0" hangingPunct="1">
         <a:spcBef>
-          <a:spcPct val="20000"/>
+          <a:spcPts val="1000"/>
         </a:spcBef>
         <a:spcAft>
-          <a:spcPts val="600"/>
+          <a:spcPts val="0"/>
         </a:spcAft>
         <a:buClr>
-          <a:schemeClr val="tx1"/>
+          <a:schemeClr val="accent1"/>
         </a:buClr>
-        <a:buSzPct val="100000"/>
-        <a:buFont typeface="Arial"/>
-        <a:buChar char="•"/>
-        <a:defRPr sz="1400" kern="1200" cap="small">
-          <a:gradFill flip="none" rotWithShape="1">
-            <a:gsLst>
-              <a:gs pos="0">
-                <a:schemeClr val="tx1"/>
-              </a:gs>
-              <a:gs pos="100000">
-                <a:schemeClr val="tx1">
-                  <a:lumMod val="75000"/>
-                </a:schemeClr>
-              </a:gs>
-            </a:gsLst>
-            <a:lin ang="5580000" scaled="0"/>
-            <a:tileRect/>
-          </a:gradFill>
-          <a:effectLst>
-            <a:glow rad="38100">
-              <a:schemeClr val="bg1">
-                <a:lumMod val="50000"/>
-                <a:lumOff val="50000"/>
-                <a:alpha val="20000"/>
-              </a:schemeClr>
-            </a:glow>
-            <a:outerShdw blurRad="44450" dist="12700" dir="13860000" algn="tl" rotWithShape="0">
-              <a:srgbClr val="000000">
-                <a:alpha val="20000"/>
-              </a:srgbClr>
-            </a:outerShdw>
-          </a:effectLst>
+        <a:buSzPct val="80000"/>
+        <a:buFont typeface="Wingdings 3" charset="2"/>
+        <a:buChar char=""/>
+        <a:defRPr sz="1200" kern="1200">
+          <a:solidFill>
+            <a:schemeClr val="tx1">
+              <a:lumMod val="75000"/>
+              <a:lumOff val="25000"/>
+            </a:schemeClr>
+          </a:solidFill>
           <a:latin typeface="+mn-lt"/>
           <a:ea typeface="+mn-ea"/>
           <a:cs typeface="+mn-cs"/>
@@ -5434,46 +5628,24 @@
       </a:lvl5pPr>
       <a:lvl6pPr marL="2514600" indent="-228600" algn="l" defTabSz="457200" rtl="0" eaLnBrk="1" latinLnBrk="0" hangingPunct="1">
         <a:spcBef>
-          <a:spcPct val="20000"/>
+          <a:spcPts val="1000"/>
         </a:spcBef>
         <a:spcAft>
-          <a:spcPts val="600"/>
+          <a:spcPts val="0"/>
         </a:spcAft>
         <a:buClr>
-          <a:schemeClr val="tx1"/>
+          <a:schemeClr val="accent1"/>
         </a:buClr>
-        <a:buSzPct val="100000"/>
-        <a:buFont typeface="Arial"/>
-        <a:buChar char="•"/>
-        <a:defRPr sz="1200" kern="1200" cap="small">
-          <a:gradFill flip="none" rotWithShape="1">
-            <a:gsLst>
-              <a:gs pos="0">
-                <a:schemeClr val="tx1"/>
-              </a:gs>
-              <a:gs pos="100000">
-                <a:schemeClr val="tx1">
-                  <a:lumMod val="75000"/>
-                </a:schemeClr>
-              </a:gs>
-            </a:gsLst>
-            <a:lin ang="5580000" scaled="0"/>
-            <a:tileRect/>
-          </a:gradFill>
-          <a:effectLst>
-            <a:glow rad="38100">
-              <a:schemeClr val="bg1">
-                <a:lumMod val="50000"/>
-                <a:lumOff val="50000"/>
-                <a:alpha val="20000"/>
-              </a:schemeClr>
-            </a:glow>
-            <a:outerShdw blurRad="44450" dist="12700" dir="13860000" algn="tl" rotWithShape="0">
-              <a:srgbClr val="000000">
-                <a:alpha val="20000"/>
-              </a:srgbClr>
-            </a:outerShdw>
-          </a:effectLst>
+        <a:buSzPct val="80000"/>
+        <a:buFont typeface="Wingdings 3" charset="2"/>
+        <a:buChar char=""/>
+        <a:defRPr sz="1200" kern="1200">
+          <a:solidFill>
+            <a:schemeClr val="tx1">
+              <a:lumMod val="75000"/>
+              <a:lumOff val="25000"/>
+            </a:schemeClr>
+          </a:solidFill>
           <a:latin typeface="+mn-lt"/>
           <a:ea typeface="+mn-ea"/>
           <a:cs typeface="+mn-cs"/>
@@ -5481,46 +5653,24 @@
       </a:lvl6pPr>
       <a:lvl7pPr marL="2971800" indent="-228600" algn="l" defTabSz="457200" rtl="0" eaLnBrk="1" latinLnBrk="0" hangingPunct="1">
         <a:spcBef>
-          <a:spcPct val="20000"/>
+          <a:spcPts val="1000"/>
         </a:spcBef>
         <a:spcAft>
-          <a:spcPts val="600"/>
+          <a:spcPts val="0"/>
         </a:spcAft>
         <a:buClr>
-          <a:schemeClr val="tx1"/>
+          <a:schemeClr val="accent1"/>
         </a:buClr>
-        <a:buSzPct val="100000"/>
-        <a:buFont typeface="Arial"/>
-        <a:buChar char="•"/>
-        <a:defRPr sz="1200" kern="1200" cap="small">
-          <a:gradFill flip="none" rotWithShape="1">
-            <a:gsLst>
-              <a:gs pos="0">
-                <a:schemeClr val="tx1"/>
-              </a:gs>
-              <a:gs pos="100000">
-                <a:schemeClr val="tx1">
-                  <a:lumMod val="75000"/>
-                </a:schemeClr>
-              </a:gs>
-            </a:gsLst>
-            <a:lin ang="5580000" scaled="0"/>
-            <a:tileRect/>
-          </a:gradFill>
-          <a:effectLst>
-            <a:glow rad="38100">
-              <a:schemeClr val="bg1">
-                <a:lumMod val="50000"/>
-                <a:lumOff val="50000"/>
-                <a:alpha val="20000"/>
-              </a:schemeClr>
-            </a:glow>
-            <a:outerShdw blurRad="44450" dist="12700" dir="13860000" algn="tl" rotWithShape="0">
-              <a:srgbClr val="000000">
-                <a:alpha val="20000"/>
-              </a:srgbClr>
-            </a:outerShdw>
-          </a:effectLst>
+        <a:buSzPct val="80000"/>
+        <a:buFont typeface="Wingdings 3" charset="2"/>
+        <a:buChar char=""/>
+        <a:defRPr sz="1200" kern="1200">
+          <a:solidFill>
+            <a:schemeClr val="tx1">
+              <a:lumMod val="75000"/>
+              <a:lumOff val="25000"/>
+            </a:schemeClr>
+          </a:solidFill>
           <a:latin typeface="+mn-lt"/>
           <a:ea typeface="+mn-ea"/>
           <a:cs typeface="+mn-cs"/>
@@ -5528,46 +5678,24 @@
       </a:lvl7pPr>
       <a:lvl8pPr marL="3429000" indent="-228600" algn="l" defTabSz="457200" rtl="0" eaLnBrk="1" latinLnBrk="0" hangingPunct="1">
         <a:spcBef>
-          <a:spcPct val="20000"/>
+          <a:spcPts val="1000"/>
         </a:spcBef>
         <a:spcAft>
-          <a:spcPts val="600"/>
+          <a:spcPts val="0"/>
         </a:spcAft>
         <a:buClr>
-          <a:schemeClr val="tx1"/>
+          <a:schemeClr val="accent1"/>
         </a:buClr>
-        <a:buSzPct val="100000"/>
-        <a:buFont typeface="Arial"/>
-        <a:buChar char="•"/>
-        <a:defRPr sz="1200" kern="1200" cap="small">
-          <a:gradFill flip="none" rotWithShape="1">
-            <a:gsLst>
-              <a:gs pos="0">
-                <a:schemeClr val="tx1"/>
-              </a:gs>
-              <a:gs pos="100000">
-                <a:schemeClr val="tx1">
-                  <a:lumMod val="75000"/>
-                </a:schemeClr>
-              </a:gs>
-            </a:gsLst>
-            <a:lin ang="5580000" scaled="0"/>
-            <a:tileRect/>
-          </a:gradFill>
-          <a:effectLst>
-            <a:glow rad="38100">
-              <a:schemeClr val="bg1">
-                <a:lumMod val="50000"/>
-                <a:lumOff val="50000"/>
-                <a:alpha val="20000"/>
-              </a:schemeClr>
-            </a:glow>
-            <a:outerShdw blurRad="44450" dist="12700" dir="13860000" algn="tl" rotWithShape="0">
-              <a:srgbClr val="000000">
-                <a:alpha val="20000"/>
-              </a:srgbClr>
-            </a:outerShdw>
-          </a:effectLst>
+        <a:buSzPct val="80000"/>
+        <a:buFont typeface="Wingdings 3" charset="2"/>
+        <a:buChar char=""/>
+        <a:defRPr sz="1200" kern="1200">
+          <a:solidFill>
+            <a:schemeClr val="tx1">
+              <a:lumMod val="75000"/>
+              <a:lumOff val="25000"/>
+            </a:schemeClr>
+          </a:solidFill>
           <a:latin typeface="+mn-lt"/>
           <a:ea typeface="+mn-ea"/>
           <a:cs typeface="+mn-cs"/>
@@ -5575,46 +5703,24 @@
       </a:lvl8pPr>
       <a:lvl9pPr marL="3886200" indent="-228600" algn="l" defTabSz="457200" rtl="0" eaLnBrk="1" latinLnBrk="0" hangingPunct="1">
         <a:spcBef>
-          <a:spcPct val="20000"/>
+          <a:spcPts val="1000"/>
         </a:spcBef>
         <a:spcAft>
-          <a:spcPts val="600"/>
+          <a:spcPts val="0"/>
         </a:spcAft>
         <a:buClr>
-          <a:schemeClr val="tx1"/>
+          <a:schemeClr val="accent1"/>
         </a:buClr>
-        <a:buSzPct val="100000"/>
-        <a:buFont typeface="Arial"/>
-        <a:buChar char="•"/>
-        <a:defRPr sz="1200" kern="1200" cap="small">
-          <a:gradFill flip="none" rotWithShape="1">
-            <a:gsLst>
-              <a:gs pos="0">
-                <a:schemeClr val="tx1"/>
-              </a:gs>
-              <a:gs pos="100000">
-                <a:schemeClr val="tx1">
-                  <a:lumMod val="75000"/>
-                </a:schemeClr>
-              </a:gs>
-            </a:gsLst>
-            <a:lin ang="5580000" scaled="0"/>
-            <a:tileRect/>
-          </a:gradFill>
-          <a:effectLst>
-            <a:glow rad="38100">
-              <a:schemeClr val="bg1">
-                <a:lumMod val="50000"/>
-                <a:lumOff val="50000"/>
-                <a:alpha val="20000"/>
-              </a:schemeClr>
-            </a:glow>
-            <a:outerShdw blurRad="44450" dist="12700" dir="13860000" algn="tl" rotWithShape="0">
-              <a:srgbClr val="000000">
-                <a:alpha val="20000"/>
-              </a:srgbClr>
-            </a:outerShdw>
-          </a:effectLst>
+        <a:buSzPct val="80000"/>
+        <a:buFont typeface="Wingdings 3" charset="2"/>
+        <a:buChar char=""/>
+        <a:defRPr sz="1200" kern="1200">
+          <a:solidFill>
+            <a:schemeClr val="tx1">
+              <a:lumMod val="75000"/>
+              <a:lumOff val="25000"/>
+            </a:schemeClr>
+          </a:solidFill>
           <a:latin typeface="+mn-lt"/>
           <a:ea typeface="+mn-ea"/>
           <a:cs typeface="+mn-cs"/>
@@ -5944,7 +6050,7 @@
           <a:lstStyle/>
           <a:p>
             <a:r>
-              <a:t>Huffman Coding Algorithm &amp; Example</a:t>
+              <a:t>Huffman Coding Algorithm &amp; Code Implementation (Snippet)</a:t>
             </a:r>
           </a:p>
         </p:txBody>
@@ -5967,7 +6073,7 @@
           <a:p>
             <a:pPr/>
             <a:r>
-              <a:t>`createAndBuildMinHeap`: Creates a min-heap from character frequencies.`buildHuffmanTree`: Builds the Huffman tree using the min-heap.`printHCodes`: Traverses the tree and assigns codes to characters (0 for left, 1 for right).Example:  Illustrate with a simple character set (e.g., A, B, C, D) and their frequencies.Show the step-by-step creation of the Huffman tree.Show the resulting Huffman codes for each character.</a:t>
+              <a:t>Priority Queue:  Use a Min-Heap data structure to efficiently manage character frequencies.Tree Construction:  Iteratively build the Huffman tree by merging nodes with the smallest frequencies.Code Generation: Traverse the tree to assign binary codes to each character (0 for left, 1 for right).Code Example (C/C++): Show snippets of functions like `buildHuffmanTree`, `printHCodes`, etc.(Include relevant data ...Illustrate the key steps of the algorithm within the code.</a:t>
             </a:r>
           </a:p>
         </p:txBody>
@@ -6188,7 +6294,7 @@
           <a:p>
             <a:pPr/>
             <a:r>
-              <a:t>Huffman codes are prefix-free (no code is a prefix of another).This prevents ambiguity during decoding.The tree structure inherently ensures the prefix-free property.Any sequence of codes can be uniquely decoded by traversing the tree.Illustrate with examples of valid and invalid prefix codes.</a:t>
+              <a:t>Huffman codes are prefix codes.No code is a prefix of another code.This prevents ambiguity during decoding.The tree structure ensures this prefix property.Decoding is unambiguous because you can uniquely traverse the tree based on the binary code.</a:t>
             </a:r>
           </a:p>
         </p:txBody>
@@ -6331,7 +6437,7 @@
           <a:lstStyle/>
           <a:p>
             <a:r>
-              <a:t>Decoding Huffman Codes &amp; Size Comparison</a:t>
+              <a:t>Encoding and Decoding Example</a:t>
             </a:r>
           </a:p>
         </p:txBody>
@@ -6354,7 +6460,7 @@
           <a:p>
             <a:pPr/>
             <a:r>
-              <a:t>Decoding involves traversing the Huffman tree using the encoded bitstream.Each bit (0 or 1) directs the traversal (left or right).When a leaf node is reached, the corresponding character is output.Compare the size of the original string (in bits) to the size of the encoded string.Show the reduction in size achieved by Huffman coding.Include a table comparing original size vs. encoded size (including tree representation overhead).</a:t>
+              <a:t>Show a table with characters, their frequencies, and assigned Huffman codes.Demonstrate the encoding process: replace each character in the input string with its Huffman code.Calculate the size of the encoded string.Show how to decode the encoded string using the Huffman tree.Illustrate the decoding process step-by-step, using an example code.</a:t>
             </a:r>
           </a:p>
         </p:txBody>
@@ -6393,7 +6499,7 @@
           <a:lstStyle/>
           <a:p>
             <a:r>
-              <a:t>Conclusion</a:t>
+              <a:t>Conclusion: Advantages &amp; Disadvantages of Huffman Coding</a:t>
             </a:r>
           </a:p>
         </p:txBody>
@@ -6416,7 +6522,7 @@
           <a:p>
             <a:pPr/>
             <a:r>
-              <a:t>Huffman coding is an efficient lossless data compression technique.It leverages character frequencies to minimize the encoded string size.The prefix-free property ensures unambiguous decoding.Widely applicable in various data compression scenarios.Further improvements can be achieved by combining Huffman coding with other techniques.</a:t>
+              <a:t>Advantages:  Lossless compression, efficient for data with repetitive characters, relatively simple algorithm.Disadvantages:  Overhead of transmitting the Huffman tree, not optimal for all types of data, can be less efficient t...Applications: Data compression in various fields, text compression, image compression (in conjunction with other tech...Future improvements and related algorithms could be mentioned briefly.</a:t>
             </a:r>
           </a:p>
         </p:txBody>
@@ -6478,7 +6584,7 @@
           <a:p>
             <a:pPr/>
             <a:r>
-              <a:t>Created by: Aditya Bhogil</a:t>
+              <a:t>Created by:</a:t>
             </a:r>
           </a:p>
         </p:txBody>
@@ -6540,7 +6646,7 @@
           <a:p>
             <a:pPr/>
             <a:r>
-              <a:t>1.Introduction to Huffman Coding2.How Huffman Coding Works: Encoding3.Huffman Tree Construction4.Huffman Coding Algorithm &amp; Example5.Prefix Codes and Ambiguity Prevention6.Decoding Huffman Codes &amp; Size Comparison7.ConclusionConclusion</a:t>
+              <a:t>1.Introduction to Huffman Coding2.How Huffman Coding Works: An Example3.Building the Huffman Tree4.Huffman Coding Algorithm &amp; Code Implementation (Snippet)5.Prefix Codes and Ambiguity Prevention6.Encoding and Decoding Example7.Conclusion: Advantages &amp; Disadvantages of Huffman CodingConclusion</a:t>
             </a:r>
           </a:p>
         </p:txBody>
@@ -6602,7 +6708,7 @@
           <a:p>
             <a:pPr/>
             <a:r>
-              <a:t>Developed by David Huffman.Data compression technique reducing file size without data loss.Most effective for data with frequently occurring characters.Achieves compression by assigning shorter codes to more frequent characters.Uses a binary tree structure for encoding and decoding.Widely used in file compression (e.g., gzip, PNG).Improves data transmission efficiency.</a:t>
+              <a:t>Developed by David Huffman.A lossless data compression technique.Reduces data size without losing information.Most effective for data with frequently occurring characters.Uses variable-length codes based on character frequency.Creates a binary tree to represent character codes.Achieves compression by assigning shorter codes to more frequent characters.</a:t>
             </a:r>
           </a:p>
         </p:txBody>
@@ -6745,7 +6851,7 @@
           <a:lstStyle/>
           <a:p>
             <a:r>
-              <a:t>How Huffman Coding Works: Encoding</a:t>
+              <a:t>How Huffman Coding Works: An Example</a:t>
             </a:r>
           </a:p>
         </p:txBody>
@@ -6768,7 +6874,7 @@
           <a:p>
             <a:pPr/>
             <a:r>
-              <a:t>Example: Consider a string needing network transmission.Each character initially occupies 8 bits (e.g., ASCII).Total initial bit count calculation (number of characters * 8 bits/character).Huffman coding reduces this bit count significantly.Encoding involves creating a Huffman tree based on character frequencies.Assigning unique binary codes (0s and 1s) to each character based on tree structure.Concatenating these codes to represent the entire string.</a:t>
+              <a:t>Consider a string needing transmission (e.g., Each character typically uses 8 bits (1 byte).Calculating total bits for the initial string (15 characters * 8 bits/character = 120 bits).Huffman coding aims to reduce this bit count.It achieves this by assigning shorter codes to frequent characters and longer codes to less frequent characters.This leads to a smaller overall size for the encoded data.</a:t>
             </a:r>
           </a:p>
         </p:txBody>
@@ -6966,7 +7072,7 @@
           <a:lstStyle/>
           <a:p>
             <a:r>
-              <a:t>Huffman Tree Construction</a:t>
+              <a:t>Building the Huffman Tree</a:t>
             </a:r>
           </a:p>
         </p:txBody>
@@ -6989,7 +7095,7 @@
           <a:p>
             <a:pPr/>
             <a:r>
-              <a:t>Calculate the frequency of each character in the input string.Sort characters in ascending order of frequency (priority queue).Create a leaf node for each unique character.Iteratively combine the two nodes with the lowest frequencies:Create a new parent node.Assign the left child the lower frequency node.Assign the right child the higher frequency node.The parent node's frequency is the sum of its children's frequencies.Repeat until only one node (the root) remains.</a:t>
+              <a:t>Calculate the frequency of each character in the input string.Sort characters in ascending order of frequency (using a priority queue).Create a leaf node for each character, with its frequency as a value.Repeatedly combine the two nodes with the lowest frequencies:Create a new parent node.Assign the sum of the children's frequencies to the parent.Assign '0' to the left branch and '1' to the right branch.Continue until only one node (the root) remains.</a:t>
             </a:r>
           </a:p>
         </p:txBody>
@@ -7162,9 +7268,9 @@
 </file>
 
 <file path=ppt/theme/theme1.xml><?xml version="1.0" encoding="utf-8"?>
-<a:theme xmlns:a="http://schemas.openxmlformats.org/drawingml/2006/main" name="Mesh">
+<a:theme xmlns:a="http://schemas.openxmlformats.org/drawingml/2006/main" name="Facet">
   <a:themeElements>
-    <a:clrScheme name="Mesh">
+    <a:clrScheme name="Facet">
       <a:dk1>
         <a:sysClr val="windowText" lastClr="000000"/>
       </a:dk1>
@@ -7172,48 +7278,48 @@
         <a:sysClr val="window" lastClr="FFFFFF"/>
       </a:lt1>
       <a:dk2>
-        <a:srgbClr val="363D46"/>
+        <a:srgbClr val="2C3C43"/>
       </a:dk2>
       <a:lt2>
         <a:srgbClr val="EBEBEB"/>
       </a:lt2>
       <a:accent1>
-        <a:srgbClr val="6F6F6F"/>
+        <a:srgbClr val="90C226"/>
       </a:accent1>
       <a:accent2>
-        <a:srgbClr val="BFBFA5"/>
+        <a:srgbClr val="54A021"/>
       </a:accent2>
       <a:accent3>
-        <a:srgbClr val="DCD084"/>
+        <a:srgbClr val="E6B91E"/>
       </a:accent3>
       <a:accent4>
-        <a:srgbClr val="E7BF5F"/>
+        <a:srgbClr val="E76618"/>
       </a:accent4>
       <a:accent5>
-        <a:srgbClr val="E9A039"/>
+        <a:srgbClr val="C42F1A"/>
       </a:accent5>
       <a:accent6>
-        <a:srgbClr val="CF7133"/>
+        <a:srgbClr val="918655"/>
       </a:accent6>
       <a:hlink>
-        <a:srgbClr val="F28943"/>
+        <a:srgbClr val="99CA3C"/>
       </a:hlink>
       <a:folHlink>
-        <a:srgbClr val="F1B76C"/>
+        <a:srgbClr val="B9D181"/>
       </a:folHlink>
     </a:clrScheme>
-    <a:fontScheme name="Mesh">
+    <a:fontScheme name="Facet">
       <a:majorFont>
-        <a:latin typeface="Century Gothic" panose="020B0502020202020204"/>
+        <a:latin typeface="Trebuchet MS" panose="020B0603020202020204"/>
         <a:ea typeface=""/>
         <a:cs typeface=""/>
-        <a:font script="Jpan" typeface="ＭＳ ゴシック"/>
+        <a:font script="Jpan" typeface="メイリオ"/>
         <a:font script="Hang" typeface="맑은 고딕"/>
-        <a:font script="Hans" typeface="宋体"/>
-        <a:font script="Hant" typeface="新細明體"/>
+        <a:font script="Hans" typeface="方正姚体"/>
+        <a:font script="Hant" typeface="微軟正黑體"/>
         <a:font script="Arab" typeface="Tahoma"/>
-        <a:font script="Hebr" typeface="Gisha"/>
-        <a:font script="Thai" typeface="DilleniaUPC"/>
+        <a:font script="Hebr" typeface="Arial"/>
+        <a:font script="Thai" typeface="Cordia New"/>
         <a:font script="Ethi" typeface="Nyala"/>
         <a:font script="Beng" typeface="Vrinda"/>
         <a:font script="Gujr" typeface="Shruti"/>
@@ -7239,16 +7345,16 @@
         <a:font script="Geor" typeface="Sylfaen"/>
       </a:majorFont>
       <a:minorFont>
-        <a:latin typeface="Century Gothic" panose="020B0502020202020204"/>
+        <a:latin typeface="Trebuchet MS" panose="020B0603020202020204"/>
         <a:ea typeface=""/>
         <a:cs typeface=""/>
-        <a:font script="Jpan" typeface="ＭＳ ゴシック"/>
-        <a:font script="Hang" typeface="맑은 고딕"/>
-        <a:font script="Hans" typeface="宋体"/>
-        <a:font script="Hant" typeface="新細明體"/>
+        <a:font script="Jpan" typeface="メイリオ"/>
+        <a:font script="Hang" typeface="HY그래픽M"/>
+        <a:font script="Hans" typeface="华文新魏"/>
+        <a:font script="Hant" typeface="微軟正黑體"/>
         <a:font script="Arab" typeface="Tahoma"/>
         <a:font script="Hebr" typeface="Gisha"/>
-        <a:font script="Thai" typeface="DilleniaUPC"/>
+        <a:font script="Thai" typeface="IrisUPC"/>
         <a:font script="Ethi" typeface="Nyala"/>
         <a:font script="Beng" typeface="Vrinda"/>
         <a:font script="Gujr" typeface="Shruti"/>
@@ -7269,12 +7375,12 @@
         <a:font script="Laoo" typeface="DokChampa"/>
         <a:font script="Sinh" typeface="Iskoola Pota"/>
         <a:font script="Mong" typeface="Mongolian Baiti"/>
-        <a:font script="Viet" typeface="Verdana"/>
+        <a:font script="Viet" typeface="Arial"/>
         <a:font script="Uigh" typeface="Microsoft Uighur"/>
         <a:font script="Geor" typeface="Sylfaen"/>
       </a:minorFont>
     </a:fontScheme>
-    <a:fmtScheme name="Mesh">
+    <a:fmtScheme name="Facet">
       <a:fillStyleLst>
         <a:solidFill>
           <a:schemeClr val="phClr"/>
@@ -7283,13 +7389,13 @@
           <a:gsLst>
             <a:gs pos="0">
               <a:schemeClr val="phClr">
-                <a:tint val="60000"/>
+                <a:tint val="65000"/>
                 <a:lumMod val="110000"/>
               </a:schemeClr>
             </a:gs>
-            <a:gs pos="100000">
+            <a:gs pos="88000">
               <a:schemeClr val="phClr">
-                <a:tint val="82000"/>
+                <a:tint val="90000"/>
               </a:schemeClr>
             </a:gs>
           </a:gsLst>
@@ -7300,13 +7406,13 @@
             <a:gs pos="0">
               <a:schemeClr val="phClr">
                 <a:tint val="96000"/>
-                <a:lumMod val="104000"/>
+                <a:lumMod val="100000"/>
               </a:schemeClr>
             </a:gs>
-            <a:gs pos="100000">
+            <a:gs pos="78000">
               <a:schemeClr val="phClr">
-                <a:shade val="84000"/>
-                <a:lumMod val="84000"/>
+                <a:shade val="94000"/>
+                <a:lumMod val="94000"/>
               </a:schemeClr>
             </a:gs>
           </a:gsLst>
@@ -7314,7 +7420,7 @@
         </a:gradFill>
       </a:fillStyleLst>
       <a:lnStyleLst>
-        <a:ln w="9525" cap="rnd" cmpd="sng" algn="ctr">
+        <a:ln w="12700" cap="rnd" cmpd="sng" algn="ctr">
           <a:solidFill>
             <a:schemeClr val="phClr"/>
           </a:solidFill>
@@ -7339,18 +7445,18 @@
         </a:effectStyle>
         <a:effectStyle>
           <a:effectLst>
-            <a:innerShdw blurRad="50800" dist="25400" dir="13500000">
+            <a:outerShdw blurRad="38100" dist="25400" dir="5400000" rotWithShape="0">
               <a:srgbClr val="000000">
-                <a:alpha val="55000"/>
+                <a:alpha val="35000"/>
               </a:srgbClr>
-            </a:innerShdw>
+            </a:outerShdw>
           </a:effectLst>
         </a:effectStyle>
         <a:effectStyle>
           <a:effectLst>
             <a:outerShdw blurRad="50800" dist="38100" dir="5400000" rotWithShape="0">
               <a:srgbClr val="000000">
-                <a:alpha val="60000"/>
+                <a:alpha val="35000"/>
               </a:srgbClr>
             </a:outerShdw>
           </a:effectLst>
@@ -7360,8 +7466,8 @@
             </a:camera>
             <a:lightRig rig="threePt" dir="tl"/>
           </a:scene3d>
-          <a:sp3d>
-            <a:bevelT w="25400" h="25400" prst="slope"/>
+          <a:sp3d prstMaterial="plastic">
+            <a:bevelT w="0" h="0"/>
           </a:sp3d>
         </a:effectStyle>
       </a:effectStyleLst>
@@ -7374,36 +7480,37 @@
             <a:gs pos="0">
               <a:schemeClr val="phClr">
                 <a:tint val="90000"/>
+                <a:lumMod val="104000"/>
+              </a:schemeClr>
+            </a:gs>
+            <a:gs pos="94000">
+              <a:schemeClr val="phClr">
+                <a:shade val="96000"/>
+                <a:lumMod val="82000"/>
+              </a:schemeClr>
+            </a:gs>
+          </a:gsLst>
+          <a:lin ang="5400000" scaled="0"/>
+        </a:gradFill>
+        <a:gradFill rotWithShape="1">
+          <a:gsLst>
+            <a:gs pos="0">
+              <a:schemeClr val="phClr">
+                <a:tint val="90000"/>
                 <a:lumMod val="110000"/>
               </a:schemeClr>
             </a:gs>
             <a:gs pos="100000">
               <a:schemeClr val="phClr">
-                <a:shade val="64000"/>
-                <a:lumMod val="98000"/>
+                <a:shade val="94000"/>
+                <a:lumMod val="96000"/>
               </a:schemeClr>
             </a:gs>
           </a:gsLst>
-          <a:lin ang="5400000" scaled="0"/>
+          <a:path path="circle">
+            <a:fillToRect l="50000" t="50000" r="100000" b="100000"/>
+          </a:path>
         </a:gradFill>
-        <a:blipFill rotWithShape="1">
-          <a:blip xmlns:r="http://schemas.openxmlformats.org/officeDocument/2006/relationships" r:embed="rId1">
-            <a:duotone>
-              <a:schemeClr val="phClr">
-                <a:shade val="28000"/>
-                <a:satMod val="94000"/>
-                <a:lumMod val="20000"/>
-              </a:schemeClr>
-              <a:schemeClr val="phClr">
-                <a:tint val="94000"/>
-                <a:shade val="84000"/>
-                <a:satMod val="148000"/>
-                <a:lumMod val="114000"/>
-              </a:schemeClr>
-            </a:duotone>
-          </a:blip>
-          <a:stretch/>
-        </a:blipFill>
       </a:bgFillStyleLst>
     </a:fmtScheme>
   </a:themeElements>
@@ -7411,7 +7518,7 @@
   <a:extraClrSchemeLst/>
   <a:extLst>
     <a:ext uri="{05A4C25C-085E-4340-85A3-A5531E510DB2}">
-      <thm15:themeFamily xmlns:thm15="http://schemas.microsoft.com/office/thememl/2012/main" name="Mesh" id="{789EC3FE-34FD-429C-9918-760025E6C145}" vid="{B8BE45C0-8141-4D58-8C71-A009BC26FBBB}"/>
+      <thm15:themeFamily xmlns:thm15="http://schemas.microsoft.com/office/thememl/2012/main" name="Facet" id="{C0C680CD-088A-49FC-A102-D699147F32B2}" vid="{CFBC31BA-B70F-4F30-BCAA-4F3011E16C4D}"/>
     </a:ext>
   </a:extLst>
 </a:theme>
